--- a/docs/Diagrams.pptx
+++ b/docs/Diagrams.pptx
@@ -7,6 +7,7 @@
   <p:sldIdLst>
     <p:sldId id="256" r:id="rId2"/>
     <p:sldId id="257" r:id="rId3"/>
+    <p:sldId id="258" r:id="rId4"/>
   </p:sldIdLst>
   <p:sldSz cx="12192000" cy="6858000"/>
   <p:notesSz cx="6858000" cy="9144000"/>
@@ -116,7 +117,7 @@
 <file path=ppt/revisionInfo.xml><?xml version="1.0" encoding="utf-8"?>
 <p1510:revInfo xmlns:a="http://schemas.openxmlformats.org/drawingml/2006/main" xmlns:r="http://schemas.openxmlformats.org/officeDocument/2006/relationships" xmlns:p1510="http://schemas.microsoft.com/office/powerpoint/2015/10/main">
   <p1510:revLst>
-    <p1510:client id="{CF80B894-4622-4A86-95DF-4604413CD473}" v="71" dt="2023-08-16T09:55:22.656"/>
+    <p1510:client id="{46BA79B3-6F12-4FD1-BB92-92785C2AAF2E}" v="2" dt="2023-12-01T13:41:28.420"/>
   </p1510:revLst>
 </p1510:revInfo>
 </file>
@@ -2246,6 +2247,142 @@
           <pc:docMk/>
           <pc:sldMk cId="1015163467" sldId="258"/>
         </pc:sldMkLst>
+      </pc:sldChg>
+    </pc:docChg>
+  </pc:docChgLst>
+  <pc:docChgLst>
+    <pc:chgData name="Timo Klimmer" userId="af015218-587a-437d-921a-de4e64daf7ee" providerId="ADAL" clId="{46BA79B3-6F12-4FD1-BB92-92785C2AAF2E}"/>
+    <pc:docChg chg="custSel addSld modSld">
+      <pc:chgData name="Timo Klimmer" userId="af015218-587a-437d-921a-de4e64daf7ee" providerId="ADAL" clId="{46BA79B3-6F12-4FD1-BB92-92785C2AAF2E}" dt="2023-12-01T13:41:44.461" v="13" actId="164"/>
+      <pc:docMkLst>
+        <pc:docMk/>
+      </pc:docMkLst>
+      <pc:sldChg chg="addSp delSp modSp new mod">
+        <pc:chgData name="Timo Klimmer" userId="af015218-587a-437d-921a-de4e64daf7ee" providerId="ADAL" clId="{46BA79B3-6F12-4FD1-BB92-92785C2AAF2E}" dt="2023-12-01T13:41:44.461" v="13" actId="164"/>
+        <pc:sldMkLst>
+          <pc:docMk/>
+          <pc:sldMk cId="4206476889" sldId="258"/>
+        </pc:sldMkLst>
+        <pc:spChg chg="del">
+          <ac:chgData name="Timo Klimmer" userId="af015218-587a-437d-921a-de4e64daf7ee" providerId="ADAL" clId="{46BA79B3-6F12-4FD1-BB92-92785C2AAF2E}" dt="2023-12-01T13:39:30.438" v="1" actId="478"/>
+          <ac:spMkLst>
+            <pc:docMk/>
+            <pc:sldMk cId="4206476889" sldId="258"/>
+            <ac:spMk id="2" creationId="{64534895-604B-97FC-DB98-66674AAC84A6}"/>
+          </ac:spMkLst>
+        </pc:spChg>
+        <pc:spChg chg="del">
+          <ac:chgData name="Timo Klimmer" userId="af015218-587a-437d-921a-de4e64daf7ee" providerId="ADAL" clId="{46BA79B3-6F12-4FD1-BB92-92785C2AAF2E}" dt="2023-12-01T13:39:30.438" v="1" actId="478"/>
+          <ac:spMkLst>
+            <pc:docMk/>
+            <pc:sldMk cId="4206476889" sldId="258"/>
+            <ac:spMk id="3" creationId="{EFC52814-764B-528B-C443-ECE7CD877C33}"/>
+          </ac:spMkLst>
+        </pc:spChg>
+        <pc:spChg chg="mod topLvl">
+          <ac:chgData name="Timo Klimmer" userId="af015218-587a-437d-921a-de4e64daf7ee" providerId="ADAL" clId="{46BA79B3-6F12-4FD1-BB92-92785C2AAF2E}" dt="2023-12-01T13:41:19.823" v="11" actId="165"/>
+          <ac:spMkLst>
+            <pc:docMk/>
+            <pc:sldMk cId="4206476889" sldId="258"/>
+            <ac:spMk id="6" creationId="{4A19859B-4966-DE62-DDCC-5ECF5076EAA0}"/>
+          </ac:spMkLst>
+        </pc:spChg>
+        <pc:spChg chg="mod topLvl">
+          <ac:chgData name="Timo Klimmer" userId="af015218-587a-437d-921a-de4e64daf7ee" providerId="ADAL" clId="{46BA79B3-6F12-4FD1-BB92-92785C2AAF2E}" dt="2023-12-01T13:41:19.823" v="11" actId="165"/>
+          <ac:spMkLst>
+            <pc:docMk/>
+            <pc:sldMk cId="4206476889" sldId="258"/>
+            <ac:spMk id="7" creationId="{1368A5A4-1373-EF3B-7078-DAAF975BEA5C}"/>
+          </ac:spMkLst>
+        </pc:spChg>
+        <pc:spChg chg="mod topLvl">
+          <ac:chgData name="Timo Klimmer" userId="af015218-587a-437d-921a-de4e64daf7ee" providerId="ADAL" clId="{46BA79B3-6F12-4FD1-BB92-92785C2AAF2E}" dt="2023-12-01T13:41:19.823" v="11" actId="165"/>
+          <ac:spMkLst>
+            <pc:docMk/>
+            <pc:sldMk cId="4206476889" sldId="258"/>
+            <ac:spMk id="8" creationId="{76938E96-8E3A-D7A3-8D19-290581DA5EDD}"/>
+          </ac:spMkLst>
+        </pc:spChg>
+        <pc:spChg chg="mod topLvl">
+          <ac:chgData name="Timo Klimmer" userId="af015218-587a-437d-921a-de4e64daf7ee" providerId="ADAL" clId="{46BA79B3-6F12-4FD1-BB92-92785C2AAF2E}" dt="2023-12-01T13:41:19.823" v="11" actId="165"/>
+          <ac:spMkLst>
+            <pc:docMk/>
+            <pc:sldMk cId="4206476889" sldId="258"/>
+            <ac:spMk id="9" creationId="{C850542D-B2FE-0C9B-6102-BA4EC8D19AFD}"/>
+          </ac:spMkLst>
+        </pc:spChg>
+        <pc:spChg chg="mod topLvl">
+          <ac:chgData name="Timo Klimmer" userId="af015218-587a-437d-921a-de4e64daf7ee" providerId="ADAL" clId="{46BA79B3-6F12-4FD1-BB92-92785C2AAF2E}" dt="2023-12-01T13:41:19.823" v="11" actId="165"/>
+          <ac:spMkLst>
+            <pc:docMk/>
+            <pc:sldMk cId="4206476889" sldId="258"/>
+            <ac:spMk id="15" creationId="{6F9D8B60-EA9D-5174-747A-E08688DC10B2}"/>
+          </ac:spMkLst>
+        </pc:spChg>
+        <pc:grpChg chg="add del mod">
+          <ac:chgData name="Timo Klimmer" userId="af015218-587a-437d-921a-de4e64daf7ee" providerId="ADAL" clId="{46BA79B3-6F12-4FD1-BB92-92785C2AAF2E}" dt="2023-12-01T13:41:19.823" v="11" actId="165"/>
+          <ac:grpSpMkLst>
+            <pc:docMk/>
+            <pc:sldMk cId="4206476889" sldId="258"/>
+            <ac:grpSpMk id="4" creationId="{1C7F365C-8412-3972-A00C-B7F8564195CB}"/>
+          </ac:grpSpMkLst>
+        </pc:grpChg>
+        <pc:grpChg chg="add">
+          <ac:chgData name="Timo Klimmer" userId="af015218-587a-437d-921a-de4e64daf7ee" providerId="ADAL" clId="{46BA79B3-6F12-4FD1-BB92-92785C2AAF2E}" dt="2023-12-01T13:41:44.461" v="13" actId="164"/>
+          <ac:grpSpMkLst>
+            <pc:docMk/>
+            <pc:sldMk cId="4206476889" sldId="258"/>
+            <ac:grpSpMk id="16" creationId="{3E8E7164-D911-41EB-4BC3-5E92C3446252}"/>
+          </ac:grpSpMkLst>
+        </pc:grpChg>
+        <pc:picChg chg="mod topLvl">
+          <ac:chgData name="Timo Klimmer" userId="af015218-587a-437d-921a-de4e64daf7ee" providerId="ADAL" clId="{46BA79B3-6F12-4FD1-BB92-92785C2AAF2E}" dt="2023-12-01T13:41:19.823" v="11" actId="165"/>
+          <ac:picMkLst>
+            <pc:docMk/>
+            <pc:sldMk cId="4206476889" sldId="258"/>
+            <ac:picMk id="5" creationId="{9F359913-1D88-490D-4603-D37B6CD44087}"/>
+          </ac:picMkLst>
+        </pc:picChg>
+        <pc:picChg chg="mod topLvl">
+          <ac:chgData name="Timo Klimmer" userId="af015218-587a-437d-921a-de4e64daf7ee" providerId="ADAL" clId="{46BA79B3-6F12-4FD1-BB92-92785C2AAF2E}" dt="2023-12-01T13:41:28.420" v="12"/>
+          <ac:picMkLst>
+            <pc:docMk/>
+            <pc:sldMk cId="4206476889" sldId="258"/>
+            <ac:picMk id="14" creationId="{895A89CB-F029-36CD-4C8D-9A98FB22D9D5}"/>
+          </ac:picMkLst>
+        </pc:picChg>
+        <pc:cxnChg chg="mod topLvl">
+          <ac:chgData name="Timo Klimmer" userId="af015218-587a-437d-921a-de4e64daf7ee" providerId="ADAL" clId="{46BA79B3-6F12-4FD1-BB92-92785C2AAF2E}" dt="2023-12-01T13:41:19.823" v="11" actId="165"/>
+          <ac:cxnSpMkLst>
+            <pc:docMk/>
+            <pc:sldMk cId="4206476889" sldId="258"/>
+            <ac:cxnSpMk id="10" creationId="{E50E7DA0-FFAB-FE0F-2B9E-5BE5B305F0F9}"/>
+          </ac:cxnSpMkLst>
+        </pc:cxnChg>
+        <pc:cxnChg chg="mod topLvl">
+          <ac:chgData name="Timo Klimmer" userId="af015218-587a-437d-921a-de4e64daf7ee" providerId="ADAL" clId="{46BA79B3-6F12-4FD1-BB92-92785C2AAF2E}" dt="2023-12-01T13:41:19.823" v="11" actId="165"/>
+          <ac:cxnSpMkLst>
+            <pc:docMk/>
+            <pc:sldMk cId="4206476889" sldId="258"/>
+            <ac:cxnSpMk id="11" creationId="{79DF81F0-50D2-A458-961D-8DA869669886}"/>
+          </ac:cxnSpMkLst>
+        </pc:cxnChg>
+        <pc:cxnChg chg="mod topLvl">
+          <ac:chgData name="Timo Klimmer" userId="af015218-587a-437d-921a-de4e64daf7ee" providerId="ADAL" clId="{46BA79B3-6F12-4FD1-BB92-92785C2AAF2E}" dt="2023-12-01T13:41:19.823" v="11" actId="165"/>
+          <ac:cxnSpMkLst>
+            <pc:docMk/>
+            <pc:sldMk cId="4206476889" sldId="258"/>
+            <ac:cxnSpMk id="12" creationId="{57B7CB97-14D3-6ADB-2243-5E1ED1B9AD15}"/>
+          </ac:cxnSpMkLst>
+        </pc:cxnChg>
+        <pc:cxnChg chg="mod topLvl">
+          <ac:chgData name="Timo Klimmer" userId="af015218-587a-437d-921a-de4e64daf7ee" providerId="ADAL" clId="{46BA79B3-6F12-4FD1-BB92-92785C2AAF2E}" dt="2023-12-01T13:41:19.823" v="11" actId="165"/>
+          <ac:cxnSpMkLst>
+            <pc:docMk/>
+            <pc:sldMk cId="4206476889" sldId="258"/>
+            <ac:cxnSpMk id="13" creationId="{7D949813-BED2-C7BE-C5D2-2A44D96F381A}"/>
+          </ac:cxnSpMkLst>
+        </pc:cxnChg>
       </pc:sldChg>
     </pc:docChg>
   </pc:docChgLst>
@@ -2399,7 +2536,7 @@
           <a:p>
             <a:fld id="{FA62422C-9AFB-4AD4-A8EF-CF5F4ACA2D0C}" type="datetimeFigureOut">
               <a:rPr lang="de-DE" smtClean="0"/>
-              <a:t>16.08.2023</a:t>
+              <a:t>01.12.2023</a:t>
             </a:fld>
             <a:endParaRPr lang="de-DE"/>
           </a:p>
@@ -2597,7 +2734,7 @@
           <a:p>
             <a:fld id="{FA62422C-9AFB-4AD4-A8EF-CF5F4ACA2D0C}" type="datetimeFigureOut">
               <a:rPr lang="de-DE" smtClean="0"/>
-              <a:t>16.08.2023</a:t>
+              <a:t>01.12.2023</a:t>
             </a:fld>
             <a:endParaRPr lang="de-DE"/>
           </a:p>
@@ -2805,7 +2942,7 @@
           <a:p>
             <a:fld id="{FA62422C-9AFB-4AD4-A8EF-CF5F4ACA2D0C}" type="datetimeFigureOut">
               <a:rPr lang="de-DE" smtClean="0"/>
-              <a:t>16.08.2023</a:t>
+              <a:t>01.12.2023</a:t>
             </a:fld>
             <a:endParaRPr lang="de-DE"/>
           </a:p>
@@ -3003,7 +3140,7 @@
           <a:p>
             <a:fld id="{FA62422C-9AFB-4AD4-A8EF-CF5F4ACA2D0C}" type="datetimeFigureOut">
               <a:rPr lang="de-DE" smtClean="0"/>
-              <a:t>16.08.2023</a:t>
+              <a:t>01.12.2023</a:t>
             </a:fld>
             <a:endParaRPr lang="de-DE"/>
           </a:p>
@@ -3278,7 +3415,7 @@
           <a:p>
             <a:fld id="{FA62422C-9AFB-4AD4-A8EF-CF5F4ACA2D0C}" type="datetimeFigureOut">
               <a:rPr lang="de-DE" smtClean="0"/>
-              <a:t>16.08.2023</a:t>
+              <a:t>01.12.2023</a:t>
             </a:fld>
             <a:endParaRPr lang="de-DE"/>
           </a:p>
@@ -3543,7 +3680,7 @@
           <a:p>
             <a:fld id="{FA62422C-9AFB-4AD4-A8EF-CF5F4ACA2D0C}" type="datetimeFigureOut">
               <a:rPr lang="de-DE" smtClean="0"/>
-              <a:t>16.08.2023</a:t>
+              <a:t>01.12.2023</a:t>
             </a:fld>
             <a:endParaRPr lang="de-DE"/>
           </a:p>
@@ -3955,7 +4092,7 @@
           <a:p>
             <a:fld id="{FA62422C-9AFB-4AD4-A8EF-CF5F4ACA2D0C}" type="datetimeFigureOut">
               <a:rPr lang="de-DE" smtClean="0"/>
-              <a:t>16.08.2023</a:t>
+              <a:t>01.12.2023</a:t>
             </a:fld>
             <a:endParaRPr lang="de-DE"/>
           </a:p>
@@ -4096,7 +4233,7 @@
           <a:p>
             <a:fld id="{FA62422C-9AFB-4AD4-A8EF-CF5F4ACA2D0C}" type="datetimeFigureOut">
               <a:rPr lang="de-DE" smtClean="0"/>
-              <a:t>16.08.2023</a:t>
+              <a:t>01.12.2023</a:t>
             </a:fld>
             <a:endParaRPr lang="de-DE"/>
           </a:p>
@@ -4209,7 +4346,7 @@
           <a:p>
             <a:fld id="{FA62422C-9AFB-4AD4-A8EF-CF5F4ACA2D0C}" type="datetimeFigureOut">
               <a:rPr lang="de-DE" smtClean="0"/>
-              <a:t>16.08.2023</a:t>
+              <a:t>01.12.2023</a:t>
             </a:fld>
             <a:endParaRPr lang="de-DE"/>
           </a:p>
@@ -4520,7 +4657,7 @@
           <a:p>
             <a:fld id="{FA62422C-9AFB-4AD4-A8EF-CF5F4ACA2D0C}" type="datetimeFigureOut">
               <a:rPr lang="de-DE" smtClean="0"/>
-              <a:t>16.08.2023</a:t>
+              <a:t>01.12.2023</a:t>
             </a:fld>
             <a:endParaRPr lang="de-DE"/>
           </a:p>
@@ -4808,7 +4945,7 @@
           <a:p>
             <a:fld id="{FA62422C-9AFB-4AD4-A8EF-CF5F4ACA2D0C}" type="datetimeFigureOut">
               <a:rPr lang="de-DE" smtClean="0"/>
-              <a:t>16.08.2023</a:t>
+              <a:t>01.12.2023</a:t>
             </a:fld>
             <a:endParaRPr lang="de-DE"/>
           </a:p>
@@ -5049,7 +5186,7 @@
           <a:p>
             <a:fld id="{FA62422C-9AFB-4AD4-A8EF-CF5F4ACA2D0C}" type="datetimeFigureOut">
               <a:rPr lang="de-DE" smtClean="0"/>
-              <a:t>16.08.2023</a:t>
+              <a:t>01.12.2023</a:t>
             </a:fld>
             <a:endParaRPr lang="de-DE"/>
           </a:p>
@@ -8662,6 +8799,1591 @@
     <p:extLst>
       <p:ext uri="{BB962C8B-B14F-4D97-AF65-F5344CB8AC3E}">
         <p14:creationId xmlns:p14="http://schemas.microsoft.com/office/powerpoint/2010/main" val="3639164416"/>
+      </p:ext>
+    </p:extLst>
+  </p:cSld>
+  <p:clrMapOvr>
+    <a:masterClrMapping/>
+  </p:clrMapOvr>
+</p:sld>
+</file>
+
+<file path=ppt/slides/slide3.xml><?xml version="1.0" encoding="utf-8"?>
+<p:sld xmlns:a="http://schemas.openxmlformats.org/drawingml/2006/main" xmlns:r="http://schemas.openxmlformats.org/officeDocument/2006/relationships" xmlns:p="http://schemas.openxmlformats.org/presentationml/2006/main">
+  <p:cSld>
+    <p:spTree>
+      <p:nvGrpSpPr>
+        <p:cNvPr id="1" name=""/>
+        <p:cNvGrpSpPr/>
+        <p:nvPr/>
+      </p:nvGrpSpPr>
+      <p:grpSpPr>
+        <a:xfrm>
+          <a:off x="0" y="0"/>
+          <a:ext cx="0" cy="0"/>
+          <a:chOff x="0" y="0"/>
+          <a:chExt cx="0" cy="0"/>
+        </a:xfrm>
+      </p:grpSpPr>
+      <p:grpSp>
+        <p:nvGrpSpPr>
+          <p:cNvPr id="16" name="Gruppieren 15">
+            <a:extLst>
+              <a:ext uri="{FF2B5EF4-FFF2-40B4-BE49-F238E27FC236}">
+                <a16:creationId xmlns:a16="http://schemas.microsoft.com/office/drawing/2014/main" id="{3E8E7164-D911-41EB-4BC3-5E92C3446252}"/>
+              </a:ext>
+            </a:extLst>
+          </p:cNvPr>
+          <p:cNvGrpSpPr/>
+          <p:nvPr/>
+        </p:nvGrpSpPr>
+        <p:grpSpPr>
+          <a:xfrm>
+            <a:off x="2851544" y="1484739"/>
+            <a:ext cx="6123644" cy="1006186"/>
+            <a:chOff x="2851544" y="1484739"/>
+            <a:chExt cx="6123644" cy="1006186"/>
+          </a:xfrm>
+        </p:grpSpPr>
+        <p:pic>
+          <p:nvPicPr>
+            <p:cNvPr id="5" name="Grafik 4">
+              <a:extLst>
+                <a:ext uri="{FF2B5EF4-FFF2-40B4-BE49-F238E27FC236}">
+                  <a16:creationId xmlns:a16="http://schemas.microsoft.com/office/drawing/2014/main" id="{9F359913-1D88-490D-4603-D37B6CD44087}"/>
+                </a:ext>
+              </a:extLst>
+            </p:cNvPr>
+            <p:cNvPicPr>
+              <a:picLocks noChangeAspect="1"/>
+            </p:cNvPicPr>
+            <p:nvPr/>
+          </p:nvPicPr>
+          <p:blipFill rotWithShape="1">
+            <a:blip r:embed="rId2"/>
+            <a:srcRect r="17580"/>
+            <a:stretch/>
+          </p:blipFill>
+          <p:spPr>
+            <a:xfrm>
+              <a:off x="5009521" y="1552900"/>
+              <a:ext cx="1457658" cy="652439"/>
+            </a:xfrm>
+            <a:prstGeom prst="rect">
+              <a:avLst/>
+            </a:prstGeom>
+          </p:spPr>
+        </p:pic>
+        <p:sp>
+          <p:nvSpPr>
+            <p:cNvPr id="6" name="Textplatzhalter 2">
+              <a:extLst>
+                <a:ext uri="{FF2B5EF4-FFF2-40B4-BE49-F238E27FC236}">
+                  <a16:creationId xmlns:a16="http://schemas.microsoft.com/office/drawing/2014/main" id="{4A19859B-4966-DE62-DDCC-5ECF5076EAA0}"/>
+                </a:ext>
+              </a:extLst>
+            </p:cNvPr>
+            <p:cNvSpPr txBox="1">
+              <a:spLocks/>
+            </p:cNvSpPr>
+            <p:nvPr/>
+          </p:nvSpPr>
+          <p:spPr>
+            <a:xfrm>
+              <a:off x="2851544" y="1484739"/>
+              <a:ext cx="1260000" cy="169277"/>
+            </a:xfrm>
+            <a:prstGeom prst="rect">
+              <a:avLst/>
+            </a:prstGeom>
+          </p:spPr>
+          <p:txBody>
+            <a:bodyPr vert="horz" wrap="square" lIns="0" tIns="0" rIns="0" bIns="0" rtlCol="0" anchor="t">
+              <a:spAutoFit/>
+            </a:bodyPr>
+            <a:lstStyle>
+              <a:lvl1pPr marL="137160" marR="0" indent="-137160" algn="l" defTabSz="932742" rtl="0" eaLnBrk="1" fontAlgn="auto" latinLnBrk="0" hangingPunct="1">
+                <a:lnSpc>
+                  <a:spcPct val="100000"/>
+                </a:lnSpc>
+                <a:spcBef>
+                  <a:spcPct val="20000"/>
+                </a:spcBef>
+                <a:spcAft>
+                  <a:spcPts val="0"/>
+                </a:spcAft>
+                <a:buClrTx/>
+                <a:buSzPct val="90000"/>
+                <a:buFont typeface="Arial" panose="020B0604020202020204" pitchFamily="34" charset="0"/>
+                <a:buChar char="•"/>
+                <a:tabLst/>
+                <a:defRPr sz="1600" kern="1200" spc="0" baseline="0">
+                  <a:solidFill>
+                    <a:schemeClr val="tx1"/>
+                  </a:solidFill>
+                  <a:latin typeface="+mn-lt"/>
+                  <a:ea typeface="+mn-ea"/>
+                  <a:cs typeface="Segoe UI Semilight" panose="020B0402040204020203" pitchFamily="34" charset="0"/>
+                </a:defRPr>
+              </a:lvl1pPr>
+              <a:lvl2pPr marL="265176" marR="0" indent="-128016" algn="l" defTabSz="932742" rtl="0" eaLnBrk="1" fontAlgn="auto" latinLnBrk="0" hangingPunct="1">
+                <a:lnSpc>
+                  <a:spcPct val="100000"/>
+                </a:lnSpc>
+                <a:spcBef>
+                  <a:spcPct val="20000"/>
+                </a:spcBef>
+                <a:spcAft>
+                  <a:spcPts val="0"/>
+                </a:spcAft>
+                <a:buClrTx/>
+                <a:buSzPct val="90000"/>
+                <a:buFont typeface="Arial" panose="020B0604020202020204" pitchFamily="34" charset="0"/>
+                <a:buChar char="•"/>
+                <a:tabLst/>
+                <a:defRPr sz="1400" kern="1200" spc="0" baseline="0">
+                  <a:solidFill>
+                    <a:schemeClr val="tx1"/>
+                  </a:solidFill>
+                  <a:latin typeface="+mn-lt"/>
+                  <a:ea typeface="+mn-ea"/>
+                  <a:cs typeface="+mn-cs"/>
+                </a:defRPr>
+              </a:lvl2pPr>
+              <a:lvl3pPr marL="384048" marR="0" indent="-118872" algn="l" defTabSz="932742" rtl="0" eaLnBrk="1" fontAlgn="auto" latinLnBrk="0" hangingPunct="1">
+                <a:lnSpc>
+                  <a:spcPct val="100000"/>
+                </a:lnSpc>
+                <a:spcBef>
+                  <a:spcPct val="20000"/>
+                </a:spcBef>
+                <a:spcAft>
+                  <a:spcPts val="0"/>
+                </a:spcAft>
+                <a:buClrTx/>
+                <a:buSzPct val="90000"/>
+                <a:buFont typeface="Arial" panose="020B0604020202020204" pitchFamily="34" charset="0"/>
+                <a:buChar char="•"/>
+                <a:tabLst/>
+                <a:defRPr sz="1200" kern="1200" spc="0" baseline="0">
+                  <a:solidFill>
+                    <a:schemeClr val="tx1"/>
+                  </a:solidFill>
+                  <a:latin typeface="+mn-lt"/>
+                  <a:ea typeface="+mn-ea"/>
+                  <a:cs typeface="+mn-cs"/>
+                </a:defRPr>
+              </a:lvl3pPr>
+              <a:lvl4pPr marL="685800" marR="0" indent="0" algn="l" defTabSz="932742" rtl="0" eaLnBrk="1" fontAlgn="auto" latinLnBrk="0" hangingPunct="1">
+                <a:lnSpc>
+                  <a:spcPct val="100000"/>
+                </a:lnSpc>
+                <a:spcBef>
+                  <a:spcPct val="20000"/>
+                </a:spcBef>
+                <a:spcAft>
+                  <a:spcPts val="0"/>
+                </a:spcAft>
+                <a:buClrTx/>
+                <a:buSzPct val="90000"/>
+                <a:buFont typeface="Wingdings" panose="05000000000000000000" pitchFamily="2" charset="2"/>
+                <a:buNone/>
+                <a:tabLst/>
+                <a:defRPr sz="1000" kern="1200" spc="0" baseline="0">
+                  <a:gradFill>
+                    <a:gsLst>
+                      <a:gs pos="1250">
+                        <a:schemeClr val="tx1"/>
+                      </a:gs>
+                      <a:gs pos="100000">
+                        <a:schemeClr val="tx1"/>
+                      </a:gs>
+                    </a:gsLst>
+                    <a:lin ang="5400000" scaled="0"/>
+                  </a:gradFill>
+                  <a:latin typeface="+mn-lt"/>
+                  <a:ea typeface="+mn-ea"/>
+                  <a:cs typeface="+mn-cs"/>
+                </a:defRPr>
+              </a:lvl4pPr>
+              <a:lvl5pPr marL="914400" marR="0" indent="0" algn="l" defTabSz="932742" rtl="0" eaLnBrk="1" fontAlgn="auto" latinLnBrk="0" hangingPunct="1">
+                <a:lnSpc>
+                  <a:spcPct val="100000"/>
+                </a:lnSpc>
+                <a:spcBef>
+                  <a:spcPct val="20000"/>
+                </a:spcBef>
+                <a:spcAft>
+                  <a:spcPts val="0"/>
+                </a:spcAft>
+                <a:buClrTx/>
+                <a:buSzPct val="90000"/>
+                <a:buFont typeface="Wingdings" panose="05000000000000000000" pitchFamily="2" charset="2"/>
+                <a:buNone/>
+                <a:tabLst/>
+                <a:defRPr sz="800" kern="1200" spc="0" baseline="0">
+                  <a:gradFill>
+                    <a:gsLst>
+                      <a:gs pos="1250">
+                        <a:schemeClr val="tx1"/>
+                      </a:gs>
+                      <a:gs pos="100000">
+                        <a:schemeClr val="tx1"/>
+                      </a:gs>
+                    </a:gsLst>
+                    <a:lin ang="5400000" scaled="0"/>
+                  </a:gradFill>
+                  <a:latin typeface="+mn-lt"/>
+                  <a:ea typeface="+mn-ea"/>
+                  <a:cs typeface="+mn-cs"/>
+                </a:defRPr>
+              </a:lvl5pPr>
+              <a:lvl6pPr marL="2565040" indent="-233186" algn="l" defTabSz="932742" rtl="0" eaLnBrk="1" latinLnBrk="0" hangingPunct="1">
+                <a:spcBef>
+                  <a:spcPct val="20000"/>
+                </a:spcBef>
+                <a:buFont typeface="Arial" pitchFamily="34" charset="0"/>
+                <a:buChar char="•"/>
+                <a:defRPr sz="2000" kern="1200">
+                  <a:solidFill>
+                    <a:schemeClr val="tx1"/>
+                  </a:solidFill>
+                  <a:latin typeface="+mn-lt"/>
+                  <a:ea typeface="+mn-ea"/>
+                  <a:cs typeface="+mn-cs"/>
+                </a:defRPr>
+              </a:lvl6pPr>
+              <a:lvl7pPr marL="3031412" indent="-233186" algn="l" defTabSz="932742" rtl="0" eaLnBrk="1" latinLnBrk="0" hangingPunct="1">
+                <a:spcBef>
+                  <a:spcPct val="20000"/>
+                </a:spcBef>
+                <a:buFont typeface="Arial" pitchFamily="34" charset="0"/>
+                <a:buChar char="•"/>
+                <a:defRPr sz="2000" kern="1200">
+                  <a:solidFill>
+                    <a:schemeClr val="tx1"/>
+                  </a:solidFill>
+                  <a:latin typeface="+mn-lt"/>
+                  <a:ea typeface="+mn-ea"/>
+                  <a:cs typeface="+mn-cs"/>
+                </a:defRPr>
+              </a:lvl7pPr>
+              <a:lvl8pPr marL="3497783" indent="-233186" algn="l" defTabSz="932742" rtl="0" eaLnBrk="1" latinLnBrk="0" hangingPunct="1">
+                <a:spcBef>
+                  <a:spcPct val="20000"/>
+                </a:spcBef>
+                <a:buFont typeface="Arial" pitchFamily="34" charset="0"/>
+                <a:buChar char="•"/>
+                <a:defRPr sz="2000" kern="1200">
+                  <a:solidFill>
+                    <a:schemeClr val="tx1"/>
+                  </a:solidFill>
+                  <a:latin typeface="+mn-lt"/>
+                  <a:ea typeface="+mn-ea"/>
+                  <a:cs typeface="+mn-cs"/>
+                </a:defRPr>
+              </a:lvl8pPr>
+              <a:lvl9pPr marL="3964155" indent="-233186" algn="l" defTabSz="932742" rtl="0" eaLnBrk="1" latinLnBrk="0" hangingPunct="1">
+                <a:spcBef>
+                  <a:spcPct val="20000"/>
+                </a:spcBef>
+                <a:buFont typeface="Arial" pitchFamily="34" charset="0"/>
+                <a:buChar char="•"/>
+                <a:defRPr sz="2000" kern="1200">
+                  <a:solidFill>
+                    <a:schemeClr val="tx1"/>
+                  </a:solidFill>
+                  <a:latin typeface="+mn-lt"/>
+                  <a:ea typeface="+mn-ea"/>
+                  <a:cs typeface="+mn-cs"/>
+                </a:defRPr>
+              </a:lvl9pPr>
+            </a:lstStyle>
+            <a:p>
+              <a:pPr marL="0" indent="0">
+                <a:buFont typeface="Arial" panose="020B0604020202020204" pitchFamily="34" charset="0"/>
+                <a:buNone/>
+              </a:pPr>
+              <a:r>
+                <a:rPr lang="en-US" sz="1100">
+                  <a:solidFill>
+                    <a:schemeClr val="tx1">
+                      <a:lumMod val="95000"/>
+                      <a:lumOff val="5000"/>
+                    </a:schemeClr>
+                  </a:solidFill>
+                  <a:latin typeface="Segoe UI Semilight" panose="020B0402040204020203" pitchFamily="34" charset="0"/>
+                </a:rPr>
+                <a:t>Team or Use Case 1</a:t>
+              </a:r>
+              <a:endParaRPr lang="de-DE" sz="1100">
+                <a:solidFill>
+                  <a:schemeClr val="tx1">
+                    <a:lumMod val="95000"/>
+                    <a:lumOff val="5000"/>
+                  </a:schemeClr>
+                </a:solidFill>
+                <a:latin typeface="Segoe UI Semilight" panose="020B0402040204020203" pitchFamily="34" charset="0"/>
+              </a:endParaRPr>
+            </a:p>
+          </p:txBody>
+        </p:sp>
+        <p:sp>
+          <p:nvSpPr>
+            <p:cNvPr id="7" name="Textplatzhalter 2">
+              <a:extLst>
+                <a:ext uri="{FF2B5EF4-FFF2-40B4-BE49-F238E27FC236}">
+                  <a16:creationId xmlns:a16="http://schemas.microsoft.com/office/drawing/2014/main" id="{1368A5A4-1373-EF3B-7078-DAAF975BEA5C}"/>
+                </a:ext>
+              </a:extLst>
+            </p:cNvPr>
+            <p:cNvSpPr txBox="1">
+              <a:spLocks/>
+            </p:cNvSpPr>
+            <p:nvPr/>
+          </p:nvSpPr>
+          <p:spPr>
+            <a:xfrm>
+              <a:off x="7601213" y="1692912"/>
+              <a:ext cx="1373975" cy="372410"/>
+            </a:xfrm>
+            <a:prstGeom prst="rect">
+              <a:avLst/>
+            </a:prstGeom>
+          </p:spPr>
+          <p:txBody>
+            <a:bodyPr vert="horz" wrap="square" lIns="0" tIns="0" rIns="0" bIns="0" rtlCol="0" anchor="t">
+              <a:spAutoFit/>
+            </a:bodyPr>
+            <a:lstStyle>
+              <a:lvl1pPr marL="137160" marR="0" indent="-137160" algn="l" defTabSz="932742" rtl="0" eaLnBrk="1" fontAlgn="auto" latinLnBrk="0" hangingPunct="1">
+                <a:lnSpc>
+                  <a:spcPct val="100000"/>
+                </a:lnSpc>
+                <a:spcBef>
+                  <a:spcPct val="20000"/>
+                </a:spcBef>
+                <a:spcAft>
+                  <a:spcPts val="0"/>
+                </a:spcAft>
+                <a:buClrTx/>
+                <a:buSzPct val="90000"/>
+                <a:buFont typeface="Arial" panose="020B0604020202020204" pitchFamily="34" charset="0"/>
+                <a:buChar char="•"/>
+                <a:tabLst/>
+                <a:defRPr sz="1600" kern="1200" spc="0" baseline="0">
+                  <a:solidFill>
+                    <a:schemeClr val="tx1"/>
+                  </a:solidFill>
+                  <a:latin typeface="+mn-lt"/>
+                  <a:ea typeface="+mn-ea"/>
+                  <a:cs typeface="Segoe UI Semilight" panose="020B0402040204020203" pitchFamily="34" charset="0"/>
+                </a:defRPr>
+              </a:lvl1pPr>
+              <a:lvl2pPr marL="265176" marR="0" indent="-128016" algn="l" defTabSz="932742" rtl="0" eaLnBrk="1" fontAlgn="auto" latinLnBrk="0" hangingPunct="1">
+                <a:lnSpc>
+                  <a:spcPct val="100000"/>
+                </a:lnSpc>
+                <a:spcBef>
+                  <a:spcPct val="20000"/>
+                </a:spcBef>
+                <a:spcAft>
+                  <a:spcPts val="0"/>
+                </a:spcAft>
+                <a:buClrTx/>
+                <a:buSzPct val="90000"/>
+                <a:buFont typeface="Arial" panose="020B0604020202020204" pitchFamily="34" charset="0"/>
+                <a:buChar char="•"/>
+                <a:tabLst/>
+                <a:defRPr sz="1400" kern="1200" spc="0" baseline="0">
+                  <a:solidFill>
+                    <a:schemeClr val="tx1"/>
+                  </a:solidFill>
+                  <a:latin typeface="+mn-lt"/>
+                  <a:ea typeface="+mn-ea"/>
+                  <a:cs typeface="+mn-cs"/>
+                </a:defRPr>
+              </a:lvl2pPr>
+              <a:lvl3pPr marL="384048" marR="0" indent="-118872" algn="l" defTabSz="932742" rtl="0" eaLnBrk="1" fontAlgn="auto" latinLnBrk="0" hangingPunct="1">
+                <a:lnSpc>
+                  <a:spcPct val="100000"/>
+                </a:lnSpc>
+                <a:spcBef>
+                  <a:spcPct val="20000"/>
+                </a:spcBef>
+                <a:spcAft>
+                  <a:spcPts val="0"/>
+                </a:spcAft>
+                <a:buClrTx/>
+                <a:buSzPct val="90000"/>
+                <a:buFont typeface="Arial" panose="020B0604020202020204" pitchFamily="34" charset="0"/>
+                <a:buChar char="•"/>
+                <a:tabLst/>
+                <a:defRPr sz="1200" kern="1200" spc="0" baseline="0">
+                  <a:solidFill>
+                    <a:schemeClr val="tx1"/>
+                  </a:solidFill>
+                  <a:latin typeface="+mn-lt"/>
+                  <a:ea typeface="+mn-ea"/>
+                  <a:cs typeface="+mn-cs"/>
+                </a:defRPr>
+              </a:lvl3pPr>
+              <a:lvl4pPr marL="685800" marR="0" indent="0" algn="l" defTabSz="932742" rtl="0" eaLnBrk="1" fontAlgn="auto" latinLnBrk="0" hangingPunct="1">
+                <a:lnSpc>
+                  <a:spcPct val="100000"/>
+                </a:lnSpc>
+                <a:spcBef>
+                  <a:spcPct val="20000"/>
+                </a:spcBef>
+                <a:spcAft>
+                  <a:spcPts val="0"/>
+                </a:spcAft>
+                <a:buClrTx/>
+                <a:buSzPct val="90000"/>
+                <a:buFont typeface="Wingdings" panose="05000000000000000000" pitchFamily="2" charset="2"/>
+                <a:buNone/>
+                <a:tabLst/>
+                <a:defRPr sz="1000" kern="1200" spc="0" baseline="0">
+                  <a:gradFill>
+                    <a:gsLst>
+                      <a:gs pos="1250">
+                        <a:schemeClr val="tx1"/>
+                      </a:gs>
+                      <a:gs pos="100000">
+                        <a:schemeClr val="tx1"/>
+                      </a:gs>
+                    </a:gsLst>
+                    <a:lin ang="5400000" scaled="0"/>
+                  </a:gradFill>
+                  <a:latin typeface="+mn-lt"/>
+                  <a:ea typeface="+mn-ea"/>
+                  <a:cs typeface="+mn-cs"/>
+                </a:defRPr>
+              </a:lvl4pPr>
+              <a:lvl5pPr marL="914400" marR="0" indent="0" algn="l" defTabSz="932742" rtl="0" eaLnBrk="1" fontAlgn="auto" latinLnBrk="0" hangingPunct="1">
+                <a:lnSpc>
+                  <a:spcPct val="100000"/>
+                </a:lnSpc>
+                <a:spcBef>
+                  <a:spcPct val="20000"/>
+                </a:spcBef>
+                <a:spcAft>
+                  <a:spcPts val="0"/>
+                </a:spcAft>
+                <a:buClrTx/>
+                <a:buSzPct val="90000"/>
+                <a:buFont typeface="Wingdings" panose="05000000000000000000" pitchFamily="2" charset="2"/>
+                <a:buNone/>
+                <a:tabLst/>
+                <a:defRPr sz="800" kern="1200" spc="0" baseline="0">
+                  <a:gradFill>
+                    <a:gsLst>
+                      <a:gs pos="1250">
+                        <a:schemeClr val="tx1"/>
+                      </a:gs>
+                      <a:gs pos="100000">
+                        <a:schemeClr val="tx1"/>
+                      </a:gs>
+                    </a:gsLst>
+                    <a:lin ang="5400000" scaled="0"/>
+                  </a:gradFill>
+                  <a:latin typeface="+mn-lt"/>
+                  <a:ea typeface="+mn-ea"/>
+                  <a:cs typeface="+mn-cs"/>
+                </a:defRPr>
+              </a:lvl5pPr>
+              <a:lvl6pPr marL="2565040" indent="-233186" algn="l" defTabSz="932742" rtl="0" eaLnBrk="1" latinLnBrk="0" hangingPunct="1">
+                <a:spcBef>
+                  <a:spcPct val="20000"/>
+                </a:spcBef>
+                <a:buFont typeface="Arial" pitchFamily="34" charset="0"/>
+                <a:buChar char="•"/>
+                <a:defRPr sz="2000" kern="1200">
+                  <a:solidFill>
+                    <a:schemeClr val="tx1"/>
+                  </a:solidFill>
+                  <a:latin typeface="+mn-lt"/>
+                  <a:ea typeface="+mn-ea"/>
+                  <a:cs typeface="+mn-cs"/>
+                </a:defRPr>
+              </a:lvl6pPr>
+              <a:lvl7pPr marL="3031412" indent="-233186" algn="l" defTabSz="932742" rtl="0" eaLnBrk="1" latinLnBrk="0" hangingPunct="1">
+                <a:spcBef>
+                  <a:spcPct val="20000"/>
+                </a:spcBef>
+                <a:buFont typeface="Arial" pitchFamily="34" charset="0"/>
+                <a:buChar char="•"/>
+                <a:defRPr sz="2000" kern="1200">
+                  <a:solidFill>
+                    <a:schemeClr val="tx1"/>
+                  </a:solidFill>
+                  <a:latin typeface="+mn-lt"/>
+                  <a:ea typeface="+mn-ea"/>
+                  <a:cs typeface="+mn-cs"/>
+                </a:defRPr>
+              </a:lvl7pPr>
+              <a:lvl8pPr marL="3497783" indent="-233186" algn="l" defTabSz="932742" rtl="0" eaLnBrk="1" latinLnBrk="0" hangingPunct="1">
+                <a:spcBef>
+                  <a:spcPct val="20000"/>
+                </a:spcBef>
+                <a:buFont typeface="Arial" pitchFamily="34" charset="0"/>
+                <a:buChar char="•"/>
+                <a:defRPr sz="2000" kern="1200">
+                  <a:solidFill>
+                    <a:schemeClr val="tx1"/>
+                  </a:solidFill>
+                  <a:latin typeface="+mn-lt"/>
+                  <a:ea typeface="+mn-ea"/>
+                  <a:cs typeface="+mn-cs"/>
+                </a:defRPr>
+              </a:lvl8pPr>
+              <a:lvl9pPr marL="3964155" indent="-233186" algn="l" defTabSz="932742" rtl="0" eaLnBrk="1" latinLnBrk="0" hangingPunct="1">
+                <a:spcBef>
+                  <a:spcPct val="20000"/>
+                </a:spcBef>
+                <a:buFont typeface="Arial" pitchFamily="34" charset="0"/>
+                <a:buChar char="•"/>
+                <a:defRPr sz="2000" kern="1200">
+                  <a:solidFill>
+                    <a:schemeClr val="tx1"/>
+                  </a:solidFill>
+                  <a:latin typeface="+mn-lt"/>
+                  <a:ea typeface="+mn-ea"/>
+                  <a:cs typeface="+mn-cs"/>
+                </a:defRPr>
+              </a:lvl9pPr>
+            </a:lstStyle>
+            <a:p>
+              <a:pPr marL="0" indent="0">
+                <a:buFont typeface="Arial" panose="020B0604020202020204" pitchFamily="34" charset="0"/>
+                <a:buNone/>
+              </a:pPr>
+              <a:r>
+                <a:rPr lang="en-US" sz="1100">
+                  <a:solidFill>
+                    <a:schemeClr val="tx1">
+                      <a:lumMod val="95000"/>
+                      <a:lumOff val="5000"/>
+                    </a:schemeClr>
+                  </a:solidFill>
+                  <a:latin typeface="Segoe UI Semilight" panose="020B0402040204020203" pitchFamily="34" charset="0"/>
+                </a:rPr>
+                <a:t>Azure Open AI Service</a:t>
+              </a:r>
+            </a:p>
+            <a:p>
+              <a:pPr marL="0" indent="0">
+                <a:buFont typeface="Arial" panose="020B0604020202020204" pitchFamily="34" charset="0"/>
+                <a:buNone/>
+              </a:pPr>
+              <a:r>
+                <a:rPr lang="en-US" sz="1100">
+                  <a:solidFill>
+                    <a:schemeClr val="tx1">
+                      <a:lumMod val="95000"/>
+                      <a:lumOff val="5000"/>
+                    </a:schemeClr>
+                  </a:solidFill>
+                  <a:latin typeface="Segoe UI Semilight" panose="020B0402040204020203" pitchFamily="34" charset="0"/>
+                </a:rPr>
+                <a:t>(PTU or PAYG)</a:t>
+              </a:r>
+              <a:endParaRPr lang="de-DE" sz="1100">
+                <a:solidFill>
+                  <a:schemeClr val="tx1">
+                    <a:lumMod val="95000"/>
+                    <a:lumOff val="5000"/>
+                  </a:schemeClr>
+                </a:solidFill>
+                <a:latin typeface="Segoe UI Semilight" panose="020B0402040204020203" pitchFamily="34" charset="0"/>
+              </a:endParaRPr>
+            </a:p>
+          </p:txBody>
+        </p:sp>
+        <p:sp>
+          <p:nvSpPr>
+            <p:cNvPr id="8" name="Textplatzhalter 2">
+              <a:extLst>
+                <a:ext uri="{FF2B5EF4-FFF2-40B4-BE49-F238E27FC236}">
+                  <a16:creationId xmlns:a16="http://schemas.microsoft.com/office/drawing/2014/main" id="{76938E96-8E3A-D7A3-8D19-290581DA5EDD}"/>
+                </a:ext>
+              </a:extLst>
+            </p:cNvPr>
+            <p:cNvSpPr txBox="1">
+              <a:spLocks/>
+            </p:cNvSpPr>
+            <p:nvPr/>
+          </p:nvSpPr>
+          <p:spPr>
+            <a:xfrm>
+              <a:off x="2851544" y="1794481"/>
+              <a:ext cx="1260000" cy="169277"/>
+            </a:xfrm>
+            <a:prstGeom prst="rect">
+              <a:avLst/>
+            </a:prstGeom>
+          </p:spPr>
+          <p:txBody>
+            <a:bodyPr vert="horz" wrap="square" lIns="0" tIns="0" rIns="0" bIns="0" rtlCol="0" anchor="t">
+              <a:spAutoFit/>
+            </a:bodyPr>
+            <a:lstStyle>
+              <a:lvl1pPr marL="137160" marR="0" indent="-137160" algn="l" defTabSz="932742" rtl="0" eaLnBrk="1" fontAlgn="auto" latinLnBrk="0" hangingPunct="1">
+                <a:lnSpc>
+                  <a:spcPct val="100000"/>
+                </a:lnSpc>
+                <a:spcBef>
+                  <a:spcPct val="20000"/>
+                </a:spcBef>
+                <a:spcAft>
+                  <a:spcPts val="0"/>
+                </a:spcAft>
+                <a:buClrTx/>
+                <a:buSzPct val="90000"/>
+                <a:buFont typeface="Arial" panose="020B0604020202020204" pitchFamily="34" charset="0"/>
+                <a:buChar char="•"/>
+                <a:tabLst/>
+                <a:defRPr sz="1600" kern="1200" spc="0" baseline="0">
+                  <a:solidFill>
+                    <a:schemeClr val="tx1"/>
+                  </a:solidFill>
+                  <a:latin typeface="+mn-lt"/>
+                  <a:ea typeface="+mn-ea"/>
+                  <a:cs typeface="Segoe UI Semilight" panose="020B0402040204020203" pitchFamily="34" charset="0"/>
+                </a:defRPr>
+              </a:lvl1pPr>
+              <a:lvl2pPr marL="265176" marR="0" indent="-128016" algn="l" defTabSz="932742" rtl="0" eaLnBrk="1" fontAlgn="auto" latinLnBrk="0" hangingPunct="1">
+                <a:lnSpc>
+                  <a:spcPct val="100000"/>
+                </a:lnSpc>
+                <a:spcBef>
+                  <a:spcPct val="20000"/>
+                </a:spcBef>
+                <a:spcAft>
+                  <a:spcPts val="0"/>
+                </a:spcAft>
+                <a:buClrTx/>
+                <a:buSzPct val="90000"/>
+                <a:buFont typeface="Arial" panose="020B0604020202020204" pitchFamily="34" charset="0"/>
+                <a:buChar char="•"/>
+                <a:tabLst/>
+                <a:defRPr sz="1400" kern="1200" spc="0" baseline="0">
+                  <a:solidFill>
+                    <a:schemeClr val="tx1"/>
+                  </a:solidFill>
+                  <a:latin typeface="+mn-lt"/>
+                  <a:ea typeface="+mn-ea"/>
+                  <a:cs typeface="+mn-cs"/>
+                </a:defRPr>
+              </a:lvl2pPr>
+              <a:lvl3pPr marL="384048" marR="0" indent="-118872" algn="l" defTabSz="932742" rtl="0" eaLnBrk="1" fontAlgn="auto" latinLnBrk="0" hangingPunct="1">
+                <a:lnSpc>
+                  <a:spcPct val="100000"/>
+                </a:lnSpc>
+                <a:spcBef>
+                  <a:spcPct val="20000"/>
+                </a:spcBef>
+                <a:spcAft>
+                  <a:spcPts val="0"/>
+                </a:spcAft>
+                <a:buClrTx/>
+                <a:buSzPct val="90000"/>
+                <a:buFont typeface="Arial" panose="020B0604020202020204" pitchFamily="34" charset="0"/>
+                <a:buChar char="•"/>
+                <a:tabLst/>
+                <a:defRPr sz="1200" kern="1200" spc="0" baseline="0">
+                  <a:solidFill>
+                    <a:schemeClr val="tx1"/>
+                  </a:solidFill>
+                  <a:latin typeface="+mn-lt"/>
+                  <a:ea typeface="+mn-ea"/>
+                  <a:cs typeface="+mn-cs"/>
+                </a:defRPr>
+              </a:lvl3pPr>
+              <a:lvl4pPr marL="685800" marR="0" indent="0" algn="l" defTabSz="932742" rtl="0" eaLnBrk="1" fontAlgn="auto" latinLnBrk="0" hangingPunct="1">
+                <a:lnSpc>
+                  <a:spcPct val="100000"/>
+                </a:lnSpc>
+                <a:spcBef>
+                  <a:spcPct val="20000"/>
+                </a:spcBef>
+                <a:spcAft>
+                  <a:spcPts val="0"/>
+                </a:spcAft>
+                <a:buClrTx/>
+                <a:buSzPct val="90000"/>
+                <a:buFont typeface="Wingdings" panose="05000000000000000000" pitchFamily="2" charset="2"/>
+                <a:buNone/>
+                <a:tabLst/>
+                <a:defRPr sz="1000" kern="1200" spc="0" baseline="0">
+                  <a:gradFill>
+                    <a:gsLst>
+                      <a:gs pos="1250">
+                        <a:schemeClr val="tx1"/>
+                      </a:gs>
+                      <a:gs pos="100000">
+                        <a:schemeClr val="tx1"/>
+                      </a:gs>
+                    </a:gsLst>
+                    <a:lin ang="5400000" scaled="0"/>
+                  </a:gradFill>
+                  <a:latin typeface="+mn-lt"/>
+                  <a:ea typeface="+mn-ea"/>
+                  <a:cs typeface="+mn-cs"/>
+                </a:defRPr>
+              </a:lvl4pPr>
+              <a:lvl5pPr marL="914400" marR="0" indent="0" algn="l" defTabSz="932742" rtl="0" eaLnBrk="1" fontAlgn="auto" latinLnBrk="0" hangingPunct="1">
+                <a:lnSpc>
+                  <a:spcPct val="100000"/>
+                </a:lnSpc>
+                <a:spcBef>
+                  <a:spcPct val="20000"/>
+                </a:spcBef>
+                <a:spcAft>
+                  <a:spcPts val="0"/>
+                </a:spcAft>
+                <a:buClrTx/>
+                <a:buSzPct val="90000"/>
+                <a:buFont typeface="Wingdings" panose="05000000000000000000" pitchFamily="2" charset="2"/>
+                <a:buNone/>
+                <a:tabLst/>
+                <a:defRPr sz="800" kern="1200" spc="0" baseline="0">
+                  <a:gradFill>
+                    <a:gsLst>
+                      <a:gs pos="1250">
+                        <a:schemeClr val="tx1"/>
+                      </a:gs>
+                      <a:gs pos="100000">
+                        <a:schemeClr val="tx1"/>
+                      </a:gs>
+                    </a:gsLst>
+                    <a:lin ang="5400000" scaled="0"/>
+                  </a:gradFill>
+                  <a:latin typeface="+mn-lt"/>
+                  <a:ea typeface="+mn-ea"/>
+                  <a:cs typeface="+mn-cs"/>
+                </a:defRPr>
+              </a:lvl5pPr>
+              <a:lvl6pPr marL="2565040" indent="-233186" algn="l" defTabSz="932742" rtl="0" eaLnBrk="1" latinLnBrk="0" hangingPunct="1">
+                <a:spcBef>
+                  <a:spcPct val="20000"/>
+                </a:spcBef>
+                <a:buFont typeface="Arial" pitchFamily="34" charset="0"/>
+                <a:buChar char="•"/>
+                <a:defRPr sz="2000" kern="1200">
+                  <a:solidFill>
+                    <a:schemeClr val="tx1"/>
+                  </a:solidFill>
+                  <a:latin typeface="+mn-lt"/>
+                  <a:ea typeface="+mn-ea"/>
+                  <a:cs typeface="+mn-cs"/>
+                </a:defRPr>
+              </a:lvl6pPr>
+              <a:lvl7pPr marL="3031412" indent="-233186" algn="l" defTabSz="932742" rtl="0" eaLnBrk="1" latinLnBrk="0" hangingPunct="1">
+                <a:spcBef>
+                  <a:spcPct val="20000"/>
+                </a:spcBef>
+                <a:buFont typeface="Arial" pitchFamily="34" charset="0"/>
+                <a:buChar char="•"/>
+                <a:defRPr sz="2000" kern="1200">
+                  <a:solidFill>
+                    <a:schemeClr val="tx1"/>
+                  </a:solidFill>
+                  <a:latin typeface="+mn-lt"/>
+                  <a:ea typeface="+mn-ea"/>
+                  <a:cs typeface="+mn-cs"/>
+                </a:defRPr>
+              </a:lvl7pPr>
+              <a:lvl8pPr marL="3497783" indent="-233186" algn="l" defTabSz="932742" rtl="0" eaLnBrk="1" latinLnBrk="0" hangingPunct="1">
+                <a:spcBef>
+                  <a:spcPct val="20000"/>
+                </a:spcBef>
+                <a:buFont typeface="Arial" pitchFamily="34" charset="0"/>
+                <a:buChar char="•"/>
+                <a:defRPr sz="2000" kern="1200">
+                  <a:solidFill>
+                    <a:schemeClr val="tx1"/>
+                  </a:solidFill>
+                  <a:latin typeface="+mn-lt"/>
+                  <a:ea typeface="+mn-ea"/>
+                  <a:cs typeface="+mn-cs"/>
+                </a:defRPr>
+              </a:lvl8pPr>
+              <a:lvl9pPr marL="3964155" indent="-233186" algn="l" defTabSz="932742" rtl="0" eaLnBrk="1" latinLnBrk="0" hangingPunct="1">
+                <a:spcBef>
+                  <a:spcPct val="20000"/>
+                </a:spcBef>
+                <a:buFont typeface="Arial" pitchFamily="34" charset="0"/>
+                <a:buChar char="•"/>
+                <a:defRPr sz="2000" kern="1200">
+                  <a:solidFill>
+                    <a:schemeClr val="tx1"/>
+                  </a:solidFill>
+                  <a:latin typeface="+mn-lt"/>
+                  <a:ea typeface="+mn-ea"/>
+                  <a:cs typeface="+mn-cs"/>
+                </a:defRPr>
+              </a:lvl9pPr>
+            </a:lstStyle>
+            <a:p>
+              <a:pPr marL="0" indent="0" algn="ctr">
+                <a:buFont typeface="Arial" panose="020B0604020202020204" pitchFamily="34" charset="0"/>
+                <a:buNone/>
+              </a:pPr>
+              <a:r>
+                <a:rPr lang="en-US" sz="1100">
+                  <a:solidFill>
+                    <a:schemeClr val="tx1">
+                      <a:lumMod val="95000"/>
+                      <a:lumOff val="5000"/>
+                    </a:schemeClr>
+                  </a:solidFill>
+                  <a:latin typeface="Segoe UI Semilight" panose="020B0402040204020203" pitchFamily="34" charset="0"/>
+                </a:rPr>
+                <a:t>...</a:t>
+              </a:r>
+              <a:endParaRPr lang="de-DE" sz="1100">
+                <a:solidFill>
+                  <a:schemeClr val="tx1">
+                    <a:lumMod val="95000"/>
+                    <a:lumOff val="5000"/>
+                  </a:schemeClr>
+                </a:solidFill>
+                <a:latin typeface="Segoe UI Semilight" panose="020B0402040204020203" pitchFamily="34" charset="0"/>
+              </a:endParaRPr>
+            </a:p>
+          </p:txBody>
+        </p:sp>
+        <p:sp>
+          <p:nvSpPr>
+            <p:cNvPr id="9" name="Textplatzhalter 2">
+              <a:extLst>
+                <a:ext uri="{FF2B5EF4-FFF2-40B4-BE49-F238E27FC236}">
+                  <a16:creationId xmlns:a16="http://schemas.microsoft.com/office/drawing/2014/main" id="{C850542D-B2FE-0C9B-6102-BA4EC8D19AFD}"/>
+                </a:ext>
+              </a:extLst>
+            </p:cNvPr>
+            <p:cNvSpPr txBox="1">
+              <a:spLocks/>
+            </p:cNvSpPr>
+            <p:nvPr/>
+          </p:nvSpPr>
+          <p:spPr>
+            <a:xfrm>
+              <a:off x="2851544" y="2092918"/>
+              <a:ext cx="1260000" cy="169277"/>
+            </a:xfrm>
+            <a:prstGeom prst="rect">
+              <a:avLst/>
+            </a:prstGeom>
+          </p:spPr>
+          <p:txBody>
+            <a:bodyPr vert="horz" wrap="square" lIns="0" tIns="0" rIns="0" bIns="0" rtlCol="0" anchor="t">
+              <a:spAutoFit/>
+            </a:bodyPr>
+            <a:lstStyle>
+              <a:lvl1pPr marL="137160" marR="0" indent="-137160" algn="l" defTabSz="932742" rtl="0" eaLnBrk="1" fontAlgn="auto" latinLnBrk="0" hangingPunct="1">
+                <a:lnSpc>
+                  <a:spcPct val="100000"/>
+                </a:lnSpc>
+                <a:spcBef>
+                  <a:spcPct val="20000"/>
+                </a:spcBef>
+                <a:spcAft>
+                  <a:spcPts val="0"/>
+                </a:spcAft>
+                <a:buClrTx/>
+                <a:buSzPct val="90000"/>
+                <a:buFont typeface="Arial" panose="020B0604020202020204" pitchFamily="34" charset="0"/>
+                <a:buChar char="•"/>
+                <a:tabLst/>
+                <a:defRPr sz="1600" kern="1200" spc="0" baseline="0">
+                  <a:solidFill>
+                    <a:schemeClr val="tx1"/>
+                  </a:solidFill>
+                  <a:latin typeface="+mn-lt"/>
+                  <a:ea typeface="+mn-ea"/>
+                  <a:cs typeface="Segoe UI Semilight" panose="020B0402040204020203" pitchFamily="34" charset="0"/>
+                </a:defRPr>
+              </a:lvl1pPr>
+              <a:lvl2pPr marL="265176" marR="0" indent="-128016" algn="l" defTabSz="932742" rtl="0" eaLnBrk="1" fontAlgn="auto" latinLnBrk="0" hangingPunct="1">
+                <a:lnSpc>
+                  <a:spcPct val="100000"/>
+                </a:lnSpc>
+                <a:spcBef>
+                  <a:spcPct val="20000"/>
+                </a:spcBef>
+                <a:spcAft>
+                  <a:spcPts val="0"/>
+                </a:spcAft>
+                <a:buClrTx/>
+                <a:buSzPct val="90000"/>
+                <a:buFont typeface="Arial" panose="020B0604020202020204" pitchFamily="34" charset="0"/>
+                <a:buChar char="•"/>
+                <a:tabLst/>
+                <a:defRPr sz="1400" kern="1200" spc="0" baseline="0">
+                  <a:solidFill>
+                    <a:schemeClr val="tx1"/>
+                  </a:solidFill>
+                  <a:latin typeface="+mn-lt"/>
+                  <a:ea typeface="+mn-ea"/>
+                  <a:cs typeface="+mn-cs"/>
+                </a:defRPr>
+              </a:lvl2pPr>
+              <a:lvl3pPr marL="384048" marR="0" indent="-118872" algn="l" defTabSz="932742" rtl="0" eaLnBrk="1" fontAlgn="auto" latinLnBrk="0" hangingPunct="1">
+                <a:lnSpc>
+                  <a:spcPct val="100000"/>
+                </a:lnSpc>
+                <a:spcBef>
+                  <a:spcPct val="20000"/>
+                </a:spcBef>
+                <a:spcAft>
+                  <a:spcPts val="0"/>
+                </a:spcAft>
+                <a:buClrTx/>
+                <a:buSzPct val="90000"/>
+                <a:buFont typeface="Arial" panose="020B0604020202020204" pitchFamily="34" charset="0"/>
+                <a:buChar char="•"/>
+                <a:tabLst/>
+                <a:defRPr sz="1200" kern="1200" spc="0" baseline="0">
+                  <a:solidFill>
+                    <a:schemeClr val="tx1"/>
+                  </a:solidFill>
+                  <a:latin typeface="+mn-lt"/>
+                  <a:ea typeface="+mn-ea"/>
+                  <a:cs typeface="+mn-cs"/>
+                </a:defRPr>
+              </a:lvl3pPr>
+              <a:lvl4pPr marL="685800" marR="0" indent="0" algn="l" defTabSz="932742" rtl="0" eaLnBrk="1" fontAlgn="auto" latinLnBrk="0" hangingPunct="1">
+                <a:lnSpc>
+                  <a:spcPct val="100000"/>
+                </a:lnSpc>
+                <a:spcBef>
+                  <a:spcPct val="20000"/>
+                </a:spcBef>
+                <a:spcAft>
+                  <a:spcPts val="0"/>
+                </a:spcAft>
+                <a:buClrTx/>
+                <a:buSzPct val="90000"/>
+                <a:buFont typeface="Wingdings" panose="05000000000000000000" pitchFamily="2" charset="2"/>
+                <a:buNone/>
+                <a:tabLst/>
+                <a:defRPr sz="1000" kern="1200" spc="0" baseline="0">
+                  <a:gradFill>
+                    <a:gsLst>
+                      <a:gs pos="1250">
+                        <a:schemeClr val="tx1"/>
+                      </a:gs>
+                      <a:gs pos="100000">
+                        <a:schemeClr val="tx1"/>
+                      </a:gs>
+                    </a:gsLst>
+                    <a:lin ang="5400000" scaled="0"/>
+                  </a:gradFill>
+                  <a:latin typeface="+mn-lt"/>
+                  <a:ea typeface="+mn-ea"/>
+                  <a:cs typeface="+mn-cs"/>
+                </a:defRPr>
+              </a:lvl4pPr>
+              <a:lvl5pPr marL="914400" marR="0" indent="0" algn="l" defTabSz="932742" rtl="0" eaLnBrk="1" fontAlgn="auto" latinLnBrk="0" hangingPunct="1">
+                <a:lnSpc>
+                  <a:spcPct val="100000"/>
+                </a:lnSpc>
+                <a:spcBef>
+                  <a:spcPct val="20000"/>
+                </a:spcBef>
+                <a:spcAft>
+                  <a:spcPts val="0"/>
+                </a:spcAft>
+                <a:buClrTx/>
+                <a:buSzPct val="90000"/>
+                <a:buFont typeface="Wingdings" panose="05000000000000000000" pitchFamily="2" charset="2"/>
+                <a:buNone/>
+                <a:tabLst/>
+                <a:defRPr sz="800" kern="1200" spc="0" baseline="0">
+                  <a:gradFill>
+                    <a:gsLst>
+                      <a:gs pos="1250">
+                        <a:schemeClr val="tx1"/>
+                      </a:gs>
+                      <a:gs pos="100000">
+                        <a:schemeClr val="tx1"/>
+                      </a:gs>
+                    </a:gsLst>
+                    <a:lin ang="5400000" scaled="0"/>
+                  </a:gradFill>
+                  <a:latin typeface="+mn-lt"/>
+                  <a:ea typeface="+mn-ea"/>
+                  <a:cs typeface="+mn-cs"/>
+                </a:defRPr>
+              </a:lvl5pPr>
+              <a:lvl6pPr marL="2565040" indent="-233186" algn="l" defTabSz="932742" rtl="0" eaLnBrk="1" latinLnBrk="0" hangingPunct="1">
+                <a:spcBef>
+                  <a:spcPct val="20000"/>
+                </a:spcBef>
+                <a:buFont typeface="Arial" pitchFamily="34" charset="0"/>
+                <a:buChar char="•"/>
+                <a:defRPr sz="2000" kern="1200">
+                  <a:solidFill>
+                    <a:schemeClr val="tx1"/>
+                  </a:solidFill>
+                  <a:latin typeface="+mn-lt"/>
+                  <a:ea typeface="+mn-ea"/>
+                  <a:cs typeface="+mn-cs"/>
+                </a:defRPr>
+              </a:lvl6pPr>
+              <a:lvl7pPr marL="3031412" indent="-233186" algn="l" defTabSz="932742" rtl="0" eaLnBrk="1" latinLnBrk="0" hangingPunct="1">
+                <a:spcBef>
+                  <a:spcPct val="20000"/>
+                </a:spcBef>
+                <a:buFont typeface="Arial" pitchFamily="34" charset="0"/>
+                <a:buChar char="•"/>
+                <a:defRPr sz="2000" kern="1200">
+                  <a:solidFill>
+                    <a:schemeClr val="tx1"/>
+                  </a:solidFill>
+                  <a:latin typeface="+mn-lt"/>
+                  <a:ea typeface="+mn-ea"/>
+                  <a:cs typeface="+mn-cs"/>
+                </a:defRPr>
+              </a:lvl7pPr>
+              <a:lvl8pPr marL="3497783" indent="-233186" algn="l" defTabSz="932742" rtl="0" eaLnBrk="1" latinLnBrk="0" hangingPunct="1">
+                <a:spcBef>
+                  <a:spcPct val="20000"/>
+                </a:spcBef>
+                <a:buFont typeface="Arial" pitchFamily="34" charset="0"/>
+                <a:buChar char="•"/>
+                <a:defRPr sz="2000" kern="1200">
+                  <a:solidFill>
+                    <a:schemeClr val="tx1"/>
+                  </a:solidFill>
+                  <a:latin typeface="+mn-lt"/>
+                  <a:ea typeface="+mn-ea"/>
+                  <a:cs typeface="+mn-cs"/>
+                </a:defRPr>
+              </a:lvl8pPr>
+              <a:lvl9pPr marL="3964155" indent="-233186" algn="l" defTabSz="932742" rtl="0" eaLnBrk="1" latinLnBrk="0" hangingPunct="1">
+                <a:spcBef>
+                  <a:spcPct val="20000"/>
+                </a:spcBef>
+                <a:buFont typeface="Arial" pitchFamily="34" charset="0"/>
+                <a:buChar char="•"/>
+                <a:defRPr sz="2000" kern="1200">
+                  <a:solidFill>
+                    <a:schemeClr val="tx1"/>
+                  </a:solidFill>
+                  <a:latin typeface="+mn-lt"/>
+                  <a:ea typeface="+mn-ea"/>
+                  <a:cs typeface="+mn-cs"/>
+                </a:defRPr>
+              </a:lvl9pPr>
+            </a:lstStyle>
+            <a:p>
+              <a:pPr marL="0" indent="0">
+                <a:buFont typeface="Arial" panose="020B0604020202020204" pitchFamily="34" charset="0"/>
+                <a:buNone/>
+              </a:pPr>
+              <a:r>
+                <a:rPr lang="en-US" sz="1100">
+                  <a:solidFill>
+                    <a:schemeClr val="tx1">
+                      <a:lumMod val="95000"/>
+                      <a:lumOff val="5000"/>
+                    </a:schemeClr>
+                  </a:solidFill>
+                  <a:latin typeface="Segoe UI Semilight" panose="020B0402040204020203" pitchFamily="34" charset="0"/>
+                </a:rPr>
+                <a:t>Team or Use Case n</a:t>
+              </a:r>
+              <a:endParaRPr lang="de-DE" sz="1100">
+                <a:solidFill>
+                  <a:schemeClr val="tx1">
+                    <a:lumMod val="95000"/>
+                    <a:lumOff val="5000"/>
+                  </a:schemeClr>
+                </a:solidFill>
+                <a:latin typeface="Segoe UI Semilight" panose="020B0402040204020203" pitchFamily="34" charset="0"/>
+              </a:endParaRPr>
+            </a:p>
+          </p:txBody>
+        </p:sp>
+        <p:cxnSp>
+          <p:nvCxnSpPr>
+            <p:cNvPr id="10" name="Verbinder: gewinkelt 9">
+              <a:extLst>
+                <a:ext uri="{FF2B5EF4-FFF2-40B4-BE49-F238E27FC236}">
+                  <a16:creationId xmlns:a16="http://schemas.microsoft.com/office/drawing/2014/main" id="{E50E7DA0-FFAB-FE0F-2B9E-5BE5B305F0F9}"/>
+                </a:ext>
+              </a:extLst>
+            </p:cNvPr>
+            <p:cNvCxnSpPr>
+              <a:cxnSpLocks/>
+              <a:stCxn id="6" idx="3"/>
+              <a:endCxn id="5" idx="1"/>
+            </p:cNvCxnSpPr>
+            <p:nvPr/>
+          </p:nvCxnSpPr>
+          <p:spPr>
+            <a:xfrm>
+              <a:off x="4111544" y="1569378"/>
+              <a:ext cx="897977" cy="309742"/>
+            </a:xfrm>
+            <a:prstGeom prst="bentConnector3">
+              <a:avLst/>
+            </a:prstGeom>
+            <a:ln>
+              <a:solidFill>
+                <a:schemeClr val="tx1"/>
+              </a:solidFill>
+              <a:headEnd type="none" w="lg" len="med"/>
+              <a:tailEnd type="triangle"/>
+            </a:ln>
+          </p:spPr>
+          <p:style>
+            <a:lnRef idx="1">
+              <a:schemeClr val="accent1"/>
+            </a:lnRef>
+            <a:fillRef idx="0">
+              <a:schemeClr val="accent1"/>
+            </a:fillRef>
+            <a:effectRef idx="0">
+              <a:schemeClr val="accent1"/>
+            </a:effectRef>
+            <a:fontRef idx="minor">
+              <a:schemeClr val="tx1"/>
+            </a:fontRef>
+          </p:style>
+        </p:cxnSp>
+        <p:cxnSp>
+          <p:nvCxnSpPr>
+            <p:cNvPr id="11" name="Verbinder: gewinkelt 10">
+              <a:extLst>
+                <a:ext uri="{FF2B5EF4-FFF2-40B4-BE49-F238E27FC236}">
+                  <a16:creationId xmlns:a16="http://schemas.microsoft.com/office/drawing/2014/main" id="{79DF81F0-50D2-A458-961D-8DA869669886}"/>
+                </a:ext>
+              </a:extLst>
+            </p:cNvPr>
+            <p:cNvCxnSpPr>
+              <a:cxnSpLocks/>
+              <a:stCxn id="9" idx="3"/>
+              <a:endCxn id="5" idx="1"/>
+            </p:cNvCxnSpPr>
+            <p:nvPr/>
+          </p:nvCxnSpPr>
+          <p:spPr>
+            <a:xfrm flipV="1">
+              <a:off x="4111544" y="1879120"/>
+              <a:ext cx="897977" cy="298437"/>
+            </a:xfrm>
+            <a:prstGeom prst="bentConnector3">
+              <a:avLst/>
+            </a:prstGeom>
+            <a:ln>
+              <a:solidFill>
+                <a:schemeClr val="tx1"/>
+              </a:solidFill>
+              <a:headEnd type="none" w="lg" len="med"/>
+              <a:tailEnd type="triangle"/>
+            </a:ln>
+          </p:spPr>
+          <p:style>
+            <a:lnRef idx="1">
+              <a:schemeClr val="accent1"/>
+            </a:lnRef>
+            <a:fillRef idx="0">
+              <a:schemeClr val="accent1"/>
+            </a:fillRef>
+            <a:effectRef idx="0">
+              <a:schemeClr val="accent1"/>
+            </a:effectRef>
+            <a:fontRef idx="minor">
+              <a:schemeClr val="tx1"/>
+            </a:fontRef>
+          </p:style>
+        </p:cxnSp>
+        <p:cxnSp>
+          <p:nvCxnSpPr>
+            <p:cNvPr id="12" name="Verbinder: gewinkelt 14">
+              <a:extLst>
+                <a:ext uri="{FF2B5EF4-FFF2-40B4-BE49-F238E27FC236}">
+                  <a16:creationId xmlns:a16="http://schemas.microsoft.com/office/drawing/2014/main" id="{57B7CB97-14D3-6ADB-2243-5E1ED1B9AD15}"/>
+                </a:ext>
+              </a:extLst>
+            </p:cNvPr>
+            <p:cNvCxnSpPr>
+              <a:cxnSpLocks/>
+              <a:stCxn id="8" idx="3"/>
+              <a:endCxn id="5" idx="1"/>
+            </p:cNvCxnSpPr>
+            <p:nvPr/>
+          </p:nvCxnSpPr>
+          <p:spPr>
+            <a:xfrm>
+              <a:off x="4111544" y="1879120"/>
+              <a:ext cx="897977" cy="0"/>
+            </a:xfrm>
+            <a:prstGeom prst="straightConnector1">
+              <a:avLst/>
+            </a:prstGeom>
+            <a:ln>
+              <a:solidFill>
+                <a:schemeClr val="tx1"/>
+              </a:solidFill>
+              <a:headEnd type="none" w="lg" len="med"/>
+              <a:tailEnd type="triangle"/>
+            </a:ln>
+          </p:spPr>
+          <p:style>
+            <a:lnRef idx="1">
+              <a:schemeClr val="accent1"/>
+            </a:lnRef>
+            <a:fillRef idx="0">
+              <a:schemeClr val="accent1"/>
+            </a:fillRef>
+            <a:effectRef idx="0">
+              <a:schemeClr val="accent1"/>
+            </a:effectRef>
+            <a:fontRef idx="minor">
+              <a:schemeClr val="tx1"/>
+            </a:fontRef>
+          </p:style>
+        </p:cxnSp>
+        <p:cxnSp>
+          <p:nvCxnSpPr>
+            <p:cNvPr id="13" name="Verbinder: gewinkelt 14">
+              <a:extLst>
+                <a:ext uri="{FF2B5EF4-FFF2-40B4-BE49-F238E27FC236}">
+                  <a16:creationId xmlns:a16="http://schemas.microsoft.com/office/drawing/2014/main" id="{7D949813-BED2-C7BE-C5D2-2A44D96F381A}"/>
+                </a:ext>
+              </a:extLst>
+            </p:cNvPr>
+            <p:cNvCxnSpPr>
+              <a:cxnSpLocks/>
+              <a:stCxn id="5" idx="3"/>
+            </p:cNvCxnSpPr>
+            <p:nvPr/>
+          </p:nvCxnSpPr>
+          <p:spPr>
+            <a:xfrm>
+              <a:off x="6467179" y="1879120"/>
+              <a:ext cx="530587" cy="0"/>
+            </a:xfrm>
+            <a:prstGeom prst="straightConnector1">
+              <a:avLst/>
+            </a:prstGeom>
+            <a:ln>
+              <a:solidFill>
+                <a:schemeClr val="tx1"/>
+              </a:solidFill>
+              <a:headEnd type="none" w="lg" len="med"/>
+              <a:tailEnd type="triangle"/>
+            </a:ln>
+          </p:spPr>
+          <p:style>
+            <a:lnRef idx="1">
+              <a:schemeClr val="accent1"/>
+            </a:lnRef>
+            <a:fillRef idx="0">
+              <a:schemeClr val="accent1"/>
+            </a:fillRef>
+            <a:effectRef idx="0">
+              <a:schemeClr val="accent1"/>
+            </a:effectRef>
+            <a:fontRef idx="minor">
+              <a:schemeClr val="tx1"/>
+            </a:fontRef>
+          </p:style>
+        </p:cxnSp>
+        <p:pic>
+          <p:nvPicPr>
+            <p:cNvPr id="14" name="Grafik 13">
+              <a:extLst>
+                <a:ext uri="{FF2B5EF4-FFF2-40B4-BE49-F238E27FC236}">
+                  <a16:creationId xmlns:a16="http://schemas.microsoft.com/office/drawing/2014/main" id="{895A89CB-F029-36CD-4C8D-9A98FB22D9D5}"/>
+                </a:ext>
+              </a:extLst>
+            </p:cNvPr>
+            <p:cNvPicPr>
+              <a:picLocks noChangeAspect="1"/>
+            </p:cNvPicPr>
+            <p:nvPr/>
+          </p:nvPicPr>
+          <p:blipFill>
+            <a:blip r:embed="rId3"/>
+            <a:stretch>
+              <a:fillRect/>
+            </a:stretch>
+          </p:blipFill>
+          <p:spPr>
+            <a:xfrm>
+              <a:off x="7073801" y="1649300"/>
+              <a:ext cx="451377" cy="459634"/>
+            </a:xfrm>
+            <a:prstGeom prst="rect">
+              <a:avLst/>
+            </a:prstGeom>
+          </p:spPr>
+        </p:pic>
+        <p:sp>
+          <p:nvSpPr>
+            <p:cNvPr id="15" name="Textplatzhalter 2">
+              <a:extLst>
+                <a:ext uri="{FF2B5EF4-FFF2-40B4-BE49-F238E27FC236}">
+                  <a16:creationId xmlns:a16="http://schemas.microsoft.com/office/drawing/2014/main" id="{6F9D8B60-EA9D-5174-747A-E08688DC10B2}"/>
+                </a:ext>
+              </a:extLst>
+            </p:cNvPr>
+            <p:cNvSpPr txBox="1">
+              <a:spLocks/>
+            </p:cNvSpPr>
+            <p:nvPr/>
+          </p:nvSpPr>
+          <p:spPr>
+            <a:xfrm>
+              <a:off x="5281757" y="2321648"/>
+              <a:ext cx="780528" cy="169277"/>
+            </a:xfrm>
+            <a:prstGeom prst="rect">
+              <a:avLst/>
+            </a:prstGeom>
+          </p:spPr>
+          <p:txBody>
+            <a:bodyPr vert="horz" wrap="square" lIns="0" tIns="0" rIns="0" bIns="0" rtlCol="0" anchor="t">
+              <a:spAutoFit/>
+            </a:bodyPr>
+            <a:lstStyle>
+              <a:lvl1pPr marL="137160" marR="0" indent="-137160" algn="l" defTabSz="932742" rtl="0" eaLnBrk="1" fontAlgn="auto" latinLnBrk="0" hangingPunct="1">
+                <a:lnSpc>
+                  <a:spcPct val="100000"/>
+                </a:lnSpc>
+                <a:spcBef>
+                  <a:spcPct val="20000"/>
+                </a:spcBef>
+                <a:spcAft>
+                  <a:spcPts val="0"/>
+                </a:spcAft>
+                <a:buClrTx/>
+                <a:buSzPct val="90000"/>
+                <a:buFont typeface="Arial" panose="020B0604020202020204" pitchFamily="34" charset="0"/>
+                <a:buChar char="•"/>
+                <a:tabLst/>
+                <a:defRPr sz="1600" kern="1200" spc="0" baseline="0">
+                  <a:solidFill>
+                    <a:schemeClr val="tx1"/>
+                  </a:solidFill>
+                  <a:latin typeface="+mn-lt"/>
+                  <a:ea typeface="+mn-ea"/>
+                  <a:cs typeface="Segoe UI Semilight" panose="020B0402040204020203" pitchFamily="34" charset="0"/>
+                </a:defRPr>
+              </a:lvl1pPr>
+              <a:lvl2pPr marL="265176" marR="0" indent="-128016" algn="l" defTabSz="932742" rtl="0" eaLnBrk="1" fontAlgn="auto" latinLnBrk="0" hangingPunct="1">
+                <a:lnSpc>
+                  <a:spcPct val="100000"/>
+                </a:lnSpc>
+                <a:spcBef>
+                  <a:spcPct val="20000"/>
+                </a:spcBef>
+                <a:spcAft>
+                  <a:spcPts val="0"/>
+                </a:spcAft>
+                <a:buClrTx/>
+                <a:buSzPct val="90000"/>
+                <a:buFont typeface="Arial" panose="020B0604020202020204" pitchFamily="34" charset="0"/>
+                <a:buChar char="•"/>
+                <a:tabLst/>
+                <a:defRPr sz="1400" kern="1200" spc="0" baseline="0">
+                  <a:solidFill>
+                    <a:schemeClr val="tx1"/>
+                  </a:solidFill>
+                  <a:latin typeface="+mn-lt"/>
+                  <a:ea typeface="+mn-ea"/>
+                  <a:cs typeface="+mn-cs"/>
+                </a:defRPr>
+              </a:lvl2pPr>
+              <a:lvl3pPr marL="384048" marR="0" indent="-118872" algn="l" defTabSz="932742" rtl="0" eaLnBrk="1" fontAlgn="auto" latinLnBrk="0" hangingPunct="1">
+                <a:lnSpc>
+                  <a:spcPct val="100000"/>
+                </a:lnSpc>
+                <a:spcBef>
+                  <a:spcPct val="20000"/>
+                </a:spcBef>
+                <a:spcAft>
+                  <a:spcPts val="0"/>
+                </a:spcAft>
+                <a:buClrTx/>
+                <a:buSzPct val="90000"/>
+                <a:buFont typeface="Arial" panose="020B0604020202020204" pitchFamily="34" charset="0"/>
+                <a:buChar char="•"/>
+                <a:tabLst/>
+                <a:defRPr sz="1200" kern="1200" spc="0" baseline="0">
+                  <a:solidFill>
+                    <a:schemeClr val="tx1"/>
+                  </a:solidFill>
+                  <a:latin typeface="+mn-lt"/>
+                  <a:ea typeface="+mn-ea"/>
+                  <a:cs typeface="+mn-cs"/>
+                </a:defRPr>
+              </a:lvl3pPr>
+              <a:lvl4pPr marL="685800" marR="0" indent="0" algn="l" defTabSz="932742" rtl="0" eaLnBrk="1" fontAlgn="auto" latinLnBrk="0" hangingPunct="1">
+                <a:lnSpc>
+                  <a:spcPct val="100000"/>
+                </a:lnSpc>
+                <a:spcBef>
+                  <a:spcPct val="20000"/>
+                </a:spcBef>
+                <a:spcAft>
+                  <a:spcPts val="0"/>
+                </a:spcAft>
+                <a:buClrTx/>
+                <a:buSzPct val="90000"/>
+                <a:buFont typeface="Wingdings" panose="05000000000000000000" pitchFamily="2" charset="2"/>
+                <a:buNone/>
+                <a:tabLst/>
+                <a:defRPr sz="1000" kern="1200" spc="0" baseline="0">
+                  <a:gradFill>
+                    <a:gsLst>
+                      <a:gs pos="1250">
+                        <a:schemeClr val="tx1"/>
+                      </a:gs>
+                      <a:gs pos="100000">
+                        <a:schemeClr val="tx1"/>
+                      </a:gs>
+                    </a:gsLst>
+                    <a:lin ang="5400000" scaled="0"/>
+                  </a:gradFill>
+                  <a:latin typeface="+mn-lt"/>
+                  <a:ea typeface="+mn-ea"/>
+                  <a:cs typeface="+mn-cs"/>
+                </a:defRPr>
+              </a:lvl4pPr>
+              <a:lvl5pPr marL="914400" marR="0" indent="0" algn="l" defTabSz="932742" rtl="0" eaLnBrk="1" fontAlgn="auto" latinLnBrk="0" hangingPunct="1">
+                <a:lnSpc>
+                  <a:spcPct val="100000"/>
+                </a:lnSpc>
+                <a:spcBef>
+                  <a:spcPct val="20000"/>
+                </a:spcBef>
+                <a:spcAft>
+                  <a:spcPts val="0"/>
+                </a:spcAft>
+                <a:buClrTx/>
+                <a:buSzPct val="90000"/>
+                <a:buFont typeface="Wingdings" panose="05000000000000000000" pitchFamily="2" charset="2"/>
+                <a:buNone/>
+                <a:tabLst/>
+                <a:defRPr sz="800" kern="1200" spc="0" baseline="0">
+                  <a:gradFill>
+                    <a:gsLst>
+                      <a:gs pos="1250">
+                        <a:schemeClr val="tx1"/>
+                      </a:gs>
+                      <a:gs pos="100000">
+                        <a:schemeClr val="tx1"/>
+                      </a:gs>
+                    </a:gsLst>
+                    <a:lin ang="5400000" scaled="0"/>
+                  </a:gradFill>
+                  <a:latin typeface="+mn-lt"/>
+                  <a:ea typeface="+mn-ea"/>
+                  <a:cs typeface="+mn-cs"/>
+                </a:defRPr>
+              </a:lvl5pPr>
+              <a:lvl6pPr marL="2565040" indent="-233186" algn="l" defTabSz="932742" rtl="0" eaLnBrk="1" latinLnBrk="0" hangingPunct="1">
+                <a:spcBef>
+                  <a:spcPct val="20000"/>
+                </a:spcBef>
+                <a:buFont typeface="Arial" pitchFamily="34" charset="0"/>
+                <a:buChar char="•"/>
+                <a:defRPr sz="2000" kern="1200">
+                  <a:solidFill>
+                    <a:schemeClr val="tx1"/>
+                  </a:solidFill>
+                  <a:latin typeface="+mn-lt"/>
+                  <a:ea typeface="+mn-ea"/>
+                  <a:cs typeface="+mn-cs"/>
+                </a:defRPr>
+              </a:lvl6pPr>
+              <a:lvl7pPr marL="3031412" indent="-233186" algn="l" defTabSz="932742" rtl="0" eaLnBrk="1" latinLnBrk="0" hangingPunct="1">
+                <a:spcBef>
+                  <a:spcPct val="20000"/>
+                </a:spcBef>
+                <a:buFont typeface="Arial" pitchFamily="34" charset="0"/>
+                <a:buChar char="•"/>
+                <a:defRPr sz="2000" kern="1200">
+                  <a:solidFill>
+                    <a:schemeClr val="tx1"/>
+                  </a:solidFill>
+                  <a:latin typeface="+mn-lt"/>
+                  <a:ea typeface="+mn-ea"/>
+                  <a:cs typeface="+mn-cs"/>
+                </a:defRPr>
+              </a:lvl7pPr>
+              <a:lvl8pPr marL="3497783" indent="-233186" algn="l" defTabSz="932742" rtl="0" eaLnBrk="1" latinLnBrk="0" hangingPunct="1">
+                <a:spcBef>
+                  <a:spcPct val="20000"/>
+                </a:spcBef>
+                <a:buFont typeface="Arial" pitchFamily="34" charset="0"/>
+                <a:buChar char="•"/>
+                <a:defRPr sz="2000" kern="1200">
+                  <a:solidFill>
+                    <a:schemeClr val="tx1"/>
+                  </a:solidFill>
+                  <a:latin typeface="+mn-lt"/>
+                  <a:ea typeface="+mn-ea"/>
+                  <a:cs typeface="+mn-cs"/>
+                </a:defRPr>
+              </a:lvl8pPr>
+              <a:lvl9pPr marL="3964155" indent="-233186" algn="l" defTabSz="932742" rtl="0" eaLnBrk="1" latinLnBrk="0" hangingPunct="1">
+                <a:spcBef>
+                  <a:spcPct val="20000"/>
+                </a:spcBef>
+                <a:buFont typeface="Arial" pitchFamily="34" charset="0"/>
+                <a:buChar char="•"/>
+                <a:defRPr sz="2000" kern="1200">
+                  <a:solidFill>
+                    <a:schemeClr val="tx1"/>
+                  </a:solidFill>
+                  <a:latin typeface="+mn-lt"/>
+                  <a:ea typeface="+mn-ea"/>
+                  <a:cs typeface="+mn-cs"/>
+                </a:defRPr>
+              </a:lvl9pPr>
+            </a:lstStyle>
+            <a:p>
+              <a:pPr marL="0" indent="0">
+                <a:buFont typeface="Arial" panose="020B0604020202020204" pitchFamily="34" charset="0"/>
+                <a:buNone/>
+              </a:pPr>
+              <a:r>
+                <a:rPr lang="en-US" sz="1100">
+                  <a:solidFill>
+                    <a:schemeClr val="tx1">
+                      <a:lumMod val="95000"/>
+                      <a:lumOff val="5000"/>
+                    </a:schemeClr>
+                  </a:solidFill>
+                  <a:latin typeface="Segoe UI Semilight" panose="020B0402040204020203" pitchFamily="34" charset="0"/>
+                </a:rPr>
+                <a:t>PowerProxy</a:t>
+              </a:r>
+              <a:endParaRPr lang="de-DE" sz="1100">
+                <a:solidFill>
+                  <a:schemeClr val="tx1">
+                    <a:lumMod val="95000"/>
+                    <a:lumOff val="5000"/>
+                  </a:schemeClr>
+                </a:solidFill>
+                <a:latin typeface="Segoe UI Semilight" panose="020B0402040204020203" pitchFamily="34" charset="0"/>
+              </a:endParaRPr>
+            </a:p>
+          </p:txBody>
+        </p:sp>
+      </p:grpSp>
+    </p:spTree>
+    <p:extLst>
+      <p:ext uri="{BB962C8B-B14F-4D97-AF65-F5344CB8AC3E}">
+        <p14:creationId xmlns:p14="http://schemas.microsoft.com/office/powerpoint/2010/main" val="4206476889"/>
       </p:ext>
     </p:extLst>
   </p:cSld>

--- a/docs/Diagrams.pptx
+++ b/docs/Diagrams.pptx
@@ -8,6 +8,8 @@
     <p:sldId id="256" r:id="rId2"/>
     <p:sldId id="257" r:id="rId3"/>
     <p:sldId id="258" r:id="rId4"/>
+    <p:sldId id="259" r:id="rId5"/>
+    <p:sldId id="260" r:id="rId6"/>
   </p:sldIdLst>
   <p:sldSz cx="12192000" cy="6858000"/>
   <p:notesSz cx="6858000" cy="9144000"/>
@@ -117,7 +119,7 @@
 <file path=ppt/revisionInfo.xml><?xml version="1.0" encoding="utf-8"?>
 <p1510:revInfo xmlns:a="http://schemas.openxmlformats.org/drawingml/2006/main" xmlns:r="http://schemas.openxmlformats.org/officeDocument/2006/relationships" xmlns:p1510="http://schemas.microsoft.com/office/powerpoint/2015/10/main">
   <p1510:revLst>
-    <p1510:client id="{46BA79B3-6F12-4FD1-BB92-92785C2AAF2E}" v="2" dt="2023-12-01T13:41:28.420"/>
+    <p1510:client id="{46BA79B3-6F12-4FD1-BB92-92785C2AAF2E}" v="21" dt="2023-12-06T16:07:28.494"/>
   </p1510:revLst>
 </p1510:revInfo>
 </file>
@@ -2252,8 +2254,8 @@
   </pc:docChgLst>
   <pc:docChgLst>
     <pc:chgData name="Timo Klimmer" userId="af015218-587a-437d-921a-de4e64daf7ee" providerId="ADAL" clId="{46BA79B3-6F12-4FD1-BB92-92785C2AAF2E}"/>
-    <pc:docChg chg="custSel addSld modSld">
-      <pc:chgData name="Timo Klimmer" userId="af015218-587a-437d-921a-de4e64daf7ee" providerId="ADAL" clId="{46BA79B3-6F12-4FD1-BB92-92785C2AAF2E}" dt="2023-12-01T13:41:44.461" v="13" actId="164"/>
+    <pc:docChg chg="undo custSel addSld delSld modSld">
+      <pc:chgData name="Timo Klimmer" userId="af015218-587a-437d-921a-de4e64daf7ee" providerId="ADAL" clId="{46BA79B3-6F12-4FD1-BB92-92785C2AAF2E}" dt="2023-12-06T16:09:16.860" v="374" actId="164"/>
       <pc:docMkLst>
         <pc:docMk/>
       </pc:docMkLst>
@@ -2384,9 +2386,526 @@
           </ac:cxnSpMkLst>
         </pc:cxnChg>
       </pc:sldChg>
+      <pc:sldChg chg="new del">
+        <pc:chgData name="Timo Klimmer" userId="af015218-587a-437d-921a-de4e64daf7ee" providerId="ADAL" clId="{46BA79B3-6F12-4FD1-BB92-92785C2AAF2E}" dt="2023-12-06T10:02:49.868" v="15" actId="47"/>
+        <pc:sldMkLst>
+          <pc:docMk/>
+          <pc:sldMk cId="469607050" sldId="259"/>
+        </pc:sldMkLst>
+      </pc:sldChg>
+      <pc:sldChg chg="addSp delSp modSp mod">
+        <pc:chgData name="Timo Klimmer" userId="af015218-587a-437d-921a-de4e64daf7ee" providerId="ADAL" clId="{46BA79B3-6F12-4FD1-BB92-92785C2AAF2E}" dt="2023-12-06T16:09:16.860" v="374" actId="164"/>
+        <pc:sldMkLst>
+          <pc:docMk/>
+          <pc:sldMk cId="2493642130" sldId="259"/>
+        </pc:sldMkLst>
+        <pc:spChg chg="topLvl">
+          <ac:chgData name="Timo Klimmer" userId="af015218-587a-437d-921a-de4e64daf7ee" providerId="ADAL" clId="{46BA79B3-6F12-4FD1-BB92-92785C2AAF2E}" dt="2023-12-06T16:09:08.093" v="373" actId="165"/>
+          <ac:spMkLst>
+            <pc:docMk/>
+            <pc:sldMk cId="2493642130" sldId="259"/>
+            <ac:spMk id="4" creationId="{F011C583-7906-0211-36F5-79F5CD1A6B74}"/>
+          </ac:spMkLst>
+        </pc:spChg>
+        <pc:spChg chg="add mod">
+          <ac:chgData name="Timo Klimmer" userId="af015218-587a-437d-921a-de4e64daf7ee" providerId="ADAL" clId="{46BA79B3-6F12-4FD1-BB92-92785C2AAF2E}" dt="2023-12-06T16:08:25.631" v="372" actId="1036"/>
+          <ac:spMkLst>
+            <pc:docMk/>
+            <pc:sldMk cId="2493642130" sldId="259"/>
+            <ac:spMk id="5" creationId="{25815283-1129-3C73-1DCE-D8C332EAB291}"/>
+          </ac:spMkLst>
+        </pc:spChg>
+        <pc:spChg chg="topLvl">
+          <ac:chgData name="Timo Klimmer" userId="af015218-587a-437d-921a-de4e64daf7ee" providerId="ADAL" clId="{46BA79B3-6F12-4FD1-BB92-92785C2AAF2E}" dt="2023-12-06T16:09:08.093" v="373" actId="165"/>
+          <ac:spMkLst>
+            <pc:docMk/>
+            <pc:sldMk cId="2493642130" sldId="259"/>
+            <ac:spMk id="6" creationId="{9BB61F9D-EF9E-D392-5E60-CD685865E215}"/>
+          </ac:spMkLst>
+        </pc:spChg>
+        <pc:spChg chg="topLvl">
+          <ac:chgData name="Timo Klimmer" userId="af015218-587a-437d-921a-de4e64daf7ee" providerId="ADAL" clId="{46BA79B3-6F12-4FD1-BB92-92785C2AAF2E}" dt="2023-12-06T16:09:08.093" v="373" actId="165"/>
+          <ac:spMkLst>
+            <pc:docMk/>
+            <pc:sldMk cId="2493642130" sldId="259"/>
+            <ac:spMk id="7" creationId="{B54332B5-B467-29E4-444F-F9536E6AE4FB}"/>
+          </ac:spMkLst>
+        </pc:spChg>
+        <pc:spChg chg="topLvl">
+          <ac:chgData name="Timo Klimmer" userId="af015218-587a-437d-921a-de4e64daf7ee" providerId="ADAL" clId="{46BA79B3-6F12-4FD1-BB92-92785C2AAF2E}" dt="2023-12-06T16:09:08.093" v="373" actId="165"/>
+          <ac:spMkLst>
+            <pc:docMk/>
+            <pc:sldMk cId="2493642130" sldId="259"/>
+            <ac:spMk id="8" creationId="{B7CAF514-B3BD-D702-3BC9-EA55F6298660}"/>
+          </ac:spMkLst>
+        </pc:spChg>
+        <pc:spChg chg="topLvl">
+          <ac:chgData name="Timo Klimmer" userId="af015218-587a-437d-921a-de4e64daf7ee" providerId="ADAL" clId="{46BA79B3-6F12-4FD1-BB92-92785C2AAF2E}" dt="2023-12-06T16:09:08.093" v="373" actId="165"/>
+          <ac:spMkLst>
+            <pc:docMk/>
+            <pc:sldMk cId="2493642130" sldId="259"/>
+            <ac:spMk id="10" creationId="{81CF7701-D5D5-FC94-CE00-4DBA30722CC5}"/>
+          </ac:spMkLst>
+        </pc:spChg>
+        <pc:spChg chg="mod topLvl">
+          <ac:chgData name="Timo Klimmer" userId="af015218-587a-437d-921a-de4e64daf7ee" providerId="ADAL" clId="{46BA79B3-6F12-4FD1-BB92-92785C2AAF2E}" dt="2023-12-06T16:09:08.093" v="373" actId="165"/>
+          <ac:spMkLst>
+            <pc:docMk/>
+            <pc:sldMk cId="2493642130" sldId="259"/>
+            <ac:spMk id="11" creationId="{EFF5FF02-9889-8571-B152-3388F66FD8E4}"/>
+          </ac:spMkLst>
+        </pc:spChg>
+        <pc:spChg chg="mod topLvl">
+          <ac:chgData name="Timo Klimmer" userId="af015218-587a-437d-921a-de4e64daf7ee" providerId="ADAL" clId="{46BA79B3-6F12-4FD1-BB92-92785C2AAF2E}" dt="2023-12-06T16:09:08.093" v="373" actId="165"/>
+          <ac:spMkLst>
+            <pc:docMk/>
+            <pc:sldMk cId="2493642130" sldId="259"/>
+            <ac:spMk id="13" creationId="{A869474F-3CFE-9B56-AB76-E7B0C03DEDC6}"/>
+          </ac:spMkLst>
+        </pc:spChg>
+        <pc:spChg chg="mod topLvl">
+          <ac:chgData name="Timo Klimmer" userId="af015218-587a-437d-921a-de4e64daf7ee" providerId="ADAL" clId="{46BA79B3-6F12-4FD1-BB92-92785C2AAF2E}" dt="2023-12-06T16:09:08.093" v="373" actId="165"/>
+          <ac:spMkLst>
+            <pc:docMk/>
+            <pc:sldMk cId="2493642130" sldId="259"/>
+            <ac:spMk id="26" creationId="{A7C4B877-EE89-12C5-86A3-A6D2C6A474C4}"/>
+          </ac:spMkLst>
+        </pc:spChg>
+        <pc:spChg chg="topLvl">
+          <ac:chgData name="Timo Klimmer" userId="af015218-587a-437d-921a-de4e64daf7ee" providerId="ADAL" clId="{46BA79B3-6F12-4FD1-BB92-92785C2AAF2E}" dt="2023-12-06T16:09:08.093" v="373" actId="165"/>
+          <ac:spMkLst>
+            <pc:docMk/>
+            <pc:sldMk cId="2493642130" sldId="259"/>
+            <ac:spMk id="27" creationId="{5A1ECB63-C7D6-B100-2823-554B0D8BC51D}"/>
+          </ac:spMkLst>
+        </pc:spChg>
+        <pc:spChg chg="del">
+          <ac:chgData name="Timo Klimmer" userId="af015218-587a-437d-921a-de4e64daf7ee" providerId="ADAL" clId="{46BA79B3-6F12-4FD1-BB92-92785C2AAF2E}" dt="2023-12-06T16:07:28.024" v="276" actId="478"/>
+          <ac:spMkLst>
+            <pc:docMk/>
+            <pc:sldMk cId="2493642130" sldId="259"/>
+            <ac:spMk id="28" creationId="{51435CBF-FE0F-AEEE-5B76-9A15014E6760}"/>
+          </ac:spMkLst>
+        </pc:spChg>
+        <pc:spChg chg="mod topLvl">
+          <ac:chgData name="Timo Klimmer" userId="af015218-587a-437d-921a-de4e64daf7ee" providerId="ADAL" clId="{46BA79B3-6F12-4FD1-BB92-92785C2AAF2E}" dt="2023-12-06T16:09:08.093" v="373" actId="165"/>
+          <ac:spMkLst>
+            <pc:docMk/>
+            <pc:sldMk cId="2493642130" sldId="259"/>
+            <ac:spMk id="34" creationId="{1B2D1B1B-D72D-9230-2177-51874E726BC3}"/>
+          </ac:spMkLst>
+        </pc:spChg>
+        <pc:spChg chg="mod topLvl">
+          <ac:chgData name="Timo Klimmer" userId="af015218-587a-437d-921a-de4e64daf7ee" providerId="ADAL" clId="{46BA79B3-6F12-4FD1-BB92-92785C2AAF2E}" dt="2023-12-06T16:09:08.093" v="373" actId="165"/>
+          <ac:spMkLst>
+            <pc:docMk/>
+            <pc:sldMk cId="2493642130" sldId="259"/>
+            <ac:spMk id="36" creationId="{263081FE-6C50-5D82-6CE8-7CCA1519AF54}"/>
+          </ac:spMkLst>
+        </pc:spChg>
+        <pc:spChg chg="topLvl">
+          <ac:chgData name="Timo Klimmer" userId="af015218-587a-437d-921a-de4e64daf7ee" providerId="ADAL" clId="{46BA79B3-6F12-4FD1-BB92-92785C2AAF2E}" dt="2023-12-06T16:09:08.093" v="373" actId="165"/>
+          <ac:spMkLst>
+            <pc:docMk/>
+            <pc:sldMk cId="2493642130" sldId="259"/>
+            <ac:spMk id="37" creationId="{1CFCC3DE-80AD-F2F4-7821-F2560BA74D59}"/>
+          </ac:spMkLst>
+        </pc:spChg>
+        <pc:spChg chg="mod">
+          <ac:chgData name="Timo Klimmer" userId="af015218-587a-437d-921a-de4e64daf7ee" providerId="ADAL" clId="{46BA79B3-6F12-4FD1-BB92-92785C2AAF2E}" dt="2023-12-06T10:13:33.386" v="46" actId="552"/>
+          <ac:spMkLst>
+            <pc:docMk/>
+            <pc:sldMk cId="2493642130" sldId="259"/>
+            <ac:spMk id="38" creationId="{547D8DD0-C2BA-7077-ED73-96943D7575F9}"/>
+          </ac:spMkLst>
+        </pc:spChg>
+        <pc:spChg chg="mod">
+          <ac:chgData name="Timo Klimmer" userId="af015218-587a-437d-921a-de4e64daf7ee" providerId="ADAL" clId="{46BA79B3-6F12-4FD1-BB92-92785C2AAF2E}" dt="2023-12-06T10:13:33.386" v="46" actId="552"/>
+          <ac:spMkLst>
+            <pc:docMk/>
+            <pc:sldMk cId="2493642130" sldId="259"/>
+            <ac:spMk id="39" creationId="{8B9B2A13-3E60-E1E5-FDE2-9F16773950AF}"/>
+          </ac:spMkLst>
+        </pc:spChg>
+        <pc:spChg chg="mod topLvl">
+          <ac:chgData name="Timo Klimmer" userId="af015218-587a-437d-921a-de4e64daf7ee" providerId="ADAL" clId="{46BA79B3-6F12-4FD1-BB92-92785C2AAF2E}" dt="2023-12-06T16:09:08.093" v="373" actId="165"/>
+          <ac:spMkLst>
+            <pc:docMk/>
+            <pc:sldMk cId="2493642130" sldId="259"/>
+            <ac:spMk id="40" creationId="{9FAEA5C1-4973-1629-BAF2-EB432126BD28}"/>
+          </ac:spMkLst>
+        </pc:spChg>
+        <pc:grpChg chg="add mod topLvl">
+          <ac:chgData name="Timo Klimmer" userId="af015218-587a-437d-921a-de4e64daf7ee" providerId="ADAL" clId="{46BA79B3-6F12-4FD1-BB92-92785C2AAF2E}" dt="2023-12-06T16:09:08.093" v="373" actId="165"/>
+          <ac:grpSpMkLst>
+            <pc:docMk/>
+            <pc:sldMk cId="2493642130" sldId="259"/>
+            <ac:grpSpMk id="2" creationId="{DC9339BF-5DA8-3E89-5824-D13259BC3C38}"/>
+          </ac:grpSpMkLst>
+        </pc:grpChg>
+        <pc:grpChg chg="add del">
+          <ac:chgData name="Timo Klimmer" userId="af015218-587a-437d-921a-de4e64daf7ee" providerId="ADAL" clId="{46BA79B3-6F12-4FD1-BB92-92785C2AAF2E}" dt="2023-12-06T16:09:08.093" v="373" actId="165"/>
+          <ac:grpSpMkLst>
+            <pc:docMk/>
+            <pc:sldMk cId="2493642130" sldId="259"/>
+            <ac:grpSpMk id="3" creationId="{7FA560C4-B311-B7CA-4849-D4323A1C23A4}"/>
+          </ac:grpSpMkLst>
+        </pc:grpChg>
+        <pc:grpChg chg="add">
+          <ac:chgData name="Timo Klimmer" userId="af015218-587a-437d-921a-de4e64daf7ee" providerId="ADAL" clId="{46BA79B3-6F12-4FD1-BB92-92785C2AAF2E}" dt="2023-12-06T16:09:16.860" v="374" actId="164"/>
+          <ac:grpSpMkLst>
+            <pc:docMk/>
+            <pc:sldMk cId="2493642130" sldId="259"/>
+            <ac:grpSpMk id="9" creationId="{D0248F1E-7E3E-3FC6-D94C-67703AE3E4B6}"/>
+          </ac:grpSpMkLst>
+        </pc:grpChg>
+        <pc:cxnChg chg="topLvl">
+          <ac:chgData name="Timo Klimmer" userId="af015218-587a-437d-921a-de4e64daf7ee" providerId="ADAL" clId="{46BA79B3-6F12-4FD1-BB92-92785C2AAF2E}" dt="2023-12-06T16:09:08.093" v="373" actId="165"/>
+          <ac:cxnSpMkLst>
+            <pc:docMk/>
+            <pc:sldMk cId="2493642130" sldId="259"/>
+            <ac:cxnSpMk id="22" creationId="{6F1A11E0-111C-A3D5-3C9C-48ED927CC725}"/>
+          </ac:cxnSpMkLst>
+        </pc:cxnChg>
+        <pc:cxnChg chg="topLvl">
+          <ac:chgData name="Timo Klimmer" userId="af015218-587a-437d-921a-de4e64daf7ee" providerId="ADAL" clId="{46BA79B3-6F12-4FD1-BB92-92785C2AAF2E}" dt="2023-12-06T16:09:08.093" v="373" actId="165"/>
+          <ac:cxnSpMkLst>
+            <pc:docMk/>
+            <pc:sldMk cId="2493642130" sldId="259"/>
+            <ac:cxnSpMk id="23" creationId="{846579B5-CC8C-418F-FC08-480DF382B963}"/>
+          </ac:cxnSpMkLst>
+        </pc:cxnChg>
+        <pc:cxnChg chg="topLvl">
+          <ac:chgData name="Timo Klimmer" userId="af015218-587a-437d-921a-de4e64daf7ee" providerId="ADAL" clId="{46BA79B3-6F12-4FD1-BB92-92785C2AAF2E}" dt="2023-12-06T16:09:08.093" v="373" actId="165"/>
+          <ac:cxnSpMkLst>
+            <pc:docMk/>
+            <pc:sldMk cId="2493642130" sldId="259"/>
+            <ac:cxnSpMk id="29" creationId="{19D86F86-34D0-E16A-E2D1-E63E53D03DDF}"/>
+          </ac:cxnSpMkLst>
+        </pc:cxnChg>
+        <pc:cxnChg chg="topLvl">
+          <ac:chgData name="Timo Klimmer" userId="af015218-587a-437d-921a-de4e64daf7ee" providerId="ADAL" clId="{46BA79B3-6F12-4FD1-BB92-92785C2AAF2E}" dt="2023-12-06T16:09:08.093" v="373" actId="165"/>
+          <ac:cxnSpMkLst>
+            <pc:docMk/>
+            <pc:sldMk cId="2493642130" sldId="259"/>
+            <ac:cxnSpMk id="31" creationId="{A9ED0779-8C97-8AE8-36C9-1F7370BBC6CB}"/>
+          </ac:cxnSpMkLst>
+        </pc:cxnChg>
+      </pc:sldChg>
+      <pc:sldChg chg="addSp delSp modSp new mod">
+        <pc:chgData name="Timo Klimmer" userId="af015218-587a-437d-921a-de4e64daf7ee" providerId="ADAL" clId="{46BA79B3-6F12-4FD1-BB92-92785C2AAF2E}" dt="2023-12-06T14:36:43.811" v="274" actId="164"/>
+        <pc:sldMkLst>
+          <pc:docMk/>
+          <pc:sldMk cId="768734441" sldId="260"/>
+        </pc:sldMkLst>
+        <pc:spChg chg="del">
+          <ac:chgData name="Timo Klimmer" userId="af015218-587a-437d-921a-de4e64daf7ee" providerId="ADAL" clId="{46BA79B3-6F12-4FD1-BB92-92785C2AAF2E}" dt="2023-12-06T10:15:07.415" v="59" actId="478"/>
+          <ac:spMkLst>
+            <pc:docMk/>
+            <pc:sldMk cId="768734441" sldId="260"/>
+            <ac:spMk id="2" creationId="{66141BF8-DEEE-A393-3E9D-82D729365BE1}"/>
+          </ac:spMkLst>
+        </pc:spChg>
+        <pc:spChg chg="del">
+          <ac:chgData name="Timo Klimmer" userId="af015218-587a-437d-921a-de4e64daf7ee" providerId="ADAL" clId="{46BA79B3-6F12-4FD1-BB92-92785C2AAF2E}" dt="2023-12-06T10:15:07.415" v="59" actId="478"/>
+          <ac:spMkLst>
+            <pc:docMk/>
+            <pc:sldMk cId="768734441" sldId="260"/>
+            <ac:spMk id="3" creationId="{54CBA8E2-4F69-3401-2987-C9DB5FB7AABA}"/>
+          </ac:spMkLst>
+        </pc:spChg>
+        <pc:spChg chg="add mod">
+          <ac:chgData name="Timo Klimmer" userId="af015218-587a-437d-921a-de4e64daf7ee" providerId="ADAL" clId="{46BA79B3-6F12-4FD1-BB92-92785C2AAF2E}" dt="2023-12-06T10:17:04.685" v="79" actId="12788"/>
+          <ac:spMkLst>
+            <pc:docMk/>
+            <pc:sldMk cId="768734441" sldId="260"/>
+            <ac:spMk id="9" creationId="{E395CF3A-F7CE-9AEB-A759-7C4340F302FA}"/>
+          </ac:spMkLst>
+        </pc:spChg>
+        <pc:spChg chg="add mod">
+          <ac:chgData name="Timo Klimmer" userId="af015218-587a-437d-921a-de4e64daf7ee" providerId="ADAL" clId="{46BA79B3-6F12-4FD1-BB92-92785C2AAF2E}" dt="2023-12-06T10:17:43.413" v="107" actId="12788"/>
+          <ac:spMkLst>
+            <pc:docMk/>
+            <pc:sldMk cId="768734441" sldId="260"/>
+            <ac:spMk id="10" creationId="{C2D124EB-64DA-93C7-30AC-4BBBC2280FCF}"/>
+          </ac:spMkLst>
+        </pc:spChg>
+        <pc:spChg chg="add del">
+          <ac:chgData name="Timo Klimmer" userId="af015218-587a-437d-921a-de4e64daf7ee" providerId="ADAL" clId="{46BA79B3-6F12-4FD1-BB92-92785C2AAF2E}" dt="2023-12-06T10:26:18.099" v="218" actId="34122"/>
+          <ac:spMkLst>
+            <pc:docMk/>
+            <pc:sldMk cId="768734441" sldId="260"/>
+            <ac:spMk id="18" creationId="{964E04B0-0216-4E24-B78B-3614815656CA}"/>
+          </ac:spMkLst>
+        </pc:spChg>
+        <pc:spChg chg="add mod">
+          <ac:chgData name="Timo Klimmer" userId="af015218-587a-437d-921a-de4e64daf7ee" providerId="ADAL" clId="{46BA79B3-6F12-4FD1-BB92-92785C2AAF2E}" dt="2023-12-06T10:24:03.569" v="184" actId="20577"/>
+          <ac:spMkLst>
+            <pc:docMk/>
+            <pc:sldMk cId="768734441" sldId="260"/>
+            <ac:spMk id="28" creationId="{18FB47FA-450B-5A0D-233F-82C9093187D9}"/>
+          </ac:spMkLst>
+        </pc:spChg>
+        <pc:spChg chg="add mod">
+          <ac:chgData name="Timo Klimmer" userId="af015218-587a-437d-921a-de4e64daf7ee" providerId="ADAL" clId="{46BA79B3-6F12-4FD1-BB92-92785C2AAF2E}" dt="2023-12-06T10:24:17.792" v="205" actId="20577"/>
+          <ac:spMkLst>
+            <pc:docMk/>
+            <pc:sldMk cId="768734441" sldId="260"/>
+            <ac:spMk id="29" creationId="{1DC13B1F-FC63-6E47-4D9B-7AFBFE91D8A7}"/>
+          </ac:spMkLst>
+        </pc:spChg>
+        <pc:spChg chg="add mod">
+          <ac:chgData name="Timo Klimmer" userId="af015218-587a-437d-921a-de4e64daf7ee" providerId="ADAL" clId="{46BA79B3-6F12-4FD1-BB92-92785C2AAF2E}" dt="2023-12-06T10:24:30.474" v="209" actId="20577"/>
+          <ac:spMkLst>
+            <pc:docMk/>
+            <pc:sldMk cId="768734441" sldId="260"/>
+            <ac:spMk id="30" creationId="{3FA02A9A-A6F1-8543-10FB-584963A759EE}"/>
+          </ac:spMkLst>
+        </pc:spChg>
+        <pc:spChg chg="add mod">
+          <ac:chgData name="Timo Klimmer" userId="af015218-587a-437d-921a-de4e64daf7ee" providerId="ADAL" clId="{46BA79B3-6F12-4FD1-BB92-92785C2AAF2E}" dt="2023-12-06T10:24:40.599" v="213" actId="20577"/>
+          <ac:spMkLst>
+            <pc:docMk/>
+            <pc:sldMk cId="768734441" sldId="260"/>
+            <ac:spMk id="31" creationId="{263DCC99-A707-1A7F-AC06-091B08C9CB5F}"/>
+          </ac:spMkLst>
+        </pc:spChg>
+        <pc:spChg chg="add mod">
+          <ac:chgData name="Timo Klimmer" userId="af015218-587a-437d-921a-de4e64daf7ee" providerId="ADAL" clId="{46BA79B3-6F12-4FD1-BB92-92785C2AAF2E}" dt="2023-12-06T10:30:42.808" v="273" actId="207"/>
+          <ac:spMkLst>
+            <pc:docMk/>
+            <pc:sldMk cId="768734441" sldId="260"/>
+            <ac:spMk id="35" creationId="{0A695D0E-ED57-5431-36F6-A451041D7226}"/>
+          </ac:spMkLst>
+        </pc:spChg>
+        <pc:spChg chg="add mod">
+          <ac:chgData name="Timo Klimmer" userId="af015218-587a-437d-921a-de4e64daf7ee" providerId="ADAL" clId="{46BA79B3-6F12-4FD1-BB92-92785C2AAF2E}" dt="2023-12-06T10:30:29.779" v="272" actId="207"/>
+          <ac:spMkLst>
+            <pc:docMk/>
+            <pc:sldMk cId="768734441" sldId="260"/>
+            <ac:spMk id="36" creationId="{52F5548B-1CCC-4F00-F4A4-AAB3ED783527}"/>
+          </ac:spMkLst>
+        </pc:spChg>
+        <pc:grpChg chg="add">
+          <ac:chgData name="Timo Klimmer" userId="af015218-587a-437d-921a-de4e64daf7ee" providerId="ADAL" clId="{46BA79B3-6F12-4FD1-BB92-92785C2AAF2E}" dt="2023-12-06T14:36:43.811" v="274" actId="164"/>
+          <ac:grpSpMkLst>
+            <pc:docMk/>
+            <pc:sldMk cId="768734441" sldId="260"/>
+            <ac:grpSpMk id="2" creationId="{59914135-C61F-B5ED-B77A-19390B863C9F}"/>
+          </ac:grpSpMkLst>
+        </pc:grpChg>
+        <pc:inkChg chg="add del">
+          <ac:chgData name="Timo Klimmer" userId="af015218-587a-437d-921a-de4e64daf7ee" providerId="ADAL" clId="{46BA79B3-6F12-4FD1-BB92-92785C2AAF2E}" dt="2023-12-06T10:18:29.622" v="109" actId="9405"/>
+          <ac:inkMkLst>
+            <pc:docMk/>
+            <pc:sldMk cId="768734441" sldId="260"/>
+            <ac:inkMk id="11" creationId="{B8409704-50EA-2B6B-0344-60099C4C3668}"/>
+          </ac:inkMkLst>
+        </pc:inkChg>
+        <pc:inkChg chg="add del">
+          <ac:chgData name="Timo Klimmer" userId="af015218-587a-437d-921a-de4e64daf7ee" providerId="ADAL" clId="{46BA79B3-6F12-4FD1-BB92-92785C2AAF2E}" dt="2023-12-06T10:18:38.546" v="111" actId="9405"/>
+          <ac:inkMkLst>
+            <pc:docMk/>
+            <pc:sldMk cId="768734441" sldId="260"/>
+            <ac:inkMk id="12" creationId="{3D3CF89D-7D29-5124-F654-98D4F0773ECB}"/>
+          </ac:inkMkLst>
+        </pc:inkChg>
+        <pc:inkChg chg="add del">
+          <ac:chgData name="Timo Klimmer" userId="af015218-587a-437d-921a-de4e64daf7ee" providerId="ADAL" clId="{46BA79B3-6F12-4FD1-BB92-92785C2AAF2E}" dt="2023-12-06T10:19:06.844" v="113" actId="9405"/>
+          <ac:inkMkLst>
+            <pc:docMk/>
+            <pc:sldMk cId="768734441" sldId="260"/>
+            <ac:inkMk id="13" creationId="{4FE0FF55-EF0B-E2A8-F2FC-F43BD2FB4E4D}"/>
+          </ac:inkMkLst>
+        </pc:inkChg>
+        <pc:inkChg chg="add del">
+          <ac:chgData name="Timo Klimmer" userId="af015218-587a-437d-921a-de4e64daf7ee" providerId="ADAL" clId="{46BA79B3-6F12-4FD1-BB92-92785C2AAF2E}" dt="2023-12-06T10:19:40.312" v="115"/>
+          <ac:inkMkLst>
+            <pc:docMk/>
+            <pc:sldMk cId="768734441" sldId="260"/>
+            <ac:inkMk id="14" creationId="{7DD39EA4-BEED-11F4-8B6F-5C35AA82BDA4}"/>
+          </ac:inkMkLst>
+        </pc:inkChg>
+        <pc:inkChg chg="add del">
+          <ac:chgData name="Timo Klimmer" userId="af015218-587a-437d-921a-de4e64daf7ee" providerId="ADAL" clId="{46BA79B3-6F12-4FD1-BB92-92785C2AAF2E}" dt="2023-12-06T10:19:48.892" v="117" actId="9405"/>
+          <ac:inkMkLst>
+            <pc:docMk/>
+            <pc:sldMk cId="768734441" sldId="260"/>
+            <ac:inkMk id="15" creationId="{3CD6054D-0E8E-A8C6-EA4E-52DD2A2499E8}"/>
+          </ac:inkMkLst>
+        </pc:inkChg>
+        <pc:inkChg chg="add del">
+          <ac:chgData name="Timo Klimmer" userId="af015218-587a-437d-921a-de4e64daf7ee" providerId="ADAL" clId="{46BA79B3-6F12-4FD1-BB92-92785C2AAF2E}" dt="2023-12-06T10:20:00.727" v="119" actId="9405"/>
+          <ac:inkMkLst>
+            <pc:docMk/>
+            <pc:sldMk cId="768734441" sldId="260"/>
+            <ac:inkMk id="16" creationId="{0B9753F7-DF1B-B4B8-55DE-0E83EB5215F0}"/>
+          </ac:inkMkLst>
+        </pc:inkChg>
+        <pc:inkChg chg="add del">
+          <ac:chgData name="Timo Klimmer" userId="af015218-587a-437d-921a-de4e64daf7ee" providerId="ADAL" clId="{46BA79B3-6F12-4FD1-BB92-92785C2AAF2E}" dt="2023-12-06T10:20:36.243" v="121"/>
+          <ac:inkMkLst>
+            <pc:docMk/>
+            <pc:sldMk cId="768734441" sldId="260"/>
+            <ac:inkMk id="17" creationId="{001B911E-D4E4-411E-A2EB-E8AE21C1F0DA}"/>
+          </ac:inkMkLst>
+        </pc:inkChg>
+        <pc:inkChg chg="add del">
+          <ac:chgData name="Timo Klimmer" userId="af015218-587a-437d-921a-de4e64daf7ee" providerId="ADAL" clId="{46BA79B3-6F12-4FD1-BB92-92785C2AAF2E}" dt="2023-12-06T10:20:38.099" v="122"/>
+          <ac:inkMkLst>
+            <pc:docMk/>
+            <pc:sldMk cId="768734441" sldId="260"/>
+            <ac:inkMk id="18" creationId="{BDA1DCFC-AF13-BCB9-0061-22416B271F45}"/>
+          </ac:inkMkLst>
+        </pc:inkChg>
+        <pc:inkChg chg="add">
+          <ac:chgData name="Timo Klimmer" userId="af015218-587a-437d-921a-de4e64daf7ee" providerId="ADAL" clId="{46BA79B3-6F12-4FD1-BB92-92785C2AAF2E}" dt="2023-12-06T10:20:38.099" v="122"/>
+          <ac:inkMkLst>
+            <pc:docMk/>
+            <pc:sldMk cId="768734441" sldId="260"/>
+            <ac:inkMk id="19" creationId="{B0370688-4CD2-15B4-7E50-06A77F8CEDDC}"/>
+          </ac:inkMkLst>
+        </pc:inkChg>
+        <pc:inkChg chg="add del mod">
+          <ac:chgData name="Timo Klimmer" userId="af015218-587a-437d-921a-de4e64daf7ee" providerId="ADAL" clId="{46BA79B3-6F12-4FD1-BB92-92785C2AAF2E}" dt="2023-12-06T10:26:44.521" v="219" actId="478"/>
+          <ac:inkMkLst>
+            <pc:docMk/>
+            <pc:sldMk cId="768734441" sldId="260"/>
+            <ac:inkMk id="32" creationId="{096CA1E5-655B-CF62-BDC4-37A0899D0F60}"/>
+          </ac:inkMkLst>
+        </pc:inkChg>
+        <pc:inkChg chg="add del">
+          <ac:chgData name="Timo Klimmer" userId="af015218-587a-437d-921a-de4e64daf7ee" providerId="ADAL" clId="{46BA79B3-6F12-4FD1-BB92-92785C2AAF2E}" dt="2023-12-06T10:27:38.982" v="221"/>
+          <ac:inkMkLst>
+            <pc:docMk/>
+            <pc:sldMk cId="768734441" sldId="260"/>
+            <ac:inkMk id="33" creationId="{93E25D3D-F78D-6461-A482-B93D84B34CE4}"/>
+          </ac:inkMkLst>
+        </pc:inkChg>
+        <pc:inkChg chg="add">
+          <ac:chgData name="Timo Klimmer" userId="af015218-587a-437d-921a-de4e64daf7ee" providerId="ADAL" clId="{46BA79B3-6F12-4FD1-BB92-92785C2AAF2E}" dt="2023-12-06T10:27:38.982" v="221"/>
+          <ac:inkMkLst>
+            <pc:docMk/>
+            <pc:sldMk cId="768734441" sldId="260"/>
+            <ac:inkMk id="34" creationId="{7C9C88A2-E7EE-54A5-3F74-287F25C8A39F}"/>
+          </ac:inkMkLst>
+        </pc:inkChg>
+        <pc:cxnChg chg="add mod">
+          <ac:chgData name="Timo Klimmer" userId="af015218-587a-437d-921a-de4e64daf7ee" providerId="ADAL" clId="{46BA79B3-6F12-4FD1-BB92-92785C2AAF2E}" dt="2023-12-06T10:17:43.413" v="107" actId="12788"/>
+          <ac:cxnSpMkLst>
+            <pc:docMk/>
+            <pc:sldMk cId="768734441" sldId="260"/>
+            <ac:cxnSpMk id="5" creationId="{90848AC5-9C99-2803-3581-35D41AD8DC72}"/>
+          </ac:cxnSpMkLst>
+        </pc:cxnChg>
+        <pc:cxnChg chg="add mod">
+          <ac:chgData name="Timo Klimmer" userId="af015218-587a-437d-921a-de4e64daf7ee" providerId="ADAL" clId="{46BA79B3-6F12-4FD1-BB92-92785C2AAF2E}" dt="2023-12-06T10:17:04.685" v="79" actId="12788"/>
+          <ac:cxnSpMkLst>
+            <pc:docMk/>
+            <pc:sldMk cId="768734441" sldId="260"/>
+            <ac:cxnSpMk id="7" creationId="{F17742DE-F5A5-FC9A-AF07-DFAA0311941B}"/>
+          </ac:cxnSpMkLst>
+        </pc:cxnChg>
+        <pc:cxnChg chg="add mod">
+          <ac:chgData name="Timo Klimmer" userId="af015218-587a-437d-921a-de4e64daf7ee" providerId="ADAL" clId="{46BA79B3-6F12-4FD1-BB92-92785C2AAF2E}" dt="2023-12-06T10:22:17.712" v="133" actId="692"/>
+          <ac:cxnSpMkLst>
+            <pc:docMk/>
+            <pc:sldMk cId="768734441" sldId="260"/>
+            <ac:cxnSpMk id="21" creationId="{F510A4E4-2A3E-D16C-1595-22CE4EECE263}"/>
+          </ac:cxnSpMkLst>
+        </pc:cxnChg>
+        <pc:cxnChg chg="add mod">
+          <ac:chgData name="Timo Klimmer" userId="af015218-587a-437d-921a-de4e64daf7ee" providerId="ADAL" clId="{46BA79B3-6F12-4FD1-BB92-92785C2AAF2E}" dt="2023-12-06T10:23:14.880" v="140" actId="465"/>
+          <ac:cxnSpMkLst>
+            <pc:docMk/>
+            <pc:sldMk cId="768734441" sldId="260"/>
+            <ac:cxnSpMk id="25" creationId="{8A20E041-6DEF-950F-8A3C-11608D899955}"/>
+          </ac:cxnSpMkLst>
+        </pc:cxnChg>
+        <pc:cxnChg chg="add mod">
+          <ac:chgData name="Timo Klimmer" userId="af015218-587a-437d-921a-de4e64daf7ee" providerId="ADAL" clId="{46BA79B3-6F12-4FD1-BB92-92785C2AAF2E}" dt="2023-12-06T10:23:14.880" v="140" actId="465"/>
+          <ac:cxnSpMkLst>
+            <pc:docMk/>
+            <pc:sldMk cId="768734441" sldId="260"/>
+            <ac:cxnSpMk id="26" creationId="{6F7F8D3B-7AC3-5927-0137-5414EAB3C9E8}"/>
+          </ac:cxnSpMkLst>
+        </pc:cxnChg>
+        <pc:cxnChg chg="add mod">
+          <ac:chgData name="Timo Klimmer" userId="af015218-587a-437d-921a-de4e64daf7ee" providerId="ADAL" clId="{46BA79B3-6F12-4FD1-BB92-92785C2AAF2E}" dt="2023-12-06T10:22:58.525" v="139" actId="1076"/>
+          <ac:cxnSpMkLst>
+            <pc:docMk/>
+            <pc:sldMk cId="768734441" sldId="260"/>
+            <ac:cxnSpMk id="27" creationId="{E019AACB-BC9D-AC50-49F1-20C01BD2E321}"/>
+          </ac:cxnSpMkLst>
+        </pc:cxnChg>
+      </pc:sldChg>
     </pc:docChg>
   </pc:docChgLst>
 </pc:chgInfo>
+</file>
+
+<file path=ppt/ink/ink1.xml><?xml version="1.0" encoding="utf-8"?>
+<inkml:ink xmlns:inkml="http://www.w3.org/2003/InkML">
+  <inkml:definitions>
+    <inkml:context xml:id="ctx0">
+      <inkml:inkSource xml:id="inkSrc0">
+        <inkml:traceFormat>
+          <inkml:channel name="X" type="integer" min="-2.14748E9" max="2.14748E9" units="cm"/>
+          <inkml:channel name="Y" type="integer" min="-2.14748E9" max="2.14748E9" units="cm"/>
+          <inkml:channel name="F" type="integer" max="32767" units="dev"/>
+          <inkml:channel name="OA" type="integer" max="360" units="deg"/>
+          <inkml:channel name="OE" type="integer" max="90" units="deg"/>
+        </inkml:traceFormat>
+        <inkml:channelProperties>
+          <inkml:channelProperty channel="X" name="resolution" value="1000" units="1/cm"/>
+          <inkml:channelProperty channel="Y" name="resolution" value="1000" units="1/cm"/>
+          <inkml:channelProperty channel="F" name="resolution" value="0" units="1/dev"/>
+          <inkml:channelProperty channel="OA" name="resolution" value="1000" units="1/deg"/>
+          <inkml:channelProperty channel="OE" name="resolution" value="1000" units="1/deg"/>
+        </inkml:channelProperties>
+      </inkml:inkSource>
+      <inkml:timestamp xml:id="ts0" timeString="2023-12-06T10:20:38.083"/>
+    </inkml:context>
+    <inkml:brush xml:id="br0">
+      <inkml:brushProperty name="width" value="0.05" units="cm"/>
+      <inkml:brushProperty name="height" value="0.05" units="cm"/>
+      <inkml:brushProperty name="color" value="#AB008B"/>
+    </inkml:brush>
+  </inkml:definitions>
+  <inkml:trace contextRef="#ctx0" brushRef="#br0">4 6078 1032 0 0,'-4'-12'12736'0'0,"23"20"-11782"0"0,15-9 1 0 0,62-11-1 0 0,-88 10-763 0 0,0 0-1 0 0,0-1 1 0 0,0 0-1 0 0,0-1 1 0 0,8-4-1 0 0,2-1 113 0 0,-13 6-248 0 0,0-1 1 0 0,0 1-1 0 0,0-1 1 0 0,-1 0-1 0 0,1 0 1 0 0,-1 0-1 0 0,0-1 1 0 0,3-5 0 0 0,8-7 190 0 0,-7 7-196 0 0,-1 1-1 0 0,0-1 1 0 0,-1-1-1 0 0,9-16 0 0 0,-9 15 72 0 0,0 0-1 0 0,1 0 0 0 0,14-17 0 0 0,54-61 358 0 0,30-12 308 0 0,-88 89-742 0 0,1 0 0 0 0,0 1 0 0 0,1 1 0 0 0,22-9 0 0 0,-15 7 48 0 0,34-22-1 0 0,-41 23-23 0 0,-10 6-19 0 0,0 0-1 0 0,11-9 0 0 0,40-33 260 0 0,-38 31-154 0 0,26-24 0 0 0,-34 27-154 0 0,49-45 0 0 0,-54 52 0 0 0,0 0 0 0 0,0 1 0 0 0,1 0 0 0 0,0 0 0 0 0,16-6 0 0 0,12 0 0 0 0,1 2 0 0 0,54-8 0 0 0,-56 11 0 0 0,-28 5 20 0 0,0 1 0 0 0,1 0 0 0 0,0 0-1 0 0,-1 1 1 0 0,1 0 0 0 0,-1 1-1 0 0,1 0 1 0 0,-1 0 0 0 0,1 1 0 0 0,-1 1-1 0 0,0-1 1 0 0,0 1 0 0 0,0 1 0 0 0,14 7-1 0 0,-17-7-19 0 0,1 0 0 0 0,-1 1 0 0 0,0 0 0 0 0,0 0 0 0 0,-1 0 0 0 0,1 1 0 0 0,-1 0 0 0 0,6 9 0 0 0,-1 2 0 0 0,-1 0 0 0 0,8 20 0 0 0,-14-30 0 0 0,11 23-266 0 0,28 41 0 0 0,-33-56 113 0 0,-3-5 191 0 0,0-1-1 0 0,1 0 1 0 0,-1-1 0 0 0,2 1-1 0 0,-1-1 1 0 0,1-1 0 0 0,0 0 0 0 0,1 0-1 0 0,0 0 1 0 0,14 7 0 0 0,-13-8-89 0 0,-1 0 0 0 0,0 1 0 0 0,0 0 1 0 0,0 1-1 0 0,-1-1 0 0 0,0 2 0 0 0,7 9 1 0 0,9 8 22 0 0,11 20 132 0 0,32 33 443 0 0,-60-70-538 0 0,0 0 0 0 0,-1 0 0 0 0,0 1 0 0 0,0 0 0 0 0,4 11 0 0 0,-6-12 0 0 0,0 1 0 0 0,1-1 1 0 0,0-1-1 0 0,0 1 0 0 0,1-1 0 0 0,1 1 1 0 0,6 6-1 0 0,1-4 6 0 0,0 0 1 0 0,1-1-1 0 0,0-1 1 0 0,0 0-1 0 0,1-1 0 0 0,0-1 1 0 0,0 0-1 0 0,1-1 1 0 0,0-1-1 0 0,19 3 0 0 0,8 0 53 0 0,1-3 0 0 0,81 0 0 0 0,-103-6 21 0 0,0 0 0 0 0,0-2-1 0 0,-1-1 1 0 0,1-1-1 0 0,-1 0 1 0 0,0-2 0 0 0,25-11-1 0 0,-5-2-159 0 0,-1-1 0 0 0,61-43 0 0 0,-33 19-56 0 0,-34 24 241 0 0,-1-2-1 0 0,-1-2 1 0 0,51-48 0 0 0,-64 52 21 0 0,31-36 221 0 0,25-33-335 0 0,-33 43-21 0 0,2 2 0 0 0,3 2 0 0 0,79-56 0 0 0,-40 44-328 0 0,-82 52 310 0 0,1 0-1 0 0,0 0 1 0 0,1 1-1 0 0,-1-1 1 0 0,0 1-1 0 0,1 1 1 0 0,-1-1-1 0 0,1 1 1 0 0,0 0-1 0 0,-1 1 1 0 0,1-1-1 0 0,0 1 0 0 0,0 1 1 0 0,-1-1-1 0 0,1 1 1 0 0,0 0-1 0 0,-1 1 1 0 0,13 4-1 0 0,-8-2-7 0 0,0 0 0 0 0,-1 1 0 0 0,1 1 0 0 0,-1 0-1 0 0,0 0 1 0 0,-1 1 0 0 0,1 0 0 0 0,-1 0 0 0 0,-1 1-1 0 0,9 10 1 0 0,-4-5 25 0 0,1 0-1 0 0,0-1 0 0 0,0 0 0 0 0,19 11 1 0 0,-13-10 23 0 0,34 30 0 0 0,-40-29-15 0 0,0 1 0 0 0,-1 0 0 0 0,0 0 0 0 0,-1 2 1 0 0,-1 0-1 0 0,9 18 0 0 0,-2 1 235 0 0,-9-19-284 0 0,0 0 0 0 0,9 27 0 0 0,2 15-102 0 0,11 38 288 0 0,-28-81-142 0 0,1 0 1 0 0,1 0 0 0 0,0-1-1 0 0,1 0 1 0 0,1 1 0 0 0,0-2-1 0 0,1 1 1 0 0,18 22 0 0 0,-22-31-12 0 0,1-1 0 0 0,0 0 0 0 0,1 0 1 0 0,-1 0-1 0 0,1-1 0 0 0,0 1 0 0 0,0-2 1 0 0,0 1-1 0 0,1-1 0 0 0,7 4 0 0 0,-4-4-13 0 0,1 0 0 0 0,-1-1 0 0 0,1 0-1 0 0,-1 0 1 0 0,1-1 0 0 0,15 0 0 0 0,-21-1 21 0 0,114-3 489 0 0,-92 1-330 0 0,1-1 1 0 0,33-8-1 0 0,2-9-158 0 0,-45 15-35 0 0,0-2-1 0 0,0 0 0 0 0,26-14 0 0 0,48-36-152 0 0,-53 32 183 0 0,225-165 636 0 0,-258 186-630 0 0,114-94-513 0 0,-49 53 850 0 0,-36 24-188 0 0,-4 4-150 0 0,1 2 0 0 0,61-21 0 0 0,-44 18 0 0 0,-29 11-1 0 0,28-13 13 0 0,61-31-249 0 0,-94 43 148 0 0,0 0-1 0 0,-1-1 1 0 0,0 0 0 0 0,21-19 0 0 0,-27 22 145 0 0,-1 0 0 0 0,1 1 1 0 0,0 0-1 0 0,0 1 0 0 0,0 0 0 0 0,1 0 0 0 0,-1 0 0 0 0,17-3 0 0 0,-1 2 39 0 0,-1 1 0 0 0,29-1 0 0 0,-38 5-92 0 0,0 0 1 0 0,19 3 0 0 0,-14-2-5 0 0,-13 0 2 0 0,1 0-1 0 0,0 1 1 0 0,-1 0-1 0 0,1 0 1 0 0,-1 0-1 0 0,0 1 1 0 0,1-1-1 0 0,8 7 1 0 0,2 3-2 0 0,23 19 0 0 0,10 8-26 0 0,-34-29-128 0 0,-2 2 0 0 0,1 0 0 0 0,-2 0-1 0 0,17 20 1 0 0,51 73 155 0 0,-67-86 94 0 0,17 28 0 0 0,-20-29-13 0 0,0-1 1 0 0,23 27-1 0 0,-2-12-81 0 0,-18-18 0 0 0,0 0 0 0 0,-1 1 0 0 0,0 0 0 0 0,14 23 0 0 0,-21-27 0 0 0,6 12 0 0 0,2-1 0 0 0,21 28 0 0 0,-2-8 100 0 0,65 60 0 0 0,-87-94-76 0 0,0-1 0 0 0,0 1 0 0 0,0-2 0 0 0,1 0 0 0 0,0 0 0 0 0,0-1 0 0 0,1 0 0 0 0,-1-1 0 0 0,1-1 0 0 0,0 0 0 0 0,15 1 0 0 0,2-2 69 0 0,1-1 1 0 0,47-7-1 0 0,-34 3-158 0 0,-27 1 86 0 0,-1 0 0 0 0,1-1 0 0 0,-1-1 0 0 0,0-1 0 0 0,0 0 0 0 0,0-1 0 0 0,0 0 0 0 0,26-17 0 0 0,-16 6-2 0 0,0-1 0 0 0,-1-1 0 0 0,39-40 0 0 0,-49 43-44 0 0,26-39 0 0 0,-30 40 0 0 0,0-1-1 0 0,1 2 1 0 0,22-21-1 0 0,42-25 26 0 0,-43 37 0 0 0,60-58 0 0 0,-62 53 0 0 0,43-44 86 0 0,24-21 44 0 0,-88 86-156 0 0,0 0 0 0 0,0 1 0 0 0,1 1 0 0 0,0 0 0 0 0,0 0 1 0 0,0 1-1 0 0,14-3 0 0 0,-10 3 17 0 0,-6 2 9 0 0,-1 0 0 0 0,1 1 0 0 0,0 0 0 0 0,1 1 0 0 0,-1 0 0 0 0,0 0 0 0 0,11 3 0 0 0,18 0 0 0 0,-26-3 0 0 0,0 1 0 0 0,0 0 0 0 0,0 1 0 0 0,0 1 0 0 0,-1 0 0 0 0,13 5 0 0 0,64 32 0 0 0,-37-15 0 0 0,-36-17 0 0 0,0 1 0 0 0,0 0 0 0 0,-1 2 0 0 0,24 23 0 0 0,-13-13 0 0 0,-21-17 0 0 0,-1-1 0 0 0,1 1 0 0 0,-1 0 0 0 0,3 6 0 0 0,6 5 0 0 0,-2-2-27 0 0,15 23-1 0 0,6 8-34 0 0,-2-11 127 0 0,-18-22-41 0 0,-1 1-1 0 0,0 0 0 0 0,0 1 1 0 0,-1 0-1 0 0,9 19 0 0 0,-12-18-29 0 0,10 20-27 0 0,32 54-1 0 0,-28-61 30 0 0,1-1 1 0 0,1-1-1 0 0,30 27 0 0 0,-47-48 11 0 0,1 1-1 0 0,0-1 1 0 0,1 0-1 0 0,-1 0 1 0 0,8 2-1 0 0,0 1 23 0 0,-4-2-17 0 0,1-1 1 0 0,0 0-1 0 0,-1-1 0 0 0,2 0 0 0 0,-1-1 0 0 0,0 0 0 0 0,0 0 1 0 0,1-2-1 0 0,11 1 0 0 0,18-3 48 0 0,47-9 0 0 0,-50 6-50 0 0,-7 2-26 0 0,0-2 0 0 0,0-1 0 0 0,-1-2 0 0 0,53-20 0 0 0,31-30 176 0 0,0-2 130 0 0,-88 48-227 0 0,-1-2 1 0 0,-1-1 0 0 0,0-1 0 0 0,-1-1 0 0 0,0-1 0 0 0,-2-1-1 0 0,21-22 1 0 0,-1-2-64 0 0,68-78 0 0 0,-94 101 0 0 0,17-22 0 0 0,-20 22 5 0 0,51-90-16 0 0,-53 90 28 0 0,-1-1-1 0 0,-1 0 1 0 0,9-34-1 0 0,45-218 303 0 0,-55 247-262 0 0,20-44 1 0 0,-16 45 16 0 0,13-46 1 0 0,6-100 152 0 0,-12 53-225 0 0,40-277 62 0 0,-40 243-226 0 0,1-42 366 0 0,-17 153-139 0 0,3-103-157 0 0,8-87 203 0 0,-12 204-162 0 0,-3-27 0 0 0,0-2 23 0 0,-4-41-32 0 0,2-130 60 0 0,4 190 0 0 0,0-32-10 0 0,5-67 133 0 0,4-55-36 0 0,12 3-151 0 0,32-265 356 0 0,-44 358-593 0 0,4-30 967 0 0,2-81-325 0 0,-11 133-307 0 0,3-144-34 0 0,-2 85-157 0 0,3-99 298 0 0,2 71-141 0 0,-6 105 0 0 0,27-271 239 0 0,-18 235-494 0 0,-9 68 267 0 0,1 1 0 0 0,1 1 1 0 0,1-1-1 0 0,11-23 0 0 0,-10 25-9 0 0,4-2-3 0 0,2-3 0 0 0,-15 23 4 0 0,2-1-1 0 0,8-4-43 0 0,-6 5-63 0 0,1 0 1 0 0,0 1-1 0 0,0-1 1 0 0,1 1-1 0 0,-1 0 0 0 0,0 0 1 0 0,0 0-1 0 0,1 0 1 0 0,7 0-1 0 0,3 2 223 0 0,22 2-1 0 0,-23-1-248 0 0,-9-1 77 0 0,1 0 1 0 0,-1 1-1 0 0,0-1 0 0 0,1 1 1 0 0,-1 0-1 0 0,0 1 1 0 0,0-1-1 0 0,6 5 0 0 0,36 29 153 0 0,-42-31-57 0 0,4 4-59 0 0,-1 0-1 0 0,0 0 1 0 0,-1 1 0 0 0,0 0 0 0 0,0 1 0 0 0,-1-1-1 0 0,0 1 1 0 0,-1 0 0 0 0,7 22 0 0 0,22 90-8 0 0,1 6 27 0 0,23 83-528 0 0,-22-60 705 0 0,-24-93-258 0 0,19 128-57 0 0,-13-69 136 0 0,29 308 82 0 0,-36-307 10 0 0,1 109 234 0 0,-5-60-235 0 0,-4-63-106 0 0,0-78 28 0 0,1 0 1 0 0,1 0 0 0 0,1-1-1 0 0,18 47 1 0 0,-24-72-16 0 0,15 52-48 0 0,-3 0-1 0 0,10 92 1 0 0,-16-100 53 0 0,20 169 125 0 0,12 84 104 0 0,-1 73-163 0 0,-16-136-948 0 0,23 320 835 0 0,-29-360 632 0 0,1 27-660 0 0,-9-93-222 0 0,4 126 110 0 0,-3 68 107 0 0,-1-180 112 0 0,0-44-5 0 0,23 242-165 0 0,-18-267 127 0 0,28 93 0 0 0,-13-61 67 0 0,-20-79-56 0 0,0 0 0 0 0,15 34 0 0 0,-18-53-5 0 0,0 1 0 0 0,0-2-1 0 0,1 1 1 0 0,0 0 0 0 0,0-1 0 0 0,1 0-1 0 0,-1 0 1 0 0,2 0 0 0 0,-1-1 0 0 0,1 0-1 0 0,10 7 1 0 0,4 0 0 0 0,2 0 0 0 0,-1-2 0 0 0,2 0 0 0 0,37 11 0 0 0,-44-17 0 0 0,2-1 0 0 0,-1-1 0 0 0,0 0 0 0 0,1-1 0 0 0,-1-1 0 0 0,37-3 0 0 0,14-9 58 0 0,109-31-1 0 0,-170 40-54 0 0,20-5-15 0 0,-1-2 1 0 0,0-1-1 0 0,-1-1 1 0 0,32-19 0 0 0,-44 21 21 0 0,0 0 0 0 0,0-1 0 0 0,-2 0 0 0 0,1-1 1 0 0,-1 0-1 0 0,-1-1 0 0 0,0 0 0 0 0,16-25 0 0 0,-4 1 110 0 0,49-72 120 0 0,-59 90-209 0 0,2 0 1 0 0,0 1-1 0 0,29-24 1 0 0,-27 27-33 0 0,5-3 54 0 0,-1-2 1 0 0,37-41 0 0 0,-33 26-28 0 0,-2-2 0 0 0,-1-1 0 0 0,24-59 0 0 0,22-38 36 0 0,-26 59-49 0 0,27-43-14 0 0,35-40-255 0 0,-40 69 380 0 0,-53 76-104 0 0,0 2 0 0 0,0 0 0 0 0,1 0 0 0 0,25-17 0 0 0,144-101 388 0 0,-155 111-408 0 0,-17 10 0 0 0,0 2 0 0 0,1-1 0 0 0,0 1 0 0 0,0 1 0 0 0,0-1 0 0 0,1 2 0 0 0,0 0 0 0 0,0 0 0 0 0,12-2 0 0 0,-17 6-29 0 0,0-1-1 0 0,0 2 1 0 0,1-1 0 0 0,-1 1-1 0 0,0 0 1 0 0,0 0 0 0 0,0 1-1 0 0,0-1 1 0 0,0 1 0 0 0,0 1-1 0 0,10 5 1 0 0,29 17-63 0 0,-22-12 62 0 0,24 16-1 0 0,-39-24 29 0 0,-1 1-1 0 0,0 0 0 0 0,-1 0 0 0 0,1 1 0 0 0,-1 0 0 0 0,-1 0 0 0 0,6 8 0 0 0,5 13 5 0 0,-2 2-1 0 0,-1 0 1 0 0,10 37-1 0 0,-6-19 53 0 0,-6-16-41 0 0,17 41-14 0 0,6 20 25 0 0,-10-23 5 0 0,-11-32-24 0 0,-2 1-1 0 0,7 45 1 0 0,11 40-8 0 0,-27-117 3 0 0,6 19 0 0 0,0-1 0 0 0,2 0 0 0 0,23 42 0 0 0,-23-49 0 0 0,5 9 0 0 0,25 25 0 0 0,-27-40 39 0 0,1 0 0 0 0,0-1-1 0 0,1-1 1 0 0,0 0-1 0 0,0-1 1 0 0,1-1 0 0 0,0 0-1 0 0,1-1 1 0 0,0-1 0 0 0,25 7-1 0 0,-3-7 391 0 0,-30-5-402 0 0,-1 0-1 0 0,1 0 1 0 0,10 4-1 0 0,-4-1-26 0 0,0 0 0 0 0,28 2 0 0 0,-28-4 0 0 0,-5-1 4 0 0,0-1-1 0 0,0 0 1 0 0,0 0-1 0 0,-1-1 1 0 0,1-1 0 0 0,0 0-1 0 0,16-5 1 0 0,65-30 30 0 0,-78 31-33 0 0,105-52-116 0 0,-97 46 101 0 0,-2 0-1 0 0,0-2 0 0 0,30-27 1 0 0,-30 23 50 0 0,-2-1 0 0 0,0-1 0 0 0,16-24 0 0 0,-20 22-13 0 0,17-35-1 0 0,-2-3-62 0 0,54-86 0 0 0,-64 117 40 0 0,-10 15 0 0 0,0 1 0 0 0,1 0 0 0 0,19-20 0 0 0,36-25 25 0 0,20-20 14 0 0,-61 52-53 0 0,-1-2 0 0 0,31-50 1 0 0,2-17-10 0 0,-45 78 23 0 0,1 0 0 0 0,1 1 0 0 0,0 1 0 0 0,1 0 0 0 0,17-14 0 0 0,-25 25 14 0 0,-1 1 0 0 0,1-1-1 0 0,9-4 1 0 0,3-1 11 0 0,-11 5-31 0 0,0 0-1 0 0,0 1 1 0 0,0 0-1 0 0,1 1 1 0 0,-1-1-1 0 0,1 1 1 0 0,0 1-1 0 0,0-1 1 0 0,0 1-1 0 0,10-1 1 0 0,6 2-42 0 0,43 5 1 0 0,-30-2 44 0 0,-18 0 17 0 0,-1 0 1 0 0,1 1 0 0 0,-1 1-1 0 0,26 11 1 0 0,-43-16-15 0 0,10 5 6 0 0,0 0 0 0 0,-1 0 1 0 0,0 1-1 0 0,0 0 0 0 0,-1 1 0 0 0,0 0 0 0 0,0 0 0 0 0,-1 1 0 0 0,12 14 0 0 0,-9-6-83 0 0,0 0 0 0 0,-2 1-1 0 0,0-1 1 0 0,7 23 0 0 0,-8-23 113 0 0,20 39 188 0 0,-6-12-103 0 0,62 122-121 0 0,-63-126 0 0 0,5 11 0 0 0,5 5 0 0 0,-20-37-58 0 0,0 0-1 0 0,1-1 0 0 0,1-1 1 0 0,25 27-1 0 0,10 14-88 0 0,6 6 379 0 0,36 21-88 0 0,-85-81-143 0 0,-1-1-1 0 0,1 1 0 0 0,0-1 1 0 0,0 0-1 0 0,6 2 1 0 0,9 5-64 0 0,-12-6 75 0 0,0 0 0 0 0,1 0 0 0 0,-1-1 0 0 0,0 0 0 0 0,1-1 0 0 0,-1 0 0 0 0,10 1 0 0 0,21 3 32 0 0,-21-2-44 0 0,1-1 0 0 0,0-1 0 0 0,0-1 0 0 0,28-3 0 0 0,13 0 0 0 0,37-2-39 0 0,-70 3 14 0 0,0-2 0 0 0,0 0-1 0 0,-1-2 0 0 0,1-1 1 0 0,38-15-1 0 0,30-22 147 0 0,-55 25-66 0 0,43-16 0 0 0,-66 30-83 0 0,0-1-1 0 0,0-1 1 0 0,-1-1 0 0 0,0 0-1 0 0,-1-1 1 0 0,0-1 0 0 0,0 0-1 0 0,17-17 1 0 0,40-33 95 0 0,-46 40-43 0 0,0-1-1 0 0,33-38 0 0 0,-16 14-45 0 0,-27 31 40 0 0,-2 0-1 0 0,19-26 1 0 0,2-2 29 0 0,-16 22-30 0 0,-6 5-17 0 0,1 1 0 0 0,0 1 0 0 0,1 0 0 0 0,0 1 0 0 0,25-16 0 0 0,-26 20 0 0 0,0-2 0 0 0,-1 1 0 0 0,0-2 0 0 0,0 0 0 0 0,-1 0 0 0 0,-1-1 0 0 0,0 0 0 0 0,-1-1 0 0 0,0 0 0 0 0,12-24 0 0 0,-10 18 0 0 0,0 1 0 0 0,1 0 0 0 0,21-22 0 0 0,-3-1 0 0 0,-8 8 0 0 0,-12 21 0 0 0,0-1 0 0 0,1 1 0 0 0,15-13 0 0 0,-12 12-68 0 0,-6 6-80 0 0,0 0 1 0 0,1 0-1 0 0,10-5 1 0 0,-16 10 121 0 0,-1 1 0 0 0,1-1 0 0 0,0 1 0 0 0,0 0 0 0 0,0 0 1 0 0,0 0-1 0 0,0 1 0 0 0,0-1 0 0 0,0 1 0 0 0,0-1 0 0 0,0 1 1 0 0,1 0-1 0 0,-1 0 0 0 0,0 1 0 0 0,4 0 0 0 0,0 0 26 0 0,-1 1 0 0 0,1 1 0 0 0,-1-1 0 0 0,1 1 0 0 0,-1 0 0 0 0,0 0 0 0 0,0 1 0 0 0,0-1 0 0 0,-1 1 0 0 0,8 7 0 0 0,-4-4 0 0 0,1 0 0 0 0,11 5 0 0 0,5 4 0 0 0,-17-10 0 0 0,0 0 0 0 0,-1 1 0 0 0,1 0 0 0 0,-1 0 0 0 0,-1 1 0 0 0,1 0 0 0 0,-1 0 0 0 0,11 18 0 0 0,-8-9 0 0 0,-6-11 0 0 0,-1-1 0 0 0,0 1 0 0 0,4 11 0 0 0,-3-7 0 0 0,41 116 34 0 0,-34-100-24 0 0,1 0 0 0 0,25 40 0 0 0,38 64-74 0 0,-56-99 139 0 0,-12-18 20 0 0,16 23-1 0 0,-1-6-111 0 0,24 44-1 0 0,-9-14-124 0 0,-35-56 178 0 0,1-1 0 0 0,0 1 1 0 0,0-1-1 0 0,0 0 0 0 0,0 0 1 0 0,1 0-1 0 0,-1-1 0 0 0,1 1 0 0 0,-1-1 1 0 0,1 0-1 0 0,8 4 0 0 0,2-1 86 0 0,0-1 0 0 0,17 3 0 0 0,5 2-98 0 0,-21-4-11 0 0,0-2 0 0 0,1 0 0 0 0,-1-1-1 0 0,1 0 1 0 0,-1-1 0 0 0,1-1 0 0 0,0 0 0 0 0,0-1-1 0 0,28-6 1 0 0,-39 6-14 0 0,0-1 0 0 0,0 0 0 0 0,1 0 0 0 0,-1 0 0 0 0,0 0 0 0 0,-1-1 0 0 0,1 1 0 0 0,0-1 0 0 0,-1 0-1 0 0,0-1 1 0 0,1 1 0 0 0,-1-1 0 0 0,-1 0 0 0 0,7-7 0 0 0,2-4-49 0 0,-6 5 45 0 0,1 2 0 0 0,0-1 0 0 0,1 1 0 0 0,0 0 0 0 0,13-10 0 0 0,63-48 64 0 0,-57 43-97 0 0,38-26 1 0 0,-42 35 41 0 0,-1-2 1 0 0,-1 0-1 0 0,0-2 0 0 0,-1 0 0 0 0,-1-1 1 0 0,-1-1-1 0 0,-1-1 0 0 0,-1 0 1 0 0,0-2-1 0 0,-2 1 0 0 0,-1-2 0 0 0,0 0 1 0 0,-2 0-1 0 0,9-28 0 0 0,85-249 60 0 0,-88 260-64 0 0,-9 24 0 0 0,11-35 0 0 0,-7 3-7 0 0,60-197-103 0 0,-61 219 104 0 0,27-47-1 0 0,-26 53 10 0 0,0 0 1 0 0,-2-2-1 0 0,12-32 0 0 0,40-237 50 0 0,-46 194-46 0 0,26-143 39 0 0,-20 110-32 0 0,12-51-17 0 0,-14 89 3 0 0,5-21 0 0 0,2-7 0 0 0,-6 24 0 0 0,-16 81 0 0 0,0-1 0 0 0,15-30 0 0 0,-19 46-41 0 0,1 0 0 0 0,-1 0 0 0 0,0-1 0 0 0,0 1-1 0 0,1 0 1 0 0,-1 0 0 0 0,0 0 0 0 0,1 0 0 0 0,-1 1 0 0 0,1-1 0 0 0,-1 0-1 0 0,1 1 1 0 0,0-1 0 0 0,-1 1 0 0 0,1-1 0 0 0,-1 1 0 0 0,1 0-1 0 0,0-1 1 0 0,-1 1 0 0 0,1 0 0 0 0,0 0 0 0 0,2 1 0 0 0,12-3-173 0 0,-9 1 215 0 0,0 0 1 0 0,0 1-1 0 0,0 0 0 0 0,0 0 0 0 0,0 0 0 0 0,14 4 0 0 0,40 13 22 0 0,-40-11-11 0 0,-15-4-10 0 0,0 0 0 0 0,0 1 1 0 0,0 0-1 0 0,-1 0 0 0 0,1 0 0 0 0,-1 1 1 0 0,0-1-1 0 0,0 1 0 0 0,0 0 0 0 0,0 1 1 0 0,-1-1-1 0 0,0 1 0 0 0,0 0 0 0 0,0 0 1 0 0,0 1-1 0 0,2 5 0 0 0,4 9 7 0 0,-1 0-1 0 0,-1 1 0 0 0,7 28 0 0 0,3 7-2 0 0,-9-26-6 0 0,9 44 0 0 0,-7-22 0 0 0,-7-31 0 0 0,2 37 0 0 0,-2-15 0 0 0,3 49 0 0 0,-5 96 0 0 0,-2-113 0 0 0,-7 95 0 0 0,1-1 0 0 0,5-100-2 0 0,5 175-12 0 0,-1-177-42 0 0,13 167-372 0 0,-14-214 421 0 0,21 145 122 0 0,13 30 143 0 0,-22-92-249 0 0,-2-16-205 0 0,-1-15 296 0 0,9 40 65 0 0,-7-43-166 0 0,4 15 18 0 0,20 48 274 0 0,-34-120-296 0 0,0 1 1 0 0,1-1-1 0 0,1 0 1 0 0,0-1-1 0 0,9 16 1 0 0,-11-23 6 0 0,0 0 0 0 0,0 0 0 0 0,0 0 0 0 0,0-1 0 0 0,1 1 0 0 0,-1-1 0 0 0,1 0-1 0 0,0 0 1 0 0,0-1 0 0 0,0 1 0 0 0,1-1 0 0 0,-1 0 0 0 0,1 0 0 0 0,-1 0 0 0 0,1 0 0 0 0,-1-1 0 0 0,8 1 0 0 0,27 3 127 0 0,1-1 0 0 0,0-3 1 0 0,-1-1-1 0 0,42-6 0 0 0,-44 1-531 0 0,36-11 0 0 0,-47 11 466 0 0</inkml:trace>
+</inkml:ink>
+</file>
+
+<file path=ppt/ink/ink2.xml><?xml version="1.0" encoding="utf-8"?>
+<inkml:ink xmlns:inkml="http://www.w3.org/2003/InkML">
+  <inkml:definitions>
+    <inkml:context xml:id="ctx0">
+      <inkml:inkSource xml:id="inkSrc0">
+        <inkml:traceFormat>
+          <inkml:channel name="X" type="integer" min="-2.14748E9" max="2.14748E9" units="cm"/>
+          <inkml:channel name="Y" type="integer" min="-2.14748E9" max="2.14748E9" units="cm"/>
+          <inkml:channel name="F" type="integer" max="32767" units="dev"/>
+          <inkml:channel name="OA" type="integer" max="360" units="deg"/>
+          <inkml:channel name="OE" type="integer" max="90" units="deg"/>
+        </inkml:traceFormat>
+        <inkml:channelProperties>
+          <inkml:channelProperty channel="X" name="resolution" value="1000" units="1/cm"/>
+          <inkml:channelProperty channel="Y" name="resolution" value="1000" units="1/cm"/>
+          <inkml:channelProperty channel="F" name="resolution" value="0" units="1/dev"/>
+          <inkml:channelProperty channel="OA" name="resolution" value="1000" units="1/deg"/>
+          <inkml:channelProperty channel="OE" name="resolution" value="1000" units="1/deg"/>
+        </inkml:channelProperties>
+      </inkml:inkSource>
+      <inkml:timestamp xml:id="ts0" timeString="2023-12-06T10:27:38.982"/>
+    </inkml:context>
+    <inkml:brush xml:id="br0">
+      <inkml:brushProperty name="width" value="0.05" units="cm"/>
+      <inkml:brushProperty name="height" value="0.05" units="cm"/>
+      <inkml:brushProperty name="color" value="#004F8B"/>
+    </inkml:brush>
+  </inkml:definitions>
+  <inkml:trace contextRef="#ctx0" brushRef="#br0">92 735 2936 0 0,'0'0'117'0'0,"-1"1"1"0"0,0 0 0 0 0,0-1-1 0 0,0 1 1 0 0,0-1-1 0 0,0 1 1 0 0,1-1-1 0 0,-1 1 1 0 0,0-1-1 0 0,0 0 1 0 0,0 0 0 0 0,0 1-1 0 0,0-1 1 0 0,0 0-1 0 0,0 0 1 0 0,0 0-1 0 0,-2 0 1 0 0,-4 1 950 0 0,-3 3 87 0 0,1-1-696 0 0,-6 7 1677 0 0,5-4-1209 0 0,9-6-699 0 0,-1 3 304 0 0,1 0 0 0 0,-1 0 0 0 0,0 0 0 0 0,0 0-1 0 0,0-1 1 0 0,0 1 0 0 0,0-1 0 0 0,-4 4 2241 0 0,24-2-2171 0 0,-14-4-533 0 0,-1-1 0 0 0,1 1 0 0 0,0-1 0 0 0,-1 0 0 0 0,1 0 0 0 0,0-1 0 0 0,5-2 0 0 0,17-6 181 0 0,-9 6-120 0 0,-10 3-62 0 0,1-1 0 0 0,0 0 0 0 0,8-5 0 0 0,4 0 58 0 0,-16 6-88 0 0,0-1 0 0 0,1 0 1 0 0,-1 1-1 0 0,0-1 0 0 0,0-1 1 0 0,0 1-1 0 0,5-5 0 0 0,4-5 182 0 0,18-25 0 0 0,-22 27-108 0 0,-1-1 0 0 0,2 1 0 0 0,-1 1 0 0 0,16-12 0 0 0,-18 15 98 0 0,-1 0 0 0 0,12-12 0 0 0,-12 12-178 0 0,0 0-1 0 0,0 0 1 0 0,12-8-1 0 0,-5 4-41 0 0,19-18 0 0 0,11-7-338 0 0,-42 34 364 0 0,8-6 100 0 0,1 0 0 0 0,0 0 0 0 0,1 1 0 0 0,-1 0-1 0 0,1 1 1 0 0,23-7 0 0 0,-5 1-60 0 0,-22 8-40 0 0,0 0 0 0 0,0 1 0 0 0,10-3 0 0 0,-3 2 0 0 0,84-17 155 0 0,16-4 143 0 0,-87 17-144 0 0,-21 5-106 0 0,-1 0-1 0 0,1 1 1 0 0,0-1 0 0 0,10 0-1 0 0,16 0-75 0 0,-26 1-32 0 0,1 0 1 0 0,-1 1 0 0 0,1-1 0 0 0,-1 1 0 0 0,1 1 0 0 0,-1-1-1 0 0,1 1 1 0 0,7 2 0 0 0,75 38 284 0 0,-6-3 159 0 0,-36-17-329 0 0,-1 1 0 0 0,77 51 1 0 0,-73-45-381 0 0,-26-16 228 0 0,37 15 128 0 0,-37-18 18 0 0,31 19 1 0 0,-48-24-39 0 0,1 1 8 0 0,0 0 1 0 0,0-1-1 0 0,0 0 0 0 0,0-1 0 0 0,16 5 0 0 0,17 1-55 0 0,0-1 0 0 0,1-3 0 0 0,76 1 0 0 0,-111-7 5 0 0,0 1-1 0 0,0-1 0 0 0,0 0 0 0 0,-1-1 1 0 0,1 1-1 0 0,0-1 0 0 0,11-6 0 0 0,2-2 108 0 0,20-14 0 0 0,-24 15-71 0 0,-1 0 0 0 0,33-14-1 0 0,242-90 359 0 0,-273 104-307 0 0,-1-1 1 0 0,30-23-1 0 0,-11 7 170 0 0,-23 17-94 0 0,0-2 1 0 0,13-12-1 0 0,11-11 73 0 0,-24 23-126 0 0,-1 0 0 0 0,19-24 0 0 0,-19 21 26 0 0,25-24 1 0 0,-21 24-91 0 0,-1-1-1 0 0,-1 0 0 0 0,0-1 1 0 0,11-19-1 0 0,-19 28-18 0 0,0 1 0 0 0,1 0 1 0 0,0 0-1 0 0,0 0 0 0 0,0 0 0 0 0,13-8 0 0 0,0 2-15 0 0,25-10-1 0 0,16-10-170 0 0,-49 26 174 0 0,-1 2 0 0 0,1-1 0 0 0,1 2 0 0 0,-1-1 0 0 0,0 1 0 0 0,1 1 0 0 0,-1 0 0 0 0,1 1 0 0 0,0 0 0 0 0,12 1 0 0 0,-6 2 42 0 0,-1 0-1 0 0,0 1 0 0 0,1 1 1 0 0,-1 1-1 0 0,18 7 1 0 0,-4-1-11 0 0,-5-3-48 0 0,1 1-59 0 0,31 6 1 0 0,-42-11 41 0 0,-1 1-1 0 0,0 0 0 0 0,0 1 1 0 0,0 0-1 0 0,-1 1 0 0 0,0 1 1 0 0,0 0-1 0 0,23 20 0 0 0,-15-13 75 0 0,2-1-1 0 0,0-1 1 0 0,28 11-1 0 0,-43-20-37 0 0,0 0-2 0 0,6 3 0 0 0,25 14 0 0 0,-27-14 0 0 0,0 0 0 0 0,20 6 0 0 0,-3 0 0 0 0,-21-9 0 0 0,0-1 0 0 0,0 1 0 0 0,0-1 0 0 0,17 3 0 0 0,83 4 0 0 0,-80-6 0 0 0,39 11 0 0 0,73 24 0 0 0,-85-19 0 0 0,-23-11 0 0 0,-11-2 0 0 0,43 6 0 0 0,-31-9 0 0 0,-12-1 0 0 0,28 1 0 0 0,35-1 0 0 0,-48 0 0 0 0,0-2 0 0 0,46-5 0 0 0,-43 1 3 0 0,-22 2-12 0 0,29-6 1 0 0,57-9-4 0 0,-71 12 14 0 0,35-5-2 0 0,0-3 0 0 0,129-42 0 0 0,-171 45 0 0 0,-4 0 0 0 0,0 1 0 0 0,45-8 0 0 0,187-15 216 0 0,-125 29-38 0 0,-68 3-164 0 0,-12 1-139 0 0,54 10 1 0 0,-27-2 37 0 0,-49-7 109 0 0,0 2 1 0 0,-1 1-1 0 0,0 1 0 0 0,0 1 0 0 0,0 1 1 0 0,-1 2-1 0 0,-1 0 0 0 0,0 2 0 0 0,-1 0 0 0 0,0 2 1 0 0,21 17-1 0 0,-43-31-28 0 0,115 83-273 0 0,-87-66 337 0 0,-19-11-24 0 0,1 0 0 0 0,0 0 0 0 0,18 7 0 0 0,128 47-34 0 0,-137-54-1 0 0,-14-5 2 0 0,0 0 1 0 0,0 1 0 0 0,0-1 0 0 0,0 1-1 0 0,0 0 1 0 0,9 7 0 0 0,0 3 32 0 0,-2-3-24 0 0,25 17 1 0 0,-32-24-10 0 0,0 0 0 0 0,0 0 0 0 0,0 0 1 0 0,1-1-1 0 0,-1 0 0 0 0,1-1 0 0 0,11 2 0 0 0,-5-1 26 0 0,62 4-110 0 0,55-3-112 0 0,-102-3 195 0 0,-1-1 0 0 0,39-6 0 0 0,-5 0 0 0 0,-45 5 0 0 0,0-2 0 0 0,0 0 0 0 0,-1 0 0 0 0,1-2 0 0 0,25-12 0 0 0,-22 9 0 0 0,1 1 0 0 0,0 1 0 0 0,26-6 0 0 0,65-6 25 0 0,-42 8-5 0 0,74-21-1 0 0,4-2-100 0 0,-65 18 82 0 0,50-7 154 0 0,-57 11-86 0 0,28-13-109 0 0,13-2-136 0 0,-10 4 170 0 0,-17 2 83 0 0,11 4 29 0 0,77-16-283 0 0,-20 6 177 0 0,-120 20 1 0 0,67-10 10 0 0,45 11 41 0 0,-122 8-71 0 0,-1 0-1 0 0,33 8 0 0 0,-31-4 15 0 0,-14-3 5 0 0,0 1 0 0 0,0 1 0 0 0,0 1 0 0 0,0 0 0 0 0,13 9 0 0 0,27 11 0 0 0,0-2 188 0 0,-37-15-177 0 0,1-1-1 0 0,0-1 1 0 0,29 8 0 0 0,-9-4-15 0 0,70 29-1 0 0,-74-26-254 0 0,55 14 240 0 0,-78-25 19 0 0,1 0 0 0 0,22 2 0 0 0,-21-3 0 0 0,25 5 0 0 0,-24-3 0 0 0,1-1-1 0 0,0-1 0 0 0,24 1 1 0 0,47-3 11 0 0,-36-1 83 0 0,54-3 179 0 0,-87 2-350 0 0,0 0-1 0 0,-1-2 1 0 0,34-10 0 0 0,-42 11 70 0 0,8-3-21 0 0,25-13-1 0 0,7-6 16 0 0,14-9 15 0 0,-46 25 20 0 0,0 2-1 0 0,0-1 0 0 0,1 2 1 0 0,32-8-1 0 0,-28 9 1 0 0,-1-1-1 0 0,36-17 0 0 0,98-54-88 0 0,-13 2 67 0 0,-44 37-40 0 0,-26 11 16 0 0,-35 12 24 0 0,-9 2 0 0 0,1 2 0 0 0,1 1 0 0 0,56-13 0 0 0,-9 15 0 0 0,-65 7 14 0 0,1 0 0 0 0,0 1 0 0 0,0 1-1 0 0,0 0 1 0 0,15 3 0 0 0,-20-2 3 0 0,-1 0 0 0 0,1 1 0 0 0,-1 0 1 0 0,1 0-1 0 0,-1 1 0 0 0,0 0 0 0 0,0 0 0 0 0,7 6 1 0 0,-2-2-19 0 0,0 0 0 0 0,1-1 0 0 0,0-1 0 0 0,0 0 0 0 0,1 0 0 0 0,-1-2 0 0 0,22 6 0 0 0,-19-6 2 0 0,-1 0 1 0 0,0 0-1 0 0,0 1 1 0 0,0 1-1 0 0,-1 1 1 0 0,22 13-1 0 0,-21-11-1 0 0,-1-1 0 0 0,22 10 0 0 0,-10-5 0 0 0,16 15 0 0 0,-5-7-90 0 0,-26-14 65 0 0,1 0 0 0 0,0-1-1 0 0,0-1 1 0 0,15 6 0 0 0,36 14 25 0 0,-26-10 0 0 0,-5-5 67 0 0,53 11-1 0 0,20 6-231 0 0,-45-1 165 0 0,-37-16 0 0 0,24 8 0 0 0,-34-13 0 0 0,0 0 0 0 0,14 8 0 0 0,-17-7 0 0 0,2-1 0 0 0,-1-1 0 0 0,16 6 0 0 0,21 4-2 0 0,-26-7 48 0 0,34 7 0 0 0,92 5-85 0 0,-110-15 28 0 0,159 1-49 0 0,-128-5 48 0 0,8-1 304 0 0,133-18 0 0 0,-109-6-220 0 0,-14 3-16 0 0,-13 4 33 0 0,24-4 46 0 0,29 4-215 0 0,-24-3 124 0 0,-49 10 51 0 0,106-17-42 0 0,-98 20-57 0 0,-19 1 31 0 0,62-1 0 0 0,62-1-453 0 0,-140 8 558 0 0,42 2-1 0 0,-17 0-418 0 0,24 5 452 0 0,-48-3 42 0 0,6-1-180 0 0,-11 0-60 0 0,0 0 0 0 0,41 10 0 0 0,15 7 41 0 0,-24-6 84 0 0,3-1-180 0 0,-3 0 142 0 0,-2 0-184 0 0,-37-9 52 0 0,0 0 0 0 0,23 1 1 0 0,-9-1 85 0 0,-20-2 7 0 0,-1-1-1 0 0,0 0 1 0 0,11-2 0 0 0,12 0 39 0 0,177-12 157 0 0,-196 13-210 0 0,22-4 19 0 0,65-20-1 0 0,0 1 6 0 0,-66 18-24 0 0,48-8-62 0 0,34-7 50 0 0,-23 3-10 0 0,-69 14-29 0 0,1-1-1 0 0,-1-1 1 0 0,-1-1 0 0 0,39-18-1 0 0,-39 15 56 0 0,1 1-1 0 0,0 1 1 0 0,32-6-1 0 0,-1-1 178 0 0,99-26 125 0 0,-127 33-454 0 0,37-12 286 0 0,-34 9 188 0 0,-18 8-288 0 0,-1 0 1 0 0,0-2 0 0 0,0 1 0 0 0,0-1 0 0 0,0 0 0 0 0,-1-1-1 0 0,10-8 1 0 0,-17 12-25 0 0,4-4 1 0 0,1 0-1 0 0,0 1 0 0 0,-1 0 1 0 0,1 0-1 0 0,1 1 1 0 0,-1 0-1 0 0,14-5 1 0 0,7-3 37 0 0,-18 8-53 0 0,0 0 0 0 0,0 0 0 0 0,16-3 0 0 0,87-16 0 0 0,-38 7 0 0 0,-51 12 0 0 0,1 1 0 0 0,45 2 0 0 0,-53 1 0 0 0,-6 0 0 0 0,0 2 0 0 0,-1-1 0 0 0,1 1 0 0 0,13 5 0 0 0,-15-5 0 0 0,-1 2 0 0 0,1-1 0 0 0,0 1 0 0 0,-1 0 0 0 0,0 1 0 0 0,0 0 0 0 0,0 0 0 0 0,-1 1 0 0 0,1-1 0 0 0,-1 2 0 0 0,9 10 0 0 0,-11-11-6 0 0,-1 0 0 0 0,1-1-1 0 0,1 1 1 0 0,-1-1 0 0 0,1 0-1 0 0,0-1 1 0 0,0 1 0 0 0,1-1 0 0 0,-1-1-1 0 0,1 1 1 0 0,0-1 0 0 0,-1 0-1 0 0,16 4 1 0 0,-2 0 18 0 0,0 1 0 0 0,0 2 0 0 0,-1 0 0 0 0,-1 0 0 0 0,24 19 0 0 0,11 5-284 0 0,70 50 507 0 0,-106-74-219 0 0,0-1 1 0 0,21 8-1 0 0,-17-8-12 0 0,-6-2-3 0 0,1-2-1 0 0,0 0 0 0 0,1-1 1 0 0,18 3-1 0 0,68 3-11 0 0,-47-5-52 0 0,80 4 63 0 0,-21-5 0 0 0,180-4 0 0 0,-119-4 0 0 0,5-4 0 0 0,156 8 64 0 0,-240 4-64 0 0,8 4 0 0 0,-13 0 0 0 0,-24-6 0 0 0,-35-1 0 0 0,0 0 0 0 0,45-6 0 0 0,-77 5 0 0 0,19-3 0 0 0,-1-1 0 0 0,30-8 0 0 0,-5 1 28 0 0,-33 9-8 0 0,1 0 0 0 0,18-7 0 0 0,8-4-70 0 0,67-13 1 0 0,14-4 212 0 0,8-20-11 0 0,-101 38-75 0 0,0 2 0 0 0,1 1 0 0 0,29-5 0 0 0,84-11 12 0 0,-77 15-110 0 0,-41 7 21 0 0,0 1 0 0 0,0 1 0 0 0,0 1 0 0 0,-1 0 0 0 0,30 6 0 0 0,-22-3-14 0 0,-21-3 7 0 0,0 1 0 0 0,0 0 0 0 0,0 1 0 0 0,0-1-1 0 0,0 1 1 0 0,11 5 0 0 0,69 40-396 0 0,-49-24 266 0 0,-7-4 76 0 0,-23-13 77 0 0,0 0 0 0 0,1-1 1 0 0,0 0-1 0 0,0 0 0 0 0,12 3 0 0 0,2-2 30 0 0,1 2 0 0 0,-2 1 0 0 0,29 14 0 0 0,-44-19-91 0 0,0-1 0 0 0,16 4 1 0 0,-3-1-6 0 0,-11-4 35 0 0,1 0 0 0 0,-1-1-1 0 0,21-1 1 0 0,-24 0 12 0 0,6-3 3 0 0,-9 2 0 0 0,9-1-40 0 0,7-5 16 0 0,-4 2 24 0 0,-11 3 0 0 0,1 0 0 0 0,0 0 0 0 0,0 1 0 0 0,0 0 0 0 0,0 0 0 0 0,9 0 0 0 0,37-7 53 0 0,-50 8-50 0 0</inkml:trace>
+</inkml:ink>
 </file>
 
 <file path=ppt/slideLayouts/slideLayout1.xml><?xml version="1.0" encoding="utf-8"?>
@@ -2536,7 +3055,7 @@
           <a:p>
             <a:fld id="{FA62422C-9AFB-4AD4-A8EF-CF5F4ACA2D0C}" type="datetimeFigureOut">
               <a:rPr lang="de-DE" smtClean="0"/>
-              <a:t>01.12.2023</a:t>
+              <a:t>06.12.2023</a:t>
             </a:fld>
             <a:endParaRPr lang="de-DE"/>
           </a:p>
@@ -2734,7 +3253,7 @@
           <a:p>
             <a:fld id="{FA62422C-9AFB-4AD4-A8EF-CF5F4ACA2D0C}" type="datetimeFigureOut">
               <a:rPr lang="de-DE" smtClean="0"/>
-              <a:t>01.12.2023</a:t>
+              <a:t>06.12.2023</a:t>
             </a:fld>
             <a:endParaRPr lang="de-DE"/>
           </a:p>
@@ -2942,7 +3461,7 @@
           <a:p>
             <a:fld id="{FA62422C-9AFB-4AD4-A8EF-CF5F4ACA2D0C}" type="datetimeFigureOut">
               <a:rPr lang="de-DE" smtClean="0"/>
-              <a:t>01.12.2023</a:t>
+              <a:t>06.12.2023</a:t>
             </a:fld>
             <a:endParaRPr lang="de-DE"/>
           </a:p>
@@ -3140,7 +3659,7 @@
           <a:p>
             <a:fld id="{FA62422C-9AFB-4AD4-A8EF-CF5F4ACA2D0C}" type="datetimeFigureOut">
               <a:rPr lang="de-DE" smtClean="0"/>
-              <a:t>01.12.2023</a:t>
+              <a:t>06.12.2023</a:t>
             </a:fld>
             <a:endParaRPr lang="de-DE"/>
           </a:p>
@@ -3415,7 +3934,7 @@
           <a:p>
             <a:fld id="{FA62422C-9AFB-4AD4-A8EF-CF5F4ACA2D0C}" type="datetimeFigureOut">
               <a:rPr lang="de-DE" smtClean="0"/>
-              <a:t>01.12.2023</a:t>
+              <a:t>06.12.2023</a:t>
             </a:fld>
             <a:endParaRPr lang="de-DE"/>
           </a:p>
@@ -3680,7 +4199,7 @@
           <a:p>
             <a:fld id="{FA62422C-9AFB-4AD4-A8EF-CF5F4ACA2D0C}" type="datetimeFigureOut">
               <a:rPr lang="de-DE" smtClean="0"/>
-              <a:t>01.12.2023</a:t>
+              <a:t>06.12.2023</a:t>
             </a:fld>
             <a:endParaRPr lang="de-DE"/>
           </a:p>
@@ -4092,7 +4611,7 @@
           <a:p>
             <a:fld id="{FA62422C-9AFB-4AD4-A8EF-CF5F4ACA2D0C}" type="datetimeFigureOut">
               <a:rPr lang="de-DE" smtClean="0"/>
-              <a:t>01.12.2023</a:t>
+              <a:t>06.12.2023</a:t>
             </a:fld>
             <a:endParaRPr lang="de-DE"/>
           </a:p>
@@ -4233,7 +4752,7 @@
           <a:p>
             <a:fld id="{FA62422C-9AFB-4AD4-A8EF-CF5F4ACA2D0C}" type="datetimeFigureOut">
               <a:rPr lang="de-DE" smtClean="0"/>
-              <a:t>01.12.2023</a:t>
+              <a:t>06.12.2023</a:t>
             </a:fld>
             <a:endParaRPr lang="de-DE"/>
           </a:p>
@@ -4346,7 +4865,7 @@
           <a:p>
             <a:fld id="{FA62422C-9AFB-4AD4-A8EF-CF5F4ACA2D0C}" type="datetimeFigureOut">
               <a:rPr lang="de-DE" smtClean="0"/>
-              <a:t>01.12.2023</a:t>
+              <a:t>06.12.2023</a:t>
             </a:fld>
             <a:endParaRPr lang="de-DE"/>
           </a:p>
@@ -4657,7 +5176,7 @@
           <a:p>
             <a:fld id="{FA62422C-9AFB-4AD4-A8EF-CF5F4ACA2D0C}" type="datetimeFigureOut">
               <a:rPr lang="de-DE" smtClean="0"/>
-              <a:t>01.12.2023</a:t>
+              <a:t>06.12.2023</a:t>
             </a:fld>
             <a:endParaRPr lang="de-DE"/>
           </a:p>
@@ -4945,7 +5464,7 @@
           <a:p>
             <a:fld id="{FA62422C-9AFB-4AD4-A8EF-CF5F4ACA2D0C}" type="datetimeFigureOut">
               <a:rPr lang="de-DE" smtClean="0"/>
-              <a:t>01.12.2023</a:t>
+              <a:t>06.12.2023</a:t>
             </a:fld>
             <a:endParaRPr lang="de-DE"/>
           </a:p>
@@ -5186,7 +5705,7 @@
           <a:p>
             <a:fld id="{FA62422C-9AFB-4AD4-A8EF-CF5F4ACA2D0C}" type="datetimeFigureOut">
               <a:rPr lang="de-DE" smtClean="0"/>
-              <a:t>01.12.2023</a:t>
+              <a:t>06.12.2023</a:t>
             </a:fld>
             <a:endParaRPr lang="de-DE"/>
           </a:p>
@@ -10393,6 +10912,1656 @@
 </p:sld>
 </file>
 
+<file path=ppt/slides/slide4.xml><?xml version="1.0" encoding="utf-8"?>
+<p:sld xmlns:a="http://schemas.openxmlformats.org/drawingml/2006/main" xmlns:r="http://schemas.openxmlformats.org/officeDocument/2006/relationships" xmlns:p="http://schemas.openxmlformats.org/presentationml/2006/main">
+  <p:cSld>
+    <p:spTree>
+      <p:nvGrpSpPr>
+        <p:cNvPr id="1" name=""/>
+        <p:cNvGrpSpPr/>
+        <p:nvPr/>
+      </p:nvGrpSpPr>
+      <p:grpSpPr>
+        <a:xfrm>
+          <a:off x="0" y="0"/>
+          <a:ext cx="0" cy="0"/>
+          <a:chOff x="0" y="0"/>
+          <a:chExt cx="0" cy="0"/>
+        </a:xfrm>
+      </p:grpSpPr>
+      <p:grpSp>
+        <p:nvGrpSpPr>
+          <p:cNvPr id="9" name="Gruppieren 8">
+            <a:extLst>
+              <a:ext uri="{FF2B5EF4-FFF2-40B4-BE49-F238E27FC236}">
+                <a16:creationId xmlns:a16="http://schemas.microsoft.com/office/drawing/2014/main" id="{D0248F1E-7E3E-3FC6-D94C-67703AE3E4B6}"/>
+              </a:ext>
+            </a:extLst>
+          </p:cNvPr>
+          <p:cNvGrpSpPr/>
+          <p:nvPr/>
+        </p:nvGrpSpPr>
+        <p:grpSpPr>
+          <a:xfrm>
+            <a:off x="1872424" y="587145"/>
+            <a:ext cx="8821749" cy="5856626"/>
+            <a:chOff x="1872424" y="587145"/>
+            <a:chExt cx="8821749" cy="5856626"/>
+          </a:xfrm>
+        </p:grpSpPr>
+        <p:sp>
+          <p:nvSpPr>
+            <p:cNvPr id="6" name="Rechteck 5">
+              <a:extLst>
+                <a:ext uri="{FF2B5EF4-FFF2-40B4-BE49-F238E27FC236}">
+                  <a16:creationId xmlns:a16="http://schemas.microsoft.com/office/drawing/2014/main" id="{9BB61F9D-EF9E-D392-5E60-CD685865E215}"/>
+                </a:ext>
+              </a:extLst>
+            </p:cNvPr>
+            <p:cNvSpPr/>
+            <p:nvPr/>
+          </p:nvSpPr>
+          <p:spPr>
+            <a:xfrm>
+              <a:off x="4194284" y="4846836"/>
+              <a:ext cx="2502569" cy="986590"/>
+            </a:xfrm>
+            <a:prstGeom prst="rect">
+              <a:avLst/>
+            </a:prstGeom>
+            <a:solidFill>
+              <a:schemeClr val="bg1"/>
+            </a:solidFill>
+          </p:spPr>
+          <p:style>
+            <a:lnRef idx="2">
+              <a:schemeClr val="accent1">
+                <a:shade val="15000"/>
+              </a:schemeClr>
+            </a:lnRef>
+            <a:fillRef idx="1">
+              <a:schemeClr val="accent1"/>
+            </a:fillRef>
+            <a:effectRef idx="0">
+              <a:schemeClr val="accent1"/>
+            </a:effectRef>
+            <a:fontRef idx="minor">
+              <a:schemeClr val="lt1"/>
+            </a:fontRef>
+          </p:style>
+          <p:txBody>
+            <a:bodyPr rtlCol="0" anchor="ctr"/>
+            <a:lstStyle/>
+            <a:p>
+              <a:pPr algn="ctr"/>
+              <a:r>
+                <a:rPr lang="de-DE" sz="1200">
+                  <a:solidFill>
+                    <a:schemeClr val="tx1"/>
+                  </a:solidFill>
+                </a:rPr>
+                <a:t>streaming + non-streaming</a:t>
+              </a:r>
+            </a:p>
+          </p:txBody>
+        </p:sp>
+        <p:sp>
+          <p:nvSpPr>
+            <p:cNvPr id="7" name="Textfeld 6">
+              <a:extLst>
+                <a:ext uri="{FF2B5EF4-FFF2-40B4-BE49-F238E27FC236}">
+                  <a16:creationId xmlns:a16="http://schemas.microsoft.com/office/drawing/2014/main" id="{B54332B5-B467-29E4-444F-F9536E6AE4FB}"/>
+                </a:ext>
+              </a:extLst>
+            </p:cNvPr>
+            <p:cNvSpPr txBox="1"/>
+            <p:nvPr/>
+          </p:nvSpPr>
+          <p:spPr>
+            <a:xfrm>
+              <a:off x="1872424" y="1469698"/>
+              <a:ext cx="1945404" cy="646331"/>
+            </a:xfrm>
+            <a:prstGeom prst="rect">
+              <a:avLst/>
+            </a:prstGeom>
+            <a:noFill/>
+          </p:spPr>
+          <p:txBody>
+            <a:bodyPr wrap="none" rtlCol="0">
+              <a:spAutoFit/>
+            </a:bodyPr>
+            <a:lstStyle/>
+            <a:p>
+              <a:r>
+                <a:rPr lang="de-DE"/>
+                <a:t>AOAI Endpoint 1</a:t>
+              </a:r>
+            </a:p>
+            <a:p>
+              <a:r>
+                <a:rPr lang="de-DE"/>
+                <a:t>ex.: Managed PTU</a:t>
+              </a:r>
+            </a:p>
+          </p:txBody>
+        </p:sp>
+        <p:sp>
+          <p:nvSpPr>
+            <p:cNvPr id="8" name="Textfeld 7">
+              <a:extLst>
+                <a:ext uri="{FF2B5EF4-FFF2-40B4-BE49-F238E27FC236}">
+                  <a16:creationId xmlns:a16="http://schemas.microsoft.com/office/drawing/2014/main" id="{B7CAF514-B3BD-D702-3BC9-EA55F6298660}"/>
+                </a:ext>
+              </a:extLst>
+            </p:cNvPr>
+            <p:cNvSpPr txBox="1"/>
+            <p:nvPr/>
+          </p:nvSpPr>
+          <p:spPr>
+            <a:xfrm>
+              <a:off x="1872424" y="3293527"/>
+              <a:ext cx="2010102" cy="646331"/>
+            </a:xfrm>
+            <a:prstGeom prst="rect">
+              <a:avLst/>
+            </a:prstGeom>
+            <a:noFill/>
+          </p:spPr>
+          <p:txBody>
+            <a:bodyPr wrap="none" rtlCol="0">
+              <a:spAutoFit/>
+            </a:bodyPr>
+            <a:lstStyle/>
+            <a:p>
+              <a:r>
+                <a:rPr lang="de-DE"/>
+                <a:t>AOAI Endpoint 2</a:t>
+              </a:r>
+            </a:p>
+            <a:p>
+              <a:r>
+                <a:rPr lang="de-DE"/>
+                <a:t>ex.: PAYG Region 1</a:t>
+              </a:r>
+            </a:p>
+          </p:txBody>
+        </p:sp>
+        <p:sp>
+          <p:nvSpPr>
+            <p:cNvPr id="10" name="Textfeld 9">
+              <a:extLst>
+                <a:ext uri="{FF2B5EF4-FFF2-40B4-BE49-F238E27FC236}">
+                  <a16:creationId xmlns:a16="http://schemas.microsoft.com/office/drawing/2014/main" id="{81CF7701-D5D5-FC94-CE00-4DBA30722CC5}"/>
+                </a:ext>
+              </a:extLst>
+            </p:cNvPr>
+            <p:cNvSpPr txBox="1"/>
+            <p:nvPr/>
+          </p:nvSpPr>
+          <p:spPr>
+            <a:xfrm>
+              <a:off x="1872424" y="5016965"/>
+              <a:ext cx="2010102" cy="646331"/>
+            </a:xfrm>
+            <a:prstGeom prst="rect">
+              <a:avLst/>
+            </a:prstGeom>
+            <a:noFill/>
+          </p:spPr>
+          <p:txBody>
+            <a:bodyPr wrap="none" rtlCol="0">
+              <a:spAutoFit/>
+            </a:bodyPr>
+            <a:lstStyle/>
+            <a:p>
+              <a:r>
+                <a:rPr lang="de-DE"/>
+                <a:t>AOAI Endpoint 3</a:t>
+              </a:r>
+            </a:p>
+            <a:p>
+              <a:r>
+                <a:rPr lang="de-DE"/>
+                <a:t>ex.: PAYG Region 2</a:t>
+              </a:r>
+            </a:p>
+          </p:txBody>
+        </p:sp>
+        <p:sp>
+          <p:nvSpPr>
+            <p:cNvPr id="4" name="Rechteck 3">
+              <a:extLst>
+                <a:ext uri="{FF2B5EF4-FFF2-40B4-BE49-F238E27FC236}">
+                  <a16:creationId xmlns:a16="http://schemas.microsoft.com/office/drawing/2014/main" id="{F011C583-7906-0211-36F5-79F5CD1A6B74}"/>
+                </a:ext>
+              </a:extLst>
+            </p:cNvPr>
+            <p:cNvSpPr/>
+            <p:nvPr/>
+          </p:nvSpPr>
+          <p:spPr>
+            <a:xfrm>
+              <a:off x="4194285" y="1299569"/>
+              <a:ext cx="2502569" cy="986590"/>
+            </a:xfrm>
+            <a:prstGeom prst="rect">
+              <a:avLst/>
+            </a:prstGeom>
+            <a:solidFill>
+              <a:schemeClr val="bg1"/>
+            </a:solidFill>
+          </p:spPr>
+          <p:style>
+            <a:lnRef idx="2">
+              <a:schemeClr val="accent1">
+                <a:shade val="15000"/>
+              </a:schemeClr>
+            </a:lnRef>
+            <a:fillRef idx="1">
+              <a:schemeClr val="accent1"/>
+            </a:fillRef>
+            <a:effectRef idx="0">
+              <a:schemeClr val="accent1"/>
+            </a:effectRef>
+            <a:fontRef idx="minor">
+              <a:schemeClr val="lt1"/>
+            </a:fontRef>
+          </p:style>
+          <p:txBody>
+            <a:bodyPr rtlCol="0" anchor="ctr"/>
+            <a:lstStyle/>
+            <a:p>
+              <a:pPr algn="ctr"/>
+              <a:endParaRPr lang="de-DE"/>
+            </a:p>
+          </p:txBody>
+        </p:sp>
+        <p:sp>
+          <p:nvSpPr>
+            <p:cNvPr id="11" name="Rechteck 10">
+              <a:extLst>
+                <a:ext uri="{FF2B5EF4-FFF2-40B4-BE49-F238E27FC236}">
+                  <a16:creationId xmlns:a16="http://schemas.microsoft.com/office/drawing/2014/main" id="{EFF5FF02-9889-8571-B152-3388F66FD8E4}"/>
+                </a:ext>
+              </a:extLst>
+            </p:cNvPr>
+            <p:cNvSpPr/>
+            <p:nvPr/>
+          </p:nvSpPr>
+          <p:spPr>
+            <a:xfrm>
+              <a:off x="4194283" y="1299570"/>
+              <a:ext cx="2502569" cy="296032"/>
+            </a:xfrm>
+            <a:prstGeom prst="rect">
+              <a:avLst/>
+            </a:prstGeom>
+          </p:spPr>
+          <p:style>
+            <a:lnRef idx="2">
+              <a:schemeClr val="accent1">
+                <a:shade val="15000"/>
+              </a:schemeClr>
+            </a:lnRef>
+            <a:fillRef idx="1">
+              <a:schemeClr val="accent1"/>
+            </a:fillRef>
+            <a:effectRef idx="0">
+              <a:schemeClr val="accent1"/>
+            </a:effectRef>
+            <a:fontRef idx="minor">
+              <a:schemeClr val="lt1"/>
+            </a:fontRef>
+          </p:style>
+          <p:txBody>
+            <a:bodyPr rtlCol="0" anchor="ctr"/>
+            <a:lstStyle/>
+            <a:p>
+              <a:pPr algn="ctr"/>
+              <a:r>
+                <a:rPr lang="de-DE" sz="1200"/>
+                <a:t>only streaming requests</a:t>
+              </a:r>
+            </a:p>
+          </p:txBody>
+        </p:sp>
+        <p:sp>
+          <p:nvSpPr>
+            <p:cNvPr id="13" name="Textfeld 12">
+              <a:extLst>
+                <a:ext uri="{FF2B5EF4-FFF2-40B4-BE49-F238E27FC236}">
+                  <a16:creationId xmlns:a16="http://schemas.microsoft.com/office/drawing/2014/main" id="{A869474F-3CFE-9B56-AB76-E7B0C03DEDC6}"/>
+                </a:ext>
+              </a:extLst>
+            </p:cNvPr>
+            <p:cNvSpPr txBox="1"/>
+            <p:nvPr/>
+          </p:nvSpPr>
+          <p:spPr>
+            <a:xfrm>
+              <a:off x="6834462" y="1309087"/>
+              <a:ext cx="3859711" cy="276999"/>
+            </a:xfrm>
+            <a:prstGeom prst="rect">
+              <a:avLst/>
+            </a:prstGeom>
+            <a:noFill/>
+          </p:spPr>
+          <p:txBody>
+            <a:bodyPr wrap="none" rtlCol="0">
+              <a:spAutoFit/>
+            </a:bodyPr>
+            <a:lstStyle/>
+            <a:p>
+              <a:r>
+                <a:rPr lang="de-DE" sz="1200">
+                  <a:solidFill>
+                    <a:schemeClr val="accent1"/>
+                  </a:solidFill>
+                </a:rPr>
+                <a:t>option to configure % of non-streaming requests served</a:t>
+              </a:r>
+            </a:p>
+          </p:txBody>
+        </p:sp>
+        <p:cxnSp>
+          <p:nvCxnSpPr>
+            <p:cNvPr id="22" name="Gerade Verbindung mit Pfeil 21">
+              <a:extLst>
+                <a:ext uri="{FF2B5EF4-FFF2-40B4-BE49-F238E27FC236}">
+                  <a16:creationId xmlns:a16="http://schemas.microsoft.com/office/drawing/2014/main" id="{6F1A11E0-111C-A3D5-3C9C-48ED927CC725}"/>
+                </a:ext>
+              </a:extLst>
+            </p:cNvPr>
+            <p:cNvCxnSpPr>
+              <a:cxnSpLocks/>
+            </p:cNvCxnSpPr>
+            <p:nvPr/>
+          </p:nvCxnSpPr>
+          <p:spPr>
+            <a:xfrm flipH="1">
+              <a:off x="5445568" y="2286159"/>
+              <a:ext cx="2" cy="806633"/>
+            </a:xfrm>
+            <a:prstGeom prst="straightConnector1">
+              <a:avLst/>
+            </a:prstGeom>
+            <a:ln>
+              <a:tailEnd type="triangle"/>
+            </a:ln>
+          </p:spPr>
+          <p:style>
+            <a:lnRef idx="2">
+              <a:schemeClr val="accent1"/>
+            </a:lnRef>
+            <a:fillRef idx="0">
+              <a:schemeClr val="accent1"/>
+            </a:fillRef>
+            <a:effectRef idx="1">
+              <a:schemeClr val="accent1"/>
+            </a:effectRef>
+            <a:fontRef idx="minor">
+              <a:schemeClr val="tx1"/>
+            </a:fontRef>
+          </p:style>
+        </p:cxnSp>
+        <p:cxnSp>
+          <p:nvCxnSpPr>
+            <p:cNvPr id="23" name="Gerade Verbindung mit Pfeil 22">
+              <a:extLst>
+                <a:ext uri="{FF2B5EF4-FFF2-40B4-BE49-F238E27FC236}">
+                  <a16:creationId xmlns:a16="http://schemas.microsoft.com/office/drawing/2014/main" id="{846579B5-CC8C-418F-FC08-480DF382B963}"/>
+                </a:ext>
+              </a:extLst>
+            </p:cNvPr>
+            <p:cNvCxnSpPr>
+              <a:cxnSpLocks/>
+            </p:cNvCxnSpPr>
+            <p:nvPr/>
+          </p:nvCxnSpPr>
+          <p:spPr>
+            <a:xfrm flipH="1">
+              <a:off x="5445569" y="4079382"/>
+              <a:ext cx="1" cy="767454"/>
+            </a:xfrm>
+            <a:prstGeom prst="straightConnector1">
+              <a:avLst/>
+            </a:prstGeom>
+            <a:ln>
+              <a:tailEnd type="triangle"/>
+            </a:ln>
+          </p:spPr>
+          <p:style>
+            <a:lnRef idx="2">
+              <a:schemeClr val="accent1"/>
+            </a:lnRef>
+            <a:fillRef idx="0">
+              <a:schemeClr val="accent1"/>
+            </a:fillRef>
+            <a:effectRef idx="1">
+              <a:schemeClr val="accent1"/>
+            </a:effectRef>
+            <a:fontRef idx="minor">
+              <a:schemeClr val="tx1"/>
+            </a:fontRef>
+          </p:style>
+        </p:cxnSp>
+        <p:sp>
+          <p:nvSpPr>
+            <p:cNvPr id="26" name="Textfeld 25">
+              <a:extLst>
+                <a:ext uri="{FF2B5EF4-FFF2-40B4-BE49-F238E27FC236}">
+                  <a16:creationId xmlns:a16="http://schemas.microsoft.com/office/drawing/2014/main" id="{A7C4B877-EE89-12C5-86A3-A6D2C6A474C4}"/>
+                </a:ext>
+              </a:extLst>
+            </p:cNvPr>
+            <p:cNvSpPr txBox="1"/>
+            <p:nvPr/>
+          </p:nvSpPr>
+          <p:spPr>
+            <a:xfrm>
+              <a:off x="5510463" y="2558670"/>
+              <a:ext cx="3129383" cy="261610"/>
+            </a:xfrm>
+            <a:prstGeom prst="rect">
+              <a:avLst/>
+            </a:prstGeom>
+            <a:noFill/>
+          </p:spPr>
+          <p:txBody>
+            <a:bodyPr wrap="none" rtlCol="0">
+              <a:spAutoFit/>
+            </a:bodyPr>
+            <a:lstStyle/>
+            <a:p>
+              <a:r>
+                <a:rPr lang="de-DE" sz="1100"/>
+                <a:t>429 or endpoint before is known to be at capacity</a:t>
+              </a:r>
+            </a:p>
+          </p:txBody>
+        </p:sp>
+        <p:sp>
+          <p:nvSpPr>
+            <p:cNvPr id="27" name="Textfeld 26">
+              <a:extLst>
+                <a:ext uri="{FF2B5EF4-FFF2-40B4-BE49-F238E27FC236}">
+                  <a16:creationId xmlns:a16="http://schemas.microsoft.com/office/drawing/2014/main" id="{5A1ECB63-C7D6-B100-2823-554B0D8BC51D}"/>
+                </a:ext>
+              </a:extLst>
+            </p:cNvPr>
+            <p:cNvSpPr txBox="1"/>
+            <p:nvPr/>
+          </p:nvSpPr>
+          <p:spPr>
+            <a:xfrm>
+              <a:off x="5510463" y="4332304"/>
+              <a:ext cx="2735044" cy="261610"/>
+            </a:xfrm>
+            <a:prstGeom prst="rect">
+              <a:avLst/>
+            </a:prstGeom>
+            <a:noFill/>
+          </p:spPr>
+          <p:txBody>
+            <a:bodyPr wrap="none" rtlCol="0">
+              <a:spAutoFit/>
+            </a:bodyPr>
+            <a:lstStyle/>
+            <a:p>
+              <a:r>
+                <a:rPr lang="de-DE" sz="1100"/>
+                <a:t>429 or endpoint is known to be at capacity</a:t>
+              </a:r>
+            </a:p>
+          </p:txBody>
+        </p:sp>
+        <p:cxnSp>
+          <p:nvCxnSpPr>
+            <p:cNvPr id="29" name="Gerade Verbindung mit Pfeil 28">
+              <a:extLst>
+                <a:ext uri="{FF2B5EF4-FFF2-40B4-BE49-F238E27FC236}">
+                  <a16:creationId xmlns:a16="http://schemas.microsoft.com/office/drawing/2014/main" id="{19D86F86-34D0-E16A-E2D1-E63E53D03DDF}"/>
+                </a:ext>
+              </a:extLst>
+            </p:cNvPr>
+            <p:cNvCxnSpPr>
+              <a:cxnSpLocks/>
+            </p:cNvCxnSpPr>
+            <p:nvPr/>
+          </p:nvCxnSpPr>
+          <p:spPr>
+            <a:xfrm>
+              <a:off x="5445568" y="5833426"/>
+              <a:ext cx="0" cy="610345"/>
+            </a:xfrm>
+            <a:prstGeom prst="straightConnector1">
+              <a:avLst/>
+            </a:prstGeom>
+            <a:ln>
+              <a:tailEnd type="triangle"/>
+            </a:ln>
+          </p:spPr>
+          <p:style>
+            <a:lnRef idx="2">
+              <a:schemeClr val="accent1"/>
+            </a:lnRef>
+            <a:fillRef idx="0">
+              <a:schemeClr val="accent1"/>
+            </a:fillRef>
+            <a:effectRef idx="1">
+              <a:schemeClr val="accent1"/>
+            </a:effectRef>
+            <a:fontRef idx="minor">
+              <a:schemeClr val="tx1"/>
+            </a:fontRef>
+          </p:style>
+        </p:cxnSp>
+        <p:cxnSp>
+          <p:nvCxnSpPr>
+            <p:cNvPr id="31" name="Gerade Verbindung mit Pfeil 30">
+              <a:extLst>
+                <a:ext uri="{FF2B5EF4-FFF2-40B4-BE49-F238E27FC236}">
+                  <a16:creationId xmlns:a16="http://schemas.microsoft.com/office/drawing/2014/main" id="{A9ED0779-8C97-8AE8-36C9-1F7370BBC6CB}"/>
+                </a:ext>
+              </a:extLst>
+            </p:cNvPr>
+            <p:cNvCxnSpPr>
+              <a:cxnSpLocks/>
+            </p:cNvCxnSpPr>
+            <p:nvPr/>
+          </p:nvCxnSpPr>
+          <p:spPr>
+            <a:xfrm>
+              <a:off x="5445568" y="587145"/>
+              <a:ext cx="0" cy="712424"/>
+            </a:xfrm>
+            <a:prstGeom prst="straightConnector1">
+              <a:avLst/>
+            </a:prstGeom>
+            <a:ln>
+              <a:tailEnd type="triangle"/>
+            </a:ln>
+          </p:spPr>
+          <p:style>
+            <a:lnRef idx="2">
+              <a:schemeClr val="accent1"/>
+            </a:lnRef>
+            <a:fillRef idx="0">
+              <a:schemeClr val="accent1"/>
+            </a:fillRef>
+            <a:effectRef idx="1">
+              <a:schemeClr val="accent1"/>
+            </a:effectRef>
+            <a:fontRef idx="minor">
+              <a:schemeClr val="tx1"/>
+            </a:fontRef>
+          </p:style>
+        </p:cxnSp>
+        <p:sp>
+          <p:nvSpPr>
+            <p:cNvPr id="34" name="Textfeld 33">
+              <a:extLst>
+                <a:ext uri="{FF2B5EF4-FFF2-40B4-BE49-F238E27FC236}">
+                  <a16:creationId xmlns:a16="http://schemas.microsoft.com/office/drawing/2014/main" id="{1B2D1B1B-D72D-9230-2177-51874E726BC3}"/>
+                </a:ext>
+              </a:extLst>
+            </p:cNvPr>
+            <p:cNvSpPr txBox="1"/>
+            <p:nvPr/>
+          </p:nvSpPr>
+          <p:spPr>
+            <a:xfrm>
+              <a:off x="5557233" y="696748"/>
+              <a:ext cx="1244251" cy="261610"/>
+            </a:xfrm>
+            <a:prstGeom prst="rect">
+              <a:avLst/>
+            </a:prstGeom>
+            <a:noFill/>
+          </p:spPr>
+          <p:txBody>
+            <a:bodyPr wrap="none" rtlCol="0">
+              <a:spAutoFit/>
+            </a:bodyPr>
+            <a:lstStyle/>
+            <a:p>
+              <a:r>
+                <a:rPr lang="de-DE" sz="1100"/>
+                <a:t>incoming request</a:t>
+              </a:r>
+            </a:p>
+          </p:txBody>
+        </p:sp>
+        <p:sp>
+          <p:nvSpPr>
+            <p:cNvPr id="36" name="Textfeld 35">
+              <a:extLst>
+                <a:ext uri="{FF2B5EF4-FFF2-40B4-BE49-F238E27FC236}">
+                  <a16:creationId xmlns:a16="http://schemas.microsoft.com/office/drawing/2014/main" id="{263081FE-6C50-5D82-6CE8-7CCA1519AF54}"/>
+                </a:ext>
+              </a:extLst>
+            </p:cNvPr>
+            <p:cNvSpPr txBox="1"/>
+            <p:nvPr/>
+          </p:nvSpPr>
+          <p:spPr>
+            <a:xfrm>
+              <a:off x="6834462" y="3106735"/>
+              <a:ext cx="3859711" cy="276999"/>
+            </a:xfrm>
+            <a:prstGeom prst="rect">
+              <a:avLst/>
+            </a:prstGeom>
+            <a:noFill/>
+          </p:spPr>
+          <p:txBody>
+            <a:bodyPr wrap="none" rtlCol="0">
+              <a:spAutoFit/>
+            </a:bodyPr>
+            <a:lstStyle/>
+            <a:p>
+              <a:r>
+                <a:rPr lang="de-DE" sz="1200">
+                  <a:solidFill>
+                    <a:schemeClr val="accent1"/>
+                  </a:solidFill>
+                </a:rPr>
+                <a:t>option to configure % of non-streaming requests served</a:t>
+              </a:r>
+            </a:p>
+          </p:txBody>
+        </p:sp>
+        <p:sp>
+          <p:nvSpPr>
+            <p:cNvPr id="37" name="Rechteck 36">
+              <a:extLst>
+                <a:ext uri="{FF2B5EF4-FFF2-40B4-BE49-F238E27FC236}">
+                  <a16:creationId xmlns:a16="http://schemas.microsoft.com/office/drawing/2014/main" id="{1CFCC3DE-80AD-F2F4-7821-F2560BA74D59}"/>
+                </a:ext>
+              </a:extLst>
+            </p:cNvPr>
+            <p:cNvSpPr/>
+            <p:nvPr/>
+          </p:nvSpPr>
+          <p:spPr>
+            <a:xfrm>
+              <a:off x="4194283" y="1595602"/>
+              <a:ext cx="2502569" cy="690556"/>
+            </a:xfrm>
+            <a:prstGeom prst="rect">
+              <a:avLst/>
+            </a:prstGeom>
+            <a:noFill/>
+            <a:ln>
+              <a:noFill/>
+            </a:ln>
+          </p:spPr>
+          <p:style>
+            <a:lnRef idx="2">
+              <a:schemeClr val="accent1">
+                <a:shade val="15000"/>
+              </a:schemeClr>
+            </a:lnRef>
+            <a:fillRef idx="1">
+              <a:schemeClr val="accent1"/>
+            </a:fillRef>
+            <a:effectRef idx="0">
+              <a:schemeClr val="accent1"/>
+            </a:effectRef>
+            <a:fontRef idx="minor">
+              <a:schemeClr val="lt1"/>
+            </a:fontRef>
+          </p:style>
+          <p:txBody>
+            <a:bodyPr rtlCol="0" anchor="ctr"/>
+            <a:lstStyle/>
+            <a:p>
+              <a:pPr algn="ctr"/>
+              <a:r>
+                <a:rPr lang="de-DE" sz="1200">
+                  <a:solidFill>
+                    <a:schemeClr val="tx1"/>
+                  </a:solidFill>
+                </a:rPr>
+                <a:t>streaming + non-streaming</a:t>
+              </a:r>
+            </a:p>
+          </p:txBody>
+        </p:sp>
+        <p:grpSp>
+          <p:nvGrpSpPr>
+            <p:cNvPr id="2" name="Gruppieren 1">
+              <a:extLst>
+                <a:ext uri="{FF2B5EF4-FFF2-40B4-BE49-F238E27FC236}">
+                  <a16:creationId xmlns:a16="http://schemas.microsoft.com/office/drawing/2014/main" id="{DC9339BF-5DA8-3E89-5824-D13259BC3C38}"/>
+                </a:ext>
+              </a:extLst>
+            </p:cNvPr>
+            <p:cNvGrpSpPr/>
+            <p:nvPr/>
+          </p:nvGrpSpPr>
+          <p:grpSpPr>
+            <a:xfrm>
+              <a:off x="4194281" y="3073202"/>
+              <a:ext cx="2502569" cy="986590"/>
+              <a:chOff x="4194281" y="3097002"/>
+              <a:chExt cx="2502569" cy="986590"/>
+            </a:xfrm>
+          </p:grpSpPr>
+          <p:sp>
+            <p:nvSpPr>
+              <p:cNvPr id="38" name="Rechteck 37">
+                <a:extLst>
+                  <a:ext uri="{FF2B5EF4-FFF2-40B4-BE49-F238E27FC236}">
+                    <a16:creationId xmlns:a16="http://schemas.microsoft.com/office/drawing/2014/main" id="{547D8DD0-C2BA-7077-ED73-96943D7575F9}"/>
+                  </a:ext>
+                </a:extLst>
+              </p:cNvPr>
+              <p:cNvSpPr/>
+              <p:nvPr/>
+            </p:nvSpPr>
+            <p:spPr>
+              <a:xfrm>
+                <a:off x="4194281" y="3097002"/>
+                <a:ext cx="2502569" cy="986590"/>
+              </a:xfrm>
+              <a:prstGeom prst="rect">
+                <a:avLst/>
+              </a:prstGeom>
+              <a:solidFill>
+                <a:schemeClr val="bg1"/>
+              </a:solidFill>
+            </p:spPr>
+            <p:style>
+              <a:lnRef idx="2">
+                <a:schemeClr val="accent1">
+                  <a:shade val="15000"/>
+                </a:schemeClr>
+              </a:lnRef>
+              <a:fillRef idx="1">
+                <a:schemeClr val="accent1"/>
+              </a:fillRef>
+              <a:effectRef idx="0">
+                <a:schemeClr val="accent1"/>
+              </a:effectRef>
+              <a:fontRef idx="minor">
+                <a:schemeClr val="lt1"/>
+              </a:fontRef>
+            </p:style>
+            <p:txBody>
+              <a:bodyPr rtlCol="0" anchor="ctr"/>
+              <a:lstStyle/>
+              <a:p>
+                <a:pPr algn="ctr"/>
+                <a:endParaRPr lang="de-DE"/>
+              </a:p>
+            </p:txBody>
+          </p:sp>
+          <p:sp>
+            <p:nvSpPr>
+              <p:cNvPr id="39" name="Rechteck 38">
+                <a:extLst>
+                  <a:ext uri="{FF2B5EF4-FFF2-40B4-BE49-F238E27FC236}">
+                    <a16:creationId xmlns:a16="http://schemas.microsoft.com/office/drawing/2014/main" id="{8B9B2A13-3E60-E1E5-FDE2-9F16773950AF}"/>
+                  </a:ext>
+                </a:extLst>
+              </p:cNvPr>
+              <p:cNvSpPr/>
+              <p:nvPr/>
+            </p:nvSpPr>
+            <p:spPr>
+              <a:xfrm>
+                <a:off x="4194281" y="3097218"/>
+                <a:ext cx="2502569" cy="296032"/>
+              </a:xfrm>
+              <a:prstGeom prst="rect">
+                <a:avLst/>
+              </a:prstGeom>
+            </p:spPr>
+            <p:style>
+              <a:lnRef idx="2">
+                <a:schemeClr val="accent1">
+                  <a:shade val="15000"/>
+                </a:schemeClr>
+              </a:lnRef>
+              <a:fillRef idx="1">
+                <a:schemeClr val="accent1"/>
+              </a:fillRef>
+              <a:effectRef idx="0">
+                <a:schemeClr val="accent1"/>
+              </a:effectRef>
+              <a:fontRef idx="minor">
+                <a:schemeClr val="lt1"/>
+              </a:fontRef>
+            </p:style>
+            <p:txBody>
+              <a:bodyPr rtlCol="0" anchor="ctr"/>
+              <a:lstStyle/>
+              <a:p>
+                <a:pPr algn="ctr"/>
+                <a:r>
+                  <a:rPr lang="de-DE" sz="1200"/>
+                  <a:t>only streaming requests</a:t>
+                </a:r>
+              </a:p>
+            </p:txBody>
+          </p:sp>
+        </p:grpSp>
+        <p:sp>
+          <p:nvSpPr>
+            <p:cNvPr id="40" name="Rechteck 39">
+              <a:extLst>
+                <a:ext uri="{FF2B5EF4-FFF2-40B4-BE49-F238E27FC236}">
+                  <a16:creationId xmlns:a16="http://schemas.microsoft.com/office/drawing/2014/main" id="{9FAEA5C1-4973-1629-BAF2-EB432126BD28}"/>
+                </a:ext>
+              </a:extLst>
+            </p:cNvPr>
+            <p:cNvSpPr/>
+            <p:nvPr/>
+          </p:nvSpPr>
+          <p:spPr>
+            <a:xfrm>
+              <a:off x="4194281" y="3383735"/>
+              <a:ext cx="2502569" cy="671912"/>
+            </a:xfrm>
+            <a:prstGeom prst="rect">
+              <a:avLst/>
+            </a:prstGeom>
+            <a:noFill/>
+            <a:ln>
+              <a:noFill/>
+            </a:ln>
+          </p:spPr>
+          <p:style>
+            <a:lnRef idx="2">
+              <a:schemeClr val="accent1">
+                <a:shade val="15000"/>
+              </a:schemeClr>
+            </a:lnRef>
+            <a:fillRef idx="1">
+              <a:schemeClr val="accent1"/>
+            </a:fillRef>
+            <a:effectRef idx="0">
+              <a:schemeClr val="accent1"/>
+            </a:effectRef>
+            <a:fontRef idx="minor">
+              <a:schemeClr val="lt1"/>
+            </a:fontRef>
+          </p:style>
+          <p:txBody>
+            <a:bodyPr rtlCol="0" anchor="ctr"/>
+            <a:lstStyle/>
+            <a:p>
+              <a:pPr algn="ctr"/>
+              <a:r>
+                <a:rPr lang="de-DE" sz="1200">
+                  <a:solidFill>
+                    <a:schemeClr val="tx1"/>
+                  </a:solidFill>
+                </a:rPr>
+                <a:t>streaming + non-streaming</a:t>
+              </a:r>
+            </a:p>
+          </p:txBody>
+        </p:sp>
+        <p:sp>
+          <p:nvSpPr>
+            <p:cNvPr id="5" name="Textfeld 4">
+              <a:extLst>
+                <a:ext uri="{FF2B5EF4-FFF2-40B4-BE49-F238E27FC236}">
+                  <a16:creationId xmlns:a16="http://schemas.microsoft.com/office/drawing/2014/main" id="{25815283-1129-3C73-1DCE-D8C332EAB291}"/>
+                </a:ext>
+              </a:extLst>
+            </p:cNvPr>
+            <p:cNvSpPr txBox="1"/>
+            <p:nvPr/>
+          </p:nvSpPr>
+          <p:spPr>
+            <a:xfrm>
+              <a:off x="5510463" y="5904631"/>
+              <a:ext cx="3934090" cy="430887"/>
+            </a:xfrm>
+            <a:prstGeom prst="rect">
+              <a:avLst/>
+            </a:prstGeom>
+            <a:noFill/>
+          </p:spPr>
+          <p:txBody>
+            <a:bodyPr wrap="none" rtlCol="0">
+              <a:spAutoFit/>
+            </a:bodyPr>
+            <a:lstStyle/>
+            <a:p>
+              <a:r>
+                <a:rPr lang="de-DE" sz="1100"/>
+                <a:t>if none of the endpoints could be used to process the request,</a:t>
+              </a:r>
+            </a:p>
+            <a:p>
+              <a:r>
+                <a:rPr lang="de-DE" sz="1100"/>
+                <a:t>return a 429</a:t>
+              </a:r>
+            </a:p>
+          </p:txBody>
+        </p:sp>
+      </p:grpSp>
+    </p:spTree>
+    <p:extLst>
+      <p:ext uri="{BB962C8B-B14F-4D97-AF65-F5344CB8AC3E}">
+        <p14:creationId xmlns:p14="http://schemas.microsoft.com/office/powerpoint/2010/main" val="2493642130"/>
+      </p:ext>
+    </p:extLst>
+  </p:cSld>
+  <p:clrMapOvr>
+    <a:masterClrMapping/>
+  </p:clrMapOvr>
+</p:sld>
+</file>
+
+<file path=ppt/slides/slide5.xml><?xml version="1.0" encoding="utf-8"?>
+<p:sld xmlns:a="http://schemas.openxmlformats.org/drawingml/2006/main" xmlns:r="http://schemas.openxmlformats.org/officeDocument/2006/relationships" xmlns:p="http://schemas.openxmlformats.org/presentationml/2006/main">
+  <p:cSld>
+    <p:spTree>
+      <p:nvGrpSpPr>
+        <p:cNvPr id="1" name=""/>
+        <p:cNvGrpSpPr/>
+        <p:nvPr/>
+      </p:nvGrpSpPr>
+      <p:grpSpPr>
+        <a:xfrm>
+          <a:off x="0" y="0"/>
+          <a:ext cx="0" cy="0"/>
+          <a:chOff x="0" y="0"/>
+          <a:chExt cx="0" cy="0"/>
+        </a:xfrm>
+      </p:grpSpPr>
+      <p:grpSp>
+        <p:nvGrpSpPr>
+          <p:cNvPr id="2" name="Gruppieren 1">
+            <a:extLst>
+              <a:ext uri="{FF2B5EF4-FFF2-40B4-BE49-F238E27FC236}">
+                <a16:creationId xmlns:a16="http://schemas.microsoft.com/office/drawing/2014/main" id="{59914135-C61F-B5ED-B77A-19390B863C9F}"/>
+              </a:ext>
+            </a:extLst>
+          </p:cNvPr>
+          <p:cNvGrpSpPr/>
+          <p:nvPr/>
+        </p:nvGrpSpPr>
+        <p:grpSpPr>
+          <a:xfrm>
+            <a:off x="775455" y="534572"/>
+            <a:ext cx="8767527" cy="5865111"/>
+            <a:chOff x="775455" y="534572"/>
+            <a:chExt cx="8767527" cy="5865111"/>
+          </a:xfrm>
+        </p:grpSpPr>
+        <p:cxnSp>
+          <p:nvCxnSpPr>
+            <p:cNvPr id="5" name="Gerade Verbindung mit Pfeil 4">
+              <a:extLst>
+                <a:ext uri="{FF2B5EF4-FFF2-40B4-BE49-F238E27FC236}">
+                  <a16:creationId xmlns:a16="http://schemas.microsoft.com/office/drawing/2014/main" id="{90848AC5-9C99-2803-3581-35D41AD8DC72}"/>
+                </a:ext>
+              </a:extLst>
+            </p:cNvPr>
+            <p:cNvCxnSpPr>
+              <a:cxnSpLocks/>
+            </p:cNvCxnSpPr>
+            <p:nvPr/>
+          </p:nvCxnSpPr>
+          <p:spPr>
+            <a:xfrm flipV="1">
+              <a:off x="1284849" y="534572"/>
+              <a:ext cx="0" cy="5383237"/>
+            </a:xfrm>
+            <a:prstGeom prst="straightConnector1">
+              <a:avLst/>
+            </a:prstGeom>
+            <a:ln>
+              <a:tailEnd type="triangle"/>
+            </a:ln>
+          </p:spPr>
+          <p:style>
+            <a:lnRef idx="2">
+              <a:schemeClr val="accent1"/>
+            </a:lnRef>
+            <a:fillRef idx="0">
+              <a:schemeClr val="accent1"/>
+            </a:fillRef>
+            <a:effectRef idx="1">
+              <a:schemeClr val="accent1"/>
+            </a:effectRef>
+            <a:fontRef idx="minor">
+              <a:schemeClr val="tx1"/>
+            </a:fontRef>
+          </p:style>
+        </p:cxnSp>
+        <p:cxnSp>
+          <p:nvCxnSpPr>
+            <p:cNvPr id="7" name="Gerade Verbindung mit Pfeil 6">
+              <a:extLst>
+                <a:ext uri="{FF2B5EF4-FFF2-40B4-BE49-F238E27FC236}">
+                  <a16:creationId xmlns:a16="http://schemas.microsoft.com/office/drawing/2014/main" id="{F17742DE-F5A5-FC9A-AF07-DFAA0311941B}"/>
+                </a:ext>
+              </a:extLst>
+            </p:cNvPr>
+            <p:cNvCxnSpPr>
+              <a:cxnSpLocks/>
+            </p:cNvCxnSpPr>
+            <p:nvPr/>
+          </p:nvCxnSpPr>
+          <p:spPr>
+            <a:xfrm>
+              <a:off x="1284849" y="5917809"/>
+              <a:ext cx="8095957" cy="0"/>
+            </a:xfrm>
+            <a:prstGeom prst="straightConnector1">
+              <a:avLst/>
+            </a:prstGeom>
+            <a:ln>
+              <a:tailEnd type="triangle"/>
+            </a:ln>
+          </p:spPr>
+          <p:style>
+            <a:lnRef idx="2">
+              <a:schemeClr val="accent1"/>
+            </a:lnRef>
+            <a:fillRef idx="0">
+              <a:schemeClr val="accent1"/>
+            </a:fillRef>
+            <a:effectRef idx="1">
+              <a:schemeClr val="accent1"/>
+            </a:effectRef>
+            <a:fontRef idx="minor">
+              <a:schemeClr val="tx1"/>
+            </a:fontRef>
+          </p:style>
+        </p:cxnSp>
+        <p:sp>
+          <p:nvSpPr>
+            <p:cNvPr id="9" name="Textfeld 8">
+              <a:extLst>
+                <a:ext uri="{FF2B5EF4-FFF2-40B4-BE49-F238E27FC236}">
+                  <a16:creationId xmlns:a16="http://schemas.microsoft.com/office/drawing/2014/main" id="{E395CF3A-F7CE-9AEB-A759-7C4340F302FA}"/>
+                </a:ext>
+              </a:extLst>
+            </p:cNvPr>
+            <p:cNvSpPr txBox="1"/>
+            <p:nvPr/>
+          </p:nvSpPr>
+          <p:spPr>
+            <a:xfrm>
+              <a:off x="4998441" y="6030351"/>
+              <a:ext cx="668773" cy="369332"/>
+            </a:xfrm>
+            <a:prstGeom prst="rect">
+              <a:avLst/>
+            </a:prstGeom>
+            <a:noFill/>
+          </p:spPr>
+          <p:txBody>
+            <a:bodyPr wrap="none" rtlCol="0">
+              <a:spAutoFit/>
+            </a:bodyPr>
+            <a:lstStyle/>
+            <a:p>
+              <a:r>
+                <a:rPr lang="de-DE"/>
+                <a:t>Time</a:t>
+              </a:r>
+            </a:p>
+          </p:txBody>
+        </p:sp>
+        <p:sp>
+          <p:nvSpPr>
+            <p:cNvPr id="10" name="Textfeld 9">
+              <a:extLst>
+                <a:ext uri="{FF2B5EF4-FFF2-40B4-BE49-F238E27FC236}">
+                  <a16:creationId xmlns:a16="http://schemas.microsoft.com/office/drawing/2014/main" id="{C2D124EB-64DA-93C7-30AC-4BBBC2280FCF}"/>
+                </a:ext>
+              </a:extLst>
+            </p:cNvPr>
+            <p:cNvSpPr txBox="1"/>
+            <p:nvPr/>
+          </p:nvSpPr>
+          <p:spPr>
+            <a:xfrm rot="16200000">
+              <a:off x="-30150" y="3041524"/>
+              <a:ext cx="1980542" cy="369332"/>
+            </a:xfrm>
+            <a:prstGeom prst="rect">
+              <a:avLst/>
+            </a:prstGeom>
+            <a:noFill/>
+          </p:spPr>
+          <p:txBody>
+            <a:bodyPr wrap="none" rtlCol="0">
+              <a:spAutoFit/>
+            </a:bodyPr>
+            <a:lstStyle/>
+            <a:p>
+              <a:r>
+                <a:rPr lang="de-DE"/>
+                <a:t>Tokens per Minute</a:t>
+              </a:r>
+            </a:p>
+          </p:txBody>
+        </p:sp>
+        <mc:AlternateContent xmlns:mc="http://schemas.openxmlformats.org/markup-compatibility/2006">
+          <mc:Choice xmlns:p14="http://schemas.microsoft.com/office/powerpoint/2010/main" Requires="p14">
+            <p:contentPart p14:bwMode="auto" r:id="rId2">
+              <p14:nvContentPartPr>
+                <p14:cNvPr id="19" name="Freihand 18">
+                  <a:extLst>
+                    <a:ext uri="{FF2B5EF4-FFF2-40B4-BE49-F238E27FC236}">
+                      <a16:creationId xmlns:a16="http://schemas.microsoft.com/office/drawing/2014/main" id="{B0370688-4CD2-15B4-7E50-06A77F8CEDDC}"/>
+                    </a:ext>
+                  </a:extLst>
+                </p14:cNvPr>
+                <p14:cNvContentPartPr/>
+                <p14:nvPr/>
+              </p14:nvContentPartPr>
+              <p14:xfrm>
+                <a:off x="1296480" y="1318394"/>
+                <a:ext cx="8030880" cy="2418120"/>
+              </p14:xfrm>
+            </p:contentPart>
+          </mc:Choice>
+          <mc:Fallback>
+            <p:pic>
+              <p:nvPicPr>
+                <p:cNvPr id="19" name="Freihand 18">
+                  <a:extLst>
+                    <a:ext uri="{FF2B5EF4-FFF2-40B4-BE49-F238E27FC236}">
+                      <a16:creationId xmlns:a16="http://schemas.microsoft.com/office/drawing/2014/main" id="{B0370688-4CD2-15B4-7E50-06A77F8CEDDC}"/>
+                    </a:ext>
+                  </a:extLst>
+                </p:cNvPr>
+                <p:cNvPicPr/>
+                <p:nvPr/>
+              </p:nvPicPr>
+              <p:blipFill>
+                <a:blip r:embed="rId3"/>
+                <a:stretch>
+                  <a:fillRect/>
+                </a:stretch>
+              </p:blipFill>
+              <p:spPr>
+                <a:xfrm>
+                  <a:off x="1287480" y="1309395"/>
+                  <a:ext cx="8048520" cy="2435757"/>
+                </a:xfrm>
+                <a:prstGeom prst="rect">
+                  <a:avLst/>
+                </a:prstGeom>
+              </p:spPr>
+            </p:pic>
+          </mc:Fallback>
+        </mc:AlternateContent>
+        <p:cxnSp>
+          <p:nvCxnSpPr>
+            <p:cNvPr id="21" name="Gerader Verbinder 20">
+              <a:extLst>
+                <a:ext uri="{FF2B5EF4-FFF2-40B4-BE49-F238E27FC236}">
+                  <a16:creationId xmlns:a16="http://schemas.microsoft.com/office/drawing/2014/main" id="{F510A4E4-2A3E-D16C-1595-22CE4EECE263}"/>
+                </a:ext>
+              </a:extLst>
+            </p:cNvPr>
+            <p:cNvCxnSpPr>
+              <a:cxnSpLocks/>
+            </p:cNvCxnSpPr>
+            <p:nvPr/>
+          </p:nvCxnSpPr>
+          <p:spPr>
+            <a:xfrm flipH="1" flipV="1">
+              <a:off x="1284849" y="3043311"/>
+              <a:ext cx="8224911" cy="0"/>
+            </a:xfrm>
+            <a:prstGeom prst="line">
+              <a:avLst/>
+            </a:prstGeom>
+            <a:ln>
+              <a:solidFill>
+                <a:schemeClr val="accent2"/>
+              </a:solidFill>
+              <a:prstDash val="dash"/>
+            </a:ln>
+          </p:spPr>
+          <p:style>
+            <a:lnRef idx="2">
+              <a:schemeClr val="accent1"/>
+            </a:lnRef>
+            <a:fillRef idx="0">
+              <a:schemeClr val="accent1"/>
+            </a:fillRef>
+            <a:effectRef idx="1">
+              <a:schemeClr val="accent1"/>
+            </a:effectRef>
+            <a:fontRef idx="minor">
+              <a:schemeClr val="tx1"/>
+            </a:fontRef>
+          </p:style>
+        </p:cxnSp>
+        <p:cxnSp>
+          <p:nvCxnSpPr>
+            <p:cNvPr id="25" name="Gerader Verbinder 24">
+              <a:extLst>
+                <a:ext uri="{FF2B5EF4-FFF2-40B4-BE49-F238E27FC236}">
+                  <a16:creationId xmlns:a16="http://schemas.microsoft.com/office/drawing/2014/main" id="{8A20E041-6DEF-950F-8A3C-11608D899955}"/>
+                </a:ext>
+              </a:extLst>
+            </p:cNvPr>
+            <p:cNvCxnSpPr>
+              <a:cxnSpLocks/>
+            </p:cNvCxnSpPr>
+            <p:nvPr/>
+          </p:nvCxnSpPr>
+          <p:spPr>
+            <a:xfrm flipH="1" flipV="1">
+              <a:off x="1284848" y="2279433"/>
+              <a:ext cx="8224911" cy="0"/>
+            </a:xfrm>
+            <a:prstGeom prst="line">
+              <a:avLst/>
+            </a:prstGeom>
+            <a:ln>
+              <a:solidFill>
+                <a:schemeClr val="accent2"/>
+              </a:solidFill>
+              <a:prstDash val="dash"/>
+            </a:ln>
+          </p:spPr>
+          <p:style>
+            <a:lnRef idx="2">
+              <a:schemeClr val="accent1"/>
+            </a:lnRef>
+            <a:fillRef idx="0">
+              <a:schemeClr val="accent1"/>
+            </a:fillRef>
+            <a:effectRef idx="1">
+              <a:schemeClr val="accent1"/>
+            </a:effectRef>
+            <a:fontRef idx="minor">
+              <a:schemeClr val="tx1"/>
+            </a:fontRef>
+          </p:style>
+        </p:cxnSp>
+        <p:cxnSp>
+          <p:nvCxnSpPr>
+            <p:cNvPr id="26" name="Gerader Verbinder 25">
+              <a:extLst>
+                <a:ext uri="{FF2B5EF4-FFF2-40B4-BE49-F238E27FC236}">
+                  <a16:creationId xmlns:a16="http://schemas.microsoft.com/office/drawing/2014/main" id="{6F7F8D3B-7AC3-5927-0137-5414EAB3C9E8}"/>
+                </a:ext>
+              </a:extLst>
+            </p:cNvPr>
+            <p:cNvCxnSpPr>
+              <a:cxnSpLocks/>
+            </p:cNvCxnSpPr>
+            <p:nvPr/>
+          </p:nvCxnSpPr>
+          <p:spPr>
+            <a:xfrm flipH="1" flipV="1">
+              <a:off x="1284847" y="1515554"/>
+              <a:ext cx="8224911" cy="0"/>
+            </a:xfrm>
+            <a:prstGeom prst="line">
+              <a:avLst/>
+            </a:prstGeom>
+            <a:ln>
+              <a:solidFill>
+                <a:schemeClr val="accent2"/>
+              </a:solidFill>
+              <a:prstDash val="dash"/>
+            </a:ln>
+          </p:spPr>
+          <p:style>
+            <a:lnRef idx="2">
+              <a:schemeClr val="accent1"/>
+            </a:lnRef>
+            <a:fillRef idx="0">
+              <a:schemeClr val="accent1"/>
+            </a:fillRef>
+            <a:effectRef idx="1">
+              <a:schemeClr val="accent1"/>
+            </a:effectRef>
+            <a:fontRef idx="minor">
+              <a:schemeClr val="tx1"/>
+            </a:fontRef>
+          </p:style>
+        </p:cxnSp>
+        <p:cxnSp>
+          <p:nvCxnSpPr>
+            <p:cNvPr id="27" name="Gerader Verbinder 26">
+              <a:extLst>
+                <a:ext uri="{FF2B5EF4-FFF2-40B4-BE49-F238E27FC236}">
+                  <a16:creationId xmlns:a16="http://schemas.microsoft.com/office/drawing/2014/main" id="{E019AACB-BC9D-AC50-49F1-20C01BD2E321}"/>
+                </a:ext>
+              </a:extLst>
+            </p:cNvPr>
+            <p:cNvCxnSpPr>
+              <a:cxnSpLocks/>
+            </p:cNvCxnSpPr>
+            <p:nvPr/>
+          </p:nvCxnSpPr>
+          <p:spPr>
+            <a:xfrm flipH="1" flipV="1">
+              <a:off x="1284846" y="751675"/>
+              <a:ext cx="8224911" cy="0"/>
+            </a:xfrm>
+            <a:prstGeom prst="line">
+              <a:avLst/>
+            </a:prstGeom>
+            <a:ln>
+              <a:solidFill>
+                <a:schemeClr val="accent2"/>
+              </a:solidFill>
+              <a:prstDash val="dash"/>
+            </a:ln>
+          </p:spPr>
+          <p:style>
+            <a:lnRef idx="2">
+              <a:schemeClr val="accent1"/>
+            </a:lnRef>
+            <a:fillRef idx="0">
+              <a:schemeClr val="accent1"/>
+            </a:fillRef>
+            <a:effectRef idx="1">
+              <a:schemeClr val="accent1"/>
+            </a:effectRef>
+            <a:fontRef idx="minor">
+              <a:schemeClr val="tx1"/>
+            </a:fontRef>
+          </p:style>
+        </p:cxnSp>
+        <p:sp>
+          <p:nvSpPr>
+            <p:cNvPr id="28" name="Textfeld 27">
+              <a:extLst>
+                <a:ext uri="{FF2B5EF4-FFF2-40B4-BE49-F238E27FC236}">
+                  <a16:creationId xmlns:a16="http://schemas.microsoft.com/office/drawing/2014/main" id="{18FB47FA-450B-5A0D-233F-82C9093187D9}"/>
+                </a:ext>
+              </a:extLst>
+            </p:cNvPr>
+            <p:cNvSpPr txBox="1"/>
+            <p:nvPr/>
+          </p:nvSpPr>
+          <p:spPr>
+            <a:xfrm>
+              <a:off x="1424912" y="5378984"/>
+              <a:ext cx="2565767" cy="338554"/>
+            </a:xfrm>
+            <a:prstGeom prst="rect">
+              <a:avLst/>
+            </a:prstGeom>
+            <a:noFill/>
+          </p:spPr>
+          <p:txBody>
+            <a:bodyPr wrap="none" rtlCol="0">
+              <a:spAutoFit/>
+            </a:bodyPr>
+            <a:lstStyle/>
+            <a:p>
+              <a:r>
+                <a:rPr lang="de-DE" sz="1600" i="1"/>
+                <a:t>Managed PTU Deployment</a:t>
+              </a:r>
+            </a:p>
+          </p:txBody>
+        </p:sp>
+        <p:sp>
+          <p:nvSpPr>
+            <p:cNvPr id="29" name="Textfeld 28">
+              <a:extLst>
+                <a:ext uri="{FF2B5EF4-FFF2-40B4-BE49-F238E27FC236}">
+                  <a16:creationId xmlns:a16="http://schemas.microsoft.com/office/drawing/2014/main" id="{1DC13B1F-FC63-6E47-4D9B-7AFBFE91D8A7}"/>
+                </a:ext>
+              </a:extLst>
+            </p:cNvPr>
+            <p:cNvSpPr txBox="1"/>
+            <p:nvPr/>
+          </p:nvSpPr>
+          <p:spPr>
+            <a:xfrm>
+              <a:off x="1344114" y="2673763"/>
+              <a:ext cx="1931041" cy="338554"/>
+            </a:xfrm>
+            <a:prstGeom prst="rect">
+              <a:avLst/>
+            </a:prstGeom>
+            <a:noFill/>
+          </p:spPr>
+          <p:txBody>
+            <a:bodyPr wrap="none" rtlCol="0">
+              <a:spAutoFit/>
+            </a:bodyPr>
+            <a:lstStyle/>
+            <a:p>
+              <a:r>
+                <a:rPr lang="de-DE" sz="1600" i="1"/>
+                <a:t>PAYG Deployment 1</a:t>
+              </a:r>
+            </a:p>
+          </p:txBody>
+        </p:sp>
+        <p:sp>
+          <p:nvSpPr>
+            <p:cNvPr id="30" name="Textfeld 29">
+              <a:extLst>
+                <a:ext uri="{FF2B5EF4-FFF2-40B4-BE49-F238E27FC236}">
+                  <a16:creationId xmlns:a16="http://schemas.microsoft.com/office/drawing/2014/main" id="{3FA02A9A-A6F1-8543-10FB-584963A759EE}"/>
+                </a:ext>
+              </a:extLst>
+            </p:cNvPr>
+            <p:cNvSpPr txBox="1"/>
+            <p:nvPr/>
+          </p:nvSpPr>
+          <p:spPr>
+            <a:xfrm>
+              <a:off x="1364914" y="1909884"/>
+              <a:ext cx="1931041" cy="338554"/>
+            </a:xfrm>
+            <a:prstGeom prst="rect">
+              <a:avLst/>
+            </a:prstGeom>
+            <a:noFill/>
+          </p:spPr>
+          <p:txBody>
+            <a:bodyPr wrap="none" rtlCol="0">
+              <a:spAutoFit/>
+            </a:bodyPr>
+            <a:lstStyle/>
+            <a:p>
+              <a:r>
+                <a:rPr lang="de-DE" sz="1600" i="1"/>
+                <a:t>PAYG Deployment 2</a:t>
+              </a:r>
+            </a:p>
+          </p:txBody>
+        </p:sp>
+        <p:sp>
+          <p:nvSpPr>
+            <p:cNvPr id="31" name="Textfeld 30">
+              <a:extLst>
+                <a:ext uri="{FF2B5EF4-FFF2-40B4-BE49-F238E27FC236}">
+                  <a16:creationId xmlns:a16="http://schemas.microsoft.com/office/drawing/2014/main" id="{263DCC99-A707-1A7F-AC06-091B08C9CB5F}"/>
+                </a:ext>
+              </a:extLst>
+            </p:cNvPr>
+            <p:cNvSpPr txBox="1"/>
+            <p:nvPr/>
+          </p:nvSpPr>
+          <p:spPr>
+            <a:xfrm>
+              <a:off x="1368675" y="1161503"/>
+              <a:ext cx="1931041" cy="338554"/>
+            </a:xfrm>
+            <a:prstGeom prst="rect">
+              <a:avLst/>
+            </a:prstGeom>
+            <a:noFill/>
+          </p:spPr>
+          <p:txBody>
+            <a:bodyPr wrap="none" rtlCol="0">
+              <a:spAutoFit/>
+            </a:bodyPr>
+            <a:lstStyle/>
+            <a:p>
+              <a:r>
+                <a:rPr lang="de-DE" sz="1600" i="1"/>
+                <a:t>PAYG Deployment 3</a:t>
+              </a:r>
+            </a:p>
+          </p:txBody>
+        </p:sp>
+        <mc:AlternateContent xmlns:mc="http://schemas.openxmlformats.org/markup-compatibility/2006">
+          <mc:Choice xmlns:p14="http://schemas.microsoft.com/office/powerpoint/2010/main" Requires="p14">
+            <p:contentPart p14:bwMode="auto" r:id="rId4">
+              <p14:nvContentPartPr>
+                <p14:cNvPr id="34" name="Freihand 33">
+                  <a:extLst>
+                    <a:ext uri="{FF2B5EF4-FFF2-40B4-BE49-F238E27FC236}">
+                      <a16:creationId xmlns:a16="http://schemas.microsoft.com/office/drawing/2014/main" id="{7C9C88A2-E7EE-54A5-3F74-287F25C8A39F}"/>
+                    </a:ext>
+                  </a:extLst>
+                </p14:cNvPr>
+                <p14:cNvContentPartPr/>
+                <p14:nvPr/>
+              </p14:nvContentPartPr>
+              <p14:xfrm>
+                <a:off x="1280640" y="4382714"/>
+                <a:ext cx="8065440" cy="287280"/>
+              </p14:xfrm>
+            </p:contentPart>
+          </mc:Choice>
+          <mc:Fallback>
+            <p:pic>
+              <p:nvPicPr>
+                <p:cNvPr id="34" name="Freihand 33">
+                  <a:extLst>
+                    <a:ext uri="{FF2B5EF4-FFF2-40B4-BE49-F238E27FC236}">
+                      <a16:creationId xmlns:a16="http://schemas.microsoft.com/office/drawing/2014/main" id="{7C9C88A2-E7EE-54A5-3F74-287F25C8A39F}"/>
+                    </a:ext>
+                  </a:extLst>
+                </p:cNvPr>
+                <p:cNvPicPr/>
+                <p:nvPr/>
+              </p:nvPicPr>
+              <p:blipFill>
+                <a:blip r:embed="rId5"/>
+                <a:stretch>
+                  <a:fillRect/>
+                </a:stretch>
+              </p:blipFill>
+              <p:spPr>
+                <a:xfrm>
+                  <a:off x="1271640" y="4373714"/>
+                  <a:ext cx="8083081" cy="304920"/>
+                </a:xfrm>
+                <a:prstGeom prst="rect">
+                  <a:avLst/>
+                </a:prstGeom>
+              </p:spPr>
+            </p:pic>
+          </mc:Fallback>
+        </mc:AlternateContent>
+        <p:sp>
+          <p:nvSpPr>
+            <p:cNvPr id="35" name="Textfeld 34">
+              <a:extLst>
+                <a:ext uri="{FF2B5EF4-FFF2-40B4-BE49-F238E27FC236}">
+                  <a16:creationId xmlns:a16="http://schemas.microsoft.com/office/drawing/2014/main" id="{0A695D0E-ED57-5431-36F6-A451041D7226}"/>
+                </a:ext>
+              </a:extLst>
+            </p:cNvPr>
+            <p:cNvSpPr txBox="1"/>
+            <p:nvPr/>
+          </p:nvSpPr>
+          <p:spPr>
+            <a:xfrm>
+              <a:off x="8636037" y="4649654"/>
+              <a:ext cx="850105" cy="276999"/>
+            </a:xfrm>
+            <a:prstGeom prst="rect">
+              <a:avLst/>
+            </a:prstGeom>
+            <a:noFill/>
+          </p:spPr>
+          <p:txBody>
+            <a:bodyPr wrap="none" rtlCol="0">
+              <a:spAutoFit/>
+            </a:bodyPr>
+            <a:lstStyle/>
+            <a:p>
+              <a:r>
+                <a:rPr lang="de-DE" sz="1200">
+                  <a:solidFill>
+                    <a:srgbClr val="002060"/>
+                  </a:solidFill>
+                </a:rPr>
+                <a:t>streaming</a:t>
+              </a:r>
+            </a:p>
+          </p:txBody>
+        </p:sp>
+        <p:sp>
+          <p:nvSpPr>
+            <p:cNvPr id="36" name="Textfeld 35">
+              <a:extLst>
+                <a:ext uri="{FF2B5EF4-FFF2-40B4-BE49-F238E27FC236}">
+                  <a16:creationId xmlns:a16="http://schemas.microsoft.com/office/drawing/2014/main" id="{52F5548B-1CCC-4F00-F4A4-AAB3ED783527}"/>
+                </a:ext>
+              </a:extLst>
+            </p:cNvPr>
+            <p:cNvSpPr txBox="1"/>
+            <p:nvPr/>
+          </p:nvSpPr>
+          <p:spPr>
+            <a:xfrm>
+              <a:off x="7573789" y="3587844"/>
+              <a:ext cx="1969193" cy="276999"/>
+            </a:xfrm>
+            <a:prstGeom prst="rect">
+              <a:avLst/>
+            </a:prstGeom>
+            <a:noFill/>
+          </p:spPr>
+          <p:txBody>
+            <a:bodyPr wrap="none" rtlCol="0">
+              <a:spAutoFit/>
+            </a:bodyPr>
+            <a:lstStyle/>
+            <a:p>
+              <a:r>
+                <a:rPr lang="de-DE" sz="1200">
+                  <a:solidFill>
+                    <a:schemeClr val="accent5">
+                      <a:lumMod val="75000"/>
+                    </a:schemeClr>
+                  </a:solidFill>
+                </a:rPr>
+                <a:t>streaming + non-streaming</a:t>
+              </a:r>
+            </a:p>
+          </p:txBody>
+        </p:sp>
+      </p:grpSp>
+    </p:spTree>
+    <p:extLst>
+      <p:ext uri="{BB962C8B-B14F-4D97-AF65-F5344CB8AC3E}">
+        <p14:creationId xmlns:p14="http://schemas.microsoft.com/office/powerpoint/2010/main" val="768734441"/>
+      </p:ext>
+    </p:extLst>
+  </p:cSld>
+  <p:clrMapOvr>
+    <a:masterClrMapping/>
+  </p:clrMapOvr>
+</p:sld>
+</file>
+
 <file path=ppt/theme/theme1.xml><?xml version="1.0" encoding="utf-8"?>
 <a:theme xmlns:a="http://schemas.openxmlformats.org/drawingml/2006/main" name="Office">
   <a:themeElements>

--- a/docs/Diagrams.pptx
+++ b/docs/Diagrams.pptx
@@ -9,7 +9,7 @@
     <p:sldId id="257" r:id="rId3"/>
     <p:sldId id="258" r:id="rId4"/>
     <p:sldId id="259" r:id="rId5"/>
-    <p:sldId id="260" r:id="rId6"/>
+    <p:sldId id="2147482790" r:id="rId6"/>
   </p:sldIdLst>
   <p:sldSz cx="12192000" cy="6858000"/>
   <p:notesSz cx="6858000" cy="9144000"/>
@@ -119,7 +119,7 @@
 <file path=ppt/revisionInfo.xml><?xml version="1.0" encoding="utf-8"?>
 <p1510:revInfo xmlns:a="http://schemas.openxmlformats.org/drawingml/2006/main" xmlns:r="http://schemas.openxmlformats.org/officeDocument/2006/relationships" xmlns:p1510="http://schemas.microsoft.com/office/powerpoint/2015/10/main">
   <p1510:revLst>
-    <p1510:client id="{46BA79B3-6F12-4FD1-BB92-92785C2AAF2E}" v="21" dt="2023-12-06T16:07:28.494"/>
+    <p1510:client id="{46BA79B3-6F12-4FD1-BB92-92785C2AAF2E}" v="29" dt="2023-12-08T12:02:03.773"/>
   </p1510:revLst>
 </p1510:revInfo>
 </file>
@@ -2255,12 +2255,314 @@
   <pc:docChgLst>
     <pc:chgData name="Timo Klimmer" userId="af015218-587a-437d-921a-de4e64daf7ee" providerId="ADAL" clId="{46BA79B3-6F12-4FD1-BB92-92785C2AAF2E}"/>
     <pc:docChg chg="undo custSel addSld delSld modSld">
-      <pc:chgData name="Timo Klimmer" userId="af015218-587a-437d-921a-de4e64daf7ee" providerId="ADAL" clId="{46BA79B3-6F12-4FD1-BB92-92785C2AAF2E}" dt="2023-12-06T16:09:16.860" v="374" actId="164"/>
+      <pc:chgData name="Timo Klimmer" userId="af015218-587a-437d-921a-de4e64daf7ee" providerId="ADAL" clId="{46BA79B3-6F12-4FD1-BB92-92785C2AAF2E}" dt="2023-12-08T12:03:16.985" v="476" actId="2696"/>
       <pc:docMkLst>
         <pc:docMk/>
       </pc:docMkLst>
+      <pc:sldChg chg="addSp mod">
+        <pc:chgData name="Timo Klimmer" userId="af015218-587a-437d-921a-de4e64daf7ee" providerId="ADAL" clId="{46BA79B3-6F12-4FD1-BB92-92785C2AAF2E}" dt="2023-12-08T11:19:18.033" v="412" actId="164"/>
+        <pc:sldMkLst>
+          <pc:docMk/>
+          <pc:sldMk cId="3914079930" sldId="256"/>
+        </pc:sldMkLst>
+        <pc:grpChg chg="add">
+          <ac:chgData name="Timo Klimmer" userId="af015218-587a-437d-921a-de4e64daf7ee" providerId="ADAL" clId="{46BA79B3-6F12-4FD1-BB92-92785C2AAF2E}" dt="2023-12-08T11:19:18.033" v="412" actId="164"/>
+          <ac:grpSpMkLst>
+            <pc:docMk/>
+            <pc:sldMk cId="3914079930" sldId="256"/>
+            <ac:grpSpMk id="2" creationId="{FDE4A29F-7226-5043-DA1C-8AE8CF367345}"/>
+          </ac:grpSpMkLst>
+        </pc:grpChg>
+      </pc:sldChg>
+      <pc:sldChg chg="addSp delSp modSp mod">
+        <pc:chgData name="Timo Klimmer" userId="af015218-587a-437d-921a-de4e64daf7ee" providerId="ADAL" clId="{46BA79B3-6F12-4FD1-BB92-92785C2AAF2E}" dt="2023-12-08T11:53:53.126" v="423"/>
+        <pc:sldMkLst>
+          <pc:docMk/>
+          <pc:sldMk cId="3639164416" sldId="257"/>
+        </pc:sldMkLst>
+        <pc:spChg chg="mod topLvl">
+          <ac:chgData name="Timo Klimmer" userId="af015218-587a-437d-921a-de4e64daf7ee" providerId="ADAL" clId="{46BA79B3-6F12-4FD1-BB92-92785C2AAF2E}" dt="2023-12-08T11:53:50.207" v="422" actId="165"/>
+          <ac:spMkLst>
+            <pc:docMk/>
+            <pc:sldMk cId="3639164416" sldId="257"/>
+            <ac:spMk id="6" creationId="{D0F0AB2C-0CA4-FC21-098B-765049C9E670}"/>
+          </ac:spMkLst>
+        </pc:spChg>
+        <pc:spChg chg="topLvl">
+          <ac:chgData name="Timo Klimmer" userId="af015218-587a-437d-921a-de4e64daf7ee" providerId="ADAL" clId="{46BA79B3-6F12-4FD1-BB92-92785C2AAF2E}" dt="2023-12-08T11:53:50.207" v="422" actId="165"/>
+          <ac:spMkLst>
+            <pc:docMk/>
+            <pc:sldMk cId="3639164416" sldId="257"/>
+            <ac:spMk id="11" creationId="{8EABE0BB-F054-F528-C600-04C9E23615AC}"/>
+          </ac:spMkLst>
+        </pc:spChg>
+        <pc:spChg chg="add mod topLvl">
+          <ac:chgData name="Timo Klimmer" userId="af015218-587a-437d-921a-de4e64daf7ee" providerId="ADAL" clId="{46BA79B3-6F12-4FD1-BB92-92785C2AAF2E}" dt="2023-12-08T11:53:50.207" v="422" actId="165"/>
+          <ac:spMkLst>
+            <pc:docMk/>
+            <pc:sldMk cId="3639164416" sldId="257"/>
+            <ac:spMk id="14" creationId="{F328D335-4EC3-FD5C-55E6-66772BA58955}"/>
+          </ac:spMkLst>
+        </pc:spChg>
+        <pc:spChg chg="topLvl">
+          <ac:chgData name="Timo Klimmer" userId="af015218-587a-437d-921a-de4e64daf7ee" providerId="ADAL" clId="{46BA79B3-6F12-4FD1-BB92-92785C2AAF2E}" dt="2023-12-08T11:53:50.207" v="422" actId="165"/>
+          <ac:spMkLst>
+            <pc:docMk/>
+            <pc:sldMk cId="3639164416" sldId="257"/>
+            <ac:spMk id="22" creationId="{2BD86A33-79D9-FF97-B7C9-E7330A8BFB6B}"/>
+          </ac:spMkLst>
+        </pc:spChg>
+        <pc:spChg chg="topLvl">
+          <ac:chgData name="Timo Klimmer" userId="af015218-587a-437d-921a-de4e64daf7ee" providerId="ADAL" clId="{46BA79B3-6F12-4FD1-BB92-92785C2AAF2E}" dt="2023-12-08T11:53:50.207" v="422" actId="165"/>
+          <ac:spMkLst>
+            <pc:docMk/>
+            <pc:sldMk cId="3639164416" sldId="257"/>
+            <ac:spMk id="23" creationId="{1012F46F-DF04-0E4A-8B9F-C102E3BC18E5}"/>
+          </ac:spMkLst>
+        </pc:spChg>
+        <pc:spChg chg="topLvl">
+          <ac:chgData name="Timo Klimmer" userId="af015218-587a-437d-921a-de4e64daf7ee" providerId="ADAL" clId="{46BA79B3-6F12-4FD1-BB92-92785C2AAF2E}" dt="2023-12-08T11:53:50.207" v="422" actId="165"/>
+          <ac:spMkLst>
+            <pc:docMk/>
+            <pc:sldMk cId="3639164416" sldId="257"/>
+            <ac:spMk id="24" creationId="{000FFFA5-0B3F-35BE-81EA-41832AF09117}"/>
+          </ac:spMkLst>
+        </pc:spChg>
+        <pc:spChg chg="add mod topLvl">
+          <ac:chgData name="Timo Klimmer" userId="af015218-587a-437d-921a-de4e64daf7ee" providerId="ADAL" clId="{46BA79B3-6F12-4FD1-BB92-92785C2AAF2E}" dt="2023-12-08T11:53:50.207" v="422" actId="165"/>
+          <ac:spMkLst>
+            <pc:docMk/>
+            <pc:sldMk cId="3639164416" sldId="257"/>
+            <ac:spMk id="25" creationId="{743089D9-C921-7374-8B94-3847A65C3E18}"/>
+          </ac:spMkLst>
+        </pc:spChg>
+        <pc:spChg chg="topLvl">
+          <ac:chgData name="Timo Klimmer" userId="af015218-587a-437d-921a-de4e64daf7ee" providerId="ADAL" clId="{46BA79B3-6F12-4FD1-BB92-92785C2AAF2E}" dt="2023-12-08T11:53:50.207" v="422" actId="165"/>
+          <ac:spMkLst>
+            <pc:docMk/>
+            <pc:sldMk cId="3639164416" sldId="257"/>
+            <ac:spMk id="30" creationId="{F7829661-014D-3770-059E-B3B633034DB6}"/>
+          </ac:spMkLst>
+        </pc:spChg>
+        <pc:spChg chg="topLvl">
+          <ac:chgData name="Timo Klimmer" userId="af015218-587a-437d-921a-de4e64daf7ee" providerId="ADAL" clId="{46BA79B3-6F12-4FD1-BB92-92785C2AAF2E}" dt="2023-12-08T11:53:50.207" v="422" actId="165"/>
+          <ac:spMkLst>
+            <pc:docMk/>
+            <pc:sldMk cId="3639164416" sldId="257"/>
+            <ac:spMk id="31" creationId="{A0CF102F-2DA5-4567-8893-12D3ADBD673E}"/>
+          </ac:spMkLst>
+        </pc:spChg>
+        <pc:spChg chg="add mod topLvl">
+          <ac:chgData name="Timo Klimmer" userId="af015218-587a-437d-921a-de4e64daf7ee" providerId="ADAL" clId="{46BA79B3-6F12-4FD1-BB92-92785C2AAF2E}" dt="2023-12-08T11:53:50.207" v="422" actId="165"/>
+          <ac:spMkLst>
+            <pc:docMk/>
+            <pc:sldMk cId="3639164416" sldId="257"/>
+            <ac:spMk id="32" creationId="{6BFE89C2-2EED-FE0A-288E-1F0B9A52C37D}"/>
+          </ac:spMkLst>
+        </pc:spChg>
+        <pc:spChg chg="add mod topLvl">
+          <ac:chgData name="Timo Klimmer" userId="af015218-587a-437d-921a-de4e64daf7ee" providerId="ADAL" clId="{46BA79B3-6F12-4FD1-BB92-92785C2AAF2E}" dt="2023-12-08T11:53:50.207" v="422" actId="165"/>
+          <ac:spMkLst>
+            <pc:docMk/>
+            <pc:sldMk cId="3639164416" sldId="257"/>
+            <ac:spMk id="34" creationId="{676D3D3A-E76E-0E40-DE64-AE052A94D06C}"/>
+          </ac:spMkLst>
+        </pc:spChg>
+        <pc:spChg chg="add mod">
+          <ac:chgData name="Timo Klimmer" userId="af015218-587a-437d-921a-de4e64daf7ee" providerId="ADAL" clId="{46BA79B3-6F12-4FD1-BB92-92785C2AAF2E}" dt="2023-12-08T11:53:53.126" v="423"/>
+          <ac:spMkLst>
+            <pc:docMk/>
+            <pc:sldMk cId="3639164416" sldId="257"/>
+            <ac:spMk id="36" creationId="{D87DC055-D50B-6C3D-1376-986934711D88}"/>
+          </ac:spMkLst>
+        </pc:spChg>
+        <pc:spChg chg="topLvl">
+          <ac:chgData name="Timo Klimmer" userId="af015218-587a-437d-921a-de4e64daf7ee" providerId="ADAL" clId="{46BA79B3-6F12-4FD1-BB92-92785C2AAF2E}" dt="2023-12-08T11:53:50.207" v="422" actId="165"/>
+          <ac:spMkLst>
+            <pc:docMk/>
+            <pc:sldMk cId="3639164416" sldId="257"/>
+            <ac:spMk id="67" creationId="{BD1B96C6-F882-E091-899A-72732ABDA8BB}"/>
+          </ac:spMkLst>
+        </pc:spChg>
+        <pc:spChg chg="topLvl">
+          <ac:chgData name="Timo Klimmer" userId="af015218-587a-437d-921a-de4e64daf7ee" providerId="ADAL" clId="{46BA79B3-6F12-4FD1-BB92-92785C2AAF2E}" dt="2023-12-08T11:53:50.207" v="422" actId="165"/>
+          <ac:spMkLst>
+            <pc:docMk/>
+            <pc:sldMk cId="3639164416" sldId="257"/>
+            <ac:spMk id="71" creationId="{90AB1181-68C1-FA8C-F5C2-69F7C1815160}"/>
+          </ac:spMkLst>
+        </pc:spChg>
+        <pc:spChg chg="topLvl">
+          <ac:chgData name="Timo Klimmer" userId="af015218-587a-437d-921a-de4e64daf7ee" providerId="ADAL" clId="{46BA79B3-6F12-4FD1-BB92-92785C2AAF2E}" dt="2023-12-08T11:53:50.207" v="422" actId="165"/>
+          <ac:spMkLst>
+            <pc:docMk/>
+            <pc:sldMk cId="3639164416" sldId="257"/>
+            <ac:spMk id="119" creationId="{38DAB1F8-F100-8AC6-F817-CE9B1402A7FE}"/>
+          </ac:spMkLst>
+        </pc:spChg>
+        <pc:grpChg chg="topLvl">
+          <ac:chgData name="Timo Klimmer" userId="af015218-587a-437d-921a-de4e64daf7ee" providerId="ADAL" clId="{46BA79B3-6F12-4FD1-BB92-92785C2AAF2E}" dt="2023-12-08T11:53:50.207" v="422" actId="165"/>
+          <ac:grpSpMkLst>
+            <pc:docMk/>
+            <pc:sldMk cId="3639164416" sldId="257"/>
+            <ac:grpSpMk id="2" creationId="{64013BA7-D4A4-34E5-9C4F-D2D53029A3BC}"/>
+          </ac:grpSpMkLst>
+        </pc:grpChg>
+        <pc:grpChg chg="del">
+          <ac:chgData name="Timo Klimmer" userId="af015218-587a-437d-921a-de4e64daf7ee" providerId="ADAL" clId="{46BA79B3-6F12-4FD1-BB92-92785C2AAF2E}" dt="2023-12-08T11:15:38.896" v="388" actId="165"/>
+          <ac:grpSpMkLst>
+            <pc:docMk/>
+            <pc:sldMk cId="3639164416" sldId="257"/>
+            <ac:grpSpMk id="9" creationId="{94D52E8B-A7A8-56FF-41F5-918E43717B1A}"/>
+          </ac:grpSpMkLst>
+        </pc:grpChg>
+        <pc:grpChg chg="del">
+          <ac:chgData name="Timo Klimmer" userId="af015218-587a-437d-921a-de4e64daf7ee" providerId="ADAL" clId="{46BA79B3-6F12-4FD1-BB92-92785C2AAF2E}" dt="2023-12-08T11:16:22.920" v="398" actId="165"/>
+          <ac:grpSpMkLst>
+            <pc:docMk/>
+            <pc:sldMk cId="3639164416" sldId="257"/>
+            <ac:grpSpMk id="10" creationId="{684FEB44-CF88-3430-2BFA-412D5EF093C7}"/>
+          </ac:grpSpMkLst>
+        </pc:grpChg>
+        <pc:grpChg chg="topLvl">
+          <ac:chgData name="Timo Klimmer" userId="af015218-587a-437d-921a-de4e64daf7ee" providerId="ADAL" clId="{46BA79B3-6F12-4FD1-BB92-92785C2AAF2E}" dt="2023-12-08T11:53:50.207" v="422" actId="165"/>
+          <ac:grpSpMkLst>
+            <pc:docMk/>
+            <pc:sldMk cId="3639164416" sldId="257"/>
+            <ac:grpSpMk id="15" creationId="{5AC9B83D-CCDA-BBF3-82C1-27C71108705D}"/>
+          </ac:grpSpMkLst>
+        </pc:grpChg>
+        <pc:grpChg chg="add del">
+          <ac:chgData name="Timo Klimmer" userId="af015218-587a-437d-921a-de4e64daf7ee" providerId="ADAL" clId="{46BA79B3-6F12-4FD1-BB92-92785C2AAF2E}" dt="2023-12-08T11:53:50.207" v="422" actId="165"/>
+          <ac:grpSpMkLst>
+            <pc:docMk/>
+            <pc:sldMk cId="3639164416" sldId="257"/>
+            <ac:grpSpMk id="35" creationId="{9CB4BDC4-2554-529F-087C-8EA08A22AAE0}"/>
+          </ac:grpSpMkLst>
+        </pc:grpChg>
+        <pc:grpChg chg="del">
+          <ac:chgData name="Timo Klimmer" userId="af015218-587a-437d-921a-de4e64daf7ee" providerId="ADAL" clId="{46BA79B3-6F12-4FD1-BB92-92785C2AAF2E}" dt="2023-12-08T11:16:46.659" v="401" actId="165"/>
+          <ac:grpSpMkLst>
+            <pc:docMk/>
+            <pc:sldMk cId="3639164416" sldId="257"/>
+            <ac:grpSpMk id="117" creationId="{9BAB585D-BBFB-BA19-C31A-801D177494AC}"/>
+          </ac:grpSpMkLst>
+        </pc:grpChg>
+        <pc:grpChg chg="del">
+          <ac:chgData name="Timo Klimmer" userId="af015218-587a-437d-921a-de4e64daf7ee" providerId="ADAL" clId="{46BA79B3-6F12-4FD1-BB92-92785C2AAF2E}" dt="2023-12-08T11:16:52.010" v="402" actId="165"/>
+          <ac:grpSpMkLst>
+            <pc:docMk/>
+            <pc:sldMk cId="3639164416" sldId="257"/>
+            <ac:grpSpMk id="118" creationId="{FFA03D74-BF26-6D0D-31AF-FDA2445161D6}"/>
+          </ac:grpSpMkLst>
+        </pc:grpChg>
+        <pc:picChg chg="del topLvl">
+          <ac:chgData name="Timo Klimmer" userId="af015218-587a-437d-921a-de4e64daf7ee" providerId="ADAL" clId="{46BA79B3-6F12-4FD1-BB92-92785C2AAF2E}" dt="2023-12-08T11:16:25.153" v="399" actId="478"/>
+          <ac:picMkLst>
+            <pc:docMk/>
+            <pc:sldMk cId="3639164416" sldId="257"/>
+            <ac:picMk id="12" creationId="{ECBEAA98-EBE2-E7B4-4C7A-6AA79EABBBD1}"/>
+          </ac:picMkLst>
+        </pc:picChg>
+        <pc:picChg chg="topLvl">
+          <ac:chgData name="Timo Klimmer" userId="af015218-587a-437d-921a-de4e64daf7ee" providerId="ADAL" clId="{46BA79B3-6F12-4FD1-BB92-92785C2AAF2E}" dt="2023-12-08T11:53:50.207" v="422" actId="165"/>
+          <ac:picMkLst>
+            <pc:docMk/>
+            <pc:sldMk cId="3639164416" sldId="257"/>
+            <ac:picMk id="13" creationId="{9184E6DB-BFC3-700C-7B40-91CF75EF8EBC}"/>
+          </ac:picMkLst>
+        </pc:picChg>
+        <pc:picChg chg="topLvl">
+          <ac:chgData name="Timo Klimmer" userId="af015218-587a-437d-921a-de4e64daf7ee" providerId="ADAL" clId="{46BA79B3-6F12-4FD1-BB92-92785C2AAF2E}" dt="2023-12-08T11:53:50.207" v="422" actId="165"/>
+          <ac:picMkLst>
+            <pc:docMk/>
+            <pc:sldMk cId="3639164416" sldId="257"/>
+            <ac:picMk id="21" creationId="{9121F93C-EF1E-FE36-3767-6AC1E55AB673}"/>
+          </ac:picMkLst>
+        </pc:picChg>
+        <pc:picChg chg="topLvl">
+          <ac:chgData name="Timo Klimmer" userId="af015218-587a-437d-921a-de4e64daf7ee" providerId="ADAL" clId="{46BA79B3-6F12-4FD1-BB92-92785C2AAF2E}" dt="2023-12-08T11:53:50.207" v="422" actId="165"/>
+          <ac:picMkLst>
+            <pc:docMk/>
+            <pc:sldMk cId="3639164416" sldId="257"/>
+            <ac:picMk id="27" creationId="{863C0DC7-9529-A39A-5B7C-4C9C969C5A4A}"/>
+          </ac:picMkLst>
+        </pc:picChg>
+        <pc:picChg chg="del topLvl">
+          <ac:chgData name="Timo Klimmer" userId="af015218-587a-437d-921a-de4e64daf7ee" providerId="ADAL" clId="{46BA79B3-6F12-4FD1-BB92-92785C2AAF2E}" dt="2023-12-08T11:16:08.947" v="394" actId="478"/>
+          <ac:picMkLst>
+            <pc:docMk/>
+            <pc:sldMk cId="3639164416" sldId="257"/>
+            <ac:picMk id="40" creationId="{DFC78094-02CE-A7AB-3ACC-56B3684949EA}"/>
+          </ac:picMkLst>
+        </pc:picChg>
+        <pc:picChg chg="del topLvl">
+          <ac:chgData name="Timo Klimmer" userId="af015218-587a-437d-921a-de4e64daf7ee" providerId="ADAL" clId="{46BA79B3-6F12-4FD1-BB92-92785C2AAF2E}" dt="2023-12-08T11:17:04.155" v="406" actId="478"/>
+          <ac:picMkLst>
+            <pc:docMk/>
+            <pc:sldMk cId="3639164416" sldId="257"/>
+            <ac:picMk id="68" creationId="{2B1009F9-65FD-1DD0-EF62-75FCD25AFC41}"/>
+          </ac:picMkLst>
+        </pc:picChg>
+        <pc:picChg chg="del topLvl">
+          <ac:chgData name="Timo Klimmer" userId="af015218-587a-437d-921a-de4e64daf7ee" providerId="ADAL" clId="{46BA79B3-6F12-4FD1-BB92-92785C2AAF2E}" dt="2023-12-08T11:17:06.721" v="407" actId="478"/>
+          <ac:picMkLst>
+            <pc:docMk/>
+            <pc:sldMk cId="3639164416" sldId="257"/>
+            <ac:picMk id="120" creationId="{135C2AD5-125D-A43C-E528-4DCB0CED6B64}"/>
+          </ac:picMkLst>
+        </pc:picChg>
+        <pc:cxnChg chg="topLvl">
+          <ac:chgData name="Timo Klimmer" userId="af015218-587a-437d-921a-de4e64daf7ee" providerId="ADAL" clId="{46BA79B3-6F12-4FD1-BB92-92785C2AAF2E}" dt="2023-12-08T11:53:50.207" v="422" actId="165"/>
+          <ac:cxnSpMkLst>
+            <pc:docMk/>
+            <pc:sldMk cId="3639164416" sldId="257"/>
+            <ac:cxnSpMk id="26" creationId="{D1FE0702-F426-752B-C632-42D36268FA7B}"/>
+          </ac:cxnSpMkLst>
+        </pc:cxnChg>
+        <pc:cxnChg chg="topLvl">
+          <ac:chgData name="Timo Klimmer" userId="af015218-587a-437d-921a-de4e64daf7ee" providerId="ADAL" clId="{46BA79B3-6F12-4FD1-BB92-92785C2AAF2E}" dt="2023-12-08T11:53:50.207" v="422" actId="165"/>
+          <ac:cxnSpMkLst>
+            <pc:docMk/>
+            <pc:sldMk cId="3639164416" sldId="257"/>
+            <ac:cxnSpMk id="28" creationId="{BCD9F6AA-7D12-429C-0780-BFEE1BC09E2B}"/>
+          </ac:cxnSpMkLst>
+        </pc:cxnChg>
+        <pc:cxnChg chg="topLvl">
+          <ac:chgData name="Timo Klimmer" userId="af015218-587a-437d-921a-de4e64daf7ee" providerId="ADAL" clId="{46BA79B3-6F12-4FD1-BB92-92785C2AAF2E}" dt="2023-12-08T11:53:50.207" v="422" actId="165"/>
+          <ac:cxnSpMkLst>
+            <pc:docMk/>
+            <pc:sldMk cId="3639164416" sldId="257"/>
+            <ac:cxnSpMk id="29" creationId="{9BA1E133-7056-AF91-1F9E-D62C188CF577}"/>
+          </ac:cxnSpMkLst>
+        </pc:cxnChg>
+        <pc:cxnChg chg="topLvl">
+          <ac:chgData name="Timo Klimmer" userId="af015218-587a-437d-921a-de4e64daf7ee" providerId="ADAL" clId="{46BA79B3-6F12-4FD1-BB92-92785C2AAF2E}" dt="2023-12-08T11:53:50.207" v="422" actId="165"/>
+          <ac:cxnSpMkLst>
+            <pc:docMk/>
+            <pc:sldMk cId="3639164416" sldId="257"/>
+            <ac:cxnSpMk id="33" creationId="{DF158F97-44FC-3319-761E-7000FB9A4E01}"/>
+          </ac:cxnSpMkLst>
+        </pc:cxnChg>
+        <pc:cxnChg chg="topLvl">
+          <ac:chgData name="Timo Klimmer" userId="af015218-587a-437d-921a-de4e64daf7ee" providerId="ADAL" clId="{46BA79B3-6F12-4FD1-BB92-92785C2AAF2E}" dt="2023-12-08T11:53:50.207" v="422" actId="165"/>
+          <ac:cxnSpMkLst>
+            <pc:docMk/>
+            <pc:sldMk cId="3639164416" sldId="257"/>
+            <ac:cxnSpMk id="65" creationId="{F0F87617-62D7-3BBA-7BB4-74AACB8A4C0D}"/>
+          </ac:cxnSpMkLst>
+        </pc:cxnChg>
+        <pc:cxnChg chg="topLvl">
+          <ac:chgData name="Timo Klimmer" userId="af015218-587a-437d-921a-de4e64daf7ee" providerId="ADAL" clId="{46BA79B3-6F12-4FD1-BB92-92785C2AAF2E}" dt="2023-12-08T11:53:50.207" v="422" actId="165"/>
+          <ac:cxnSpMkLst>
+            <pc:docMk/>
+            <pc:sldMk cId="3639164416" sldId="257"/>
+            <ac:cxnSpMk id="98" creationId="{BE1BE89A-B15C-8051-5CA7-623C08E1C361}"/>
+          </ac:cxnSpMkLst>
+        </pc:cxnChg>
+      </pc:sldChg>
       <pc:sldChg chg="addSp delSp modSp new mod">
-        <pc:chgData name="Timo Klimmer" userId="af015218-587a-437d-921a-de4e64daf7ee" providerId="ADAL" clId="{46BA79B3-6F12-4FD1-BB92-92785C2AAF2E}" dt="2023-12-01T13:41:44.461" v="13" actId="164"/>
+        <pc:chgData name="Timo Klimmer" userId="af015218-587a-437d-921a-de4e64daf7ee" providerId="ADAL" clId="{46BA79B3-6F12-4FD1-BB92-92785C2AAF2E}" dt="2023-12-08T11:14:33.530" v="383" actId="164"/>
         <pc:sldMkLst>
           <pc:docMk/>
           <pc:sldMk cId="4206476889" sldId="258"/>
@@ -2273,6 +2575,14 @@
             <ac:spMk id="2" creationId="{64534895-604B-97FC-DB98-66674AAC84A6}"/>
           </ac:spMkLst>
         </pc:spChg>
+        <pc:spChg chg="add mod">
+          <ac:chgData name="Timo Klimmer" userId="af015218-587a-437d-921a-de4e64daf7ee" providerId="ADAL" clId="{46BA79B3-6F12-4FD1-BB92-92785C2AAF2E}" dt="2023-12-08T11:14:31.329" v="382" actId="1076"/>
+          <ac:spMkLst>
+            <pc:docMk/>
+            <pc:sldMk cId="4206476889" sldId="258"/>
+            <ac:spMk id="3" creationId="{3C603E3F-F3AF-3BC8-EAA8-28928029EFEA}"/>
+          </ac:spMkLst>
+        </pc:spChg>
         <pc:spChg chg="del">
           <ac:chgData name="Timo Klimmer" userId="af015218-587a-437d-921a-de4e64daf7ee" providerId="ADAL" clId="{46BA79B3-6F12-4FD1-BB92-92785C2AAF2E}" dt="2023-12-01T13:39:30.438" v="1" actId="478"/>
           <ac:spMkLst>
@@ -2281,44 +2591,92 @@
             <ac:spMk id="3" creationId="{EFC52814-764B-528B-C443-ECE7CD877C33}"/>
           </ac:spMkLst>
         </pc:spChg>
-        <pc:spChg chg="mod topLvl">
-          <ac:chgData name="Timo Klimmer" userId="af015218-587a-437d-921a-de4e64daf7ee" providerId="ADAL" clId="{46BA79B3-6F12-4FD1-BB92-92785C2AAF2E}" dt="2023-12-01T13:41:19.823" v="11" actId="165"/>
+        <pc:spChg chg="add mod">
+          <ac:chgData name="Timo Klimmer" userId="af015218-587a-437d-921a-de4e64daf7ee" providerId="ADAL" clId="{46BA79B3-6F12-4FD1-BB92-92785C2AAF2E}" dt="2023-12-08T11:14:31.329" v="382" actId="1076"/>
+          <ac:spMkLst>
+            <pc:docMk/>
+            <pc:sldMk cId="4206476889" sldId="258"/>
+            <ac:spMk id="4" creationId="{F5594172-0500-0C5A-CF81-42D3B78AA7B0}"/>
+          </ac:spMkLst>
+        </pc:spChg>
+        <pc:spChg chg="del mod topLvl">
+          <ac:chgData name="Timo Klimmer" userId="af015218-587a-437d-921a-de4e64daf7ee" providerId="ADAL" clId="{46BA79B3-6F12-4FD1-BB92-92785C2AAF2E}" dt="2023-12-08T11:14:24.206" v="381" actId="478"/>
           <ac:spMkLst>
             <pc:docMk/>
             <pc:sldMk cId="4206476889" sldId="258"/>
             <ac:spMk id="6" creationId="{4A19859B-4966-DE62-DDCC-5ECF5076EAA0}"/>
           </ac:spMkLst>
         </pc:spChg>
-        <pc:spChg chg="mod topLvl">
-          <ac:chgData name="Timo Klimmer" userId="af015218-587a-437d-921a-de4e64daf7ee" providerId="ADAL" clId="{46BA79B3-6F12-4FD1-BB92-92785C2AAF2E}" dt="2023-12-01T13:41:19.823" v="11" actId="165"/>
+        <pc:spChg chg="del mod topLvl">
+          <ac:chgData name="Timo Klimmer" userId="af015218-587a-437d-921a-de4e64daf7ee" providerId="ADAL" clId="{46BA79B3-6F12-4FD1-BB92-92785C2AAF2E}" dt="2023-12-08T11:14:24.206" v="381" actId="478"/>
           <ac:spMkLst>
             <pc:docMk/>
             <pc:sldMk cId="4206476889" sldId="258"/>
             <ac:spMk id="7" creationId="{1368A5A4-1373-EF3B-7078-DAAF975BEA5C}"/>
           </ac:spMkLst>
         </pc:spChg>
-        <pc:spChg chg="mod topLvl">
-          <ac:chgData name="Timo Klimmer" userId="af015218-587a-437d-921a-de4e64daf7ee" providerId="ADAL" clId="{46BA79B3-6F12-4FD1-BB92-92785C2AAF2E}" dt="2023-12-01T13:41:19.823" v="11" actId="165"/>
+        <pc:spChg chg="del mod topLvl">
+          <ac:chgData name="Timo Klimmer" userId="af015218-587a-437d-921a-de4e64daf7ee" providerId="ADAL" clId="{46BA79B3-6F12-4FD1-BB92-92785C2AAF2E}" dt="2023-12-08T11:14:24.206" v="381" actId="478"/>
           <ac:spMkLst>
             <pc:docMk/>
             <pc:sldMk cId="4206476889" sldId="258"/>
             <ac:spMk id="8" creationId="{76938E96-8E3A-D7A3-8D19-290581DA5EDD}"/>
           </ac:spMkLst>
         </pc:spChg>
-        <pc:spChg chg="mod topLvl">
-          <ac:chgData name="Timo Klimmer" userId="af015218-587a-437d-921a-de4e64daf7ee" providerId="ADAL" clId="{46BA79B3-6F12-4FD1-BB92-92785C2AAF2E}" dt="2023-12-01T13:41:19.823" v="11" actId="165"/>
+        <pc:spChg chg="del mod topLvl">
+          <ac:chgData name="Timo Klimmer" userId="af015218-587a-437d-921a-de4e64daf7ee" providerId="ADAL" clId="{46BA79B3-6F12-4FD1-BB92-92785C2AAF2E}" dt="2023-12-08T11:14:24.206" v="381" actId="478"/>
           <ac:spMkLst>
             <pc:docMk/>
             <pc:sldMk cId="4206476889" sldId="258"/>
             <ac:spMk id="9" creationId="{C850542D-B2FE-0C9B-6102-BA4EC8D19AFD}"/>
           </ac:spMkLst>
         </pc:spChg>
-        <pc:spChg chg="mod topLvl">
-          <ac:chgData name="Timo Klimmer" userId="af015218-587a-437d-921a-de4e64daf7ee" providerId="ADAL" clId="{46BA79B3-6F12-4FD1-BB92-92785C2AAF2E}" dt="2023-12-01T13:41:19.823" v="11" actId="165"/>
+        <pc:spChg chg="del mod topLvl">
+          <ac:chgData name="Timo Klimmer" userId="af015218-587a-437d-921a-de4e64daf7ee" providerId="ADAL" clId="{46BA79B3-6F12-4FD1-BB92-92785C2AAF2E}" dt="2023-12-08T11:14:24.206" v="381" actId="478"/>
           <ac:spMkLst>
             <pc:docMk/>
             <pc:sldMk cId="4206476889" sldId="258"/>
             <ac:spMk id="15" creationId="{6F9D8B60-EA9D-5174-747A-E08688DC10B2}"/>
+          </ac:spMkLst>
+        </pc:spChg>
+        <pc:spChg chg="add mod">
+          <ac:chgData name="Timo Klimmer" userId="af015218-587a-437d-921a-de4e64daf7ee" providerId="ADAL" clId="{46BA79B3-6F12-4FD1-BB92-92785C2AAF2E}" dt="2023-12-08T11:14:31.329" v="382" actId="1076"/>
+          <ac:spMkLst>
+            <pc:docMk/>
+            <pc:sldMk cId="4206476889" sldId="258"/>
+            <ac:spMk id="17" creationId="{22D5AC58-7C90-B4B5-3A9E-0C9EADC9AC65}"/>
+          </ac:spMkLst>
+        </pc:spChg>
+        <pc:spChg chg="add mod">
+          <ac:chgData name="Timo Klimmer" userId="af015218-587a-437d-921a-de4e64daf7ee" providerId="ADAL" clId="{46BA79B3-6F12-4FD1-BB92-92785C2AAF2E}" dt="2023-12-08T11:14:31.329" v="382" actId="1076"/>
+          <ac:spMkLst>
+            <pc:docMk/>
+            <pc:sldMk cId="4206476889" sldId="258"/>
+            <ac:spMk id="22" creationId="{8CF34F07-C989-318C-FC34-E78D85FB8EC2}"/>
+          </ac:spMkLst>
+        </pc:spChg>
+        <pc:spChg chg="add mod">
+          <ac:chgData name="Timo Klimmer" userId="af015218-587a-437d-921a-de4e64daf7ee" providerId="ADAL" clId="{46BA79B3-6F12-4FD1-BB92-92785C2AAF2E}" dt="2023-12-08T11:14:31.329" v="382" actId="1076"/>
+          <ac:spMkLst>
+            <pc:docMk/>
+            <pc:sldMk cId="4206476889" sldId="258"/>
+            <ac:spMk id="23" creationId="{930AA060-E688-47BF-83B0-6E4EF9393966}"/>
+          </ac:spMkLst>
+        </pc:spChg>
+        <pc:spChg chg="add mod">
+          <ac:chgData name="Timo Klimmer" userId="af015218-587a-437d-921a-de4e64daf7ee" providerId="ADAL" clId="{46BA79B3-6F12-4FD1-BB92-92785C2AAF2E}" dt="2023-12-08T11:14:31.329" v="382" actId="1076"/>
+          <ac:spMkLst>
+            <pc:docMk/>
+            <pc:sldMk cId="4206476889" sldId="258"/>
+            <ac:spMk id="25" creationId="{25BD2B51-D2F4-E385-A75D-C08E475DB33F}"/>
+          </ac:spMkLst>
+        </pc:spChg>
+        <pc:spChg chg="add mod">
+          <ac:chgData name="Timo Klimmer" userId="af015218-587a-437d-921a-de4e64daf7ee" providerId="ADAL" clId="{46BA79B3-6F12-4FD1-BB92-92785C2AAF2E}" dt="2023-12-08T11:14:31.329" v="382" actId="1076"/>
+          <ac:spMkLst>
+            <pc:docMk/>
+            <pc:sldMk cId="4206476889" sldId="258"/>
+            <ac:spMk id="26" creationId="{81ECA9A3-C238-41BC-B35D-CA64BB4B5EE0}"/>
           </ac:spMkLst>
         </pc:spChg>
         <pc:grpChg chg="add del mod">
@@ -2329,60 +2687,140 @@
             <ac:grpSpMk id="4" creationId="{1C7F365C-8412-3972-A00C-B7F8564195CB}"/>
           </ac:grpSpMkLst>
         </pc:grpChg>
-        <pc:grpChg chg="add">
-          <ac:chgData name="Timo Klimmer" userId="af015218-587a-437d-921a-de4e64daf7ee" providerId="ADAL" clId="{46BA79B3-6F12-4FD1-BB92-92785C2AAF2E}" dt="2023-12-01T13:41:44.461" v="13" actId="164"/>
+        <pc:grpChg chg="add del">
+          <ac:chgData name="Timo Klimmer" userId="af015218-587a-437d-921a-de4e64daf7ee" providerId="ADAL" clId="{46BA79B3-6F12-4FD1-BB92-92785C2AAF2E}" dt="2023-12-08T11:14:15.182" v="378" actId="165"/>
           <ac:grpSpMkLst>
             <pc:docMk/>
             <pc:sldMk cId="4206476889" sldId="258"/>
             <ac:grpSpMk id="16" creationId="{3E8E7164-D911-41EB-4BC3-5E92C3446252}"/>
           </ac:grpSpMkLst>
         </pc:grpChg>
-        <pc:picChg chg="mod topLvl">
-          <ac:chgData name="Timo Klimmer" userId="af015218-587a-437d-921a-de4e64daf7ee" providerId="ADAL" clId="{46BA79B3-6F12-4FD1-BB92-92785C2AAF2E}" dt="2023-12-01T13:41:19.823" v="11" actId="165"/>
+        <pc:grpChg chg="add">
+          <ac:chgData name="Timo Klimmer" userId="af015218-587a-437d-921a-de4e64daf7ee" providerId="ADAL" clId="{46BA79B3-6F12-4FD1-BB92-92785C2AAF2E}" dt="2023-12-08T11:14:33.530" v="383" actId="164"/>
+          <ac:grpSpMkLst>
+            <pc:docMk/>
+            <pc:sldMk cId="4206476889" sldId="258"/>
+            <ac:grpSpMk id="30" creationId="{F1586770-39CF-B19E-C8B1-F1855BC96ABC}"/>
+          </ac:grpSpMkLst>
+        </pc:grpChg>
+        <pc:picChg chg="add mod">
+          <ac:chgData name="Timo Klimmer" userId="af015218-587a-437d-921a-de4e64daf7ee" providerId="ADAL" clId="{46BA79B3-6F12-4FD1-BB92-92785C2AAF2E}" dt="2023-12-08T11:14:31.329" v="382" actId="1076"/>
+          <ac:picMkLst>
+            <pc:docMk/>
+            <pc:sldMk cId="4206476889" sldId="258"/>
+            <ac:picMk id="2" creationId="{2F1B0212-F932-F747-B076-B7E472C385EA}"/>
+          </ac:picMkLst>
+        </pc:picChg>
+        <pc:picChg chg="del mod topLvl">
+          <ac:chgData name="Timo Klimmer" userId="af015218-587a-437d-921a-de4e64daf7ee" providerId="ADAL" clId="{46BA79B3-6F12-4FD1-BB92-92785C2AAF2E}" dt="2023-12-08T11:14:24.206" v="381" actId="478"/>
           <ac:picMkLst>
             <pc:docMk/>
             <pc:sldMk cId="4206476889" sldId="258"/>
             <ac:picMk id="5" creationId="{9F359913-1D88-490D-4603-D37B6CD44087}"/>
           </ac:picMkLst>
         </pc:picChg>
-        <pc:picChg chg="mod topLvl">
-          <ac:chgData name="Timo Klimmer" userId="af015218-587a-437d-921a-de4e64daf7ee" providerId="ADAL" clId="{46BA79B3-6F12-4FD1-BB92-92785C2AAF2E}" dt="2023-12-01T13:41:28.420" v="12"/>
+        <pc:picChg chg="del mod topLvl">
+          <ac:chgData name="Timo Klimmer" userId="af015218-587a-437d-921a-de4e64daf7ee" providerId="ADAL" clId="{46BA79B3-6F12-4FD1-BB92-92785C2AAF2E}" dt="2023-12-08T11:14:24.206" v="381" actId="478"/>
           <ac:picMkLst>
             <pc:docMk/>
             <pc:sldMk cId="4206476889" sldId="258"/>
             <ac:picMk id="14" creationId="{895A89CB-F029-36CD-4C8D-9A98FB22D9D5}"/>
           </ac:picMkLst>
         </pc:picChg>
-        <pc:cxnChg chg="mod topLvl">
-          <ac:chgData name="Timo Klimmer" userId="af015218-587a-437d-921a-de4e64daf7ee" providerId="ADAL" clId="{46BA79B3-6F12-4FD1-BB92-92785C2AAF2E}" dt="2023-12-01T13:41:19.823" v="11" actId="165"/>
+        <pc:picChg chg="add mod">
+          <ac:chgData name="Timo Klimmer" userId="af015218-587a-437d-921a-de4e64daf7ee" providerId="ADAL" clId="{46BA79B3-6F12-4FD1-BB92-92785C2AAF2E}" dt="2023-12-08T11:14:31.329" v="382" actId="1076"/>
+          <ac:picMkLst>
+            <pc:docMk/>
+            <pc:sldMk cId="4206476889" sldId="258"/>
+            <ac:picMk id="24" creationId="{94B382B3-C163-A637-7BE4-BD803A31E696}"/>
+          </ac:picMkLst>
+        </pc:picChg>
+        <pc:picChg chg="add mod">
+          <ac:chgData name="Timo Klimmer" userId="af015218-587a-437d-921a-de4e64daf7ee" providerId="ADAL" clId="{46BA79B3-6F12-4FD1-BB92-92785C2AAF2E}" dt="2023-12-08T11:14:31.329" v="382" actId="1076"/>
+          <ac:picMkLst>
+            <pc:docMk/>
+            <pc:sldMk cId="4206476889" sldId="258"/>
+            <ac:picMk id="27" creationId="{101530EC-4ECE-3EC2-D9C7-2E1954C0C710}"/>
+          </ac:picMkLst>
+        </pc:picChg>
+        <pc:cxnChg chg="del mod topLvl">
+          <ac:chgData name="Timo Klimmer" userId="af015218-587a-437d-921a-de4e64daf7ee" providerId="ADAL" clId="{46BA79B3-6F12-4FD1-BB92-92785C2AAF2E}" dt="2023-12-08T11:14:24.206" v="381" actId="478"/>
           <ac:cxnSpMkLst>
             <pc:docMk/>
             <pc:sldMk cId="4206476889" sldId="258"/>
             <ac:cxnSpMk id="10" creationId="{E50E7DA0-FFAB-FE0F-2B9E-5BE5B305F0F9}"/>
           </ac:cxnSpMkLst>
         </pc:cxnChg>
-        <pc:cxnChg chg="mod topLvl">
-          <ac:chgData name="Timo Klimmer" userId="af015218-587a-437d-921a-de4e64daf7ee" providerId="ADAL" clId="{46BA79B3-6F12-4FD1-BB92-92785C2AAF2E}" dt="2023-12-01T13:41:19.823" v="11" actId="165"/>
+        <pc:cxnChg chg="del mod topLvl">
+          <ac:chgData name="Timo Klimmer" userId="af015218-587a-437d-921a-de4e64daf7ee" providerId="ADAL" clId="{46BA79B3-6F12-4FD1-BB92-92785C2AAF2E}" dt="2023-12-08T11:14:24.206" v="381" actId="478"/>
           <ac:cxnSpMkLst>
             <pc:docMk/>
             <pc:sldMk cId="4206476889" sldId="258"/>
             <ac:cxnSpMk id="11" creationId="{79DF81F0-50D2-A458-961D-8DA869669886}"/>
           </ac:cxnSpMkLst>
         </pc:cxnChg>
-        <pc:cxnChg chg="mod topLvl">
-          <ac:chgData name="Timo Klimmer" userId="af015218-587a-437d-921a-de4e64daf7ee" providerId="ADAL" clId="{46BA79B3-6F12-4FD1-BB92-92785C2AAF2E}" dt="2023-12-01T13:41:19.823" v="11" actId="165"/>
+        <pc:cxnChg chg="del mod topLvl">
+          <ac:chgData name="Timo Klimmer" userId="af015218-587a-437d-921a-de4e64daf7ee" providerId="ADAL" clId="{46BA79B3-6F12-4FD1-BB92-92785C2AAF2E}" dt="2023-12-08T11:14:24.206" v="381" actId="478"/>
           <ac:cxnSpMkLst>
             <pc:docMk/>
             <pc:sldMk cId="4206476889" sldId="258"/>
             <ac:cxnSpMk id="12" creationId="{57B7CB97-14D3-6ADB-2243-5E1ED1B9AD15}"/>
           </ac:cxnSpMkLst>
         </pc:cxnChg>
-        <pc:cxnChg chg="mod topLvl">
-          <ac:chgData name="Timo Klimmer" userId="af015218-587a-437d-921a-de4e64daf7ee" providerId="ADAL" clId="{46BA79B3-6F12-4FD1-BB92-92785C2AAF2E}" dt="2023-12-01T13:41:19.823" v="11" actId="165"/>
+        <pc:cxnChg chg="del mod topLvl">
+          <ac:chgData name="Timo Klimmer" userId="af015218-587a-437d-921a-de4e64daf7ee" providerId="ADAL" clId="{46BA79B3-6F12-4FD1-BB92-92785C2AAF2E}" dt="2023-12-08T11:14:24.206" v="381" actId="478"/>
           <ac:cxnSpMkLst>
             <pc:docMk/>
             <pc:sldMk cId="4206476889" sldId="258"/>
             <ac:cxnSpMk id="13" creationId="{7D949813-BED2-C7BE-C5D2-2A44D96F381A}"/>
+          </ac:cxnSpMkLst>
+        </pc:cxnChg>
+        <pc:cxnChg chg="add mod">
+          <ac:chgData name="Timo Klimmer" userId="af015218-587a-437d-921a-de4e64daf7ee" providerId="ADAL" clId="{46BA79B3-6F12-4FD1-BB92-92785C2AAF2E}" dt="2023-12-08T11:14:31.329" v="382" actId="1076"/>
+          <ac:cxnSpMkLst>
+            <pc:docMk/>
+            <pc:sldMk cId="4206476889" sldId="258"/>
+            <ac:cxnSpMk id="18" creationId="{C518FD0E-C50B-B6A6-C878-3DE240888521}"/>
+          </ac:cxnSpMkLst>
+        </pc:cxnChg>
+        <pc:cxnChg chg="add mod">
+          <ac:chgData name="Timo Klimmer" userId="af015218-587a-437d-921a-de4e64daf7ee" providerId="ADAL" clId="{46BA79B3-6F12-4FD1-BB92-92785C2AAF2E}" dt="2023-12-08T11:14:31.329" v="382" actId="1076"/>
+          <ac:cxnSpMkLst>
+            <pc:docMk/>
+            <pc:sldMk cId="4206476889" sldId="258"/>
+            <ac:cxnSpMk id="19" creationId="{6F941927-9A08-DC95-7C90-1B29B66CAD2F}"/>
+          </ac:cxnSpMkLst>
+        </pc:cxnChg>
+        <pc:cxnChg chg="add mod">
+          <ac:chgData name="Timo Klimmer" userId="af015218-587a-437d-921a-de4e64daf7ee" providerId="ADAL" clId="{46BA79B3-6F12-4FD1-BB92-92785C2AAF2E}" dt="2023-12-08T11:14:31.329" v="382" actId="1076"/>
+          <ac:cxnSpMkLst>
+            <pc:docMk/>
+            <pc:sldMk cId="4206476889" sldId="258"/>
+            <ac:cxnSpMk id="20" creationId="{72D6F3ED-68BA-E060-56EB-92EB0FD43873}"/>
+          </ac:cxnSpMkLst>
+        </pc:cxnChg>
+        <pc:cxnChg chg="add mod">
+          <ac:chgData name="Timo Klimmer" userId="af015218-587a-437d-921a-de4e64daf7ee" providerId="ADAL" clId="{46BA79B3-6F12-4FD1-BB92-92785C2AAF2E}" dt="2023-12-08T11:14:31.329" v="382" actId="1076"/>
+          <ac:cxnSpMkLst>
+            <pc:docMk/>
+            <pc:sldMk cId="4206476889" sldId="258"/>
+            <ac:cxnSpMk id="21" creationId="{94672AC0-B431-7394-2914-67F695C1DEF7}"/>
+          </ac:cxnSpMkLst>
+        </pc:cxnChg>
+        <pc:cxnChg chg="add mod">
+          <ac:chgData name="Timo Klimmer" userId="af015218-587a-437d-921a-de4e64daf7ee" providerId="ADAL" clId="{46BA79B3-6F12-4FD1-BB92-92785C2AAF2E}" dt="2023-12-08T11:14:31.329" v="382" actId="1076"/>
+          <ac:cxnSpMkLst>
+            <pc:docMk/>
+            <pc:sldMk cId="4206476889" sldId="258"/>
+            <ac:cxnSpMk id="28" creationId="{5DC6FD52-0AD9-1204-374D-7BF1D37D6D1E}"/>
+          </ac:cxnSpMkLst>
+        </pc:cxnChg>
+        <pc:cxnChg chg="add mod">
+          <ac:chgData name="Timo Klimmer" userId="af015218-587a-437d-921a-de4e64daf7ee" providerId="ADAL" clId="{46BA79B3-6F12-4FD1-BB92-92785C2AAF2E}" dt="2023-12-08T11:14:31.329" v="382" actId="1076"/>
+          <ac:cxnSpMkLst>
+            <pc:docMk/>
+            <pc:sldMk cId="4206476889" sldId="258"/>
+            <ac:cxnSpMk id="29" creationId="{599A3598-3CF5-4C8B-2240-BB23690CFFFD}"/>
           </ac:cxnSpMkLst>
         </pc:cxnChg>
       </pc:sldChg>
@@ -2592,8 +3030,8 @@
           </ac:cxnSpMkLst>
         </pc:cxnChg>
       </pc:sldChg>
-      <pc:sldChg chg="addSp delSp modSp new mod">
-        <pc:chgData name="Timo Klimmer" userId="af015218-587a-437d-921a-de4e64daf7ee" providerId="ADAL" clId="{46BA79B3-6F12-4FD1-BB92-92785C2AAF2E}" dt="2023-12-06T14:36:43.811" v="274" actId="164"/>
+      <pc:sldChg chg="addSp delSp modSp new del mod">
+        <pc:chgData name="Timo Klimmer" userId="af015218-587a-437d-921a-de4e64daf7ee" providerId="ADAL" clId="{46BA79B3-6F12-4FD1-BB92-92785C2AAF2E}" dt="2023-12-08T12:03:16.985" v="476" actId="2696"/>
         <pc:sldMkLst>
           <pc:docMk/>
           <pc:sldMk cId="768734441" sldId="260"/>
@@ -2836,6 +3274,181 @@
             <pc:docMk/>
             <pc:sldMk cId="768734441" sldId="260"/>
             <ac:cxnSpMk id="27" creationId="{E019AACB-BC9D-AC50-49F1-20C01BD2E321}"/>
+          </ac:cxnSpMkLst>
+        </pc:cxnChg>
+      </pc:sldChg>
+      <pc:sldChg chg="addSp delSp modSp add mod setBg">
+        <pc:chgData name="Timo Klimmer" userId="af015218-587a-437d-921a-de4e64daf7ee" providerId="ADAL" clId="{46BA79B3-6F12-4FD1-BB92-92785C2AAF2E}" dt="2023-12-08T12:03:10.130" v="475" actId="1036"/>
+        <pc:sldMkLst>
+          <pc:docMk/>
+          <pc:sldMk cId="948434623" sldId="2147482790"/>
+        </pc:sldMkLst>
+        <pc:spChg chg="mod topLvl">
+          <ac:chgData name="Timo Klimmer" userId="af015218-587a-437d-921a-de4e64daf7ee" providerId="ADAL" clId="{46BA79B3-6F12-4FD1-BB92-92785C2AAF2E}" dt="2023-12-08T12:03:10.130" v="475" actId="1036"/>
+          <ac:spMkLst>
+            <pc:docMk/>
+            <pc:sldMk cId="948434623" sldId="2147482790"/>
+            <ac:spMk id="2" creationId="{DDB4E393-BBBD-2E5D-CD9B-B5D9D7884530}"/>
+          </ac:spMkLst>
+        </pc:spChg>
+        <pc:spChg chg="add del mod">
+          <ac:chgData name="Timo Klimmer" userId="af015218-587a-437d-921a-de4e64daf7ee" providerId="ADAL" clId="{46BA79B3-6F12-4FD1-BB92-92785C2AAF2E}" dt="2023-12-08T12:02:24.104" v="427" actId="478"/>
+          <ac:spMkLst>
+            <pc:docMk/>
+            <pc:sldMk cId="948434623" sldId="2147482790"/>
+            <ac:spMk id="4" creationId="{6C046305-8F8F-7D9A-FF98-26D6CF8AC78D}"/>
+          </ac:spMkLst>
+        </pc:spChg>
+        <pc:spChg chg="mod topLvl">
+          <ac:chgData name="Timo Klimmer" userId="af015218-587a-437d-921a-de4e64daf7ee" providerId="ADAL" clId="{46BA79B3-6F12-4FD1-BB92-92785C2AAF2E}" dt="2023-12-08T12:03:10.130" v="475" actId="1036"/>
+          <ac:spMkLst>
+            <pc:docMk/>
+            <pc:sldMk cId="948434623" sldId="2147482790"/>
+            <ac:spMk id="7" creationId="{990F3D9D-6F92-2870-60D6-3F32B5CF637A}"/>
+          </ac:spMkLst>
+        </pc:spChg>
+        <pc:spChg chg="mod topLvl">
+          <ac:chgData name="Timo Klimmer" userId="af015218-587a-437d-921a-de4e64daf7ee" providerId="ADAL" clId="{46BA79B3-6F12-4FD1-BB92-92785C2AAF2E}" dt="2023-12-08T12:03:10.130" v="475" actId="1036"/>
+          <ac:spMkLst>
+            <pc:docMk/>
+            <pc:sldMk cId="948434623" sldId="2147482790"/>
+            <ac:spMk id="8" creationId="{7A0F64D8-7AFB-822D-F490-740935C976F0}"/>
+          </ac:spMkLst>
+        </pc:spChg>
+        <pc:spChg chg="mod topLvl">
+          <ac:chgData name="Timo Klimmer" userId="af015218-587a-437d-921a-de4e64daf7ee" providerId="ADAL" clId="{46BA79B3-6F12-4FD1-BB92-92785C2AAF2E}" dt="2023-12-08T12:03:10.130" v="475" actId="1036"/>
+          <ac:spMkLst>
+            <pc:docMk/>
+            <pc:sldMk cId="948434623" sldId="2147482790"/>
+            <ac:spMk id="14" creationId="{37B38877-C0F0-7EFB-4117-7063E86841AF}"/>
+          </ac:spMkLst>
+        </pc:spChg>
+        <pc:spChg chg="mod topLvl">
+          <ac:chgData name="Timo Klimmer" userId="af015218-587a-437d-921a-de4e64daf7ee" providerId="ADAL" clId="{46BA79B3-6F12-4FD1-BB92-92785C2AAF2E}" dt="2023-12-08T12:03:10.130" v="475" actId="1036"/>
+          <ac:spMkLst>
+            <pc:docMk/>
+            <pc:sldMk cId="948434623" sldId="2147482790"/>
+            <ac:spMk id="15" creationId="{E560F309-BF5D-9D9B-5938-BF6727C20EBE}"/>
+          </ac:spMkLst>
+        </pc:spChg>
+        <pc:spChg chg="mod topLvl">
+          <ac:chgData name="Timo Klimmer" userId="af015218-587a-437d-921a-de4e64daf7ee" providerId="ADAL" clId="{46BA79B3-6F12-4FD1-BB92-92785C2AAF2E}" dt="2023-12-08T12:03:10.130" v="475" actId="1036"/>
+          <ac:spMkLst>
+            <pc:docMk/>
+            <pc:sldMk cId="948434623" sldId="2147482790"/>
+            <ac:spMk id="16" creationId="{B6C99BA7-009D-57F9-BC66-444325FEC2B2}"/>
+          </ac:spMkLst>
+        </pc:spChg>
+        <pc:spChg chg="mod topLvl">
+          <ac:chgData name="Timo Klimmer" userId="af015218-587a-437d-921a-de4e64daf7ee" providerId="ADAL" clId="{46BA79B3-6F12-4FD1-BB92-92785C2AAF2E}" dt="2023-12-08T12:03:10.130" v="475" actId="1036"/>
+          <ac:spMkLst>
+            <pc:docMk/>
+            <pc:sldMk cId="948434623" sldId="2147482790"/>
+            <ac:spMk id="17" creationId="{2D91EC54-61AB-9950-24D6-56CDA1CB55F4}"/>
+          </ac:spMkLst>
+        </pc:spChg>
+        <pc:spChg chg="mod topLvl">
+          <ac:chgData name="Timo Klimmer" userId="af015218-587a-437d-921a-de4e64daf7ee" providerId="ADAL" clId="{46BA79B3-6F12-4FD1-BB92-92785C2AAF2E}" dt="2023-12-08T12:03:10.130" v="475" actId="1036"/>
+          <ac:spMkLst>
+            <pc:docMk/>
+            <pc:sldMk cId="948434623" sldId="2147482790"/>
+            <ac:spMk id="19" creationId="{DA59674B-B02B-9DAC-B5F6-DB91D921F00B}"/>
+          </ac:spMkLst>
+        </pc:spChg>
+        <pc:spChg chg="mod topLvl">
+          <ac:chgData name="Timo Klimmer" userId="af015218-587a-437d-921a-de4e64daf7ee" providerId="ADAL" clId="{46BA79B3-6F12-4FD1-BB92-92785C2AAF2E}" dt="2023-12-08T12:03:10.130" v="475" actId="1036"/>
+          <ac:spMkLst>
+            <pc:docMk/>
+            <pc:sldMk cId="948434623" sldId="2147482790"/>
+            <ac:spMk id="20" creationId="{490A7948-3209-23CE-072D-D91AC3FA9F9E}"/>
+          </ac:spMkLst>
+        </pc:spChg>
+        <pc:spChg chg="del mod">
+          <ac:chgData name="Timo Klimmer" userId="af015218-587a-437d-921a-de4e64daf7ee" providerId="ADAL" clId="{46BA79B3-6F12-4FD1-BB92-92785C2AAF2E}" dt="2023-12-08T12:02:21.609" v="426" actId="478"/>
+          <ac:spMkLst>
+            <pc:docMk/>
+            <pc:sldMk cId="948434623" sldId="2147482790"/>
+            <ac:spMk id="23" creationId="{7CC3BD63-9D70-5947-BB81-0711FEDF50E1}"/>
+          </ac:spMkLst>
+        </pc:spChg>
+        <pc:grpChg chg="del">
+          <ac:chgData name="Timo Klimmer" userId="af015218-587a-437d-921a-de4e64daf7ee" providerId="ADAL" clId="{46BA79B3-6F12-4FD1-BB92-92785C2AAF2E}" dt="2023-12-08T12:02:40.608" v="429" actId="165"/>
+          <ac:grpSpMkLst>
+            <pc:docMk/>
+            <pc:sldMk cId="948434623" sldId="2147482790"/>
+            <ac:grpSpMk id="21" creationId="{CC7ADFF0-1F0C-8D1C-5F9D-0EA034F5BAEC}"/>
+          </ac:grpSpMkLst>
+        </pc:grpChg>
+        <pc:picChg chg="del">
+          <ac:chgData name="Timo Klimmer" userId="af015218-587a-437d-921a-de4e64daf7ee" providerId="ADAL" clId="{46BA79B3-6F12-4FD1-BB92-92785C2AAF2E}" dt="2023-12-08T12:02:24.966" v="428" actId="478"/>
+          <ac:picMkLst>
+            <pc:docMk/>
+            <pc:sldMk cId="948434623" sldId="2147482790"/>
+            <ac:picMk id="24" creationId="{B85D12CE-68E5-C12F-E010-12136B88D121}"/>
+          </ac:picMkLst>
+        </pc:picChg>
+        <pc:inkChg chg="mod topLvl">
+          <ac:chgData name="Timo Klimmer" userId="af015218-587a-437d-921a-de4e64daf7ee" providerId="ADAL" clId="{46BA79B3-6F12-4FD1-BB92-92785C2AAF2E}" dt="2023-12-08T12:03:10.130" v="475" actId="1036"/>
+          <ac:inkMkLst>
+            <pc:docMk/>
+            <pc:sldMk cId="948434623" sldId="2147482790"/>
+            <ac:inkMk id="9" creationId="{78E8E989-B3ED-B985-4694-7200F4D0597B}"/>
+          </ac:inkMkLst>
+        </pc:inkChg>
+        <pc:inkChg chg="mod topLvl">
+          <ac:chgData name="Timo Klimmer" userId="af015218-587a-437d-921a-de4e64daf7ee" providerId="ADAL" clId="{46BA79B3-6F12-4FD1-BB92-92785C2AAF2E}" dt="2023-12-08T12:03:10.130" v="475" actId="1036"/>
+          <ac:inkMkLst>
+            <pc:docMk/>
+            <pc:sldMk cId="948434623" sldId="2147482790"/>
+            <ac:inkMk id="18" creationId="{C72974E0-AFAD-BFFF-1D64-00E17B995E4C}"/>
+          </ac:inkMkLst>
+        </pc:inkChg>
+        <pc:cxnChg chg="mod topLvl">
+          <ac:chgData name="Timo Klimmer" userId="af015218-587a-437d-921a-de4e64daf7ee" providerId="ADAL" clId="{46BA79B3-6F12-4FD1-BB92-92785C2AAF2E}" dt="2023-12-08T12:03:10.130" v="475" actId="1036"/>
+          <ac:cxnSpMkLst>
+            <pc:docMk/>
+            <pc:sldMk cId="948434623" sldId="2147482790"/>
+            <ac:cxnSpMk id="5" creationId="{7FC86B8D-7D5A-6CBB-0159-31400DE362F7}"/>
+          </ac:cxnSpMkLst>
+        </pc:cxnChg>
+        <pc:cxnChg chg="mod topLvl">
+          <ac:chgData name="Timo Klimmer" userId="af015218-587a-437d-921a-de4e64daf7ee" providerId="ADAL" clId="{46BA79B3-6F12-4FD1-BB92-92785C2AAF2E}" dt="2023-12-08T12:03:10.130" v="475" actId="1036"/>
+          <ac:cxnSpMkLst>
+            <pc:docMk/>
+            <pc:sldMk cId="948434623" sldId="2147482790"/>
+            <ac:cxnSpMk id="6" creationId="{F953BF07-8E3C-A684-3AF6-F2ADBFE751C2}"/>
+          </ac:cxnSpMkLst>
+        </pc:cxnChg>
+        <pc:cxnChg chg="mod topLvl">
+          <ac:chgData name="Timo Klimmer" userId="af015218-587a-437d-921a-de4e64daf7ee" providerId="ADAL" clId="{46BA79B3-6F12-4FD1-BB92-92785C2AAF2E}" dt="2023-12-08T12:03:10.130" v="475" actId="1036"/>
+          <ac:cxnSpMkLst>
+            <pc:docMk/>
+            <pc:sldMk cId="948434623" sldId="2147482790"/>
+            <ac:cxnSpMk id="10" creationId="{BC7F332A-90B5-B1C8-9850-22F80E603B0D}"/>
+          </ac:cxnSpMkLst>
+        </pc:cxnChg>
+        <pc:cxnChg chg="mod topLvl">
+          <ac:chgData name="Timo Klimmer" userId="af015218-587a-437d-921a-de4e64daf7ee" providerId="ADAL" clId="{46BA79B3-6F12-4FD1-BB92-92785C2AAF2E}" dt="2023-12-08T12:03:10.130" v="475" actId="1036"/>
+          <ac:cxnSpMkLst>
+            <pc:docMk/>
+            <pc:sldMk cId="948434623" sldId="2147482790"/>
+            <ac:cxnSpMk id="11" creationId="{62F7899E-4F17-AEC9-EEC4-49E6EDE03299}"/>
+          </ac:cxnSpMkLst>
+        </pc:cxnChg>
+        <pc:cxnChg chg="mod topLvl">
+          <ac:chgData name="Timo Klimmer" userId="af015218-587a-437d-921a-de4e64daf7ee" providerId="ADAL" clId="{46BA79B3-6F12-4FD1-BB92-92785C2AAF2E}" dt="2023-12-08T12:03:10.130" v="475" actId="1036"/>
+          <ac:cxnSpMkLst>
+            <pc:docMk/>
+            <pc:sldMk cId="948434623" sldId="2147482790"/>
+            <ac:cxnSpMk id="12" creationId="{0F7AB6EC-91B0-99A1-AC6C-3F7FA73C15B3}"/>
+          </ac:cxnSpMkLst>
+        </pc:cxnChg>
+        <pc:cxnChg chg="mod topLvl">
+          <ac:chgData name="Timo Klimmer" userId="af015218-587a-437d-921a-de4e64daf7ee" providerId="ADAL" clId="{46BA79B3-6F12-4FD1-BB92-92785C2AAF2E}" dt="2023-12-08T12:03:10.130" v="475" actId="1036"/>
+          <ac:cxnSpMkLst>
+            <pc:docMk/>
+            <pc:sldMk cId="948434623" sldId="2147482790"/>
+            <ac:cxnSpMk id="13" creationId="{0C419652-4711-5DC1-E199-8F132C6C7025}"/>
           </ac:cxnSpMkLst>
         </pc:cxnChg>
       </pc:sldChg>
@@ -2864,7 +3477,7 @@
           <inkml:channelProperty channel="OE" name="resolution" value="1000" units="1/deg"/>
         </inkml:channelProperties>
       </inkml:inkSource>
-      <inkml:timestamp xml:id="ts0" timeString="2023-12-06T10:20:38.083"/>
+      <inkml:timestamp xml:id="ts0" timeString="2023-12-06T20:04:57.635"/>
     </inkml:context>
     <inkml:brush xml:id="br0">
       <inkml:brushProperty name="width" value="0.05" units="cm"/>
@@ -2872,7 +3485,7 @@
       <inkml:brushProperty name="color" value="#AB008B"/>
     </inkml:brush>
   </inkml:definitions>
-  <inkml:trace contextRef="#ctx0" brushRef="#br0">4 6078 1032 0 0,'-4'-12'12736'0'0,"23"20"-11782"0"0,15-9 1 0 0,62-11-1 0 0,-88 10-763 0 0,0 0-1 0 0,0-1 1 0 0,0 0-1 0 0,0-1 1 0 0,8-4-1 0 0,2-1 113 0 0,-13 6-248 0 0,0-1 1 0 0,0 1-1 0 0,0-1 1 0 0,-1 0-1 0 0,1 0 1 0 0,-1 0-1 0 0,0-1 1 0 0,3-5 0 0 0,8-7 190 0 0,-7 7-196 0 0,-1 1-1 0 0,0-1 1 0 0,-1-1-1 0 0,9-16 0 0 0,-9 15 72 0 0,0 0-1 0 0,1 0 0 0 0,14-17 0 0 0,54-61 358 0 0,30-12 308 0 0,-88 89-742 0 0,1 0 0 0 0,0 1 0 0 0,1 1 0 0 0,22-9 0 0 0,-15 7 48 0 0,34-22-1 0 0,-41 23-23 0 0,-10 6-19 0 0,0 0-1 0 0,11-9 0 0 0,40-33 260 0 0,-38 31-154 0 0,26-24 0 0 0,-34 27-154 0 0,49-45 0 0 0,-54 52 0 0 0,0 0 0 0 0,0 1 0 0 0,1 0 0 0 0,0 0 0 0 0,16-6 0 0 0,12 0 0 0 0,1 2 0 0 0,54-8 0 0 0,-56 11 0 0 0,-28 5 20 0 0,0 1 0 0 0,1 0 0 0 0,0 0-1 0 0,-1 1 1 0 0,1 0 0 0 0,-1 1-1 0 0,1 0 1 0 0,-1 0 0 0 0,1 1 0 0 0,-1 1-1 0 0,0-1 1 0 0,0 1 0 0 0,0 1 0 0 0,14 7-1 0 0,-17-7-19 0 0,1 0 0 0 0,-1 1 0 0 0,0 0 0 0 0,0 0 0 0 0,-1 0 0 0 0,1 1 0 0 0,-1 0 0 0 0,6 9 0 0 0,-1 2 0 0 0,-1 0 0 0 0,8 20 0 0 0,-14-30 0 0 0,11 23-266 0 0,28 41 0 0 0,-33-56 113 0 0,-3-5 191 0 0,0-1-1 0 0,1 0 1 0 0,-1-1 0 0 0,2 1-1 0 0,-1-1 1 0 0,1-1 0 0 0,0 0 0 0 0,1 0-1 0 0,0 0 1 0 0,14 7 0 0 0,-13-8-89 0 0,-1 0 0 0 0,0 1 0 0 0,0 0 1 0 0,0 1-1 0 0,-1-1 0 0 0,0 2 0 0 0,7 9 1 0 0,9 8 22 0 0,11 20 132 0 0,32 33 443 0 0,-60-70-538 0 0,0 0 0 0 0,-1 0 0 0 0,0 1 0 0 0,0 0 0 0 0,4 11 0 0 0,-6-12 0 0 0,0 1 0 0 0,1-1 1 0 0,0-1-1 0 0,0 1 0 0 0,1-1 0 0 0,1 1 1 0 0,6 6-1 0 0,1-4 6 0 0,0 0 1 0 0,1-1-1 0 0,0-1 1 0 0,0 0-1 0 0,1-1 0 0 0,0-1 1 0 0,0 0-1 0 0,1-1 1 0 0,0-1-1 0 0,19 3 0 0 0,8 0 53 0 0,1-3 0 0 0,81 0 0 0 0,-103-6 21 0 0,0 0 0 0 0,0-2-1 0 0,-1-1 1 0 0,1-1-1 0 0,-1 0 1 0 0,0-2 0 0 0,25-11-1 0 0,-5-2-159 0 0,-1-1 0 0 0,61-43 0 0 0,-33 19-56 0 0,-34 24 241 0 0,-1-2-1 0 0,-1-2 1 0 0,51-48 0 0 0,-64 52 21 0 0,31-36 221 0 0,25-33-335 0 0,-33 43-21 0 0,2 2 0 0 0,3 2 0 0 0,79-56 0 0 0,-40 44-328 0 0,-82 52 310 0 0,1 0-1 0 0,0 0 1 0 0,1 1-1 0 0,-1-1 1 0 0,0 1-1 0 0,1 1 1 0 0,-1-1-1 0 0,1 1 1 0 0,0 0-1 0 0,-1 1 1 0 0,1-1-1 0 0,0 1 0 0 0,0 1 1 0 0,-1-1-1 0 0,1 1 1 0 0,0 0-1 0 0,-1 1 1 0 0,13 4-1 0 0,-8-2-7 0 0,0 0 0 0 0,-1 1 0 0 0,1 1 0 0 0,-1 0-1 0 0,0 0 1 0 0,-1 1 0 0 0,1 0 0 0 0,-1 0 0 0 0,-1 1-1 0 0,9 10 1 0 0,-4-5 25 0 0,1 0-1 0 0,0-1 0 0 0,0 0 0 0 0,19 11 1 0 0,-13-10 23 0 0,34 30 0 0 0,-40-29-15 0 0,0 1 0 0 0,-1 0 0 0 0,0 0 0 0 0,-1 2 1 0 0,-1 0-1 0 0,9 18 0 0 0,-2 1 235 0 0,-9-19-284 0 0,0 0 0 0 0,9 27 0 0 0,2 15-102 0 0,11 38 288 0 0,-28-81-142 0 0,1 0 1 0 0,1 0 0 0 0,0-1-1 0 0,1 0 1 0 0,1 1 0 0 0,0-2-1 0 0,1 1 1 0 0,18 22 0 0 0,-22-31-12 0 0,1-1 0 0 0,0 0 0 0 0,1 0 1 0 0,-1 0-1 0 0,1-1 0 0 0,0 1 0 0 0,0-2 1 0 0,0 1-1 0 0,1-1 0 0 0,7 4 0 0 0,-4-4-13 0 0,1 0 0 0 0,-1-1 0 0 0,1 0-1 0 0,-1 0 1 0 0,1-1 0 0 0,15 0 0 0 0,-21-1 21 0 0,114-3 489 0 0,-92 1-330 0 0,1-1 1 0 0,33-8-1 0 0,2-9-158 0 0,-45 15-35 0 0,0-2-1 0 0,0 0 0 0 0,26-14 0 0 0,48-36-152 0 0,-53 32 183 0 0,225-165 636 0 0,-258 186-630 0 0,114-94-513 0 0,-49 53 850 0 0,-36 24-188 0 0,-4 4-150 0 0,1 2 0 0 0,61-21 0 0 0,-44 18 0 0 0,-29 11-1 0 0,28-13 13 0 0,61-31-249 0 0,-94 43 148 0 0,0 0-1 0 0,-1-1 1 0 0,0 0 0 0 0,21-19 0 0 0,-27 22 145 0 0,-1 0 0 0 0,1 1 1 0 0,0 0-1 0 0,0 1 0 0 0,0 0 0 0 0,1 0 0 0 0,-1 0 0 0 0,17-3 0 0 0,-1 2 39 0 0,-1 1 0 0 0,29-1 0 0 0,-38 5-92 0 0,0 0 1 0 0,19 3 0 0 0,-14-2-5 0 0,-13 0 2 0 0,1 0-1 0 0,0 1 1 0 0,-1 0-1 0 0,1 0 1 0 0,-1 0-1 0 0,0 1 1 0 0,1-1-1 0 0,8 7 1 0 0,2 3-2 0 0,23 19 0 0 0,10 8-26 0 0,-34-29-128 0 0,-2 2 0 0 0,1 0 0 0 0,-2 0-1 0 0,17 20 1 0 0,51 73 155 0 0,-67-86 94 0 0,17 28 0 0 0,-20-29-13 0 0,0-1 1 0 0,23 27-1 0 0,-2-12-81 0 0,-18-18 0 0 0,0 0 0 0 0,-1 1 0 0 0,0 0 0 0 0,14 23 0 0 0,-21-27 0 0 0,6 12 0 0 0,2-1 0 0 0,21 28 0 0 0,-2-8 100 0 0,65 60 0 0 0,-87-94-76 0 0,0-1 0 0 0,0 1 0 0 0,0-2 0 0 0,1 0 0 0 0,0 0 0 0 0,0-1 0 0 0,1 0 0 0 0,-1-1 0 0 0,1-1 0 0 0,0 0 0 0 0,15 1 0 0 0,2-2 69 0 0,1-1 1 0 0,47-7-1 0 0,-34 3-158 0 0,-27 1 86 0 0,-1 0 0 0 0,1-1 0 0 0,-1-1 0 0 0,0-1 0 0 0,0 0 0 0 0,0-1 0 0 0,0 0 0 0 0,26-17 0 0 0,-16 6-2 0 0,0-1 0 0 0,-1-1 0 0 0,39-40 0 0 0,-49 43-44 0 0,26-39 0 0 0,-30 40 0 0 0,0-1-1 0 0,1 2 1 0 0,22-21-1 0 0,42-25 26 0 0,-43 37 0 0 0,60-58 0 0 0,-62 53 0 0 0,43-44 86 0 0,24-21 44 0 0,-88 86-156 0 0,0 0 0 0 0,0 1 0 0 0,1 1 0 0 0,0 0 0 0 0,0 0 1 0 0,0 1-1 0 0,14-3 0 0 0,-10 3 17 0 0,-6 2 9 0 0,-1 0 0 0 0,1 1 0 0 0,0 0 0 0 0,1 1 0 0 0,-1 0 0 0 0,0 0 0 0 0,11 3 0 0 0,18 0 0 0 0,-26-3 0 0 0,0 1 0 0 0,0 0 0 0 0,0 1 0 0 0,0 1 0 0 0,-1 0 0 0 0,13 5 0 0 0,64 32 0 0 0,-37-15 0 0 0,-36-17 0 0 0,0 1 0 0 0,0 0 0 0 0,-1 2 0 0 0,24 23 0 0 0,-13-13 0 0 0,-21-17 0 0 0,-1-1 0 0 0,1 1 0 0 0,-1 0 0 0 0,3 6 0 0 0,6 5 0 0 0,-2-2-27 0 0,15 23-1 0 0,6 8-34 0 0,-2-11 127 0 0,-18-22-41 0 0,-1 1-1 0 0,0 0 0 0 0,0 1 1 0 0,-1 0-1 0 0,9 19 0 0 0,-12-18-29 0 0,10 20-27 0 0,32 54-1 0 0,-28-61 30 0 0,1-1 1 0 0,1-1-1 0 0,30 27 0 0 0,-47-48 11 0 0,1 1-1 0 0,0-1 1 0 0,1 0-1 0 0,-1 0 1 0 0,8 2-1 0 0,0 1 23 0 0,-4-2-17 0 0,1-1 1 0 0,0 0-1 0 0,-1-1 0 0 0,2 0 0 0 0,-1-1 0 0 0,0 0 0 0 0,0 0 1 0 0,1-2-1 0 0,11 1 0 0 0,18-3 48 0 0,47-9 0 0 0,-50 6-50 0 0,-7 2-26 0 0,0-2 0 0 0,0-1 0 0 0,-1-2 0 0 0,53-20 0 0 0,31-30 176 0 0,0-2 130 0 0,-88 48-227 0 0,-1-2 1 0 0,-1-1 0 0 0,0-1 0 0 0,-1-1 0 0 0,0-1 0 0 0,-2-1-1 0 0,21-22 1 0 0,-1-2-64 0 0,68-78 0 0 0,-94 101 0 0 0,17-22 0 0 0,-20 22 5 0 0,51-90-16 0 0,-53 90 28 0 0,-1-1-1 0 0,-1 0 1 0 0,9-34-1 0 0,45-218 303 0 0,-55 247-262 0 0,20-44 1 0 0,-16 45 16 0 0,13-46 1 0 0,6-100 152 0 0,-12 53-225 0 0,40-277 62 0 0,-40 243-226 0 0,1-42 366 0 0,-17 153-139 0 0,3-103-157 0 0,8-87 203 0 0,-12 204-162 0 0,-3-27 0 0 0,0-2 23 0 0,-4-41-32 0 0,2-130 60 0 0,4 190 0 0 0,0-32-10 0 0,5-67 133 0 0,4-55-36 0 0,12 3-151 0 0,32-265 356 0 0,-44 358-593 0 0,4-30 967 0 0,2-81-325 0 0,-11 133-307 0 0,3-144-34 0 0,-2 85-157 0 0,3-99 298 0 0,2 71-141 0 0,-6 105 0 0 0,27-271 239 0 0,-18 235-494 0 0,-9 68 267 0 0,1 1 0 0 0,1 1 1 0 0,1-1-1 0 0,11-23 0 0 0,-10 25-9 0 0,4-2-3 0 0,2-3 0 0 0,-15 23 4 0 0,2-1-1 0 0,8-4-43 0 0,-6 5-63 0 0,1 0 1 0 0,0 1-1 0 0,0-1 1 0 0,1 1-1 0 0,-1 0 0 0 0,0 0 1 0 0,0 0-1 0 0,1 0 1 0 0,7 0-1 0 0,3 2 223 0 0,22 2-1 0 0,-23-1-248 0 0,-9-1 77 0 0,1 0 1 0 0,-1 1-1 0 0,0-1 0 0 0,1 1 1 0 0,-1 0-1 0 0,0 1 1 0 0,0-1-1 0 0,6 5 0 0 0,36 29 153 0 0,-42-31-57 0 0,4 4-59 0 0,-1 0-1 0 0,0 0 1 0 0,-1 1 0 0 0,0 0 0 0 0,0 1 0 0 0,-1-1-1 0 0,0 1 1 0 0,-1 0 0 0 0,7 22 0 0 0,22 90-8 0 0,1 6 27 0 0,23 83-528 0 0,-22-60 705 0 0,-24-93-258 0 0,19 128-57 0 0,-13-69 136 0 0,29 308 82 0 0,-36-307 10 0 0,1 109 234 0 0,-5-60-235 0 0,-4-63-106 0 0,0-78 28 0 0,1 0 1 0 0,1 0 0 0 0,1-1-1 0 0,18 47 1 0 0,-24-72-16 0 0,15 52-48 0 0,-3 0-1 0 0,10 92 1 0 0,-16-100 53 0 0,20 169 125 0 0,12 84 104 0 0,-1 73-163 0 0,-16-136-948 0 0,23 320 835 0 0,-29-360 632 0 0,1 27-660 0 0,-9-93-222 0 0,4 126 110 0 0,-3 68 107 0 0,-1-180 112 0 0,0-44-5 0 0,23 242-165 0 0,-18-267 127 0 0,28 93 0 0 0,-13-61 67 0 0,-20-79-56 0 0,0 0 0 0 0,15 34 0 0 0,-18-53-5 0 0,0 1 0 0 0,0-2-1 0 0,1 1 1 0 0,0 0 0 0 0,0-1 0 0 0,1 0-1 0 0,-1 0 1 0 0,2 0 0 0 0,-1-1 0 0 0,1 0-1 0 0,10 7 1 0 0,4 0 0 0 0,2 0 0 0 0,-1-2 0 0 0,2 0 0 0 0,37 11 0 0 0,-44-17 0 0 0,2-1 0 0 0,-1-1 0 0 0,0 0 0 0 0,1-1 0 0 0,-1-1 0 0 0,37-3 0 0 0,14-9 58 0 0,109-31-1 0 0,-170 40-54 0 0,20-5-15 0 0,-1-2 1 0 0,0-1-1 0 0,-1-1 1 0 0,32-19 0 0 0,-44 21 21 0 0,0 0 0 0 0,0-1 0 0 0,-2 0 0 0 0,1-1 1 0 0,-1 0-1 0 0,-1-1 0 0 0,0 0 0 0 0,16-25 0 0 0,-4 1 110 0 0,49-72 120 0 0,-59 90-209 0 0,2 0 1 0 0,0 1-1 0 0,29-24 1 0 0,-27 27-33 0 0,5-3 54 0 0,-1-2 1 0 0,37-41 0 0 0,-33 26-28 0 0,-2-2 0 0 0,-1-1 0 0 0,24-59 0 0 0,22-38 36 0 0,-26 59-49 0 0,27-43-14 0 0,35-40-255 0 0,-40 69 380 0 0,-53 76-104 0 0,0 2 0 0 0,0 0 0 0 0,1 0 0 0 0,25-17 0 0 0,144-101 388 0 0,-155 111-408 0 0,-17 10 0 0 0,0 2 0 0 0,1-1 0 0 0,0 1 0 0 0,0 1 0 0 0,0-1 0 0 0,1 2 0 0 0,0 0 0 0 0,0 0 0 0 0,12-2 0 0 0,-17 6-29 0 0,0-1-1 0 0,0 2 1 0 0,1-1 0 0 0,-1 1-1 0 0,0 0 1 0 0,0 0 0 0 0,0 1-1 0 0,0-1 1 0 0,0 1 0 0 0,0 1-1 0 0,10 5 1 0 0,29 17-63 0 0,-22-12 62 0 0,24 16-1 0 0,-39-24 29 0 0,-1 1-1 0 0,0 0 0 0 0,-1 0 0 0 0,1 1 0 0 0,-1 0 0 0 0,-1 0 0 0 0,6 8 0 0 0,5 13 5 0 0,-2 2-1 0 0,-1 0 1 0 0,10 37-1 0 0,-6-19 53 0 0,-6-16-41 0 0,17 41-14 0 0,6 20 25 0 0,-10-23 5 0 0,-11-32-24 0 0,-2 1-1 0 0,7 45 1 0 0,11 40-8 0 0,-27-117 3 0 0,6 19 0 0 0,0-1 0 0 0,2 0 0 0 0,23 42 0 0 0,-23-49 0 0 0,5 9 0 0 0,25 25 0 0 0,-27-40 39 0 0,1 0 0 0 0,0-1-1 0 0,1-1 1 0 0,0 0-1 0 0,0-1 1 0 0,1-1 0 0 0,0 0-1 0 0,1-1 1 0 0,0-1 0 0 0,25 7-1 0 0,-3-7 391 0 0,-30-5-402 0 0,-1 0-1 0 0,1 0 1 0 0,10 4-1 0 0,-4-1-26 0 0,0 0 0 0 0,28 2 0 0 0,-28-4 0 0 0,-5-1 4 0 0,0-1-1 0 0,0 0 1 0 0,0 0-1 0 0,-1-1 1 0 0,1-1 0 0 0,0 0-1 0 0,16-5 1 0 0,65-30 30 0 0,-78 31-33 0 0,105-52-116 0 0,-97 46 101 0 0,-2 0-1 0 0,0-2 0 0 0,30-27 1 0 0,-30 23 50 0 0,-2-1 0 0 0,0-1 0 0 0,16-24 0 0 0,-20 22-13 0 0,17-35-1 0 0,-2-3-62 0 0,54-86 0 0 0,-64 117 40 0 0,-10 15 0 0 0,0 1 0 0 0,1 0 0 0 0,19-20 0 0 0,36-25 25 0 0,20-20 14 0 0,-61 52-53 0 0,-1-2 0 0 0,31-50 1 0 0,2-17-10 0 0,-45 78 23 0 0,1 0 0 0 0,1 1 0 0 0,0 1 0 0 0,1 0 0 0 0,17-14 0 0 0,-25 25 14 0 0,-1 1 0 0 0,1-1-1 0 0,9-4 1 0 0,3-1 11 0 0,-11 5-31 0 0,0 0-1 0 0,0 1 1 0 0,0 0-1 0 0,1 1 1 0 0,-1-1-1 0 0,1 1 1 0 0,0 1-1 0 0,0-1 1 0 0,0 1-1 0 0,10-1 1 0 0,6 2-42 0 0,43 5 1 0 0,-30-2 44 0 0,-18 0 17 0 0,-1 0 1 0 0,1 1 0 0 0,-1 1-1 0 0,26 11 1 0 0,-43-16-15 0 0,10 5 6 0 0,0 0 0 0 0,-1 0 1 0 0,0 1-1 0 0,0 0 0 0 0,-1 1 0 0 0,0 0 0 0 0,0 0 0 0 0,-1 1 0 0 0,12 14 0 0 0,-9-6-83 0 0,0 0 0 0 0,-2 1-1 0 0,0-1 1 0 0,7 23 0 0 0,-8-23 113 0 0,20 39 188 0 0,-6-12-103 0 0,62 122-121 0 0,-63-126 0 0 0,5 11 0 0 0,5 5 0 0 0,-20-37-58 0 0,0 0-1 0 0,1-1 0 0 0,1-1 1 0 0,25 27-1 0 0,10 14-88 0 0,6 6 379 0 0,36 21-88 0 0,-85-81-143 0 0,-1-1-1 0 0,1 1 0 0 0,0-1 1 0 0,0 0-1 0 0,6 2 1 0 0,9 5-64 0 0,-12-6 75 0 0,0 0 0 0 0,1 0 0 0 0,-1-1 0 0 0,0 0 0 0 0,1-1 0 0 0,-1 0 0 0 0,10 1 0 0 0,21 3 32 0 0,-21-2-44 0 0,1-1 0 0 0,0-1 0 0 0,0-1 0 0 0,28-3 0 0 0,13 0 0 0 0,37-2-39 0 0,-70 3 14 0 0,0-2 0 0 0,0 0-1 0 0,-1-2 0 0 0,1-1 1 0 0,38-15-1 0 0,30-22 147 0 0,-55 25-66 0 0,43-16 0 0 0,-66 30-83 0 0,0-1-1 0 0,0-1 1 0 0,-1-1 0 0 0,0 0-1 0 0,-1-1 1 0 0,0-1 0 0 0,0 0-1 0 0,17-17 1 0 0,40-33 95 0 0,-46 40-43 0 0,0-1-1 0 0,33-38 0 0 0,-16 14-45 0 0,-27 31 40 0 0,-2 0-1 0 0,19-26 1 0 0,2-2 29 0 0,-16 22-30 0 0,-6 5-17 0 0,1 1 0 0 0,0 1 0 0 0,1 0 0 0 0,0 1 0 0 0,25-16 0 0 0,-26 20 0 0 0,0-2 0 0 0,-1 1 0 0 0,0-2 0 0 0,0 0 0 0 0,-1 0 0 0 0,-1-1 0 0 0,0 0 0 0 0,-1-1 0 0 0,0 0 0 0 0,12-24 0 0 0,-10 18 0 0 0,0 1 0 0 0,1 0 0 0 0,21-22 0 0 0,-3-1 0 0 0,-8 8 0 0 0,-12 21 0 0 0,0-1 0 0 0,1 1 0 0 0,15-13 0 0 0,-12 12-68 0 0,-6 6-80 0 0,0 0 1 0 0,1 0-1 0 0,10-5 1 0 0,-16 10 121 0 0,-1 1 0 0 0,1-1 0 0 0,0 1 0 0 0,0 0 0 0 0,0 0 1 0 0,0 0-1 0 0,0 1 0 0 0,0-1 0 0 0,0 1 0 0 0,0-1 0 0 0,0 1 1 0 0,1 0-1 0 0,-1 0 0 0 0,0 1 0 0 0,4 0 0 0 0,0 0 26 0 0,-1 1 0 0 0,1 1 0 0 0,-1-1 0 0 0,1 1 0 0 0,-1 0 0 0 0,0 0 0 0 0,0 1 0 0 0,0-1 0 0 0,-1 1 0 0 0,8 7 0 0 0,-4-4 0 0 0,1 0 0 0 0,11 5 0 0 0,5 4 0 0 0,-17-10 0 0 0,0 0 0 0 0,-1 1 0 0 0,1 0 0 0 0,-1 0 0 0 0,-1 1 0 0 0,1 0 0 0 0,-1 0 0 0 0,11 18 0 0 0,-8-9 0 0 0,-6-11 0 0 0,-1-1 0 0 0,0 1 0 0 0,4 11 0 0 0,-3-7 0 0 0,41 116 34 0 0,-34-100-24 0 0,1 0 0 0 0,25 40 0 0 0,38 64-74 0 0,-56-99 139 0 0,-12-18 20 0 0,16 23-1 0 0,-1-6-111 0 0,24 44-1 0 0,-9-14-124 0 0,-35-56 178 0 0,1-1 0 0 0,0 1 1 0 0,0-1-1 0 0,0 0 0 0 0,0 0 1 0 0,1 0-1 0 0,-1-1 0 0 0,1 1 0 0 0,-1-1 1 0 0,1 0-1 0 0,8 4 0 0 0,2-1 86 0 0,0-1 0 0 0,17 3 0 0 0,5 2-98 0 0,-21-4-11 0 0,0-2 0 0 0,1 0 0 0 0,-1-1-1 0 0,1 0 1 0 0,-1-1 0 0 0,1-1 0 0 0,0 0 0 0 0,0-1-1 0 0,28-6 1 0 0,-39 6-14 0 0,0-1 0 0 0,0 0 0 0 0,1 0 0 0 0,-1 0 0 0 0,0 0 0 0 0,-1-1 0 0 0,1 1 0 0 0,0-1 0 0 0,-1 0-1 0 0,0-1 1 0 0,1 1 0 0 0,-1-1 0 0 0,-1 0 0 0 0,7-7 0 0 0,2-4-49 0 0,-6 5 45 0 0,1 2 0 0 0,0-1 0 0 0,1 1 0 0 0,0 0 0 0 0,13-10 0 0 0,63-48 64 0 0,-57 43-97 0 0,38-26 1 0 0,-42 35 41 0 0,-1-2 1 0 0,-1 0-1 0 0,0-2 0 0 0,-1 0 0 0 0,-1-1 1 0 0,-1-1-1 0 0,-1-1 0 0 0,-1 0 1 0 0,0-2-1 0 0,-2 1 0 0 0,-1-2 0 0 0,0 0 1 0 0,-2 0-1 0 0,9-28 0 0 0,85-249 60 0 0,-88 260-64 0 0,-9 24 0 0 0,11-35 0 0 0,-7 3-7 0 0,60-197-103 0 0,-61 219 104 0 0,27-47-1 0 0,-26 53 10 0 0,0 0 1 0 0,-2-2-1 0 0,12-32 0 0 0,40-237 50 0 0,-46 194-46 0 0,26-143 39 0 0,-20 110-32 0 0,12-51-17 0 0,-14 89 3 0 0,5-21 0 0 0,2-7 0 0 0,-6 24 0 0 0,-16 81 0 0 0,0-1 0 0 0,15-30 0 0 0,-19 46-41 0 0,1 0 0 0 0,-1 0 0 0 0,0-1 0 0 0,0 1-1 0 0,1 0 1 0 0,-1 0 0 0 0,0 0 0 0 0,1 0 0 0 0,-1 1 0 0 0,1-1 0 0 0,-1 0-1 0 0,1 1 1 0 0,0-1 0 0 0,-1 1 0 0 0,1-1 0 0 0,-1 1 0 0 0,1 0-1 0 0,0-1 1 0 0,-1 1 0 0 0,1 0 0 0 0,0 0 0 0 0,2 1 0 0 0,12-3-173 0 0,-9 1 215 0 0,0 0 1 0 0,0 1-1 0 0,0 0 0 0 0,0 0 0 0 0,0 0 0 0 0,14 4 0 0 0,40 13 22 0 0,-40-11-11 0 0,-15-4-10 0 0,0 0 0 0 0,0 1 1 0 0,0 0-1 0 0,-1 0 0 0 0,1 0 0 0 0,-1 1 1 0 0,0-1-1 0 0,0 1 0 0 0,0 0 0 0 0,0 1 1 0 0,-1-1-1 0 0,0 1 0 0 0,0 0 0 0 0,0 0 1 0 0,0 1-1 0 0,2 5 0 0 0,4 9 7 0 0,-1 0-1 0 0,-1 1 0 0 0,7 28 0 0 0,3 7-2 0 0,-9-26-6 0 0,9 44 0 0 0,-7-22 0 0 0,-7-31 0 0 0,2 37 0 0 0,-2-15 0 0 0,3 49 0 0 0,-5 96 0 0 0,-2-113 0 0 0,-7 95 0 0 0,1-1 0 0 0,5-100-2 0 0,5 175-12 0 0,-1-177-42 0 0,13 167-372 0 0,-14-214 421 0 0,21 145 122 0 0,13 30 143 0 0,-22-92-249 0 0,-2-16-205 0 0,-1-15 296 0 0,9 40 65 0 0,-7-43-166 0 0,4 15 18 0 0,20 48 274 0 0,-34-120-296 0 0,0 1 1 0 0,1-1-1 0 0,1 0 1 0 0,0-1-1 0 0,9 16 1 0 0,-11-23 6 0 0,0 0 0 0 0,0 0 0 0 0,0 0 0 0 0,0-1 0 0 0,1 1 0 0 0,-1-1 0 0 0,1 0-1 0 0,0 0 1 0 0,0-1 0 0 0,0 1 0 0 0,1-1 0 0 0,-1 0 0 0 0,1 0 0 0 0,-1 0 0 0 0,1 0 0 0 0,-1-1 0 0 0,8 1 0 0 0,27 3 127 0 0,1-1 0 0 0,0-3 1 0 0,-1-1-1 0 0,42-6 0 0 0,-44 1-531 0 0,36-11 0 0 0,-47 11 466 0 0</inkml:trace>
+  <inkml:trace contextRef="#ctx0" brushRef="#br0">4 5118 1032 0 0,'-4'-10'12736'0'0,"21"17"-11782"0"0,15-8 1 0 0,56-9-1 0 0,-80 9-763 0 0,0-1-1 0 0,-2-1 1 0 0,2 1-1 0 0,-1-1 1 0 0,8-5-1 0 0,2 1 113 0 0,-12 4-248 0 0,-2 1 1 0 0,2-1-1 0 0,0-1 1 0 0,-1 1-1 0 0,1 0 1 0 0,-2-1-1 0 0,1 0 1 0 0,2-5 0 0 0,8-4 190 0 0,-6 3-196 0 0,-2 3-1 0 0,0-1 1 0 0,0-1-1 0 0,7-14 0 0 0,-7 13 72 0 0,0 0-1 0 0,0 0 0 0 0,14-15 0 0 0,49-50 358 0 0,27-11 308 0 0,-79 75-742 0 0,-1 0 0 0 0,1 1 0 0 0,0 0 0 0 0,21-7 0 0 0,-14 6 48 0 0,31-18-1 0 0,-37 19-23 0 0,-10 5-19 0 0,1 0-1 0 0,9-8 0 0 0,37-28 260 0 0,-35 28-154 0 0,25-22 0 0 0,-33 23-154 0 0,46-37 0 0 0,-49 42 0 0 0,0 2 0 0 0,-2-1 0 0 0,3 2 0 0 0,-1-2 0 0 0,15-4 0 0 0,11 0 0 0 0,1 2 0 0 0,50-7 0 0 0,-52 9 0 0 0,-26 4 20 0 0,1 1 0 0 0,0 0 0 0 0,0 0-1 0 0,0 1 1 0 0,-1 0 0 0 0,1 1-1 0 0,0 0 1 0 0,-1 0 0 0 0,2 1 0 0 0,-2 0-1 0 0,0 0 1 0 0,0 0 0 0 0,1 2 0 0 0,12 5-1 0 0,-15-6-19 0 0,0 1 0 0 0,-1 0 0 0 0,1 0 0 0 0,-1 0 0 0 0,0 1 0 0 0,1-1 0 0 0,-1 2 0 0 0,4 7 0 0 0,1 0 0 0 0,-2 2 0 0 0,8 16 0 0 0,-14-25 0 0 0,11 19-266 0 0,26 35 0 0 0,-30-47 113 0 0,-4-5 191 0 0,0 0-1 0 0,2-1 1 0 0,-2 0 0 0 0,3 1-1 0 0,-1-2 1 0 0,-1 0 0 0 0,2 0 0 0 0,1 0-1 0 0,-2 0 1 0 0,15 6 0 0 0,-13-7-89 0 0,-1 0 0 0 0,1 1 0 0 0,-1-1 1 0 0,0 3-1 0 0,0-3 0 0 0,-1 2 0 0 0,7 9 1 0 0,8 6 22 0 0,10 16 132 0 0,30 29 443 0 0,-55-59-538 0 0,-1-1 0 0 0,-1 1 0 0 0,1 0 0 0 0,0 1 0 0 0,3 8 0 0 0,-5-9 0 0 0,-1 1 0 0 0,2-2 1 0 0,-1-1-1 0 0,1 3 0 0 0,1-3 0 0 0,0 1 1 0 0,6 6-1 0 0,1-4 6 0 0,0 0 1 0 0,1 1-1 0 0,-1-3 1 0 0,2 0-1 0 0,-1 0 0 0 0,1-1 1 0 0,-1 0-1 0 0,3-1 1 0 0,-2-1-1 0 0,18 3 0 0 0,7-1 53 0 0,2-1 0 0 0,75-1 0 0 0,-96-5 21 0 0,-1 1 0 0 0,2-3-1 0 0,-2-1 1 0 0,1 1-1 0 0,-1-2 1 0 0,1-1 0 0 0,22-9-1 0 0,-4-1-159 0 0,0-3 0 0 0,54-35 0 0 0,-29 17-56 0 0,-32 19 241 0 0,0-1-1 0 0,-2-2 1 0 0,47-41 0 0 0,-58 44 21 0 0,28-29 221 0 0,23-29-335 0 0,-30 36-21 0 0,1 2 0 0 0,4 2 0 0 0,72-47 0 0 0,-37 36-328 0 0,-75 45 310 0 0,-1-1-1 0 0,2 1 1 0 0,1 0-1 0 0,-1-1 1 0 0,-1 2-1 0 0,1 0 1 0 0,0-1-1 0 0,0 1 1 0 0,1 1-1 0 0,-1 0 1 0 0,0-1-1 0 0,0 1 0 0 0,1 1 1 0 0,-1-1-1 0 0,-1 0 1 0 0,2 1-1 0 0,-1 1 1 0 0,11 3-1 0 0,-7-2-7 0 0,1 1 0 0 0,-3 0 0 0 0,3 1 0 0 0,-2 0-1 0 0,0 0 1 0 0,0 1 0 0 0,0 0 0 0 0,-1 0 0 0 0,-1 0-1 0 0,10 10 1 0 0,-6-5 25 0 0,2 0-1 0 0,0-1 0 0 0,0 0 0 0 0,18 9 1 0 0,-13-8 23 0 0,31 26 0 0 0,-35-26-15 0 0,-2 2 0 0 0,0-1 0 0 0,1 1 0 0 0,-3 1 1 0 0,1 1-1 0 0,7 14 0 0 0,-1 1 235 0 0,-9-15-284 0 0,0-1 0 0 0,8 23 0 0 0,4 13-102 0 0,8 31 288 0 0,-25-67-142 0 0,1 0 1 0 0,0-1 0 0 0,0-1-1 0 0,2 1 1 0 0,1 1 0 0 0,-1-2-1 0 0,1 1 1 0 0,17 18 0 0 0,-20-27-12 0 0,1 1 0 0 0,-1-2 0 0 0,2 2 1 0 0,-1-1-1 0 0,0-1 0 0 0,0 2 0 0 0,1-3 1 0 0,0 1-1 0 0,0 0 0 0 0,7 3 0 0 0,-4-4-13 0 0,1 1 0 0 0,-1-1 0 0 0,2 0-1 0 0,-3-1 1 0 0,3 0 0 0 0,13 0 0 0 0,-19-1 21 0 0,104-3 489 0 0,-84 2-330 0 0,1-2 1 0 0,30-6-1 0 0,2-8-158 0 0,-41 13-35 0 0,-1-2-1 0 0,2 0 0 0 0,22-11 0 0 0,45-32-152 0 0,-49 28 183 0 0,207-139 636 0 0,-237 157-630 0 0,104-79-513 0 0,-44 43 850 0 0,-34 22-188 0 0,-3 2-150 0 0,0 3 0 0 0,57-18 0 0 0,-41 14 0 0 0,-26 11-1 0 0,25-13 13 0 0,56-25-249 0 0,-86 37 148 0 0,0 0-1 0 0,-1-3 1 0 0,0 2 0 0 0,19-17 0 0 0,-24 20 145 0 0,-2-2 0 0 0,2 2 1 0 0,-2 0-1 0 0,2 0 0 0 0,0 1 0 0 0,0 0 0 0 0,-1-1 0 0 0,16-1 0 0 0,0 0 39 0 0,-2 2 0 0 0,26-1 0 0 0,-33 4-92 0 0,-2 0 1 0 0,19 2 0 0 0,-13-1-5 0 0,-13 0 2 0 0,1 0-1 0 0,1 0 1 0 0,-1 1-1 0 0,0 0 1 0 0,-1 0-1 0 0,1 0 1 0 0,0-1-1 0 0,8 8 1 0 0,2 1-2 0 0,21 15 0 0 0,9 8-26 0 0,-32-25-128 0 0,0 3 0 0 0,0-1 0 0 0,-3 0-1 0 0,17 17 1 0 0,47 61 155 0 0,-62-71 94 0 0,15 22 0 0 0,-17-23-13 0 0,-2-3 1 0 0,23 25-1 0 0,-3-12-81 0 0,-15-14 0 0 0,-2 0 0 0 0,0 1 0 0 0,0-1 0 0 0,14 20 0 0 0,-22-22 0 0 0,8 9 0 0 0,1 0 0 0 0,19 23 0 0 0,-2-7 100 0 0,61 51 0 0 0,-81-79-76 0 0,0-1 0 0 0,0 0 0 0 0,1-1 0 0 0,-1 0 0 0 0,2 0 0 0 0,-1 0 0 0 0,0-1 0 0 0,1-1 0 0 0,-1 0 0 0 0,2-1 0 0 0,12 2 0 0 0,3-3 69 0 0,1 0 1 0 0,42-6-1 0 0,-30 2-158 0 0,-26 2 86 0 0,1-1 0 0 0,-1 0 0 0 0,0-2 0 0 0,0 0 0 0 0,0 0 0 0 0,-1-1 0 0 0,1 0 0 0 0,23-15 0 0 0,-13 6-2 0 0,-1-1 0 0 0,-1-1 0 0 0,36-34 0 0 0,-46 36-44 0 0,26-31 0 0 0,-29 32 0 0 0,0-1-1 0 0,1 2 1 0 0,20-17-1 0 0,39-22 26 0 0,-39 32 0 0 0,54-49 0 0 0,-56 45 0 0 0,40-38 86 0 0,21-18 44 0 0,-81 74-156 0 0,0-1 0 0 0,1 1 0 0 0,-1 0 0 0 0,2 1 0 0 0,-1 0 1 0 0,0 0-1 0 0,13-1 0 0 0,-9 1 17 0 0,-5 2 9 0 0,-3 1 0 0 0,3 0 0 0 0,-1 1 0 0 0,1 0 0 0 0,0 0 0 0 0,-1 0 0 0 0,10 2 0 0 0,18 0 0 0 0,-25-2 0 0 0,-1 1 0 0 0,2 0 0 0 0,-2 1 0 0 0,2 1 0 0 0,-2-1 0 0 0,12 5 0 0 0,59 26 0 0 0,-34-12 0 0 0,-33-14 0 0 0,0 1 0 0 0,0-1 0 0 0,-2 2 0 0 0,24 20 0 0 0,-14-11 0 0 0,-18-15 0 0 0,-1-1 0 0 0,1 2 0 0 0,-1 0 0 0 0,3 4 0 0 0,4 5 0 0 0,0-2-27 0 0,12 19-1 0 0,7 6-34 0 0,-2-7 127 0 0,-17-20-41 0 0,0 1-1 0 0,-2 0 0 0 0,2 1 1 0 0,-2 0-1 0 0,9 16 0 0 0,-12-15-29 0 0,10 16-27 0 0,29 46-1 0 0,-25-51 30 0 0,0-1 1 0 0,2-1-1 0 0,26 23 0 0 0,-42-41 11 0 0,1 1-1 0 0,-1 0 1 0 0,1-1-1 0 0,0 1 1 0 0,7 0-1 0 0,0 3 23 0 0,-4-3-17 0 0,1-1 1 0 0,0 1-1 0 0,0-2 0 0 0,0 0 0 0 0,1 0 0 0 0,-1 0 0 0 0,0 0 1 0 0,1-2-1 0 0,10 1 0 0 0,17-3 48 0 0,43-7 0 0 0,-45 4-50 0 0,-8 3-26 0 0,1-2 0 0 0,-1-2 0 0 0,0 0 0 0 0,48-18 0 0 0,29-25 176 0 0,1-1 130 0 0,-82 40-227 0 0,-1-2 1 0 0,-1-1 0 0 0,0-1 0 0 0,-1 1 0 0 0,0-3 0 0 0,-1 0-1 0 0,19-18 1 0 0,-1-2-64 0 0,62-67 0 0 0,-87 87 0 0 0,17-20 0 0 0,-19 20 5 0 0,47-77-16 0 0,-48 76 28 0 0,-2-1-1 0 0,-1 1 1 0 0,9-30-1 0 0,42-183 303 0 0,-53 208-262 0 0,20-36 1 0 0,-14 37 16 0 0,10-39 1 0 0,7-85 152 0 0,-11 46-225 0 0,37-233 62 0 0,-38 204-226 0 0,2-35 366 0 0,-16 128-139 0 0,2-86-157 0 0,8-74 203 0 0,-11 172-162 0 0,-3-22 0 0 0,0-3 23 0 0,-4-33-32 0 0,3-111 60 0 0,3 161 0 0 0,0-26-10 0 0,4-58 133 0 0,5-46-36 0 0,10 2-151 0 0,31-222 356 0 0,-43 302-593 0 0,6-27 967 0 0,0-68-325 0 0,-9 113-307 0 0,3-121-34 0 0,-3 70-157 0 0,4-82 298 0 0,0 59-141 0 0,-4 88 0 0 0,25-226 239 0 0,-17 196-494 0 0,-8 57 267 0 0,0 1 0 0 0,2 2 1 0 0,0-2-1 0 0,11-18 0 0 0,-10 19-9 0 0,5 0-3 0 0,0-3 0 0 0,-13 19 4 0 0,2-1-1 0 0,8-2-43 0 0,-7 3-63 0 0,2 0 1 0 0,0 1-1 0 0,0 0 1 0 0,0 1-1 0 0,-1-1 0 0 0,1 0 1 0 0,0 0-1 0 0,1 0 1 0 0,5 0-1 0 0,5 2 223 0 0,19 2-1 0 0,-22-2-248 0 0,-7-1 77 0 0,1 1 1 0 0,-1 1-1 0 0,-1-1 0 0 0,1 1 1 0 0,0 0-1 0 0,0 1 1 0 0,-1-3-1 0 0,7 7 0 0 0,32 23 153 0 0,-38-25-57 0 0,3 2-59 0 0,-1 0-1 0 0,0 1 1 0 0,0 1 0 0 0,0-1 0 0 0,-1 1 0 0 0,-1-1-1 0 0,1 2 1 0 0,-1-1 0 0 0,5 19 0 0 0,22 76-8 0 0,0 4 27 0 0,22 70-528 0 0,-21-49 705 0 0,-22-80-258 0 0,18 109-57 0 0,-13-58 136 0 0,28 258 82 0 0,-34-258 10 0 0,1 92 234 0 0,-4-50-235 0 0,-5-54-106 0 0,0-65 28 0 0,2 0 1 0 0,1-1 0 0 0,1 0-1 0 0,16 40 1 0 0,-22-61-16 0 0,14 43-48 0 0,-4 1-1 0 0,11 76 1 0 0,-16-82 53 0 0,20 141 125 0 0,9 71 104 0 0,1 62-163 0 0,-16-116-948 0 0,22 271 835 0 0,-28-304 632 0 0,2 22-660 0 0,-8-77-222 0 0,2 106 110 0 0,-1 57 107 0 0,-1-151 112 0 0,-1-38-5 0 0,22 204-165 0 0,-17-225 127 0 0,26 79 0 0 0,-13-52 67 0 0,-17-66-56 0 0,0 0 0 0 0,13 28 0 0 0,-16-44-5 0 0,-1 1 0 0 0,1-3-1 0 0,0 3 1 0 0,1-2 0 0 0,0-1 0 0 0,0 2-1 0 0,0-2 1 0 0,1 2 0 0 0,0-3 0 0 0,0 2-1 0 0,9 5 1 0 0,6 0 0 0 0,-1 0 0 0 0,1-2 0 0 0,1 0 0 0 0,35 9 0 0 0,-42-13 0 0 0,2-2 0 0 0,0 0 0 0 0,-1-1 0 0 0,3 0 0 0 0,-3-1 0 0 0,34-3 0 0 0,14-7 58 0 0,100-27-1 0 0,-156 34-54 0 0,17-3-15 0 0,0-3 1 0 0,0 0-1 0 0,-1-2 1 0 0,30-14 0 0 0,-41 15 21 0 0,0 2 0 0 0,-1-1 0 0 0,0 0 0 0 0,-1-2 1 0 0,1 0-1 0 0,-2 0 0 0 0,0 0 0 0 0,14-21 0 0 0,-2 1 110 0 0,44-61 120 0 0,-53 76-209 0 0,0 0 1 0 0,1 0-1 0 0,26-19 1 0 0,-24 22-33 0 0,4-2 54 0 0,0-2 1 0 0,34-35 0 0 0,-31 23-28 0 0,-2-3 0 0 0,-1 0 0 0 0,23-49 0 0 0,20-33 36 0 0,-25 50-49 0 0,26-37-14 0 0,32-33-255 0 0,-37 58 380 0 0,-50 64-104 0 0,2 2 0 0 0,-1 0 0 0 0,1-1 0 0 0,23-13 0 0 0,133-86 388 0 0,-143 94-408 0 0,-15 8 0 0 0,-1 2 0 0 0,1 0 0 0 0,0-1 0 0 0,1 1 0 0 0,-2 1 0 0 0,3 0 0 0 0,-1 2 0 0 0,0-2 0 0 0,11-2 0 0 0,-15 6-29 0 0,-1-1-1 0 0,1 2 1 0 0,1-1 0 0 0,-3 1-1 0 0,2 0 1 0 0,0 0 0 0 0,0 1-1 0 0,-1-1 1 0 0,0 1 0 0 0,1 0-1 0 0,9 5 1 0 0,26 14-63 0 0,-19-10 62 0 0,21 13-1 0 0,-36-20 29 0 0,0 2-1 0 0,-1-2 0 0 0,0 2 0 0 0,0-1 0 0 0,0 1 0 0 0,-1 0 0 0 0,4 7 0 0 0,7 10 5 0 0,-4 3-1 0 0,0-1 1 0 0,9 31-1 0 0,-5-16 53 0 0,-6-12-41 0 0,16 33-14 0 0,5 17 25 0 0,-9-18 5 0 0,-9-28-24 0 0,-3 0-1 0 0,6 39 1 0 0,11 34-8 0 0,-25-100 3 0 0,5 17 0 0 0,0-1 0 0 0,3 0 0 0 0,20 36 0 0 0,-20-42 0 0 0,3 8 0 0 0,24 21 0 0 0,-25-34 39 0 0,1 0 0 0 0,0-1-1 0 0,1-1 1 0 0,0 0-1 0 0,-1 1 1 0 0,3-3 0 0 0,-2 0-1 0 0,2 1 1 0 0,-1-3 0 0 0,24 7-1 0 0,-3-5 391 0 0,-28-5-402 0 0,0 0-1 0 0,0 0 1 0 0,10 2-1 0 0,-5 1-26 0 0,1-1 0 0 0,25 2 0 0 0,-24-3 0 0 0,-6-1 4 0 0,0-1-1 0 0,0 0 1 0 0,1 0-1 0 0,-3-1 1 0 0,3-1 0 0 0,0 0-1 0 0,13-3 1 0 0,61-26 30 0 0,-71 25-33 0 0,95-42-116 0 0,-89 38 101 0 0,-1 0-1 0 0,0-2 0 0 0,26-23 1 0 0,-25 20 50 0 0,-4-1 0 0 0,0-1 0 0 0,16-20 0 0 0,-19 18-13 0 0,16-28-1 0 0,-3-4-62 0 0,51-72 0 0 0,-59 99 40 0 0,-10 12 0 0 0,0 1 0 0 0,2 0 0 0 0,16-16 0 0 0,35-23 25 0 0,17-15 14 0 0,-55 43-53 0 0,-2-2 0 0 0,28-42 1 0 0,3-13-10 0 0,-42 64 23 0 0,2 1 0 0 0,-1 0 0 0 0,2 2 0 0 0,-1-1 0 0 0,17-11 0 0 0,-23 20 14 0 0,-1 2 0 0 0,0-1-1 0 0,10-4 1 0 0,1-1 11 0 0,-9 5-31 0 0,-1 0-1 0 0,0 0 1 0 0,1 0-1 0 0,0 1 1 0 0,0 0-1 0 0,1 1 1 0 0,-1 0-1 0 0,0-1 1 0 0,1 1-1 0 0,8-1 1 0 0,7 2-42 0 0,38 5 1 0 0,-26-3 44 0 0,-17 0 17 0 0,-2 1 1 0 0,2 1 0 0 0,-2 0-1 0 0,25 9 1 0 0,-40-13-15 0 0,9 5 6 0 0,1-1 0 0 0,-2 0 1 0 0,0 1-1 0 0,0 0 0 0 0,0 1 0 0 0,0 0 0 0 0,-2 0 0 0 0,1 0 0 0 0,10 13 0 0 0,-7-6-83 0 0,-1 1 0 0 0,-2 0-1 0 0,0-1 1 0 0,8 20 0 0 0,-9-19 113 0 0,19 33 188 0 0,-6-12-103 0 0,58 105-121 0 0,-58-107 0 0 0,3 9 0 0 0,6 4 0 0 0,-19-31-58 0 0,0 0-1 0 0,2-1 0 0 0,-1 0 1 0 0,25 22-1 0 0,8 12-88 0 0,6 5 379 0 0,33 18-88 0 0,-78-69-143 0 0,-1 0-1 0 0,0 1 0 0 0,1-2 1 0 0,-1 1-1 0 0,7 1 1 0 0,8 5-64 0 0,-13-6 75 0 0,2 1 0 0 0,1-1 0 0 0,-2 0 0 0 0,0 0 0 0 0,2-1 0 0 0,-2-1 0 0 0,10 2 0 0 0,19 2 32 0 0,-19-1-44 0 0,0-2 0 0 0,1 0 0 0 0,0-1 0 0 0,25-2 0 0 0,12-1 0 0 0,35-1-39 0 0,-65 2 14 0 0,0-1 0 0 0,0 0-1 0 0,-1-2 0 0 0,1-1 1 0 0,35-13-1 0 0,28-18 147 0 0,-51 21-66 0 0,39-13 0 0 0,-60 24-83 0 0,0 1-1 0 0,-1-3 1 0 0,0 1 0 0 0,0 0-1 0 0,-1-3 1 0 0,0 1 0 0 0,0 0-1 0 0,15-15 1 0 0,38-27 95 0 0,-43 33-43 0 0,0-1-1 0 0,30-32 0 0 0,-14 13-45 0 0,-25 25 40 0 0,-2 0-1 0 0,18-22 1 0 0,1-2 29 0 0,-15 20-30 0 0,-4 3-17 0 0,-1 1 0 0 0,2 1 0 0 0,0 1 0 0 0,-1-1 0 0 0,25-12 0 0 0,-26 16 0 0 0,1-1 0 0 0,0 0 0 0 0,-2-1 0 0 0,2 0 0 0 0,-3 0 0 0 0,1-1 0 0 0,-1 0 0 0 0,-1-1 0 0 0,1 0 0 0 0,10-21 0 0 0,-9 16 0 0 0,1 1 0 0 0,-1 0 0 0 0,21-19 0 0 0,-4 0 0 0 0,-6 6 0 0 0,-12 17 0 0 0,0 0 0 0 0,2 1 0 0 0,13-11 0 0 0,-12 10-68 0 0,-4 6-80 0 0,-1-2 1 0 0,1 2-1 0 0,10-5 1 0 0,-15 8 121 0 0,-1 1 0 0 0,1-1 0 0 0,0 1 0 0 0,-1 0 0 0 0,0 1 1 0 0,1 0-1 0 0,0 0 0 0 0,0-1 0 0 0,0 1 0 0 0,0-1 0 0 0,0 1 1 0 0,0 0-1 0 0,0 0 0 0 0,-1 1 0 0 0,5 0 0 0 0,-1-1 26 0 0,0 1 0 0 0,1 2 0 0 0,-2-1 0 0 0,1 1 0 0 0,0-1 0 0 0,0 0 0 0 0,-1 2 0 0 0,0-1 0 0 0,0-1 0 0 0,7 8 0 0 0,-4-4 0 0 0,2-1 0 0 0,9 6 0 0 0,5 2 0 0 0,-16-7 0 0 0,1-2 0 0 0,-2 3 0 0 0,1-2 0 0 0,-1 1 0 0 0,0 1 0 0 0,1 0 0 0 0,-2 0 0 0 0,11 14 0 0 0,-8-6 0 0 0,-6-10 0 0 0,0-1 0 0 0,0 1 0 0 0,3 9 0 0 0,-2-6 0 0 0,37 98 34 0 0,-30-84-24 0 0,0 0 0 0 0,23 34 0 0 0,35 53-74 0 0,-52-82 139 0 0,-10-16 20 0 0,14 19-1 0 0,0-5-111 0 0,21 38-1 0 0,-8-13-124 0 0,-32-47 178 0 0,1 0 0 0 0,0 1 1 0 0,0-2-1 0 0,0 0 0 0 0,-2 1 1 0 0,3 0-1 0 0,-1-2 0 0 0,1 1 0 0 0,-1 0 1 0 0,1 0-1 0 0,7 3 0 0 0,1-1 86 0 0,2 0 0 0 0,14 1 0 0 0,5 4-98 0 0,-19-6-11 0 0,-1 0 0 0 0,3 0 0 0 0,-3-1-1 0 0,2-2 1 0 0,-1 1 0 0 0,1-1 0 0 0,-1 0 0 0 0,1-1-1 0 0,25-4 1 0 0,-35 4-14 0 0,0-1 0 0 0,0 0 0 0 0,0 1 0 0 0,0 0 0 0 0,-1-1 0 0 0,0-1 0 0 0,1 1 0 0 0,-1-1 0 0 0,0 2-1 0 0,0-3 1 0 0,1 1 0 0 0,-2 0 0 0 0,0 0 0 0 0,6-6 0 0 0,3-4-49 0 0,-8 5 45 0 0,3 0 0 0 0,0 1 0 0 0,0 0 0 0 0,0 1 0 0 0,13-9 0 0 0,57-41 64 0 0,-52 36-97 0 0,35-21 1 0 0,-39 29 41 0 0,0-1 1 0 0,-2 0-1 0 0,0-3 0 0 0,0 1 0 0 0,-2-1 1 0 0,0 0-1 0 0,-1-2 0 0 0,-2 0 1 0 0,1-1-1 0 0,-2 0 0 0 0,-1-1 0 0 0,-1 0 1 0 0,0 0-1 0 0,7-24 0 0 0,79-210 60 0 0,-81 219-64 0 0,-9 22 0 0 0,11-31 0 0 0,-7 2-7 0 0,56-165-103 0 0,-58 184 104 0 0,26-39-1 0 0,-23 45 10 0 0,-2-2 1 0 0,0 0-1 0 0,10-27 0 0 0,37-200 50 0 0,-42 164-46 0 0,24-122 39 0 0,-19 94-32 0 0,12-43-17 0 0,-14 75 3 0 0,5-19 0 0 0,2-4 0 0 0,-5 19 0 0 0,-16 68 0 0 0,0 1 0 0 0,15-28 0 0 0,-18 41-41 0 0,1 0 0 0 0,-1-1 0 0 0,0-1 0 0 0,0 1-1 0 0,0 0 1 0 0,0 0 0 0 0,0 0 0 0 0,1 0 0 0 0,-1 1 0 0 0,1-1 0 0 0,-1 0-1 0 0,0 1 1 0 0,1-1 0 0 0,-1 1 0 0 0,1 0 0 0 0,-1 0 0 0 0,1 0-1 0 0,0 0 1 0 0,-1 0 0 0 0,1 0 0 0 0,0 0 0 0 0,2 0 0 0 0,10-1-173 0 0,-7 0 215 0 0,-1 0 1 0 0,0 1-1 0 0,1 0 0 0 0,-1 0 0 0 0,1 0 0 0 0,12 3 0 0 0,37 11 22 0 0,-37-8-11 0 0,-13-5-10 0 0,0 0 0 0 0,0 2 1 0 0,-2 0-1 0 0,1 0 0 0 0,1-2 0 0 0,-1 3 1 0 0,-1-1-1 0 0,1 0 0 0 0,-1 0 0 0 0,1 2 1 0 0,-2-2-1 0 0,1 1 0 0 0,0 1 0 0 0,0-2 1 0 0,0 3-1 0 0,0 3 0 0 0,6 8 7 0 0,-1 0-1 0 0,-2 0 0 0 0,7 25 0 0 0,3 4-2 0 0,-10-20-6 0 0,11 36 0 0 0,-9-18 0 0 0,-5-26 0 0 0,2 31 0 0 0,-3-13 0 0 0,4 42 0 0 0,-5 79 0 0 0,-2-94 0 0 0,-7 81 0 0 0,2-2 0 0 0,4-83-2 0 0,4 146-12 0 0,0-149-42 0 0,12 142-372 0 0,-13-182 421 0 0,18 123 122 0 0,14 25 143 0 0,-21-77-249 0 0,-2-13-205 0 0,-1-14 296 0 0,8 35 65 0 0,-5-38-166 0 0,2 14 18 0 0,19 40 274 0 0,-31-100-296 0 0,0 0 1 0 0,1-1-1 0 0,1 0 1 0 0,-1-1-1 0 0,9 14 1 0 0,-10-20 6 0 0,-1 0 0 0 0,1 1 0 0 0,0 0 0 0 0,0-3 0 0 0,1 3 0 0 0,-2-1 0 0 0,2 0-1 0 0,-1-2 1 0 0,1 1 0 0 0,0 1 0 0 0,1-1 0 0 0,-1 0 0 0 0,-1-2 0 0 0,1 2 0 0 0,1 0 0 0 0,-1-1 0 0 0,7 1 0 0 0,24 2 127 0 0,3-1 0 0 0,-1-2 1 0 0,-2-1-1 0 0,40-5 0 0 0,-40 1-531 0 0,31-10 0 0 0,-42 11 466 0 0</inkml:trace>
 </inkml:ink>
 </file>
 
@@ -2896,7 +3509,7 @@
           <inkml:channelProperty channel="OE" name="resolution" value="1000" units="1/deg"/>
         </inkml:channelProperties>
       </inkml:inkSource>
-      <inkml:timestamp xml:id="ts0" timeString="2023-12-06T10:27:38.982"/>
+      <inkml:timestamp xml:id="ts0" timeString="2023-12-06T20:04:57.636"/>
     </inkml:context>
     <inkml:brush xml:id="br0">
       <inkml:brushProperty name="width" value="0.05" units="cm"/>
@@ -2904,7 +3517,7 @@
       <inkml:brushProperty name="color" value="#004F8B"/>
     </inkml:brush>
   </inkml:definitions>
-  <inkml:trace contextRef="#ctx0" brushRef="#br0">92 735 2936 0 0,'0'0'117'0'0,"-1"1"1"0"0,0 0 0 0 0,0-1-1 0 0,0 1 1 0 0,0-1-1 0 0,0 1 1 0 0,1-1-1 0 0,-1 1 1 0 0,0-1-1 0 0,0 0 1 0 0,0 0 0 0 0,0 1-1 0 0,0-1 1 0 0,0 0-1 0 0,0 0 1 0 0,0 0-1 0 0,-2 0 1 0 0,-4 1 950 0 0,-3 3 87 0 0,1-1-696 0 0,-6 7 1677 0 0,5-4-1209 0 0,9-6-699 0 0,-1 3 304 0 0,1 0 0 0 0,-1 0 0 0 0,0 0 0 0 0,0 0-1 0 0,0-1 1 0 0,0 1 0 0 0,0-1 0 0 0,-4 4 2241 0 0,24-2-2171 0 0,-14-4-533 0 0,-1-1 0 0 0,1 1 0 0 0,0-1 0 0 0,-1 0 0 0 0,1 0 0 0 0,0-1 0 0 0,5-2 0 0 0,17-6 181 0 0,-9 6-120 0 0,-10 3-62 0 0,1-1 0 0 0,0 0 0 0 0,8-5 0 0 0,4 0 58 0 0,-16 6-88 0 0,0-1 0 0 0,1 0 1 0 0,-1 1-1 0 0,0-1 0 0 0,0-1 1 0 0,0 1-1 0 0,5-5 0 0 0,4-5 182 0 0,18-25 0 0 0,-22 27-108 0 0,-1-1 0 0 0,2 1 0 0 0,-1 1 0 0 0,16-12 0 0 0,-18 15 98 0 0,-1 0 0 0 0,12-12 0 0 0,-12 12-178 0 0,0 0-1 0 0,0 0 1 0 0,12-8-1 0 0,-5 4-41 0 0,19-18 0 0 0,11-7-338 0 0,-42 34 364 0 0,8-6 100 0 0,1 0 0 0 0,0 0 0 0 0,1 1 0 0 0,-1 0-1 0 0,1 1 1 0 0,23-7 0 0 0,-5 1-60 0 0,-22 8-40 0 0,0 0 0 0 0,0 1 0 0 0,10-3 0 0 0,-3 2 0 0 0,84-17 155 0 0,16-4 143 0 0,-87 17-144 0 0,-21 5-106 0 0,-1 0-1 0 0,1 1 1 0 0,0-1 0 0 0,10 0-1 0 0,16 0-75 0 0,-26 1-32 0 0,1 0 1 0 0,-1 1 0 0 0,1-1 0 0 0,-1 1 0 0 0,1 1 0 0 0,-1-1-1 0 0,1 1 1 0 0,7 2 0 0 0,75 38 284 0 0,-6-3 159 0 0,-36-17-329 0 0,-1 1 0 0 0,77 51 1 0 0,-73-45-381 0 0,-26-16 228 0 0,37 15 128 0 0,-37-18 18 0 0,31 19 1 0 0,-48-24-39 0 0,1 1 8 0 0,0 0 1 0 0,0-1-1 0 0,0 0 0 0 0,0-1 0 0 0,16 5 0 0 0,17 1-55 0 0,0-1 0 0 0,1-3 0 0 0,76 1 0 0 0,-111-7 5 0 0,0 1-1 0 0,0-1 0 0 0,0 0 0 0 0,-1-1 1 0 0,1 1-1 0 0,0-1 0 0 0,11-6 0 0 0,2-2 108 0 0,20-14 0 0 0,-24 15-71 0 0,-1 0 0 0 0,33-14-1 0 0,242-90 359 0 0,-273 104-307 0 0,-1-1 1 0 0,30-23-1 0 0,-11 7 170 0 0,-23 17-94 0 0,0-2 1 0 0,13-12-1 0 0,11-11 73 0 0,-24 23-126 0 0,-1 0 0 0 0,19-24 0 0 0,-19 21 26 0 0,25-24 1 0 0,-21 24-91 0 0,-1-1-1 0 0,-1 0 0 0 0,0-1 1 0 0,11-19-1 0 0,-19 28-18 0 0,0 1 0 0 0,1 0 1 0 0,0 0-1 0 0,0 0 0 0 0,0 0 0 0 0,13-8 0 0 0,0 2-15 0 0,25-10-1 0 0,16-10-170 0 0,-49 26 174 0 0,-1 2 0 0 0,1-1 0 0 0,1 2 0 0 0,-1-1 0 0 0,0 1 0 0 0,1 1 0 0 0,-1 0 0 0 0,1 1 0 0 0,0 0 0 0 0,12 1 0 0 0,-6 2 42 0 0,-1 0-1 0 0,0 1 0 0 0,1 1 1 0 0,-1 1-1 0 0,18 7 1 0 0,-4-1-11 0 0,-5-3-48 0 0,1 1-59 0 0,31 6 1 0 0,-42-11 41 0 0,-1 1-1 0 0,0 0 0 0 0,0 1 1 0 0,0 0-1 0 0,-1 1 0 0 0,0 1 1 0 0,0 0-1 0 0,23 20 0 0 0,-15-13 75 0 0,2-1-1 0 0,0-1 1 0 0,28 11-1 0 0,-43-20-37 0 0,0 0-2 0 0,6 3 0 0 0,25 14 0 0 0,-27-14 0 0 0,0 0 0 0 0,20 6 0 0 0,-3 0 0 0 0,-21-9 0 0 0,0-1 0 0 0,0 1 0 0 0,0-1 0 0 0,17 3 0 0 0,83 4 0 0 0,-80-6 0 0 0,39 11 0 0 0,73 24 0 0 0,-85-19 0 0 0,-23-11 0 0 0,-11-2 0 0 0,43 6 0 0 0,-31-9 0 0 0,-12-1 0 0 0,28 1 0 0 0,35-1 0 0 0,-48 0 0 0 0,0-2 0 0 0,46-5 0 0 0,-43 1 3 0 0,-22 2-12 0 0,29-6 1 0 0,57-9-4 0 0,-71 12 14 0 0,35-5-2 0 0,0-3 0 0 0,129-42 0 0 0,-171 45 0 0 0,-4 0 0 0 0,0 1 0 0 0,45-8 0 0 0,187-15 216 0 0,-125 29-38 0 0,-68 3-164 0 0,-12 1-139 0 0,54 10 1 0 0,-27-2 37 0 0,-49-7 109 0 0,0 2 1 0 0,-1 1-1 0 0,0 1 0 0 0,0 1 0 0 0,0 1 1 0 0,-1 2-1 0 0,-1 0 0 0 0,0 2 0 0 0,-1 0 0 0 0,0 2 1 0 0,21 17-1 0 0,-43-31-28 0 0,115 83-273 0 0,-87-66 337 0 0,-19-11-24 0 0,1 0 0 0 0,0 0 0 0 0,18 7 0 0 0,128 47-34 0 0,-137-54-1 0 0,-14-5 2 0 0,0 0 1 0 0,0 1 0 0 0,0-1 0 0 0,0 1-1 0 0,0 0 1 0 0,9 7 0 0 0,0 3 32 0 0,-2-3-24 0 0,25 17 1 0 0,-32-24-10 0 0,0 0 0 0 0,0 0 0 0 0,0 0 1 0 0,1-1-1 0 0,-1 0 0 0 0,1-1 0 0 0,11 2 0 0 0,-5-1 26 0 0,62 4-110 0 0,55-3-112 0 0,-102-3 195 0 0,-1-1 0 0 0,39-6 0 0 0,-5 0 0 0 0,-45 5 0 0 0,0-2 0 0 0,0 0 0 0 0,-1 0 0 0 0,1-2 0 0 0,25-12 0 0 0,-22 9 0 0 0,1 1 0 0 0,0 1 0 0 0,26-6 0 0 0,65-6 25 0 0,-42 8-5 0 0,74-21-1 0 0,4-2-100 0 0,-65 18 82 0 0,50-7 154 0 0,-57 11-86 0 0,28-13-109 0 0,13-2-136 0 0,-10 4 170 0 0,-17 2 83 0 0,11 4 29 0 0,77-16-283 0 0,-20 6 177 0 0,-120 20 1 0 0,67-10 10 0 0,45 11 41 0 0,-122 8-71 0 0,-1 0-1 0 0,33 8 0 0 0,-31-4 15 0 0,-14-3 5 0 0,0 1 0 0 0,0 1 0 0 0,0 1 0 0 0,0 0 0 0 0,13 9 0 0 0,27 11 0 0 0,0-2 188 0 0,-37-15-177 0 0,1-1-1 0 0,0-1 1 0 0,29 8 0 0 0,-9-4-15 0 0,70 29-1 0 0,-74-26-254 0 0,55 14 240 0 0,-78-25 19 0 0,1 0 0 0 0,22 2 0 0 0,-21-3 0 0 0,25 5 0 0 0,-24-3 0 0 0,1-1-1 0 0,0-1 0 0 0,24 1 1 0 0,47-3 11 0 0,-36-1 83 0 0,54-3 179 0 0,-87 2-350 0 0,0 0-1 0 0,-1-2 1 0 0,34-10 0 0 0,-42 11 70 0 0,8-3-21 0 0,25-13-1 0 0,7-6 16 0 0,14-9 15 0 0,-46 25 20 0 0,0 2-1 0 0,0-1 0 0 0,1 2 1 0 0,32-8-1 0 0,-28 9 1 0 0,-1-1-1 0 0,36-17 0 0 0,98-54-88 0 0,-13 2 67 0 0,-44 37-40 0 0,-26 11 16 0 0,-35 12 24 0 0,-9 2 0 0 0,1 2 0 0 0,1 1 0 0 0,56-13 0 0 0,-9 15 0 0 0,-65 7 14 0 0,1 0 0 0 0,0 1 0 0 0,0 1-1 0 0,0 0 1 0 0,15 3 0 0 0,-20-2 3 0 0,-1 0 0 0 0,1 1 0 0 0,-1 0 1 0 0,1 0-1 0 0,-1 1 0 0 0,0 0 0 0 0,0 0 0 0 0,7 6 1 0 0,-2-2-19 0 0,0 0 0 0 0,1-1 0 0 0,0-1 0 0 0,0 0 0 0 0,1 0 0 0 0,-1-2 0 0 0,22 6 0 0 0,-19-6 2 0 0,-1 0 1 0 0,0 0-1 0 0,0 1 1 0 0,0 1-1 0 0,-1 1 1 0 0,22 13-1 0 0,-21-11-1 0 0,-1-1 0 0 0,22 10 0 0 0,-10-5 0 0 0,16 15 0 0 0,-5-7-90 0 0,-26-14 65 0 0,1 0 0 0 0,0-1-1 0 0,0-1 1 0 0,15 6 0 0 0,36 14 25 0 0,-26-10 0 0 0,-5-5 67 0 0,53 11-1 0 0,20 6-231 0 0,-45-1 165 0 0,-37-16 0 0 0,24 8 0 0 0,-34-13 0 0 0,0 0 0 0 0,14 8 0 0 0,-17-7 0 0 0,2-1 0 0 0,-1-1 0 0 0,16 6 0 0 0,21 4-2 0 0,-26-7 48 0 0,34 7 0 0 0,92 5-85 0 0,-110-15 28 0 0,159 1-49 0 0,-128-5 48 0 0,8-1 304 0 0,133-18 0 0 0,-109-6-220 0 0,-14 3-16 0 0,-13 4 33 0 0,24-4 46 0 0,29 4-215 0 0,-24-3 124 0 0,-49 10 51 0 0,106-17-42 0 0,-98 20-57 0 0,-19 1 31 0 0,62-1 0 0 0,62-1-453 0 0,-140 8 558 0 0,42 2-1 0 0,-17 0-418 0 0,24 5 452 0 0,-48-3 42 0 0,6-1-180 0 0,-11 0-60 0 0,0 0 0 0 0,41 10 0 0 0,15 7 41 0 0,-24-6 84 0 0,3-1-180 0 0,-3 0 142 0 0,-2 0-184 0 0,-37-9 52 0 0,0 0 0 0 0,23 1 1 0 0,-9-1 85 0 0,-20-2 7 0 0,-1-1-1 0 0,0 0 1 0 0,11-2 0 0 0,12 0 39 0 0,177-12 157 0 0,-196 13-210 0 0,22-4 19 0 0,65-20-1 0 0,0 1 6 0 0,-66 18-24 0 0,48-8-62 0 0,34-7 50 0 0,-23 3-10 0 0,-69 14-29 0 0,1-1-1 0 0,-1-1 1 0 0,-1-1 0 0 0,39-18-1 0 0,-39 15 56 0 0,1 1-1 0 0,0 1 1 0 0,32-6-1 0 0,-1-1 178 0 0,99-26 125 0 0,-127 33-454 0 0,37-12 286 0 0,-34 9 188 0 0,-18 8-288 0 0,-1 0 1 0 0,0-2 0 0 0,0 1 0 0 0,0-1 0 0 0,0 0 0 0 0,-1-1-1 0 0,10-8 1 0 0,-17 12-25 0 0,4-4 1 0 0,1 0-1 0 0,0 1 0 0 0,-1 0 1 0 0,1 0-1 0 0,1 1 1 0 0,-1 0-1 0 0,14-5 1 0 0,7-3 37 0 0,-18 8-53 0 0,0 0 0 0 0,0 0 0 0 0,16-3 0 0 0,87-16 0 0 0,-38 7 0 0 0,-51 12 0 0 0,1 1 0 0 0,45 2 0 0 0,-53 1 0 0 0,-6 0 0 0 0,0 2 0 0 0,-1-1 0 0 0,1 1 0 0 0,13 5 0 0 0,-15-5 0 0 0,-1 2 0 0 0,1-1 0 0 0,0 1 0 0 0,-1 0 0 0 0,0 1 0 0 0,0 0 0 0 0,0 0 0 0 0,-1 1 0 0 0,1-1 0 0 0,-1 2 0 0 0,9 10 0 0 0,-11-11-6 0 0,-1 0 0 0 0,1-1-1 0 0,1 1 1 0 0,-1-1 0 0 0,1 0-1 0 0,0-1 1 0 0,0 1 0 0 0,1-1 0 0 0,-1-1-1 0 0,1 1 1 0 0,0-1 0 0 0,-1 0-1 0 0,16 4 1 0 0,-2 0 18 0 0,0 1 0 0 0,0 2 0 0 0,-1 0 0 0 0,-1 0 0 0 0,24 19 0 0 0,11 5-284 0 0,70 50 507 0 0,-106-74-219 0 0,0-1 1 0 0,21 8-1 0 0,-17-8-12 0 0,-6-2-3 0 0,1-2-1 0 0,0 0 0 0 0,1-1 1 0 0,18 3-1 0 0,68 3-11 0 0,-47-5-52 0 0,80 4 63 0 0,-21-5 0 0 0,180-4 0 0 0,-119-4 0 0 0,5-4 0 0 0,156 8 64 0 0,-240 4-64 0 0,8 4 0 0 0,-13 0 0 0 0,-24-6 0 0 0,-35-1 0 0 0,0 0 0 0 0,45-6 0 0 0,-77 5 0 0 0,19-3 0 0 0,-1-1 0 0 0,30-8 0 0 0,-5 1 28 0 0,-33 9-8 0 0,1 0 0 0 0,18-7 0 0 0,8-4-70 0 0,67-13 1 0 0,14-4 212 0 0,8-20-11 0 0,-101 38-75 0 0,0 2 0 0 0,1 1 0 0 0,29-5 0 0 0,84-11 12 0 0,-77 15-110 0 0,-41 7 21 0 0,0 1 0 0 0,0 1 0 0 0,0 1 0 0 0,-1 0 0 0 0,30 6 0 0 0,-22-3-14 0 0,-21-3 7 0 0,0 1 0 0 0,0 0 0 0 0,0 1 0 0 0,0-1-1 0 0,0 1 1 0 0,11 5 0 0 0,69 40-396 0 0,-49-24 266 0 0,-7-4 76 0 0,-23-13 77 0 0,0 0 0 0 0,1-1 1 0 0,0 0-1 0 0,0 0 0 0 0,12 3 0 0 0,2-2 30 0 0,1 2 0 0 0,-2 1 0 0 0,29 14 0 0 0,-44-19-91 0 0,0-1 0 0 0,16 4 1 0 0,-3-1-6 0 0,-11-4 35 0 0,1 0 0 0 0,-1-1-1 0 0,21-1 1 0 0,-24 0 12 0 0,6-3 3 0 0,-9 2 0 0 0,9-1-40 0 0,7-5 16 0 0,-4 2 24 0 0,-11 3 0 0 0,1 0 0 0 0,0 0 0 0 0,0 1 0 0 0,0 0 0 0 0,0 0 0 0 0,9 0 0 0 0,37-7 53 0 0,-50 8-50 0 0</inkml:trace>
+  <inkml:trace contextRef="#ctx0" brushRef="#br0">85 619 2936 0 0,'0'0'117'0'0,"-1"1"1"0"0,0 0 0 0 0,0-1-1 0 0,0 1 1 0 0,0-1-1 0 0,0 0 1 0 0,1 0-1 0 0,-1 1 1 0 0,0-1-1 0 0,0 0 1 0 0,0 0 0 0 0,0 1-1 0 0,0-1 1 0 0,0 0-1 0 0,1 0 1 0 0,0 0-1 0 0,-3 0 1 0 0,-4 1 950 0 0,-3 2 87 0 0,2 0-696 0 0,-5 5 1677 0 0,3-3-1209 0 0,9-5-699 0 0,-1 3 304 0 0,1-1 0 0 0,-1 1 0 0 0,1-1 0 0 0,-1 1-1 0 0,1-1 1 0 0,-1 0 0 0 0,0 0 0 0 0,-4 3 2241 0 0,22-2-2171 0 0,-12-3-533 0 0,-1-1 0 0 0,1 1 0 0 0,0 0 0 0 0,-2-1 0 0 0,2 0 0 0 0,0-1 0 0 0,4-1 0 0 0,15-6 181 0 0,-6 6-120 0 0,-11 2-62 0 0,1 0 0 0 0,1-1 0 0 0,7-4 0 0 0,3 0 58 0 0,-14 5-88 0 0,0-1 0 0 0,0 1 1 0 0,-1 0-1 0 0,1-1 0 0 0,0 0 1 0 0,0 0-1 0 0,4-4 0 0 0,4-4 182 0 0,16-21 0 0 0,-19 23-108 0 0,-1-2 0 0 0,0 1 0 0 0,1 2 0 0 0,14-10 0 0 0,-17 11 98 0 0,0 2 0 0 0,10-12 0 0 0,-10 12-178 0 0,0-2-1 0 0,-1 1 1 0 0,12-6-1 0 0,-5 2-41 0 0,17-15 0 0 0,11-5-338 0 0,-39 28 364 0 0,7-5 100 0 0,2 0 0 0 0,-2 0 0 0 0,3 1 0 0 0,-2 0-1 0 0,1 1 1 0 0,21-6 0 0 0,-4 1-60 0 0,-20 6-40 0 0,-1 0 0 0 0,1 2 0 0 0,8-3 0 0 0,-1 1 0 0 0,75-14 155 0 0,17-3 143 0 0,-81 14-144 0 0,-20 4-106 0 0,-1 1-1 0 0,2 0 1 0 0,0 0 0 0 0,8-1-1 0 0,16 0-75 0 0,-25 1-32 0 0,2 0 1 0 0,-1 1 0 0 0,0-1 0 0 0,-1 1 0 0 0,2 1 0 0 0,-1-1-1 0 0,0 1 1 0 0,7 2 0 0 0,69 31 284 0 0,-5-2 159 0 0,-34-14-329 0 0,0 0 0 0 0,70 44 1 0 0,-67-38-381 0 0,-24-14 228 0 0,34 13 128 0 0,-34-16 18 0 0,29 17 1 0 0,-45-22-39 0 0,2 3 8 0 0,-1-1 1 0 0,1-1-1 0 0,-1 1 0 0 0,0-1 0 0 0,15 3 0 0 0,16 2-55 0 0,0-1 0 0 0,1-3 0 0 0,70 1 0 0 0,-103-6 5 0 0,1 1-1 0 0,-1-1 0 0 0,1 0 0 0 0,-2-1 1 0 0,1 2-1 0 0,1-2 0 0 0,9-5 0 0 0,3-1 108 0 0,18-12 0 0 0,-22 12-71 0 0,-2 0 0 0 0,32-11-1 0 0,222-76 359 0 0,-251 88-307 0 0,-2-2 1 0 0,29-19-1 0 0,-10 6 170 0 0,-23 15-94 0 0,2-3 1 0 0,10-9-1 0 0,12-9 73 0 0,-23 19-126 0 0,-1-1 0 0 0,17-20 0 0 0,-16 18 26 0 0,22-20 1 0 0,-19 21-91 0 0,-1-2-1 0 0,-2 1 0 0 0,2-2 1 0 0,9-15-1 0 0,-17 23-18 0 0,-1 1 0 0 0,2 0 1 0 0,-1 0-1 0 0,1 0 0 0 0,-1-1 0 0 0,12-5 0 0 0,2 0-15 0 0,21-7-1 0 0,15-8-170 0 0,-45 20 174 0 0,0 2 0 0 0,-1 1 0 0 0,3 0 0 0 0,-2-1 0 0 0,0 2 0 0 0,1 1 0 0 0,-1-1 0 0 0,1 1 0 0 0,1 0 0 0 0,10 1 0 0 0,-6 2 42 0 0,0 0-1 0 0,-1-1 0 0 0,2 3 1 0 0,-1 1-1 0 0,16 5 1 0 0,-3-1-11 0 0,-5-3-48 0 0,0 2-59 0 0,30 5 1 0 0,-39-10 41 0 0,-2 2-1 0 0,2-2 0 0 0,-2 3 1 0 0,1-1-1 0 0,-1 1 0 0 0,0 0 1 0 0,0 1-1 0 0,21 17 0 0 0,-13-12 75 0 0,1 0-1 0 0,0-1 1 0 0,25 9-1 0 0,-38-17-37 0 0,-1 1-2 0 0,6 2 0 0 0,23 12 0 0 0,-25-13 0 0 0,0 2 0 0 0,18 4 0 0 0,-2 0 0 0 0,-20-9 0 0 0,0 1 0 0 0,1 1 0 0 0,-1-2 0 0 0,16 3 0 0 0,77 3 0 0 0,-74-4 0 0 0,35 9 0 0 0,68 20 0 0 0,-78-17 0 0 0,-22-8 0 0 0,-10-2 0 0 0,40 5 0 0 0,-28-8 0 0 0,-12-1 0 0 0,27 2 0 0 0,31-2 0 0 0,-44 1 0 0 0,0-2 0 0 0,43-5 0 0 0,-41 2 3 0 0,-19 1-12 0 0,26-5 1 0 0,53-7-4 0 0,-65 9 14 0 0,32-3-2 0 0,-1-3 0 0 0,120-36 0 0 0,-158 39 0 0 0,-4-1 0 0 0,1 1 0 0 0,41-7 0 0 0,171-11 216 0 0,-114 23-38 0 0,-62 3-164 0 0,-12 1-139 0 0,50 8 1 0 0,-25-2 37 0 0,-45-5 109 0 0,0 0 1 0 0,-1 3-1 0 0,-1-1 0 0 0,1 3 0 0 0,1-1 1 0 0,-2 2-1 0 0,-1 0 0 0 0,0 2 0 0 0,-1 0 0 0 0,1 2 1 0 0,18 14-1 0 0,-39-26-28 0 0,105 69-273 0 0,-78-54 337 0 0,-19-11-24 0 0,1 2 0 0 0,0-2 0 0 0,17 7 0 0 0,117 39-34 0 0,-125-44-1 0 0,-13-5 2 0 0,-1-1 1 0 0,1 1 0 0 0,-1 0 0 0 0,1 1-1 0 0,0-1 1 0 0,7 7 0 0 0,1 2 32 0 0,-2-3-24 0 0,23 15 1 0 0,-29-21-10 0 0,0 1 0 0 0,-2-1 0 0 0,2 1 1 0 0,1-1-1 0 0,-2-1 0 0 0,2 0 0 0 0,9 1 0 0 0,-3 0 26 0 0,55 3-110 0 0,52-2-112 0 0,-94-3 195 0 0,-1-1 0 0 0,36-5 0 0 0,-5 0 0 0 0,-41 5 0 0 0,0-3 0 0 0,-1 1 0 0 0,0-1 0 0 0,1-1 0 0 0,23-10 0 0 0,-21 7 0 0 0,2 2 0 0 0,-1 0 0 0 0,25-5 0 0 0,59-5 25 0 0,-38 7-5 0 0,67-19-1 0 0,5 0-100 0 0,-60 14 82 0 0,45-5 154 0 0,-51 9-86 0 0,25-11-109 0 0,12-2-136 0 0,-10 4 170 0 0,-15 1 83 0 0,11 4 29 0 0,70-14-283 0 0,-19 5 177 0 0,-109 18 1 0 0,61-10 10 0 0,41 11 41 0 0,-112 4-71 0 0,-1 2-1 0 0,30 7 0 0 0,-28-4 15 0 0,-13-2 5 0 0,0 0 0 0 0,0 1 0 0 0,0 2 0 0 0,0-2 0 0 0,12 9 0 0 0,24 9 0 0 0,2-2 188 0 0,-36-13-177 0 0,2 0-1 0 0,-1-1 1 0 0,27 7 0 0 0,-7-4-15 0 0,64 25-1 0 0,-69-23-254 0 0,51 13 240 0 0,-72-21 19 0 0,1-1 0 0 0,21 2 0 0 0,-21-2 0 0 0,24 4 0 0 0,-21-3 0 0 0,-1 0-1 0 0,1-1 0 0 0,21 0 1 0 0,46-2 11 0 0,-36 0 83 0 0,52-4 179 0 0,-82 2-350 0 0,1 0-1 0 0,-2-1 1 0 0,32-8 0 0 0,-38 8 70 0 0,7-2-21 0 0,22-11-1 0 0,8-5 16 0 0,12-8 15 0 0,-43 22 20 0 0,2 1-1 0 0,-2-1 0 0 0,2 2 1 0 0,29-7-1 0 0,-26 8 1 0 0,0-1-1 0 0,33-15 0 0 0,90-45-88 0 0,-13 2 67 0 0,-39 31-40 0 0,-24 10 16 0 0,-33 9 24 0 0,-8 2 0 0 0,1 2 0 0 0,0 1 0 0 0,52-12 0 0 0,-7 13 0 0 0,-61 6 14 0 0,1 0 0 0 0,0 1 0 0 0,0 1-1 0 0,0 0 1 0 0,14 3 0 0 0,-18-2 3 0 0,-2-1 0 0 0,1 1 0 0 0,0 1 1 0 0,1 0-1 0 0,-2 0 0 0 0,0 0 0 0 0,1 1 0 0 0,6 4 1 0 0,-2-1-19 0 0,0 0 0 0 0,2-2 0 0 0,-2 1 0 0 0,2-1 0 0 0,-1 0 0 0 0,1-2 0 0 0,19 5 0 0 0,-18-4 2 0 0,1-1 1 0 0,-1 0-1 0 0,-1 2 1 0 0,2 0-1 0 0,-3 1 1 0 0,22 10-1 0 0,-20-8-1 0 0,-2-1 0 0 0,22 8 0 0 0,-10-4 0 0 0,15 12 0 0 0,-5-4-90 0 0,-24-14 65 0 0,1 1 0 0 0,1-1-1 0 0,-2 0 1 0 0,16 4 0 0 0,32 12 25 0 0,-24-9 0 0 0,-5-3 67 0 0,50 8-1 0 0,18 6-231 0 0,-42-1 165 0 0,-33-13 0 0 0,21 5 0 0 0,-31-9 0 0 0,0-1 0 0 0,13 7 0 0 0,-16-6 0 0 0,3-1 0 0 0,-3-1 0 0 0,17 6 0 0 0,18 2-2 0 0,-24-4 48 0 0,33 5 0 0 0,83 3-85 0 0,-101-11 28 0 0,147 1-49 0 0,-119-5 48 0 0,9-1 304 0 0,122-16 0 0 0,-101-4-220 0 0,-13 3-16 0 0,-12 2 33 0 0,23-2 46 0 0,26 3-215 0 0,-22-3 124 0 0,-45 9 51 0 0,98-15-42 0 0,-91 17-57 0 0,-17 2 31 0 0,56-2 0 0 0,59-1-453 0 0,-130 7 558 0 0,39 2-1 0 0,-17 0-418 0 0,24 4 452 0 0,-45-2 42 0 0,5-2-180 0 0,-10 1-60 0 0,0 0 0 0 0,38 8 0 0 0,15 6 41 0 0,-24-5 84 0 0,4-1-180 0 0,-4 0 142 0 0,0 0-184 0 0,-36-7 52 0 0,2-1 0 0 0,19 1 1 0 0,-7 0 85 0 0,-19-2 7 0 0,0-1-1 0 0,-1 0 1 0 0,11-2 0 0 0,10 0 39 0 0,164-9 157 0 0,-181 10-210 0 0,21-3 19 0 0,59-17-1 0 0,0 0 6 0 0,-61 17-24 0 0,46-8-62 0 0,29-6 50 0 0,-20 3-10 0 0,-64 11-29 0 0,1 0-1 0 0,0-1 1 0 0,-2 0 0 0 0,36-16-1 0 0,-36 11 56 0 0,1 3-1 0 0,1 1 1 0 0,29-6-1 0 0,-2-1 178 0 0,92-22 125 0 0,-117 29-454 0 0,34-11 286 0 0,-31 8 188 0 0,-16 6-288 0 0,-2 1 1 0 0,0-3 0 0 0,0 2 0 0 0,1-1 0 0 0,-2 0 0 0 0,1-1-1 0 0,8-7 1 0 0,-15 10-25 0 0,4-3 1 0 0,0 0-1 0 0,1 1 0 0 0,-2 0 1 0 0,2-1-1 0 0,0 2 1 0 0,0 0-1 0 0,12-5 1 0 0,7-2 37 0 0,-17 6-53 0 0,1 1 0 0 0,-2 0 0 0 0,16-3 0 0 0,81-14 0 0 0,-36 8 0 0 0,-47 8 0 0 0,1 1 0 0 0,41 2 0 0 0,-48 1 0 0 0,-6 0 0 0 0,0 2 0 0 0,0-1 0 0 0,0 1 0 0 0,12 3 0 0 0,-14-3 0 0 0,0 2 0 0 0,0-2 0 0 0,1 1 0 0 0,-2 1 0 0 0,0 0 0 0 0,1 0 0 0 0,-2 1 0 0 0,1-1 0 0 0,1 1 0 0 0,-2 0 0 0 0,9 10 0 0 0,-11-10-6 0 0,0 0 0 0 0,1-1-1 0 0,1 1 1 0 0,-2 0 0 0 0,1-1-1 0 0,1-1 1 0 0,0 1 0 0 0,0 0 0 0 0,-1-2-1 0 0,2 2 1 0 0,0-2 0 0 0,-2 1-1 0 0,15 2 1 0 0,-2 1 18 0 0,1 1 0 0 0,0 1 0 0 0,-2 1 0 0 0,0 0 0 0 0,22 14 0 0 0,10 7-284 0 0,64 40 507 0 0,-98-62-219 0 0,1 0 1 0 0,19 6-1 0 0,-15-6-12 0 0,-7-2-3 0 0,2-2-1 0 0,0 0 0 0 0,1 0 1 0 0,16 2-1 0 0,63 2-11 0 0,-44-4-52 0 0,75 4 63 0 0,-20-5 0 0 0,166-3 0 0 0,-109-3 0 0 0,3-4 0 0 0,145 7 64 0 0,-221 3-64 0 0,6 4 0 0 0,-11 0 0 0 0,-22-5 0 0 0,-33-1 0 0 0,1-1 0 0 0,41-4 0 0 0,-71 4 0 0 0,17-2 0 0 0,0-2 0 0 0,27-6 0 0 0,-5 1 28 0 0,-29 7-8 0 0,0 0 0 0 0,17-5 0 0 0,6-4-70 0 0,63-11 1 0 0,13-3 212 0 0,7-18-11 0 0,-93 33-75 0 0,0 2 0 0 0,1 1 0 0 0,26-5 0 0 0,79-9 12 0 0,-72 13-110 0 0,-38 5 21 0 0,0 1 0 0 0,1 1 0 0 0,-1 1 0 0 0,-1 0 0 0 0,29 6 0 0 0,-21-4-14 0 0,-21-2 7 0 0,2 0 0 0 0,-1 1 0 0 0,1 1 0 0 0,-1-1-1 0 0,0 1 1 0 0,11 3 0 0 0,64 36-396 0 0,-47-22 266 0 0,-6-4 76 0 0,-20-9 77 0 0,-1-2 0 0 0,1 1 1 0 0,1-1-1 0 0,-1 0 0 0 0,11 3 0 0 0,2-2 30 0 0,2 2 0 0 0,-3 1 0 0 0,27 11 0 0 0,-41-16-91 0 0,1 0 0 0 0,14 3 1 0 0,-3-1-6 0 0,-10-4 35 0 0,1 1 0 0 0,-1-1-1 0 0,20-1 1 0 0,-22 0 12 0 0,4-3 3 0 0,-7 2 0 0 0,8 0-40 0 0,6-5 16 0 0,-2 2 24 0 0,-12 2 0 0 0,1 0 0 0 0,1 1 0 0 0,0 0 0 0 0,-1 0 0 0 0,1 0 0 0 0,7 0 0 0 0,35-5 53 0 0,-46 6-50 0 0</inkml:trace>
 </inkml:ink>
 </file>
 
@@ -3055,7 +3668,7 @@
           <a:p>
             <a:fld id="{FA62422C-9AFB-4AD4-A8EF-CF5F4ACA2D0C}" type="datetimeFigureOut">
               <a:rPr lang="de-DE" smtClean="0"/>
-              <a:t>06.12.2023</a:t>
+              <a:t>08.12.2023</a:t>
             </a:fld>
             <a:endParaRPr lang="de-DE"/>
           </a:p>
@@ -3253,7 +3866,7 @@
           <a:p>
             <a:fld id="{FA62422C-9AFB-4AD4-A8EF-CF5F4ACA2D0C}" type="datetimeFigureOut">
               <a:rPr lang="de-DE" smtClean="0"/>
-              <a:t>06.12.2023</a:t>
+              <a:t>08.12.2023</a:t>
             </a:fld>
             <a:endParaRPr lang="de-DE"/>
           </a:p>
@@ -3461,7 +4074,7 @@
           <a:p>
             <a:fld id="{FA62422C-9AFB-4AD4-A8EF-CF5F4ACA2D0C}" type="datetimeFigureOut">
               <a:rPr lang="de-DE" smtClean="0"/>
-              <a:t>06.12.2023</a:t>
+              <a:t>08.12.2023</a:t>
             </a:fld>
             <a:endParaRPr lang="de-DE"/>
           </a:p>
@@ -3531,6 +4144,198 @@
   <p:clrMapOvr>
     <a:masterClrMapping/>
   </p:clrMapOvr>
+</p:sldLayout>
+</file>
+
+<file path=ppt/slideLayouts/slideLayout12.xml><?xml version="1.0" encoding="utf-8"?>
+<p:sldLayout xmlns:a="http://schemas.openxmlformats.org/drawingml/2006/main" xmlns:r="http://schemas.openxmlformats.org/officeDocument/2006/relationships" xmlns:p="http://schemas.openxmlformats.org/presentationml/2006/main" userDrawn="1">
+  <p:cSld name="Title Only">
+    <p:spTree>
+      <p:nvGrpSpPr>
+        <p:cNvPr id="1" name=""/>
+        <p:cNvGrpSpPr/>
+        <p:nvPr/>
+      </p:nvGrpSpPr>
+      <p:grpSpPr>
+        <a:xfrm>
+          <a:off x="0" y="0"/>
+          <a:ext cx="0" cy="0"/>
+          <a:chOff x="0" y="0"/>
+          <a:chExt cx="0" cy="0"/>
+        </a:xfrm>
+      </p:grpSpPr>
+      <p:sp>
+        <p:nvSpPr>
+          <p:cNvPr id="2" name="Title 1">
+            <a:extLst>
+              <a:ext uri="{FF2B5EF4-FFF2-40B4-BE49-F238E27FC236}">
+                <a16:creationId xmlns:a16="http://schemas.microsoft.com/office/drawing/2014/main" id="{D0AAD849-7CFE-4AF7-A7C5-6BBD50C88C1A}"/>
+              </a:ext>
+            </a:extLst>
+          </p:cNvPr>
+          <p:cNvSpPr>
+            <a:spLocks noGrp="1"/>
+          </p:cNvSpPr>
+          <p:nvPr>
+            <p:ph type="title"/>
+          </p:nvPr>
+        </p:nvSpPr>
+        <p:spPr/>
+        <p:txBody>
+          <a:bodyPr/>
+          <a:lstStyle/>
+          <a:p>
+            <a:r>
+              <a:rPr lang="en-US"/>
+              <a:t>Click to edit Master title style</a:t>
+            </a:r>
+          </a:p>
+        </p:txBody>
+      </p:sp>
+    </p:spTree>
+    <p:extLst>
+      <p:ext uri="{BB962C8B-B14F-4D97-AF65-F5344CB8AC3E}">
+        <p14:creationId xmlns:p14="http://schemas.microsoft.com/office/powerpoint/2010/main" val="390252055"/>
+      </p:ext>
+    </p:extLst>
+  </p:cSld>
+  <p:clrMapOvr>
+    <a:masterClrMapping/>
+  </p:clrMapOvr>
+  <p:transition>
+    <p:fade/>
+  </p:transition>
+  <p:extLst>
+    <p:ext uri="{DCECCB84-F9BA-43D5-87BE-67443E8EF086}">
+      <p15:sldGuideLst xmlns:p15="http://schemas.microsoft.com/office/powerpoint/2012/main">
+        <p15:guide id="6" pos="779">
+          <p15:clr>
+            <a:srgbClr val="A4A3A4"/>
+          </p15:clr>
+        </p15:guide>
+        <p15:guide id="7" pos="962">
+          <p15:clr>
+            <a:srgbClr val="A4A3A4"/>
+          </p15:clr>
+        </p15:guide>
+        <p15:guide id="8" pos="1373">
+          <p15:clr>
+            <a:srgbClr val="A4A3A4"/>
+          </p15:clr>
+        </p15:guide>
+        <p15:guide id="9" pos="1556">
+          <p15:clr>
+            <a:srgbClr val="A4A3A4"/>
+          </p15:clr>
+        </p15:guide>
+        <p15:guide id="10" pos="1967">
+          <p15:clr>
+            <a:srgbClr val="A4A3A4"/>
+          </p15:clr>
+        </p15:guide>
+        <p15:guide id="11" pos="2150">
+          <p15:clr>
+            <a:srgbClr val="A4A3A4"/>
+          </p15:clr>
+        </p15:guide>
+        <p15:guide id="12" pos="2561">
+          <p15:clr>
+            <a:srgbClr val="A4A3A4"/>
+          </p15:clr>
+        </p15:guide>
+        <p15:guide id="13" pos="2744">
+          <p15:clr>
+            <a:srgbClr val="A4A3A4"/>
+          </p15:clr>
+        </p15:guide>
+        <p15:guide id="14" pos="3155">
+          <p15:clr>
+            <a:srgbClr val="A4A3A4"/>
+          </p15:clr>
+        </p15:guide>
+        <p15:guide id="15" pos="3338">
+          <p15:clr>
+            <a:srgbClr val="A4A3A4"/>
+          </p15:clr>
+        </p15:guide>
+        <p15:guide id="16" pos="3749">
+          <p15:clr>
+            <a:srgbClr val="A4A3A4"/>
+          </p15:clr>
+        </p15:guide>
+        <p15:guide id="17" pos="3932">
+          <p15:clr>
+            <a:srgbClr val="A4A3A4"/>
+          </p15:clr>
+        </p15:guide>
+        <p15:guide id="18" pos="4343">
+          <p15:clr>
+            <a:srgbClr val="A4A3A4"/>
+          </p15:clr>
+        </p15:guide>
+        <p15:guide id="19" pos="4526">
+          <p15:clr>
+            <a:srgbClr val="A4A3A4"/>
+          </p15:clr>
+        </p15:guide>
+        <p15:guide id="20" pos="4937">
+          <p15:clr>
+            <a:srgbClr val="A4A3A4"/>
+          </p15:clr>
+        </p15:guide>
+        <p15:guide id="21" pos="5120">
+          <p15:clr>
+            <a:srgbClr val="A4A3A4"/>
+          </p15:clr>
+        </p15:guide>
+        <p15:guide id="22" pos="5529">
+          <p15:clr>
+            <a:srgbClr val="A4A3A4"/>
+          </p15:clr>
+        </p15:guide>
+        <p15:guide id="23" pos="5714">
+          <p15:clr>
+            <a:srgbClr val="A4A3A4"/>
+          </p15:clr>
+        </p15:guide>
+        <p15:guide id="24" pos="6123">
+          <p15:clr>
+            <a:srgbClr val="A4A3A4"/>
+          </p15:clr>
+        </p15:guide>
+        <p15:guide id="25" pos="6308">
+          <p15:clr>
+            <a:srgbClr val="A4A3A4"/>
+          </p15:clr>
+        </p15:guide>
+        <p15:guide id="26" pos="6717">
+          <p15:clr>
+            <a:srgbClr val="A4A3A4"/>
+          </p15:clr>
+        </p15:guide>
+        <p15:guide id="27" pos="6900">
+          <p15:clr>
+            <a:srgbClr val="A4A3A4"/>
+          </p15:clr>
+        </p15:guide>
+        <p15:guide id="28" orient="horz" pos="905">
+          <p15:clr>
+            <a:srgbClr val="5ACBF0"/>
+          </p15:clr>
+        </p15:guide>
+        <p15:guide id="29" orient="horz" pos="1271">
+          <p15:clr>
+            <a:srgbClr val="5ACBF0"/>
+          </p15:clr>
+        </p15:guide>
+        <p15:guide id="30" orient="horz" pos="288">
+          <p15:clr>
+            <a:srgbClr val="5ACBF0"/>
+          </p15:clr>
+        </p15:guide>
+      </p15:sldGuideLst>
+    </p:ext>
+  </p:extLst>
 </p:sldLayout>
 </file>
 
@@ -3659,7 +4464,7 @@
           <a:p>
             <a:fld id="{FA62422C-9AFB-4AD4-A8EF-CF5F4ACA2D0C}" type="datetimeFigureOut">
               <a:rPr lang="de-DE" smtClean="0"/>
-              <a:t>06.12.2023</a:t>
+              <a:t>08.12.2023</a:t>
             </a:fld>
             <a:endParaRPr lang="de-DE"/>
           </a:p>
@@ -3934,7 +4739,7 @@
           <a:p>
             <a:fld id="{FA62422C-9AFB-4AD4-A8EF-CF5F4ACA2D0C}" type="datetimeFigureOut">
               <a:rPr lang="de-DE" smtClean="0"/>
-              <a:t>06.12.2023</a:t>
+              <a:t>08.12.2023</a:t>
             </a:fld>
             <a:endParaRPr lang="de-DE"/>
           </a:p>
@@ -4199,7 +5004,7 @@
           <a:p>
             <a:fld id="{FA62422C-9AFB-4AD4-A8EF-CF5F4ACA2D0C}" type="datetimeFigureOut">
               <a:rPr lang="de-DE" smtClean="0"/>
-              <a:t>06.12.2023</a:t>
+              <a:t>08.12.2023</a:t>
             </a:fld>
             <a:endParaRPr lang="de-DE"/>
           </a:p>
@@ -4611,7 +5416,7 @@
           <a:p>
             <a:fld id="{FA62422C-9AFB-4AD4-A8EF-CF5F4ACA2D0C}" type="datetimeFigureOut">
               <a:rPr lang="de-DE" smtClean="0"/>
-              <a:t>06.12.2023</a:t>
+              <a:t>08.12.2023</a:t>
             </a:fld>
             <a:endParaRPr lang="de-DE"/>
           </a:p>
@@ -4752,7 +5557,7 @@
           <a:p>
             <a:fld id="{FA62422C-9AFB-4AD4-A8EF-CF5F4ACA2D0C}" type="datetimeFigureOut">
               <a:rPr lang="de-DE" smtClean="0"/>
-              <a:t>06.12.2023</a:t>
+              <a:t>08.12.2023</a:t>
             </a:fld>
             <a:endParaRPr lang="de-DE"/>
           </a:p>
@@ -4865,7 +5670,7 @@
           <a:p>
             <a:fld id="{FA62422C-9AFB-4AD4-A8EF-CF5F4ACA2D0C}" type="datetimeFigureOut">
               <a:rPr lang="de-DE" smtClean="0"/>
-              <a:t>06.12.2023</a:t>
+              <a:t>08.12.2023</a:t>
             </a:fld>
             <a:endParaRPr lang="de-DE"/>
           </a:p>
@@ -5176,7 +5981,7 @@
           <a:p>
             <a:fld id="{FA62422C-9AFB-4AD4-A8EF-CF5F4ACA2D0C}" type="datetimeFigureOut">
               <a:rPr lang="de-DE" smtClean="0"/>
-              <a:t>06.12.2023</a:t>
+              <a:t>08.12.2023</a:t>
             </a:fld>
             <a:endParaRPr lang="de-DE"/>
           </a:p>
@@ -5464,7 +6269,7 @@
           <a:p>
             <a:fld id="{FA62422C-9AFB-4AD4-A8EF-CF5F4ACA2D0C}" type="datetimeFigureOut">
               <a:rPr lang="de-DE" smtClean="0"/>
-              <a:t>06.12.2023</a:t>
+              <a:t>08.12.2023</a:t>
             </a:fld>
             <a:endParaRPr lang="de-DE"/>
           </a:p>
@@ -5705,7 +6510,7 @@
           <a:p>
             <a:fld id="{FA62422C-9AFB-4AD4-A8EF-CF5F4ACA2D0C}" type="datetimeFigureOut">
               <a:rPr lang="de-DE" smtClean="0"/>
-              <a:t>06.12.2023</a:t>
+              <a:t>08.12.2023</a:t>
             </a:fld>
             <a:endParaRPr lang="de-DE"/>
           </a:p>
@@ -5821,6 +6626,7 @@
     <p:sldLayoutId id="2147483657" r:id="rId9"/>
     <p:sldLayoutId id="2147483658" r:id="rId10"/>
     <p:sldLayoutId id="2147483659" r:id="rId11"/>
+    <p:sldLayoutId id="2147483660" r:id="rId12"/>
   </p:sldLayoutIdLst>
   <p:txStyles>
     <p:titleStyle>
@@ -6122,79 +6928,12 @@
           <a:chExt cx="0" cy="0"/>
         </a:xfrm>
       </p:grpSpPr>
-      <p:pic>
-        <p:nvPicPr>
-          <p:cNvPr id="9" name="Grafik 8">
+      <p:grpSp>
+        <p:nvGrpSpPr>
+          <p:cNvPr id="2" name="Gruppieren 1">
             <a:extLst>
               <a:ext uri="{FF2B5EF4-FFF2-40B4-BE49-F238E27FC236}">
-                <a16:creationId xmlns:a16="http://schemas.microsoft.com/office/drawing/2014/main" id="{9E1190A5-BC1C-D6ED-66AC-F211CC4DEAEB}"/>
-              </a:ext>
-            </a:extLst>
-          </p:cNvPr>
-          <p:cNvPicPr>
-            <a:picLocks noChangeAspect="1"/>
-          </p:cNvPicPr>
-          <p:nvPr/>
-        </p:nvPicPr>
-        <p:blipFill>
-          <a:blip r:embed="rId2"/>
-          <a:stretch>
-            <a:fillRect/>
-          </a:stretch>
-        </p:blipFill>
-        <p:spPr>
-          <a:xfrm>
-            <a:off x="4723459" y="3023333"/>
-            <a:ext cx="2619316" cy="1156678"/>
-          </a:xfrm>
-          <a:prstGeom prst="rect">
-            <a:avLst/>
-          </a:prstGeom>
-        </p:spPr>
-      </p:pic>
-      <p:sp>
-        <p:nvSpPr>
-          <p:cNvPr id="6" name="Textfeld 5">
-            <a:extLst>
-              <a:ext uri="{FF2B5EF4-FFF2-40B4-BE49-F238E27FC236}">
-                <a16:creationId xmlns:a16="http://schemas.microsoft.com/office/drawing/2014/main" id="{D0F0AB2C-0CA4-FC21-098B-765049C9E670}"/>
-              </a:ext>
-            </a:extLst>
-          </p:cNvPr>
-          <p:cNvSpPr txBox="1"/>
-          <p:nvPr/>
-        </p:nvSpPr>
-        <p:spPr>
-          <a:xfrm>
-            <a:off x="323557" y="370450"/>
-            <a:ext cx="3662606" cy="369332"/>
-          </a:xfrm>
-          <a:prstGeom prst="rect">
-            <a:avLst/>
-          </a:prstGeom>
-          <a:noFill/>
-        </p:spPr>
-        <p:txBody>
-          <a:bodyPr wrap="none" rtlCol="0">
-            <a:spAutoFit/>
-          </a:bodyPr>
-          <a:lstStyle/>
-          <a:p>
-            <a:r>
-              <a:rPr lang="de-DE">
-                <a:latin typeface="Aptos SemiBold" panose="020B0004020202020204" pitchFamily="34" charset="0"/>
-              </a:rPr>
-              <a:t>Usage with API Key Authentication</a:t>
-            </a:r>
-          </a:p>
-        </p:txBody>
-      </p:sp>
-      <p:grpSp>
-        <p:nvGrpSpPr>
-          <p:cNvPr id="76" name="Gruppieren 75">
-            <a:extLst>
-              <a:ext uri="{FF2B5EF4-FFF2-40B4-BE49-F238E27FC236}">
-                <a16:creationId xmlns:a16="http://schemas.microsoft.com/office/drawing/2014/main" id="{90F115F8-40C4-CCDB-3CA4-74FD90F7FB3E}"/>
+                <a16:creationId xmlns:a16="http://schemas.microsoft.com/office/drawing/2014/main" id="{FDE4A29F-7226-5043-DA1C-8AE8CF367345}"/>
               </a:ext>
             </a:extLst>
           </p:cNvPr>
@@ -6203,18 +6942,48 @@
         </p:nvGrpSpPr>
         <p:grpSpPr>
           <a:xfrm>
-            <a:off x="640315" y="1248059"/>
-            <a:ext cx="1624034" cy="1342486"/>
-            <a:chOff x="637712" y="1290260"/>
-            <a:chExt cx="1624034" cy="1342486"/>
+            <a:off x="323557" y="370450"/>
+            <a:ext cx="11233161" cy="5952718"/>
+            <a:chOff x="323557" y="370450"/>
+            <a:chExt cx="11233161" cy="5952718"/>
           </a:xfrm>
         </p:grpSpPr>
+        <p:pic>
+          <p:nvPicPr>
+            <p:cNvPr id="9" name="Grafik 8">
+              <a:extLst>
+                <a:ext uri="{FF2B5EF4-FFF2-40B4-BE49-F238E27FC236}">
+                  <a16:creationId xmlns:a16="http://schemas.microsoft.com/office/drawing/2014/main" id="{9E1190A5-BC1C-D6ED-66AC-F211CC4DEAEB}"/>
+                </a:ext>
+              </a:extLst>
+            </p:cNvPr>
+            <p:cNvPicPr>
+              <a:picLocks noChangeAspect="1"/>
+            </p:cNvPicPr>
+            <p:nvPr/>
+          </p:nvPicPr>
+          <p:blipFill>
+            <a:blip r:embed="rId2"/>
+            <a:stretch>
+              <a:fillRect/>
+            </a:stretch>
+          </p:blipFill>
+          <p:spPr>
+            <a:xfrm>
+              <a:off x="4723459" y="3023333"/>
+              <a:ext cx="2619316" cy="1156678"/>
+            </a:xfrm>
+            <a:prstGeom prst="rect">
+              <a:avLst/>
+            </a:prstGeom>
+          </p:spPr>
+        </p:pic>
         <p:sp>
           <p:nvSpPr>
-            <p:cNvPr id="65" name="Textfeld 64">
+            <p:cNvPr id="6" name="Textfeld 5">
               <a:extLst>
                 <a:ext uri="{FF2B5EF4-FFF2-40B4-BE49-F238E27FC236}">
-                  <a16:creationId xmlns:a16="http://schemas.microsoft.com/office/drawing/2014/main" id="{ABDDD441-F8F4-B627-4B57-9E568E23ADD9}"/>
+                  <a16:creationId xmlns:a16="http://schemas.microsoft.com/office/drawing/2014/main" id="{D0F0AB2C-0CA4-FC21-098B-765049C9E670}"/>
                 </a:ext>
               </a:extLst>
             </p:cNvPr>
@@ -6223,8 +6992,666 @@
           </p:nvSpPr>
           <p:spPr>
             <a:xfrm>
-              <a:off x="637712" y="2324969"/>
-              <a:ext cx="1624034" cy="307777"/>
+              <a:off x="323557" y="370450"/>
+              <a:ext cx="3662606" cy="369332"/>
+            </a:xfrm>
+            <a:prstGeom prst="rect">
+              <a:avLst/>
+            </a:prstGeom>
+            <a:noFill/>
+          </p:spPr>
+          <p:txBody>
+            <a:bodyPr wrap="none" rtlCol="0">
+              <a:spAutoFit/>
+            </a:bodyPr>
+            <a:lstStyle/>
+            <a:p>
+              <a:r>
+                <a:rPr lang="de-DE">
+                  <a:latin typeface="Aptos SemiBold" panose="020B0004020202020204" pitchFamily="34" charset="0"/>
+                </a:rPr>
+                <a:t>Usage with API Key Authentication</a:t>
+              </a:r>
+            </a:p>
+          </p:txBody>
+        </p:sp>
+        <p:grpSp>
+          <p:nvGrpSpPr>
+            <p:cNvPr id="76" name="Gruppieren 75">
+              <a:extLst>
+                <a:ext uri="{FF2B5EF4-FFF2-40B4-BE49-F238E27FC236}">
+                  <a16:creationId xmlns:a16="http://schemas.microsoft.com/office/drawing/2014/main" id="{90F115F8-40C4-CCDB-3CA4-74FD90F7FB3E}"/>
+                </a:ext>
+              </a:extLst>
+            </p:cNvPr>
+            <p:cNvGrpSpPr/>
+            <p:nvPr/>
+          </p:nvGrpSpPr>
+          <p:grpSpPr>
+            <a:xfrm>
+              <a:off x="640315" y="1248059"/>
+              <a:ext cx="1624034" cy="1342486"/>
+              <a:chOff x="637712" y="1290260"/>
+              <a:chExt cx="1624034" cy="1342486"/>
+            </a:xfrm>
+          </p:grpSpPr>
+          <p:sp>
+            <p:nvSpPr>
+              <p:cNvPr id="65" name="Textfeld 64">
+                <a:extLst>
+                  <a:ext uri="{FF2B5EF4-FFF2-40B4-BE49-F238E27FC236}">
+                    <a16:creationId xmlns:a16="http://schemas.microsoft.com/office/drawing/2014/main" id="{ABDDD441-F8F4-B627-4B57-9E568E23ADD9}"/>
+                  </a:ext>
+                </a:extLst>
+              </p:cNvPr>
+              <p:cNvSpPr txBox="1"/>
+              <p:nvPr/>
+            </p:nvSpPr>
+            <p:spPr>
+              <a:xfrm>
+                <a:off x="637712" y="2324969"/>
+                <a:ext cx="1624034" cy="307777"/>
+              </a:xfrm>
+              <a:prstGeom prst="rect">
+                <a:avLst/>
+              </a:prstGeom>
+              <a:noFill/>
+            </p:spPr>
+            <p:txBody>
+              <a:bodyPr wrap="none" rtlCol="0">
+                <a:spAutoFit/>
+              </a:bodyPr>
+              <a:lstStyle/>
+              <a:p>
+                <a:pPr algn="ctr"/>
+                <a:r>
+                  <a:rPr lang="de-DE" sz="1400">
+                    <a:latin typeface="+mj-lt"/>
+                  </a:rPr>
+                  <a:t>Team or Use Case 1</a:t>
+                </a:r>
+              </a:p>
+            </p:txBody>
+          </p:sp>
+          <p:grpSp>
+            <p:nvGrpSpPr>
+              <p:cNvPr id="66" name="Gruppieren 65">
+                <a:extLst>
+                  <a:ext uri="{FF2B5EF4-FFF2-40B4-BE49-F238E27FC236}">
+                    <a16:creationId xmlns:a16="http://schemas.microsoft.com/office/drawing/2014/main" id="{C210C720-CB34-3140-BA39-99E8CA556F47}"/>
+                  </a:ext>
+                </a:extLst>
+              </p:cNvPr>
+              <p:cNvGrpSpPr/>
+              <p:nvPr/>
+            </p:nvGrpSpPr>
+            <p:grpSpPr>
+              <a:xfrm>
+                <a:off x="955479" y="1290260"/>
+                <a:ext cx="988500" cy="958575"/>
+                <a:chOff x="4630454" y="2001311"/>
+                <a:chExt cx="988500" cy="958575"/>
+              </a:xfrm>
+            </p:grpSpPr>
+            <p:pic>
+              <p:nvPicPr>
+                <p:cNvPr id="67" name="Grafik 66">
+                  <a:extLst>
+                    <a:ext uri="{FF2B5EF4-FFF2-40B4-BE49-F238E27FC236}">
+                      <a16:creationId xmlns:a16="http://schemas.microsoft.com/office/drawing/2014/main" id="{DC330DA2-4B77-1657-771C-FE4BED583253}"/>
+                    </a:ext>
+                  </a:extLst>
+                </p:cNvPr>
+                <p:cNvPicPr>
+                  <a:picLocks noChangeAspect="1"/>
+                </p:cNvPicPr>
+                <p:nvPr/>
+              </p:nvPicPr>
+              <p:blipFill>
+                <a:blip r:embed="rId3">
+                  <a:extLst>
+                    <a:ext uri="{28A0092B-C50C-407E-A947-70E740481C1C}">
+                      <a14:useLocalDpi xmlns:a14="http://schemas.microsoft.com/office/drawing/2010/main" val="0"/>
+                    </a:ext>
+                    <a:ext uri="{96DAC541-7B7A-43D3-8B79-37D633B846F1}">
+                      <asvg:svgBlip xmlns:asvg="http://schemas.microsoft.com/office/drawing/2016/SVG/main" r:embed="rId4"/>
+                    </a:ext>
+                  </a:extLst>
+                </a:blip>
+                <a:stretch>
+                  <a:fillRect/>
+                </a:stretch>
+              </p:blipFill>
+              <p:spPr>
+                <a:xfrm>
+                  <a:off x="5186954" y="2095886"/>
+                  <a:ext cx="432000" cy="432000"/>
+                </a:xfrm>
+                <a:prstGeom prst="rect">
+                  <a:avLst/>
+                </a:prstGeom>
+              </p:spPr>
+            </p:pic>
+            <p:pic>
+              <p:nvPicPr>
+                <p:cNvPr id="68" name="Grafik 67">
+                  <a:extLst>
+                    <a:ext uri="{FF2B5EF4-FFF2-40B4-BE49-F238E27FC236}">
+                      <a16:creationId xmlns:a16="http://schemas.microsoft.com/office/drawing/2014/main" id="{A97B5D1D-2D0A-1D6E-C1C0-09C3EECF5953}"/>
+                    </a:ext>
+                  </a:extLst>
+                </p:cNvPr>
+                <p:cNvPicPr>
+                  <a:picLocks noChangeAspect="1"/>
+                </p:cNvPicPr>
+                <p:nvPr/>
+              </p:nvPicPr>
+              <p:blipFill>
+                <a:blip r:embed="rId3">
+                  <a:extLst>
+                    <a:ext uri="{28A0092B-C50C-407E-A947-70E740481C1C}">
+                      <a14:useLocalDpi xmlns:a14="http://schemas.microsoft.com/office/drawing/2010/main" val="0"/>
+                    </a:ext>
+                    <a:ext uri="{96DAC541-7B7A-43D3-8B79-37D633B846F1}">
+                      <asvg:svgBlip xmlns:asvg="http://schemas.microsoft.com/office/drawing/2016/SVG/main" r:embed="rId4"/>
+                    </a:ext>
+                  </a:extLst>
+                </a:blip>
+                <a:stretch>
+                  <a:fillRect/>
+                </a:stretch>
+              </p:blipFill>
+              <p:spPr>
+                <a:xfrm>
+                  <a:off x="4767426" y="2527886"/>
+                  <a:ext cx="432000" cy="432000"/>
+                </a:xfrm>
+                <a:prstGeom prst="rect">
+                  <a:avLst/>
+                </a:prstGeom>
+              </p:spPr>
+            </p:pic>
+            <p:pic>
+              <p:nvPicPr>
+                <p:cNvPr id="69" name="Grafik 68">
+                  <a:extLst>
+                    <a:ext uri="{FF2B5EF4-FFF2-40B4-BE49-F238E27FC236}">
+                      <a16:creationId xmlns:a16="http://schemas.microsoft.com/office/drawing/2014/main" id="{470FA15B-A5CE-F80E-55DE-40053FA3DF8B}"/>
+                    </a:ext>
+                  </a:extLst>
+                </p:cNvPr>
+                <p:cNvPicPr>
+                  <a:picLocks noChangeAspect="1"/>
+                </p:cNvPicPr>
+                <p:nvPr/>
+              </p:nvPicPr>
+              <p:blipFill>
+                <a:blip r:embed="rId3">
+                  <a:extLst>
+                    <a:ext uri="{28A0092B-C50C-407E-A947-70E740481C1C}">
+                      <a14:useLocalDpi xmlns:a14="http://schemas.microsoft.com/office/drawing/2010/main" val="0"/>
+                    </a:ext>
+                    <a:ext uri="{96DAC541-7B7A-43D3-8B79-37D633B846F1}">
+                      <asvg:svgBlip xmlns:asvg="http://schemas.microsoft.com/office/drawing/2016/SVG/main" r:embed="rId4"/>
+                    </a:ext>
+                  </a:extLst>
+                </a:blip>
+                <a:stretch>
+                  <a:fillRect/>
+                </a:stretch>
+              </p:blipFill>
+              <p:spPr>
+                <a:xfrm>
+                  <a:off x="4630454" y="2001311"/>
+                  <a:ext cx="432000" cy="432000"/>
+                </a:xfrm>
+                <a:prstGeom prst="rect">
+                  <a:avLst/>
+                </a:prstGeom>
+              </p:spPr>
+            </p:pic>
+          </p:grpSp>
+        </p:grpSp>
+        <p:grpSp>
+          <p:nvGrpSpPr>
+            <p:cNvPr id="77" name="Gruppieren 76">
+              <a:extLst>
+                <a:ext uri="{FF2B5EF4-FFF2-40B4-BE49-F238E27FC236}">
+                  <a16:creationId xmlns:a16="http://schemas.microsoft.com/office/drawing/2014/main" id="{6CDC44FF-9320-D787-B1E2-A6651861ABF5}"/>
+                </a:ext>
+              </a:extLst>
+            </p:cNvPr>
+            <p:cNvGrpSpPr/>
+            <p:nvPr/>
+          </p:nvGrpSpPr>
+          <p:grpSpPr>
+            <a:xfrm>
+              <a:off x="494441" y="3114370"/>
+              <a:ext cx="1769908" cy="1342486"/>
+              <a:chOff x="564776" y="1290260"/>
+              <a:chExt cx="1769908" cy="1342486"/>
+            </a:xfrm>
+          </p:grpSpPr>
+          <p:sp>
+            <p:nvSpPr>
+              <p:cNvPr id="78" name="Textfeld 77">
+                <a:extLst>
+                  <a:ext uri="{FF2B5EF4-FFF2-40B4-BE49-F238E27FC236}">
+                    <a16:creationId xmlns:a16="http://schemas.microsoft.com/office/drawing/2014/main" id="{F2930615-A725-0063-CDDE-69B4E00D415B}"/>
+                  </a:ext>
+                </a:extLst>
+              </p:cNvPr>
+              <p:cNvSpPr txBox="1"/>
+              <p:nvPr/>
+            </p:nvSpPr>
+            <p:spPr>
+              <a:xfrm>
+                <a:off x="564776" y="2324969"/>
+                <a:ext cx="1769908" cy="307777"/>
+              </a:xfrm>
+              <a:prstGeom prst="rect">
+                <a:avLst/>
+              </a:prstGeom>
+              <a:noFill/>
+            </p:spPr>
+            <p:txBody>
+              <a:bodyPr wrap="none" rtlCol="0">
+                <a:spAutoFit/>
+              </a:bodyPr>
+              <a:lstStyle/>
+              <a:p>
+                <a:pPr algn="ctr"/>
+                <a:r>
+                  <a:rPr lang="de-DE" sz="1400">
+                    <a:latin typeface="+mj-lt"/>
+                  </a:rPr>
+                  <a:t>Team or Use Case [...]</a:t>
+                </a:r>
+              </a:p>
+            </p:txBody>
+          </p:sp>
+          <p:grpSp>
+            <p:nvGrpSpPr>
+              <p:cNvPr id="79" name="Gruppieren 78">
+                <a:extLst>
+                  <a:ext uri="{FF2B5EF4-FFF2-40B4-BE49-F238E27FC236}">
+                    <a16:creationId xmlns:a16="http://schemas.microsoft.com/office/drawing/2014/main" id="{01AB1AA7-10B7-1D18-2567-5CD2EFE2EB1E}"/>
+                  </a:ext>
+                </a:extLst>
+              </p:cNvPr>
+              <p:cNvGrpSpPr/>
+              <p:nvPr/>
+            </p:nvGrpSpPr>
+            <p:grpSpPr>
+              <a:xfrm>
+                <a:off x="955479" y="1290260"/>
+                <a:ext cx="988500" cy="958575"/>
+                <a:chOff x="4630454" y="2001311"/>
+                <a:chExt cx="988500" cy="958575"/>
+              </a:xfrm>
+            </p:grpSpPr>
+            <p:pic>
+              <p:nvPicPr>
+                <p:cNvPr id="80" name="Grafik 79">
+                  <a:extLst>
+                    <a:ext uri="{FF2B5EF4-FFF2-40B4-BE49-F238E27FC236}">
+                      <a16:creationId xmlns:a16="http://schemas.microsoft.com/office/drawing/2014/main" id="{E4C98348-9B0C-8F94-55DD-17B61AE438DD}"/>
+                    </a:ext>
+                  </a:extLst>
+                </p:cNvPr>
+                <p:cNvPicPr>
+                  <a:picLocks noChangeAspect="1"/>
+                </p:cNvPicPr>
+                <p:nvPr/>
+              </p:nvPicPr>
+              <p:blipFill>
+                <a:blip r:embed="rId3">
+                  <a:extLst>
+                    <a:ext uri="{28A0092B-C50C-407E-A947-70E740481C1C}">
+                      <a14:useLocalDpi xmlns:a14="http://schemas.microsoft.com/office/drawing/2010/main" val="0"/>
+                    </a:ext>
+                    <a:ext uri="{96DAC541-7B7A-43D3-8B79-37D633B846F1}">
+                      <asvg:svgBlip xmlns:asvg="http://schemas.microsoft.com/office/drawing/2016/SVG/main" r:embed="rId4"/>
+                    </a:ext>
+                  </a:extLst>
+                </a:blip>
+                <a:stretch>
+                  <a:fillRect/>
+                </a:stretch>
+              </p:blipFill>
+              <p:spPr>
+                <a:xfrm>
+                  <a:off x="5186954" y="2095886"/>
+                  <a:ext cx="432000" cy="432000"/>
+                </a:xfrm>
+                <a:prstGeom prst="rect">
+                  <a:avLst/>
+                </a:prstGeom>
+              </p:spPr>
+            </p:pic>
+            <p:pic>
+              <p:nvPicPr>
+                <p:cNvPr id="81" name="Grafik 80">
+                  <a:extLst>
+                    <a:ext uri="{FF2B5EF4-FFF2-40B4-BE49-F238E27FC236}">
+                      <a16:creationId xmlns:a16="http://schemas.microsoft.com/office/drawing/2014/main" id="{FEFC1C75-4E4C-EF0E-7CE8-263593F3C05F}"/>
+                    </a:ext>
+                  </a:extLst>
+                </p:cNvPr>
+                <p:cNvPicPr>
+                  <a:picLocks noChangeAspect="1"/>
+                </p:cNvPicPr>
+                <p:nvPr/>
+              </p:nvPicPr>
+              <p:blipFill>
+                <a:blip r:embed="rId3">
+                  <a:extLst>
+                    <a:ext uri="{28A0092B-C50C-407E-A947-70E740481C1C}">
+                      <a14:useLocalDpi xmlns:a14="http://schemas.microsoft.com/office/drawing/2010/main" val="0"/>
+                    </a:ext>
+                    <a:ext uri="{96DAC541-7B7A-43D3-8B79-37D633B846F1}">
+                      <asvg:svgBlip xmlns:asvg="http://schemas.microsoft.com/office/drawing/2016/SVG/main" r:embed="rId4"/>
+                    </a:ext>
+                  </a:extLst>
+                </a:blip>
+                <a:stretch>
+                  <a:fillRect/>
+                </a:stretch>
+              </p:blipFill>
+              <p:spPr>
+                <a:xfrm>
+                  <a:off x="4767426" y="2527886"/>
+                  <a:ext cx="432000" cy="432000"/>
+                </a:xfrm>
+                <a:prstGeom prst="rect">
+                  <a:avLst/>
+                </a:prstGeom>
+              </p:spPr>
+            </p:pic>
+            <p:pic>
+              <p:nvPicPr>
+                <p:cNvPr id="82" name="Grafik 81">
+                  <a:extLst>
+                    <a:ext uri="{FF2B5EF4-FFF2-40B4-BE49-F238E27FC236}">
+                      <a16:creationId xmlns:a16="http://schemas.microsoft.com/office/drawing/2014/main" id="{8AE1F31B-E836-7471-3A3C-731B551CDE1A}"/>
+                    </a:ext>
+                  </a:extLst>
+                </p:cNvPr>
+                <p:cNvPicPr>
+                  <a:picLocks noChangeAspect="1"/>
+                </p:cNvPicPr>
+                <p:nvPr/>
+              </p:nvPicPr>
+              <p:blipFill>
+                <a:blip r:embed="rId3">
+                  <a:extLst>
+                    <a:ext uri="{28A0092B-C50C-407E-A947-70E740481C1C}">
+                      <a14:useLocalDpi xmlns:a14="http://schemas.microsoft.com/office/drawing/2010/main" val="0"/>
+                    </a:ext>
+                    <a:ext uri="{96DAC541-7B7A-43D3-8B79-37D633B846F1}">
+                      <asvg:svgBlip xmlns:asvg="http://schemas.microsoft.com/office/drawing/2016/SVG/main" r:embed="rId4"/>
+                    </a:ext>
+                  </a:extLst>
+                </a:blip>
+                <a:stretch>
+                  <a:fillRect/>
+                </a:stretch>
+              </p:blipFill>
+              <p:spPr>
+                <a:xfrm>
+                  <a:off x="4630454" y="2001311"/>
+                  <a:ext cx="432000" cy="432000"/>
+                </a:xfrm>
+                <a:prstGeom prst="rect">
+                  <a:avLst/>
+                </a:prstGeom>
+              </p:spPr>
+            </p:pic>
+          </p:grpSp>
+        </p:grpSp>
+        <p:grpSp>
+          <p:nvGrpSpPr>
+            <p:cNvPr id="83" name="Gruppieren 82">
+              <a:extLst>
+                <a:ext uri="{FF2B5EF4-FFF2-40B4-BE49-F238E27FC236}">
+                  <a16:creationId xmlns:a16="http://schemas.microsoft.com/office/drawing/2014/main" id="{A48CF68D-06EF-09C6-36F2-608ACB1D9834}"/>
+                </a:ext>
+              </a:extLst>
+            </p:cNvPr>
+            <p:cNvGrpSpPr/>
+            <p:nvPr/>
+          </p:nvGrpSpPr>
+          <p:grpSpPr>
+            <a:xfrm>
+              <a:off x="643521" y="4980682"/>
+              <a:ext cx="1620828" cy="1342486"/>
+              <a:chOff x="639315" y="1290260"/>
+              <a:chExt cx="1620828" cy="1342486"/>
+            </a:xfrm>
+          </p:grpSpPr>
+          <p:sp>
+            <p:nvSpPr>
+              <p:cNvPr id="84" name="Textfeld 83">
+                <a:extLst>
+                  <a:ext uri="{FF2B5EF4-FFF2-40B4-BE49-F238E27FC236}">
+                    <a16:creationId xmlns:a16="http://schemas.microsoft.com/office/drawing/2014/main" id="{7AE63BF4-3F5A-7871-AA7E-7B4C14E12EFC}"/>
+                  </a:ext>
+                </a:extLst>
+              </p:cNvPr>
+              <p:cNvSpPr txBox="1"/>
+              <p:nvPr/>
+            </p:nvSpPr>
+            <p:spPr>
+              <a:xfrm>
+                <a:off x="639315" y="2324969"/>
+                <a:ext cx="1620828" cy="307777"/>
+              </a:xfrm>
+              <a:prstGeom prst="rect">
+                <a:avLst/>
+              </a:prstGeom>
+              <a:noFill/>
+            </p:spPr>
+            <p:txBody>
+              <a:bodyPr wrap="none" rtlCol="0">
+                <a:spAutoFit/>
+              </a:bodyPr>
+              <a:lstStyle/>
+              <a:p>
+                <a:pPr algn="ctr"/>
+                <a:r>
+                  <a:rPr lang="de-DE" sz="1400">
+                    <a:latin typeface="+mj-lt"/>
+                  </a:rPr>
+                  <a:t>Team or Use Case n</a:t>
+                </a:r>
+              </a:p>
+            </p:txBody>
+          </p:sp>
+          <p:grpSp>
+            <p:nvGrpSpPr>
+              <p:cNvPr id="85" name="Gruppieren 84">
+                <a:extLst>
+                  <a:ext uri="{FF2B5EF4-FFF2-40B4-BE49-F238E27FC236}">
+                    <a16:creationId xmlns:a16="http://schemas.microsoft.com/office/drawing/2014/main" id="{4B7FD8E3-3C20-6E20-B804-62319E3AED97}"/>
+                  </a:ext>
+                </a:extLst>
+              </p:cNvPr>
+              <p:cNvGrpSpPr/>
+              <p:nvPr/>
+            </p:nvGrpSpPr>
+            <p:grpSpPr>
+              <a:xfrm>
+                <a:off x="955479" y="1290260"/>
+                <a:ext cx="988500" cy="958575"/>
+                <a:chOff x="4630454" y="2001311"/>
+                <a:chExt cx="988500" cy="958575"/>
+              </a:xfrm>
+            </p:grpSpPr>
+            <p:pic>
+              <p:nvPicPr>
+                <p:cNvPr id="86" name="Grafik 85">
+                  <a:extLst>
+                    <a:ext uri="{FF2B5EF4-FFF2-40B4-BE49-F238E27FC236}">
+                      <a16:creationId xmlns:a16="http://schemas.microsoft.com/office/drawing/2014/main" id="{E4FFE52C-1A03-71E9-4581-7419E3320E69}"/>
+                    </a:ext>
+                  </a:extLst>
+                </p:cNvPr>
+                <p:cNvPicPr>
+                  <a:picLocks noChangeAspect="1"/>
+                </p:cNvPicPr>
+                <p:nvPr/>
+              </p:nvPicPr>
+              <p:blipFill>
+                <a:blip r:embed="rId3">
+                  <a:extLst>
+                    <a:ext uri="{28A0092B-C50C-407E-A947-70E740481C1C}">
+                      <a14:useLocalDpi xmlns:a14="http://schemas.microsoft.com/office/drawing/2010/main" val="0"/>
+                    </a:ext>
+                    <a:ext uri="{96DAC541-7B7A-43D3-8B79-37D633B846F1}">
+                      <asvg:svgBlip xmlns:asvg="http://schemas.microsoft.com/office/drawing/2016/SVG/main" r:embed="rId4"/>
+                    </a:ext>
+                  </a:extLst>
+                </a:blip>
+                <a:stretch>
+                  <a:fillRect/>
+                </a:stretch>
+              </p:blipFill>
+              <p:spPr>
+                <a:xfrm>
+                  <a:off x="5186954" y="2095886"/>
+                  <a:ext cx="432000" cy="432000"/>
+                </a:xfrm>
+                <a:prstGeom prst="rect">
+                  <a:avLst/>
+                </a:prstGeom>
+              </p:spPr>
+            </p:pic>
+            <p:pic>
+              <p:nvPicPr>
+                <p:cNvPr id="87" name="Grafik 86">
+                  <a:extLst>
+                    <a:ext uri="{FF2B5EF4-FFF2-40B4-BE49-F238E27FC236}">
+                      <a16:creationId xmlns:a16="http://schemas.microsoft.com/office/drawing/2014/main" id="{61AB668C-B3D3-0B2B-BDDA-0EEB847AE88C}"/>
+                    </a:ext>
+                  </a:extLst>
+                </p:cNvPr>
+                <p:cNvPicPr>
+                  <a:picLocks noChangeAspect="1"/>
+                </p:cNvPicPr>
+                <p:nvPr/>
+              </p:nvPicPr>
+              <p:blipFill>
+                <a:blip r:embed="rId3">
+                  <a:extLst>
+                    <a:ext uri="{28A0092B-C50C-407E-A947-70E740481C1C}">
+                      <a14:useLocalDpi xmlns:a14="http://schemas.microsoft.com/office/drawing/2010/main" val="0"/>
+                    </a:ext>
+                    <a:ext uri="{96DAC541-7B7A-43D3-8B79-37D633B846F1}">
+                      <asvg:svgBlip xmlns:asvg="http://schemas.microsoft.com/office/drawing/2016/SVG/main" r:embed="rId4"/>
+                    </a:ext>
+                  </a:extLst>
+                </a:blip>
+                <a:stretch>
+                  <a:fillRect/>
+                </a:stretch>
+              </p:blipFill>
+              <p:spPr>
+                <a:xfrm>
+                  <a:off x="4767426" y="2527886"/>
+                  <a:ext cx="432000" cy="432000"/>
+                </a:xfrm>
+                <a:prstGeom prst="rect">
+                  <a:avLst/>
+                </a:prstGeom>
+              </p:spPr>
+            </p:pic>
+            <p:pic>
+              <p:nvPicPr>
+                <p:cNvPr id="88" name="Grafik 87">
+                  <a:extLst>
+                    <a:ext uri="{FF2B5EF4-FFF2-40B4-BE49-F238E27FC236}">
+                      <a16:creationId xmlns:a16="http://schemas.microsoft.com/office/drawing/2014/main" id="{D956BB73-953E-642D-6290-5BFAAD2F6964}"/>
+                    </a:ext>
+                  </a:extLst>
+                </p:cNvPr>
+                <p:cNvPicPr>
+                  <a:picLocks noChangeAspect="1"/>
+                </p:cNvPicPr>
+                <p:nvPr/>
+              </p:nvPicPr>
+              <p:blipFill>
+                <a:blip r:embed="rId3">
+                  <a:extLst>
+                    <a:ext uri="{28A0092B-C50C-407E-A947-70E740481C1C}">
+                      <a14:useLocalDpi xmlns:a14="http://schemas.microsoft.com/office/drawing/2010/main" val="0"/>
+                    </a:ext>
+                    <a:ext uri="{96DAC541-7B7A-43D3-8B79-37D633B846F1}">
+                      <asvg:svgBlip xmlns:asvg="http://schemas.microsoft.com/office/drawing/2016/SVG/main" r:embed="rId4"/>
+                    </a:ext>
+                  </a:extLst>
+                </a:blip>
+                <a:stretch>
+                  <a:fillRect/>
+                </a:stretch>
+              </p:blipFill>
+              <p:spPr>
+                <a:xfrm>
+                  <a:off x="4630454" y="2001311"/>
+                  <a:ext cx="432000" cy="432000"/>
+                </a:xfrm>
+                <a:prstGeom prst="rect">
+                  <a:avLst/>
+                </a:prstGeom>
+              </p:spPr>
+            </p:pic>
+          </p:grpSp>
+        </p:grpSp>
+        <p:pic>
+          <p:nvPicPr>
+            <p:cNvPr id="93" name="Grafik 92">
+              <a:extLst>
+                <a:ext uri="{FF2B5EF4-FFF2-40B4-BE49-F238E27FC236}">
+                  <a16:creationId xmlns:a16="http://schemas.microsoft.com/office/drawing/2014/main" id="{11DB466D-549C-FC45-E857-F24F9276B72E}"/>
+                </a:ext>
+              </a:extLst>
+            </p:cNvPr>
+            <p:cNvPicPr>
+              <a:picLocks noChangeAspect="1"/>
+            </p:cNvPicPr>
+            <p:nvPr/>
+          </p:nvPicPr>
+          <p:blipFill>
+            <a:blip r:embed="rId5"/>
+            <a:stretch>
+              <a:fillRect/>
+            </a:stretch>
+          </p:blipFill>
+          <p:spPr>
+            <a:xfrm>
+              <a:off x="10252880" y="3042029"/>
+              <a:ext cx="854954" cy="870594"/>
+            </a:xfrm>
+            <a:prstGeom prst="rect">
+              <a:avLst/>
+            </a:prstGeom>
+          </p:spPr>
+        </p:pic>
+        <p:sp>
+          <p:nvSpPr>
+            <p:cNvPr id="94" name="Textfeld 93">
+              <a:extLst>
+                <a:ext uri="{FF2B5EF4-FFF2-40B4-BE49-F238E27FC236}">
+                  <a16:creationId xmlns:a16="http://schemas.microsoft.com/office/drawing/2014/main" id="{E6A59CC6-5E19-B105-1323-04991FD6E399}"/>
+                </a:ext>
+              </a:extLst>
+            </p:cNvPr>
+            <p:cNvSpPr txBox="1"/>
+            <p:nvPr/>
+          </p:nvSpPr>
+          <p:spPr>
+            <a:xfrm>
+              <a:off x="9803995" y="3968206"/>
+              <a:ext cx="1752723" cy="307777"/>
             </a:xfrm>
             <a:prstGeom prst="rect">
               <a:avLst/>
@@ -6242,176 +7669,185 @@
                 <a:rPr lang="de-DE" sz="1400">
                   <a:latin typeface="+mj-lt"/>
                 </a:rPr>
-                <a:t>Team or Use Case 1</a:t>
+                <a:t>Azure OpenAI Service</a:t>
               </a:r>
             </a:p>
           </p:txBody>
         </p:sp>
-        <p:grpSp>
-          <p:nvGrpSpPr>
-            <p:cNvPr id="66" name="Gruppieren 65">
+        <p:cxnSp>
+          <p:nvCxnSpPr>
+            <p:cNvPr id="108" name="Gerade Verbindung mit Pfeil 107">
               <a:extLst>
                 <a:ext uri="{FF2B5EF4-FFF2-40B4-BE49-F238E27FC236}">
-                  <a16:creationId xmlns:a16="http://schemas.microsoft.com/office/drawing/2014/main" id="{C210C720-CB34-3140-BA39-99E8CA556F47}"/>
+                  <a16:creationId xmlns:a16="http://schemas.microsoft.com/office/drawing/2014/main" id="{67B15BB3-2F84-F9D4-ADC5-B9C2FFEC917F}"/>
                 </a:ext>
               </a:extLst>
             </p:cNvPr>
-            <p:cNvGrpSpPr/>
+            <p:cNvCxnSpPr>
+              <a:cxnSpLocks/>
+            </p:cNvCxnSpPr>
             <p:nvPr/>
-          </p:nvGrpSpPr>
-          <p:grpSpPr>
+          </p:nvCxnSpPr>
+          <p:spPr>
             <a:xfrm>
-              <a:off x="955479" y="1290260"/>
-              <a:ext cx="988500" cy="958575"/>
-              <a:chOff x="4630454" y="2001311"/>
-              <a:chExt cx="988500" cy="958575"/>
+              <a:off x="2281785" y="1917927"/>
+              <a:ext cx="2366740" cy="1250709"/>
             </a:xfrm>
-          </p:grpSpPr>
-          <p:pic>
-            <p:nvPicPr>
-              <p:cNvPr id="67" name="Grafik 66">
-                <a:extLst>
-                  <a:ext uri="{FF2B5EF4-FFF2-40B4-BE49-F238E27FC236}">
-                    <a16:creationId xmlns:a16="http://schemas.microsoft.com/office/drawing/2014/main" id="{DC330DA2-4B77-1657-771C-FE4BED583253}"/>
-                  </a:ext>
-                </a:extLst>
-              </p:cNvPr>
-              <p:cNvPicPr>
-                <a:picLocks noChangeAspect="1"/>
-              </p:cNvPicPr>
-              <p:nvPr/>
-            </p:nvPicPr>
-            <p:blipFill>
-              <a:blip r:embed="rId3">
-                <a:extLst>
-                  <a:ext uri="{28A0092B-C50C-407E-A947-70E740481C1C}">
-                    <a14:useLocalDpi xmlns:a14="http://schemas.microsoft.com/office/drawing/2010/main" val="0"/>
-                  </a:ext>
-                  <a:ext uri="{96DAC541-7B7A-43D3-8B79-37D633B846F1}">
-                    <asvg:svgBlip xmlns:asvg="http://schemas.microsoft.com/office/drawing/2016/SVG/main" r:embed="rId4"/>
-                  </a:ext>
-                </a:extLst>
-              </a:blip>
-              <a:stretch>
-                <a:fillRect/>
-              </a:stretch>
-            </p:blipFill>
-            <p:spPr>
-              <a:xfrm>
-                <a:off x="5186954" y="2095886"/>
-                <a:ext cx="432000" cy="432000"/>
-              </a:xfrm>
-              <a:prstGeom prst="rect">
-                <a:avLst/>
-              </a:prstGeom>
-            </p:spPr>
-          </p:pic>
-          <p:pic>
-            <p:nvPicPr>
-              <p:cNvPr id="68" name="Grafik 67">
-                <a:extLst>
-                  <a:ext uri="{FF2B5EF4-FFF2-40B4-BE49-F238E27FC236}">
-                    <a16:creationId xmlns:a16="http://schemas.microsoft.com/office/drawing/2014/main" id="{A97B5D1D-2D0A-1D6E-C1C0-09C3EECF5953}"/>
-                  </a:ext>
-                </a:extLst>
-              </p:cNvPr>
-              <p:cNvPicPr>
-                <a:picLocks noChangeAspect="1"/>
-              </p:cNvPicPr>
-              <p:nvPr/>
-            </p:nvPicPr>
-            <p:blipFill>
-              <a:blip r:embed="rId3">
-                <a:extLst>
-                  <a:ext uri="{28A0092B-C50C-407E-A947-70E740481C1C}">
-                    <a14:useLocalDpi xmlns:a14="http://schemas.microsoft.com/office/drawing/2010/main" val="0"/>
-                  </a:ext>
-                  <a:ext uri="{96DAC541-7B7A-43D3-8B79-37D633B846F1}">
-                    <asvg:svgBlip xmlns:asvg="http://schemas.microsoft.com/office/drawing/2016/SVG/main" r:embed="rId4"/>
-                  </a:ext>
-                </a:extLst>
-              </a:blip>
-              <a:stretch>
-                <a:fillRect/>
-              </a:stretch>
-            </p:blipFill>
-            <p:spPr>
-              <a:xfrm>
-                <a:off x="4767426" y="2527886"/>
-                <a:ext cx="432000" cy="432000"/>
-              </a:xfrm>
-              <a:prstGeom prst="rect">
-                <a:avLst/>
-              </a:prstGeom>
-            </p:spPr>
-          </p:pic>
-          <p:pic>
-            <p:nvPicPr>
-              <p:cNvPr id="69" name="Grafik 68">
-                <a:extLst>
-                  <a:ext uri="{FF2B5EF4-FFF2-40B4-BE49-F238E27FC236}">
-                    <a16:creationId xmlns:a16="http://schemas.microsoft.com/office/drawing/2014/main" id="{470FA15B-A5CE-F80E-55DE-40053FA3DF8B}"/>
-                  </a:ext>
-                </a:extLst>
-              </p:cNvPr>
-              <p:cNvPicPr>
-                <a:picLocks noChangeAspect="1"/>
-              </p:cNvPicPr>
-              <p:nvPr/>
-            </p:nvPicPr>
-            <p:blipFill>
-              <a:blip r:embed="rId3">
-                <a:extLst>
-                  <a:ext uri="{28A0092B-C50C-407E-A947-70E740481C1C}">
-                    <a14:useLocalDpi xmlns:a14="http://schemas.microsoft.com/office/drawing/2010/main" val="0"/>
-                  </a:ext>
-                  <a:ext uri="{96DAC541-7B7A-43D3-8B79-37D633B846F1}">
-                    <asvg:svgBlip xmlns:asvg="http://schemas.microsoft.com/office/drawing/2016/SVG/main" r:embed="rId4"/>
-                  </a:ext>
-                </a:extLst>
-              </a:blip>
-              <a:stretch>
-                <a:fillRect/>
-              </a:stretch>
-            </p:blipFill>
-            <p:spPr>
-              <a:xfrm>
-                <a:off x="4630454" y="2001311"/>
-                <a:ext cx="432000" cy="432000"/>
-              </a:xfrm>
-              <a:prstGeom prst="rect">
-                <a:avLst/>
-              </a:prstGeom>
-            </p:spPr>
-          </p:pic>
-        </p:grpSp>
-      </p:grpSp>
-      <p:grpSp>
-        <p:nvGrpSpPr>
-          <p:cNvPr id="77" name="Gruppieren 76">
-            <a:extLst>
-              <a:ext uri="{FF2B5EF4-FFF2-40B4-BE49-F238E27FC236}">
-                <a16:creationId xmlns:a16="http://schemas.microsoft.com/office/drawing/2014/main" id="{6CDC44FF-9320-D787-B1E2-A6651861ABF5}"/>
-              </a:ext>
-            </a:extLst>
-          </p:cNvPr>
-          <p:cNvGrpSpPr/>
-          <p:nvPr/>
-        </p:nvGrpSpPr>
-        <p:grpSpPr>
-          <a:xfrm>
-            <a:off x="494441" y="3114370"/>
-            <a:ext cx="1769908" cy="1342486"/>
-            <a:chOff x="564776" y="1290260"/>
-            <a:chExt cx="1769908" cy="1342486"/>
-          </a:xfrm>
-        </p:grpSpPr>
+            <a:prstGeom prst="bentConnector3">
+              <a:avLst>
+                <a:gd name="adj1" fmla="val 50000"/>
+              </a:avLst>
+            </a:prstGeom>
+            <a:ln>
+              <a:tailEnd type="triangle"/>
+            </a:ln>
+          </p:spPr>
+          <p:style>
+            <a:lnRef idx="2">
+              <a:schemeClr val="accent1"/>
+            </a:lnRef>
+            <a:fillRef idx="0">
+              <a:schemeClr val="accent1"/>
+            </a:fillRef>
+            <a:effectRef idx="1">
+              <a:schemeClr val="accent1"/>
+            </a:effectRef>
+            <a:fontRef idx="minor">
+              <a:schemeClr val="tx1"/>
+            </a:fontRef>
+          </p:style>
+        </p:cxnSp>
+        <p:cxnSp>
+          <p:nvCxnSpPr>
+            <p:cNvPr id="111" name="Gerade Verbindung mit Pfeil 110">
+              <a:extLst>
+                <a:ext uri="{FF2B5EF4-FFF2-40B4-BE49-F238E27FC236}">
+                  <a16:creationId xmlns:a16="http://schemas.microsoft.com/office/drawing/2014/main" id="{1A1224D7-F545-E599-AF85-37700D72E638}"/>
+                </a:ext>
+              </a:extLst>
+            </p:cNvPr>
+            <p:cNvCxnSpPr>
+              <a:cxnSpLocks/>
+            </p:cNvCxnSpPr>
+            <p:nvPr/>
+          </p:nvCxnSpPr>
+          <p:spPr>
+            <a:xfrm>
+              <a:off x="2613873" y="3603726"/>
+              <a:ext cx="2034652" cy="0"/>
+            </a:xfrm>
+            <a:prstGeom prst="straightConnector1">
+              <a:avLst/>
+            </a:prstGeom>
+            <a:ln>
+              <a:tailEnd type="triangle"/>
+            </a:ln>
+          </p:spPr>
+          <p:style>
+            <a:lnRef idx="2">
+              <a:schemeClr val="accent1"/>
+            </a:lnRef>
+            <a:fillRef idx="0">
+              <a:schemeClr val="accent1"/>
+            </a:fillRef>
+            <a:effectRef idx="1">
+              <a:schemeClr val="accent1"/>
+            </a:effectRef>
+            <a:fontRef idx="minor">
+              <a:schemeClr val="tx1"/>
+            </a:fontRef>
+          </p:style>
+        </p:cxnSp>
+        <p:cxnSp>
+          <p:nvCxnSpPr>
+            <p:cNvPr id="113" name="Gerade Verbindung mit Pfeil 112">
+              <a:extLst>
+                <a:ext uri="{FF2B5EF4-FFF2-40B4-BE49-F238E27FC236}">
+                  <a16:creationId xmlns:a16="http://schemas.microsoft.com/office/drawing/2014/main" id="{47EB9567-7020-19FC-E523-5F76B01A822A}"/>
+                </a:ext>
+              </a:extLst>
+            </p:cNvPr>
+            <p:cNvCxnSpPr>
+              <a:cxnSpLocks/>
+            </p:cNvCxnSpPr>
+            <p:nvPr/>
+          </p:nvCxnSpPr>
+          <p:spPr>
+            <a:xfrm flipV="1">
+              <a:off x="2251754" y="4054189"/>
+              <a:ext cx="2396771" cy="1453068"/>
+            </a:xfrm>
+            <a:prstGeom prst="bentConnector3">
+              <a:avLst>
+                <a:gd name="adj1" fmla="val 50000"/>
+              </a:avLst>
+            </a:prstGeom>
+            <a:ln>
+              <a:tailEnd type="triangle"/>
+            </a:ln>
+          </p:spPr>
+          <p:style>
+            <a:lnRef idx="2">
+              <a:schemeClr val="accent1"/>
+            </a:lnRef>
+            <a:fillRef idx="0">
+              <a:schemeClr val="accent1"/>
+            </a:fillRef>
+            <a:effectRef idx="1">
+              <a:schemeClr val="accent1"/>
+            </a:effectRef>
+            <a:fontRef idx="minor">
+              <a:schemeClr val="tx1"/>
+            </a:fontRef>
+          </p:style>
+        </p:cxnSp>
+        <p:cxnSp>
+          <p:nvCxnSpPr>
+            <p:cNvPr id="116" name="Gerade Verbindung mit Pfeil 115">
+              <a:extLst>
+                <a:ext uri="{FF2B5EF4-FFF2-40B4-BE49-F238E27FC236}">
+                  <a16:creationId xmlns:a16="http://schemas.microsoft.com/office/drawing/2014/main" id="{EEF7D622-CD8A-6750-DC45-E2B7473CB5EF}"/>
+                </a:ext>
+              </a:extLst>
+            </p:cNvPr>
+            <p:cNvCxnSpPr>
+              <a:cxnSpLocks/>
+            </p:cNvCxnSpPr>
+            <p:nvPr/>
+          </p:nvCxnSpPr>
+          <p:spPr>
+            <a:xfrm>
+              <a:off x="7344102" y="3617550"/>
+              <a:ext cx="2522040" cy="23395"/>
+            </a:xfrm>
+            <a:prstGeom prst="straightConnector1">
+              <a:avLst/>
+            </a:prstGeom>
+            <a:ln>
+              <a:tailEnd type="triangle"/>
+            </a:ln>
+          </p:spPr>
+          <p:style>
+            <a:lnRef idx="2">
+              <a:schemeClr val="accent1"/>
+            </a:lnRef>
+            <a:fillRef idx="0">
+              <a:schemeClr val="accent1"/>
+            </a:fillRef>
+            <a:effectRef idx="1">
+              <a:schemeClr val="accent1"/>
+            </a:effectRef>
+            <a:fontRef idx="minor">
+              <a:schemeClr val="tx1"/>
+            </a:fontRef>
+          </p:style>
+        </p:cxnSp>
         <p:sp>
           <p:nvSpPr>
-            <p:cNvPr id="78" name="Textfeld 77">
+            <p:cNvPr id="120" name="Textfeld 119">
               <a:extLst>
                 <a:ext uri="{FF2B5EF4-FFF2-40B4-BE49-F238E27FC236}">
-                  <a16:creationId xmlns:a16="http://schemas.microsoft.com/office/drawing/2014/main" id="{F2930615-A725-0063-CDDE-69B4E00D415B}"/>
+                  <a16:creationId xmlns:a16="http://schemas.microsoft.com/office/drawing/2014/main" id="{1CA62AB2-8C0E-A40A-2333-22FAEFDF62D2}"/>
                 </a:ext>
               </a:extLst>
             </p:cNvPr>
@@ -6420,8 +7856,8 @@
           </p:nvSpPr>
           <p:spPr>
             <a:xfrm>
-              <a:off x="564776" y="2324969"/>
-              <a:ext cx="1769908" cy="307777"/>
+              <a:off x="2674563" y="1142805"/>
+              <a:ext cx="3941940" cy="646331"/>
             </a:xfrm>
             <a:prstGeom prst="rect">
               <a:avLst/>
@@ -6429,186 +7865,42 @@
             <a:noFill/>
           </p:spPr>
           <p:txBody>
-            <a:bodyPr wrap="none" rtlCol="0">
+            <a:bodyPr wrap="square" rtlCol="0">
               <a:spAutoFit/>
             </a:bodyPr>
             <a:lstStyle/>
             <a:p>
-              <a:pPr algn="ctr"/>
+              <a:pPr marL="171450" indent="-171450">
+                <a:buFont typeface="Arial" panose="020B0604020202020204" pitchFamily="34" charset="0"/>
+                <a:buChar char="•"/>
+              </a:pPr>
               <a:r>
-                <a:rPr lang="de-DE" sz="1400">
+                <a:rPr lang="de-DE" sz="1200">
                   <a:latin typeface="+mj-lt"/>
                 </a:rPr>
-                <a:t>Team or Use Case [...]</a:t>
+                <a:t>connection to PowerProxy as if it was Azure OpenAI</a:t>
+              </a:r>
+            </a:p>
+            <a:p>
+              <a:pPr marL="171450" indent="-171450">
+                <a:buFont typeface="Arial" panose="020B0604020202020204" pitchFamily="34" charset="0"/>
+                <a:buChar char="•"/>
+              </a:pPr>
+              <a:r>
+                <a:rPr lang="de-DE" sz="1200">
+                  <a:latin typeface="+mj-lt"/>
+                </a:rPr>
+                <a:t>using team-specific PowerProxy key as Azure OpenAI key for authentication and identification of team/use case</a:t>
               </a:r>
             </a:p>
           </p:txBody>
         </p:sp>
-        <p:grpSp>
-          <p:nvGrpSpPr>
-            <p:cNvPr id="79" name="Gruppieren 78">
+        <p:sp>
+          <p:nvSpPr>
+            <p:cNvPr id="121" name="Textfeld 120">
               <a:extLst>
                 <a:ext uri="{FF2B5EF4-FFF2-40B4-BE49-F238E27FC236}">
-                  <a16:creationId xmlns:a16="http://schemas.microsoft.com/office/drawing/2014/main" id="{01AB1AA7-10B7-1D18-2567-5CD2EFE2EB1E}"/>
-                </a:ext>
-              </a:extLst>
-            </p:cNvPr>
-            <p:cNvGrpSpPr/>
-            <p:nvPr/>
-          </p:nvGrpSpPr>
-          <p:grpSpPr>
-            <a:xfrm>
-              <a:off x="955479" y="1290260"/>
-              <a:ext cx="988500" cy="958575"/>
-              <a:chOff x="4630454" y="2001311"/>
-              <a:chExt cx="988500" cy="958575"/>
-            </a:xfrm>
-          </p:grpSpPr>
-          <p:pic>
-            <p:nvPicPr>
-              <p:cNvPr id="80" name="Grafik 79">
-                <a:extLst>
-                  <a:ext uri="{FF2B5EF4-FFF2-40B4-BE49-F238E27FC236}">
-                    <a16:creationId xmlns:a16="http://schemas.microsoft.com/office/drawing/2014/main" id="{E4C98348-9B0C-8F94-55DD-17B61AE438DD}"/>
-                  </a:ext>
-                </a:extLst>
-              </p:cNvPr>
-              <p:cNvPicPr>
-                <a:picLocks noChangeAspect="1"/>
-              </p:cNvPicPr>
-              <p:nvPr/>
-            </p:nvPicPr>
-            <p:blipFill>
-              <a:blip r:embed="rId3">
-                <a:extLst>
-                  <a:ext uri="{28A0092B-C50C-407E-A947-70E740481C1C}">
-                    <a14:useLocalDpi xmlns:a14="http://schemas.microsoft.com/office/drawing/2010/main" val="0"/>
-                  </a:ext>
-                  <a:ext uri="{96DAC541-7B7A-43D3-8B79-37D633B846F1}">
-                    <asvg:svgBlip xmlns:asvg="http://schemas.microsoft.com/office/drawing/2016/SVG/main" r:embed="rId4"/>
-                  </a:ext>
-                </a:extLst>
-              </a:blip>
-              <a:stretch>
-                <a:fillRect/>
-              </a:stretch>
-            </p:blipFill>
-            <p:spPr>
-              <a:xfrm>
-                <a:off x="5186954" y="2095886"/>
-                <a:ext cx="432000" cy="432000"/>
-              </a:xfrm>
-              <a:prstGeom prst="rect">
-                <a:avLst/>
-              </a:prstGeom>
-            </p:spPr>
-          </p:pic>
-          <p:pic>
-            <p:nvPicPr>
-              <p:cNvPr id="81" name="Grafik 80">
-                <a:extLst>
-                  <a:ext uri="{FF2B5EF4-FFF2-40B4-BE49-F238E27FC236}">
-                    <a16:creationId xmlns:a16="http://schemas.microsoft.com/office/drawing/2014/main" id="{FEFC1C75-4E4C-EF0E-7CE8-263593F3C05F}"/>
-                  </a:ext>
-                </a:extLst>
-              </p:cNvPr>
-              <p:cNvPicPr>
-                <a:picLocks noChangeAspect="1"/>
-              </p:cNvPicPr>
-              <p:nvPr/>
-            </p:nvPicPr>
-            <p:blipFill>
-              <a:blip r:embed="rId3">
-                <a:extLst>
-                  <a:ext uri="{28A0092B-C50C-407E-A947-70E740481C1C}">
-                    <a14:useLocalDpi xmlns:a14="http://schemas.microsoft.com/office/drawing/2010/main" val="0"/>
-                  </a:ext>
-                  <a:ext uri="{96DAC541-7B7A-43D3-8B79-37D633B846F1}">
-                    <asvg:svgBlip xmlns:asvg="http://schemas.microsoft.com/office/drawing/2016/SVG/main" r:embed="rId4"/>
-                  </a:ext>
-                </a:extLst>
-              </a:blip>
-              <a:stretch>
-                <a:fillRect/>
-              </a:stretch>
-            </p:blipFill>
-            <p:spPr>
-              <a:xfrm>
-                <a:off x="4767426" y="2527886"/>
-                <a:ext cx="432000" cy="432000"/>
-              </a:xfrm>
-              <a:prstGeom prst="rect">
-                <a:avLst/>
-              </a:prstGeom>
-            </p:spPr>
-          </p:pic>
-          <p:pic>
-            <p:nvPicPr>
-              <p:cNvPr id="82" name="Grafik 81">
-                <a:extLst>
-                  <a:ext uri="{FF2B5EF4-FFF2-40B4-BE49-F238E27FC236}">
-                    <a16:creationId xmlns:a16="http://schemas.microsoft.com/office/drawing/2014/main" id="{8AE1F31B-E836-7471-3A3C-731B551CDE1A}"/>
-                  </a:ext>
-                </a:extLst>
-              </p:cNvPr>
-              <p:cNvPicPr>
-                <a:picLocks noChangeAspect="1"/>
-              </p:cNvPicPr>
-              <p:nvPr/>
-            </p:nvPicPr>
-            <p:blipFill>
-              <a:blip r:embed="rId3">
-                <a:extLst>
-                  <a:ext uri="{28A0092B-C50C-407E-A947-70E740481C1C}">
-                    <a14:useLocalDpi xmlns:a14="http://schemas.microsoft.com/office/drawing/2010/main" val="0"/>
-                  </a:ext>
-                  <a:ext uri="{96DAC541-7B7A-43D3-8B79-37D633B846F1}">
-                    <asvg:svgBlip xmlns:asvg="http://schemas.microsoft.com/office/drawing/2016/SVG/main" r:embed="rId4"/>
-                  </a:ext>
-                </a:extLst>
-              </a:blip>
-              <a:stretch>
-                <a:fillRect/>
-              </a:stretch>
-            </p:blipFill>
-            <p:spPr>
-              <a:xfrm>
-                <a:off x="4630454" y="2001311"/>
-                <a:ext cx="432000" cy="432000"/>
-              </a:xfrm>
-              <a:prstGeom prst="rect">
-                <a:avLst/>
-              </a:prstGeom>
-            </p:spPr>
-          </p:pic>
-        </p:grpSp>
-      </p:grpSp>
-      <p:grpSp>
-        <p:nvGrpSpPr>
-          <p:cNvPr id="83" name="Gruppieren 82">
-            <a:extLst>
-              <a:ext uri="{FF2B5EF4-FFF2-40B4-BE49-F238E27FC236}">
-                <a16:creationId xmlns:a16="http://schemas.microsoft.com/office/drawing/2014/main" id="{A48CF68D-06EF-09C6-36F2-608ACB1D9834}"/>
-              </a:ext>
-            </a:extLst>
-          </p:cNvPr>
-          <p:cNvGrpSpPr/>
-          <p:nvPr/>
-        </p:nvGrpSpPr>
-        <p:grpSpPr>
-          <a:xfrm>
-            <a:off x="643521" y="4980682"/>
-            <a:ext cx="1620828" cy="1342486"/>
-            <a:chOff x="639315" y="1290260"/>
-            <a:chExt cx="1620828" cy="1342486"/>
-          </a:xfrm>
-        </p:grpSpPr>
-        <p:sp>
-          <p:nvSpPr>
-            <p:cNvPr id="84" name="Textfeld 83">
-              <a:extLst>
-                <a:ext uri="{FF2B5EF4-FFF2-40B4-BE49-F238E27FC236}">
-                  <a16:creationId xmlns:a16="http://schemas.microsoft.com/office/drawing/2014/main" id="{7AE63BF4-3F5A-7871-AA7E-7B4C14E12EFC}"/>
+                  <a16:creationId xmlns:a16="http://schemas.microsoft.com/office/drawing/2014/main" id="{D2BBEEA7-7E9F-E046-3025-CC3638C1A8DB}"/>
                 </a:ext>
               </a:extLst>
             </p:cNvPr>
@@ -6617,629 +7909,8 @@
           </p:nvSpPr>
           <p:spPr>
             <a:xfrm>
-              <a:off x="639315" y="2324969"/>
-              <a:ext cx="1620828" cy="307777"/>
-            </a:xfrm>
-            <a:prstGeom prst="rect">
-              <a:avLst/>
-            </a:prstGeom>
-            <a:noFill/>
-          </p:spPr>
-          <p:txBody>
-            <a:bodyPr wrap="none" rtlCol="0">
-              <a:spAutoFit/>
-            </a:bodyPr>
-            <a:lstStyle/>
-            <a:p>
-              <a:pPr algn="ctr"/>
-              <a:r>
-                <a:rPr lang="de-DE" sz="1400">
-                  <a:latin typeface="+mj-lt"/>
-                </a:rPr>
-                <a:t>Team or Use Case n</a:t>
-              </a:r>
-            </a:p>
-          </p:txBody>
-        </p:sp>
-        <p:grpSp>
-          <p:nvGrpSpPr>
-            <p:cNvPr id="85" name="Gruppieren 84">
-              <a:extLst>
-                <a:ext uri="{FF2B5EF4-FFF2-40B4-BE49-F238E27FC236}">
-                  <a16:creationId xmlns:a16="http://schemas.microsoft.com/office/drawing/2014/main" id="{4B7FD8E3-3C20-6E20-B804-62319E3AED97}"/>
-                </a:ext>
-              </a:extLst>
-            </p:cNvPr>
-            <p:cNvGrpSpPr/>
-            <p:nvPr/>
-          </p:nvGrpSpPr>
-          <p:grpSpPr>
-            <a:xfrm>
-              <a:off x="955479" y="1290260"/>
-              <a:ext cx="988500" cy="958575"/>
-              <a:chOff x="4630454" y="2001311"/>
-              <a:chExt cx="988500" cy="958575"/>
-            </a:xfrm>
-          </p:grpSpPr>
-          <p:pic>
-            <p:nvPicPr>
-              <p:cNvPr id="86" name="Grafik 85">
-                <a:extLst>
-                  <a:ext uri="{FF2B5EF4-FFF2-40B4-BE49-F238E27FC236}">
-                    <a16:creationId xmlns:a16="http://schemas.microsoft.com/office/drawing/2014/main" id="{E4FFE52C-1A03-71E9-4581-7419E3320E69}"/>
-                  </a:ext>
-                </a:extLst>
-              </p:cNvPr>
-              <p:cNvPicPr>
-                <a:picLocks noChangeAspect="1"/>
-              </p:cNvPicPr>
-              <p:nvPr/>
-            </p:nvPicPr>
-            <p:blipFill>
-              <a:blip r:embed="rId3">
-                <a:extLst>
-                  <a:ext uri="{28A0092B-C50C-407E-A947-70E740481C1C}">
-                    <a14:useLocalDpi xmlns:a14="http://schemas.microsoft.com/office/drawing/2010/main" val="0"/>
-                  </a:ext>
-                  <a:ext uri="{96DAC541-7B7A-43D3-8B79-37D633B846F1}">
-                    <asvg:svgBlip xmlns:asvg="http://schemas.microsoft.com/office/drawing/2016/SVG/main" r:embed="rId4"/>
-                  </a:ext>
-                </a:extLst>
-              </a:blip>
-              <a:stretch>
-                <a:fillRect/>
-              </a:stretch>
-            </p:blipFill>
-            <p:spPr>
-              <a:xfrm>
-                <a:off x="5186954" y="2095886"/>
-                <a:ext cx="432000" cy="432000"/>
-              </a:xfrm>
-              <a:prstGeom prst="rect">
-                <a:avLst/>
-              </a:prstGeom>
-            </p:spPr>
-          </p:pic>
-          <p:pic>
-            <p:nvPicPr>
-              <p:cNvPr id="87" name="Grafik 86">
-                <a:extLst>
-                  <a:ext uri="{FF2B5EF4-FFF2-40B4-BE49-F238E27FC236}">
-                    <a16:creationId xmlns:a16="http://schemas.microsoft.com/office/drawing/2014/main" id="{61AB668C-B3D3-0B2B-BDDA-0EEB847AE88C}"/>
-                  </a:ext>
-                </a:extLst>
-              </p:cNvPr>
-              <p:cNvPicPr>
-                <a:picLocks noChangeAspect="1"/>
-              </p:cNvPicPr>
-              <p:nvPr/>
-            </p:nvPicPr>
-            <p:blipFill>
-              <a:blip r:embed="rId3">
-                <a:extLst>
-                  <a:ext uri="{28A0092B-C50C-407E-A947-70E740481C1C}">
-                    <a14:useLocalDpi xmlns:a14="http://schemas.microsoft.com/office/drawing/2010/main" val="0"/>
-                  </a:ext>
-                  <a:ext uri="{96DAC541-7B7A-43D3-8B79-37D633B846F1}">
-                    <asvg:svgBlip xmlns:asvg="http://schemas.microsoft.com/office/drawing/2016/SVG/main" r:embed="rId4"/>
-                  </a:ext>
-                </a:extLst>
-              </a:blip>
-              <a:stretch>
-                <a:fillRect/>
-              </a:stretch>
-            </p:blipFill>
-            <p:spPr>
-              <a:xfrm>
-                <a:off x="4767426" y="2527886"/>
-                <a:ext cx="432000" cy="432000"/>
-              </a:xfrm>
-              <a:prstGeom prst="rect">
-                <a:avLst/>
-              </a:prstGeom>
-            </p:spPr>
-          </p:pic>
-          <p:pic>
-            <p:nvPicPr>
-              <p:cNvPr id="88" name="Grafik 87">
-                <a:extLst>
-                  <a:ext uri="{FF2B5EF4-FFF2-40B4-BE49-F238E27FC236}">
-                    <a16:creationId xmlns:a16="http://schemas.microsoft.com/office/drawing/2014/main" id="{D956BB73-953E-642D-6290-5BFAAD2F6964}"/>
-                  </a:ext>
-                </a:extLst>
-              </p:cNvPr>
-              <p:cNvPicPr>
-                <a:picLocks noChangeAspect="1"/>
-              </p:cNvPicPr>
-              <p:nvPr/>
-            </p:nvPicPr>
-            <p:blipFill>
-              <a:blip r:embed="rId3">
-                <a:extLst>
-                  <a:ext uri="{28A0092B-C50C-407E-A947-70E740481C1C}">
-                    <a14:useLocalDpi xmlns:a14="http://schemas.microsoft.com/office/drawing/2010/main" val="0"/>
-                  </a:ext>
-                  <a:ext uri="{96DAC541-7B7A-43D3-8B79-37D633B846F1}">
-                    <asvg:svgBlip xmlns:asvg="http://schemas.microsoft.com/office/drawing/2016/SVG/main" r:embed="rId4"/>
-                  </a:ext>
-                </a:extLst>
-              </a:blip>
-              <a:stretch>
-                <a:fillRect/>
-              </a:stretch>
-            </p:blipFill>
-            <p:spPr>
-              <a:xfrm>
-                <a:off x="4630454" y="2001311"/>
-                <a:ext cx="432000" cy="432000"/>
-              </a:xfrm>
-              <a:prstGeom prst="rect">
-                <a:avLst/>
-              </a:prstGeom>
-            </p:spPr>
-          </p:pic>
-        </p:grpSp>
-      </p:grpSp>
-      <p:pic>
-        <p:nvPicPr>
-          <p:cNvPr id="93" name="Grafik 92">
-            <a:extLst>
-              <a:ext uri="{FF2B5EF4-FFF2-40B4-BE49-F238E27FC236}">
-                <a16:creationId xmlns:a16="http://schemas.microsoft.com/office/drawing/2014/main" id="{11DB466D-549C-FC45-E857-F24F9276B72E}"/>
-              </a:ext>
-            </a:extLst>
-          </p:cNvPr>
-          <p:cNvPicPr>
-            <a:picLocks noChangeAspect="1"/>
-          </p:cNvPicPr>
-          <p:nvPr/>
-        </p:nvPicPr>
-        <p:blipFill>
-          <a:blip r:embed="rId5"/>
-          <a:stretch>
-            <a:fillRect/>
-          </a:stretch>
-        </p:blipFill>
-        <p:spPr>
-          <a:xfrm>
-            <a:off x="10252880" y="3042029"/>
-            <a:ext cx="854954" cy="870594"/>
-          </a:xfrm>
-          <a:prstGeom prst="rect">
-            <a:avLst/>
-          </a:prstGeom>
-        </p:spPr>
-      </p:pic>
-      <p:sp>
-        <p:nvSpPr>
-          <p:cNvPr id="94" name="Textfeld 93">
-            <a:extLst>
-              <a:ext uri="{FF2B5EF4-FFF2-40B4-BE49-F238E27FC236}">
-                <a16:creationId xmlns:a16="http://schemas.microsoft.com/office/drawing/2014/main" id="{E6A59CC6-5E19-B105-1323-04991FD6E399}"/>
-              </a:ext>
-            </a:extLst>
-          </p:cNvPr>
-          <p:cNvSpPr txBox="1"/>
-          <p:nvPr/>
-        </p:nvSpPr>
-        <p:spPr>
-          <a:xfrm>
-            <a:off x="9803995" y="3968206"/>
-            <a:ext cx="1752723" cy="307777"/>
-          </a:xfrm>
-          <a:prstGeom prst="rect">
-            <a:avLst/>
-          </a:prstGeom>
-          <a:noFill/>
-        </p:spPr>
-        <p:txBody>
-          <a:bodyPr wrap="none" rtlCol="0">
-            <a:spAutoFit/>
-          </a:bodyPr>
-          <a:lstStyle/>
-          <a:p>
-            <a:pPr algn="ctr"/>
-            <a:r>
-              <a:rPr lang="de-DE" sz="1400">
-                <a:latin typeface="+mj-lt"/>
-              </a:rPr>
-              <a:t>Azure OpenAI Service</a:t>
-            </a:r>
-          </a:p>
-        </p:txBody>
-      </p:sp>
-      <p:cxnSp>
-        <p:nvCxnSpPr>
-          <p:cNvPr id="108" name="Gerade Verbindung mit Pfeil 107">
-            <a:extLst>
-              <a:ext uri="{FF2B5EF4-FFF2-40B4-BE49-F238E27FC236}">
-                <a16:creationId xmlns:a16="http://schemas.microsoft.com/office/drawing/2014/main" id="{67B15BB3-2F84-F9D4-ADC5-B9C2FFEC917F}"/>
-              </a:ext>
-            </a:extLst>
-          </p:cNvPr>
-          <p:cNvCxnSpPr>
-            <a:cxnSpLocks/>
-          </p:cNvCxnSpPr>
-          <p:nvPr/>
-        </p:nvCxnSpPr>
-        <p:spPr>
-          <a:xfrm>
-            <a:off x="2281785" y="1917927"/>
-            <a:ext cx="2366740" cy="1250709"/>
-          </a:xfrm>
-          <a:prstGeom prst="bentConnector3">
-            <a:avLst>
-              <a:gd name="adj1" fmla="val 50000"/>
-            </a:avLst>
-          </a:prstGeom>
-          <a:ln>
-            <a:tailEnd type="triangle"/>
-          </a:ln>
-        </p:spPr>
-        <p:style>
-          <a:lnRef idx="2">
-            <a:schemeClr val="accent1"/>
-          </a:lnRef>
-          <a:fillRef idx="0">
-            <a:schemeClr val="accent1"/>
-          </a:fillRef>
-          <a:effectRef idx="1">
-            <a:schemeClr val="accent1"/>
-          </a:effectRef>
-          <a:fontRef idx="minor">
-            <a:schemeClr val="tx1"/>
-          </a:fontRef>
-        </p:style>
-      </p:cxnSp>
-      <p:cxnSp>
-        <p:nvCxnSpPr>
-          <p:cNvPr id="111" name="Gerade Verbindung mit Pfeil 110">
-            <a:extLst>
-              <a:ext uri="{FF2B5EF4-FFF2-40B4-BE49-F238E27FC236}">
-                <a16:creationId xmlns:a16="http://schemas.microsoft.com/office/drawing/2014/main" id="{1A1224D7-F545-E599-AF85-37700D72E638}"/>
-              </a:ext>
-            </a:extLst>
-          </p:cNvPr>
-          <p:cNvCxnSpPr>
-            <a:cxnSpLocks/>
-          </p:cNvCxnSpPr>
-          <p:nvPr/>
-        </p:nvCxnSpPr>
-        <p:spPr>
-          <a:xfrm>
-            <a:off x="2613873" y="3603726"/>
-            <a:ext cx="2034652" cy="0"/>
-          </a:xfrm>
-          <a:prstGeom prst="straightConnector1">
-            <a:avLst/>
-          </a:prstGeom>
-          <a:ln>
-            <a:tailEnd type="triangle"/>
-          </a:ln>
-        </p:spPr>
-        <p:style>
-          <a:lnRef idx="2">
-            <a:schemeClr val="accent1"/>
-          </a:lnRef>
-          <a:fillRef idx="0">
-            <a:schemeClr val="accent1"/>
-          </a:fillRef>
-          <a:effectRef idx="1">
-            <a:schemeClr val="accent1"/>
-          </a:effectRef>
-          <a:fontRef idx="minor">
-            <a:schemeClr val="tx1"/>
-          </a:fontRef>
-        </p:style>
-      </p:cxnSp>
-      <p:cxnSp>
-        <p:nvCxnSpPr>
-          <p:cNvPr id="113" name="Gerade Verbindung mit Pfeil 112">
-            <a:extLst>
-              <a:ext uri="{FF2B5EF4-FFF2-40B4-BE49-F238E27FC236}">
-                <a16:creationId xmlns:a16="http://schemas.microsoft.com/office/drawing/2014/main" id="{47EB9567-7020-19FC-E523-5F76B01A822A}"/>
-              </a:ext>
-            </a:extLst>
-          </p:cNvPr>
-          <p:cNvCxnSpPr>
-            <a:cxnSpLocks/>
-          </p:cNvCxnSpPr>
-          <p:nvPr/>
-        </p:nvCxnSpPr>
-        <p:spPr>
-          <a:xfrm flipV="1">
-            <a:off x="2251754" y="4054189"/>
-            <a:ext cx="2396771" cy="1453068"/>
-          </a:xfrm>
-          <a:prstGeom prst="bentConnector3">
-            <a:avLst>
-              <a:gd name="adj1" fmla="val 50000"/>
-            </a:avLst>
-          </a:prstGeom>
-          <a:ln>
-            <a:tailEnd type="triangle"/>
-          </a:ln>
-        </p:spPr>
-        <p:style>
-          <a:lnRef idx="2">
-            <a:schemeClr val="accent1"/>
-          </a:lnRef>
-          <a:fillRef idx="0">
-            <a:schemeClr val="accent1"/>
-          </a:fillRef>
-          <a:effectRef idx="1">
-            <a:schemeClr val="accent1"/>
-          </a:effectRef>
-          <a:fontRef idx="minor">
-            <a:schemeClr val="tx1"/>
-          </a:fontRef>
-        </p:style>
-      </p:cxnSp>
-      <p:cxnSp>
-        <p:nvCxnSpPr>
-          <p:cNvPr id="116" name="Gerade Verbindung mit Pfeil 115">
-            <a:extLst>
-              <a:ext uri="{FF2B5EF4-FFF2-40B4-BE49-F238E27FC236}">
-                <a16:creationId xmlns:a16="http://schemas.microsoft.com/office/drawing/2014/main" id="{EEF7D622-CD8A-6750-DC45-E2B7473CB5EF}"/>
-              </a:ext>
-            </a:extLst>
-          </p:cNvPr>
-          <p:cNvCxnSpPr>
-            <a:cxnSpLocks/>
-          </p:cNvCxnSpPr>
-          <p:nvPr/>
-        </p:nvCxnSpPr>
-        <p:spPr>
-          <a:xfrm>
-            <a:off x="7344102" y="3617550"/>
-            <a:ext cx="2522040" cy="23395"/>
-          </a:xfrm>
-          <a:prstGeom prst="straightConnector1">
-            <a:avLst/>
-          </a:prstGeom>
-          <a:ln>
-            <a:tailEnd type="triangle"/>
-          </a:ln>
-        </p:spPr>
-        <p:style>
-          <a:lnRef idx="2">
-            <a:schemeClr val="accent1"/>
-          </a:lnRef>
-          <a:fillRef idx="0">
-            <a:schemeClr val="accent1"/>
-          </a:fillRef>
-          <a:effectRef idx="1">
-            <a:schemeClr val="accent1"/>
-          </a:effectRef>
-          <a:fontRef idx="minor">
-            <a:schemeClr val="tx1"/>
-          </a:fontRef>
-        </p:style>
-      </p:cxnSp>
-      <p:sp>
-        <p:nvSpPr>
-          <p:cNvPr id="120" name="Textfeld 119">
-            <a:extLst>
-              <a:ext uri="{FF2B5EF4-FFF2-40B4-BE49-F238E27FC236}">
-                <a16:creationId xmlns:a16="http://schemas.microsoft.com/office/drawing/2014/main" id="{1CA62AB2-8C0E-A40A-2333-22FAEFDF62D2}"/>
-              </a:ext>
-            </a:extLst>
-          </p:cNvPr>
-          <p:cNvSpPr txBox="1"/>
-          <p:nvPr/>
-        </p:nvSpPr>
-        <p:spPr>
-          <a:xfrm>
-            <a:off x="2674563" y="1142805"/>
-            <a:ext cx="3941940" cy="646331"/>
-          </a:xfrm>
-          <a:prstGeom prst="rect">
-            <a:avLst/>
-          </a:prstGeom>
-          <a:noFill/>
-        </p:spPr>
-        <p:txBody>
-          <a:bodyPr wrap="square" rtlCol="0">
-            <a:spAutoFit/>
-          </a:bodyPr>
-          <a:lstStyle/>
-          <a:p>
-            <a:pPr marL="171450" indent="-171450">
-              <a:buFont typeface="Arial" panose="020B0604020202020204" pitchFamily="34" charset="0"/>
-              <a:buChar char="•"/>
-            </a:pPr>
-            <a:r>
-              <a:rPr lang="de-DE" sz="1200">
-                <a:latin typeface="+mj-lt"/>
-              </a:rPr>
-              <a:t>connection to PowerProxy as if it was Azure OpenAI</a:t>
-            </a:r>
-          </a:p>
-          <a:p>
-            <a:pPr marL="171450" indent="-171450">
-              <a:buFont typeface="Arial" panose="020B0604020202020204" pitchFamily="34" charset="0"/>
-              <a:buChar char="•"/>
-            </a:pPr>
-            <a:r>
-              <a:rPr lang="de-DE" sz="1200">
-                <a:latin typeface="+mj-lt"/>
-              </a:rPr>
-              <a:t>using team-specific PowerProxy key as Azure OpenAI key for authentication and identification of team/use case</a:t>
-            </a:r>
-          </a:p>
-        </p:txBody>
-      </p:sp>
-      <p:sp>
-        <p:nvSpPr>
-          <p:cNvPr id="121" name="Textfeld 120">
-            <a:extLst>
-              <a:ext uri="{FF2B5EF4-FFF2-40B4-BE49-F238E27FC236}">
-                <a16:creationId xmlns:a16="http://schemas.microsoft.com/office/drawing/2014/main" id="{D2BBEEA7-7E9F-E046-3025-CC3638C1A8DB}"/>
-              </a:ext>
-            </a:extLst>
-          </p:cNvPr>
-          <p:cNvSpPr txBox="1"/>
-          <p:nvPr/>
-        </p:nvSpPr>
-        <p:spPr>
-          <a:xfrm>
-            <a:off x="3898700" y="4275983"/>
-            <a:ext cx="4262705" cy="461665"/>
-          </a:xfrm>
-          <a:prstGeom prst="rect">
-            <a:avLst/>
-          </a:prstGeom>
-          <a:noFill/>
-        </p:spPr>
-        <p:txBody>
-          <a:bodyPr wrap="none" rtlCol="0">
-            <a:spAutoFit/>
-          </a:bodyPr>
-          <a:lstStyle/>
-          <a:p>
-            <a:pPr algn="ctr"/>
-            <a:r>
-              <a:rPr lang="de-DE" sz="1200">
-                <a:latin typeface="+mj-lt"/>
-              </a:rPr>
-              <a:t>transparent server,</a:t>
-            </a:r>
-          </a:p>
-          <a:p>
-            <a:pPr algn="ctr"/>
-            <a:r>
-              <a:rPr lang="de-DE" sz="1200">
-                <a:latin typeface="+mj-lt"/>
-              </a:rPr>
-              <a:t>running on arbitrary host, for example: autoscaling Container Apps</a:t>
-            </a:r>
-          </a:p>
-        </p:txBody>
-      </p:sp>
-      <p:cxnSp>
-        <p:nvCxnSpPr>
-          <p:cNvPr id="124" name="Gerade Verbindung mit Pfeil 123">
-            <a:extLst>
-              <a:ext uri="{FF2B5EF4-FFF2-40B4-BE49-F238E27FC236}">
-                <a16:creationId xmlns:a16="http://schemas.microsoft.com/office/drawing/2014/main" id="{3C931310-4028-FEC3-8CAC-243E5582BF2A}"/>
-              </a:ext>
-            </a:extLst>
-          </p:cNvPr>
-          <p:cNvCxnSpPr>
-            <a:cxnSpLocks/>
-          </p:cNvCxnSpPr>
-          <p:nvPr/>
-        </p:nvCxnSpPr>
-        <p:spPr>
-          <a:xfrm rot="16200000" flipH="1">
-            <a:off x="5812891" y="5081312"/>
-            <a:ext cx="1326376" cy="872663"/>
-          </a:xfrm>
-          <a:prstGeom prst="bentConnector3">
-            <a:avLst>
-              <a:gd name="adj1" fmla="val 99849"/>
-            </a:avLst>
-          </a:prstGeom>
-          <a:ln>
-            <a:prstDash val="sysDash"/>
-            <a:tailEnd type="triangle"/>
-          </a:ln>
-        </p:spPr>
-        <p:style>
-          <a:lnRef idx="2">
-            <a:schemeClr val="accent1"/>
-          </a:lnRef>
-          <a:fillRef idx="0">
-            <a:schemeClr val="accent1"/>
-          </a:fillRef>
-          <a:effectRef idx="1">
-            <a:schemeClr val="accent1"/>
-          </a:effectRef>
-          <a:fontRef idx="minor">
-            <a:schemeClr val="tx1"/>
-          </a:fontRef>
-        </p:style>
-      </p:cxnSp>
-      <p:cxnSp>
-        <p:nvCxnSpPr>
-          <p:cNvPr id="131" name="Gerade Verbindung mit Pfeil 130">
-            <a:extLst>
-              <a:ext uri="{FF2B5EF4-FFF2-40B4-BE49-F238E27FC236}">
-                <a16:creationId xmlns:a16="http://schemas.microsoft.com/office/drawing/2014/main" id="{5999A17E-F05C-4FA5-3A5F-63F172540CE6}"/>
-              </a:ext>
-            </a:extLst>
-          </p:cNvPr>
-          <p:cNvCxnSpPr>
-            <a:cxnSpLocks/>
-            <a:stCxn id="128" idx="3"/>
-            <a:endCxn id="130" idx="1"/>
-          </p:cNvCxnSpPr>
-          <p:nvPr/>
-        </p:nvCxnSpPr>
-        <p:spPr>
-          <a:xfrm flipV="1">
-            <a:off x="7989566" y="6153890"/>
-            <a:ext cx="1155193" cy="11553"/>
-          </a:xfrm>
-          <a:prstGeom prst="straightConnector1">
-            <a:avLst/>
-          </a:prstGeom>
-          <a:ln>
-            <a:prstDash val="sysDash"/>
-            <a:tailEnd type="triangle"/>
-          </a:ln>
-        </p:spPr>
-        <p:style>
-          <a:lnRef idx="2">
-            <a:schemeClr val="accent1"/>
-          </a:lnRef>
-          <a:fillRef idx="0">
-            <a:schemeClr val="accent1"/>
-          </a:fillRef>
-          <a:effectRef idx="1">
-            <a:schemeClr val="accent1"/>
-          </a:effectRef>
-          <a:fontRef idx="minor">
-            <a:schemeClr val="tx1"/>
-          </a:fontRef>
-        </p:style>
-      </p:cxnSp>
-      <p:grpSp>
-        <p:nvGrpSpPr>
-          <p:cNvPr id="16" name="Gruppieren 15">
-            <a:extLst>
-              <a:ext uri="{FF2B5EF4-FFF2-40B4-BE49-F238E27FC236}">
-                <a16:creationId xmlns:a16="http://schemas.microsoft.com/office/drawing/2014/main" id="{6E47800B-B1A4-D9FB-EE4F-B41AFDE3535E}"/>
-              </a:ext>
-            </a:extLst>
-          </p:cNvPr>
-          <p:cNvGrpSpPr/>
-          <p:nvPr/>
-        </p:nvGrpSpPr>
-        <p:grpSpPr>
-          <a:xfrm>
-            <a:off x="6980572" y="5571536"/>
-            <a:ext cx="1008994" cy="732406"/>
-            <a:chOff x="6980572" y="5571536"/>
-            <a:chExt cx="1008994" cy="732406"/>
-          </a:xfrm>
-        </p:grpSpPr>
-        <p:sp>
-          <p:nvSpPr>
-            <p:cNvPr id="128" name="Textfeld 127">
-              <a:extLst>
-                <a:ext uri="{FF2B5EF4-FFF2-40B4-BE49-F238E27FC236}">
-                  <a16:creationId xmlns:a16="http://schemas.microsoft.com/office/drawing/2014/main" id="{010A37D7-010D-FCC9-1325-B24536FE8147}"/>
-                </a:ext>
-              </a:extLst>
-            </p:cNvPr>
-            <p:cNvSpPr txBox="1"/>
-            <p:nvPr/>
-          </p:nvSpPr>
-          <p:spPr>
-            <a:xfrm>
-              <a:off x="6980572" y="6026943"/>
-              <a:ext cx="1008994" cy="276999"/>
+              <a:off x="3898700" y="4275983"/>
+              <a:ext cx="4262705" cy="461665"/>
             </a:xfrm>
             <a:prstGeom prst="rect">
               <a:avLst/>
@@ -7257,77 +7928,310 @@
                 <a:rPr lang="de-DE" sz="1200">
                   <a:latin typeface="+mj-lt"/>
                 </a:rPr>
-                <a:t>Log Analytics</a:t>
+                <a:t>transparent server,</a:t>
+              </a:r>
+            </a:p>
+            <a:p>
+              <a:pPr algn="ctr"/>
+              <a:r>
+                <a:rPr lang="de-DE" sz="1200">
+                  <a:latin typeface="+mj-lt"/>
+                </a:rPr>
+                <a:t>running on arbitrary host, for example: autoscaling Container Apps</a:t>
               </a:r>
             </a:p>
           </p:txBody>
         </p:sp>
-        <p:pic>
-          <p:nvPicPr>
-            <p:cNvPr id="135" name="Grafik 134">
+        <p:cxnSp>
+          <p:nvCxnSpPr>
+            <p:cNvPr id="124" name="Gerade Verbindung mit Pfeil 123">
               <a:extLst>
                 <a:ext uri="{FF2B5EF4-FFF2-40B4-BE49-F238E27FC236}">
-                  <a16:creationId xmlns:a16="http://schemas.microsoft.com/office/drawing/2014/main" id="{C612CE8E-6608-F0EC-8EED-88ED495D444B}"/>
+                  <a16:creationId xmlns:a16="http://schemas.microsoft.com/office/drawing/2014/main" id="{3C931310-4028-FEC3-8CAC-243E5582BF2A}"/>
                 </a:ext>
               </a:extLst>
             </p:cNvPr>
-            <p:cNvPicPr>
-              <a:picLocks noChangeAspect="1"/>
-            </p:cNvPicPr>
+            <p:cNvCxnSpPr>
+              <a:cxnSpLocks/>
+            </p:cNvCxnSpPr>
             <p:nvPr/>
-          </p:nvPicPr>
-          <p:blipFill>
-            <a:blip r:embed="rId6">
+          </p:nvCxnSpPr>
+          <p:spPr>
+            <a:xfrm rot="16200000" flipH="1">
+              <a:off x="5812891" y="5081312"/>
+              <a:ext cx="1326376" cy="872663"/>
+            </a:xfrm>
+            <a:prstGeom prst="bentConnector3">
+              <a:avLst>
+                <a:gd name="adj1" fmla="val 99849"/>
+              </a:avLst>
+            </a:prstGeom>
+            <a:ln>
+              <a:prstDash val="sysDash"/>
+              <a:tailEnd type="triangle"/>
+            </a:ln>
+          </p:spPr>
+          <p:style>
+            <a:lnRef idx="2">
+              <a:schemeClr val="accent1"/>
+            </a:lnRef>
+            <a:fillRef idx="0">
+              <a:schemeClr val="accent1"/>
+            </a:fillRef>
+            <a:effectRef idx="1">
+              <a:schemeClr val="accent1"/>
+            </a:effectRef>
+            <a:fontRef idx="minor">
+              <a:schemeClr val="tx1"/>
+            </a:fontRef>
+          </p:style>
+        </p:cxnSp>
+        <p:cxnSp>
+          <p:nvCxnSpPr>
+            <p:cNvPr id="131" name="Gerade Verbindung mit Pfeil 130">
               <a:extLst>
-                <a:ext uri="{28A0092B-C50C-407E-A947-70E740481C1C}">
-                  <a14:useLocalDpi xmlns:a14="http://schemas.microsoft.com/office/drawing/2010/main" val="0"/>
-                </a:ext>
-                <a:ext uri="{96DAC541-7B7A-43D3-8B79-37D633B846F1}">
-                  <asvg:svgBlip xmlns:asvg="http://schemas.microsoft.com/office/drawing/2016/SVG/main" r:embed="rId7"/>
+                <a:ext uri="{FF2B5EF4-FFF2-40B4-BE49-F238E27FC236}">
+                  <a16:creationId xmlns:a16="http://schemas.microsoft.com/office/drawing/2014/main" id="{5999A17E-F05C-4FA5-3A5F-63F172540CE6}"/>
                 </a:ext>
               </a:extLst>
-            </a:blip>
-            <a:stretch>
-              <a:fillRect/>
-            </a:stretch>
-          </p:blipFill>
+            </p:cNvPr>
+            <p:cNvCxnSpPr>
+              <a:cxnSpLocks/>
+              <a:stCxn id="128" idx="3"/>
+              <a:endCxn id="130" idx="1"/>
+            </p:cNvCxnSpPr>
+            <p:nvPr/>
+          </p:nvCxnSpPr>
           <p:spPr>
-            <a:xfrm>
-              <a:off x="7269069" y="5571536"/>
-              <a:ext cx="432000" cy="432000"/>
+            <a:xfrm flipV="1">
+              <a:off x="7989566" y="6153890"/>
+              <a:ext cx="1155193" cy="11553"/>
             </a:xfrm>
-            <a:prstGeom prst="rect">
+            <a:prstGeom prst="straightConnector1">
               <a:avLst/>
             </a:prstGeom>
+            <a:ln>
+              <a:prstDash val="sysDash"/>
+              <a:tailEnd type="triangle"/>
+            </a:ln>
           </p:spPr>
-        </p:pic>
-      </p:grpSp>
-      <p:grpSp>
-        <p:nvGrpSpPr>
-          <p:cNvPr id="17" name="Gruppieren 16">
-            <a:extLst>
-              <a:ext uri="{FF2B5EF4-FFF2-40B4-BE49-F238E27FC236}">
-                <a16:creationId xmlns:a16="http://schemas.microsoft.com/office/drawing/2014/main" id="{9F2FF1DA-596C-4244-2430-48DD1E84153A}"/>
-              </a:ext>
-            </a:extLst>
-          </p:cNvPr>
-          <p:cNvGrpSpPr/>
-          <p:nvPr/>
-        </p:nvGrpSpPr>
-        <p:grpSpPr>
-          <a:xfrm>
-            <a:off x="9144759" y="5609985"/>
-            <a:ext cx="730585" cy="682404"/>
-            <a:chOff x="9144759" y="5609985"/>
-            <a:chExt cx="730585" cy="682404"/>
-          </a:xfrm>
-        </p:grpSpPr>
+          <p:style>
+            <a:lnRef idx="2">
+              <a:schemeClr val="accent1"/>
+            </a:lnRef>
+            <a:fillRef idx="0">
+              <a:schemeClr val="accent1"/>
+            </a:fillRef>
+            <a:effectRef idx="1">
+              <a:schemeClr val="accent1"/>
+            </a:effectRef>
+            <a:fontRef idx="minor">
+              <a:schemeClr val="tx1"/>
+            </a:fontRef>
+          </p:style>
+        </p:cxnSp>
+        <p:grpSp>
+          <p:nvGrpSpPr>
+            <p:cNvPr id="16" name="Gruppieren 15">
+              <a:extLst>
+                <a:ext uri="{FF2B5EF4-FFF2-40B4-BE49-F238E27FC236}">
+                  <a16:creationId xmlns:a16="http://schemas.microsoft.com/office/drawing/2014/main" id="{6E47800B-B1A4-D9FB-EE4F-B41AFDE3535E}"/>
+                </a:ext>
+              </a:extLst>
+            </p:cNvPr>
+            <p:cNvGrpSpPr/>
+            <p:nvPr/>
+          </p:nvGrpSpPr>
+          <p:grpSpPr>
+            <a:xfrm>
+              <a:off x="6980572" y="5571536"/>
+              <a:ext cx="1008994" cy="732406"/>
+              <a:chOff x="6980572" y="5571536"/>
+              <a:chExt cx="1008994" cy="732406"/>
+            </a:xfrm>
+          </p:grpSpPr>
+          <p:sp>
+            <p:nvSpPr>
+              <p:cNvPr id="128" name="Textfeld 127">
+                <a:extLst>
+                  <a:ext uri="{FF2B5EF4-FFF2-40B4-BE49-F238E27FC236}">
+                    <a16:creationId xmlns:a16="http://schemas.microsoft.com/office/drawing/2014/main" id="{010A37D7-010D-FCC9-1325-B24536FE8147}"/>
+                  </a:ext>
+                </a:extLst>
+              </p:cNvPr>
+              <p:cNvSpPr txBox="1"/>
+              <p:nvPr/>
+            </p:nvSpPr>
+            <p:spPr>
+              <a:xfrm>
+                <a:off x="6980572" y="6026943"/>
+                <a:ext cx="1008994" cy="276999"/>
+              </a:xfrm>
+              <a:prstGeom prst="rect">
+                <a:avLst/>
+              </a:prstGeom>
+              <a:noFill/>
+            </p:spPr>
+            <p:txBody>
+              <a:bodyPr wrap="none" rtlCol="0">
+                <a:spAutoFit/>
+              </a:bodyPr>
+              <a:lstStyle/>
+              <a:p>
+                <a:pPr algn="ctr"/>
+                <a:r>
+                  <a:rPr lang="de-DE" sz="1200">
+                    <a:latin typeface="+mj-lt"/>
+                  </a:rPr>
+                  <a:t>Log Analytics</a:t>
+                </a:r>
+              </a:p>
+            </p:txBody>
+          </p:sp>
+          <p:pic>
+            <p:nvPicPr>
+              <p:cNvPr id="135" name="Grafik 134">
+                <a:extLst>
+                  <a:ext uri="{FF2B5EF4-FFF2-40B4-BE49-F238E27FC236}">
+                    <a16:creationId xmlns:a16="http://schemas.microsoft.com/office/drawing/2014/main" id="{C612CE8E-6608-F0EC-8EED-88ED495D444B}"/>
+                  </a:ext>
+                </a:extLst>
+              </p:cNvPr>
+              <p:cNvPicPr>
+                <a:picLocks noChangeAspect="1"/>
+              </p:cNvPicPr>
+              <p:nvPr/>
+            </p:nvPicPr>
+            <p:blipFill>
+              <a:blip r:embed="rId6">
+                <a:extLst>
+                  <a:ext uri="{28A0092B-C50C-407E-A947-70E740481C1C}">
+                    <a14:useLocalDpi xmlns:a14="http://schemas.microsoft.com/office/drawing/2010/main" val="0"/>
+                  </a:ext>
+                  <a:ext uri="{96DAC541-7B7A-43D3-8B79-37D633B846F1}">
+                    <asvg:svgBlip xmlns:asvg="http://schemas.microsoft.com/office/drawing/2016/SVG/main" r:embed="rId7"/>
+                  </a:ext>
+                </a:extLst>
+              </a:blip>
+              <a:stretch>
+                <a:fillRect/>
+              </a:stretch>
+            </p:blipFill>
+            <p:spPr>
+              <a:xfrm>
+                <a:off x="7269069" y="5571536"/>
+                <a:ext cx="432000" cy="432000"/>
+              </a:xfrm>
+              <a:prstGeom prst="rect">
+                <a:avLst/>
+              </a:prstGeom>
+            </p:spPr>
+          </p:pic>
+        </p:grpSp>
+        <p:grpSp>
+          <p:nvGrpSpPr>
+            <p:cNvPr id="17" name="Gruppieren 16">
+              <a:extLst>
+                <a:ext uri="{FF2B5EF4-FFF2-40B4-BE49-F238E27FC236}">
+                  <a16:creationId xmlns:a16="http://schemas.microsoft.com/office/drawing/2014/main" id="{9F2FF1DA-596C-4244-2430-48DD1E84153A}"/>
+                </a:ext>
+              </a:extLst>
+            </p:cNvPr>
+            <p:cNvGrpSpPr/>
+            <p:nvPr/>
+          </p:nvGrpSpPr>
+          <p:grpSpPr>
+            <a:xfrm>
+              <a:off x="9144759" y="5609985"/>
+              <a:ext cx="730585" cy="682404"/>
+              <a:chOff x="9144759" y="5609985"/>
+              <a:chExt cx="730585" cy="682404"/>
+            </a:xfrm>
+          </p:grpSpPr>
+          <p:sp>
+            <p:nvSpPr>
+              <p:cNvPr id="130" name="Textfeld 129">
+                <a:extLst>
+                  <a:ext uri="{FF2B5EF4-FFF2-40B4-BE49-F238E27FC236}">
+                    <a16:creationId xmlns:a16="http://schemas.microsoft.com/office/drawing/2014/main" id="{FA353446-ED35-A89B-E235-8CE9F6D2733C}"/>
+                  </a:ext>
+                </a:extLst>
+              </p:cNvPr>
+              <p:cNvSpPr txBox="1"/>
+              <p:nvPr/>
+            </p:nvSpPr>
+            <p:spPr>
+              <a:xfrm>
+                <a:off x="9144759" y="6015390"/>
+                <a:ext cx="730585" cy="276999"/>
+              </a:xfrm>
+              <a:prstGeom prst="rect">
+                <a:avLst/>
+              </a:prstGeom>
+              <a:noFill/>
+            </p:spPr>
+            <p:txBody>
+              <a:bodyPr wrap="none" rtlCol="0">
+                <a:spAutoFit/>
+              </a:bodyPr>
+              <a:lstStyle/>
+              <a:p>
+                <a:pPr algn="ctr"/>
+                <a:r>
+                  <a:rPr lang="de-DE" sz="1200">
+                    <a:latin typeface="+mj-lt"/>
+                  </a:rPr>
+                  <a:t>Power BI</a:t>
+                </a:r>
+              </a:p>
+            </p:txBody>
+          </p:sp>
+          <p:pic>
+            <p:nvPicPr>
+              <p:cNvPr id="137" name="Grafik 136">
+                <a:extLst>
+                  <a:ext uri="{FF2B5EF4-FFF2-40B4-BE49-F238E27FC236}">
+                    <a16:creationId xmlns:a16="http://schemas.microsoft.com/office/drawing/2014/main" id="{B2CA89D2-634D-B06A-8565-FEB01E4C0886}"/>
+                  </a:ext>
+                </a:extLst>
+              </p:cNvPr>
+              <p:cNvPicPr>
+                <a:picLocks noChangeAspect="1"/>
+              </p:cNvPicPr>
+              <p:nvPr/>
+            </p:nvPicPr>
+            <p:blipFill>
+              <a:blip r:embed="rId8">
+                <a:extLst>
+                  <a:ext uri="{28A0092B-C50C-407E-A947-70E740481C1C}">
+                    <a14:useLocalDpi xmlns:a14="http://schemas.microsoft.com/office/drawing/2010/main" val="0"/>
+                  </a:ext>
+                  <a:ext uri="{96DAC541-7B7A-43D3-8B79-37D633B846F1}">
+                    <asvg:svgBlip xmlns:asvg="http://schemas.microsoft.com/office/drawing/2016/SVG/main" r:embed="rId9"/>
+                  </a:ext>
+                </a:extLst>
+              </a:blip>
+              <a:stretch>
+                <a:fillRect/>
+              </a:stretch>
+            </p:blipFill>
+            <p:spPr>
+              <a:xfrm>
+                <a:off x="9294051" y="5609985"/>
+                <a:ext cx="432000" cy="432000"/>
+              </a:xfrm>
+              <a:prstGeom prst="rect">
+                <a:avLst/>
+              </a:prstGeom>
+            </p:spPr>
+          </p:pic>
+        </p:grpSp>
         <p:sp>
           <p:nvSpPr>
-            <p:cNvPr id="130" name="Textfeld 129">
+            <p:cNvPr id="139" name="Textfeld 138">
               <a:extLst>
                 <a:ext uri="{FF2B5EF4-FFF2-40B4-BE49-F238E27FC236}">
-                  <a16:creationId xmlns:a16="http://schemas.microsoft.com/office/drawing/2014/main" id="{FA353446-ED35-A89B-E235-8CE9F6D2733C}"/>
+                  <a16:creationId xmlns:a16="http://schemas.microsoft.com/office/drawing/2014/main" id="{6D18CA46-BF01-C3FB-A398-DA9D77859435}"/>
                 </a:ext>
               </a:extLst>
             </p:cNvPr>
@@ -7336,197 +8240,8 @@
           </p:nvSpPr>
           <p:spPr>
             <a:xfrm>
-              <a:off x="9144759" y="6015390"/>
-              <a:ext cx="730585" cy="276999"/>
-            </a:xfrm>
-            <a:prstGeom prst="rect">
-              <a:avLst/>
-            </a:prstGeom>
-            <a:noFill/>
-          </p:spPr>
-          <p:txBody>
-            <a:bodyPr wrap="none" rtlCol="0">
-              <a:spAutoFit/>
-            </a:bodyPr>
-            <a:lstStyle/>
-            <a:p>
-              <a:pPr algn="ctr"/>
-              <a:r>
-                <a:rPr lang="de-DE" sz="1200">
-                  <a:latin typeface="+mj-lt"/>
-                </a:rPr>
-                <a:t>Power BI</a:t>
-              </a:r>
-            </a:p>
-          </p:txBody>
-        </p:sp>
-        <p:pic>
-          <p:nvPicPr>
-            <p:cNvPr id="137" name="Grafik 136">
-              <a:extLst>
-                <a:ext uri="{FF2B5EF4-FFF2-40B4-BE49-F238E27FC236}">
-                  <a16:creationId xmlns:a16="http://schemas.microsoft.com/office/drawing/2014/main" id="{B2CA89D2-634D-B06A-8565-FEB01E4C0886}"/>
-                </a:ext>
-              </a:extLst>
-            </p:cNvPr>
-            <p:cNvPicPr>
-              <a:picLocks noChangeAspect="1"/>
-            </p:cNvPicPr>
-            <p:nvPr/>
-          </p:nvPicPr>
-          <p:blipFill>
-            <a:blip r:embed="rId8">
-              <a:extLst>
-                <a:ext uri="{28A0092B-C50C-407E-A947-70E740481C1C}">
-                  <a14:useLocalDpi xmlns:a14="http://schemas.microsoft.com/office/drawing/2010/main" val="0"/>
-                </a:ext>
-                <a:ext uri="{96DAC541-7B7A-43D3-8B79-37D633B846F1}">
-                  <asvg:svgBlip xmlns:asvg="http://schemas.microsoft.com/office/drawing/2016/SVG/main" r:embed="rId9"/>
-                </a:ext>
-              </a:extLst>
-            </a:blip>
-            <a:stretch>
-              <a:fillRect/>
-            </a:stretch>
-          </p:blipFill>
-          <p:spPr>
-            <a:xfrm>
-              <a:off x="9294051" y="5609985"/>
-              <a:ext cx="432000" cy="432000"/>
-            </a:xfrm>
-            <a:prstGeom prst="rect">
-              <a:avLst/>
-            </a:prstGeom>
-          </p:spPr>
-        </p:pic>
-      </p:grpSp>
-      <p:sp>
-        <p:nvSpPr>
-          <p:cNvPr id="139" name="Textfeld 138">
-            <a:extLst>
-              <a:ext uri="{FF2B5EF4-FFF2-40B4-BE49-F238E27FC236}">
-                <a16:creationId xmlns:a16="http://schemas.microsoft.com/office/drawing/2014/main" id="{6D18CA46-BF01-C3FB-A398-DA9D77859435}"/>
-              </a:ext>
-            </a:extLst>
-          </p:cNvPr>
-          <p:cNvSpPr txBox="1"/>
-          <p:nvPr/>
-        </p:nvSpPr>
-        <p:spPr>
-          <a:xfrm>
-            <a:off x="4225588" y="5228407"/>
-            <a:ext cx="1794601" cy="461665"/>
-          </a:xfrm>
-          <a:prstGeom prst="rect">
-            <a:avLst/>
-          </a:prstGeom>
-          <a:noFill/>
-        </p:spPr>
-        <p:txBody>
-          <a:bodyPr wrap="square" rtlCol="0">
-            <a:spAutoFit/>
-          </a:bodyPr>
-          <a:lstStyle>
-            <a:defPPr>
-              <a:defRPr lang="de-DE"/>
-            </a:defPPr>
-            <a:lvl1pPr>
-              <a:defRPr sz="1100">
-                <a:latin typeface="+mj-lt"/>
-              </a:defRPr>
-            </a:lvl1pPr>
-          </a:lstStyle>
-          <a:p>
-            <a:pPr algn="r"/>
-            <a:r>
-              <a:rPr lang="de-DE" sz="1200" i="1"/>
-              <a:t>example,</a:t>
-            </a:r>
-          </a:p>
-          <a:p>
-            <a:pPr algn="r"/>
-            <a:r>
-              <a:rPr lang="de-DE" sz="1200" i="1"/>
-              <a:t>customizable via plugins</a:t>
-            </a:r>
-          </a:p>
-        </p:txBody>
-      </p:sp>
-      <p:pic>
-        <p:nvPicPr>
-          <p:cNvPr id="4" name="Grafik 3">
-            <a:extLst>
-              <a:ext uri="{FF2B5EF4-FFF2-40B4-BE49-F238E27FC236}">
-                <a16:creationId xmlns:a16="http://schemas.microsoft.com/office/drawing/2014/main" id="{04662C94-1450-6A9C-ECB7-4A270C9FDE96}"/>
-              </a:ext>
-            </a:extLst>
-          </p:cNvPr>
-          <p:cNvPicPr>
-            <a:picLocks noChangeAspect="1"/>
-          </p:cNvPicPr>
-          <p:nvPr/>
-        </p:nvPicPr>
-        <p:blipFill>
-          <a:blip r:embed="rId10">
-            <a:extLst>
-              <a:ext uri="{28A0092B-C50C-407E-A947-70E740481C1C}">
-                <a14:useLocalDpi xmlns:a14="http://schemas.microsoft.com/office/drawing/2010/main" val="0"/>
-              </a:ext>
-              <a:ext uri="{96DAC541-7B7A-43D3-8B79-37D633B846F1}">
-                <asvg:svgBlip xmlns:asvg="http://schemas.microsoft.com/office/drawing/2016/SVG/main" r:embed="rId11"/>
-              </a:ext>
-            </a:extLst>
-          </a:blip>
-          <a:stretch>
-            <a:fillRect/>
-          </a:stretch>
-        </p:blipFill>
-        <p:spPr>
-          <a:xfrm>
-            <a:off x="2264349" y="1312082"/>
-            <a:ext cx="307777" cy="307777"/>
-          </a:xfrm>
-          <a:prstGeom prst="rect">
-            <a:avLst/>
-          </a:prstGeom>
-        </p:spPr>
-      </p:pic>
-      <p:grpSp>
-        <p:nvGrpSpPr>
-          <p:cNvPr id="3" name="Gruppieren 2">
-            <a:extLst>
-              <a:ext uri="{FF2B5EF4-FFF2-40B4-BE49-F238E27FC236}">
-                <a16:creationId xmlns:a16="http://schemas.microsoft.com/office/drawing/2014/main" id="{AF8202C8-2553-BDA5-49A4-E9C357E439EB}"/>
-              </a:ext>
-            </a:extLst>
-          </p:cNvPr>
-          <p:cNvGrpSpPr/>
-          <p:nvPr/>
-        </p:nvGrpSpPr>
-        <p:grpSpPr>
-          <a:xfrm>
-            <a:off x="7468542" y="3148569"/>
-            <a:ext cx="2273160" cy="430887"/>
-            <a:chOff x="7500966" y="3148569"/>
-            <a:chExt cx="2273160" cy="430887"/>
-          </a:xfrm>
-        </p:grpSpPr>
-        <p:sp>
-          <p:nvSpPr>
-            <p:cNvPr id="122" name="Textfeld 121">
-              <a:extLst>
-                <a:ext uri="{FF2B5EF4-FFF2-40B4-BE49-F238E27FC236}">
-                  <a16:creationId xmlns:a16="http://schemas.microsoft.com/office/drawing/2014/main" id="{48941BDD-8407-491B-8583-1FEC099E6794}"/>
-                </a:ext>
-              </a:extLst>
-            </p:cNvPr>
-            <p:cNvSpPr txBox="1"/>
-            <p:nvPr/>
-          </p:nvSpPr>
-          <p:spPr>
-            <a:xfrm>
-              <a:off x="7850456" y="3148569"/>
-              <a:ext cx="1923670" cy="430887"/>
+              <a:off x="4225588" y="5228407"/>
+              <a:ext cx="1794601" cy="461665"/>
             </a:xfrm>
             <a:prstGeom prst="rect">
               <a:avLst/>
@@ -7548,25 +8263,27 @@
               </a:lvl1pPr>
             </a:lstStyle>
             <a:p>
+              <a:pPr algn="r"/>
               <a:r>
-                <a:rPr lang="de-DE"/>
-                <a:t>Azure OpenAI key</a:t>
+                <a:rPr lang="de-DE" sz="1200" i="1"/>
+                <a:t>example,</a:t>
               </a:r>
             </a:p>
             <a:p>
+              <a:pPr algn="r"/>
               <a:r>
-                <a:rPr lang="de-DE"/>
-                <a:t>(only known to administrators)</a:t>
+                <a:rPr lang="de-DE" sz="1200" i="1"/>
+                <a:t>customizable via plugins</a:t>
               </a:r>
             </a:p>
           </p:txBody>
         </p:sp>
         <p:pic>
           <p:nvPicPr>
-            <p:cNvPr id="5" name="Grafik 4">
+            <p:cNvPr id="4" name="Grafik 3">
               <a:extLst>
                 <a:ext uri="{FF2B5EF4-FFF2-40B4-BE49-F238E27FC236}">
-                  <a16:creationId xmlns:a16="http://schemas.microsoft.com/office/drawing/2014/main" id="{C1438997-3222-5154-2DE7-CA4157117304}"/>
+                  <a16:creationId xmlns:a16="http://schemas.microsoft.com/office/drawing/2014/main" id="{04662C94-1450-6A9C-ECB7-4A270C9FDE96}"/>
                 </a:ext>
               </a:extLst>
             </p:cNvPr>
@@ -7576,13 +8293,13 @@
             <p:nvPr/>
           </p:nvPicPr>
           <p:blipFill>
-            <a:blip r:embed="rId12">
+            <a:blip r:embed="rId10">
               <a:extLst>
                 <a:ext uri="{28A0092B-C50C-407E-A947-70E740481C1C}">
                   <a14:useLocalDpi xmlns:a14="http://schemas.microsoft.com/office/drawing/2010/main" val="0"/>
                 </a:ext>
                 <a:ext uri="{96DAC541-7B7A-43D3-8B79-37D633B846F1}">
-                  <asvg:svgBlip xmlns:asvg="http://schemas.microsoft.com/office/drawing/2016/SVG/main" r:embed="rId13"/>
+                  <asvg:svgBlip xmlns:asvg="http://schemas.microsoft.com/office/drawing/2016/SVG/main" r:embed="rId11"/>
                 </a:ext>
               </a:extLst>
             </a:blip>
@@ -7592,7 +8309,7 @@
           </p:blipFill>
           <p:spPr>
             <a:xfrm>
-              <a:off x="7500966" y="3210124"/>
+              <a:off x="2264349" y="1312082"/>
               <a:ext cx="307777" cy="307777"/>
             </a:xfrm>
             <a:prstGeom prst="rect">
@@ -7600,155 +8317,122 @@
             </a:prstGeom>
           </p:spPr>
         </p:pic>
-      </p:grpSp>
-      <p:pic>
-        <p:nvPicPr>
-          <p:cNvPr id="7" name="Grafik 6">
-            <a:extLst>
-              <a:ext uri="{FF2B5EF4-FFF2-40B4-BE49-F238E27FC236}">
-                <a16:creationId xmlns:a16="http://schemas.microsoft.com/office/drawing/2014/main" id="{2C3F5ED3-D1E8-1C55-8A9D-F7F64D22DBCC}"/>
-              </a:ext>
-            </a:extLst>
-          </p:cNvPr>
-          <p:cNvPicPr>
-            <a:picLocks noChangeAspect="1"/>
-          </p:cNvPicPr>
-          <p:nvPr/>
-        </p:nvPicPr>
-        <p:blipFill>
-          <a:blip r:embed="rId14">
-            <a:extLst>
-              <a:ext uri="{28A0092B-C50C-407E-A947-70E740481C1C}">
-                <a14:useLocalDpi xmlns:a14="http://schemas.microsoft.com/office/drawing/2010/main" val="0"/>
-              </a:ext>
-              <a:ext uri="{96DAC541-7B7A-43D3-8B79-37D633B846F1}">
-                <asvg:svgBlip xmlns:asvg="http://schemas.microsoft.com/office/drawing/2016/SVG/main" r:embed="rId15"/>
-              </a:ext>
-            </a:extLst>
-          </a:blip>
-          <a:stretch>
-            <a:fillRect/>
-          </a:stretch>
-        </p:blipFill>
-        <p:spPr>
-          <a:xfrm>
-            <a:off x="2715252" y="3224607"/>
-            <a:ext cx="307777" cy="307777"/>
-          </a:xfrm>
-          <a:prstGeom prst="rect">
-            <a:avLst/>
-          </a:prstGeom>
-        </p:spPr>
-      </p:pic>
-      <p:pic>
-        <p:nvPicPr>
-          <p:cNvPr id="8" name="Grafik 7">
-            <a:extLst>
-              <a:ext uri="{FF2B5EF4-FFF2-40B4-BE49-F238E27FC236}">
-                <a16:creationId xmlns:a16="http://schemas.microsoft.com/office/drawing/2014/main" id="{12BF2C67-B515-CDFC-CBBC-D688992FC564}"/>
-              </a:ext>
-            </a:extLst>
-          </p:cNvPr>
-          <p:cNvPicPr>
-            <a:picLocks noChangeAspect="1"/>
-          </p:cNvPicPr>
-          <p:nvPr/>
-        </p:nvPicPr>
-        <p:blipFill>
-          <a:blip r:embed="rId16">
-            <a:extLst>
-              <a:ext uri="{28A0092B-C50C-407E-A947-70E740481C1C}">
-                <a14:useLocalDpi xmlns:a14="http://schemas.microsoft.com/office/drawing/2010/main" val="0"/>
-              </a:ext>
-              <a:ext uri="{96DAC541-7B7A-43D3-8B79-37D633B846F1}">
-                <asvg:svgBlip xmlns:asvg="http://schemas.microsoft.com/office/drawing/2016/SVG/main" r:embed="rId17"/>
-              </a:ext>
-            </a:extLst>
-          </a:blip>
-          <a:stretch>
-            <a:fillRect/>
-          </a:stretch>
-        </p:blipFill>
-        <p:spPr>
-          <a:xfrm>
-            <a:off x="2367713" y="5101330"/>
-            <a:ext cx="307777" cy="307777"/>
-          </a:xfrm>
-          <a:prstGeom prst="rect">
-            <a:avLst/>
-          </a:prstGeom>
-        </p:spPr>
-      </p:pic>
-      <p:cxnSp>
-        <p:nvCxnSpPr>
-          <p:cNvPr id="11" name="Gerade Verbindung mit Pfeil 123">
-            <a:extLst>
-              <a:ext uri="{FF2B5EF4-FFF2-40B4-BE49-F238E27FC236}">
-                <a16:creationId xmlns:a16="http://schemas.microsoft.com/office/drawing/2014/main" id="{72C962A4-FEE7-E87B-E2C9-F02A2910185A}"/>
-              </a:ext>
-            </a:extLst>
-          </p:cNvPr>
-          <p:cNvCxnSpPr>
-            <a:cxnSpLocks/>
-          </p:cNvCxnSpPr>
-          <p:nvPr/>
-        </p:nvCxnSpPr>
-        <p:spPr>
-          <a:xfrm flipV="1">
-            <a:off x="5966646" y="2370349"/>
-            <a:ext cx="1227660" cy="489393"/>
-          </a:xfrm>
-          <a:prstGeom prst="bentConnector3">
-            <a:avLst>
-              <a:gd name="adj1" fmla="val 727"/>
-            </a:avLst>
-          </a:prstGeom>
-          <a:ln>
-            <a:prstDash val="sysDash"/>
-            <a:tailEnd type="triangle"/>
-          </a:ln>
-        </p:spPr>
-        <p:style>
-          <a:lnRef idx="2">
-            <a:schemeClr val="accent1"/>
-          </a:lnRef>
-          <a:fillRef idx="0">
-            <a:schemeClr val="accent1"/>
-          </a:fillRef>
-          <a:effectRef idx="1">
-            <a:schemeClr val="accent1"/>
-          </a:effectRef>
-          <a:fontRef idx="minor">
-            <a:schemeClr val="tx1"/>
-          </a:fontRef>
-        </p:style>
-      </p:cxnSp>
-      <p:grpSp>
-        <p:nvGrpSpPr>
-          <p:cNvPr id="15" name="Gruppieren 14">
-            <a:extLst>
-              <a:ext uri="{FF2B5EF4-FFF2-40B4-BE49-F238E27FC236}">
-                <a16:creationId xmlns:a16="http://schemas.microsoft.com/office/drawing/2014/main" id="{29D7B13D-C3F3-A52D-A8D6-5C96804A15B0}"/>
-              </a:ext>
-            </a:extLst>
-          </p:cNvPr>
-          <p:cNvGrpSpPr/>
-          <p:nvPr/>
-        </p:nvGrpSpPr>
-        <p:grpSpPr>
-          <a:xfrm>
-            <a:off x="7106439" y="1974977"/>
-            <a:ext cx="757260" cy="732406"/>
-            <a:chOff x="7243802" y="2068760"/>
-            <a:chExt cx="757260" cy="732406"/>
-          </a:xfrm>
-        </p:grpSpPr>
+        <p:grpSp>
+          <p:nvGrpSpPr>
+            <p:cNvPr id="3" name="Gruppieren 2">
+              <a:extLst>
+                <a:ext uri="{FF2B5EF4-FFF2-40B4-BE49-F238E27FC236}">
+                  <a16:creationId xmlns:a16="http://schemas.microsoft.com/office/drawing/2014/main" id="{AF8202C8-2553-BDA5-49A4-E9C357E439EB}"/>
+                </a:ext>
+              </a:extLst>
+            </p:cNvPr>
+            <p:cNvGrpSpPr/>
+            <p:nvPr/>
+          </p:nvGrpSpPr>
+          <p:grpSpPr>
+            <a:xfrm>
+              <a:off x="7468542" y="3148569"/>
+              <a:ext cx="2273160" cy="430887"/>
+              <a:chOff x="7500966" y="3148569"/>
+              <a:chExt cx="2273160" cy="430887"/>
+            </a:xfrm>
+          </p:grpSpPr>
+          <p:sp>
+            <p:nvSpPr>
+              <p:cNvPr id="122" name="Textfeld 121">
+                <a:extLst>
+                  <a:ext uri="{FF2B5EF4-FFF2-40B4-BE49-F238E27FC236}">
+                    <a16:creationId xmlns:a16="http://schemas.microsoft.com/office/drawing/2014/main" id="{48941BDD-8407-491B-8583-1FEC099E6794}"/>
+                  </a:ext>
+                </a:extLst>
+              </p:cNvPr>
+              <p:cNvSpPr txBox="1"/>
+              <p:nvPr/>
+            </p:nvSpPr>
+            <p:spPr>
+              <a:xfrm>
+                <a:off x="7850456" y="3148569"/>
+                <a:ext cx="1923670" cy="430887"/>
+              </a:xfrm>
+              <a:prstGeom prst="rect">
+                <a:avLst/>
+              </a:prstGeom>
+              <a:noFill/>
+            </p:spPr>
+            <p:txBody>
+              <a:bodyPr wrap="square" rtlCol="0">
+                <a:spAutoFit/>
+              </a:bodyPr>
+              <a:lstStyle>
+                <a:defPPr>
+                  <a:defRPr lang="de-DE"/>
+                </a:defPPr>
+                <a:lvl1pPr>
+                  <a:defRPr sz="1100">
+                    <a:latin typeface="+mj-lt"/>
+                  </a:defRPr>
+                </a:lvl1pPr>
+              </a:lstStyle>
+              <a:p>
+                <a:r>
+                  <a:rPr lang="de-DE"/>
+                  <a:t>Azure OpenAI key</a:t>
+                </a:r>
+              </a:p>
+              <a:p>
+                <a:r>
+                  <a:rPr lang="de-DE"/>
+                  <a:t>(only known to administrators)</a:t>
+                </a:r>
+              </a:p>
+            </p:txBody>
+          </p:sp>
+          <p:pic>
+            <p:nvPicPr>
+              <p:cNvPr id="5" name="Grafik 4">
+                <a:extLst>
+                  <a:ext uri="{FF2B5EF4-FFF2-40B4-BE49-F238E27FC236}">
+                    <a16:creationId xmlns:a16="http://schemas.microsoft.com/office/drawing/2014/main" id="{C1438997-3222-5154-2DE7-CA4157117304}"/>
+                  </a:ext>
+                </a:extLst>
+              </p:cNvPr>
+              <p:cNvPicPr>
+                <a:picLocks noChangeAspect="1"/>
+              </p:cNvPicPr>
+              <p:nvPr/>
+            </p:nvPicPr>
+            <p:blipFill>
+              <a:blip r:embed="rId12">
+                <a:extLst>
+                  <a:ext uri="{28A0092B-C50C-407E-A947-70E740481C1C}">
+                    <a14:useLocalDpi xmlns:a14="http://schemas.microsoft.com/office/drawing/2010/main" val="0"/>
+                  </a:ext>
+                  <a:ext uri="{96DAC541-7B7A-43D3-8B79-37D633B846F1}">
+                    <asvg:svgBlip xmlns:asvg="http://schemas.microsoft.com/office/drawing/2016/SVG/main" r:embed="rId13"/>
+                  </a:ext>
+                </a:extLst>
+              </a:blip>
+              <a:stretch>
+                <a:fillRect/>
+              </a:stretch>
+            </p:blipFill>
+            <p:spPr>
+              <a:xfrm>
+                <a:off x="7500966" y="3210124"/>
+                <a:ext cx="307777" cy="307777"/>
+              </a:xfrm>
+              <a:prstGeom prst="rect">
+                <a:avLst/>
+              </a:prstGeom>
+            </p:spPr>
+          </p:pic>
+        </p:grpSp>
         <p:pic>
           <p:nvPicPr>
-            <p:cNvPr id="10" name="Grafik 9">
+            <p:cNvPr id="7" name="Grafik 6">
               <a:extLst>
                 <a:ext uri="{FF2B5EF4-FFF2-40B4-BE49-F238E27FC236}">
-                  <a16:creationId xmlns:a16="http://schemas.microsoft.com/office/drawing/2014/main" id="{915AF39E-8970-6A28-0C4B-7B1092AF0E1C}"/>
+                  <a16:creationId xmlns:a16="http://schemas.microsoft.com/office/drawing/2014/main" id="{2C3F5ED3-D1E8-1C55-8A9D-F7F64D22DBCC}"/>
                 </a:ext>
               </a:extLst>
             </p:cNvPr>
@@ -7758,13 +8442,13 @@
             <p:nvPr/>
           </p:nvPicPr>
           <p:blipFill>
-            <a:blip r:embed="rId18">
+            <a:blip r:embed="rId14">
               <a:extLst>
                 <a:ext uri="{28A0092B-C50C-407E-A947-70E740481C1C}">
                   <a14:useLocalDpi xmlns:a14="http://schemas.microsoft.com/office/drawing/2010/main" val="0"/>
                 </a:ext>
                 <a:ext uri="{96DAC541-7B7A-43D3-8B79-37D633B846F1}">
-                  <asvg:svgBlip xmlns:asvg="http://schemas.microsoft.com/office/drawing/2016/SVG/main" r:embed="rId19"/>
+                  <asvg:svgBlip xmlns:asvg="http://schemas.microsoft.com/office/drawing/2016/SVG/main" r:embed="rId15"/>
                 </a:ext>
               </a:extLst>
             </a:blip>
@@ -7774,20 +8458,201 @@
           </p:blipFill>
           <p:spPr>
             <a:xfrm>
-              <a:off x="7406432" y="2068760"/>
-              <a:ext cx="432000" cy="432000"/>
+              <a:off x="2715252" y="3224607"/>
+              <a:ext cx="307777" cy="307777"/>
             </a:xfrm>
             <a:prstGeom prst="rect">
               <a:avLst/>
             </a:prstGeom>
           </p:spPr>
         </p:pic>
+        <p:pic>
+          <p:nvPicPr>
+            <p:cNvPr id="8" name="Grafik 7">
+              <a:extLst>
+                <a:ext uri="{FF2B5EF4-FFF2-40B4-BE49-F238E27FC236}">
+                  <a16:creationId xmlns:a16="http://schemas.microsoft.com/office/drawing/2014/main" id="{12BF2C67-B515-CDFC-CBBC-D688992FC564}"/>
+                </a:ext>
+              </a:extLst>
+            </p:cNvPr>
+            <p:cNvPicPr>
+              <a:picLocks noChangeAspect="1"/>
+            </p:cNvPicPr>
+            <p:nvPr/>
+          </p:nvPicPr>
+          <p:blipFill>
+            <a:blip r:embed="rId16">
+              <a:extLst>
+                <a:ext uri="{28A0092B-C50C-407E-A947-70E740481C1C}">
+                  <a14:useLocalDpi xmlns:a14="http://schemas.microsoft.com/office/drawing/2010/main" val="0"/>
+                </a:ext>
+                <a:ext uri="{96DAC541-7B7A-43D3-8B79-37D633B846F1}">
+                  <asvg:svgBlip xmlns:asvg="http://schemas.microsoft.com/office/drawing/2016/SVG/main" r:embed="rId17"/>
+                </a:ext>
+              </a:extLst>
+            </a:blip>
+            <a:stretch>
+              <a:fillRect/>
+            </a:stretch>
+          </p:blipFill>
+          <p:spPr>
+            <a:xfrm>
+              <a:off x="2367713" y="5101330"/>
+              <a:ext cx="307777" cy="307777"/>
+            </a:xfrm>
+            <a:prstGeom prst="rect">
+              <a:avLst/>
+            </a:prstGeom>
+          </p:spPr>
+        </p:pic>
+        <p:cxnSp>
+          <p:nvCxnSpPr>
+            <p:cNvPr id="11" name="Gerade Verbindung mit Pfeil 123">
+              <a:extLst>
+                <a:ext uri="{FF2B5EF4-FFF2-40B4-BE49-F238E27FC236}">
+                  <a16:creationId xmlns:a16="http://schemas.microsoft.com/office/drawing/2014/main" id="{72C962A4-FEE7-E87B-E2C9-F02A2910185A}"/>
+                </a:ext>
+              </a:extLst>
+            </p:cNvPr>
+            <p:cNvCxnSpPr>
+              <a:cxnSpLocks/>
+            </p:cNvCxnSpPr>
+            <p:nvPr/>
+          </p:nvCxnSpPr>
+          <p:spPr>
+            <a:xfrm flipV="1">
+              <a:off x="5966646" y="2370349"/>
+              <a:ext cx="1227660" cy="489393"/>
+            </a:xfrm>
+            <a:prstGeom prst="bentConnector3">
+              <a:avLst>
+                <a:gd name="adj1" fmla="val 727"/>
+              </a:avLst>
+            </a:prstGeom>
+            <a:ln>
+              <a:prstDash val="sysDash"/>
+              <a:tailEnd type="triangle"/>
+            </a:ln>
+          </p:spPr>
+          <p:style>
+            <a:lnRef idx="2">
+              <a:schemeClr val="accent1"/>
+            </a:lnRef>
+            <a:fillRef idx="0">
+              <a:schemeClr val="accent1"/>
+            </a:fillRef>
+            <a:effectRef idx="1">
+              <a:schemeClr val="accent1"/>
+            </a:effectRef>
+            <a:fontRef idx="minor">
+              <a:schemeClr val="tx1"/>
+            </a:fontRef>
+          </p:style>
+        </p:cxnSp>
+        <p:grpSp>
+          <p:nvGrpSpPr>
+            <p:cNvPr id="15" name="Gruppieren 14">
+              <a:extLst>
+                <a:ext uri="{FF2B5EF4-FFF2-40B4-BE49-F238E27FC236}">
+                  <a16:creationId xmlns:a16="http://schemas.microsoft.com/office/drawing/2014/main" id="{29D7B13D-C3F3-A52D-A8D6-5C96804A15B0}"/>
+                </a:ext>
+              </a:extLst>
+            </p:cNvPr>
+            <p:cNvGrpSpPr/>
+            <p:nvPr/>
+          </p:nvGrpSpPr>
+          <p:grpSpPr>
+            <a:xfrm>
+              <a:off x="7106439" y="1974977"/>
+              <a:ext cx="757260" cy="732406"/>
+              <a:chOff x="7243802" y="2068760"/>
+              <a:chExt cx="757260" cy="732406"/>
+            </a:xfrm>
+          </p:grpSpPr>
+          <p:pic>
+            <p:nvPicPr>
+              <p:cNvPr id="10" name="Grafik 9">
+                <a:extLst>
+                  <a:ext uri="{FF2B5EF4-FFF2-40B4-BE49-F238E27FC236}">
+                    <a16:creationId xmlns:a16="http://schemas.microsoft.com/office/drawing/2014/main" id="{915AF39E-8970-6A28-0C4B-7B1092AF0E1C}"/>
+                  </a:ext>
+                </a:extLst>
+              </p:cNvPr>
+              <p:cNvPicPr>
+                <a:picLocks noChangeAspect="1"/>
+              </p:cNvPicPr>
+              <p:nvPr/>
+            </p:nvPicPr>
+            <p:blipFill>
+              <a:blip r:embed="rId18">
+                <a:extLst>
+                  <a:ext uri="{28A0092B-C50C-407E-A947-70E740481C1C}">
+                    <a14:useLocalDpi xmlns:a14="http://schemas.microsoft.com/office/drawing/2010/main" val="0"/>
+                  </a:ext>
+                  <a:ext uri="{96DAC541-7B7A-43D3-8B79-37D633B846F1}">
+                    <asvg:svgBlip xmlns:asvg="http://schemas.microsoft.com/office/drawing/2016/SVG/main" r:embed="rId19"/>
+                  </a:ext>
+                </a:extLst>
+              </a:blip>
+              <a:stretch>
+                <a:fillRect/>
+              </a:stretch>
+            </p:blipFill>
+            <p:spPr>
+              <a:xfrm>
+                <a:off x="7406432" y="2068760"/>
+                <a:ext cx="432000" cy="432000"/>
+              </a:xfrm>
+              <a:prstGeom prst="rect">
+                <a:avLst/>
+              </a:prstGeom>
+            </p:spPr>
+          </p:pic>
+          <p:sp>
+            <p:nvSpPr>
+              <p:cNvPr id="14" name="Textfeld 13">
+                <a:extLst>
+                  <a:ext uri="{FF2B5EF4-FFF2-40B4-BE49-F238E27FC236}">
+                    <a16:creationId xmlns:a16="http://schemas.microsoft.com/office/drawing/2014/main" id="{D735F9B2-5CBB-5319-3B36-DD4EF7700E09}"/>
+                  </a:ext>
+                </a:extLst>
+              </p:cNvPr>
+              <p:cNvSpPr txBox="1"/>
+              <p:nvPr/>
+            </p:nvSpPr>
+            <p:spPr>
+              <a:xfrm>
+                <a:off x="7243802" y="2524167"/>
+                <a:ext cx="757260" cy="276999"/>
+              </a:xfrm>
+              <a:prstGeom prst="rect">
+                <a:avLst/>
+              </a:prstGeom>
+              <a:noFill/>
+            </p:spPr>
+            <p:txBody>
+              <a:bodyPr wrap="none" rtlCol="0">
+                <a:spAutoFit/>
+              </a:bodyPr>
+              <a:lstStyle/>
+              <a:p>
+                <a:pPr algn="ctr"/>
+                <a:r>
+                  <a:rPr lang="de-DE" sz="1200">
+                    <a:latin typeface="+mj-lt"/>
+                  </a:rPr>
+                  <a:t>Key Vault</a:t>
+                </a:r>
+              </a:p>
+            </p:txBody>
+          </p:sp>
+        </p:grpSp>
         <p:sp>
           <p:nvSpPr>
-            <p:cNvPr id="14" name="Textfeld 13">
+            <p:cNvPr id="19" name="Textfeld 18">
               <a:extLst>
                 <a:ext uri="{FF2B5EF4-FFF2-40B4-BE49-F238E27FC236}">
-                  <a16:creationId xmlns:a16="http://schemas.microsoft.com/office/drawing/2014/main" id="{D735F9B2-5CBB-5319-3B36-DD4EF7700E09}"/>
+                  <a16:creationId xmlns:a16="http://schemas.microsoft.com/office/drawing/2014/main" id="{098AE75C-F2B3-4486-8B2F-BC658E113650}"/>
                 </a:ext>
               </a:extLst>
             </p:cNvPr>
@@ -7796,8 +8661,8 @@
           </p:nvSpPr>
           <p:spPr>
             <a:xfrm>
-              <a:off x="7243802" y="2524167"/>
-              <a:ext cx="757260" cy="276999"/>
+              <a:off x="4113954" y="2176144"/>
+              <a:ext cx="1794601" cy="461665"/>
             </a:xfrm>
             <a:prstGeom prst="rect">
               <a:avLst/>
@@ -7805,74 +8670,36 @@
             <a:noFill/>
           </p:spPr>
           <p:txBody>
-            <a:bodyPr wrap="none" rtlCol="0">
+            <a:bodyPr wrap="square" rtlCol="0">
               <a:spAutoFit/>
             </a:bodyPr>
-            <a:lstStyle/>
+            <a:lstStyle>
+              <a:defPPr>
+                <a:defRPr lang="de-DE"/>
+              </a:defPPr>
+              <a:lvl1pPr>
+                <a:defRPr sz="1100">
+                  <a:latin typeface="+mj-lt"/>
+                </a:defRPr>
+              </a:lvl1pPr>
+            </a:lstStyle>
             <a:p>
-              <a:pPr algn="ctr"/>
+              <a:pPr algn="r"/>
               <a:r>
-                <a:rPr lang="de-DE" sz="1200">
-                  <a:latin typeface="+mj-lt"/>
-                </a:rPr>
-                <a:t>Key Vault</a:t>
+                <a:rPr lang="de-DE" sz="1200" i="1"/>
+                <a:t>optional:</a:t>
+              </a:r>
+            </a:p>
+            <a:p>
+              <a:pPr algn="r"/>
+              <a:r>
+                <a:rPr lang="de-DE" sz="1200" i="1"/>
+                <a:t>secrets from Key Vault</a:t>
               </a:r>
             </a:p>
           </p:txBody>
         </p:sp>
       </p:grpSp>
-      <p:sp>
-        <p:nvSpPr>
-          <p:cNvPr id="19" name="Textfeld 18">
-            <a:extLst>
-              <a:ext uri="{FF2B5EF4-FFF2-40B4-BE49-F238E27FC236}">
-                <a16:creationId xmlns:a16="http://schemas.microsoft.com/office/drawing/2014/main" id="{098AE75C-F2B3-4486-8B2F-BC658E113650}"/>
-              </a:ext>
-            </a:extLst>
-          </p:cNvPr>
-          <p:cNvSpPr txBox="1"/>
-          <p:nvPr/>
-        </p:nvSpPr>
-        <p:spPr>
-          <a:xfrm>
-            <a:off x="4113954" y="2176144"/>
-            <a:ext cx="1794601" cy="461665"/>
-          </a:xfrm>
-          <a:prstGeom prst="rect">
-            <a:avLst/>
-          </a:prstGeom>
-          <a:noFill/>
-        </p:spPr>
-        <p:txBody>
-          <a:bodyPr wrap="square" rtlCol="0">
-            <a:spAutoFit/>
-          </a:bodyPr>
-          <a:lstStyle>
-            <a:defPPr>
-              <a:defRPr lang="de-DE"/>
-            </a:defPPr>
-            <a:lvl1pPr>
-              <a:defRPr sz="1100">
-                <a:latin typeface="+mj-lt"/>
-              </a:defRPr>
-            </a:lvl1pPr>
-          </a:lstStyle>
-          <a:p>
-            <a:pPr algn="r"/>
-            <a:r>
-              <a:rPr lang="de-DE" sz="1200" i="1"/>
-              <a:t>optional:</a:t>
-            </a:r>
-          </a:p>
-          <a:p>
-            <a:pPr algn="r"/>
-            <a:r>
-              <a:rPr lang="de-DE" sz="1200" i="1"/>
-              <a:t>secrets from Key Vault</a:t>
-            </a:r>
-          </a:p>
-        </p:txBody>
-      </p:sp>
     </p:spTree>
     <p:extLst>
       <p:ext uri="{BB962C8B-B14F-4D97-AF65-F5344CB8AC3E}">
@@ -7948,7 +8775,7 @@
         <p:spPr>
           <a:xfrm>
             <a:off x="323557" y="370450"/>
-            <a:ext cx="3838680" cy="369332"/>
+            <a:ext cx="4728859" cy="369332"/>
           </a:xfrm>
           <a:prstGeom prst="rect">
             <a:avLst/>
@@ -7965,7 +8792,7 @@
               <a:rPr lang="de-DE">
                 <a:latin typeface="Aptos SemiBold" panose="020B0004020202020204" pitchFamily="34" charset="0"/>
               </a:rPr>
-              <a:t>Usage with Azure AD Authentication</a:t>
+              <a:t>Usage with Azure AD/Entra ID Authentication</a:t>
             </a:r>
           </a:p>
         </p:txBody>
@@ -8516,111 +9343,51 @@
           </a:fontRef>
         </p:style>
       </p:cxnSp>
-      <p:grpSp>
-        <p:nvGrpSpPr>
-          <p:cNvPr id="9" name="Gruppieren 8">
+      <p:sp>
+        <p:nvSpPr>
+          <p:cNvPr id="30" name="Textfeld 29">
             <a:extLst>
               <a:ext uri="{FF2B5EF4-FFF2-40B4-BE49-F238E27FC236}">
-                <a16:creationId xmlns:a16="http://schemas.microsoft.com/office/drawing/2014/main" id="{94D52E8B-A7A8-56FF-41F5-918E43717B1A}"/>
+                <a16:creationId xmlns:a16="http://schemas.microsoft.com/office/drawing/2014/main" id="{F7829661-014D-3770-059E-B3B633034DB6}"/>
               </a:ext>
             </a:extLst>
           </p:cNvPr>
-          <p:cNvGrpSpPr/>
+          <p:cNvSpPr txBox="1"/>
           <p:nvPr/>
-        </p:nvGrpSpPr>
-        <p:grpSpPr>
+        </p:nvSpPr>
+        <p:spPr>
           <a:xfrm>
-            <a:off x="2358134" y="1449517"/>
-            <a:ext cx="2401611" cy="461665"/>
-            <a:chOff x="2358134" y="1449517"/>
-            <a:chExt cx="2401611" cy="461665"/>
+            <a:off x="2721458" y="1449517"/>
+            <a:ext cx="2038287" cy="461665"/>
           </a:xfrm>
-        </p:grpSpPr>
-        <p:sp>
-          <p:nvSpPr>
-            <p:cNvPr id="30" name="Textfeld 29">
-              <a:extLst>
-                <a:ext uri="{FF2B5EF4-FFF2-40B4-BE49-F238E27FC236}">
-                  <a16:creationId xmlns:a16="http://schemas.microsoft.com/office/drawing/2014/main" id="{F7829661-014D-3770-059E-B3B633034DB6}"/>
-                </a:ext>
-              </a:extLst>
-            </p:cNvPr>
-            <p:cNvSpPr txBox="1"/>
-            <p:nvPr/>
-          </p:nvSpPr>
-          <p:spPr>
-            <a:xfrm>
-              <a:off x="2721458" y="1449517"/>
-              <a:ext cx="2038287" cy="461665"/>
-            </a:xfrm>
-            <a:prstGeom prst="rect">
-              <a:avLst/>
-            </a:prstGeom>
-            <a:noFill/>
-          </p:spPr>
-          <p:txBody>
-            <a:bodyPr wrap="square" rtlCol="0">
-              <a:spAutoFit/>
-            </a:bodyPr>
-            <a:lstStyle/>
-            <a:p>
-              <a:r>
-                <a:rPr lang="de-DE" sz="1200">
-                  <a:latin typeface="+mj-lt"/>
-                </a:rPr>
-                <a:t>Token acquired from Azure AD</a:t>
-              </a:r>
-            </a:p>
-            <a:p>
-              <a:r>
-                <a:rPr lang="de-DE" sz="1200">
-                  <a:latin typeface="+mj-lt"/>
-                </a:rPr>
-                <a:t>for specific user</a:t>
-              </a:r>
-            </a:p>
-          </p:txBody>
-        </p:sp>
-        <p:pic>
-          <p:nvPicPr>
-            <p:cNvPr id="40" name="Grafik 39">
-              <a:extLst>
-                <a:ext uri="{FF2B5EF4-FFF2-40B4-BE49-F238E27FC236}">
-                  <a16:creationId xmlns:a16="http://schemas.microsoft.com/office/drawing/2014/main" id="{DFC78094-02CE-A7AB-3ACC-56B3684949EA}"/>
-                </a:ext>
-              </a:extLst>
-            </p:cNvPr>
-            <p:cNvPicPr>
-              <a:picLocks noChangeAspect="1"/>
-            </p:cNvPicPr>
-            <p:nvPr/>
-          </p:nvPicPr>
-          <p:blipFill>
-            <a:blip r:embed="rId6">
-              <a:extLst>
-                <a:ext uri="{28A0092B-C50C-407E-A947-70E740481C1C}">
-                  <a14:useLocalDpi xmlns:a14="http://schemas.microsoft.com/office/drawing/2010/main" val="0"/>
-                </a:ext>
-                <a:ext uri="{96DAC541-7B7A-43D3-8B79-37D633B846F1}">
-                  <asvg:svgBlip xmlns:asvg="http://schemas.microsoft.com/office/drawing/2016/SVG/main" r:embed="rId7"/>
-                </a:ext>
-              </a:extLst>
-            </a:blip>
-            <a:stretch>
-              <a:fillRect/>
-            </a:stretch>
-          </p:blipFill>
-          <p:spPr>
-            <a:xfrm>
-              <a:off x="2358134" y="1526461"/>
-              <a:ext cx="307777" cy="307777"/>
-            </a:xfrm>
-            <a:prstGeom prst="rect">
-              <a:avLst/>
-            </a:prstGeom>
-          </p:spPr>
-        </p:pic>
-      </p:grpSp>
+          <a:prstGeom prst="rect">
+            <a:avLst/>
+          </a:prstGeom>
+          <a:noFill/>
+        </p:spPr>
+        <p:txBody>
+          <a:bodyPr wrap="square" rtlCol="0">
+            <a:spAutoFit/>
+          </a:bodyPr>
+          <a:lstStyle/>
+          <a:p>
+            <a:r>
+              <a:rPr lang="de-DE" sz="1200">
+                <a:latin typeface="+mj-lt"/>
+              </a:rPr>
+              <a:t>Token acquired from Azure AD</a:t>
+            </a:r>
+          </a:p>
+          <a:p>
+            <a:r>
+              <a:rPr lang="de-DE" sz="1200">
+                <a:latin typeface="+mj-lt"/>
+              </a:rPr>
+              <a:t>for specific user</a:t>
+            </a:r>
+          </a:p>
+        </p:txBody>
+      </p:sp>
       <p:cxnSp>
         <p:nvCxnSpPr>
           <p:cNvPr id="65" name="Gerade Verbindung mit Pfeil 107">
@@ -8662,111 +9429,51 @@
           </a:fontRef>
         </p:style>
       </p:cxnSp>
-      <p:grpSp>
-        <p:nvGrpSpPr>
-          <p:cNvPr id="117" name="Gruppieren 116">
+      <p:sp>
+        <p:nvSpPr>
+          <p:cNvPr id="67" name="Textfeld 66">
             <a:extLst>
               <a:ext uri="{FF2B5EF4-FFF2-40B4-BE49-F238E27FC236}">
-                <a16:creationId xmlns:a16="http://schemas.microsoft.com/office/drawing/2014/main" id="{9BAB585D-BBFB-BA19-C31A-801D177494AC}"/>
+                <a16:creationId xmlns:a16="http://schemas.microsoft.com/office/drawing/2014/main" id="{BD1B96C6-F882-E091-899A-72732ABDA8BB}"/>
               </a:ext>
             </a:extLst>
           </p:cNvPr>
-          <p:cNvGrpSpPr/>
+          <p:cNvSpPr txBox="1"/>
           <p:nvPr/>
-        </p:nvGrpSpPr>
-        <p:grpSpPr>
+        </p:nvSpPr>
+        <p:spPr>
           <a:xfrm>
-            <a:off x="2434483" y="4465344"/>
-            <a:ext cx="2401611" cy="461665"/>
-            <a:chOff x="2434483" y="4465344"/>
-            <a:chExt cx="2401611" cy="461665"/>
+            <a:off x="2797807" y="4465344"/>
+            <a:ext cx="2038287" cy="461665"/>
           </a:xfrm>
-        </p:grpSpPr>
-        <p:sp>
-          <p:nvSpPr>
-            <p:cNvPr id="67" name="Textfeld 66">
-              <a:extLst>
-                <a:ext uri="{FF2B5EF4-FFF2-40B4-BE49-F238E27FC236}">
-                  <a16:creationId xmlns:a16="http://schemas.microsoft.com/office/drawing/2014/main" id="{BD1B96C6-F882-E091-899A-72732ABDA8BB}"/>
-                </a:ext>
-              </a:extLst>
-            </p:cNvPr>
-            <p:cNvSpPr txBox="1"/>
-            <p:nvPr/>
-          </p:nvSpPr>
-          <p:spPr>
-            <a:xfrm>
-              <a:off x="2797807" y="4465344"/>
-              <a:ext cx="2038287" cy="461665"/>
-            </a:xfrm>
-            <a:prstGeom prst="rect">
-              <a:avLst/>
-            </a:prstGeom>
-            <a:noFill/>
-          </p:spPr>
-          <p:txBody>
-            <a:bodyPr wrap="square" rtlCol="0">
-              <a:spAutoFit/>
-            </a:bodyPr>
-            <a:lstStyle/>
-            <a:p>
-              <a:r>
-                <a:rPr lang="de-DE" sz="1200">
-                  <a:latin typeface="+mj-lt"/>
-                </a:rPr>
-                <a:t>Token acquired from Azure AD</a:t>
-              </a:r>
-            </a:p>
-            <a:p>
-              <a:r>
-                <a:rPr lang="de-DE" sz="1200">
-                  <a:latin typeface="+mj-lt"/>
-                </a:rPr>
-                <a:t>for specific user</a:t>
-              </a:r>
-            </a:p>
-          </p:txBody>
-        </p:sp>
-        <p:pic>
-          <p:nvPicPr>
-            <p:cNvPr id="68" name="Grafik 67">
-              <a:extLst>
-                <a:ext uri="{FF2B5EF4-FFF2-40B4-BE49-F238E27FC236}">
-                  <a16:creationId xmlns:a16="http://schemas.microsoft.com/office/drawing/2014/main" id="{2B1009F9-65FD-1DD0-EF62-75FCD25AFC41}"/>
-                </a:ext>
-              </a:extLst>
-            </p:cNvPr>
-            <p:cNvPicPr>
-              <a:picLocks noChangeAspect="1"/>
-            </p:cNvPicPr>
-            <p:nvPr/>
-          </p:nvPicPr>
-          <p:blipFill>
-            <a:blip r:embed="rId8">
-              <a:extLst>
-                <a:ext uri="{28A0092B-C50C-407E-A947-70E740481C1C}">
-                  <a14:useLocalDpi xmlns:a14="http://schemas.microsoft.com/office/drawing/2010/main" val="0"/>
-                </a:ext>
-                <a:ext uri="{96DAC541-7B7A-43D3-8B79-37D633B846F1}">
-                  <asvg:svgBlip xmlns:asvg="http://schemas.microsoft.com/office/drawing/2016/SVG/main" r:embed="rId9"/>
-                </a:ext>
-              </a:extLst>
-            </a:blip>
-            <a:stretch>
-              <a:fillRect/>
-            </a:stretch>
-          </p:blipFill>
-          <p:spPr>
-            <a:xfrm>
-              <a:off x="2434483" y="4537599"/>
-              <a:ext cx="307777" cy="307777"/>
-            </a:xfrm>
-            <a:prstGeom prst="rect">
-              <a:avLst/>
-            </a:prstGeom>
-          </p:spPr>
-        </p:pic>
-      </p:grpSp>
+          <a:prstGeom prst="rect">
+            <a:avLst/>
+          </a:prstGeom>
+          <a:noFill/>
+        </p:spPr>
+        <p:txBody>
+          <a:bodyPr wrap="square" rtlCol="0">
+            <a:spAutoFit/>
+          </a:bodyPr>
+          <a:lstStyle/>
+          <a:p>
+            <a:r>
+              <a:rPr lang="de-DE" sz="1200">
+                <a:latin typeface="+mj-lt"/>
+              </a:rPr>
+              <a:t>Token acquired from Azure AD</a:t>
+            </a:r>
+          </a:p>
+          <a:p>
+            <a:r>
+              <a:rPr lang="de-DE" sz="1200">
+                <a:latin typeface="+mj-lt"/>
+              </a:rPr>
+              <a:t>for specific user</a:t>
+            </a:r>
+          </a:p>
+        </p:txBody>
+      </p:sp>
       <p:cxnSp>
         <p:nvCxnSpPr>
           <p:cNvPr id="33" name="Gerade Verbindung mit Pfeil 123">
@@ -8905,216 +9612,96 @@
           </a:fontRef>
         </p:style>
       </p:cxnSp>
-      <p:grpSp>
-        <p:nvGrpSpPr>
-          <p:cNvPr id="118" name="Gruppieren 117">
+      <p:sp>
+        <p:nvSpPr>
+          <p:cNvPr id="119" name="Textfeld 118">
             <a:extLst>
               <a:ext uri="{FF2B5EF4-FFF2-40B4-BE49-F238E27FC236}">
-                <a16:creationId xmlns:a16="http://schemas.microsoft.com/office/drawing/2014/main" id="{FFA03D74-BF26-6D0D-31AF-FDA2445161D6}"/>
+                <a16:creationId xmlns:a16="http://schemas.microsoft.com/office/drawing/2014/main" id="{38DAB1F8-F100-8AC6-F817-CE9B1402A7FE}"/>
               </a:ext>
             </a:extLst>
           </p:cNvPr>
-          <p:cNvGrpSpPr/>
+          <p:cNvSpPr txBox="1"/>
           <p:nvPr/>
-        </p:nvGrpSpPr>
-        <p:grpSpPr>
+        </p:nvSpPr>
+        <p:spPr>
           <a:xfrm>
-            <a:off x="7598535" y="4452660"/>
-            <a:ext cx="2401611" cy="461665"/>
-            <a:chOff x="2434483" y="4437207"/>
-            <a:chExt cx="2401611" cy="461665"/>
+            <a:off x="7961859" y="4452660"/>
+            <a:ext cx="2038287" cy="461665"/>
           </a:xfrm>
-        </p:grpSpPr>
-        <p:sp>
-          <p:nvSpPr>
-            <p:cNvPr id="119" name="Textfeld 118">
-              <a:extLst>
-                <a:ext uri="{FF2B5EF4-FFF2-40B4-BE49-F238E27FC236}">
-                  <a16:creationId xmlns:a16="http://schemas.microsoft.com/office/drawing/2014/main" id="{38DAB1F8-F100-8AC6-F817-CE9B1402A7FE}"/>
-                </a:ext>
-              </a:extLst>
-            </p:cNvPr>
-            <p:cNvSpPr txBox="1"/>
-            <p:nvPr/>
-          </p:nvSpPr>
-          <p:spPr>
-            <a:xfrm>
-              <a:off x="2797807" y="4437207"/>
-              <a:ext cx="2038287" cy="461665"/>
-            </a:xfrm>
-            <a:prstGeom prst="rect">
-              <a:avLst/>
-            </a:prstGeom>
-            <a:noFill/>
-          </p:spPr>
-          <p:txBody>
-            <a:bodyPr wrap="square" rtlCol="0">
-              <a:spAutoFit/>
-            </a:bodyPr>
-            <a:lstStyle/>
-            <a:p>
-              <a:r>
-                <a:rPr lang="de-DE" sz="1200">
-                  <a:latin typeface="+mj-lt"/>
-                </a:rPr>
-                <a:t>Token acquired from Azure AD</a:t>
-              </a:r>
-            </a:p>
-            <a:p>
-              <a:r>
-                <a:rPr lang="de-DE" sz="1200">
-                  <a:latin typeface="+mj-lt"/>
-                </a:rPr>
-                <a:t>for specific user</a:t>
-              </a:r>
-            </a:p>
-          </p:txBody>
-        </p:sp>
-        <p:pic>
-          <p:nvPicPr>
-            <p:cNvPr id="120" name="Grafik 119">
-              <a:extLst>
-                <a:ext uri="{FF2B5EF4-FFF2-40B4-BE49-F238E27FC236}">
-                  <a16:creationId xmlns:a16="http://schemas.microsoft.com/office/drawing/2014/main" id="{135C2AD5-125D-A43C-E528-4DCB0CED6B64}"/>
-                </a:ext>
-              </a:extLst>
-            </p:cNvPr>
-            <p:cNvPicPr>
-              <a:picLocks noChangeAspect="1"/>
-            </p:cNvPicPr>
-            <p:nvPr/>
-          </p:nvPicPr>
-          <p:blipFill>
-            <a:blip r:embed="rId8">
-              <a:extLst>
-                <a:ext uri="{28A0092B-C50C-407E-A947-70E740481C1C}">
-                  <a14:useLocalDpi xmlns:a14="http://schemas.microsoft.com/office/drawing/2010/main" val="0"/>
-                </a:ext>
-                <a:ext uri="{96DAC541-7B7A-43D3-8B79-37D633B846F1}">
-                  <asvg:svgBlip xmlns:asvg="http://schemas.microsoft.com/office/drawing/2016/SVG/main" r:embed="rId9"/>
-                </a:ext>
-              </a:extLst>
-            </a:blip>
-            <a:stretch>
-              <a:fillRect/>
-            </a:stretch>
-          </p:blipFill>
-          <p:spPr>
-            <a:xfrm>
-              <a:off x="2434483" y="4537599"/>
-              <a:ext cx="307777" cy="307777"/>
-            </a:xfrm>
-            <a:prstGeom prst="rect">
-              <a:avLst/>
-            </a:prstGeom>
-          </p:spPr>
-        </p:pic>
-      </p:grpSp>
-      <p:grpSp>
-        <p:nvGrpSpPr>
-          <p:cNvPr id="10" name="Gruppieren 9">
+          <a:prstGeom prst="rect">
+            <a:avLst/>
+          </a:prstGeom>
+          <a:noFill/>
+        </p:spPr>
+        <p:txBody>
+          <a:bodyPr wrap="square" rtlCol="0">
+            <a:spAutoFit/>
+          </a:bodyPr>
+          <a:lstStyle/>
+          <a:p>
+            <a:r>
+              <a:rPr lang="de-DE" sz="1200">
+                <a:latin typeface="+mj-lt"/>
+              </a:rPr>
+              <a:t>Token acquired from Azure AD</a:t>
+            </a:r>
+          </a:p>
+          <a:p>
+            <a:r>
+              <a:rPr lang="de-DE" sz="1200">
+                <a:latin typeface="+mj-lt"/>
+              </a:rPr>
+              <a:t>for specific user</a:t>
+            </a:r>
+          </a:p>
+        </p:txBody>
+      </p:sp>
+      <p:sp>
+        <p:nvSpPr>
+          <p:cNvPr id="11" name="Textfeld 10">
             <a:extLst>
               <a:ext uri="{FF2B5EF4-FFF2-40B4-BE49-F238E27FC236}">
-                <a16:creationId xmlns:a16="http://schemas.microsoft.com/office/drawing/2014/main" id="{684FEB44-CF88-3430-2BFA-412D5EF093C7}"/>
+                <a16:creationId xmlns:a16="http://schemas.microsoft.com/office/drawing/2014/main" id="{8EABE0BB-F054-F528-C600-04C9E23615AC}"/>
               </a:ext>
             </a:extLst>
           </p:cNvPr>
-          <p:cNvGrpSpPr/>
+          <p:cNvSpPr txBox="1"/>
           <p:nvPr/>
-        </p:nvGrpSpPr>
-        <p:grpSpPr>
+        </p:nvSpPr>
+        <p:spPr>
           <a:xfrm>
-            <a:off x="7678253" y="1464059"/>
-            <a:ext cx="2401611" cy="461665"/>
-            <a:chOff x="2358134" y="1449517"/>
-            <a:chExt cx="2401611" cy="461665"/>
+            <a:off x="8041577" y="1464059"/>
+            <a:ext cx="2038287" cy="461665"/>
           </a:xfrm>
-        </p:grpSpPr>
-        <p:sp>
-          <p:nvSpPr>
-            <p:cNvPr id="11" name="Textfeld 10">
-              <a:extLst>
-                <a:ext uri="{FF2B5EF4-FFF2-40B4-BE49-F238E27FC236}">
-                  <a16:creationId xmlns:a16="http://schemas.microsoft.com/office/drawing/2014/main" id="{8EABE0BB-F054-F528-C600-04C9E23615AC}"/>
-                </a:ext>
-              </a:extLst>
-            </p:cNvPr>
-            <p:cNvSpPr txBox="1"/>
-            <p:nvPr/>
-          </p:nvSpPr>
-          <p:spPr>
-            <a:xfrm>
-              <a:off x="2721458" y="1449517"/>
-              <a:ext cx="2038287" cy="461665"/>
-            </a:xfrm>
-            <a:prstGeom prst="rect">
-              <a:avLst/>
-            </a:prstGeom>
-            <a:noFill/>
-          </p:spPr>
-          <p:txBody>
-            <a:bodyPr wrap="square" rtlCol="0">
-              <a:spAutoFit/>
-            </a:bodyPr>
-            <a:lstStyle/>
-            <a:p>
-              <a:r>
-                <a:rPr lang="de-DE" sz="1200">
-                  <a:latin typeface="+mj-lt"/>
-                </a:rPr>
-                <a:t>Token acquired from Azure AD</a:t>
-              </a:r>
-            </a:p>
-            <a:p>
-              <a:r>
-                <a:rPr lang="de-DE" sz="1200">
-                  <a:latin typeface="+mj-lt"/>
-                </a:rPr>
-                <a:t>for specific user</a:t>
-              </a:r>
-            </a:p>
-          </p:txBody>
-        </p:sp>
-        <p:pic>
-          <p:nvPicPr>
-            <p:cNvPr id="12" name="Grafik 11">
-              <a:extLst>
-                <a:ext uri="{FF2B5EF4-FFF2-40B4-BE49-F238E27FC236}">
-                  <a16:creationId xmlns:a16="http://schemas.microsoft.com/office/drawing/2014/main" id="{ECBEAA98-EBE2-E7B4-4C7A-6AA79EABBBD1}"/>
-                </a:ext>
-              </a:extLst>
-            </p:cNvPr>
-            <p:cNvPicPr>
-              <a:picLocks noChangeAspect="1"/>
-            </p:cNvPicPr>
-            <p:nvPr/>
-          </p:nvPicPr>
-          <p:blipFill>
-            <a:blip r:embed="rId6">
-              <a:extLst>
-                <a:ext uri="{28A0092B-C50C-407E-A947-70E740481C1C}">
-                  <a14:useLocalDpi xmlns:a14="http://schemas.microsoft.com/office/drawing/2010/main" val="0"/>
-                </a:ext>
-                <a:ext uri="{96DAC541-7B7A-43D3-8B79-37D633B846F1}">
-                  <asvg:svgBlip xmlns:asvg="http://schemas.microsoft.com/office/drawing/2016/SVG/main" r:embed="rId7"/>
-                </a:ext>
-              </a:extLst>
-            </a:blip>
-            <a:stretch>
-              <a:fillRect/>
-            </a:stretch>
-          </p:blipFill>
-          <p:spPr>
-            <a:xfrm>
-              <a:off x="2358134" y="1526461"/>
-              <a:ext cx="307777" cy="307777"/>
-            </a:xfrm>
-            <a:prstGeom prst="rect">
-              <a:avLst/>
-            </a:prstGeom>
-          </p:spPr>
-        </p:pic>
-      </p:grpSp>
+          <a:prstGeom prst="rect">
+            <a:avLst/>
+          </a:prstGeom>
+          <a:noFill/>
+        </p:spPr>
+        <p:txBody>
+          <a:bodyPr wrap="square" rtlCol="0">
+            <a:spAutoFit/>
+          </a:bodyPr>
+          <a:lstStyle/>
+          <a:p>
+            <a:r>
+              <a:rPr lang="de-DE" sz="1200">
+                <a:latin typeface="+mj-lt"/>
+              </a:rPr>
+              <a:t>Token acquired from Azure AD</a:t>
+            </a:r>
+          </a:p>
+          <a:p>
+            <a:r>
+              <a:rPr lang="de-DE" sz="1200">
+                <a:latin typeface="+mj-lt"/>
+              </a:rPr>
+              <a:t>for specific user</a:t>
+            </a:r>
+          </a:p>
+        </p:txBody>
+      </p:sp>
       <p:pic>
         <p:nvPicPr>
           <p:cNvPr id="27" name="Grafik 26">
@@ -9314,6 +9901,222 @@
           </a:p>
         </p:txBody>
       </p:sp>
+      <p:sp>
+        <p:nvSpPr>
+          <p:cNvPr id="14" name="Kreis: nicht ausgefüllt 13">
+            <a:extLst>
+              <a:ext uri="{FF2B5EF4-FFF2-40B4-BE49-F238E27FC236}">
+                <a16:creationId xmlns:a16="http://schemas.microsoft.com/office/drawing/2014/main" id="{F328D335-4EC3-FD5C-55E6-66772BA58955}"/>
+              </a:ext>
+            </a:extLst>
+          </p:cNvPr>
+          <p:cNvSpPr/>
+          <p:nvPr/>
+        </p:nvSpPr>
+        <p:spPr>
+          <a:xfrm>
+            <a:off x="2469318" y="1585787"/>
+            <a:ext cx="180000" cy="180000"/>
+          </a:xfrm>
+          <a:prstGeom prst="donut">
+            <a:avLst/>
+          </a:prstGeom>
+          <a:solidFill>
+            <a:srgbClr val="C00000"/>
+          </a:solidFill>
+          <a:ln w="19050" cap="flat">
+            <a:noFill/>
+            <a:prstDash val="solid"/>
+            <a:miter/>
+          </a:ln>
+        </p:spPr>
+        <p:style>
+          <a:lnRef idx="2">
+            <a:schemeClr val="accent1">
+              <a:shade val="15000"/>
+            </a:schemeClr>
+          </a:lnRef>
+          <a:fillRef idx="1">
+            <a:schemeClr val="accent1"/>
+          </a:fillRef>
+          <a:effectRef idx="0">
+            <a:schemeClr val="accent1"/>
+          </a:effectRef>
+          <a:fontRef idx="minor">
+            <a:schemeClr val="lt1"/>
+          </a:fontRef>
+        </p:style>
+        <p:txBody>
+          <a:bodyPr rtlCol="0" anchor="ctr"/>
+          <a:lstStyle/>
+          <a:p>
+            <a:pPr algn="ctr"/>
+            <a:endParaRPr lang="de-DE"/>
+          </a:p>
+        </p:txBody>
+      </p:sp>
+      <p:sp>
+        <p:nvSpPr>
+          <p:cNvPr id="25" name="Kreis: nicht ausgefüllt 24">
+            <a:extLst>
+              <a:ext uri="{FF2B5EF4-FFF2-40B4-BE49-F238E27FC236}">
+                <a16:creationId xmlns:a16="http://schemas.microsoft.com/office/drawing/2014/main" id="{743089D9-C921-7374-8B94-3847A65C3E18}"/>
+              </a:ext>
+            </a:extLst>
+          </p:cNvPr>
+          <p:cNvSpPr/>
+          <p:nvPr/>
+        </p:nvSpPr>
+        <p:spPr>
+          <a:xfrm>
+            <a:off x="7816312" y="1600993"/>
+            <a:ext cx="180000" cy="180000"/>
+          </a:xfrm>
+          <a:prstGeom prst="donut">
+            <a:avLst/>
+          </a:prstGeom>
+          <a:solidFill>
+            <a:srgbClr val="C00000"/>
+          </a:solidFill>
+          <a:ln w="19050" cap="flat">
+            <a:noFill/>
+            <a:prstDash val="solid"/>
+            <a:miter/>
+          </a:ln>
+        </p:spPr>
+        <p:style>
+          <a:lnRef idx="2">
+            <a:schemeClr val="accent1">
+              <a:shade val="15000"/>
+            </a:schemeClr>
+          </a:lnRef>
+          <a:fillRef idx="1">
+            <a:schemeClr val="accent1"/>
+          </a:fillRef>
+          <a:effectRef idx="0">
+            <a:schemeClr val="accent1"/>
+          </a:effectRef>
+          <a:fontRef idx="minor">
+            <a:schemeClr val="lt1"/>
+          </a:fontRef>
+        </p:style>
+        <p:txBody>
+          <a:bodyPr rtlCol="0" anchor="ctr"/>
+          <a:lstStyle/>
+          <a:p>
+            <a:pPr algn="ctr"/>
+            <a:endParaRPr lang="de-DE"/>
+          </a:p>
+        </p:txBody>
+      </p:sp>
+      <p:sp>
+        <p:nvSpPr>
+          <p:cNvPr id="32" name="Kreis: nicht ausgefüllt 31">
+            <a:extLst>
+              <a:ext uri="{FF2B5EF4-FFF2-40B4-BE49-F238E27FC236}">
+                <a16:creationId xmlns:a16="http://schemas.microsoft.com/office/drawing/2014/main" id="{6BFE89C2-2EED-FE0A-288E-1F0B9A52C37D}"/>
+              </a:ext>
+            </a:extLst>
+          </p:cNvPr>
+          <p:cNvSpPr/>
+          <p:nvPr/>
+        </p:nvSpPr>
+        <p:spPr>
+          <a:xfrm>
+            <a:off x="2541458" y="4606176"/>
+            <a:ext cx="180000" cy="180000"/>
+          </a:xfrm>
+          <a:prstGeom prst="donut">
+            <a:avLst/>
+          </a:prstGeom>
+          <a:solidFill>
+            <a:srgbClr val="00B050"/>
+          </a:solidFill>
+          <a:ln w="19050" cap="flat">
+            <a:noFill/>
+            <a:prstDash val="solid"/>
+            <a:miter/>
+          </a:ln>
+        </p:spPr>
+        <p:style>
+          <a:lnRef idx="2">
+            <a:schemeClr val="accent1">
+              <a:shade val="15000"/>
+            </a:schemeClr>
+          </a:lnRef>
+          <a:fillRef idx="1">
+            <a:schemeClr val="accent1"/>
+          </a:fillRef>
+          <a:effectRef idx="0">
+            <a:schemeClr val="accent1"/>
+          </a:effectRef>
+          <a:fontRef idx="minor">
+            <a:schemeClr val="lt1"/>
+          </a:fontRef>
+        </p:style>
+        <p:txBody>
+          <a:bodyPr rtlCol="0" anchor="ctr"/>
+          <a:lstStyle/>
+          <a:p>
+            <a:pPr algn="ctr"/>
+            <a:endParaRPr lang="de-DE"/>
+          </a:p>
+        </p:txBody>
+      </p:sp>
+      <p:sp>
+        <p:nvSpPr>
+          <p:cNvPr id="34" name="Kreis: nicht ausgefüllt 33">
+            <a:extLst>
+              <a:ext uri="{FF2B5EF4-FFF2-40B4-BE49-F238E27FC236}">
+                <a16:creationId xmlns:a16="http://schemas.microsoft.com/office/drawing/2014/main" id="{676D3D3A-E76E-0E40-DE64-AE052A94D06C}"/>
+              </a:ext>
+            </a:extLst>
+          </p:cNvPr>
+          <p:cNvSpPr/>
+          <p:nvPr/>
+        </p:nvSpPr>
+        <p:spPr>
+          <a:xfrm>
+            <a:off x="7781859" y="4606176"/>
+            <a:ext cx="180000" cy="180000"/>
+          </a:xfrm>
+          <a:prstGeom prst="donut">
+            <a:avLst/>
+          </a:prstGeom>
+          <a:solidFill>
+            <a:srgbClr val="00B050"/>
+          </a:solidFill>
+          <a:ln w="19050" cap="flat">
+            <a:noFill/>
+            <a:prstDash val="solid"/>
+            <a:miter/>
+          </a:ln>
+        </p:spPr>
+        <p:style>
+          <a:lnRef idx="2">
+            <a:schemeClr val="accent1">
+              <a:shade val="15000"/>
+            </a:schemeClr>
+          </a:lnRef>
+          <a:fillRef idx="1">
+            <a:schemeClr val="accent1"/>
+          </a:fillRef>
+          <a:effectRef idx="0">
+            <a:schemeClr val="accent1"/>
+          </a:effectRef>
+          <a:fontRef idx="minor">
+            <a:schemeClr val="lt1"/>
+          </a:fontRef>
+        </p:style>
+        <p:txBody>
+          <a:bodyPr rtlCol="0" anchor="ctr"/>
+          <a:lstStyle/>
+          <a:p>
+            <a:pPr algn="ctr"/>
+            <a:endParaRPr lang="de-DE"/>
+          </a:p>
+        </p:txBody>
+      </p:sp>
     </p:spTree>
     <p:extLst>
       <p:ext uri="{BB962C8B-B14F-4D97-AF65-F5344CB8AC3E}">
@@ -9346,10 +10149,10 @@
       </p:grpSpPr>
       <p:grpSp>
         <p:nvGrpSpPr>
-          <p:cNvPr id="16" name="Gruppieren 15">
+          <p:cNvPr id="30" name="Gruppieren 29">
             <a:extLst>
               <a:ext uri="{FF2B5EF4-FFF2-40B4-BE49-F238E27FC236}">
-                <a16:creationId xmlns:a16="http://schemas.microsoft.com/office/drawing/2014/main" id="{3E8E7164-D911-41EB-4BC3-5E92C3446252}"/>
+                <a16:creationId xmlns:a16="http://schemas.microsoft.com/office/drawing/2014/main" id="{F1586770-39CF-B19E-C8B1-F1855BC96ABC}"/>
               </a:ext>
             </a:extLst>
           </p:cNvPr>
@@ -9358,18 +10161,18 @@
         </p:nvGrpSpPr>
         <p:grpSpPr>
           <a:xfrm>
-            <a:off x="2851544" y="1484739"/>
-            <a:ext cx="6123644" cy="1006186"/>
-            <a:chOff x="2851544" y="1484739"/>
-            <a:chExt cx="6123644" cy="1006186"/>
+            <a:off x="1599890" y="2515581"/>
+            <a:ext cx="8389812" cy="1262917"/>
+            <a:chOff x="1599890" y="2515581"/>
+            <a:chExt cx="8389812" cy="1262917"/>
           </a:xfrm>
         </p:grpSpPr>
         <p:pic>
           <p:nvPicPr>
-            <p:cNvPr id="5" name="Grafik 4">
+            <p:cNvPr id="2" name="Grafik 1">
               <a:extLst>
                 <a:ext uri="{FF2B5EF4-FFF2-40B4-BE49-F238E27FC236}">
-                  <a16:creationId xmlns:a16="http://schemas.microsoft.com/office/drawing/2014/main" id="{9F359913-1D88-490D-4603-D37B6CD44087}"/>
+                  <a16:creationId xmlns:a16="http://schemas.microsoft.com/office/drawing/2014/main" id="{2F1B0212-F932-F747-B076-B7E472C385EA}"/>
                 </a:ext>
               </a:extLst>
             </p:cNvPr>
@@ -9385,8 +10188,8 @@
           </p:blipFill>
           <p:spPr>
             <a:xfrm>
-              <a:off x="5009521" y="1552900"/>
-              <a:ext cx="1457658" cy="652439"/>
+              <a:off x="4184980" y="2677016"/>
+              <a:ext cx="1680059" cy="751984"/>
             </a:xfrm>
             <a:prstGeom prst="rect">
               <a:avLst/>
@@ -9395,10 +10198,10 @@
         </p:pic>
         <p:sp>
           <p:nvSpPr>
-            <p:cNvPr id="6" name="Textplatzhalter 2">
+            <p:cNvPr id="3" name="Textplatzhalter 2">
               <a:extLst>
                 <a:ext uri="{FF2B5EF4-FFF2-40B4-BE49-F238E27FC236}">
-                  <a16:creationId xmlns:a16="http://schemas.microsoft.com/office/drawing/2014/main" id="{4A19859B-4966-DE62-DDCC-5ECF5076EAA0}"/>
+                  <a16:creationId xmlns:a16="http://schemas.microsoft.com/office/drawing/2014/main" id="{3C603E3F-F3AF-3BC8-EAA8-28928029EFEA}"/>
                 </a:ext>
               </a:extLst>
             </p:cNvPr>
@@ -9409,8 +10212,8 @@
           </p:nvSpPr>
           <p:spPr>
             <a:xfrm>
-              <a:off x="2851544" y="1484739"/>
-              <a:ext cx="1260000" cy="169277"/>
+              <a:off x="1637989" y="2598455"/>
+              <a:ext cx="1512006" cy="215444"/>
             </a:xfrm>
             <a:prstGeom prst="rect">
               <a:avLst/>
@@ -9619,40 +10422,57 @@
               </a:lvl9pPr>
             </a:lstStyle>
             <a:p>
-              <a:pPr marL="0" indent="0">
+              <a:pPr marL="0" marR="0" lvl="0" indent="0" algn="l" defTabSz="932742" rtl="0" eaLnBrk="1" fontAlgn="auto" latinLnBrk="0" hangingPunct="1">
+                <a:lnSpc>
+                  <a:spcPct val="100000"/>
+                </a:lnSpc>
+                <a:spcBef>
+                  <a:spcPct val="20000"/>
+                </a:spcBef>
+                <a:spcAft>
+                  <a:spcPts val="0"/>
+                </a:spcAft>
+                <a:buClrTx/>
+                <a:buSzPct val="90000"/>
                 <a:buFont typeface="Arial" panose="020B0604020202020204" pitchFamily="34" charset="0"/>
                 <a:buNone/>
+                <a:tabLst/>
+                <a:defRPr/>
               </a:pPr>
               <a:r>
-                <a:rPr lang="en-US" sz="1100">
-                  <a:solidFill>
-                    <a:schemeClr val="tx1">
-                      <a:lumMod val="95000"/>
-                      <a:lumOff val="5000"/>
-                    </a:schemeClr>
-                  </a:solidFill>
+                <a:rPr kumimoji="0" lang="en-US" sz="1400" b="0" i="0" u="none" strike="noStrike" kern="1200" cap="none" spc="0" normalizeH="0" baseline="0" noProof="0">
+                  <a:ln>
+                    <a:noFill/>
+                  </a:ln>
+                  <a:effectLst/>
+                  <a:uLnTx/>
+                  <a:uFillTx/>
                   <a:latin typeface="Segoe UI Semilight" panose="020B0402040204020203" pitchFamily="34" charset="0"/>
+                  <a:ea typeface="+mn-ea"/>
+                  <a:cs typeface="Segoe UI Semilight" panose="020B0402040204020203" pitchFamily="34" charset="0"/>
                 </a:rPr>
                 <a:t>Team or Use Case 1</a:t>
               </a:r>
-              <a:endParaRPr lang="de-DE" sz="1100">
-                <a:solidFill>
-                  <a:schemeClr val="tx1">
-                    <a:lumMod val="95000"/>
-                    <a:lumOff val="5000"/>
-                  </a:schemeClr>
-                </a:solidFill>
+              <a:endParaRPr kumimoji="0" lang="de-DE" sz="1400" b="0" i="0" u="none" strike="noStrike" kern="1200" cap="none" spc="0" normalizeH="0" baseline="0" noProof="0">
+                <a:ln>
+                  <a:noFill/>
+                </a:ln>
+                <a:effectLst/>
+                <a:uLnTx/>
+                <a:uFillTx/>
                 <a:latin typeface="Segoe UI Semilight" panose="020B0402040204020203" pitchFamily="34" charset="0"/>
+                <a:ea typeface="+mn-ea"/>
+                <a:cs typeface="Segoe UI Semilight" panose="020B0402040204020203" pitchFamily="34" charset="0"/>
               </a:endParaRPr>
             </a:p>
           </p:txBody>
         </p:sp>
         <p:sp>
           <p:nvSpPr>
-            <p:cNvPr id="7" name="Textplatzhalter 2">
+            <p:cNvPr id="4" name="Textplatzhalter 2">
               <a:extLst>
                 <a:ext uri="{FF2B5EF4-FFF2-40B4-BE49-F238E27FC236}">
-                  <a16:creationId xmlns:a16="http://schemas.microsoft.com/office/drawing/2014/main" id="{1368A5A4-1373-EF3B-7078-DAAF975BEA5C}"/>
+                  <a16:creationId xmlns:a16="http://schemas.microsoft.com/office/drawing/2014/main" id="{F5594172-0500-0C5A-CF81-42D3B78AA7B0}"/>
                 </a:ext>
               </a:extLst>
             </p:cNvPr>
@@ -9663,8 +10483,8 @@
           </p:nvSpPr>
           <p:spPr>
             <a:xfrm>
-              <a:off x="7601213" y="1692912"/>
-              <a:ext cx="1373975" cy="372410"/>
+              <a:off x="1697752" y="2955455"/>
+              <a:ext cx="1452244" cy="184667"/>
             </a:xfrm>
             <a:prstGeom prst="rect">
               <a:avLst/>
@@ -9873,58 +10693,57 @@
               </a:lvl9pPr>
             </a:lstStyle>
             <a:p>
-              <a:pPr marL="0" indent="0">
+              <a:pPr marL="0" marR="0" lvl="0" indent="0" algn="ctr" defTabSz="932742" rtl="0" eaLnBrk="1" fontAlgn="auto" latinLnBrk="0" hangingPunct="1">
+                <a:lnSpc>
+                  <a:spcPct val="100000"/>
+                </a:lnSpc>
+                <a:spcBef>
+                  <a:spcPct val="20000"/>
+                </a:spcBef>
+                <a:spcAft>
+                  <a:spcPts val="0"/>
+                </a:spcAft>
+                <a:buClrTx/>
+                <a:buSzPct val="90000"/>
                 <a:buFont typeface="Arial" panose="020B0604020202020204" pitchFamily="34" charset="0"/>
                 <a:buNone/>
+                <a:tabLst/>
+                <a:defRPr/>
               </a:pPr>
               <a:r>
-                <a:rPr lang="en-US" sz="1100">
-                  <a:solidFill>
-                    <a:schemeClr val="tx1">
-                      <a:lumMod val="95000"/>
-                      <a:lumOff val="5000"/>
-                    </a:schemeClr>
-                  </a:solidFill>
+                <a:rPr kumimoji="0" lang="en-US" sz="1200" b="0" i="0" u="none" strike="noStrike" kern="1200" cap="none" spc="0" normalizeH="0" baseline="0" noProof="0">
+                  <a:ln>
+                    <a:noFill/>
+                  </a:ln>
+                  <a:effectLst/>
+                  <a:uLnTx/>
+                  <a:uFillTx/>
                   <a:latin typeface="Segoe UI Semilight" panose="020B0402040204020203" pitchFamily="34" charset="0"/>
+                  <a:ea typeface="+mn-ea"/>
+                  <a:cs typeface="Segoe UI Semilight" panose="020B0402040204020203" pitchFamily="34" charset="0"/>
                 </a:rPr>
-                <a:t>Azure Open AI Service</a:t>
+                <a:t>...</a:t>
               </a:r>
-            </a:p>
-            <a:p>
-              <a:pPr marL="0" indent="0">
-                <a:buFont typeface="Arial" panose="020B0604020202020204" pitchFamily="34" charset="0"/>
-                <a:buNone/>
-              </a:pPr>
-              <a:r>
-                <a:rPr lang="en-US" sz="1100">
-                  <a:solidFill>
-                    <a:schemeClr val="tx1">
-                      <a:lumMod val="95000"/>
-                      <a:lumOff val="5000"/>
-                    </a:schemeClr>
-                  </a:solidFill>
-                  <a:latin typeface="Segoe UI Semilight" panose="020B0402040204020203" pitchFamily="34" charset="0"/>
-                </a:rPr>
-                <a:t>(PTU or PAYG)</a:t>
-              </a:r>
-              <a:endParaRPr lang="de-DE" sz="1100">
-                <a:solidFill>
-                  <a:schemeClr val="tx1">
-                    <a:lumMod val="95000"/>
-                    <a:lumOff val="5000"/>
-                  </a:schemeClr>
-                </a:solidFill>
+              <a:endParaRPr kumimoji="0" lang="de-DE" sz="1200" b="0" i="0" u="none" strike="noStrike" kern="1200" cap="none" spc="0" normalizeH="0" baseline="0" noProof="0">
+                <a:ln>
+                  <a:noFill/>
+                </a:ln>
+                <a:effectLst/>
+                <a:uLnTx/>
+                <a:uFillTx/>
                 <a:latin typeface="Segoe UI Semilight" panose="020B0402040204020203" pitchFamily="34" charset="0"/>
+                <a:ea typeface="+mn-ea"/>
+                <a:cs typeface="Segoe UI Semilight" panose="020B0402040204020203" pitchFamily="34" charset="0"/>
               </a:endParaRPr>
             </a:p>
           </p:txBody>
         </p:sp>
         <p:sp>
           <p:nvSpPr>
-            <p:cNvPr id="8" name="Textplatzhalter 2">
+            <p:cNvPr id="17" name="Textplatzhalter 2">
               <a:extLst>
                 <a:ext uri="{FF2B5EF4-FFF2-40B4-BE49-F238E27FC236}">
-                  <a16:creationId xmlns:a16="http://schemas.microsoft.com/office/drawing/2014/main" id="{76938E96-8E3A-D7A3-8D19-290581DA5EDD}"/>
+                  <a16:creationId xmlns:a16="http://schemas.microsoft.com/office/drawing/2014/main" id="{22D5AC58-7C90-B4B5-3A9E-0C9EADC9AC65}"/>
                 </a:ext>
               </a:extLst>
             </p:cNvPr>
@@ -9935,8 +10754,8 @@
           </p:nvSpPr>
           <p:spPr>
             <a:xfrm>
-              <a:off x="2851544" y="1794481"/>
-              <a:ext cx="1260000" cy="169277"/>
+              <a:off x="1599890" y="3299426"/>
+              <a:ext cx="1550105" cy="215444"/>
             </a:xfrm>
             <a:prstGeom prst="rect">
               <a:avLst/>
@@ -10145,40 +10964,246 @@
               </a:lvl9pPr>
             </a:lstStyle>
             <a:p>
-              <a:pPr marL="0" indent="0" algn="ctr">
+              <a:pPr marL="0" marR="0" lvl="0" indent="0" algn="l" defTabSz="932742" rtl="0" eaLnBrk="1" fontAlgn="auto" latinLnBrk="0" hangingPunct="1">
+                <a:lnSpc>
+                  <a:spcPct val="100000"/>
+                </a:lnSpc>
+                <a:spcBef>
+                  <a:spcPct val="20000"/>
+                </a:spcBef>
+                <a:spcAft>
+                  <a:spcPts val="0"/>
+                </a:spcAft>
+                <a:buClrTx/>
+                <a:buSzPct val="90000"/>
                 <a:buFont typeface="Arial" panose="020B0604020202020204" pitchFamily="34" charset="0"/>
                 <a:buNone/>
+                <a:tabLst/>
+                <a:defRPr/>
               </a:pPr>
               <a:r>
-                <a:rPr lang="en-US" sz="1100">
-                  <a:solidFill>
-                    <a:schemeClr val="tx1">
-                      <a:lumMod val="95000"/>
-                      <a:lumOff val="5000"/>
-                    </a:schemeClr>
-                  </a:solidFill>
+                <a:rPr kumimoji="0" lang="en-US" sz="1400" b="0" i="0" u="none" strike="noStrike" kern="1200" cap="none" spc="0" normalizeH="0" baseline="0" noProof="0">
+                  <a:ln>
+                    <a:noFill/>
+                  </a:ln>
+                  <a:effectLst/>
+                  <a:uLnTx/>
+                  <a:uFillTx/>
                   <a:latin typeface="Segoe UI Semilight" panose="020B0402040204020203" pitchFamily="34" charset="0"/>
+                  <a:ea typeface="+mn-ea"/>
+                  <a:cs typeface="Segoe UI Semilight" panose="020B0402040204020203" pitchFamily="34" charset="0"/>
                 </a:rPr>
-                <a:t>...</a:t>
+                <a:t>Team or Use Case n</a:t>
               </a:r>
-              <a:endParaRPr lang="de-DE" sz="1100">
-                <a:solidFill>
-                  <a:schemeClr val="tx1">
-                    <a:lumMod val="95000"/>
-                    <a:lumOff val="5000"/>
-                  </a:schemeClr>
-                </a:solidFill>
+              <a:endParaRPr kumimoji="0" lang="de-DE" sz="1400" b="0" i="0" u="none" strike="noStrike" kern="1200" cap="none" spc="0" normalizeH="0" baseline="0" noProof="0">
+                <a:ln>
+                  <a:noFill/>
+                </a:ln>
+                <a:effectLst/>
+                <a:uLnTx/>
+                <a:uFillTx/>
                 <a:latin typeface="Segoe UI Semilight" panose="020B0402040204020203" pitchFamily="34" charset="0"/>
+                <a:ea typeface="+mn-ea"/>
+                <a:cs typeface="Segoe UI Semilight" panose="020B0402040204020203" pitchFamily="34" charset="0"/>
               </a:endParaRPr>
             </a:p>
           </p:txBody>
         </p:sp>
+        <p:cxnSp>
+          <p:nvCxnSpPr>
+            <p:cNvPr id="18" name="Verbinder: gewinkelt 17">
+              <a:extLst>
+                <a:ext uri="{FF2B5EF4-FFF2-40B4-BE49-F238E27FC236}">
+                  <a16:creationId xmlns:a16="http://schemas.microsoft.com/office/drawing/2014/main" id="{C518FD0E-C50B-B6A6-C878-3DE240888521}"/>
+                </a:ext>
+              </a:extLst>
+            </p:cNvPr>
+            <p:cNvCxnSpPr>
+              <a:cxnSpLocks/>
+              <a:stCxn id="3" idx="3"/>
+              <a:endCxn id="2" idx="1"/>
+            </p:cNvCxnSpPr>
+            <p:nvPr/>
+          </p:nvCxnSpPr>
+          <p:spPr>
+            <a:xfrm>
+              <a:off x="3149995" y="2706177"/>
+              <a:ext cx="1034985" cy="346831"/>
+            </a:xfrm>
+            <a:prstGeom prst="bentConnector3">
+              <a:avLst/>
+            </a:prstGeom>
+            <a:ln>
+              <a:solidFill>
+                <a:schemeClr val="tx1"/>
+              </a:solidFill>
+              <a:headEnd type="none" w="lg" len="med"/>
+              <a:tailEnd type="triangle"/>
+            </a:ln>
+          </p:spPr>
+          <p:style>
+            <a:lnRef idx="1">
+              <a:schemeClr val="accent1"/>
+            </a:lnRef>
+            <a:fillRef idx="0">
+              <a:schemeClr val="accent1"/>
+            </a:fillRef>
+            <a:effectRef idx="0">
+              <a:schemeClr val="accent1"/>
+            </a:effectRef>
+            <a:fontRef idx="minor">
+              <a:schemeClr val="tx1"/>
+            </a:fontRef>
+          </p:style>
+        </p:cxnSp>
+        <p:cxnSp>
+          <p:nvCxnSpPr>
+            <p:cNvPr id="19" name="Verbinder: gewinkelt 18">
+              <a:extLst>
+                <a:ext uri="{FF2B5EF4-FFF2-40B4-BE49-F238E27FC236}">
+                  <a16:creationId xmlns:a16="http://schemas.microsoft.com/office/drawing/2014/main" id="{6F941927-9A08-DC95-7C90-1B29B66CAD2F}"/>
+                </a:ext>
+              </a:extLst>
+            </p:cNvPr>
+            <p:cNvCxnSpPr>
+              <a:cxnSpLocks/>
+              <a:stCxn id="17" idx="3"/>
+              <a:endCxn id="2" idx="1"/>
+            </p:cNvCxnSpPr>
+            <p:nvPr/>
+          </p:nvCxnSpPr>
+          <p:spPr>
+            <a:xfrm flipV="1">
+              <a:off x="3149995" y="3053008"/>
+              <a:ext cx="1034985" cy="354140"/>
+            </a:xfrm>
+            <a:prstGeom prst="bentConnector3">
+              <a:avLst/>
+            </a:prstGeom>
+            <a:ln>
+              <a:solidFill>
+                <a:schemeClr val="tx1"/>
+              </a:solidFill>
+              <a:headEnd type="none" w="lg" len="med"/>
+              <a:tailEnd type="triangle"/>
+            </a:ln>
+          </p:spPr>
+          <p:style>
+            <a:lnRef idx="1">
+              <a:schemeClr val="accent1"/>
+            </a:lnRef>
+            <a:fillRef idx="0">
+              <a:schemeClr val="accent1"/>
+            </a:fillRef>
+            <a:effectRef idx="0">
+              <a:schemeClr val="accent1"/>
+            </a:effectRef>
+            <a:fontRef idx="minor">
+              <a:schemeClr val="tx1"/>
+            </a:fontRef>
+          </p:style>
+        </p:cxnSp>
+        <p:cxnSp>
+          <p:nvCxnSpPr>
+            <p:cNvPr id="20" name="Verbinder: gewinkelt 14">
+              <a:extLst>
+                <a:ext uri="{FF2B5EF4-FFF2-40B4-BE49-F238E27FC236}">
+                  <a16:creationId xmlns:a16="http://schemas.microsoft.com/office/drawing/2014/main" id="{72D6F3ED-68BA-E060-56EB-92EB0FD43873}"/>
+                </a:ext>
+              </a:extLst>
+            </p:cNvPr>
+            <p:cNvCxnSpPr>
+              <a:cxnSpLocks/>
+              <a:stCxn id="4" idx="3"/>
+              <a:endCxn id="2" idx="1"/>
+            </p:cNvCxnSpPr>
+            <p:nvPr/>
+          </p:nvCxnSpPr>
+          <p:spPr>
+            <a:xfrm>
+              <a:off x="3149995" y="3047789"/>
+              <a:ext cx="1034985" cy="5219"/>
+            </a:xfrm>
+            <a:prstGeom prst="straightConnector1">
+              <a:avLst/>
+            </a:prstGeom>
+            <a:ln>
+              <a:solidFill>
+                <a:schemeClr val="tx1"/>
+              </a:solidFill>
+              <a:headEnd type="none" w="lg" len="med"/>
+              <a:tailEnd type="triangle"/>
+            </a:ln>
+          </p:spPr>
+          <p:style>
+            <a:lnRef idx="1">
+              <a:schemeClr val="accent1"/>
+            </a:lnRef>
+            <a:fillRef idx="0">
+              <a:schemeClr val="accent1"/>
+            </a:fillRef>
+            <a:effectRef idx="0">
+              <a:schemeClr val="accent1"/>
+            </a:effectRef>
+            <a:fontRef idx="minor">
+              <a:schemeClr val="tx1"/>
+            </a:fontRef>
+          </p:style>
+        </p:cxnSp>
+        <p:cxnSp>
+          <p:nvCxnSpPr>
+            <p:cNvPr id="21" name="Verbinder: gewinkelt 14">
+              <a:extLst>
+                <a:ext uri="{FF2B5EF4-FFF2-40B4-BE49-F238E27FC236}">
+                  <a16:creationId xmlns:a16="http://schemas.microsoft.com/office/drawing/2014/main" id="{94672AC0-B431-7394-2914-67F695C1DEF7}"/>
+                </a:ext>
+              </a:extLst>
+            </p:cNvPr>
+            <p:cNvCxnSpPr>
+              <a:cxnSpLocks/>
+              <a:stCxn id="2" idx="3"/>
+            </p:cNvCxnSpPr>
+            <p:nvPr/>
+          </p:nvCxnSpPr>
+          <p:spPr>
+            <a:xfrm flipV="1">
+              <a:off x="5865039" y="2706177"/>
+              <a:ext cx="665002" cy="346831"/>
+            </a:xfrm>
+            <a:prstGeom prst="bentConnector3">
+              <a:avLst>
+                <a:gd name="adj1" fmla="val 50000"/>
+              </a:avLst>
+            </a:prstGeom>
+            <a:ln>
+              <a:solidFill>
+                <a:schemeClr val="tx1"/>
+              </a:solidFill>
+              <a:headEnd type="none" w="lg" len="med"/>
+              <a:tailEnd type="triangle"/>
+            </a:ln>
+          </p:spPr>
+          <p:style>
+            <a:lnRef idx="1">
+              <a:schemeClr val="accent1"/>
+            </a:lnRef>
+            <a:fillRef idx="0">
+              <a:schemeClr val="accent1"/>
+            </a:fillRef>
+            <a:effectRef idx="0">
+              <a:schemeClr val="accent1"/>
+            </a:effectRef>
+            <a:fontRef idx="minor">
+              <a:schemeClr val="tx1"/>
+            </a:fontRef>
+          </p:style>
+        </p:cxnSp>
         <p:sp>
           <p:nvSpPr>
-            <p:cNvPr id="9" name="Textplatzhalter 2">
+            <p:cNvPr id="22" name="Textplatzhalter 2">
               <a:extLst>
                 <a:ext uri="{FF2B5EF4-FFF2-40B4-BE49-F238E27FC236}">
-                  <a16:creationId xmlns:a16="http://schemas.microsoft.com/office/drawing/2014/main" id="{C850542D-B2FE-0C9B-6102-BA4EC8D19AFD}"/>
+                  <a16:creationId xmlns:a16="http://schemas.microsoft.com/office/drawing/2014/main" id="{8CF34F07-C989-318C-FC34-E78D85FB8EC2}"/>
                 </a:ext>
               </a:extLst>
             </p:cNvPr>
@@ -10189,8 +11214,8 @@
           </p:nvSpPr>
           <p:spPr>
             <a:xfrm>
-              <a:off x="2851544" y="2092918"/>
-              <a:ext cx="1260000" cy="169277"/>
+              <a:off x="4498753" y="3563054"/>
+              <a:ext cx="899616" cy="215444"/>
             </a:xfrm>
             <a:prstGeom prst="rect">
               <a:avLst/>
@@ -10399,257 +11424,57 @@
               </a:lvl9pPr>
             </a:lstStyle>
             <a:p>
-              <a:pPr marL="0" indent="0">
+              <a:pPr marL="0" marR="0" lvl="0" indent="0" algn="l" defTabSz="932742" rtl="0" eaLnBrk="1" fontAlgn="auto" latinLnBrk="0" hangingPunct="1">
+                <a:lnSpc>
+                  <a:spcPct val="100000"/>
+                </a:lnSpc>
+                <a:spcBef>
+                  <a:spcPct val="20000"/>
+                </a:spcBef>
+                <a:spcAft>
+                  <a:spcPts val="0"/>
+                </a:spcAft>
+                <a:buClrTx/>
+                <a:buSzPct val="90000"/>
                 <a:buFont typeface="Arial" panose="020B0604020202020204" pitchFamily="34" charset="0"/>
                 <a:buNone/>
+                <a:tabLst/>
+                <a:defRPr/>
               </a:pPr>
               <a:r>
-                <a:rPr lang="en-US" sz="1100">
-                  <a:solidFill>
-                    <a:schemeClr val="tx1">
-                      <a:lumMod val="95000"/>
-                      <a:lumOff val="5000"/>
-                    </a:schemeClr>
-                  </a:solidFill>
+                <a:rPr kumimoji="0" lang="en-US" sz="1400" b="0" i="0" u="none" strike="noStrike" kern="1200" cap="none" spc="0" normalizeH="0" baseline="0" noProof="0">
+                  <a:ln>
+                    <a:noFill/>
+                  </a:ln>
+                  <a:effectLst/>
+                  <a:uLnTx/>
+                  <a:uFillTx/>
                   <a:latin typeface="Segoe UI Semilight" panose="020B0402040204020203" pitchFamily="34" charset="0"/>
+                  <a:ea typeface="+mn-ea"/>
+                  <a:cs typeface="Segoe UI Semilight" panose="020B0402040204020203" pitchFamily="34" charset="0"/>
                 </a:rPr>
-                <a:t>Team or Use Case n</a:t>
+                <a:t>PowerProxy</a:t>
               </a:r>
-              <a:endParaRPr lang="de-DE" sz="1100">
-                <a:solidFill>
-                  <a:schemeClr val="tx1">
-                    <a:lumMod val="95000"/>
-                    <a:lumOff val="5000"/>
-                  </a:schemeClr>
-                </a:solidFill>
+              <a:endParaRPr kumimoji="0" lang="de-DE" sz="1400" b="0" i="0" u="none" strike="noStrike" kern="1200" cap="none" spc="0" normalizeH="0" baseline="0" noProof="0">
+                <a:ln>
+                  <a:noFill/>
+                </a:ln>
+                <a:effectLst/>
+                <a:uLnTx/>
+                <a:uFillTx/>
                 <a:latin typeface="Segoe UI Semilight" panose="020B0402040204020203" pitchFamily="34" charset="0"/>
+                <a:ea typeface="+mn-ea"/>
+                <a:cs typeface="Segoe UI Semilight" panose="020B0402040204020203" pitchFamily="34" charset="0"/>
               </a:endParaRPr>
             </a:p>
           </p:txBody>
         </p:sp>
-        <p:cxnSp>
-          <p:nvCxnSpPr>
-            <p:cNvPr id="10" name="Verbinder: gewinkelt 9">
+        <p:sp>
+          <p:nvSpPr>
+            <p:cNvPr id="23" name="Textplatzhalter 2">
               <a:extLst>
                 <a:ext uri="{FF2B5EF4-FFF2-40B4-BE49-F238E27FC236}">
-                  <a16:creationId xmlns:a16="http://schemas.microsoft.com/office/drawing/2014/main" id="{E50E7DA0-FFAB-FE0F-2B9E-5BE5B305F0F9}"/>
-                </a:ext>
-              </a:extLst>
-            </p:cNvPr>
-            <p:cNvCxnSpPr>
-              <a:cxnSpLocks/>
-              <a:stCxn id="6" idx="3"/>
-              <a:endCxn id="5" idx="1"/>
-            </p:cNvCxnSpPr>
-            <p:nvPr/>
-          </p:nvCxnSpPr>
-          <p:spPr>
-            <a:xfrm>
-              <a:off x="4111544" y="1569378"/>
-              <a:ext cx="897977" cy="309742"/>
-            </a:xfrm>
-            <a:prstGeom prst="bentConnector3">
-              <a:avLst/>
-            </a:prstGeom>
-            <a:ln>
-              <a:solidFill>
-                <a:schemeClr val="tx1"/>
-              </a:solidFill>
-              <a:headEnd type="none" w="lg" len="med"/>
-              <a:tailEnd type="triangle"/>
-            </a:ln>
-          </p:spPr>
-          <p:style>
-            <a:lnRef idx="1">
-              <a:schemeClr val="accent1"/>
-            </a:lnRef>
-            <a:fillRef idx="0">
-              <a:schemeClr val="accent1"/>
-            </a:fillRef>
-            <a:effectRef idx="0">
-              <a:schemeClr val="accent1"/>
-            </a:effectRef>
-            <a:fontRef idx="minor">
-              <a:schemeClr val="tx1"/>
-            </a:fontRef>
-          </p:style>
-        </p:cxnSp>
-        <p:cxnSp>
-          <p:nvCxnSpPr>
-            <p:cNvPr id="11" name="Verbinder: gewinkelt 10">
-              <a:extLst>
-                <a:ext uri="{FF2B5EF4-FFF2-40B4-BE49-F238E27FC236}">
-                  <a16:creationId xmlns:a16="http://schemas.microsoft.com/office/drawing/2014/main" id="{79DF81F0-50D2-A458-961D-8DA869669886}"/>
-                </a:ext>
-              </a:extLst>
-            </p:cNvPr>
-            <p:cNvCxnSpPr>
-              <a:cxnSpLocks/>
-              <a:stCxn id="9" idx="3"/>
-              <a:endCxn id="5" idx="1"/>
-            </p:cNvCxnSpPr>
-            <p:nvPr/>
-          </p:nvCxnSpPr>
-          <p:spPr>
-            <a:xfrm flipV="1">
-              <a:off x="4111544" y="1879120"/>
-              <a:ext cx="897977" cy="298437"/>
-            </a:xfrm>
-            <a:prstGeom prst="bentConnector3">
-              <a:avLst/>
-            </a:prstGeom>
-            <a:ln>
-              <a:solidFill>
-                <a:schemeClr val="tx1"/>
-              </a:solidFill>
-              <a:headEnd type="none" w="lg" len="med"/>
-              <a:tailEnd type="triangle"/>
-            </a:ln>
-          </p:spPr>
-          <p:style>
-            <a:lnRef idx="1">
-              <a:schemeClr val="accent1"/>
-            </a:lnRef>
-            <a:fillRef idx="0">
-              <a:schemeClr val="accent1"/>
-            </a:fillRef>
-            <a:effectRef idx="0">
-              <a:schemeClr val="accent1"/>
-            </a:effectRef>
-            <a:fontRef idx="minor">
-              <a:schemeClr val="tx1"/>
-            </a:fontRef>
-          </p:style>
-        </p:cxnSp>
-        <p:cxnSp>
-          <p:nvCxnSpPr>
-            <p:cNvPr id="12" name="Verbinder: gewinkelt 14">
-              <a:extLst>
-                <a:ext uri="{FF2B5EF4-FFF2-40B4-BE49-F238E27FC236}">
-                  <a16:creationId xmlns:a16="http://schemas.microsoft.com/office/drawing/2014/main" id="{57B7CB97-14D3-6ADB-2243-5E1ED1B9AD15}"/>
-                </a:ext>
-              </a:extLst>
-            </p:cNvPr>
-            <p:cNvCxnSpPr>
-              <a:cxnSpLocks/>
-              <a:stCxn id="8" idx="3"/>
-              <a:endCxn id="5" idx="1"/>
-            </p:cNvCxnSpPr>
-            <p:nvPr/>
-          </p:nvCxnSpPr>
-          <p:spPr>
-            <a:xfrm>
-              <a:off x="4111544" y="1879120"/>
-              <a:ext cx="897977" cy="0"/>
-            </a:xfrm>
-            <a:prstGeom prst="straightConnector1">
-              <a:avLst/>
-            </a:prstGeom>
-            <a:ln>
-              <a:solidFill>
-                <a:schemeClr val="tx1"/>
-              </a:solidFill>
-              <a:headEnd type="none" w="lg" len="med"/>
-              <a:tailEnd type="triangle"/>
-            </a:ln>
-          </p:spPr>
-          <p:style>
-            <a:lnRef idx="1">
-              <a:schemeClr val="accent1"/>
-            </a:lnRef>
-            <a:fillRef idx="0">
-              <a:schemeClr val="accent1"/>
-            </a:fillRef>
-            <a:effectRef idx="0">
-              <a:schemeClr val="accent1"/>
-            </a:effectRef>
-            <a:fontRef idx="minor">
-              <a:schemeClr val="tx1"/>
-            </a:fontRef>
-          </p:style>
-        </p:cxnSp>
-        <p:cxnSp>
-          <p:nvCxnSpPr>
-            <p:cNvPr id="13" name="Verbinder: gewinkelt 14">
-              <a:extLst>
-                <a:ext uri="{FF2B5EF4-FFF2-40B4-BE49-F238E27FC236}">
-                  <a16:creationId xmlns:a16="http://schemas.microsoft.com/office/drawing/2014/main" id="{7D949813-BED2-C7BE-C5D2-2A44D96F381A}"/>
-                </a:ext>
-              </a:extLst>
-            </p:cNvPr>
-            <p:cNvCxnSpPr>
-              <a:cxnSpLocks/>
-              <a:stCxn id="5" idx="3"/>
-            </p:cNvCxnSpPr>
-            <p:nvPr/>
-          </p:nvCxnSpPr>
-          <p:spPr>
-            <a:xfrm>
-              <a:off x="6467179" y="1879120"/>
-              <a:ext cx="530587" cy="0"/>
-            </a:xfrm>
-            <a:prstGeom prst="straightConnector1">
-              <a:avLst/>
-            </a:prstGeom>
-            <a:ln>
-              <a:solidFill>
-                <a:schemeClr val="tx1"/>
-              </a:solidFill>
-              <a:headEnd type="none" w="lg" len="med"/>
-              <a:tailEnd type="triangle"/>
-            </a:ln>
-          </p:spPr>
-          <p:style>
-            <a:lnRef idx="1">
-              <a:schemeClr val="accent1"/>
-            </a:lnRef>
-            <a:fillRef idx="0">
-              <a:schemeClr val="accent1"/>
-            </a:fillRef>
-            <a:effectRef idx="0">
-              <a:schemeClr val="accent1"/>
-            </a:effectRef>
-            <a:fontRef idx="minor">
-              <a:schemeClr val="tx1"/>
-            </a:fontRef>
-          </p:style>
-        </p:cxnSp>
-        <p:pic>
-          <p:nvPicPr>
-            <p:cNvPr id="14" name="Grafik 13">
-              <a:extLst>
-                <a:ext uri="{FF2B5EF4-FFF2-40B4-BE49-F238E27FC236}">
-                  <a16:creationId xmlns:a16="http://schemas.microsoft.com/office/drawing/2014/main" id="{895A89CB-F029-36CD-4C8D-9A98FB22D9D5}"/>
-                </a:ext>
-              </a:extLst>
-            </p:cNvPr>
-            <p:cNvPicPr>
-              <a:picLocks noChangeAspect="1"/>
-            </p:cNvPicPr>
-            <p:nvPr/>
-          </p:nvPicPr>
-          <p:blipFill>
-            <a:blip r:embed="rId3"/>
-            <a:stretch>
-              <a:fillRect/>
-            </a:stretch>
-          </p:blipFill>
-          <p:spPr>
-            <a:xfrm>
-              <a:off x="7073801" y="1649300"/>
-              <a:ext cx="451377" cy="459634"/>
-            </a:xfrm>
-            <a:prstGeom prst="rect">
-              <a:avLst/>
-            </a:prstGeom>
-          </p:spPr>
-        </p:pic>
-        <p:sp>
-          <p:nvSpPr>
-            <p:cNvPr id="15" name="Textplatzhalter 2">
-              <a:extLst>
-                <a:ext uri="{FF2B5EF4-FFF2-40B4-BE49-F238E27FC236}">
-                  <a16:creationId xmlns:a16="http://schemas.microsoft.com/office/drawing/2014/main" id="{6F9D8B60-EA9D-5174-747A-E08688DC10B2}"/>
+                  <a16:creationId xmlns:a16="http://schemas.microsoft.com/office/drawing/2014/main" id="{930AA060-E688-47BF-83B0-6E4EF9393966}"/>
                 </a:ext>
               </a:extLst>
             </p:cNvPr>
@@ -10660,8 +11485,8 @@
           </p:nvSpPr>
           <p:spPr>
             <a:xfrm>
-              <a:off x="5281757" y="2321648"/>
-              <a:ext cx="780528" cy="169277"/>
+              <a:off x="6937494" y="3303656"/>
+              <a:ext cx="3052208" cy="215444"/>
             </a:xfrm>
             <a:prstGeom prst="rect">
               <a:avLst/>
@@ -10870,34 +11695,734 @@
               </a:lvl9pPr>
             </a:lstStyle>
             <a:p>
-              <a:pPr marL="0" indent="0">
+              <a:pPr marL="0" marR="0" lvl="0" indent="0" algn="r" defTabSz="932742" rtl="0" eaLnBrk="1" fontAlgn="auto" latinLnBrk="0" hangingPunct="1">
+                <a:lnSpc>
+                  <a:spcPct val="100000"/>
+                </a:lnSpc>
+                <a:spcBef>
+                  <a:spcPct val="20000"/>
+                </a:spcBef>
+                <a:spcAft>
+                  <a:spcPts val="0"/>
+                </a:spcAft>
+                <a:buClrTx/>
+                <a:buSzPct val="90000"/>
                 <a:buFont typeface="Arial" panose="020B0604020202020204" pitchFamily="34" charset="0"/>
                 <a:buNone/>
+                <a:tabLst/>
+                <a:defRPr/>
               </a:pPr>
               <a:r>
-                <a:rPr lang="en-US" sz="1100">
-                  <a:solidFill>
-                    <a:schemeClr val="tx1">
-                      <a:lumMod val="95000"/>
-                      <a:lumOff val="5000"/>
-                    </a:schemeClr>
-                  </a:solidFill>
+                <a:rPr kumimoji="0" lang="en-US" sz="1400" b="0" i="0" u="none" strike="noStrike" kern="1200" cap="none" spc="0" normalizeH="0" baseline="0" noProof="0">
+                  <a:ln>
+                    <a:noFill/>
+                  </a:ln>
+                  <a:effectLst/>
+                  <a:uLnTx/>
+                  <a:uFillTx/>
                   <a:latin typeface="Segoe UI Semilight" panose="020B0402040204020203" pitchFamily="34" charset="0"/>
+                  <a:ea typeface="+mn-ea"/>
+                  <a:cs typeface="Segoe UI Semilight" panose="020B0402040204020203" pitchFamily="34" charset="0"/>
                 </a:rPr>
-                <a:t>PowerProxy</a:t>
+                <a:t>Azure Open AI Service (PTU or PAYG)</a:t>
               </a:r>
-              <a:endParaRPr lang="de-DE" sz="1100">
-                <a:solidFill>
-                  <a:schemeClr val="tx1">
-                    <a:lumMod val="95000"/>
-                    <a:lumOff val="5000"/>
-                  </a:schemeClr>
-                </a:solidFill>
+              <a:endParaRPr kumimoji="0" lang="de-DE" sz="1400" b="0" i="0" u="none" strike="noStrike" kern="1200" cap="none" spc="0" normalizeH="0" baseline="0" noProof="0">
+                <a:ln>
+                  <a:noFill/>
+                </a:ln>
+                <a:effectLst/>
+                <a:uLnTx/>
+                <a:uFillTx/>
                 <a:latin typeface="Segoe UI Semilight" panose="020B0402040204020203" pitchFamily="34" charset="0"/>
+                <a:ea typeface="+mn-ea"/>
+                <a:cs typeface="Segoe UI Semilight" panose="020B0402040204020203" pitchFamily="34" charset="0"/>
               </a:endParaRPr>
             </a:p>
           </p:txBody>
         </p:sp>
+        <p:pic>
+          <p:nvPicPr>
+            <p:cNvPr id="24" name="Grafik 23">
+              <a:extLst>
+                <a:ext uri="{FF2B5EF4-FFF2-40B4-BE49-F238E27FC236}">
+                  <a16:creationId xmlns:a16="http://schemas.microsoft.com/office/drawing/2014/main" id="{94B382B3-C163-A637-7BE4-BD803A31E696}"/>
+                </a:ext>
+              </a:extLst>
+            </p:cNvPr>
+            <p:cNvPicPr>
+              <a:picLocks noChangeAspect="1"/>
+            </p:cNvPicPr>
+            <p:nvPr/>
+          </p:nvPicPr>
+          <p:blipFill>
+            <a:blip r:embed="rId3"/>
+            <a:stretch>
+              <a:fillRect/>
+            </a:stretch>
+          </p:blipFill>
+          <p:spPr>
+            <a:xfrm>
+              <a:off x="6644759" y="3218880"/>
+              <a:ext cx="373278" cy="380106"/>
+            </a:xfrm>
+            <a:prstGeom prst="rect">
+              <a:avLst/>
+            </a:prstGeom>
+          </p:spPr>
+        </p:pic>
+        <p:sp>
+          <p:nvSpPr>
+            <p:cNvPr id="25" name="Textplatzhalter 2">
+              <a:extLst>
+                <a:ext uri="{FF2B5EF4-FFF2-40B4-BE49-F238E27FC236}">
+                  <a16:creationId xmlns:a16="http://schemas.microsoft.com/office/drawing/2014/main" id="{25BD2B51-D2F4-E385-A75D-C08E475DB33F}"/>
+                </a:ext>
+              </a:extLst>
+            </p:cNvPr>
+            <p:cNvSpPr txBox="1">
+              <a:spLocks/>
+            </p:cNvSpPr>
+            <p:nvPr/>
+          </p:nvSpPr>
+          <p:spPr>
+            <a:xfrm>
+              <a:off x="6458457" y="2945541"/>
+              <a:ext cx="3052208" cy="215444"/>
+            </a:xfrm>
+            <a:prstGeom prst="rect">
+              <a:avLst/>
+            </a:prstGeom>
+          </p:spPr>
+          <p:txBody>
+            <a:bodyPr vert="horz" wrap="square" lIns="0" tIns="0" rIns="0" bIns="0" rtlCol="0" anchor="t">
+              <a:spAutoFit/>
+            </a:bodyPr>
+            <a:lstStyle>
+              <a:lvl1pPr marL="137160" marR="0" indent="-137160" algn="l" defTabSz="932742" rtl="0" eaLnBrk="1" fontAlgn="auto" latinLnBrk="0" hangingPunct="1">
+                <a:lnSpc>
+                  <a:spcPct val="100000"/>
+                </a:lnSpc>
+                <a:spcBef>
+                  <a:spcPct val="20000"/>
+                </a:spcBef>
+                <a:spcAft>
+                  <a:spcPts val="0"/>
+                </a:spcAft>
+                <a:buClrTx/>
+                <a:buSzPct val="90000"/>
+                <a:buFont typeface="Arial" panose="020B0604020202020204" pitchFamily="34" charset="0"/>
+                <a:buChar char="•"/>
+                <a:tabLst/>
+                <a:defRPr sz="1600" kern="1200" spc="0" baseline="0">
+                  <a:solidFill>
+                    <a:schemeClr val="tx1"/>
+                  </a:solidFill>
+                  <a:latin typeface="+mn-lt"/>
+                  <a:ea typeface="+mn-ea"/>
+                  <a:cs typeface="Segoe UI Semilight" panose="020B0402040204020203" pitchFamily="34" charset="0"/>
+                </a:defRPr>
+              </a:lvl1pPr>
+              <a:lvl2pPr marL="265176" marR="0" indent="-128016" algn="l" defTabSz="932742" rtl="0" eaLnBrk="1" fontAlgn="auto" latinLnBrk="0" hangingPunct="1">
+                <a:lnSpc>
+                  <a:spcPct val="100000"/>
+                </a:lnSpc>
+                <a:spcBef>
+                  <a:spcPct val="20000"/>
+                </a:spcBef>
+                <a:spcAft>
+                  <a:spcPts val="0"/>
+                </a:spcAft>
+                <a:buClrTx/>
+                <a:buSzPct val="90000"/>
+                <a:buFont typeface="Arial" panose="020B0604020202020204" pitchFamily="34" charset="0"/>
+                <a:buChar char="•"/>
+                <a:tabLst/>
+                <a:defRPr sz="1400" kern="1200" spc="0" baseline="0">
+                  <a:solidFill>
+                    <a:schemeClr val="tx1"/>
+                  </a:solidFill>
+                  <a:latin typeface="+mn-lt"/>
+                  <a:ea typeface="+mn-ea"/>
+                  <a:cs typeface="+mn-cs"/>
+                </a:defRPr>
+              </a:lvl2pPr>
+              <a:lvl3pPr marL="384048" marR="0" indent="-118872" algn="l" defTabSz="932742" rtl="0" eaLnBrk="1" fontAlgn="auto" latinLnBrk="0" hangingPunct="1">
+                <a:lnSpc>
+                  <a:spcPct val="100000"/>
+                </a:lnSpc>
+                <a:spcBef>
+                  <a:spcPct val="20000"/>
+                </a:spcBef>
+                <a:spcAft>
+                  <a:spcPts val="0"/>
+                </a:spcAft>
+                <a:buClrTx/>
+                <a:buSzPct val="90000"/>
+                <a:buFont typeface="Arial" panose="020B0604020202020204" pitchFamily="34" charset="0"/>
+                <a:buChar char="•"/>
+                <a:tabLst/>
+                <a:defRPr sz="1200" kern="1200" spc="0" baseline="0">
+                  <a:solidFill>
+                    <a:schemeClr val="tx1"/>
+                  </a:solidFill>
+                  <a:latin typeface="+mn-lt"/>
+                  <a:ea typeface="+mn-ea"/>
+                  <a:cs typeface="+mn-cs"/>
+                </a:defRPr>
+              </a:lvl3pPr>
+              <a:lvl4pPr marL="685800" marR="0" indent="0" algn="l" defTabSz="932742" rtl="0" eaLnBrk="1" fontAlgn="auto" latinLnBrk="0" hangingPunct="1">
+                <a:lnSpc>
+                  <a:spcPct val="100000"/>
+                </a:lnSpc>
+                <a:spcBef>
+                  <a:spcPct val="20000"/>
+                </a:spcBef>
+                <a:spcAft>
+                  <a:spcPts val="0"/>
+                </a:spcAft>
+                <a:buClrTx/>
+                <a:buSzPct val="90000"/>
+                <a:buFont typeface="Wingdings" panose="05000000000000000000" pitchFamily="2" charset="2"/>
+                <a:buNone/>
+                <a:tabLst/>
+                <a:defRPr sz="1000" kern="1200" spc="0" baseline="0">
+                  <a:gradFill>
+                    <a:gsLst>
+                      <a:gs pos="1250">
+                        <a:schemeClr val="tx1"/>
+                      </a:gs>
+                      <a:gs pos="100000">
+                        <a:schemeClr val="tx1"/>
+                      </a:gs>
+                    </a:gsLst>
+                    <a:lin ang="5400000" scaled="0"/>
+                  </a:gradFill>
+                  <a:latin typeface="+mn-lt"/>
+                  <a:ea typeface="+mn-ea"/>
+                  <a:cs typeface="+mn-cs"/>
+                </a:defRPr>
+              </a:lvl4pPr>
+              <a:lvl5pPr marL="914400" marR="0" indent="0" algn="l" defTabSz="932742" rtl="0" eaLnBrk="1" fontAlgn="auto" latinLnBrk="0" hangingPunct="1">
+                <a:lnSpc>
+                  <a:spcPct val="100000"/>
+                </a:lnSpc>
+                <a:spcBef>
+                  <a:spcPct val="20000"/>
+                </a:spcBef>
+                <a:spcAft>
+                  <a:spcPts val="0"/>
+                </a:spcAft>
+                <a:buClrTx/>
+                <a:buSzPct val="90000"/>
+                <a:buFont typeface="Wingdings" panose="05000000000000000000" pitchFamily="2" charset="2"/>
+                <a:buNone/>
+                <a:tabLst/>
+                <a:defRPr sz="800" kern="1200" spc="0" baseline="0">
+                  <a:gradFill>
+                    <a:gsLst>
+                      <a:gs pos="1250">
+                        <a:schemeClr val="tx1"/>
+                      </a:gs>
+                      <a:gs pos="100000">
+                        <a:schemeClr val="tx1"/>
+                      </a:gs>
+                    </a:gsLst>
+                    <a:lin ang="5400000" scaled="0"/>
+                  </a:gradFill>
+                  <a:latin typeface="+mn-lt"/>
+                  <a:ea typeface="+mn-ea"/>
+                  <a:cs typeface="+mn-cs"/>
+                </a:defRPr>
+              </a:lvl5pPr>
+              <a:lvl6pPr marL="2565040" indent="-233186" algn="l" defTabSz="932742" rtl="0" eaLnBrk="1" latinLnBrk="0" hangingPunct="1">
+                <a:spcBef>
+                  <a:spcPct val="20000"/>
+                </a:spcBef>
+                <a:buFont typeface="Arial" pitchFamily="34" charset="0"/>
+                <a:buChar char="•"/>
+                <a:defRPr sz="2000" kern="1200">
+                  <a:solidFill>
+                    <a:schemeClr val="tx1"/>
+                  </a:solidFill>
+                  <a:latin typeface="+mn-lt"/>
+                  <a:ea typeface="+mn-ea"/>
+                  <a:cs typeface="+mn-cs"/>
+                </a:defRPr>
+              </a:lvl6pPr>
+              <a:lvl7pPr marL="3031412" indent="-233186" algn="l" defTabSz="932742" rtl="0" eaLnBrk="1" latinLnBrk="0" hangingPunct="1">
+                <a:spcBef>
+                  <a:spcPct val="20000"/>
+                </a:spcBef>
+                <a:buFont typeface="Arial" pitchFamily="34" charset="0"/>
+                <a:buChar char="•"/>
+                <a:defRPr sz="2000" kern="1200">
+                  <a:solidFill>
+                    <a:schemeClr val="tx1"/>
+                  </a:solidFill>
+                  <a:latin typeface="+mn-lt"/>
+                  <a:ea typeface="+mn-ea"/>
+                  <a:cs typeface="+mn-cs"/>
+                </a:defRPr>
+              </a:lvl7pPr>
+              <a:lvl8pPr marL="3497783" indent="-233186" algn="l" defTabSz="932742" rtl="0" eaLnBrk="1" latinLnBrk="0" hangingPunct="1">
+                <a:spcBef>
+                  <a:spcPct val="20000"/>
+                </a:spcBef>
+                <a:buFont typeface="Arial" pitchFamily="34" charset="0"/>
+                <a:buChar char="•"/>
+                <a:defRPr sz="2000" kern="1200">
+                  <a:solidFill>
+                    <a:schemeClr val="tx1"/>
+                  </a:solidFill>
+                  <a:latin typeface="+mn-lt"/>
+                  <a:ea typeface="+mn-ea"/>
+                  <a:cs typeface="+mn-cs"/>
+                </a:defRPr>
+              </a:lvl8pPr>
+              <a:lvl9pPr marL="3964155" indent="-233186" algn="l" defTabSz="932742" rtl="0" eaLnBrk="1" latinLnBrk="0" hangingPunct="1">
+                <a:spcBef>
+                  <a:spcPct val="20000"/>
+                </a:spcBef>
+                <a:buFont typeface="Arial" pitchFamily="34" charset="0"/>
+                <a:buChar char="•"/>
+                <a:defRPr sz="2000" kern="1200">
+                  <a:solidFill>
+                    <a:schemeClr val="tx1"/>
+                  </a:solidFill>
+                  <a:latin typeface="+mn-lt"/>
+                  <a:ea typeface="+mn-ea"/>
+                  <a:cs typeface="+mn-cs"/>
+                </a:defRPr>
+              </a:lvl9pPr>
+            </a:lstStyle>
+            <a:p>
+              <a:pPr marL="0" marR="0" lvl="0" indent="0" algn="ctr" defTabSz="932742" rtl="0" eaLnBrk="1" fontAlgn="auto" latinLnBrk="0" hangingPunct="1">
+                <a:lnSpc>
+                  <a:spcPct val="100000"/>
+                </a:lnSpc>
+                <a:spcBef>
+                  <a:spcPct val="20000"/>
+                </a:spcBef>
+                <a:spcAft>
+                  <a:spcPts val="0"/>
+                </a:spcAft>
+                <a:buClrTx/>
+                <a:buSzPct val="90000"/>
+                <a:buFont typeface="Arial" panose="020B0604020202020204" pitchFamily="34" charset="0"/>
+                <a:buNone/>
+                <a:tabLst/>
+                <a:defRPr/>
+              </a:pPr>
+              <a:r>
+                <a:rPr kumimoji="0" lang="de-DE" sz="1400" b="0" i="0" u="none" strike="noStrike" kern="1200" cap="none" spc="0" normalizeH="0" baseline="0" noProof="0">
+                  <a:ln>
+                    <a:noFill/>
+                  </a:ln>
+                  <a:effectLst/>
+                  <a:uLnTx/>
+                  <a:uFillTx/>
+                  <a:latin typeface="Segoe UI Semilight" panose="020B0402040204020203" pitchFamily="34" charset="0"/>
+                  <a:ea typeface="+mn-ea"/>
+                  <a:cs typeface="Segoe UI Semilight" panose="020B0402040204020203" pitchFamily="34" charset="0"/>
+                </a:rPr>
+                <a:t>...</a:t>
+              </a:r>
+            </a:p>
+          </p:txBody>
+        </p:sp>
+        <p:sp>
+          <p:nvSpPr>
+            <p:cNvPr id="26" name="Textplatzhalter 2">
+              <a:extLst>
+                <a:ext uri="{FF2B5EF4-FFF2-40B4-BE49-F238E27FC236}">
+                  <a16:creationId xmlns:a16="http://schemas.microsoft.com/office/drawing/2014/main" id="{81ECA9A3-C238-41BC-B35D-CA64BB4B5EE0}"/>
+                </a:ext>
+              </a:extLst>
+            </p:cNvPr>
+            <p:cNvSpPr txBox="1">
+              <a:spLocks/>
+            </p:cNvSpPr>
+            <p:nvPr/>
+          </p:nvSpPr>
+          <p:spPr>
+            <a:xfrm>
+              <a:off x="6937494" y="2597912"/>
+              <a:ext cx="3052208" cy="215444"/>
+            </a:xfrm>
+            <a:prstGeom prst="rect">
+              <a:avLst/>
+            </a:prstGeom>
+          </p:spPr>
+          <p:txBody>
+            <a:bodyPr vert="horz" wrap="square" lIns="0" tIns="0" rIns="0" bIns="0" rtlCol="0" anchor="t">
+              <a:spAutoFit/>
+            </a:bodyPr>
+            <a:lstStyle>
+              <a:lvl1pPr marL="137160" marR="0" indent="-137160" algn="l" defTabSz="932742" rtl="0" eaLnBrk="1" fontAlgn="auto" latinLnBrk="0" hangingPunct="1">
+                <a:lnSpc>
+                  <a:spcPct val="100000"/>
+                </a:lnSpc>
+                <a:spcBef>
+                  <a:spcPct val="20000"/>
+                </a:spcBef>
+                <a:spcAft>
+                  <a:spcPts val="0"/>
+                </a:spcAft>
+                <a:buClrTx/>
+                <a:buSzPct val="90000"/>
+                <a:buFont typeface="Arial" panose="020B0604020202020204" pitchFamily="34" charset="0"/>
+                <a:buChar char="•"/>
+                <a:tabLst/>
+                <a:defRPr sz="1600" kern="1200" spc="0" baseline="0">
+                  <a:solidFill>
+                    <a:schemeClr val="tx1"/>
+                  </a:solidFill>
+                  <a:latin typeface="+mn-lt"/>
+                  <a:ea typeface="+mn-ea"/>
+                  <a:cs typeface="Segoe UI Semilight" panose="020B0402040204020203" pitchFamily="34" charset="0"/>
+                </a:defRPr>
+              </a:lvl1pPr>
+              <a:lvl2pPr marL="265176" marR="0" indent="-128016" algn="l" defTabSz="932742" rtl="0" eaLnBrk="1" fontAlgn="auto" latinLnBrk="0" hangingPunct="1">
+                <a:lnSpc>
+                  <a:spcPct val="100000"/>
+                </a:lnSpc>
+                <a:spcBef>
+                  <a:spcPct val="20000"/>
+                </a:spcBef>
+                <a:spcAft>
+                  <a:spcPts val="0"/>
+                </a:spcAft>
+                <a:buClrTx/>
+                <a:buSzPct val="90000"/>
+                <a:buFont typeface="Arial" panose="020B0604020202020204" pitchFamily="34" charset="0"/>
+                <a:buChar char="•"/>
+                <a:tabLst/>
+                <a:defRPr sz="1400" kern="1200" spc="0" baseline="0">
+                  <a:solidFill>
+                    <a:schemeClr val="tx1"/>
+                  </a:solidFill>
+                  <a:latin typeface="+mn-lt"/>
+                  <a:ea typeface="+mn-ea"/>
+                  <a:cs typeface="+mn-cs"/>
+                </a:defRPr>
+              </a:lvl2pPr>
+              <a:lvl3pPr marL="384048" marR="0" indent="-118872" algn="l" defTabSz="932742" rtl="0" eaLnBrk="1" fontAlgn="auto" latinLnBrk="0" hangingPunct="1">
+                <a:lnSpc>
+                  <a:spcPct val="100000"/>
+                </a:lnSpc>
+                <a:spcBef>
+                  <a:spcPct val="20000"/>
+                </a:spcBef>
+                <a:spcAft>
+                  <a:spcPts val="0"/>
+                </a:spcAft>
+                <a:buClrTx/>
+                <a:buSzPct val="90000"/>
+                <a:buFont typeface="Arial" panose="020B0604020202020204" pitchFamily="34" charset="0"/>
+                <a:buChar char="•"/>
+                <a:tabLst/>
+                <a:defRPr sz="1200" kern="1200" spc="0" baseline="0">
+                  <a:solidFill>
+                    <a:schemeClr val="tx1"/>
+                  </a:solidFill>
+                  <a:latin typeface="+mn-lt"/>
+                  <a:ea typeface="+mn-ea"/>
+                  <a:cs typeface="+mn-cs"/>
+                </a:defRPr>
+              </a:lvl3pPr>
+              <a:lvl4pPr marL="685800" marR="0" indent="0" algn="l" defTabSz="932742" rtl="0" eaLnBrk="1" fontAlgn="auto" latinLnBrk="0" hangingPunct="1">
+                <a:lnSpc>
+                  <a:spcPct val="100000"/>
+                </a:lnSpc>
+                <a:spcBef>
+                  <a:spcPct val="20000"/>
+                </a:spcBef>
+                <a:spcAft>
+                  <a:spcPts val="0"/>
+                </a:spcAft>
+                <a:buClrTx/>
+                <a:buSzPct val="90000"/>
+                <a:buFont typeface="Wingdings" panose="05000000000000000000" pitchFamily="2" charset="2"/>
+                <a:buNone/>
+                <a:tabLst/>
+                <a:defRPr sz="1000" kern="1200" spc="0" baseline="0">
+                  <a:gradFill>
+                    <a:gsLst>
+                      <a:gs pos="1250">
+                        <a:schemeClr val="tx1"/>
+                      </a:gs>
+                      <a:gs pos="100000">
+                        <a:schemeClr val="tx1"/>
+                      </a:gs>
+                    </a:gsLst>
+                    <a:lin ang="5400000" scaled="0"/>
+                  </a:gradFill>
+                  <a:latin typeface="+mn-lt"/>
+                  <a:ea typeface="+mn-ea"/>
+                  <a:cs typeface="+mn-cs"/>
+                </a:defRPr>
+              </a:lvl4pPr>
+              <a:lvl5pPr marL="914400" marR="0" indent="0" algn="l" defTabSz="932742" rtl="0" eaLnBrk="1" fontAlgn="auto" latinLnBrk="0" hangingPunct="1">
+                <a:lnSpc>
+                  <a:spcPct val="100000"/>
+                </a:lnSpc>
+                <a:spcBef>
+                  <a:spcPct val="20000"/>
+                </a:spcBef>
+                <a:spcAft>
+                  <a:spcPts val="0"/>
+                </a:spcAft>
+                <a:buClrTx/>
+                <a:buSzPct val="90000"/>
+                <a:buFont typeface="Wingdings" panose="05000000000000000000" pitchFamily="2" charset="2"/>
+                <a:buNone/>
+                <a:tabLst/>
+                <a:defRPr sz="800" kern="1200" spc="0" baseline="0">
+                  <a:gradFill>
+                    <a:gsLst>
+                      <a:gs pos="1250">
+                        <a:schemeClr val="tx1"/>
+                      </a:gs>
+                      <a:gs pos="100000">
+                        <a:schemeClr val="tx1"/>
+                      </a:gs>
+                    </a:gsLst>
+                    <a:lin ang="5400000" scaled="0"/>
+                  </a:gradFill>
+                  <a:latin typeface="+mn-lt"/>
+                  <a:ea typeface="+mn-ea"/>
+                  <a:cs typeface="+mn-cs"/>
+                </a:defRPr>
+              </a:lvl5pPr>
+              <a:lvl6pPr marL="2565040" indent="-233186" algn="l" defTabSz="932742" rtl="0" eaLnBrk="1" latinLnBrk="0" hangingPunct="1">
+                <a:spcBef>
+                  <a:spcPct val="20000"/>
+                </a:spcBef>
+                <a:buFont typeface="Arial" pitchFamily="34" charset="0"/>
+                <a:buChar char="•"/>
+                <a:defRPr sz="2000" kern="1200">
+                  <a:solidFill>
+                    <a:schemeClr val="tx1"/>
+                  </a:solidFill>
+                  <a:latin typeface="+mn-lt"/>
+                  <a:ea typeface="+mn-ea"/>
+                  <a:cs typeface="+mn-cs"/>
+                </a:defRPr>
+              </a:lvl6pPr>
+              <a:lvl7pPr marL="3031412" indent="-233186" algn="l" defTabSz="932742" rtl="0" eaLnBrk="1" latinLnBrk="0" hangingPunct="1">
+                <a:spcBef>
+                  <a:spcPct val="20000"/>
+                </a:spcBef>
+                <a:buFont typeface="Arial" pitchFamily="34" charset="0"/>
+                <a:buChar char="•"/>
+                <a:defRPr sz="2000" kern="1200">
+                  <a:solidFill>
+                    <a:schemeClr val="tx1"/>
+                  </a:solidFill>
+                  <a:latin typeface="+mn-lt"/>
+                  <a:ea typeface="+mn-ea"/>
+                  <a:cs typeface="+mn-cs"/>
+                </a:defRPr>
+              </a:lvl7pPr>
+              <a:lvl8pPr marL="3497783" indent="-233186" algn="l" defTabSz="932742" rtl="0" eaLnBrk="1" latinLnBrk="0" hangingPunct="1">
+                <a:spcBef>
+                  <a:spcPct val="20000"/>
+                </a:spcBef>
+                <a:buFont typeface="Arial" pitchFamily="34" charset="0"/>
+                <a:buChar char="•"/>
+                <a:defRPr sz="2000" kern="1200">
+                  <a:solidFill>
+                    <a:schemeClr val="tx1"/>
+                  </a:solidFill>
+                  <a:latin typeface="+mn-lt"/>
+                  <a:ea typeface="+mn-ea"/>
+                  <a:cs typeface="+mn-cs"/>
+                </a:defRPr>
+              </a:lvl8pPr>
+              <a:lvl9pPr marL="3964155" indent="-233186" algn="l" defTabSz="932742" rtl="0" eaLnBrk="1" latinLnBrk="0" hangingPunct="1">
+                <a:spcBef>
+                  <a:spcPct val="20000"/>
+                </a:spcBef>
+                <a:buFont typeface="Arial" pitchFamily="34" charset="0"/>
+                <a:buChar char="•"/>
+                <a:defRPr sz="2000" kern="1200">
+                  <a:solidFill>
+                    <a:schemeClr val="tx1"/>
+                  </a:solidFill>
+                  <a:latin typeface="+mn-lt"/>
+                  <a:ea typeface="+mn-ea"/>
+                  <a:cs typeface="+mn-cs"/>
+                </a:defRPr>
+              </a:lvl9pPr>
+            </a:lstStyle>
+            <a:p>
+              <a:pPr marL="0" marR="0" lvl="0" indent="0" algn="r" defTabSz="932742" rtl="0" eaLnBrk="1" fontAlgn="auto" latinLnBrk="0" hangingPunct="1">
+                <a:lnSpc>
+                  <a:spcPct val="100000"/>
+                </a:lnSpc>
+                <a:spcBef>
+                  <a:spcPct val="20000"/>
+                </a:spcBef>
+                <a:spcAft>
+                  <a:spcPts val="0"/>
+                </a:spcAft>
+                <a:buClrTx/>
+                <a:buSzPct val="90000"/>
+                <a:buFont typeface="Arial" panose="020B0604020202020204" pitchFamily="34" charset="0"/>
+                <a:buNone/>
+                <a:tabLst/>
+                <a:defRPr/>
+              </a:pPr>
+              <a:r>
+                <a:rPr kumimoji="0" lang="en-US" sz="1400" b="0" i="0" u="none" strike="noStrike" kern="1200" cap="none" spc="0" normalizeH="0" baseline="0" noProof="0">
+                  <a:ln>
+                    <a:noFill/>
+                  </a:ln>
+                  <a:effectLst/>
+                  <a:uLnTx/>
+                  <a:uFillTx/>
+                  <a:latin typeface="Segoe UI Semilight" panose="020B0402040204020203" pitchFamily="34" charset="0"/>
+                  <a:ea typeface="+mn-ea"/>
+                  <a:cs typeface="Segoe UI Semilight" panose="020B0402040204020203" pitchFamily="34" charset="0"/>
+                </a:rPr>
+                <a:t>Azure Open AI Service (PTU or PAYG)</a:t>
+              </a:r>
+              <a:endParaRPr kumimoji="0" lang="de-DE" sz="1400" b="0" i="0" u="none" strike="noStrike" kern="1200" cap="none" spc="0" normalizeH="0" baseline="0" noProof="0">
+                <a:ln>
+                  <a:noFill/>
+                </a:ln>
+                <a:effectLst/>
+                <a:uLnTx/>
+                <a:uFillTx/>
+                <a:latin typeface="Segoe UI Semilight" panose="020B0402040204020203" pitchFamily="34" charset="0"/>
+                <a:ea typeface="+mn-ea"/>
+                <a:cs typeface="Segoe UI Semilight" panose="020B0402040204020203" pitchFamily="34" charset="0"/>
+              </a:endParaRPr>
+            </a:p>
+          </p:txBody>
+        </p:sp>
+        <p:pic>
+          <p:nvPicPr>
+            <p:cNvPr id="27" name="Grafik 26">
+              <a:extLst>
+                <a:ext uri="{FF2B5EF4-FFF2-40B4-BE49-F238E27FC236}">
+                  <a16:creationId xmlns:a16="http://schemas.microsoft.com/office/drawing/2014/main" id="{101530EC-4ECE-3EC2-D9C7-2E1954C0C710}"/>
+                </a:ext>
+              </a:extLst>
+            </p:cNvPr>
+            <p:cNvPicPr>
+              <a:picLocks noChangeAspect="1"/>
+            </p:cNvPicPr>
+            <p:nvPr/>
+          </p:nvPicPr>
+          <p:blipFill>
+            <a:blip r:embed="rId3"/>
+            <a:stretch>
+              <a:fillRect/>
+            </a:stretch>
+          </p:blipFill>
+          <p:spPr>
+            <a:xfrm>
+              <a:off x="6642526" y="2515581"/>
+              <a:ext cx="373278" cy="380106"/>
+            </a:xfrm>
+            <a:prstGeom prst="rect">
+              <a:avLst/>
+            </a:prstGeom>
+          </p:spPr>
+        </p:pic>
+        <p:cxnSp>
+          <p:nvCxnSpPr>
+            <p:cNvPr id="28" name="Verbinder: gewinkelt 14">
+              <a:extLst>
+                <a:ext uri="{FF2B5EF4-FFF2-40B4-BE49-F238E27FC236}">
+                  <a16:creationId xmlns:a16="http://schemas.microsoft.com/office/drawing/2014/main" id="{5DC6FD52-0AD9-1204-374D-7BF1D37D6D1E}"/>
+                </a:ext>
+              </a:extLst>
+            </p:cNvPr>
+            <p:cNvCxnSpPr>
+              <a:cxnSpLocks/>
+            </p:cNvCxnSpPr>
+            <p:nvPr/>
+          </p:nvCxnSpPr>
+          <p:spPr>
+            <a:xfrm>
+              <a:off x="5865039" y="3044945"/>
+              <a:ext cx="665002" cy="355404"/>
+            </a:xfrm>
+            <a:prstGeom prst="bentConnector3">
+              <a:avLst>
+                <a:gd name="adj1" fmla="val 50000"/>
+              </a:avLst>
+            </a:prstGeom>
+            <a:ln>
+              <a:solidFill>
+                <a:schemeClr val="tx1"/>
+              </a:solidFill>
+              <a:headEnd type="none" w="lg" len="med"/>
+              <a:tailEnd type="triangle"/>
+            </a:ln>
+          </p:spPr>
+          <p:style>
+            <a:lnRef idx="1">
+              <a:schemeClr val="accent1"/>
+            </a:lnRef>
+            <a:fillRef idx="0">
+              <a:schemeClr val="accent1"/>
+            </a:fillRef>
+            <a:effectRef idx="0">
+              <a:schemeClr val="accent1"/>
+            </a:effectRef>
+            <a:fontRef idx="minor">
+              <a:schemeClr val="tx1"/>
+            </a:fontRef>
+          </p:style>
+        </p:cxnSp>
+        <p:cxnSp>
+          <p:nvCxnSpPr>
+            <p:cNvPr id="29" name="Gerade Verbindung mit Pfeil 28">
+              <a:extLst>
+                <a:ext uri="{FF2B5EF4-FFF2-40B4-BE49-F238E27FC236}">
+                  <a16:creationId xmlns:a16="http://schemas.microsoft.com/office/drawing/2014/main" id="{599A3598-3CF5-4C8B-2240-BB23690CFFFD}"/>
+                </a:ext>
+              </a:extLst>
+            </p:cNvPr>
+            <p:cNvCxnSpPr>
+              <a:cxnSpLocks/>
+            </p:cNvCxnSpPr>
+            <p:nvPr/>
+          </p:nvCxnSpPr>
+          <p:spPr>
+            <a:xfrm>
+              <a:off x="6197540" y="3047521"/>
+              <a:ext cx="332501" cy="0"/>
+            </a:xfrm>
+            <a:prstGeom prst="straightConnector1">
+              <a:avLst/>
+            </a:prstGeom>
+            <a:ln>
+              <a:solidFill>
+                <a:schemeClr val="tx1"/>
+              </a:solidFill>
+              <a:headEnd type="none" w="lg" len="med"/>
+              <a:tailEnd type="triangle"/>
+            </a:ln>
+          </p:spPr>
+          <p:style>
+            <a:lnRef idx="1">
+              <a:schemeClr val="accent1"/>
+            </a:lnRef>
+            <a:fillRef idx="0">
+              <a:schemeClr val="accent1"/>
+            </a:fillRef>
+            <a:effectRef idx="0">
+              <a:schemeClr val="accent1"/>
+            </a:effectRef>
+            <a:fontRef idx="minor">
+              <a:schemeClr val="tx1"/>
+            </a:fontRef>
+          </p:style>
+        </p:cxnSp>
       </p:grpSp>
     </p:spTree>
     <p:extLst>
@@ -11878,687 +13403,1020 @@
           <a:chExt cx="0" cy="0"/>
         </a:xfrm>
       </p:grpSpPr>
-      <p:grpSp>
-        <p:nvGrpSpPr>
-          <p:cNvPr id="2" name="Gruppieren 1">
+      <p:sp>
+        <p:nvSpPr>
+          <p:cNvPr id="7" name="Textfeld 6">
             <a:extLst>
               <a:ext uri="{FF2B5EF4-FFF2-40B4-BE49-F238E27FC236}">
-                <a16:creationId xmlns:a16="http://schemas.microsoft.com/office/drawing/2014/main" id="{59914135-C61F-B5ED-B77A-19390B863C9F}"/>
+                <a16:creationId xmlns:a16="http://schemas.microsoft.com/office/drawing/2014/main" id="{990F3D9D-6F92-2870-60D6-3F32B5CF637A}"/>
               </a:ext>
             </a:extLst>
           </p:cNvPr>
-          <p:cNvGrpSpPr/>
+          <p:cNvSpPr txBox="1"/>
           <p:nvPr/>
-        </p:nvGrpSpPr>
-        <p:grpSpPr>
+        </p:nvSpPr>
+        <p:spPr>
           <a:xfrm>
-            <a:off x="775455" y="534572"/>
-            <a:ext cx="8767527" cy="5865111"/>
-            <a:chOff x="775455" y="534572"/>
-            <a:chExt cx="8767527" cy="5865111"/>
+            <a:off x="4553607" y="5697888"/>
+            <a:ext cx="674216" cy="369332"/>
           </a:xfrm>
-        </p:grpSpPr>
-        <p:cxnSp>
-          <p:nvCxnSpPr>
-            <p:cNvPr id="5" name="Gerade Verbindung mit Pfeil 4">
-              <a:extLst>
-                <a:ext uri="{FF2B5EF4-FFF2-40B4-BE49-F238E27FC236}">
-                  <a16:creationId xmlns:a16="http://schemas.microsoft.com/office/drawing/2014/main" id="{90848AC5-9C99-2803-3581-35D41AD8DC72}"/>
-                </a:ext>
-              </a:extLst>
-            </p:cNvPr>
-            <p:cNvCxnSpPr>
-              <a:cxnSpLocks/>
-            </p:cNvCxnSpPr>
-            <p:nvPr/>
-          </p:nvCxnSpPr>
-          <p:spPr>
-            <a:xfrm flipV="1">
-              <a:off x="1284849" y="534572"/>
-              <a:ext cx="0" cy="5383237"/>
-            </a:xfrm>
-            <a:prstGeom prst="straightConnector1">
-              <a:avLst/>
-            </a:prstGeom>
-            <a:ln>
-              <a:tailEnd type="triangle"/>
-            </a:ln>
-          </p:spPr>
-          <p:style>
-            <a:lnRef idx="2">
-              <a:schemeClr val="accent1"/>
-            </a:lnRef>
-            <a:fillRef idx="0">
-              <a:schemeClr val="accent1"/>
-            </a:fillRef>
-            <a:effectRef idx="1">
-              <a:schemeClr val="accent1"/>
-            </a:effectRef>
-            <a:fontRef idx="minor">
+          <a:prstGeom prst="rect">
+            <a:avLst/>
+          </a:prstGeom>
+          <a:noFill/>
+        </p:spPr>
+        <p:txBody>
+          <a:bodyPr wrap="square" rtlCol="0">
+            <a:spAutoFit/>
+          </a:bodyPr>
+          <a:lstStyle/>
+          <a:p>
+            <a:pPr marL="0" marR="0" lvl="0" indent="0" algn="l" defTabSz="914400" rtl="0" eaLnBrk="1" fontAlgn="auto" latinLnBrk="0" hangingPunct="1">
+              <a:lnSpc>
+                <a:spcPct val="100000"/>
+              </a:lnSpc>
+              <a:spcBef>
+                <a:spcPts val="0"/>
+              </a:spcBef>
+              <a:spcAft>
+                <a:spcPts val="0"/>
+              </a:spcAft>
+              <a:buClrTx/>
+              <a:buSzTx/>
+              <a:buFontTx/>
+              <a:buNone/>
+              <a:tabLst/>
+              <a:defRPr/>
+            </a:pPr>
+            <a:r>
+              <a:rPr kumimoji="0" lang="de-DE" sz="1800" b="0" i="0" u="none" strike="noStrike" kern="1200" cap="none" spc="0" normalizeH="0" baseline="0" noProof="0">
+                <a:ln>
+                  <a:noFill/>
+                </a:ln>
+                <a:effectLst/>
+                <a:uLnTx/>
+                <a:uFillTx/>
+                <a:latin typeface="Segoe UI"/>
+                <a:ea typeface="+mn-ea"/>
+                <a:cs typeface="+mn-cs"/>
+              </a:rPr>
+              <a:t>Time</a:t>
+            </a:r>
+          </a:p>
+        </p:txBody>
+      </p:sp>
+      <p:cxnSp>
+        <p:nvCxnSpPr>
+          <p:cNvPr id="5" name="Gerade Verbindung mit Pfeil 4">
+            <a:extLst>
+              <a:ext uri="{FF2B5EF4-FFF2-40B4-BE49-F238E27FC236}">
+                <a16:creationId xmlns:a16="http://schemas.microsoft.com/office/drawing/2014/main" id="{7FC86B8D-7D5A-6CBB-0159-31400DE362F7}"/>
+              </a:ext>
+            </a:extLst>
+          </p:cNvPr>
+          <p:cNvCxnSpPr>
+            <a:cxnSpLocks/>
+          </p:cNvCxnSpPr>
+          <p:nvPr/>
+        </p:nvCxnSpPr>
+        <p:spPr>
+          <a:xfrm flipV="1">
+            <a:off x="1093679" y="1062095"/>
+            <a:ext cx="0" cy="4533444"/>
+          </a:xfrm>
+          <a:prstGeom prst="straightConnector1">
+            <a:avLst/>
+          </a:prstGeom>
+          <a:ln>
+            <a:solidFill>
               <a:schemeClr val="tx1"/>
-            </a:fontRef>
-          </p:style>
-        </p:cxnSp>
-        <p:cxnSp>
-          <p:nvCxnSpPr>
-            <p:cNvPr id="7" name="Gerade Verbindung mit Pfeil 6">
-              <a:extLst>
-                <a:ext uri="{FF2B5EF4-FFF2-40B4-BE49-F238E27FC236}">
-                  <a16:creationId xmlns:a16="http://schemas.microsoft.com/office/drawing/2014/main" id="{F17742DE-F5A5-FC9A-AF07-DFAA0311941B}"/>
-                </a:ext>
-              </a:extLst>
-            </p:cNvPr>
-            <p:cNvCxnSpPr>
-              <a:cxnSpLocks/>
-            </p:cNvCxnSpPr>
-            <p:nvPr/>
-          </p:nvCxnSpPr>
-          <p:spPr>
-            <a:xfrm>
-              <a:off x="1284849" y="5917809"/>
-              <a:ext cx="8095957" cy="0"/>
-            </a:xfrm>
-            <a:prstGeom prst="straightConnector1">
-              <a:avLst/>
-            </a:prstGeom>
-            <a:ln>
-              <a:tailEnd type="triangle"/>
-            </a:ln>
-          </p:spPr>
-          <p:style>
-            <a:lnRef idx="2">
-              <a:schemeClr val="accent1"/>
-            </a:lnRef>
-            <a:fillRef idx="0">
-              <a:schemeClr val="accent1"/>
-            </a:fillRef>
-            <a:effectRef idx="1">
-              <a:schemeClr val="accent1"/>
-            </a:effectRef>
-            <a:fontRef idx="minor">
+            </a:solidFill>
+            <a:tailEnd type="triangle"/>
+          </a:ln>
+        </p:spPr>
+        <p:style>
+          <a:lnRef idx="2">
+            <a:schemeClr val="accent1"/>
+          </a:lnRef>
+          <a:fillRef idx="0">
+            <a:schemeClr val="accent1"/>
+          </a:fillRef>
+          <a:effectRef idx="1">
+            <a:schemeClr val="accent1"/>
+          </a:effectRef>
+          <a:fontRef idx="minor">
+            <a:schemeClr val="tx1"/>
+          </a:fontRef>
+        </p:style>
+      </p:cxnSp>
+      <p:cxnSp>
+        <p:nvCxnSpPr>
+          <p:cNvPr id="6" name="Gerade Verbindung mit Pfeil 5">
+            <a:extLst>
+              <a:ext uri="{FF2B5EF4-FFF2-40B4-BE49-F238E27FC236}">
+                <a16:creationId xmlns:a16="http://schemas.microsoft.com/office/drawing/2014/main" id="{F953BF07-8E3C-A684-3AF6-F2ADBFE751C2}"/>
+              </a:ext>
+            </a:extLst>
+          </p:cNvPr>
+          <p:cNvCxnSpPr>
+            <a:cxnSpLocks/>
+          </p:cNvCxnSpPr>
+          <p:nvPr/>
+        </p:nvCxnSpPr>
+        <p:spPr>
+          <a:xfrm>
+            <a:off x="1093679" y="5595539"/>
+            <a:ext cx="7466883" cy="0"/>
+          </a:xfrm>
+          <a:prstGeom prst="straightConnector1">
+            <a:avLst/>
+          </a:prstGeom>
+          <a:ln>
+            <a:solidFill>
               <a:schemeClr val="tx1"/>
-            </a:fontRef>
-          </p:style>
-        </p:cxnSp>
-        <p:sp>
-          <p:nvSpPr>
-            <p:cNvPr id="9" name="Textfeld 8">
-              <a:extLst>
-                <a:ext uri="{FF2B5EF4-FFF2-40B4-BE49-F238E27FC236}">
-                  <a16:creationId xmlns:a16="http://schemas.microsoft.com/office/drawing/2014/main" id="{E395CF3A-F7CE-9AEB-A759-7C4340F302FA}"/>
-                </a:ext>
-              </a:extLst>
-            </p:cNvPr>
-            <p:cNvSpPr txBox="1"/>
-            <p:nvPr/>
-          </p:nvSpPr>
-          <p:spPr>
-            <a:xfrm>
-              <a:off x="4998441" y="6030351"/>
-              <a:ext cx="668773" cy="369332"/>
-            </a:xfrm>
-            <a:prstGeom prst="rect">
-              <a:avLst/>
-            </a:prstGeom>
-            <a:noFill/>
-          </p:spPr>
-          <p:txBody>
-            <a:bodyPr wrap="none" rtlCol="0">
-              <a:spAutoFit/>
-            </a:bodyPr>
-            <a:lstStyle/>
-            <a:p>
-              <a:r>
-                <a:rPr lang="de-DE"/>
-                <a:t>Time</a:t>
-              </a:r>
-            </a:p>
-          </p:txBody>
-        </p:sp>
-        <p:sp>
-          <p:nvSpPr>
-            <p:cNvPr id="10" name="Textfeld 9">
-              <a:extLst>
-                <a:ext uri="{FF2B5EF4-FFF2-40B4-BE49-F238E27FC236}">
-                  <a16:creationId xmlns:a16="http://schemas.microsoft.com/office/drawing/2014/main" id="{C2D124EB-64DA-93C7-30AC-4BBBC2280FCF}"/>
-                </a:ext>
-              </a:extLst>
-            </p:cNvPr>
-            <p:cNvSpPr txBox="1"/>
-            <p:nvPr/>
-          </p:nvSpPr>
-          <p:spPr>
-            <a:xfrm rot="16200000">
-              <a:off x="-30150" y="3041524"/>
-              <a:ext cx="1980542" cy="369332"/>
-            </a:xfrm>
-            <a:prstGeom prst="rect">
-              <a:avLst/>
-            </a:prstGeom>
-            <a:noFill/>
-          </p:spPr>
-          <p:txBody>
-            <a:bodyPr wrap="none" rtlCol="0">
-              <a:spAutoFit/>
-            </a:bodyPr>
-            <a:lstStyle/>
-            <a:p>
-              <a:r>
-                <a:rPr lang="de-DE"/>
-                <a:t>Tokens per Minute</a:t>
-              </a:r>
-            </a:p>
-          </p:txBody>
-        </p:sp>
-        <mc:AlternateContent xmlns:mc="http://schemas.openxmlformats.org/markup-compatibility/2006">
-          <mc:Choice xmlns:p14="http://schemas.microsoft.com/office/powerpoint/2010/main" Requires="p14">
-            <p:contentPart p14:bwMode="auto" r:id="rId2">
-              <p14:nvContentPartPr>
-                <p14:cNvPr id="19" name="Freihand 18">
-                  <a:extLst>
-                    <a:ext uri="{FF2B5EF4-FFF2-40B4-BE49-F238E27FC236}">
-                      <a16:creationId xmlns:a16="http://schemas.microsoft.com/office/drawing/2014/main" id="{B0370688-4CD2-15B4-7E50-06A77F8CEDDC}"/>
-                    </a:ext>
-                  </a:extLst>
-                </p14:cNvPr>
-                <p14:cNvContentPartPr/>
-                <p14:nvPr/>
-              </p14:nvContentPartPr>
-              <p14:xfrm>
-                <a:off x="1296480" y="1318394"/>
-                <a:ext cx="8030880" cy="2418120"/>
-              </p14:xfrm>
-            </p:contentPart>
-          </mc:Choice>
-          <mc:Fallback>
-            <p:pic>
-              <p:nvPicPr>
-                <p:cNvPr id="19" name="Freihand 18">
-                  <a:extLst>
-                    <a:ext uri="{FF2B5EF4-FFF2-40B4-BE49-F238E27FC236}">
-                      <a16:creationId xmlns:a16="http://schemas.microsoft.com/office/drawing/2014/main" id="{B0370688-4CD2-15B4-7E50-06A77F8CEDDC}"/>
-                    </a:ext>
-                  </a:extLst>
-                </p:cNvPr>
-                <p:cNvPicPr/>
-                <p:nvPr/>
-              </p:nvPicPr>
-              <p:blipFill>
-                <a:blip r:embed="rId3"/>
-                <a:stretch>
-                  <a:fillRect/>
-                </a:stretch>
-              </p:blipFill>
-              <p:spPr>
-                <a:xfrm>
-                  <a:off x="1287480" y="1309395"/>
-                  <a:ext cx="8048520" cy="2435757"/>
-                </a:xfrm>
-                <a:prstGeom prst="rect">
-                  <a:avLst/>
-                </a:prstGeom>
-              </p:spPr>
-            </p:pic>
-          </mc:Fallback>
-        </mc:AlternateContent>
-        <p:cxnSp>
-          <p:nvCxnSpPr>
-            <p:cNvPr id="21" name="Gerader Verbinder 20">
-              <a:extLst>
-                <a:ext uri="{FF2B5EF4-FFF2-40B4-BE49-F238E27FC236}">
-                  <a16:creationId xmlns:a16="http://schemas.microsoft.com/office/drawing/2014/main" id="{F510A4E4-2A3E-D16C-1595-22CE4EECE263}"/>
-                </a:ext>
-              </a:extLst>
-            </p:cNvPr>
-            <p:cNvCxnSpPr>
-              <a:cxnSpLocks/>
-            </p:cNvCxnSpPr>
-            <p:nvPr/>
-          </p:nvCxnSpPr>
-          <p:spPr>
-            <a:xfrm flipH="1" flipV="1">
-              <a:off x="1284849" y="3043311"/>
-              <a:ext cx="8224911" cy="0"/>
-            </a:xfrm>
-            <a:prstGeom prst="line">
-              <a:avLst/>
-            </a:prstGeom>
-            <a:ln>
-              <a:solidFill>
-                <a:schemeClr val="accent2"/>
-              </a:solidFill>
-              <a:prstDash val="dash"/>
-            </a:ln>
-          </p:spPr>
-          <p:style>
-            <a:lnRef idx="2">
-              <a:schemeClr val="accent1"/>
-            </a:lnRef>
-            <a:fillRef idx="0">
-              <a:schemeClr val="accent1"/>
-            </a:fillRef>
-            <a:effectRef idx="1">
-              <a:schemeClr val="accent1"/>
-            </a:effectRef>
-            <a:fontRef idx="minor">
-              <a:schemeClr val="tx1"/>
-            </a:fontRef>
-          </p:style>
-        </p:cxnSp>
-        <p:cxnSp>
-          <p:nvCxnSpPr>
-            <p:cNvPr id="25" name="Gerader Verbinder 24">
-              <a:extLst>
-                <a:ext uri="{FF2B5EF4-FFF2-40B4-BE49-F238E27FC236}">
-                  <a16:creationId xmlns:a16="http://schemas.microsoft.com/office/drawing/2014/main" id="{8A20E041-6DEF-950F-8A3C-11608D899955}"/>
-                </a:ext>
-              </a:extLst>
-            </p:cNvPr>
-            <p:cNvCxnSpPr>
-              <a:cxnSpLocks/>
-            </p:cNvCxnSpPr>
-            <p:nvPr/>
-          </p:nvCxnSpPr>
-          <p:spPr>
-            <a:xfrm flipH="1" flipV="1">
-              <a:off x="1284848" y="2279433"/>
-              <a:ext cx="8224911" cy="0"/>
-            </a:xfrm>
-            <a:prstGeom prst="line">
-              <a:avLst/>
-            </a:prstGeom>
-            <a:ln>
-              <a:solidFill>
-                <a:schemeClr val="accent2"/>
-              </a:solidFill>
-              <a:prstDash val="dash"/>
-            </a:ln>
-          </p:spPr>
-          <p:style>
-            <a:lnRef idx="2">
-              <a:schemeClr val="accent1"/>
-            </a:lnRef>
-            <a:fillRef idx="0">
-              <a:schemeClr val="accent1"/>
-            </a:fillRef>
-            <a:effectRef idx="1">
-              <a:schemeClr val="accent1"/>
-            </a:effectRef>
-            <a:fontRef idx="minor">
-              <a:schemeClr val="tx1"/>
-            </a:fontRef>
-          </p:style>
-        </p:cxnSp>
-        <p:cxnSp>
-          <p:nvCxnSpPr>
-            <p:cNvPr id="26" name="Gerader Verbinder 25">
-              <a:extLst>
-                <a:ext uri="{FF2B5EF4-FFF2-40B4-BE49-F238E27FC236}">
-                  <a16:creationId xmlns:a16="http://schemas.microsoft.com/office/drawing/2014/main" id="{6F7F8D3B-7AC3-5927-0137-5414EAB3C9E8}"/>
-                </a:ext>
-              </a:extLst>
-            </p:cNvPr>
-            <p:cNvCxnSpPr>
-              <a:cxnSpLocks/>
-            </p:cNvCxnSpPr>
-            <p:nvPr/>
-          </p:nvCxnSpPr>
-          <p:spPr>
-            <a:xfrm flipH="1" flipV="1">
-              <a:off x="1284847" y="1515554"/>
-              <a:ext cx="8224911" cy="0"/>
-            </a:xfrm>
-            <a:prstGeom prst="line">
-              <a:avLst/>
-            </a:prstGeom>
-            <a:ln>
-              <a:solidFill>
-                <a:schemeClr val="accent2"/>
-              </a:solidFill>
-              <a:prstDash val="dash"/>
-            </a:ln>
-          </p:spPr>
-          <p:style>
-            <a:lnRef idx="2">
-              <a:schemeClr val="accent1"/>
-            </a:lnRef>
-            <a:fillRef idx="0">
-              <a:schemeClr val="accent1"/>
-            </a:fillRef>
-            <a:effectRef idx="1">
-              <a:schemeClr val="accent1"/>
-            </a:effectRef>
-            <a:fontRef idx="minor">
-              <a:schemeClr val="tx1"/>
-            </a:fontRef>
-          </p:style>
-        </p:cxnSp>
-        <p:cxnSp>
-          <p:nvCxnSpPr>
-            <p:cNvPr id="27" name="Gerader Verbinder 26">
-              <a:extLst>
-                <a:ext uri="{FF2B5EF4-FFF2-40B4-BE49-F238E27FC236}">
-                  <a16:creationId xmlns:a16="http://schemas.microsoft.com/office/drawing/2014/main" id="{E019AACB-BC9D-AC50-49F1-20C01BD2E321}"/>
-                </a:ext>
-              </a:extLst>
-            </p:cNvPr>
-            <p:cNvCxnSpPr>
-              <a:cxnSpLocks/>
-            </p:cNvCxnSpPr>
-            <p:nvPr/>
-          </p:nvCxnSpPr>
-          <p:spPr>
-            <a:xfrm flipH="1" flipV="1">
-              <a:off x="1284846" y="751675"/>
-              <a:ext cx="8224911" cy="0"/>
-            </a:xfrm>
-            <a:prstGeom prst="line">
-              <a:avLst/>
-            </a:prstGeom>
-            <a:ln>
-              <a:solidFill>
-                <a:schemeClr val="accent2"/>
-              </a:solidFill>
-              <a:prstDash val="dash"/>
-            </a:ln>
-          </p:spPr>
-          <p:style>
-            <a:lnRef idx="2">
-              <a:schemeClr val="accent1"/>
-            </a:lnRef>
-            <a:fillRef idx="0">
-              <a:schemeClr val="accent1"/>
-            </a:fillRef>
-            <a:effectRef idx="1">
-              <a:schemeClr val="accent1"/>
-            </a:effectRef>
-            <a:fontRef idx="minor">
-              <a:schemeClr val="tx1"/>
-            </a:fontRef>
-          </p:style>
-        </p:cxnSp>
-        <p:sp>
-          <p:nvSpPr>
-            <p:cNvPr id="28" name="Textfeld 27">
-              <a:extLst>
-                <a:ext uri="{FF2B5EF4-FFF2-40B4-BE49-F238E27FC236}">
-                  <a16:creationId xmlns:a16="http://schemas.microsoft.com/office/drawing/2014/main" id="{18FB47FA-450B-5A0D-233F-82C9093187D9}"/>
-                </a:ext>
-              </a:extLst>
-            </p:cNvPr>
-            <p:cNvSpPr txBox="1"/>
-            <p:nvPr/>
-          </p:nvSpPr>
-          <p:spPr>
-            <a:xfrm>
-              <a:off x="1424912" y="5378984"/>
-              <a:ext cx="2565767" cy="338554"/>
-            </a:xfrm>
-            <a:prstGeom prst="rect">
-              <a:avLst/>
-            </a:prstGeom>
-            <a:noFill/>
-          </p:spPr>
-          <p:txBody>
-            <a:bodyPr wrap="none" rtlCol="0">
-              <a:spAutoFit/>
-            </a:bodyPr>
-            <a:lstStyle/>
-            <a:p>
-              <a:r>
-                <a:rPr lang="de-DE" sz="1600" i="1"/>
-                <a:t>Managed PTU Deployment</a:t>
-              </a:r>
-            </a:p>
-          </p:txBody>
-        </p:sp>
-        <p:sp>
-          <p:nvSpPr>
-            <p:cNvPr id="29" name="Textfeld 28">
-              <a:extLst>
-                <a:ext uri="{FF2B5EF4-FFF2-40B4-BE49-F238E27FC236}">
-                  <a16:creationId xmlns:a16="http://schemas.microsoft.com/office/drawing/2014/main" id="{1DC13B1F-FC63-6E47-4D9B-7AFBFE91D8A7}"/>
-                </a:ext>
-              </a:extLst>
-            </p:cNvPr>
-            <p:cNvSpPr txBox="1"/>
-            <p:nvPr/>
-          </p:nvSpPr>
-          <p:spPr>
-            <a:xfrm>
-              <a:off x="1344114" y="2673763"/>
-              <a:ext cx="1931041" cy="338554"/>
-            </a:xfrm>
-            <a:prstGeom prst="rect">
-              <a:avLst/>
-            </a:prstGeom>
-            <a:noFill/>
-          </p:spPr>
-          <p:txBody>
-            <a:bodyPr wrap="none" rtlCol="0">
-              <a:spAutoFit/>
-            </a:bodyPr>
-            <a:lstStyle/>
-            <a:p>
-              <a:r>
-                <a:rPr lang="de-DE" sz="1600" i="1"/>
-                <a:t>PAYG Deployment 1</a:t>
-              </a:r>
-            </a:p>
-          </p:txBody>
-        </p:sp>
-        <p:sp>
-          <p:nvSpPr>
-            <p:cNvPr id="30" name="Textfeld 29">
-              <a:extLst>
-                <a:ext uri="{FF2B5EF4-FFF2-40B4-BE49-F238E27FC236}">
-                  <a16:creationId xmlns:a16="http://schemas.microsoft.com/office/drawing/2014/main" id="{3FA02A9A-A6F1-8543-10FB-584963A759EE}"/>
-                </a:ext>
-              </a:extLst>
-            </p:cNvPr>
-            <p:cNvSpPr txBox="1"/>
-            <p:nvPr/>
-          </p:nvSpPr>
-          <p:spPr>
-            <a:xfrm>
-              <a:off x="1364914" y="1909884"/>
-              <a:ext cx="1931041" cy="338554"/>
-            </a:xfrm>
-            <a:prstGeom prst="rect">
-              <a:avLst/>
-            </a:prstGeom>
-            <a:noFill/>
-          </p:spPr>
-          <p:txBody>
-            <a:bodyPr wrap="none" rtlCol="0">
-              <a:spAutoFit/>
-            </a:bodyPr>
-            <a:lstStyle/>
-            <a:p>
-              <a:r>
-                <a:rPr lang="de-DE" sz="1600" i="1"/>
-                <a:t>PAYG Deployment 2</a:t>
-              </a:r>
-            </a:p>
-          </p:txBody>
-        </p:sp>
-        <p:sp>
-          <p:nvSpPr>
-            <p:cNvPr id="31" name="Textfeld 30">
-              <a:extLst>
-                <a:ext uri="{FF2B5EF4-FFF2-40B4-BE49-F238E27FC236}">
-                  <a16:creationId xmlns:a16="http://schemas.microsoft.com/office/drawing/2014/main" id="{263DCC99-A707-1A7F-AC06-091B08C9CB5F}"/>
-                </a:ext>
-              </a:extLst>
-            </p:cNvPr>
-            <p:cNvSpPr txBox="1"/>
-            <p:nvPr/>
-          </p:nvSpPr>
-          <p:spPr>
-            <a:xfrm>
-              <a:off x="1368675" y="1161503"/>
-              <a:ext cx="1931041" cy="338554"/>
-            </a:xfrm>
-            <a:prstGeom prst="rect">
-              <a:avLst/>
-            </a:prstGeom>
-            <a:noFill/>
-          </p:spPr>
-          <p:txBody>
-            <a:bodyPr wrap="none" rtlCol="0">
-              <a:spAutoFit/>
-            </a:bodyPr>
-            <a:lstStyle/>
-            <a:p>
-              <a:r>
-                <a:rPr lang="de-DE" sz="1600" i="1"/>
-                <a:t>PAYG Deployment 3</a:t>
-              </a:r>
-            </a:p>
-          </p:txBody>
-        </p:sp>
-        <mc:AlternateContent xmlns:mc="http://schemas.openxmlformats.org/markup-compatibility/2006">
-          <mc:Choice xmlns:p14="http://schemas.microsoft.com/office/powerpoint/2010/main" Requires="p14">
-            <p:contentPart p14:bwMode="auto" r:id="rId4">
-              <p14:nvContentPartPr>
-                <p14:cNvPr id="34" name="Freihand 33">
-                  <a:extLst>
-                    <a:ext uri="{FF2B5EF4-FFF2-40B4-BE49-F238E27FC236}">
-                      <a16:creationId xmlns:a16="http://schemas.microsoft.com/office/drawing/2014/main" id="{7C9C88A2-E7EE-54A5-3F74-287F25C8A39F}"/>
-                    </a:ext>
-                  </a:extLst>
-                </p14:cNvPr>
-                <p14:cNvContentPartPr/>
-                <p14:nvPr/>
-              </p14:nvContentPartPr>
-              <p14:xfrm>
-                <a:off x="1280640" y="4382714"/>
-                <a:ext cx="8065440" cy="287280"/>
-              </p14:xfrm>
-            </p:contentPart>
-          </mc:Choice>
-          <mc:Fallback>
-            <p:pic>
-              <p:nvPicPr>
-                <p:cNvPr id="34" name="Freihand 33">
-                  <a:extLst>
-                    <a:ext uri="{FF2B5EF4-FFF2-40B4-BE49-F238E27FC236}">
-                      <a16:creationId xmlns:a16="http://schemas.microsoft.com/office/drawing/2014/main" id="{7C9C88A2-E7EE-54A5-3F74-287F25C8A39F}"/>
-                    </a:ext>
-                  </a:extLst>
-                </p:cNvPr>
-                <p:cNvPicPr/>
-                <p:nvPr/>
-              </p:nvPicPr>
-              <p:blipFill>
-                <a:blip r:embed="rId5"/>
-                <a:stretch>
-                  <a:fillRect/>
-                </a:stretch>
-              </p:blipFill>
-              <p:spPr>
-                <a:xfrm>
-                  <a:off x="1271640" y="4373714"/>
-                  <a:ext cx="8083081" cy="304920"/>
-                </a:xfrm>
-                <a:prstGeom prst="rect">
-                  <a:avLst/>
-                </a:prstGeom>
-              </p:spPr>
-            </p:pic>
-          </mc:Fallback>
-        </mc:AlternateContent>
-        <p:sp>
-          <p:nvSpPr>
-            <p:cNvPr id="35" name="Textfeld 34">
-              <a:extLst>
-                <a:ext uri="{FF2B5EF4-FFF2-40B4-BE49-F238E27FC236}">
-                  <a16:creationId xmlns:a16="http://schemas.microsoft.com/office/drawing/2014/main" id="{0A695D0E-ED57-5431-36F6-A451041D7226}"/>
-                </a:ext>
-              </a:extLst>
-            </p:cNvPr>
-            <p:cNvSpPr txBox="1"/>
-            <p:nvPr/>
-          </p:nvSpPr>
-          <p:spPr>
-            <a:xfrm>
-              <a:off x="8636037" y="4649654"/>
-              <a:ext cx="850105" cy="276999"/>
-            </a:xfrm>
-            <a:prstGeom prst="rect">
-              <a:avLst/>
-            </a:prstGeom>
-            <a:noFill/>
-          </p:spPr>
-          <p:txBody>
-            <a:bodyPr wrap="none" rtlCol="0">
-              <a:spAutoFit/>
-            </a:bodyPr>
-            <a:lstStyle/>
-            <a:p>
-              <a:r>
-                <a:rPr lang="de-DE" sz="1200">
-                  <a:solidFill>
-                    <a:srgbClr val="002060"/>
-                  </a:solidFill>
-                </a:rPr>
-                <a:t>streaming</a:t>
-              </a:r>
-            </a:p>
-          </p:txBody>
-        </p:sp>
-        <p:sp>
-          <p:nvSpPr>
-            <p:cNvPr id="36" name="Textfeld 35">
-              <a:extLst>
-                <a:ext uri="{FF2B5EF4-FFF2-40B4-BE49-F238E27FC236}">
-                  <a16:creationId xmlns:a16="http://schemas.microsoft.com/office/drawing/2014/main" id="{52F5548B-1CCC-4F00-F4A4-AAB3ED783527}"/>
-                </a:ext>
-              </a:extLst>
-            </p:cNvPr>
-            <p:cNvSpPr txBox="1"/>
-            <p:nvPr/>
-          </p:nvSpPr>
-          <p:spPr>
-            <a:xfrm>
-              <a:off x="7573789" y="3587844"/>
-              <a:ext cx="1969193" cy="276999"/>
-            </a:xfrm>
-            <a:prstGeom prst="rect">
-              <a:avLst/>
-            </a:prstGeom>
-            <a:noFill/>
-          </p:spPr>
-          <p:txBody>
-            <a:bodyPr wrap="none" rtlCol="0">
-              <a:spAutoFit/>
-            </a:bodyPr>
-            <a:lstStyle/>
-            <a:p>
-              <a:r>
-                <a:rPr lang="de-DE" sz="1200">
-                  <a:solidFill>
-                    <a:schemeClr val="accent5">
-                      <a:lumMod val="75000"/>
-                    </a:schemeClr>
-                  </a:solidFill>
-                </a:rPr>
-                <a:t>streaming + non-streaming</a:t>
-              </a:r>
-            </a:p>
-          </p:txBody>
-        </p:sp>
-      </p:grpSp>
+            </a:solidFill>
+            <a:tailEnd type="triangle"/>
+          </a:ln>
+        </p:spPr>
+        <p:style>
+          <a:lnRef idx="2">
+            <a:schemeClr val="accent1"/>
+          </a:lnRef>
+          <a:fillRef idx="0">
+            <a:schemeClr val="accent1"/>
+          </a:fillRef>
+          <a:effectRef idx="1">
+            <a:schemeClr val="accent1"/>
+          </a:effectRef>
+          <a:fontRef idx="minor">
+            <a:schemeClr val="tx1"/>
+          </a:fontRef>
+        </p:style>
+      </p:cxnSp>
+      <p:sp>
+        <p:nvSpPr>
+          <p:cNvPr id="8" name="Textfeld 7">
+            <a:extLst>
+              <a:ext uri="{FF2B5EF4-FFF2-40B4-BE49-F238E27FC236}">
+                <a16:creationId xmlns:a16="http://schemas.microsoft.com/office/drawing/2014/main" id="{7A0F64D8-7AFB-822D-F490-740935C976F0}"/>
+              </a:ext>
+            </a:extLst>
+          </p:cNvPr>
+          <p:cNvSpPr txBox="1"/>
+          <p:nvPr/>
+        </p:nvSpPr>
+        <p:spPr>
+          <a:xfrm rot="16200000">
+            <a:off x="-284334" y="3284159"/>
+            <a:ext cx="2085827" cy="369332"/>
+          </a:xfrm>
+          <a:prstGeom prst="rect">
+            <a:avLst/>
+          </a:prstGeom>
+          <a:noFill/>
+        </p:spPr>
+        <p:txBody>
+          <a:bodyPr wrap="none" rtlCol="0">
+            <a:spAutoFit/>
+          </a:bodyPr>
+          <a:lstStyle/>
+          <a:p>
+            <a:pPr marL="0" marR="0" lvl="0" indent="0" algn="l" defTabSz="914400" rtl="0" eaLnBrk="1" fontAlgn="auto" latinLnBrk="0" hangingPunct="1">
+              <a:lnSpc>
+                <a:spcPct val="100000"/>
+              </a:lnSpc>
+              <a:spcBef>
+                <a:spcPts val="0"/>
+              </a:spcBef>
+              <a:spcAft>
+                <a:spcPts val="0"/>
+              </a:spcAft>
+              <a:buClrTx/>
+              <a:buSzTx/>
+              <a:buFontTx/>
+              <a:buNone/>
+              <a:tabLst/>
+              <a:defRPr/>
+            </a:pPr>
+            <a:r>
+              <a:rPr kumimoji="0" lang="de-DE" sz="1800" b="0" i="0" u="none" strike="noStrike" kern="1200" cap="none" spc="0" normalizeH="0" baseline="0" noProof="0">
+                <a:ln>
+                  <a:noFill/>
+                </a:ln>
+                <a:effectLst/>
+                <a:uLnTx/>
+                <a:uFillTx/>
+                <a:latin typeface="Segoe UI"/>
+                <a:ea typeface="+mn-ea"/>
+                <a:cs typeface="+mn-cs"/>
+              </a:rPr>
+              <a:t>Tokens per Minute</a:t>
+            </a:r>
+          </a:p>
+        </p:txBody>
+      </p:sp>
+      <mc:AlternateContent xmlns:mc="http://schemas.openxmlformats.org/markup-compatibility/2006">
+        <mc:Choice xmlns:p14="http://schemas.microsoft.com/office/powerpoint/2010/main" Requires="p14">
+          <p:contentPart p14:bwMode="auto" r:id="rId2">
+            <p14:nvContentPartPr>
+              <p14:cNvPr id="9" name="Freihand 8">
+                <a:extLst>
+                  <a:ext uri="{FF2B5EF4-FFF2-40B4-BE49-F238E27FC236}">
+                    <a16:creationId xmlns:a16="http://schemas.microsoft.com/office/drawing/2014/main" id="{78E8E989-B3ED-B985-4694-7200F4D0597B}"/>
+                  </a:ext>
+                </a:extLst>
+              </p14:cNvPr>
+              <p14:cNvContentPartPr/>
+              <p14:nvPr/>
+            </p14:nvContentPartPr>
+            <p14:xfrm>
+              <a:off x="1104406" y="1722184"/>
+              <a:ext cx="7406863" cy="2036398"/>
+            </p14:xfrm>
+          </p:contentPart>
+        </mc:Choice>
+        <mc:Fallback>
+          <p:pic>
+            <p:nvPicPr>
+              <p:cNvPr id="9" name="Freihand 8">
+                <a:extLst>
+                  <a:ext uri="{FF2B5EF4-FFF2-40B4-BE49-F238E27FC236}">
+                    <a16:creationId xmlns:a16="http://schemas.microsoft.com/office/drawing/2014/main" id="{78E8E989-B3ED-B985-4694-7200F4D0597B}"/>
+                  </a:ext>
+                </a:extLst>
+              </p:cNvPr>
+              <p:cNvPicPr/>
+              <p:nvPr/>
+            </p:nvPicPr>
+            <p:blipFill>
+              <a:blip r:embed="rId3"/>
+              <a:stretch>
+                <a:fillRect/>
+              </a:stretch>
+            </p:blipFill>
+            <p:spPr>
+              <a:xfrm>
+                <a:off x="1095406" y="1713186"/>
+                <a:ext cx="7424504" cy="2054034"/>
+              </a:xfrm>
+              <a:prstGeom prst="rect">
+                <a:avLst/>
+              </a:prstGeom>
+            </p:spPr>
+          </p:pic>
+        </mc:Fallback>
+      </mc:AlternateContent>
+      <p:cxnSp>
+        <p:nvCxnSpPr>
+          <p:cNvPr id="10" name="Gerader Verbinder 9">
+            <a:extLst>
+              <a:ext uri="{FF2B5EF4-FFF2-40B4-BE49-F238E27FC236}">
+                <a16:creationId xmlns:a16="http://schemas.microsoft.com/office/drawing/2014/main" id="{BC7F332A-90B5-B1C8-9850-22F80E603B0D}"/>
+              </a:ext>
+            </a:extLst>
+          </p:cNvPr>
+          <p:cNvCxnSpPr>
+            <a:cxnSpLocks/>
+          </p:cNvCxnSpPr>
+          <p:nvPr/>
+        </p:nvCxnSpPr>
+        <p:spPr>
+          <a:xfrm flipH="1" flipV="1">
+            <a:off x="1093679" y="3174807"/>
+            <a:ext cx="7585817" cy="0"/>
+          </a:xfrm>
+          <a:prstGeom prst="line">
+            <a:avLst/>
+          </a:prstGeom>
+          <a:ln>
+            <a:solidFill>
+              <a:schemeClr val="accent2"/>
+            </a:solidFill>
+            <a:prstDash val="dash"/>
+          </a:ln>
+        </p:spPr>
+        <p:style>
+          <a:lnRef idx="2">
+            <a:schemeClr val="accent1"/>
+          </a:lnRef>
+          <a:fillRef idx="0">
+            <a:schemeClr val="accent1"/>
+          </a:fillRef>
+          <a:effectRef idx="1">
+            <a:schemeClr val="accent1"/>
+          </a:effectRef>
+          <a:fontRef idx="minor">
+            <a:schemeClr val="tx1"/>
+          </a:fontRef>
+        </p:style>
+      </p:cxnSp>
+      <p:cxnSp>
+        <p:nvCxnSpPr>
+          <p:cNvPr id="11" name="Gerader Verbinder 10">
+            <a:extLst>
+              <a:ext uri="{FF2B5EF4-FFF2-40B4-BE49-F238E27FC236}">
+                <a16:creationId xmlns:a16="http://schemas.microsoft.com/office/drawing/2014/main" id="{62F7899E-4F17-AEC9-EEC4-49E6EDE03299}"/>
+              </a:ext>
+            </a:extLst>
+          </p:cNvPr>
+          <p:cNvCxnSpPr>
+            <a:cxnSpLocks/>
+          </p:cNvCxnSpPr>
+          <p:nvPr/>
+        </p:nvCxnSpPr>
+        <p:spPr>
+          <a:xfrm flipH="1" flipV="1">
+            <a:off x="1093678" y="2531514"/>
+            <a:ext cx="7585817" cy="0"/>
+          </a:xfrm>
+          <a:prstGeom prst="line">
+            <a:avLst/>
+          </a:prstGeom>
+          <a:ln>
+            <a:solidFill>
+              <a:schemeClr val="accent2"/>
+            </a:solidFill>
+            <a:prstDash val="dash"/>
+          </a:ln>
+        </p:spPr>
+        <p:style>
+          <a:lnRef idx="2">
+            <a:schemeClr val="accent1"/>
+          </a:lnRef>
+          <a:fillRef idx="0">
+            <a:schemeClr val="accent1"/>
+          </a:fillRef>
+          <a:effectRef idx="1">
+            <a:schemeClr val="accent1"/>
+          </a:effectRef>
+          <a:fontRef idx="minor">
+            <a:schemeClr val="tx1"/>
+          </a:fontRef>
+        </p:style>
+      </p:cxnSp>
+      <p:cxnSp>
+        <p:nvCxnSpPr>
+          <p:cNvPr id="12" name="Gerader Verbinder 11">
+            <a:extLst>
+              <a:ext uri="{FF2B5EF4-FFF2-40B4-BE49-F238E27FC236}">
+                <a16:creationId xmlns:a16="http://schemas.microsoft.com/office/drawing/2014/main" id="{0F7AB6EC-91B0-99A1-AC6C-3F7FA73C15B3}"/>
+              </a:ext>
+            </a:extLst>
+          </p:cNvPr>
+          <p:cNvCxnSpPr>
+            <a:cxnSpLocks/>
+          </p:cNvCxnSpPr>
+          <p:nvPr/>
+        </p:nvCxnSpPr>
+        <p:spPr>
+          <a:xfrm flipH="1" flipV="1">
+            <a:off x="1093677" y="1888220"/>
+            <a:ext cx="7585817" cy="0"/>
+          </a:xfrm>
+          <a:prstGeom prst="line">
+            <a:avLst/>
+          </a:prstGeom>
+          <a:ln>
+            <a:solidFill>
+              <a:schemeClr val="accent2"/>
+            </a:solidFill>
+            <a:prstDash val="dash"/>
+          </a:ln>
+        </p:spPr>
+        <p:style>
+          <a:lnRef idx="2">
+            <a:schemeClr val="accent1"/>
+          </a:lnRef>
+          <a:fillRef idx="0">
+            <a:schemeClr val="accent1"/>
+          </a:fillRef>
+          <a:effectRef idx="1">
+            <a:schemeClr val="accent1"/>
+          </a:effectRef>
+          <a:fontRef idx="minor">
+            <a:schemeClr val="tx1"/>
+          </a:fontRef>
+        </p:style>
+      </p:cxnSp>
+      <p:cxnSp>
+        <p:nvCxnSpPr>
+          <p:cNvPr id="13" name="Gerader Verbinder 12">
+            <a:extLst>
+              <a:ext uri="{FF2B5EF4-FFF2-40B4-BE49-F238E27FC236}">
+                <a16:creationId xmlns:a16="http://schemas.microsoft.com/office/drawing/2014/main" id="{0C419652-4711-5DC1-E199-8F132C6C7025}"/>
+              </a:ext>
+            </a:extLst>
+          </p:cNvPr>
+          <p:cNvCxnSpPr>
+            <a:cxnSpLocks/>
+          </p:cNvCxnSpPr>
+          <p:nvPr/>
+        </p:nvCxnSpPr>
+        <p:spPr>
+          <a:xfrm flipH="1" flipV="1">
+            <a:off x="1093676" y="1244926"/>
+            <a:ext cx="7585817" cy="0"/>
+          </a:xfrm>
+          <a:prstGeom prst="line">
+            <a:avLst/>
+          </a:prstGeom>
+          <a:ln>
+            <a:solidFill>
+              <a:schemeClr val="accent2"/>
+            </a:solidFill>
+            <a:prstDash val="dash"/>
+          </a:ln>
+        </p:spPr>
+        <p:style>
+          <a:lnRef idx="2">
+            <a:schemeClr val="accent1"/>
+          </a:lnRef>
+          <a:fillRef idx="0">
+            <a:schemeClr val="accent1"/>
+          </a:fillRef>
+          <a:effectRef idx="1">
+            <a:schemeClr val="accent1"/>
+          </a:effectRef>
+          <a:fontRef idx="minor">
+            <a:schemeClr val="tx1"/>
+          </a:fontRef>
+        </p:style>
+      </p:cxnSp>
+      <p:sp>
+        <p:nvSpPr>
+          <p:cNvPr id="14" name="Textfeld 13">
+            <a:extLst>
+              <a:ext uri="{FF2B5EF4-FFF2-40B4-BE49-F238E27FC236}">
+                <a16:creationId xmlns:a16="http://schemas.microsoft.com/office/drawing/2014/main" id="{37B38877-C0F0-7EFB-4117-7063E86841AF}"/>
+              </a:ext>
+            </a:extLst>
+          </p:cNvPr>
+          <p:cNvSpPr txBox="1"/>
+          <p:nvPr/>
+        </p:nvSpPr>
+        <p:spPr>
+          <a:xfrm>
+            <a:off x="1222858" y="5141772"/>
+            <a:ext cx="2565126" cy="338554"/>
+          </a:xfrm>
+          <a:prstGeom prst="rect">
+            <a:avLst/>
+          </a:prstGeom>
+          <a:noFill/>
+        </p:spPr>
+        <p:txBody>
+          <a:bodyPr wrap="none" rtlCol="0">
+            <a:spAutoFit/>
+          </a:bodyPr>
+          <a:lstStyle/>
+          <a:p>
+            <a:pPr marL="0" marR="0" lvl="0" indent="0" algn="l" defTabSz="914400" rtl="0" eaLnBrk="1" fontAlgn="auto" latinLnBrk="0" hangingPunct="1">
+              <a:lnSpc>
+                <a:spcPct val="100000"/>
+              </a:lnSpc>
+              <a:spcBef>
+                <a:spcPts val="0"/>
+              </a:spcBef>
+              <a:spcAft>
+                <a:spcPts val="0"/>
+              </a:spcAft>
+              <a:buClrTx/>
+              <a:buSzTx/>
+              <a:buFontTx/>
+              <a:buNone/>
+              <a:tabLst/>
+              <a:defRPr/>
+            </a:pPr>
+            <a:r>
+              <a:rPr kumimoji="0" lang="de-DE" sz="1600" b="0" i="1" u="none" strike="noStrike" kern="1200" cap="none" spc="0" normalizeH="0" baseline="0" noProof="0">
+                <a:ln>
+                  <a:noFill/>
+                </a:ln>
+                <a:effectLst/>
+                <a:uLnTx/>
+                <a:uFillTx/>
+                <a:latin typeface="Segoe UI"/>
+                <a:ea typeface="+mn-ea"/>
+                <a:cs typeface="+mn-cs"/>
+              </a:rPr>
+              <a:t>Managed PTU Deployment</a:t>
+            </a:r>
+          </a:p>
+        </p:txBody>
+      </p:sp>
+      <p:sp>
+        <p:nvSpPr>
+          <p:cNvPr id="15" name="Textfeld 14">
+            <a:extLst>
+              <a:ext uri="{FF2B5EF4-FFF2-40B4-BE49-F238E27FC236}">
+                <a16:creationId xmlns:a16="http://schemas.microsoft.com/office/drawing/2014/main" id="{E560F309-BF5D-9D9B-5938-BF6727C20EBE}"/>
+              </a:ext>
+            </a:extLst>
+          </p:cNvPr>
+          <p:cNvSpPr txBox="1"/>
+          <p:nvPr/>
+        </p:nvSpPr>
+        <p:spPr>
+          <a:xfrm>
+            <a:off x="1148339" y="2863595"/>
+            <a:ext cx="1986441" cy="338554"/>
+          </a:xfrm>
+          <a:prstGeom prst="rect">
+            <a:avLst/>
+          </a:prstGeom>
+          <a:noFill/>
+        </p:spPr>
+        <p:txBody>
+          <a:bodyPr wrap="none" rtlCol="0">
+            <a:spAutoFit/>
+          </a:bodyPr>
+          <a:lstStyle/>
+          <a:p>
+            <a:pPr marL="0" marR="0" lvl="0" indent="0" algn="l" defTabSz="914400" rtl="0" eaLnBrk="1" fontAlgn="auto" latinLnBrk="0" hangingPunct="1">
+              <a:lnSpc>
+                <a:spcPct val="100000"/>
+              </a:lnSpc>
+              <a:spcBef>
+                <a:spcPts val="0"/>
+              </a:spcBef>
+              <a:spcAft>
+                <a:spcPts val="0"/>
+              </a:spcAft>
+              <a:buClrTx/>
+              <a:buSzTx/>
+              <a:buFontTx/>
+              <a:buNone/>
+              <a:tabLst/>
+              <a:defRPr/>
+            </a:pPr>
+            <a:r>
+              <a:rPr kumimoji="0" lang="de-DE" sz="1600" b="0" i="1" u="none" strike="noStrike" kern="1200" cap="none" spc="0" normalizeH="0" baseline="0" noProof="0">
+                <a:ln>
+                  <a:noFill/>
+                </a:ln>
+                <a:effectLst/>
+                <a:uLnTx/>
+                <a:uFillTx/>
+                <a:latin typeface="Segoe UI"/>
+                <a:ea typeface="+mn-ea"/>
+                <a:cs typeface="+mn-cs"/>
+              </a:rPr>
+              <a:t>PAYG Deployment 1</a:t>
+            </a:r>
+          </a:p>
+        </p:txBody>
+      </p:sp>
+      <p:sp>
+        <p:nvSpPr>
+          <p:cNvPr id="16" name="Textfeld 15">
+            <a:extLst>
+              <a:ext uri="{FF2B5EF4-FFF2-40B4-BE49-F238E27FC236}">
+                <a16:creationId xmlns:a16="http://schemas.microsoft.com/office/drawing/2014/main" id="{B6C99BA7-009D-57F9-BC66-444325FEC2B2}"/>
+              </a:ext>
+            </a:extLst>
+          </p:cNvPr>
+          <p:cNvSpPr txBox="1"/>
+          <p:nvPr/>
+        </p:nvSpPr>
+        <p:spPr>
+          <a:xfrm>
+            <a:off x="1167522" y="2220301"/>
+            <a:ext cx="1986441" cy="338554"/>
+          </a:xfrm>
+          <a:prstGeom prst="rect">
+            <a:avLst/>
+          </a:prstGeom>
+          <a:noFill/>
+        </p:spPr>
+        <p:txBody>
+          <a:bodyPr wrap="none" rtlCol="0">
+            <a:spAutoFit/>
+          </a:bodyPr>
+          <a:lstStyle/>
+          <a:p>
+            <a:pPr marL="0" marR="0" lvl="0" indent="0" algn="l" defTabSz="914400" rtl="0" eaLnBrk="1" fontAlgn="auto" latinLnBrk="0" hangingPunct="1">
+              <a:lnSpc>
+                <a:spcPct val="100000"/>
+              </a:lnSpc>
+              <a:spcBef>
+                <a:spcPts val="0"/>
+              </a:spcBef>
+              <a:spcAft>
+                <a:spcPts val="0"/>
+              </a:spcAft>
+              <a:buClrTx/>
+              <a:buSzTx/>
+              <a:buFontTx/>
+              <a:buNone/>
+              <a:tabLst/>
+              <a:defRPr/>
+            </a:pPr>
+            <a:r>
+              <a:rPr kumimoji="0" lang="de-DE" sz="1600" b="0" i="1" u="none" strike="noStrike" kern="1200" cap="none" spc="0" normalizeH="0" baseline="0" noProof="0">
+                <a:ln>
+                  <a:noFill/>
+                </a:ln>
+                <a:effectLst/>
+                <a:uLnTx/>
+                <a:uFillTx/>
+                <a:latin typeface="Segoe UI"/>
+                <a:ea typeface="+mn-ea"/>
+                <a:cs typeface="+mn-cs"/>
+              </a:rPr>
+              <a:t>PAYG Deployment 2</a:t>
+            </a:r>
+          </a:p>
+        </p:txBody>
+      </p:sp>
+      <p:sp>
+        <p:nvSpPr>
+          <p:cNvPr id="17" name="Textfeld 16">
+            <a:extLst>
+              <a:ext uri="{FF2B5EF4-FFF2-40B4-BE49-F238E27FC236}">
+                <a16:creationId xmlns:a16="http://schemas.microsoft.com/office/drawing/2014/main" id="{2D91EC54-61AB-9950-24D6-56CDA1CB55F4}"/>
+              </a:ext>
+            </a:extLst>
+          </p:cNvPr>
+          <p:cNvSpPr txBox="1"/>
+          <p:nvPr/>
+        </p:nvSpPr>
+        <p:spPr>
+          <a:xfrm>
+            <a:off x="1170991" y="1590059"/>
+            <a:ext cx="1986441" cy="338554"/>
+          </a:xfrm>
+          <a:prstGeom prst="rect">
+            <a:avLst/>
+          </a:prstGeom>
+          <a:noFill/>
+        </p:spPr>
+        <p:txBody>
+          <a:bodyPr wrap="none" rtlCol="0">
+            <a:spAutoFit/>
+          </a:bodyPr>
+          <a:lstStyle/>
+          <a:p>
+            <a:pPr marL="0" marR="0" lvl="0" indent="0" algn="l" defTabSz="914400" rtl="0" eaLnBrk="1" fontAlgn="auto" latinLnBrk="0" hangingPunct="1">
+              <a:lnSpc>
+                <a:spcPct val="100000"/>
+              </a:lnSpc>
+              <a:spcBef>
+                <a:spcPts val="0"/>
+              </a:spcBef>
+              <a:spcAft>
+                <a:spcPts val="0"/>
+              </a:spcAft>
+              <a:buClrTx/>
+              <a:buSzTx/>
+              <a:buFontTx/>
+              <a:buNone/>
+              <a:tabLst/>
+              <a:defRPr/>
+            </a:pPr>
+            <a:r>
+              <a:rPr kumimoji="0" lang="de-DE" sz="1600" b="0" i="1" u="none" strike="noStrike" kern="1200" cap="none" spc="0" normalizeH="0" baseline="0" noProof="0">
+                <a:ln>
+                  <a:noFill/>
+                </a:ln>
+                <a:effectLst/>
+                <a:uLnTx/>
+                <a:uFillTx/>
+                <a:latin typeface="Segoe UI"/>
+                <a:ea typeface="+mn-ea"/>
+                <a:cs typeface="+mn-cs"/>
+              </a:rPr>
+              <a:t>PAYG Deployment 3</a:t>
+            </a:r>
+          </a:p>
+        </p:txBody>
+      </p:sp>
+      <mc:AlternateContent xmlns:mc="http://schemas.openxmlformats.org/markup-compatibility/2006">
+        <mc:Choice xmlns:p14="http://schemas.microsoft.com/office/powerpoint/2010/main" Requires="p14">
+          <p:contentPart p14:bwMode="auto" r:id="rId4">
+            <p14:nvContentPartPr>
+              <p14:cNvPr id="18" name="Freihand 17">
+                <a:extLst>
+                  <a:ext uri="{FF2B5EF4-FFF2-40B4-BE49-F238E27FC236}">
+                    <a16:creationId xmlns:a16="http://schemas.microsoft.com/office/drawing/2014/main" id="{C72974E0-AFAD-BFFF-1D64-00E17B995E4C}"/>
+                  </a:ext>
+                </a:extLst>
+              </p14:cNvPr>
+              <p14:cNvContentPartPr/>
+              <p14:nvPr/>
+            </p14:nvContentPartPr>
+            <p14:xfrm>
+              <a:off x="1089797" y="4302773"/>
+              <a:ext cx="7438737" cy="241930"/>
+            </p14:xfrm>
+          </p:contentPart>
+        </mc:Choice>
+        <mc:Fallback>
+          <p:pic>
+            <p:nvPicPr>
+              <p:cNvPr id="18" name="Freihand 17">
+                <a:extLst>
+                  <a:ext uri="{FF2B5EF4-FFF2-40B4-BE49-F238E27FC236}">
+                    <a16:creationId xmlns:a16="http://schemas.microsoft.com/office/drawing/2014/main" id="{C72974E0-AFAD-BFFF-1D64-00E17B995E4C}"/>
+                  </a:ext>
+                </a:extLst>
+              </p:cNvPr>
+              <p:cNvPicPr/>
+              <p:nvPr/>
+            </p:nvPicPr>
+            <p:blipFill>
+              <a:blip r:embed="rId5"/>
+              <a:stretch>
+                <a:fillRect/>
+              </a:stretch>
+            </p:blipFill>
+            <p:spPr>
+              <a:xfrm>
+                <a:off x="1080796" y="4293773"/>
+                <a:ext cx="7456378" cy="259571"/>
+              </a:xfrm>
+              <a:prstGeom prst="rect">
+                <a:avLst/>
+              </a:prstGeom>
+            </p:spPr>
+          </p:pic>
+        </mc:Fallback>
+      </mc:AlternateContent>
+      <p:sp>
+        <p:nvSpPr>
+          <p:cNvPr id="19" name="Textfeld 18">
+            <a:extLst>
+              <a:ext uri="{FF2B5EF4-FFF2-40B4-BE49-F238E27FC236}">
+                <a16:creationId xmlns:a16="http://schemas.microsoft.com/office/drawing/2014/main" id="{DA59674B-B02B-9DAC-B5F6-DB91D921F00B}"/>
+              </a:ext>
+            </a:extLst>
+          </p:cNvPr>
+          <p:cNvSpPr txBox="1"/>
+          <p:nvPr/>
+        </p:nvSpPr>
+        <p:spPr>
+          <a:xfrm>
+            <a:off x="7873662" y="4527574"/>
+            <a:ext cx="862737" cy="276999"/>
+          </a:xfrm>
+          <a:prstGeom prst="rect">
+            <a:avLst/>
+          </a:prstGeom>
+          <a:noFill/>
+        </p:spPr>
+        <p:txBody>
+          <a:bodyPr wrap="none" rtlCol="0">
+            <a:spAutoFit/>
+          </a:bodyPr>
+          <a:lstStyle/>
+          <a:p>
+            <a:pPr marL="0" marR="0" lvl="0" indent="0" algn="l" defTabSz="914400" rtl="0" eaLnBrk="1" fontAlgn="auto" latinLnBrk="0" hangingPunct="1">
+              <a:lnSpc>
+                <a:spcPct val="100000"/>
+              </a:lnSpc>
+              <a:spcBef>
+                <a:spcPts val="0"/>
+              </a:spcBef>
+              <a:spcAft>
+                <a:spcPts val="0"/>
+              </a:spcAft>
+              <a:buClrTx/>
+              <a:buSzTx/>
+              <a:buFontTx/>
+              <a:buNone/>
+              <a:tabLst/>
+              <a:defRPr/>
+            </a:pPr>
+            <a:r>
+              <a:rPr kumimoji="0" lang="de-DE" sz="1200" b="0" i="0" u="none" strike="noStrike" kern="1200" cap="none" spc="0" normalizeH="0" baseline="0" noProof="0">
+                <a:ln>
+                  <a:noFill/>
+                </a:ln>
+                <a:effectLst/>
+                <a:uLnTx/>
+                <a:uFillTx/>
+                <a:latin typeface="Segoe UI"/>
+                <a:ea typeface="+mn-ea"/>
+                <a:cs typeface="+mn-cs"/>
+              </a:rPr>
+              <a:t>streaming</a:t>
+            </a:r>
+          </a:p>
+        </p:txBody>
+      </p:sp>
+      <p:sp>
+        <p:nvSpPr>
+          <p:cNvPr id="20" name="Textfeld 19">
+            <a:extLst>
+              <a:ext uri="{FF2B5EF4-FFF2-40B4-BE49-F238E27FC236}">
+                <a16:creationId xmlns:a16="http://schemas.microsoft.com/office/drawing/2014/main" id="{490A7948-3209-23CE-072D-D91AC3FA9F9E}"/>
+              </a:ext>
+            </a:extLst>
+          </p:cNvPr>
+          <p:cNvSpPr txBox="1"/>
+          <p:nvPr/>
+        </p:nvSpPr>
+        <p:spPr>
+          <a:xfrm>
+            <a:off x="6893954" y="3633380"/>
+            <a:ext cx="2053767" cy="276999"/>
+          </a:xfrm>
+          <a:prstGeom prst="rect">
+            <a:avLst/>
+          </a:prstGeom>
+          <a:noFill/>
+        </p:spPr>
+        <p:txBody>
+          <a:bodyPr wrap="none" rtlCol="0">
+            <a:spAutoFit/>
+          </a:bodyPr>
+          <a:lstStyle/>
+          <a:p>
+            <a:pPr marL="0" marR="0" lvl="0" indent="0" algn="l" defTabSz="914400" rtl="0" eaLnBrk="1" fontAlgn="auto" latinLnBrk="0" hangingPunct="1">
+              <a:lnSpc>
+                <a:spcPct val="100000"/>
+              </a:lnSpc>
+              <a:spcBef>
+                <a:spcPts val="0"/>
+              </a:spcBef>
+              <a:spcAft>
+                <a:spcPts val="0"/>
+              </a:spcAft>
+              <a:buClrTx/>
+              <a:buSzTx/>
+              <a:buFontTx/>
+              <a:buNone/>
+              <a:tabLst/>
+              <a:defRPr/>
+            </a:pPr>
+            <a:r>
+              <a:rPr kumimoji="0" lang="de-DE" sz="1200" b="0" i="0" u="none" strike="noStrike" kern="1200" cap="none" spc="0" normalizeH="0" baseline="0" noProof="0">
+                <a:ln>
+                  <a:noFill/>
+                </a:ln>
+                <a:effectLst/>
+                <a:uLnTx/>
+                <a:uFillTx/>
+                <a:latin typeface="Segoe UI"/>
+                <a:ea typeface="+mn-ea"/>
+                <a:cs typeface="+mn-cs"/>
+              </a:rPr>
+              <a:t>streaming + non-streaming</a:t>
+            </a:r>
+          </a:p>
+        </p:txBody>
+      </p:sp>
+      <p:sp>
+        <p:nvSpPr>
+          <p:cNvPr id="2" name="Textfeld 1">
+            <a:extLst>
+              <a:ext uri="{FF2B5EF4-FFF2-40B4-BE49-F238E27FC236}">
+                <a16:creationId xmlns:a16="http://schemas.microsoft.com/office/drawing/2014/main" id="{DDB4E393-BBBD-2E5D-CD9B-B5D9D7884530}"/>
+              </a:ext>
+            </a:extLst>
+          </p:cNvPr>
+          <p:cNvSpPr txBox="1"/>
+          <p:nvPr/>
+        </p:nvSpPr>
+        <p:spPr>
+          <a:xfrm>
+            <a:off x="9416350" y="1176173"/>
+            <a:ext cx="2475037" cy="646331"/>
+          </a:xfrm>
+          <a:prstGeom prst="rect">
+            <a:avLst/>
+          </a:prstGeom>
+          <a:noFill/>
+        </p:spPr>
+        <p:txBody>
+          <a:bodyPr wrap="none" lIns="0" tIns="0" rIns="0" bIns="0" rtlCol="0">
+            <a:spAutoFit/>
+          </a:bodyPr>
+          <a:lstStyle/>
+          <a:p>
+            <a:pPr marL="0" marR="0" lvl="0" indent="0" algn="l" defTabSz="914400" rtl="0" eaLnBrk="1" fontAlgn="auto" latinLnBrk="0" hangingPunct="1">
+              <a:lnSpc>
+                <a:spcPct val="100000"/>
+              </a:lnSpc>
+              <a:spcBef>
+                <a:spcPts val="0"/>
+              </a:spcBef>
+              <a:spcAft>
+                <a:spcPts val="0"/>
+              </a:spcAft>
+              <a:buClrTx/>
+              <a:buSzTx/>
+              <a:buFontTx/>
+              <a:buNone/>
+              <a:tabLst/>
+              <a:defRPr/>
+            </a:pPr>
+            <a:r>
+              <a:rPr kumimoji="0" lang="de-DE" sz="1400" b="0" i="0" u="none" strike="noStrike" kern="1200" cap="none" spc="0" normalizeH="0" baseline="0" noProof="0">
+                <a:ln>
+                  <a:noFill/>
+                </a:ln>
+                <a:effectLst/>
+                <a:uLnTx/>
+                <a:uFillTx/>
+                <a:latin typeface="Segoe UI"/>
+                <a:ea typeface="+mn-ea"/>
+                <a:cs typeface="+mn-cs"/>
+              </a:rPr>
+              <a:t>✔️ Spike demands handled</a:t>
+            </a:r>
+          </a:p>
+          <a:p>
+            <a:pPr marL="0" marR="0" lvl="0" indent="0" algn="l" defTabSz="914400" rtl="0" eaLnBrk="1" fontAlgn="auto" latinLnBrk="0" hangingPunct="1">
+              <a:lnSpc>
+                <a:spcPct val="100000"/>
+              </a:lnSpc>
+              <a:spcBef>
+                <a:spcPts val="0"/>
+              </a:spcBef>
+              <a:spcAft>
+                <a:spcPts val="0"/>
+              </a:spcAft>
+              <a:buClrTx/>
+              <a:buSzTx/>
+              <a:buFontTx/>
+              <a:buNone/>
+              <a:tabLst/>
+              <a:defRPr/>
+            </a:pPr>
+            <a:r>
+              <a:rPr kumimoji="0" lang="de-DE" sz="1400" b="0" i="0" u="none" strike="noStrike" kern="1200" cap="none" spc="0" normalizeH="0" baseline="0" noProof="0">
+                <a:ln>
+                  <a:noFill/>
+                </a:ln>
+                <a:effectLst/>
+                <a:uLnTx/>
+                <a:uFillTx/>
+                <a:latin typeface="Segoe UI"/>
+                <a:ea typeface="+mn-ea"/>
+                <a:cs typeface="+mn-cs"/>
+              </a:rPr>
+              <a:t>✔️ Managed PTU before PAYG</a:t>
+            </a:r>
+          </a:p>
+          <a:p>
+            <a:pPr marL="0" marR="0" lvl="0" indent="0" algn="l" defTabSz="914400" rtl="0" eaLnBrk="1" fontAlgn="auto" latinLnBrk="0" hangingPunct="1">
+              <a:lnSpc>
+                <a:spcPct val="100000"/>
+              </a:lnSpc>
+              <a:spcBef>
+                <a:spcPts val="0"/>
+              </a:spcBef>
+              <a:spcAft>
+                <a:spcPts val="0"/>
+              </a:spcAft>
+              <a:buClrTx/>
+              <a:buSzTx/>
+              <a:buFontTx/>
+              <a:buNone/>
+              <a:tabLst/>
+              <a:defRPr/>
+            </a:pPr>
+            <a:r>
+              <a:rPr kumimoji="0" lang="de-DE" sz="1400" b="0" i="0" u="none" strike="noStrike" kern="1200" cap="none" spc="0" normalizeH="0" baseline="0" noProof="0">
+                <a:ln>
+                  <a:noFill/>
+                </a:ln>
+                <a:effectLst/>
+                <a:uLnTx/>
+                <a:uFillTx/>
+                <a:latin typeface="Segoe UI"/>
+                <a:ea typeface="+mn-ea"/>
+                <a:cs typeface="+mn-cs"/>
+              </a:rPr>
+              <a:t>✔️ Realtime before Batch</a:t>
+            </a:r>
+            <a:endParaRPr kumimoji="0" lang="de-DE" sz="1400" b="0" i="0" u="none" strike="noStrike" kern="1200" cap="none" spc="0" normalizeH="0" baseline="0" noProof="0" err="1">
+              <a:ln>
+                <a:noFill/>
+              </a:ln>
+              <a:effectLst/>
+              <a:uLnTx/>
+              <a:uFillTx/>
+              <a:latin typeface="Segoe UI"/>
+              <a:ea typeface="+mn-ea"/>
+              <a:cs typeface="+mn-cs"/>
+            </a:endParaRPr>
+          </a:p>
+        </p:txBody>
+      </p:sp>
     </p:spTree>
     <p:extLst>
       <p:ext uri="{BB962C8B-B14F-4D97-AF65-F5344CB8AC3E}">
-        <p14:creationId xmlns:p14="http://schemas.microsoft.com/office/powerpoint/2010/main" val="768734441"/>
+        <p14:creationId xmlns:p14="http://schemas.microsoft.com/office/powerpoint/2010/main" val="948434623"/>
       </p:ext>
     </p:extLst>
   </p:cSld>
   <p:clrMapOvr>
     <a:masterClrMapping/>
   </p:clrMapOvr>
+  <p:transition>
+    <p:fade/>
+  </p:transition>
 </p:sld>
 </file>
 

--- a/docs/Diagrams.pptx
+++ b/docs/Diagrams.pptx
@@ -8,7 +8,7 @@
     <p:sldId id="256" r:id="rId2"/>
     <p:sldId id="257" r:id="rId3"/>
     <p:sldId id="258" r:id="rId4"/>
-    <p:sldId id="259" r:id="rId5"/>
+    <p:sldId id="2147482792" r:id="rId5"/>
     <p:sldId id="2147482790" r:id="rId6"/>
   </p:sldIdLst>
   <p:sldSz cx="12192000" cy="6858000"/>
@@ -119,7 +119,7 @@
 <file path=ppt/revisionInfo.xml><?xml version="1.0" encoding="utf-8"?>
 <p1510:revInfo xmlns:a="http://schemas.openxmlformats.org/drawingml/2006/main" xmlns:r="http://schemas.openxmlformats.org/officeDocument/2006/relationships" xmlns:p1510="http://schemas.microsoft.com/office/powerpoint/2015/10/main">
   <p1510:revLst>
-    <p1510:client id="{46BA79B3-6F12-4FD1-BB92-92785C2AAF2E}" v="29" dt="2023-12-08T12:02:03.773"/>
+    <p1510:client id="{BE53F20F-A7CD-4AE5-8856-A10ED0730ADD}" v="5" dt="2024-05-17T11:54:44.278"/>
   </p1510:revLst>
 </p1510:revInfo>
 </file>
@@ -3449,6 +3449,792 @@
             <pc:docMk/>
             <pc:sldMk cId="948434623" sldId="2147482790"/>
             <ac:cxnSpMk id="13" creationId="{0C419652-4711-5DC1-E199-8F132C6C7025}"/>
+          </ac:cxnSpMkLst>
+        </pc:cxnChg>
+      </pc:sldChg>
+    </pc:docChg>
+  </pc:docChgLst>
+  <pc:docChgLst>
+    <pc:chgData name="Timo Klimmer" userId="af015218-587a-437d-921a-de4e64daf7ee" providerId="ADAL" clId="{BE53F20F-A7CD-4AE5-8856-A10ED0730ADD}"/>
+    <pc:docChg chg="undo custSel addSld delSld modSld">
+      <pc:chgData name="Timo Klimmer" userId="af015218-587a-437d-921a-de4e64daf7ee" providerId="ADAL" clId="{BE53F20F-A7CD-4AE5-8856-A10ED0730ADD}" dt="2024-05-17T12:00:20.319" v="393" actId="207"/>
+      <pc:docMkLst>
+        <pc:docMk/>
+      </pc:docMkLst>
+      <pc:sldChg chg="modSp mod">
+        <pc:chgData name="Timo Klimmer" userId="af015218-587a-437d-921a-de4e64daf7ee" providerId="ADAL" clId="{BE53F20F-A7CD-4AE5-8856-A10ED0730ADD}" dt="2024-05-17T07:52:39.263" v="110" actId="20577"/>
+        <pc:sldMkLst>
+          <pc:docMk/>
+          <pc:sldMk cId="3914079930" sldId="256"/>
+        </pc:sldMkLst>
+        <pc:spChg chg="mod">
+          <ac:chgData name="Timo Klimmer" userId="af015218-587a-437d-921a-de4e64daf7ee" providerId="ADAL" clId="{BE53F20F-A7CD-4AE5-8856-A10ED0730ADD}" dt="2024-05-17T07:51:23.778" v="14" actId="20577"/>
+          <ac:spMkLst>
+            <pc:docMk/>
+            <pc:sldMk cId="3914079930" sldId="256"/>
+            <ac:spMk id="65" creationId="{ABDDD441-F8F4-B627-4B57-9E568E23ADD9}"/>
+          </ac:spMkLst>
+        </pc:spChg>
+        <pc:spChg chg="mod">
+          <ac:chgData name="Timo Klimmer" userId="af015218-587a-437d-921a-de4e64daf7ee" providerId="ADAL" clId="{BE53F20F-A7CD-4AE5-8856-A10ED0730ADD}" dt="2024-05-17T07:51:29.757" v="21" actId="20577"/>
+          <ac:spMkLst>
+            <pc:docMk/>
+            <pc:sldMk cId="3914079930" sldId="256"/>
+            <ac:spMk id="78" creationId="{F2930615-A725-0063-CDDE-69B4E00D415B}"/>
+          </ac:spMkLst>
+        </pc:spChg>
+        <pc:spChg chg="mod">
+          <ac:chgData name="Timo Klimmer" userId="af015218-587a-437d-921a-de4e64daf7ee" providerId="ADAL" clId="{BE53F20F-A7CD-4AE5-8856-A10ED0730ADD}" dt="2024-05-17T07:51:35.262" v="28" actId="20577"/>
+          <ac:spMkLst>
+            <pc:docMk/>
+            <pc:sldMk cId="3914079930" sldId="256"/>
+            <ac:spMk id="84" creationId="{7AE63BF4-3F5A-7871-AA7E-7B4C14E12EFC}"/>
+          </ac:spMkLst>
+        </pc:spChg>
+        <pc:spChg chg="mod">
+          <ac:chgData name="Timo Klimmer" userId="af015218-587a-437d-921a-de4e64daf7ee" providerId="ADAL" clId="{BE53F20F-A7CD-4AE5-8856-A10ED0730ADD}" dt="2024-05-17T07:52:39.263" v="110" actId="20577"/>
+          <ac:spMkLst>
+            <pc:docMk/>
+            <pc:sldMk cId="3914079930" sldId="256"/>
+            <ac:spMk id="120" creationId="{1CA62AB2-8C0E-A40A-2333-22FAEFDF62D2}"/>
+          </ac:spMkLst>
+        </pc:spChg>
+      </pc:sldChg>
+      <pc:sldChg chg="addSp modSp mod">
+        <pc:chgData name="Timo Klimmer" userId="af015218-587a-437d-921a-de4e64daf7ee" providerId="ADAL" clId="{BE53F20F-A7CD-4AE5-8856-A10ED0730ADD}" dt="2024-05-17T07:54:23.190" v="111" actId="164"/>
+        <pc:sldMkLst>
+          <pc:docMk/>
+          <pc:sldMk cId="3639164416" sldId="257"/>
+        </pc:sldMkLst>
+        <pc:spChg chg="mod">
+          <ac:chgData name="Timo Klimmer" userId="af015218-587a-437d-921a-de4e64daf7ee" providerId="ADAL" clId="{BE53F20F-A7CD-4AE5-8856-A10ED0730ADD}" dt="2024-05-17T07:51:42.240" v="35" actId="20577"/>
+          <ac:spMkLst>
+            <pc:docMk/>
+            <pc:sldMk cId="3639164416" sldId="257"/>
+            <ac:spMk id="3" creationId="{D413C2BB-B0A5-BF5A-F13F-299AF8BD8346}"/>
+          </ac:spMkLst>
+        </pc:spChg>
+        <pc:spChg chg="mod">
+          <ac:chgData name="Timo Klimmer" userId="af015218-587a-437d-921a-de4e64daf7ee" providerId="ADAL" clId="{BE53F20F-A7CD-4AE5-8856-A10ED0730ADD}" dt="2024-05-17T07:51:47.371" v="42" actId="20577"/>
+          <ac:spMkLst>
+            <pc:docMk/>
+            <pc:sldMk cId="3639164416" sldId="257"/>
+            <ac:spMk id="16" creationId="{B970FAAF-7786-7C89-31FF-4E1F7F6725D7}"/>
+          </ac:spMkLst>
+        </pc:spChg>
+        <pc:spChg chg="mod">
+          <ac:chgData name="Timo Klimmer" userId="af015218-587a-437d-921a-de4e64daf7ee" providerId="ADAL" clId="{BE53F20F-A7CD-4AE5-8856-A10ED0730ADD}" dt="2024-05-17T07:52:22.147" v="103" actId="6549"/>
+          <ac:spMkLst>
+            <pc:docMk/>
+            <pc:sldMk cId="3639164416" sldId="257"/>
+            <ac:spMk id="23" creationId="{1012F46F-DF04-0E4A-8B9F-C102E3BC18E5}"/>
+          </ac:spMkLst>
+        </pc:spChg>
+        <pc:spChg chg="mod">
+          <ac:chgData name="Timo Klimmer" userId="af015218-587a-437d-921a-de4e64daf7ee" providerId="ADAL" clId="{BE53F20F-A7CD-4AE5-8856-A10ED0730ADD}" dt="2024-05-17T07:52:12.629" v="80" actId="6549"/>
+          <ac:spMkLst>
+            <pc:docMk/>
+            <pc:sldMk cId="3639164416" sldId="257"/>
+            <ac:spMk id="24" creationId="{000FFFA5-0B3F-35BE-81EA-41832AF09117}"/>
+          </ac:spMkLst>
+        </pc:spChg>
+        <pc:spChg chg="mod">
+          <ac:chgData name="Timo Klimmer" userId="af015218-587a-437d-921a-de4e64daf7ee" providerId="ADAL" clId="{BE53F20F-A7CD-4AE5-8856-A10ED0730ADD}" dt="2024-05-17T07:51:55.654" v="50" actId="20577"/>
+          <ac:spMkLst>
+            <pc:docMk/>
+            <pc:sldMk cId="3639164416" sldId="257"/>
+            <ac:spMk id="31" creationId="{A0CF102F-2DA5-4567-8893-12D3ADBD673E}"/>
+          </ac:spMkLst>
+        </pc:spChg>
+        <pc:spChg chg="mod">
+          <ac:chgData name="Timo Klimmer" userId="af015218-587a-437d-921a-de4e64daf7ee" providerId="ADAL" clId="{BE53F20F-A7CD-4AE5-8856-A10ED0730ADD}" dt="2024-05-17T07:52:01.131" v="65" actId="6549"/>
+          <ac:spMkLst>
+            <pc:docMk/>
+            <pc:sldMk cId="3639164416" sldId="257"/>
+            <ac:spMk id="71" creationId="{90AB1181-68C1-FA8C-F5C2-69F7C1815160}"/>
+          </ac:spMkLst>
+        </pc:spChg>
+        <pc:grpChg chg="add">
+          <ac:chgData name="Timo Klimmer" userId="af015218-587a-437d-921a-de4e64daf7ee" providerId="ADAL" clId="{BE53F20F-A7CD-4AE5-8856-A10ED0730ADD}" dt="2024-05-17T07:54:23.190" v="111" actId="164"/>
+          <ac:grpSpMkLst>
+            <pc:docMk/>
+            <pc:sldMk cId="3639164416" sldId="257"/>
+            <ac:grpSpMk id="9" creationId="{A8DB6AD1-9709-17D7-24C8-BE5FA6534797}"/>
+          </ac:grpSpMkLst>
+        </pc:grpChg>
+      </pc:sldChg>
+      <pc:sldChg chg="addSp delSp modSp mod">
+        <pc:chgData name="Timo Klimmer" userId="af015218-587a-437d-921a-de4e64daf7ee" providerId="ADAL" clId="{BE53F20F-A7CD-4AE5-8856-A10ED0730ADD}" dt="2024-05-17T07:47:38.036" v="6" actId="1076"/>
+        <pc:sldMkLst>
+          <pc:docMk/>
+          <pc:sldMk cId="4206476889" sldId="258"/>
+        </pc:sldMkLst>
+        <pc:spChg chg="add mod">
+          <ac:chgData name="Timo Klimmer" userId="af015218-587a-437d-921a-de4e64daf7ee" providerId="ADAL" clId="{BE53F20F-A7CD-4AE5-8856-A10ED0730ADD}" dt="2024-05-17T07:46:56.739" v="2" actId="207"/>
+          <ac:spMkLst>
+            <pc:docMk/>
+            <pc:sldMk cId="4206476889" sldId="258"/>
+            <ac:spMk id="6" creationId="{B46B11DF-4535-A888-E15D-F0725F5F6617}"/>
+          </ac:spMkLst>
+        </pc:spChg>
+        <pc:spChg chg="add mod">
+          <ac:chgData name="Timo Klimmer" userId="af015218-587a-437d-921a-de4e64daf7ee" providerId="ADAL" clId="{BE53F20F-A7CD-4AE5-8856-A10ED0730ADD}" dt="2024-05-17T07:46:56.739" v="2" actId="207"/>
+          <ac:spMkLst>
+            <pc:docMk/>
+            <pc:sldMk cId="4206476889" sldId="258"/>
+            <ac:spMk id="7" creationId="{632533CE-619D-0002-0E81-8C853E3A663D}"/>
+          </ac:spMkLst>
+        </pc:spChg>
+        <pc:spChg chg="add mod">
+          <ac:chgData name="Timo Klimmer" userId="af015218-587a-437d-921a-de4e64daf7ee" providerId="ADAL" clId="{BE53F20F-A7CD-4AE5-8856-A10ED0730ADD}" dt="2024-05-17T07:46:56.739" v="2" actId="207"/>
+          <ac:spMkLst>
+            <pc:docMk/>
+            <pc:sldMk cId="4206476889" sldId="258"/>
+            <ac:spMk id="8" creationId="{2E412006-597A-55D6-5969-6AF7332DB685}"/>
+          </ac:spMkLst>
+        </pc:spChg>
+        <pc:spChg chg="add mod">
+          <ac:chgData name="Timo Klimmer" userId="af015218-587a-437d-921a-de4e64daf7ee" providerId="ADAL" clId="{BE53F20F-A7CD-4AE5-8856-A10ED0730ADD}" dt="2024-05-17T07:46:56.739" v="2" actId="207"/>
+          <ac:spMkLst>
+            <pc:docMk/>
+            <pc:sldMk cId="4206476889" sldId="258"/>
+            <ac:spMk id="13" creationId="{507D67B6-D492-0DDC-E837-0CEEE175AFE5}"/>
+          </ac:spMkLst>
+        </pc:spChg>
+        <pc:spChg chg="add mod">
+          <ac:chgData name="Timo Klimmer" userId="af015218-587a-437d-921a-de4e64daf7ee" providerId="ADAL" clId="{BE53F20F-A7CD-4AE5-8856-A10ED0730ADD}" dt="2024-05-17T07:46:56.739" v="2" actId="207"/>
+          <ac:spMkLst>
+            <pc:docMk/>
+            <pc:sldMk cId="4206476889" sldId="258"/>
+            <ac:spMk id="14" creationId="{84676625-85AA-F2ED-D720-38C20C487633}"/>
+          </ac:spMkLst>
+        </pc:spChg>
+        <pc:spChg chg="add mod">
+          <ac:chgData name="Timo Klimmer" userId="af015218-587a-437d-921a-de4e64daf7ee" providerId="ADAL" clId="{BE53F20F-A7CD-4AE5-8856-A10ED0730ADD}" dt="2024-05-17T07:46:56.739" v="2" actId="207"/>
+          <ac:spMkLst>
+            <pc:docMk/>
+            <pc:sldMk cId="4206476889" sldId="258"/>
+            <ac:spMk id="16" creationId="{A076E22B-AA4C-B077-FD14-64B02430EC7D}"/>
+          </ac:spMkLst>
+        </pc:spChg>
+        <pc:spChg chg="add mod">
+          <ac:chgData name="Timo Klimmer" userId="af015218-587a-437d-921a-de4e64daf7ee" providerId="ADAL" clId="{BE53F20F-A7CD-4AE5-8856-A10ED0730ADD}" dt="2024-05-17T07:46:56.739" v="2" actId="207"/>
+          <ac:spMkLst>
+            <pc:docMk/>
+            <pc:sldMk cId="4206476889" sldId="258"/>
+            <ac:spMk id="31" creationId="{8F9D0DEE-A45C-3E20-7319-4EFCA0EF6106}"/>
+          </ac:spMkLst>
+        </pc:spChg>
+        <pc:grpChg chg="del">
+          <ac:chgData name="Timo Klimmer" userId="af015218-587a-437d-921a-de4e64daf7ee" providerId="ADAL" clId="{BE53F20F-A7CD-4AE5-8856-A10ED0730ADD}" dt="2024-05-17T07:47:28.290" v="4" actId="478"/>
+          <ac:grpSpMkLst>
+            <pc:docMk/>
+            <pc:sldMk cId="4206476889" sldId="258"/>
+            <ac:grpSpMk id="30" creationId="{F1586770-39CF-B19E-C8B1-F1855BC96ABC}"/>
+          </ac:grpSpMkLst>
+        </pc:grpChg>
+        <pc:grpChg chg="add mod">
+          <ac:chgData name="Timo Klimmer" userId="af015218-587a-437d-921a-de4e64daf7ee" providerId="ADAL" clId="{BE53F20F-A7CD-4AE5-8856-A10ED0730ADD}" dt="2024-05-17T07:47:38.036" v="6" actId="1076"/>
+          <ac:grpSpMkLst>
+            <pc:docMk/>
+            <pc:sldMk cId="4206476889" sldId="258"/>
+            <ac:grpSpMk id="35" creationId="{7C1D4833-2043-F085-3D53-299AA354FBF9}"/>
+          </ac:grpSpMkLst>
+        </pc:grpChg>
+        <pc:picChg chg="add mod">
+          <ac:chgData name="Timo Klimmer" userId="af015218-587a-437d-921a-de4e64daf7ee" providerId="ADAL" clId="{BE53F20F-A7CD-4AE5-8856-A10ED0730ADD}" dt="2024-05-17T07:46:52.060" v="1" actId="1076"/>
+          <ac:picMkLst>
+            <pc:docMk/>
+            <pc:sldMk cId="4206476889" sldId="258"/>
+            <ac:picMk id="5" creationId="{86E2E0B0-46DC-4056-A918-E5290C2F87F9}"/>
+          </ac:picMkLst>
+        </pc:picChg>
+        <pc:picChg chg="add mod">
+          <ac:chgData name="Timo Klimmer" userId="af015218-587a-437d-921a-de4e64daf7ee" providerId="ADAL" clId="{BE53F20F-A7CD-4AE5-8856-A10ED0730ADD}" dt="2024-05-17T07:47:13.076" v="3"/>
+          <ac:picMkLst>
+            <pc:docMk/>
+            <pc:sldMk cId="4206476889" sldId="258"/>
+            <ac:picMk id="15" creationId="{4D484613-872D-A1AC-712D-7DA3A64B1504}"/>
+          </ac:picMkLst>
+        </pc:picChg>
+        <pc:picChg chg="add mod">
+          <ac:chgData name="Timo Klimmer" userId="af015218-587a-437d-921a-de4e64daf7ee" providerId="ADAL" clId="{BE53F20F-A7CD-4AE5-8856-A10ED0730ADD}" dt="2024-05-17T07:47:13.076" v="3"/>
+          <ac:picMkLst>
+            <pc:docMk/>
+            <pc:sldMk cId="4206476889" sldId="258"/>
+            <ac:picMk id="32" creationId="{14A41B4A-84D9-6D7E-F573-DF9D2847C6C5}"/>
+          </ac:picMkLst>
+        </pc:picChg>
+        <pc:cxnChg chg="add mod">
+          <ac:chgData name="Timo Klimmer" userId="af015218-587a-437d-921a-de4e64daf7ee" providerId="ADAL" clId="{BE53F20F-A7CD-4AE5-8856-A10ED0730ADD}" dt="2024-05-17T07:46:52.060" v="1" actId="1076"/>
+          <ac:cxnSpMkLst>
+            <pc:docMk/>
+            <pc:sldMk cId="4206476889" sldId="258"/>
+            <ac:cxnSpMk id="9" creationId="{F4A85B8C-A8F6-0487-55B6-0C8F27394160}"/>
+          </ac:cxnSpMkLst>
+        </pc:cxnChg>
+        <pc:cxnChg chg="add mod">
+          <ac:chgData name="Timo Klimmer" userId="af015218-587a-437d-921a-de4e64daf7ee" providerId="ADAL" clId="{BE53F20F-A7CD-4AE5-8856-A10ED0730ADD}" dt="2024-05-17T07:46:52.060" v="1" actId="1076"/>
+          <ac:cxnSpMkLst>
+            <pc:docMk/>
+            <pc:sldMk cId="4206476889" sldId="258"/>
+            <ac:cxnSpMk id="10" creationId="{270179F4-025B-3F7A-73A2-AA0E03EEE271}"/>
+          </ac:cxnSpMkLst>
+        </pc:cxnChg>
+        <pc:cxnChg chg="add mod">
+          <ac:chgData name="Timo Klimmer" userId="af015218-587a-437d-921a-de4e64daf7ee" providerId="ADAL" clId="{BE53F20F-A7CD-4AE5-8856-A10ED0730ADD}" dt="2024-05-17T07:46:52.060" v="1" actId="1076"/>
+          <ac:cxnSpMkLst>
+            <pc:docMk/>
+            <pc:sldMk cId="4206476889" sldId="258"/>
+            <ac:cxnSpMk id="11" creationId="{EFEBBC77-95DD-83AB-6D51-3FDF1F2A66E0}"/>
+          </ac:cxnSpMkLst>
+        </pc:cxnChg>
+        <pc:cxnChg chg="add mod">
+          <ac:chgData name="Timo Klimmer" userId="af015218-587a-437d-921a-de4e64daf7ee" providerId="ADAL" clId="{BE53F20F-A7CD-4AE5-8856-A10ED0730ADD}" dt="2024-05-17T07:46:52.060" v="1" actId="1076"/>
+          <ac:cxnSpMkLst>
+            <pc:docMk/>
+            <pc:sldMk cId="4206476889" sldId="258"/>
+            <ac:cxnSpMk id="12" creationId="{BF279DE6-1086-4BD1-4682-D0EB3919B231}"/>
+          </ac:cxnSpMkLst>
+        </pc:cxnChg>
+        <pc:cxnChg chg="mod">
+          <ac:chgData name="Timo Klimmer" userId="af015218-587a-437d-921a-de4e64daf7ee" providerId="ADAL" clId="{BE53F20F-A7CD-4AE5-8856-A10ED0730ADD}" dt="2024-05-17T07:47:28.290" v="4" actId="478"/>
+          <ac:cxnSpMkLst>
+            <pc:docMk/>
+            <pc:sldMk cId="4206476889" sldId="258"/>
+            <ac:cxnSpMk id="18" creationId="{C518FD0E-C50B-B6A6-C878-3DE240888521}"/>
+          </ac:cxnSpMkLst>
+        </pc:cxnChg>
+        <pc:cxnChg chg="mod">
+          <ac:chgData name="Timo Klimmer" userId="af015218-587a-437d-921a-de4e64daf7ee" providerId="ADAL" clId="{BE53F20F-A7CD-4AE5-8856-A10ED0730ADD}" dt="2024-05-17T07:47:28.290" v="4" actId="478"/>
+          <ac:cxnSpMkLst>
+            <pc:docMk/>
+            <pc:sldMk cId="4206476889" sldId="258"/>
+            <ac:cxnSpMk id="19" creationId="{6F941927-9A08-DC95-7C90-1B29B66CAD2F}"/>
+          </ac:cxnSpMkLst>
+        </pc:cxnChg>
+        <pc:cxnChg chg="mod">
+          <ac:chgData name="Timo Klimmer" userId="af015218-587a-437d-921a-de4e64daf7ee" providerId="ADAL" clId="{BE53F20F-A7CD-4AE5-8856-A10ED0730ADD}" dt="2024-05-17T07:47:28.290" v="4" actId="478"/>
+          <ac:cxnSpMkLst>
+            <pc:docMk/>
+            <pc:sldMk cId="4206476889" sldId="258"/>
+            <ac:cxnSpMk id="20" creationId="{72D6F3ED-68BA-E060-56EB-92EB0FD43873}"/>
+          </ac:cxnSpMkLst>
+        </pc:cxnChg>
+        <pc:cxnChg chg="mod">
+          <ac:chgData name="Timo Klimmer" userId="af015218-587a-437d-921a-de4e64daf7ee" providerId="ADAL" clId="{BE53F20F-A7CD-4AE5-8856-A10ED0730ADD}" dt="2024-05-17T07:47:28.290" v="4" actId="478"/>
+          <ac:cxnSpMkLst>
+            <pc:docMk/>
+            <pc:sldMk cId="4206476889" sldId="258"/>
+            <ac:cxnSpMk id="21" creationId="{94672AC0-B431-7394-2914-67F695C1DEF7}"/>
+          </ac:cxnSpMkLst>
+        </pc:cxnChg>
+        <pc:cxnChg chg="add mod">
+          <ac:chgData name="Timo Klimmer" userId="af015218-587a-437d-921a-de4e64daf7ee" providerId="ADAL" clId="{BE53F20F-A7CD-4AE5-8856-A10ED0730ADD}" dt="2024-05-17T07:46:52.060" v="1" actId="1076"/>
+          <ac:cxnSpMkLst>
+            <pc:docMk/>
+            <pc:sldMk cId="4206476889" sldId="258"/>
+            <ac:cxnSpMk id="33" creationId="{1F151D17-5C9A-1351-399B-F6FB3F01CC12}"/>
+          </ac:cxnSpMkLst>
+        </pc:cxnChg>
+        <pc:cxnChg chg="add mod">
+          <ac:chgData name="Timo Klimmer" userId="af015218-587a-437d-921a-de4e64daf7ee" providerId="ADAL" clId="{BE53F20F-A7CD-4AE5-8856-A10ED0730ADD}" dt="2024-05-17T07:46:52.060" v="1" actId="1076"/>
+          <ac:cxnSpMkLst>
+            <pc:docMk/>
+            <pc:sldMk cId="4206476889" sldId="258"/>
+            <ac:cxnSpMk id="34" creationId="{3C99C831-5F80-D1EC-0FD9-1E6B1D466661}"/>
+          </ac:cxnSpMkLst>
+        </pc:cxnChg>
+      </pc:sldChg>
+      <pc:sldChg chg="del">
+        <pc:chgData name="Timo Klimmer" userId="af015218-587a-437d-921a-de4e64daf7ee" providerId="ADAL" clId="{BE53F20F-A7CD-4AE5-8856-A10ED0730ADD}" dt="2024-05-17T11:57:34.392" v="381" actId="47"/>
+        <pc:sldMkLst>
+          <pc:docMk/>
+          <pc:sldMk cId="2493642130" sldId="259"/>
+        </pc:sldMkLst>
+      </pc:sldChg>
+      <pc:sldChg chg="addSp modSp mod">
+        <pc:chgData name="Timo Klimmer" userId="af015218-587a-437d-921a-de4e64daf7ee" providerId="ADAL" clId="{BE53F20F-A7CD-4AE5-8856-A10ED0730ADD}" dt="2024-05-17T07:57:43.013" v="150" actId="164"/>
+        <pc:sldMkLst>
+          <pc:docMk/>
+          <pc:sldMk cId="948434623" sldId="2147482790"/>
+        </pc:sldMkLst>
+        <pc:spChg chg="mod">
+          <ac:chgData name="Timo Klimmer" userId="af015218-587a-437d-921a-de4e64daf7ee" providerId="ADAL" clId="{BE53F20F-A7CD-4AE5-8856-A10ED0730ADD}" dt="2024-05-17T07:57:28.826" v="149" actId="6549"/>
+          <ac:spMkLst>
+            <pc:docMk/>
+            <pc:sldMk cId="948434623" sldId="2147482790"/>
+            <ac:spMk id="2" creationId="{DDB4E393-BBBD-2E5D-CD9B-B5D9D7884530}"/>
+          </ac:spMkLst>
+        </pc:spChg>
+        <pc:grpChg chg="add">
+          <ac:chgData name="Timo Klimmer" userId="af015218-587a-437d-921a-de4e64daf7ee" providerId="ADAL" clId="{BE53F20F-A7CD-4AE5-8856-A10ED0730ADD}" dt="2024-05-17T07:57:43.013" v="150" actId="164"/>
+          <ac:grpSpMkLst>
+            <pc:docMk/>
+            <pc:sldMk cId="948434623" sldId="2147482790"/>
+            <ac:grpSpMk id="3" creationId="{7BF62182-0361-9D76-304C-952FCBAF2C20}"/>
+          </ac:grpSpMkLst>
+        </pc:grpChg>
+      </pc:sldChg>
+      <pc:sldChg chg="addSp delSp modSp add del mod">
+        <pc:chgData name="Timo Klimmer" userId="af015218-587a-437d-921a-de4e64daf7ee" providerId="ADAL" clId="{BE53F20F-A7CD-4AE5-8856-A10ED0730ADD}" dt="2024-05-17T11:57:35.808" v="382" actId="47"/>
+        <pc:sldMkLst>
+          <pc:docMk/>
+          <pc:sldMk cId="2435065426" sldId="2147482791"/>
+        </pc:sldMkLst>
+        <pc:spChg chg="add mod">
+          <ac:chgData name="Timo Klimmer" userId="af015218-587a-437d-921a-de4e64daf7ee" providerId="ADAL" clId="{BE53F20F-A7CD-4AE5-8856-A10ED0730ADD}" dt="2024-05-17T11:42:37.503" v="361" actId="1037"/>
+          <ac:spMkLst>
+            <pc:docMk/>
+            <pc:sldMk cId="2435065426" sldId="2147482791"/>
+            <ac:spMk id="3" creationId="{58A9C706-5924-9571-3A25-34931DD59410}"/>
+          </ac:spMkLst>
+        </pc:spChg>
+        <pc:spChg chg="add mod">
+          <ac:chgData name="Timo Klimmer" userId="af015218-587a-437d-921a-de4e64daf7ee" providerId="ADAL" clId="{BE53F20F-A7CD-4AE5-8856-A10ED0730ADD}" dt="2024-05-17T11:42:37.503" v="361" actId="1037"/>
+          <ac:spMkLst>
+            <pc:docMk/>
+            <pc:sldMk cId="2435065426" sldId="2147482791"/>
+            <ac:spMk id="12" creationId="{4536291E-F507-D618-2892-B06873CA43C0}"/>
+          </ac:spMkLst>
+        </pc:spChg>
+        <pc:spChg chg="add mod">
+          <ac:chgData name="Timo Klimmer" userId="af015218-587a-437d-921a-de4e64daf7ee" providerId="ADAL" clId="{BE53F20F-A7CD-4AE5-8856-A10ED0730ADD}" dt="2024-05-17T11:42:37.503" v="361" actId="1037"/>
+          <ac:spMkLst>
+            <pc:docMk/>
+            <pc:sldMk cId="2435065426" sldId="2147482791"/>
+            <ac:spMk id="14" creationId="{471B39BD-7034-FF43-DC9C-24C2C8B91FC9}"/>
+          </ac:spMkLst>
+        </pc:spChg>
+        <pc:spChg chg="add del mod">
+          <ac:chgData name="Timo Klimmer" userId="af015218-587a-437d-921a-de4e64daf7ee" providerId="ADAL" clId="{BE53F20F-A7CD-4AE5-8856-A10ED0730ADD}" dt="2024-05-17T11:35:52.147" v="159" actId="478"/>
+          <ac:spMkLst>
+            <pc:docMk/>
+            <pc:sldMk cId="2435065426" sldId="2147482791"/>
+            <ac:spMk id="15" creationId="{80027CCB-6D7B-7182-6A4F-5788825D8217}"/>
+          </ac:spMkLst>
+        </pc:spChg>
+        <pc:spChg chg="add mod">
+          <ac:chgData name="Timo Klimmer" userId="af015218-587a-437d-921a-de4e64daf7ee" providerId="ADAL" clId="{BE53F20F-A7CD-4AE5-8856-A10ED0730ADD}" dt="2024-05-17T11:42:37.503" v="361" actId="1037"/>
+          <ac:spMkLst>
+            <pc:docMk/>
+            <pc:sldMk cId="2435065426" sldId="2147482791"/>
+            <ac:spMk id="16" creationId="{3F30A41D-92D5-EA36-EBA2-C8A54D92C152}"/>
+          </ac:spMkLst>
+        </pc:spChg>
+        <pc:spChg chg="add mod">
+          <ac:chgData name="Timo Klimmer" userId="af015218-587a-437d-921a-de4e64daf7ee" providerId="ADAL" clId="{BE53F20F-A7CD-4AE5-8856-A10ED0730ADD}" dt="2024-05-17T11:42:37.503" v="361" actId="1037"/>
+          <ac:spMkLst>
+            <pc:docMk/>
+            <pc:sldMk cId="2435065426" sldId="2147482791"/>
+            <ac:spMk id="17" creationId="{6B9538F2-B2E1-38E3-1246-2E96879A751E}"/>
+          </ac:spMkLst>
+        </pc:spChg>
+        <pc:spChg chg="add mod">
+          <ac:chgData name="Timo Klimmer" userId="af015218-587a-437d-921a-de4e64daf7ee" providerId="ADAL" clId="{BE53F20F-A7CD-4AE5-8856-A10ED0730ADD}" dt="2024-05-17T11:42:37.503" v="361" actId="1037"/>
+          <ac:spMkLst>
+            <pc:docMk/>
+            <pc:sldMk cId="2435065426" sldId="2147482791"/>
+            <ac:spMk id="20" creationId="{BC760FE1-3179-2034-056F-FC8BCD979146}"/>
+          </ac:spMkLst>
+        </pc:spChg>
+        <pc:spChg chg="add mod">
+          <ac:chgData name="Timo Klimmer" userId="af015218-587a-437d-921a-de4e64daf7ee" providerId="ADAL" clId="{BE53F20F-A7CD-4AE5-8856-A10ED0730ADD}" dt="2024-05-17T11:42:37.503" v="361" actId="1037"/>
+          <ac:spMkLst>
+            <pc:docMk/>
+            <pc:sldMk cId="2435065426" sldId="2147482791"/>
+            <ac:spMk id="21" creationId="{B75F651A-B4F2-FC2C-79D7-C58DBDB13FF6}"/>
+          </ac:spMkLst>
+        </pc:spChg>
+        <pc:spChg chg="add mod">
+          <ac:chgData name="Timo Klimmer" userId="af015218-587a-437d-921a-de4e64daf7ee" providerId="ADAL" clId="{BE53F20F-A7CD-4AE5-8856-A10ED0730ADD}" dt="2024-05-17T11:42:37.503" v="361" actId="1037"/>
+          <ac:spMkLst>
+            <pc:docMk/>
+            <pc:sldMk cId="2435065426" sldId="2147482791"/>
+            <ac:spMk id="28" creationId="{7A4E38F3-FBB4-3772-142B-622C151D8058}"/>
+          </ac:spMkLst>
+        </pc:spChg>
+        <pc:spChg chg="add mod">
+          <ac:chgData name="Timo Klimmer" userId="af015218-587a-437d-921a-de4e64daf7ee" providerId="ADAL" clId="{BE53F20F-A7CD-4AE5-8856-A10ED0730ADD}" dt="2024-05-17T11:42:37.503" v="361" actId="1037"/>
+          <ac:spMkLst>
+            <pc:docMk/>
+            <pc:sldMk cId="2435065426" sldId="2147482791"/>
+            <ac:spMk id="30" creationId="{31295C33-8F15-0D5E-7377-01CFECA38A3C}"/>
+          </ac:spMkLst>
+        </pc:spChg>
+        <pc:spChg chg="add mod">
+          <ac:chgData name="Timo Klimmer" userId="af015218-587a-437d-921a-de4e64daf7ee" providerId="ADAL" clId="{BE53F20F-A7CD-4AE5-8856-A10ED0730ADD}" dt="2024-05-17T11:42:37.503" v="361" actId="1037"/>
+          <ac:spMkLst>
+            <pc:docMk/>
+            <pc:sldMk cId="2435065426" sldId="2147482791"/>
+            <ac:spMk id="32" creationId="{D33DC2F2-C2B9-0457-199D-7EE8C6CDAB3D}"/>
+          </ac:spMkLst>
+        </pc:spChg>
+        <pc:spChg chg="add mod ord">
+          <ac:chgData name="Timo Klimmer" userId="af015218-587a-437d-921a-de4e64daf7ee" providerId="ADAL" clId="{BE53F20F-A7CD-4AE5-8856-A10ED0730ADD}" dt="2024-05-17T11:42:37.503" v="361" actId="1037"/>
+          <ac:spMkLst>
+            <pc:docMk/>
+            <pc:sldMk cId="2435065426" sldId="2147482791"/>
+            <ac:spMk id="33" creationId="{7AFEFB11-83AF-D3DF-30A9-007E03FD21DE}"/>
+          </ac:spMkLst>
+        </pc:spChg>
+        <pc:spChg chg="add mod">
+          <ac:chgData name="Timo Klimmer" userId="af015218-587a-437d-921a-de4e64daf7ee" providerId="ADAL" clId="{BE53F20F-A7CD-4AE5-8856-A10ED0730ADD}" dt="2024-05-17T11:42:37.503" v="361" actId="1037"/>
+          <ac:spMkLst>
+            <pc:docMk/>
+            <pc:sldMk cId="2435065426" sldId="2147482791"/>
+            <ac:spMk id="35" creationId="{9ADD0771-1861-DF88-D0FC-0A72EC9FC57B}"/>
+          </ac:spMkLst>
+        </pc:spChg>
+        <pc:spChg chg="add mod">
+          <ac:chgData name="Timo Klimmer" userId="af015218-587a-437d-921a-de4e64daf7ee" providerId="ADAL" clId="{BE53F20F-A7CD-4AE5-8856-A10ED0730ADD}" dt="2024-05-17T11:42:37.503" v="361" actId="1037"/>
+          <ac:spMkLst>
+            <pc:docMk/>
+            <pc:sldMk cId="2435065426" sldId="2147482791"/>
+            <ac:spMk id="41" creationId="{C81CB5A3-B389-11B5-D78E-C9904DE40D81}"/>
+          </ac:spMkLst>
+        </pc:spChg>
+        <pc:spChg chg="add mod">
+          <ac:chgData name="Timo Klimmer" userId="af015218-587a-437d-921a-de4e64daf7ee" providerId="ADAL" clId="{BE53F20F-A7CD-4AE5-8856-A10ED0730ADD}" dt="2024-05-17T11:42:37.503" v="361" actId="1037"/>
+          <ac:spMkLst>
+            <pc:docMk/>
+            <pc:sldMk cId="2435065426" sldId="2147482791"/>
+            <ac:spMk id="42" creationId="{C5C23327-E8A2-0E04-6A6A-81DF03B2FA41}"/>
+          </ac:spMkLst>
+        </pc:spChg>
+        <pc:spChg chg="add mod">
+          <ac:chgData name="Timo Klimmer" userId="af015218-587a-437d-921a-de4e64daf7ee" providerId="ADAL" clId="{BE53F20F-A7CD-4AE5-8856-A10ED0730ADD}" dt="2024-05-17T11:42:37.503" v="361" actId="1037"/>
+          <ac:spMkLst>
+            <pc:docMk/>
+            <pc:sldMk cId="2435065426" sldId="2147482791"/>
+            <ac:spMk id="43" creationId="{81327D09-79B0-C5D7-C2D7-FA220A96BDBB}"/>
+          </ac:spMkLst>
+        </pc:spChg>
+        <pc:spChg chg="add del mod">
+          <ac:chgData name="Timo Klimmer" userId="af015218-587a-437d-921a-de4e64daf7ee" providerId="ADAL" clId="{BE53F20F-A7CD-4AE5-8856-A10ED0730ADD}" dt="2024-05-17T11:42:42.058" v="362" actId="478"/>
+          <ac:spMkLst>
+            <pc:docMk/>
+            <pc:sldMk cId="2435065426" sldId="2147482791"/>
+            <ac:spMk id="44" creationId="{29429BEA-F190-DBC2-5ED7-5EC64AAED341}"/>
+          </ac:spMkLst>
+        </pc:spChg>
+        <pc:spChg chg="add mod">
+          <ac:chgData name="Timo Klimmer" userId="af015218-587a-437d-921a-de4e64daf7ee" providerId="ADAL" clId="{BE53F20F-A7CD-4AE5-8856-A10ED0730ADD}" dt="2024-05-17T11:42:37.503" v="361" actId="1037"/>
+          <ac:spMkLst>
+            <pc:docMk/>
+            <pc:sldMk cId="2435065426" sldId="2147482791"/>
+            <ac:spMk id="45" creationId="{B02FBE72-833E-58DA-3900-DDCC9621A6D9}"/>
+          </ac:spMkLst>
+        </pc:spChg>
+        <pc:spChg chg="add mod">
+          <ac:chgData name="Timo Klimmer" userId="af015218-587a-437d-921a-de4e64daf7ee" providerId="ADAL" clId="{BE53F20F-A7CD-4AE5-8856-A10ED0730ADD}" dt="2024-05-17T11:42:37.503" v="361" actId="1037"/>
+          <ac:spMkLst>
+            <pc:docMk/>
+            <pc:sldMk cId="2435065426" sldId="2147482791"/>
+            <ac:spMk id="46" creationId="{777DCB77-40C5-7CAA-3F52-1532FF673F8E}"/>
+          </ac:spMkLst>
+        </pc:spChg>
+        <pc:spChg chg="add mod">
+          <ac:chgData name="Timo Klimmer" userId="af015218-587a-437d-921a-de4e64daf7ee" providerId="ADAL" clId="{BE53F20F-A7CD-4AE5-8856-A10ED0730ADD}" dt="2024-05-17T11:42:37.503" v="361" actId="1037"/>
+          <ac:spMkLst>
+            <pc:docMk/>
+            <pc:sldMk cId="2435065426" sldId="2147482791"/>
+            <ac:spMk id="47" creationId="{33645DC0-3B50-9B57-D978-28CA2BC8B810}"/>
+          </ac:spMkLst>
+        </pc:spChg>
+        <pc:spChg chg="add mod">
+          <ac:chgData name="Timo Klimmer" userId="af015218-587a-437d-921a-de4e64daf7ee" providerId="ADAL" clId="{BE53F20F-A7CD-4AE5-8856-A10ED0730ADD}" dt="2024-05-17T11:42:37.503" v="361" actId="1037"/>
+          <ac:spMkLst>
+            <pc:docMk/>
+            <pc:sldMk cId="2435065426" sldId="2147482791"/>
+            <ac:spMk id="48" creationId="{54053017-BFC6-0053-3DFA-262F037F8B23}"/>
+          </ac:spMkLst>
+        </pc:spChg>
+        <pc:spChg chg="add mod">
+          <ac:chgData name="Timo Klimmer" userId="af015218-587a-437d-921a-de4e64daf7ee" providerId="ADAL" clId="{BE53F20F-A7CD-4AE5-8856-A10ED0730ADD}" dt="2024-05-17T11:42:51.960" v="364" actId="1076"/>
+          <ac:spMkLst>
+            <pc:docMk/>
+            <pc:sldMk cId="2435065426" sldId="2147482791"/>
+            <ac:spMk id="49" creationId="{C0E9C83B-6916-EDE3-32A3-660F5CED8FF5}"/>
+          </ac:spMkLst>
+        </pc:spChg>
+        <pc:grpChg chg="del">
+          <ac:chgData name="Timo Klimmer" userId="af015218-587a-437d-921a-de4e64daf7ee" providerId="ADAL" clId="{BE53F20F-A7CD-4AE5-8856-A10ED0730ADD}" dt="2024-05-17T11:30:00.137" v="152" actId="478"/>
+          <ac:grpSpMkLst>
+            <pc:docMk/>
+            <pc:sldMk cId="2435065426" sldId="2147482791"/>
+            <ac:grpSpMk id="9" creationId="{D0248F1E-7E3E-3FC6-D94C-67703AE3E4B6}"/>
+          </ac:grpSpMkLst>
+        </pc:grpChg>
+        <pc:cxnChg chg="add mod">
+          <ac:chgData name="Timo Klimmer" userId="af015218-587a-437d-921a-de4e64daf7ee" providerId="ADAL" clId="{BE53F20F-A7CD-4AE5-8856-A10ED0730ADD}" dt="2024-05-17T11:42:37.503" v="361" actId="1037"/>
+          <ac:cxnSpMkLst>
+            <pc:docMk/>
+            <pc:sldMk cId="2435065426" sldId="2147482791"/>
+            <ac:cxnSpMk id="18" creationId="{DA579735-C3FC-9392-8C2D-861FDF1AB4B6}"/>
+          </ac:cxnSpMkLst>
+        </pc:cxnChg>
+        <pc:cxnChg chg="add mod">
+          <ac:chgData name="Timo Klimmer" userId="af015218-587a-437d-921a-de4e64daf7ee" providerId="ADAL" clId="{BE53F20F-A7CD-4AE5-8856-A10ED0730ADD}" dt="2024-05-17T11:42:37.503" v="361" actId="1037"/>
+          <ac:cxnSpMkLst>
+            <pc:docMk/>
+            <pc:sldMk cId="2435065426" sldId="2147482791"/>
+            <ac:cxnSpMk id="19" creationId="{45AC9344-2796-2B2A-F0C2-3405228C372A}"/>
+          </ac:cxnSpMkLst>
+        </pc:cxnChg>
+        <pc:cxnChg chg="add mod">
+          <ac:chgData name="Timo Klimmer" userId="af015218-587a-437d-921a-de4e64daf7ee" providerId="ADAL" clId="{BE53F20F-A7CD-4AE5-8856-A10ED0730ADD}" dt="2024-05-17T11:42:37.503" v="361" actId="1037"/>
+          <ac:cxnSpMkLst>
+            <pc:docMk/>
+            <pc:sldMk cId="2435065426" sldId="2147482791"/>
+            <ac:cxnSpMk id="24" creationId="{C72B9C0B-7174-200F-2355-CDB8EBCAEE0F}"/>
+          </ac:cxnSpMkLst>
+        </pc:cxnChg>
+        <pc:cxnChg chg="add mod">
+          <ac:chgData name="Timo Klimmer" userId="af015218-587a-437d-921a-de4e64daf7ee" providerId="ADAL" clId="{BE53F20F-A7CD-4AE5-8856-A10ED0730ADD}" dt="2024-05-17T11:42:37.503" v="361" actId="1037"/>
+          <ac:cxnSpMkLst>
+            <pc:docMk/>
+            <pc:sldMk cId="2435065426" sldId="2147482791"/>
+            <ac:cxnSpMk id="25" creationId="{E9B6B48B-3E0C-E80E-04B4-FBE50B463A0C}"/>
+          </ac:cxnSpMkLst>
+        </pc:cxnChg>
+      </pc:sldChg>
+      <pc:sldChg chg="addSp delSp modSp new mod">
+        <pc:chgData name="Timo Klimmer" userId="af015218-587a-437d-921a-de4e64daf7ee" providerId="ADAL" clId="{BE53F20F-A7CD-4AE5-8856-A10ED0730ADD}" dt="2024-05-17T12:00:20.319" v="393" actId="207"/>
+        <pc:sldMkLst>
+          <pc:docMk/>
+          <pc:sldMk cId="1190689538" sldId="2147482792"/>
+        </pc:sldMkLst>
+        <pc:spChg chg="del">
+          <ac:chgData name="Timo Klimmer" userId="af015218-587a-437d-921a-de4e64daf7ee" providerId="ADAL" clId="{BE53F20F-A7CD-4AE5-8856-A10ED0730ADD}" dt="2024-05-17T11:54:25.686" v="366" actId="478"/>
+          <ac:spMkLst>
+            <pc:docMk/>
+            <pc:sldMk cId="1190689538" sldId="2147482792"/>
+            <ac:spMk id="2" creationId="{B9E67C49-979D-642B-4966-482744261AAF}"/>
+          </ac:spMkLst>
+        </pc:spChg>
+        <pc:spChg chg="del">
+          <ac:chgData name="Timo Klimmer" userId="af015218-587a-437d-921a-de4e64daf7ee" providerId="ADAL" clId="{BE53F20F-A7CD-4AE5-8856-A10ED0730ADD}" dt="2024-05-17T11:54:25.686" v="366" actId="478"/>
+          <ac:spMkLst>
+            <pc:docMk/>
+            <pc:sldMk cId="1190689538" sldId="2147482792"/>
+            <ac:spMk id="3" creationId="{BC88D7F5-C9A6-DADE-E91D-58919E6E9087}"/>
+          </ac:spMkLst>
+        </pc:spChg>
+        <pc:spChg chg="add mod">
+          <ac:chgData name="Timo Klimmer" userId="af015218-587a-437d-921a-de4e64daf7ee" providerId="ADAL" clId="{BE53F20F-A7CD-4AE5-8856-A10ED0730ADD}" dt="2024-05-17T12:00:20.319" v="393" actId="207"/>
+          <ac:spMkLst>
+            <pc:docMk/>
+            <pc:sldMk cId="1190689538" sldId="2147482792"/>
+            <ac:spMk id="4" creationId="{CCB26CFC-2EEB-74CB-14AA-27B0B5FCF9F8}"/>
+          </ac:spMkLst>
+        </pc:spChg>
+        <pc:spChg chg="add mod">
+          <ac:chgData name="Timo Klimmer" userId="af015218-587a-437d-921a-de4e64daf7ee" providerId="ADAL" clId="{BE53F20F-A7CD-4AE5-8856-A10ED0730ADD}" dt="2024-05-17T12:00:20.319" v="393" actId="207"/>
+          <ac:spMkLst>
+            <pc:docMk/>
+            <pc:sldMk cId="1190689538" sldId="2147482792"/>
+            <ac:spMk id="5" creationId="{5EED14DE-C416-AEEB-0504-048A3B5E888F}"/>
+          </ac:spMkLst>
+        </pc:spChg>
+        <pc:spChg chg="add mod">
+          <ac:chgData name="Timo Klimmer" userId="af015218-587a-437d-921a-de4e64daf7ee" providerId="ADAL" clId="{BE53F20F-A7CD-4AE5-8856-A10ED0730ADD}" dt="2024-05-17T12:00:20.319" v="393" actId="207"/>
+          <ac:spMkLst>
+            <pc:docMk/>
+            <pc:sldMk cId="1190689538" sldId="2147482792"/>
+            <ac:spMk id="6" creationId="{FB4D3BA0-022B-E39E-AE10-CC17DC07095F}"/>
+          </ac:spMkLst>
+        </pc:spChg>
+        <pc:spChg chg="add del mod">
+          <ac:chgData name="Timo Klimmer" userId="af015218-587a-437d-921a-de4e64daf7ee" providerId="ADAL" clId="{BE53F20F-A7CD-4AE5-8856-A10ED0730ADD}" dt="2024-05-17T11:55:46.969" v="373" actId="478"/>
+          <ac:spMkLst>
+            <pc:docMk/>
+            <pc:sldMk cId="1190689538" sldId="2147482792"/>
+            <ac:spMk id="7" creationId="{82C7CCE4-2F3F-548A-2729-6B3946BC926F}"/>
+          </ac:spMkLst>
+        </pc:spChg>
+        <pc:spChg chg="add mod">
+          <ac:chgData name="Timo Klimmer" userId="af015218-587a-437d-921a-de4e64daf7ee" providerId="ADAL" clId="{BE53F20F-A7CD-4AE5-8856-A10ED0730ADD}" dt="2024-05-17T12:00:20.319" v="393" actId="207"/>
+          <ac:spMkLst>
+            <pc:docMk/>
+            <pc:sldMk cId="1190689538" sldId="2147482792"/>
+            <ac:spMk id="8" creationId="{7CD59DC6-D8F4-FBE9-52E4-C9B541932C6D}"/>
+          </ac:spMkLst>
+        </pc:spChg>
+        <pc:spChg chg="add mod">
+          <ac:chgData name="Timo Klimmer" userId="af015218-587a-437d-921a-de4e64daf7ee" providerId="ADAL" clId="{BE53F20F-A7CD-4AE5-8856-A10ED0730ADD}" dt="2024-05-17T12:00:20.319" v="393" actId="207"/>
+          <ac:spMkLst>
+            <pc:docMk/>
+            <pc:sldMk cId="1190689538" sldId="2147482792"/>
+            <ac:spMk id="9" creationId="{CB593F13-09C7-D55B-1D8F-D80F1EE88C17}"/>
+          </ac:spMkLst>
+        </pc:spChg>
+        <pc:spChg chg="add mod">
+          <ac:chgData name="Timo Klimmer" userId="af015218-587a-437d-921a-de4e64daf7ee" providerId="ADAL" clId="{BE53F20F-A7CD-4AE5-8856-A10ED0730ADD}" dt="2024-05-17T12:00:20.319" v="393" actId="207"/>
+          <ac:spMkLst>
+            <pc:docMk/>
+            <pc:sldMk cId="1190689538" sldId="2147482792"/>
+            <ac:spMk id="12" creationId="{424801F8-F5E7-CF88-32F4-EE4DF33AFE33}"/>
+          </ac:spMkLst>
+        </pc:spChg>
+        <pc:spChg chg="add mod">
+          <ac:chgData name="Timo Klimmer" userId="af015218-587a-437d-921a-de4e64daf7ee" providerId="ADAL" clId="{BE53F20F-A7CD-4AE5-8856-A10ED0730ADD}" dt="2024-05-17T12:00:20.319" v="393" actId="207"/>
+          <ac:spMkLst>
+            <pc:docMk/>
+            <pc:sldMk cId="1190689538" sldId="2147482792"/>
+            <ac:spMk id="15" creationId="{392FFFC3-7997-B091-39C7-7B6D0BF14550}"/>
+          </ac:spMkLst>
+        </pc:spChg>
+        <pc:spChg chg="add mod">
+          <ac:chgData name="Timo Klimmer" userId="af015218-587a-437d-921a-de4e64daf7ee" providerId="ADAL" clId="{BE53F20F-A7CD-4AE5-8856-A10ED0730ADD}" dt="2024-05-17T12:00:20.319" v="393" actId="207"/>
+          <ac:spMkLst>
+            <pc:docMk/>
+            <pc:sldMk cId="1190689538" sldId="2147482792"/>
+            <ac:spMk id="16" creationId="{658AD139-A465-9C5C-41DD-D507D49700CE}"/>
+          </ac:spMkLst>
+        </pc:spChg>
+        <pc:spChg chg="add del mod">
+          <ac:chgData name="Timo Klimmer" userId="af015218-587a-437d-921a-de4e64daf7ee" providerId="ADAL" clId="{BE53F20F-A7CD-4AE5-8856-A10ED0730ADD}" dt="2024-05-17T11:56:14.843" v="375" actId="478"/>
+          <ac:spMkLst>
+            <pc:docMk/>
+            <pc:sldMk cId="1190689538" sldId="2147482792"/>
+            <ac:spMk id="17" creationId="{7D79B251-FFE9-A0FD-C0CA-CCCC5865E730}"/>
+          </ac:spMkLst>
+        </pc:spChg>
+        <pc:spChg chg="add mod">
+          <ac:chgData name="Timo Klimmer" userId="af015218-587a-437d-921a-de4e64daf7ee" providerId="ADAL" clId="{BE53F20F-A7CD-4AE5-8856-A10ED0730ADD}" dt="2024-05-17T12:00:20.319" v="393" actId="207"/>
+          <ac:spMkLst>
+            <pc:docMk/>
+            <pc:sldMk cId="1190689538" sldId="2147482792"/>
+            <ac:spMk id="18" creationId="{C866DF18-5F7A-F886-2E46-07D3726F146C}"/>
+          </ac:spMkLst>
+        </pc:spChg>
+        <pc:spChg chg="add mod">
+          <ac:chgData name="Timo Klimmer" userId="af015218-587a-437d-921a-de4e64daf7ee" providerId="ADAL" clId="{BE53F20F-A7CD-4AE5-8856-A10ED0730ADD}" dt="2024-05-17T12:00:20.319" v="393" actId="207"/>
+          <ac:spMkLst>
+            <pc:docMk/>
+            <pc:sldMk cId="1190689538" sldId="2147482792"/>
+            <ac:spMk id="19" creationId="{57903264-BAD2-5347-C866-083DAAD4ACDC}"/>
+          </ac:spMkLst>
+        </pc:spChg>
+        <pc:spChg chg="add mod">
+          <ac:chgData name="Timo Klimmer" userId="af015218-587a-437d-921a-de4e64daf7ee" providerId="ADAL" clId="{BE53F20F-A7CD-4AE5-8856-A10ED0730ADD}" dt="2024-05-17T12:00:20.319" v="393" actId="207"/>
+          <ac:spMkLst>
+            <pc:docMk/>
+            <pc:sldMk cId="1190689538" sldId="2147482792"/>
+            <ac:spMk id="20" creationId="{BB0A35B6-6B1F-958A-03D2-0D73B996CEDC}"/>
+          </ac:spMkLst>
+        </pc:spChg>
+        <pc:spChg chg="add mod">
+          <ac:chgData name="Timo Klimmer" userId="af015218-587a-437d-921a-de4e64daf7ee" providerId="ADAL" clId="{BE53F20F-A7CD-4AE5-8856-A10ED0730ADD}" dt="2024-05-17T12:00:20.319" v="393" actId="207"/>
+          <ac:spMkLst>
+            <pc:docMk/>
+            <pc:sldMk cId="1190689538" sldId="2147482792"/>
+            <ac:spMk id="21" creationId="{0A388F21-8D85-89D8-9744-9820117D6F00}"/>
+          </ac:spMkLst>
+        </pc:spChg>
+        <pc:spChg chg="add mod">
+          <ac:chgData name="Timo Klimmer" userId="af015218-587a-437d-921a-de4e64daf7ee" providerId="ADAL" clId="{BE53F20F-A7CD-4AE5-8856-A10ED0730ADD}" dt="2024-05-17T12:00:20.319" v="393" actId="207"/>
+          <ac:spMkLst>
+            <pc:docMk/>
+            <pc:sldMk cId="1190689538" sldId="2147482792"/>
+            <ac:spMk id="22" creationId="{5E557372-D784-CFA6-4489-DEA0061E1C9A}"/>
+          </ac:spMkLst>
+        </pc:spChg>
+        <pc:spChg chg="add mod">
+          <ac:chgData name="Timo Klimmer" userId="af015218-587a-437d-921a-de4e64daf7ee" providerId="ADAL" clId="{BE53F20F-A7CD-4AE5-8856-A10ED0730ADD}" dt="2024-05-17T12:00:20.319" v="393" actId="207"/>
+          <ac:spMkLst>
+            <pc:docMk/>
+            <pc:sldMk cId="1190689538" sldId="2147482792"/>
+            <ac:spMk id="23" creationId="{2E7E1B70-4028-28AB-88B4-70E4A3E8DD45}"/>
+          </ac:spMkLst>
+        </pc:spChg>
+        <pc:spChg chg="add mod">
+          <ac:chgData name="Timo Klimmer" userId="af015218-587a-437d-921a-de4e64daf7ee" providerId="ADAL" clId="{BE53F20F-A7CD-4AE5-8856-A10ED0730ADD}" dt="2024-05-17T12:00:20.319" v="393" actId="207"/>
+          <ac:spMkLst>
+            <pc:docMk/>
+            <pc:sldMk cId="1190689538" sldId="2147482792"/>
+            <ac:spMk id="24" creationId="{FA5D69D1-38C8-1092-37AF-9DC2F6EF7E1C}"/>
+          </ac:spMkLst>
+        </pc:spChg>
+        <pc:spChg chg="add mod">
+          <ac:chgData name="Timo Klimmer" userId="af015218-587a-437d-921a-de4e64daf7ee" providerId="ADAL" clId="{BE53F20F-A7CD-4AE5-8856-A10ED0730ADD}" dt="2024-05-17T12:00:20.319" v="393" actId="207"/>
+          <ac:spMkLst>
+            <pc:docMk/>
+            <pc:sldMk cId="1190689538" sldId="2147482792"/>
+            <ac:spMk id="25" creationId="{6212194E-773A-C01A-61A9-9175D9CB9251}"/>
+          </ac:spMkLst>
+        </pc:spChg>
+        <pc:spChg chg="add mod">
+          <ac:chgData name="Timo Klimmer" userId="af015218-587a-437d-921a-de4e64daf7ee" providerId="ADAL" clId="{BE53F20F-A7CD-4AE5-8856-A10ED0730ADD}" dt="2024-05-17T12:00:20.319" v="393" actId="207"/>
+          <ac:spMkLst>
+            <pc:docMk/>
+            <pc:sldMk cId="1190689538" sldId="2147482792"/>
+            <ac:spMk id="26" creationId="{41A9CEA2-626B-886B-B026-37E461DE753F}"/>
+          </ac:spMkLst>
+        </pc:spChg>
+        <pc:spChg chg="add mod">
+          <ac:chgData name="Timo Klimmer" userId="af015218-587a-437d-921a-de4e64daf7ee" providerId="ADAL" clId="{BE53F20F-A7CD-4AE5-8856-A10ED0730ADD}" dt="2024-05-17T12:00:20.319" v="393" actId="207"/>
+          <ac:spMkLst>
+            <pc:docMk/>
+            <pc:sldMk cId="1190689538" sldId="2147482792"/>
+            <ac:spMk id="27" creationId="{F17C8C30-5DE7-24D8-B225-B4DEC9ABCD59}"/>
+          </ac:spMkLst>
+        </pc:spChg>
+        <pc:spChg chg="add mod">
+          <ac:chgData name="Timo Klimmer" userId="af015218-587a-437d-921a-de4e64daf7ee" providerId="ADAL" clId="{BE53F20F-A7CD-4AE5-8856-A10ED0730ADD}" dt="2024-05-17T12:00:20.319" v="393" actId="207"/>
+          <ac:spMkLst>
+            <pc:docMk/>
+            <pc:sldMk cId="1190689538" sldId="2147482792"/>
+            <ac:spMk id="28" creationId="{D9B33AE8-7284-BA0E-5447-FFC48D29DE0D}"/>
+          </ac:spMkLst>
+        </pc:spChg>
+        <pc:spChg chg="add mod">
+          <ac:chgData name="Timo Klimmer" userId="af015218-587a-437d-921a-de4e64daf7ee" providerId="ADAL" clId="{BE53F20F-A7CD-4AE5-8856-A10ED0730ADD}" dt="2024-05-17T12:00:20.319" v="393" actId="207"/>
+          <ac:spMkLst>
+            <pc:docMk/>
+            <pc:sldMk cId="1190689538" sldId="2147482792"/>
+            <ac:spMk id="29" creationId="{5A95DEFA-A2A7-95EC-3FCC-0474F38CDF53}"/>
+          </ac:spMkLst>
+        </pc:spChg>
+        <pc:grpChg chg="add mod">
+          <ac:chgData name="Timo Klimmer" userId="af015218-587a-437d-921a-de4e64daf7ee" providerId="ADAL" clId="{BE53F20F-A7CD-4AE5-8856-A10ED0730ADD}" dt="2024-05-17T12:00:20.319" v="393" actId="207"/>
+          <ac:grpSpMkLst>
+            <pc:docMk/>
+            <pc:sldMk cId="1190689538" sldId="2147482792"/>
+            <ac:grpSpMk id="33" creationId="{94B2611D-A1D1-8F2A-B07C-B641B157AD62}"/>
+          </ac:grpSpMkLst>
+        </pc:grpChg>
+        <pc:cxnChg chg="add mod">
+          <ac:chgData name="Timo Klimmer" userId="af015218-587a-437d-921a-de4e64daf7ee" providerId="ADAL" clId="{BE53F20F-A7CD-4AE5-8856-A10ED0730ADD}" dt="2024-05-17T12:00:20.319" v="393" actId="207"/>
+          <ac:cxnSpMkLst>
+            <pc:docMk/>
+            <pc:sldMk cId="1190689538" sldId="2147482792"/>
+            <ac:cxnSpMk id="10" creationId="{68DCCDD2-25CE-96F2-F126-36D4D9BFE86A}"/>
+          </ac:cxnSpMkLst>
+        </pc:cxnChg>
+        <pc:cxnChg chg="add mod">
+          <ac:chgData name="Timo Klimmer" userId="af015218-587a-437d-921a-de4e64daf7ee" providerId="ADAL" clId="{BE53F20F-A7CD-4AE5-8856-A10ED0730ADD}" dt="2024-05-17T12:00:20.319" v="393" actId="207"/>
+          <ac:cxnSpMkLst>
+            <pc:docMk/>
+            <pc:sldMk cId="1190689538" sldId="2147482792"/>
+            <ac:cxnSpMk id="11" creationId="{B2B25BA9-63E9-C598-E6EE-08278433EC53}"/>
+          </ac:cxnSpMkLst>
+        </pc:cxnChg>
+        <pc:cxnChg chg="add mod">
+          <ac:chgData name="Timo Klimmer" userId="af015218-587a-437d-921a-de4e64daf7ee" providerId="ADAL" clId="{BE53F20F-A7CD-4AE5-8856-A10ED0730ADD}" dt="2024-05-17T12:00:20.319" v="393" actId="207"/>
+          <ac:cxnSpMkLst>
+            <pc:docMk/>
+            <pc:sldMk cId="1190689538" sldId="2147482792"/>
+            <ac:cxnSpMk id="13" creationId="{07EE3D33-E54B-65A3-ED40-95D0AB23749C}"/>
+          </ac:cxnSpMkLst>
+        </pc:cxnChg>
+        <pc:cxnChg chg="add mod">
+          <ac:chgData name="Timo Klimmer" userId="af015218-587a-437d-921a-de4e64daf7ee" providerId="ADAL" clId="{BE53F20F-A7CD-4AE5-8856-A10ED0730ADD}" dt="2024-05-17T12:00:20.319" v="393" actId="207"/>
+          <ac:cxnSpMkLst>
+            <pc:docMk/>
+            <pc:sldMk cId="1190689538" sldId="2147482792"/>
+            <ac:cxnSpMk id="14" creationId="{39C5FF2F-6682-D29E-BC4D-1FB09C014E92}"/>
           </ac:cxnSpMkLst>
         </pc:cxnChg>
       </pc:sldChg>
@@ -3668,7 +4454,7 @@
           <a:p>
             <a:fld id="{FA62422C-9AFB-4AD4-A8EF-CF5F4ACA2D0C}" type="datetimeFigureOut">
               <a:rPr lang="de-DE" smtClean="0"/>
-              <a:t>08.12.2023</a:t>
+              <a:t>17.05.2024</a:t>
             </a:fld>
             <a:endParaRPr lang="de-DE"/>
           </a:p>
@@ -3866,7 +4652,7 @@
           <a:p>
             <a:fld id="{FA62422C-9AFB-4AD4-A8EF-CF5F4ACA2D0C}" type="datetimeFigureOut">
               <a:rPr lang="de-DE" smtClean="0"/>
-              <a:t>08.12.2023</a:t>
+              <a:t>17.05.2024</a:t>
             </a:fld>
             <a:endParaRPr lang="de-DE"/>
           </a:p>
@@ -4074,7 +4860,7 @@
           <a:p>
             <a:fld id="{FA62422C-9AFB-4AD4-A8EF-CF5F4ACA2D0C}" type="datetimeFigureOut">
               <a:rPr lang="de-DE" smtClean="0"/>
-              <a:t>08.12.2023</a:t>
+              <a:t>17.05.2024</a:t>
             </a:fld>
             <a:endParaRPr lang="de-DE"/>
           </a:p>
@@ -4464,7 +5250,7 @@
           <a:p>
             <a:fld id="{FA62422C-9AFB-4AD4-A8EF-CF5F4ACA2D0C}" type="datetimeFigureOut">
               <a:rPr lang="de-DE" smtClean="0"/>
-              <a:t>08.12.2023</a:t>
+              <a:t>17.05.2024</a:t>
             </a:fld>
             <a:endParaRPr lang="de-DE"/>
           </a:p>
@@ -4739,7 +5525,7 @@
           <a:p>
             <a:fld id="{FA62422C-9AFB-4AD4-A8EF-CF5F4ACA2D0C}" type="datetimeFigureOut">
               <a:rPr lang="de-DE" smtClean="0"/>
-              <a:t>08.12.2023</a:t>
+              <a:t>17.05.2024</a:t>
             </a:fld>
             <a:endParaRPr lang="de-DE"/>
           </a:p>
@@ -5004,7 +5790,7 @@
           <a:p>
             <a:fld id="{FA62422C-9AFB-4AD4-A8EF-CF5F4ACA2D0C}" type="datetimeFigureOut">
               <a:rPr lang="de-DE" smtClean="0"/>
-              <a:t>08.12.2023</a:t>
+              <a:t>17.05.2024</a:t>
             </a:fld>
             <a:endParaRPr lang="de-DE"/>
           </a:p>
@@ -5416,7 +6202,7 @@
           <a:p>
             <a:fld id="{FA62422C-9AFB-4AD4-A8EF-CF5F4ACA2D0C}" type="datetimeFigureOut">
               <a:rPr lang="de-DE" smtClean="0"/>
-              <a:t>08.12.2023</a:t>
+              <a:t>17.05.2024</a:t>
             </a:fld>
             <a:endParaRPr lang="de-DE"/>
           </a:p>
@@ -5557,7 +6343,7 @@
           <a:p>
             <a:fld id="{FA62422C-9AFB-4AD4-A8EF-CF5F4ACA2D0C}" type="datetimeFigureOut">
               <a:rPr lang="de-DE" smtClean="0"/>
-              <a:t>08.12.2023</a:t>
+              <a:t>17.05.2024</a:t>
             </a:fld>
             <a:endParaRPr lang="de-DE"/>
           </a:p>
@@ -5670,7 +6456,7 @@
           <a:p>
             <a:fld id="{FA62422C-9AFB-4AD4-A8EF-CF5F4ACA2D0C}" type="datetimeFigureOut">
               <a:rPr lang="de-DE" smtClean="0"/>
-              <a:t>08.12.2023</a:t>
+              <a:t>17.05.2024</a:t>
             </a:fld>
             <a:endParaRPr lang="de-DE"/>
           </a:p>
@@ -5981,7 +6767,7 @@
           <a:p>
             <a:fld id="{FA62422C-9AFB-4AD4-A8EF-CF5F4ACA2D0C}" type="datetimeFigureOut">
               <a:rPr lang="de-DE" smtClean="0"/>
-              <a:t>08.12.2023</a:t>
+              <a:t>17.05.2024</a:t>
             </a:fld>
             <a:endParaRPr lang="de-DE"/>
           </a:p>
@@ -6269,7 +7055,7 @@
           <a:p>
             <a:fld id="{FA62422C-9AFB-4AD4-A8EF-CF5F4ACA2D0C}" type="datetimeFigureOut">
               <a:rPr lang="de-DE" smtClean="0"/>
-              <a:t>08.12.2023</a:t>
+              <a:t>17.05.2024</a:t>
             </a:fld>
             <a:endParaRPr lang="de-DE"/>
           </a:p>
@@ -6510,7 +7296,7 @@
           <a:p>
             <a:fld id="{FA62422C-9AFB-4AD4-A8EF-CF5F4ACA2D0C}" type="datetimeFigureOut">
               <a:rPr lang="de-DE" smtClean="0"/>
-              <a:t>08.12.2023</a:t>
+              <a:t>17.05.2024</a:t>
             </a:fld>
             <a:endParaRPr lang="de-DE"/>
           </a:p>
@@ -7029,10 +7815,10 @@
           </p:nvGrpSpPr>
           <p:grpSpPr>
             <a:xfrm>
-              <a:off x="640315" y="1248059"/>
-              <a:ext cx="1624034" cy="1342486"/>
-              <a:chOff x="637712" y="1290260"/>
-              <a:chExt cx="1624034" cy="1342486"/>
+              <a:off x="734830" y="1248059"/>
+              <a:ext cx="1435009" cy="1342486"/>
+              <a:chOff x="732227" y="1290260"/>
+              <a:chExt cx="1435009" cy="1342486"/>
             </a:xfrm>
           </p:grpSpPr>
           <p:sp>
@@ -7049,8 +7835,8 @@
             </p:nvSpPr>
             <p:spPr>
               <a:xfrm>
-                <a:off x="637712" y="2324969"/>
-                <a:ext cx="1624034" cy="307777"/>
+                <a:off x="732227" y="2324969"/>
+                <a:ext cx="1435009" cy="307777"/>
               </a:xfrm>
               <a:prstGeom prst="rect">
                 <a:avLst/>
@@ -7068,7 +7854,7 @@
                   <a:rPr lang="de-DE" sz="1400">
                     <a:latin typeface="+mj-lt"/>
                   </a:rPr>
-                  <a:t>Team or Use Case 1</a:t>
+                  <a:t>Team or Project 1</a:t>
                 </a:r>
               </a:p>
             </p:txBody>
@@ -7226,10 +8012,10 @@
           </p:nvGrpSpPr>
           <p:grpSpPr>
             <a:xfrm>
-              <a:off x="494441" y="3114370"/>
-              <a:ext cx="1769908" cy="1342486"/>
-              <a:chOff x="564776" y="1290260"/>
-              <a:chExt cx="1769908" cy="1342486"/>
+              <a:off x="588538" y="3114370"/>
+              <a:ext cx="1581716" cy="1342486"/>
+              <a:chOff x="658873" y="1290260"/>
+              <a:chExt cx="1581716" cy="1342486"/>
             </a:xfrm>
           </p:grpSpPr>
           <p:sp>
@@ -7246,8 +8032,8 @@
             </p:nvSpPr>
             <p:spPr>
               <a:xfrm>
-                <a:off x="564776" y="2324969"/>
-                <a:ext cx="1769908" cy="307777"/>
+                <a:off x="658873" y="2324969"/>
+                <a:ext cx="1581716" cy="307777"/>
               </a:xfrm>
               <a:prstGeom prst="rect">
                 <a:avLst/>
@@ -7265,7 +8051,7 @@
                   <a:rPr lang="de-DE" sz="1400">
                     <a:latin typeface="+mj-lt"/>
                   </a:rPr>
-                  <a:t>Team or Use Case [...]</a:t>
+                  <a:t>Team or Project [...]</a:t>
                 </a:r>
               </a:p>
             </p:txBody>
@@ -7423,10 +8209,10 @@
           </p:nvGrpSpPr>
           <p:grpSpPr>
             <a:xfrm>
-              <a:off x="643521" y="4980682"/>
-              <a:ext cx="1620828" cy="1342486"/>
-              <a:chOff x="639315" y="1290260"/>
-              <a:chExt cx="1620828" cy="1342486"/>
+              <a:off x="737618" y="4980682"/>
+              <a:ext cx="1432636" cy="1342486"/>
+              <a:chOff x="733412" y="1290260"/>
+              <a:chExt cx="1432636" cy="1342486"/>
             </a:xfrm>
           </p:grpSpPr>
           <p:sp>
@@ -7443,8 +8229,8 @@
             </p:nvSpPr>
             <p:spPr>
               <a:xfrm>
-                <a:off x="639315" y="2324969"/>
-                <a:ext cx="1620828" cy="307777"/>
+                <a:off x="733412" y="2324969"/>
+                <a:ext cx="1432636" cy="307777"/>
               </a:xfrm>
               <a:prstGeom prst="rect">
                 <a:avLst/>
@@ -7462,7 +8248,7 @@
                   <a:rPr lang="de-DE" sz="1400">
                     <a:latin typeface="+mj-lt"/>
                   </a:rPr>
-                  <a:t>Team or Use Case n</a:t>
+                  <a:t>Team or Project n</a:t>
                 </a:r>
               </a:p>
             </p:txBody>
@@ -7890,7 +8676,7 @@
                 <a:rPr lang="de-DE" sz="1200">
                   <a:latin typeface="+mj-lt"/>
                 </a:rPr>
-                <a:t>using team-specific PowerProxy key as Azure OpenAI key for authentication and identification of team/use case</a:t>
+                <a:t>using team-specific PowerProxy key as Azure OpenAI key for authentication and identification of team/project</a:t>
               </a:r>
             </a:p>
           </p:txBody>
@@ -8730,79 +9516,12 @@
           <a:chExt cx="0" cy="0"/>
         </a:xfrm>
       </p:grpSpPr>
-      <p:pic>
-        <p:nvPicPr>
-          <p:cNvPr id="13" name="Grafik 12">
+      <p:grpSp>
+        <p:nvGrpSpPr>
+          <p:cNvPr id="9" name="Gruppieren 8">
             <a:extLst>
               <a:ext uri="{FF2B5EF4-FFF2-40B4-BE49-F238E27FC236}">
-                <a16:creationId xmlns:a16="http://schemas.microsoft.com/office/drawing/2014/main" id="{9184E6DB-BFC3-700C-7B40-91CF75EF8EBC}"/>
-              </a:ext>
-            </a:extLst>
-          </p:cNvPr>
-          <p:cNvPicPr>
-            <a:picLocks noChangeAspect="1"/>
-          </p:cNvPicPr>
-          <p:nvPr/>
-        </p:nvPicPr>
-        <p:blipFill>
-          <a:blip r:embed="rId2"/>
-          <a:stretch>
-            <a:fillRect/>
-          </a:stretch>
-        </p:blipFill>
-        <p:spPr>
-          <a:xfrm>
-            <a:off x="4627276" y="1624674"/>
-            <a:ext cx="2598107" cy="1147312"/>
-          </a:xfrm>
-          <a:prstGeom prst="rect">
-            <a:avLst/>
-          </a:prstGeom>
-        </p:spPr>
-      </p:pic>
-      <p:sp>
-        <p:nvSpPr>
-          <p:cNvPr id="6" name="Textfeld 5">
-            <a:extLst>
-              <a:ext uri="{FF2B5EF4-FFF2-40B4-BE49-F238E27FC236}">
-                <a16:creationId xmlns:a16="http://schemas.microsoft.com/office/drawing/2014/main" id="{D0F0AB2C-0CA4-FC21-098B-765049C9E670}"/>
-              </a:ext>
-            </a:extLst>
-          </p:cNvPr>
-          <p:cNvSpPr txBox="1"/>
-          <p:nvPr/>
-        </p:nvSpPr>
-        <p:spPr>
-          <a:xfrm>
-            <a:off x="323557" y="370450"/>
-            <a:ext cx="4728859" cy="369332"/>
-          </a:xfrm>
-          <a:prstGeom prst="rect">
-            <a:avLst/>
-          </a:prstGeom>
-          <a:noFill/>
-        </p:spPr>
-        <p:txBody>
-          <a:bodyPr wrap="none" rtlCol="0">
-            <a:spAutoFit/>
-          </a:bodyPr>
-          <a:lstStyle/>
-          <a:p>
-            <a:r>
-              <a:rPr lang="de-DE">
-                <a:latin typeface="Aptos SemiBold" panose="020B0004020202020204" pitchFamily="34" charset="0"/>
-              </a:rPr>
-              <a:t>Usage with Azure AD/Entra ID Authentication</a:t>
-            </a:r>
-          </a:p>
-        </p:txBody>
-      </p:sp>
-      <p:grpSp>
-        <p:nvGrpSpPr>
-          <p:cNvPr id="2" name="Gruppieren 1">
-            <a:extLst>
-              <a:ext uri="{FF2B5EF4-FFF2-40B4-BE49-F238E27FC236}">
-                <a16:creationId xmlns:a16="http://schemas.microsoft.com/office/drawing/2014/main" id="{64013BA7-D4A4-34E5-9C4F-D2D53029A3BC}"/>
+                <a16:creationId xmlns:a16="http://schemas.microsoft.com/office/drawing/2014/main" id="{A8DB6AD1-9709-17D7-24C8-BE5FA6534797}"/>
               </a:ext>
             </a:extLst>
           </p:cNvPr>
@@ -8811,18 +9530,48 @@
         </p:nvGrpSpPr>
         <p:grpSpPr>
           <a:xfrm>
-            <a:off x="640315" y="1248059"/>
-            <a:ext cx="1624034" cy="1342486"/>
-            <a:chOff x="637712" y="1290260"/>
-            <a:chExt cx="1624034" cy="1342486"/>
+            <a:off x="323557" y="370450"/>
+            <a:ext cx="11233161" cy="5927325"/>
+            <a:chOff x="323557" y="370450"/>
+            <a:chExt cx="11233161" cy="5927325"/>
           </a:xfrm>
         </p:grpSpPr>
+        <p:pic>
+          <p:nvPicPr>
+            <p:cNvPr id="13" name="Grafik 12">
+              <a:extLst>
+                <a:ext uri="{FF2B5EF4-FFF2-40B4-BE49-F238E27FC236}">
+                  <a16:creationId xmlns:a16="http://schemas.microsoft.com/office/drawing/2014/main" id="{9184E6DB-BFC3-700C-7B40-91CF75EF8EBC}"/>
+                </a:ext>
+              </a:extLst>
+            </p:cNvPr>
+            <p:cNvPicPr>
+              <a:picLocks noChangeAspect="1"/>
+            </p:cNvPicPr>
+            <p:nvPr/>
+          </p:nvPicPr>
+          <p:blipFill>
+            <a:blip r:embed="rId2"/>
+            <a:stretch>
+              <a:fillRect/>
+            </a:stretch>
+          </p:blipFill>
+          <p:spPr>
+            <a:xfrm>
+              <a:off x="4627276" y="1624674"/>
+              <a:ext cx="2598107" cy="1147312"/>
+            </a:xfrm>
+            <a:prstGeom prst="rect">
+              <a:avLst/>
+            </a:prstGeom>
+          </p:spPr>
+        </p:pic>
         <p:sp>
           <p:nvSpPr>
-            <p:cNvPr id="3" name="Textfeld 2">
+            <p:cNvPr id="6" name="Textfeld 5">
               <a:extLst>
                 <a:ext uri="{FF2B5EF4-FFF2-40B4-BE49-F238E27FC236}">
-                  <a16:creationId xmlns:a16="http://schemas.microsoft.com/office/drawing/2014/main" id="{D413C2BB-B0A5-BF5A-F13F-299AF8BD8346}"/>
+                  <a16:creationId xmlns:a16="http://schemas.microsoft.com/office/drawing/2014/main" id="{D0F0AB2C-0CA4-FC21-098B-765049C9E670}"/>
                 </a:ext>
               </a:extLst>
             </p:cNvPr>
@@ -8831,8 +9580,469 @@
           </p:nvSpPr>
           <p:spPr>
             <a:xfrm>
-              <a:off x="637712" y="2324969"/>
-              <a:ext cx="1624034" cy="307777"/>
+              <a:off x="323557" y="370450"/>
+              <a:ext cx="4728859" cy="369332"/>
+            </a:xfrm>
+            <a:prstGeom prst="rect">
+              <a:avLst/>
+            </a:prstGeom>
+            <a:noFill/>
+          </p:spPr>
+          <p:txBody>
+            <a:bodyPr wrap="none" rtlCol="0">
+              <a:spAutoFit/>
+            </a:bodyPr>
+            <a:lstStyle/>
+            <a:p>
+              <a:r>
+                <a:rPr lang="de-DE">
+                  <a:latin typeface="Aptos SemiBold" panose="020B0004020202020204" pitchFamily="34" charset="0"/>
+                </a:rPr>
+                <a:t>Usage with Azure AD/Entra ID Authentication</a:t>
+              </a:r>
+            </a:p>
+          </p:txBody>
+        </p:sp>
+        <p:grpSp>
+          <p:nvGrpSpPr>
+            <p:cNvPr id="2" name="Gruppieren 1">
+              <a:extLst>
+                <a:ext uri="{FF2B5EF4-FFF2-40B4-BE49-F238E27FC236}">
+                  <a16:creationId xmlns:a16="http://schemas.microsoft.com/office/drawing/2014/main" id="{64013BA7-D4A4-34E5-9C4F-D2D53029A3BC}"/>
+                </a:ext>
+              </a:extLst>
+            </p:cNvPr>
+            <p:cNvGrpSpPr/>
+            <p:nvPr/>
+          </p:nvGrpSpPr>
+          <p:grpSpPr>
+            <a:xfrm>
+              <a:off x="734412" y="1248059"/>
+              <a:ext cx="1435842" cy="1342486"/>
+              <a:chOff x="731809" y="1290260"/>
+              <a:chExt cx="1435842" cy="1342486"/>
+            </a:xfrm>
+          </p:grpSpPr>
+          <p:sp>
+            <p:nvSpPr>
+              <p:cNvPr id="3" name="Textfeld 2">
+                <a:extLst>
+                  <a:ext uri="{FF2B5EF4-FFF2-40B4-BE49-F238E27FC236}">
+                    <a16:creationId xmlns:a16="http://schemas.microsoft.com/office/drawing/2014/main" id="{D413C2BB-B0A5-BF5A-F13F-299AF8BD8346}"/>
+                  </a:ext>
+                </a:extLst>
+              </p:cNvPr>
+              <p:cNvSpPr txBox="1"/>
+              <p:nvPr/>
+            </p:nvSpPr>
+            <p:spPr>
+              <a:xfrm>
+                <a:off x="731809" y="2324969"/>
+                <a:ext cx="1435842" cy="307777"/>
+              </a:xfrm>
+              <a:prstGeom prst="rect">
+                <a:avLst/>
+              </a:prstGeom>
+              <a:noFill/>
+            </p:spPr>
+            <p:txBody>
+              <a:bodyPr wrap="none" rtlCol="0">
+                <a:spAutoFit/>
+              </a:bodyPr>
+              <a:lstStyle/>
+              <a:p>
+                <a:pPr algn="ctr"/>
+                <a:r>
+                  <a:rPr lang="de-DE" sz="1400">
+                    <a:latin typeface="+mj-lt"/>
+                  </a:rPr>
+                  <a:t>Team or Project 1</a:t>
+                </a:r>
+              </a:p>
+            </p:txBody>
+          </p:sp>
+          <p:grpSp>
+            <p:nvGrpSpPr>
+              <p:cNvPr id="4" name="Gruppieren 3">
+                <a:extLst>
+                  <a:ext uri="{FF2B5EF4-FFF2-40B4-BE49-F238E27FC236}">
+                    <a16:creationId xmlns:a16="http://schemas.microsoft.com/office/drawing/2014/main" id="{0ABB5AA1-2D08-CE8F-6AC4-7FAD0BD201CA}"/>
+                  </a:ext>
+                </a:extLst>
+              </p:cNvPr>
+              <p:cNvGrpSpPr/>
+              <p:nvPr/>
+            </p:nvGrpSpPr>
+            <p:grpSpPr>
+              <a:xfrm>
+                <a:off x="955479" y="1290260"/>
+                <a:ext cx="988500" cy="958575"/>
+                <a:chOff x="4630454" y="2001311"/>
+                <a:chExt cx="988500" cy="958575"/>
+              </a:xfrm>
+            </p:grpSpPr>
+            <p:pic>
+              <p:nvPicPr>
+                <p:cNvPr id="5" name="Grafik 4">
+                  <a:extLst>
+                    <a:ext uri="{FF2B5EF4-FFF2-40B4-BE49-F238E27FC236}">
+                      <a16:creationId xmlns:a16="http://schemas.microsoft.com/office/drawing/2014/main" id="{690A9C30-CCB7-15A5-E07A-CCBC04FD1530}"/>
+                    </a:ext>
+                  </a:extLst>
+                </p:cNvPr>
+                <p:cNvPicPr>
+                  <a:picLocks noChangeAspect="1"/>
+                </p:cNvPicPr>
+                <p:nvPr/>
+              </p:nvPicPr>
+              <p:blipFill>
+                <a:blip r:embed="rId3">
+                  <a:extLst>
+                    <a:ext uri="{28A0092B-C50C-407E-A947-70E740481C1C}">
+                      <a14:useLocalDpi xmlns:a14="http://schemas.microsoft.com/office/drawing/2010/main" val="0"/>
+                    </a:ext>
+                    <a:ext uri="{96DAC541-7B7A-43D3-8B79-37D633B846F1}">
+                      <asvg:svgBlip xmlns:asvg="http://schemas.microsoft.com/office/drawing/2016/SVG/main" r:embed="rId4"/>
+                    </a:ext>
+                  </a:extLst>
+                </a:blip>
+                <a:stretch>
+                  <a:fillRect/>
+                </a:stretch>
+              </p:blipFill>
+              <p:spPr>
+                <a:xfrm>
+                  <a:off x="5186954" y="2095886"/>
+                  <a:ext cx="432000" cy="432000"/>
+                </a:xfrm>
+                <a:prstGeom prst="rect">
+                  <a:avLst/>
+                </a:prstGeom>
+              </p:spPr>
+            </p:pic>
+            <p:pic>
+              <p:nvPicPr>
+                <p:cNvPr id="7" name="Grafik 6">
+                  <a:extLst>
+                    <a:ext uri="{FF2B5EF4-FFF2-40B4-BE49-F238E27FC236}">
+                      <a16:creationId xmlns:a16="http://schemas.microsoft.com/office/drawing/2014/main" id="{3D5C8F3F-ABDC-9BFC-503E-5ACFD4580220}"/>
+                    </a:ext>
+                  </a:extLst>
+                </p:cNvPr>
+                <p:cNvPicPr>
+                  <a:picLocks noChangeAspect="1"/>
+                </p:cNvPicPr>
+                <p:nvPr/>
+              </p:nvPicPr>
+              <p:blipFill>
+                <a:blip r:embed="rId3">
+                  <a:extLst>
+                    <a:ext uri="{28A0092B-C50C-407E-A947-70E740481C1C}">
+                      <a14:useLocalDpi xmlns:a14="http://schemas.microsoft.com/office/drawing/2010/main" val="0"/>
+                    </a:ext>
+                    <a:ext uri="{96DAC541-7B7A-43D3-8B79-37D633B846F1}">
+                      <asvg:svgBlip xmlns:asvg="http://schemas.microsoft.com/office/drawing/2016/SVG/main" r:embed="rId4"/>
+                    </a:ext>
+                  </a:extLst>
+                </a:blip>
+                <a:stretch>
+                  <a:fillRect/>
+                </a:stretch>
+              </p:blipFill>
+              <p:spPr>
+                <a:xfrm>
+                  <a:off x="4767426" y="2527886"/>
+                  <a:ext cx="432000" cy="432000"/>
+                </a:xfrm>
+                <a:prstGeom prst="rect">
+                  <a:avLst/>
+                </a:prstGeom>
+              </p:spPr>
+            </p:pic>
+            <p:pic>
+              <p:nvPicPr>
+                <p:cNvPr id="8" name="Grafik 7">
+                  <a:extLst>
+                    <a:ext uri="{FF2B5EF4-FFF2-40B4-BE49-F238E27FC236}">
+                      <a16:creationId xmlns:a16="http://schemas.microsoft.com/office/drawing/2014/main" id="{812C2811-6539-FF42-E167-CF0AA67B83B6}"/>
+                    </a:ext>
+                  </a:extLst>
+                </p:cNvPr>
+                <p:cNvPicPr>
+                  <a:picLocks noChangeAspect="1"/>
+                </p:cNvPicPr>
+                <p:nvPr/>
+              </p:nvPicPr>
+              <p:blipFill>
+                <a:blip r:embed="rId3">
+                  <a:extLst>
+                    <a:ext uri="{28A0092B-C50C-407E-A947-70E740481C1C}">
+                      <a14:useLocalDpi xmlns:a14="http://schemas.microsoft.com/office/drawing/2010/main" val="0"/>
+                    </a:ext>
+                    <a:ext uri="{96DAC541-7B7A-43D3-8B79-37D633B846F1}">
+                      <asvg:svgBlip xmlns:asvg="http://schemas.microsoft.com/office/drawing/2016/SVG/main" r:embed="rId4"/>
+                    </a:ext>
+                  </a:extLst>
+                </a:blip>
+                <a:stretch>
+                  <a:fillRect/>
+                </a:stretch>
+              </p:blipFill>
+              <p:spPr>
+                <a:xfrm>
+                  <a:off x="4630454" y="2001311"/>
+                  <a:ext cx="432000" cy="432000"/>
+                </a:xfrm>
+                <a:prstGeom prst="rect">
+                  <a:avLst/>
+                </a:prstGeom>
+              </p:spPr>
+            </p:pic>
+          </p:grpSp>
+        </p:grpSp>
+        <p:grpSp>
+          <p:nvGrpSpPr>
+            <p:cNvPr id="15" name="Gruppieren 14">
+              <a:extLst>
+                <a:ext uri="{FF2B5EF4-FFF2-40B4-BE49-F238E27FC236}">
+                  <a16:creationId xmlns:a16="http://schemas.microsoft.com/office/drawing/2014/main" id="{5AC9B83D-CCDA-BBF3-82C1-27C71108705D}"/>
+                </a:ext>
+              </a:extLst>
+            </p:cNvPr>
+            <p:cNvGrpSpPr/>
+            <p:nvPr/>
+          </p:nvGrpSpPr>
+          <p:grpSpPr>
+            <a:xfrm>
+              <a:off x="648692" y="4267456"/>
+              <a:ext cx="1432636" cy="1342486"/>
+              <a:chOff x="733412" y="1290260"/>
+              <a:chExt cx="1432636" cy="1342486"/>
+            </a:xfrm>
+          </p:grpSpPr>
+          <p:sp>
+            <p:nvSpPr>
+              <p:cNvPr id="16" name="Textfeld 15">
+                <a:extLst>
+                  <a:ext uri="{FF2B5EF4-FFF2-40B4-BE49-F238E27FC236}">
+                    <a16:creationId xmlns:a16="http://schemas.microsoft.com/office/drawing/2014/main" id="{B970FAAF-7786-7C89-31FF-4E1F7F6725D7}"/>
+                  </a:ext>
+                </a:extLst>
+              </p:cNvPr>
+              <p:cNvSpPr txBox="1"/>
+              <p:nvPr/>
+            </p:nvSpPr>
+            <p:spPr>
+              <a:xfrm>
+                <a:off x="733412" y="2324969"/>
+                <a:ext cx="1432636" cy="307777"/>
+              </a:xfrm>
+              <a:prstGeom prst="rect">
+                <a:avLst/>
+              </a:prstGeom>
+              <a:noFill/>
+            </p:spPr>
+            <p:txBody>
+              <a:bodyPr wrap="none" rtlCol="0">
+                <a:spAutoFit/>
+              </a:bodyPr>
+              <a:lstStyle/>
+              <a:p>
+                <a:pPr algn="ctr"/>
+                <a:r>
+                  <a:rPr lang="de-DE" sz="1400">
+                    <a:latin typeface="+mj-lt"/>
+                  </a:rPr>
+                  <a:t>Team or Project n</a:t>
+                </a:r>
+              </a:p>
+            </p:txBody>
+          </p:sp>
+          <p:grpSp>
+            <p:nvGrpSpPr>
+              <p:cNvPr id="17" name="Gruppieren 16">
+                <a:extLst>
+                  <a:ext uri="{FF2B5EF4-FFF2-40B4-BE49-F238E27FC236}">
+                    <a16:creationId xmlns:a16="http://schemas.microsoft.com/office/drawing/2014/main" id="{AAA978D9-D1F1-4DE0-0606-02E61FAA85DB}"/>
+                  </a:ext>
+                </a:extLst>
+              </p:cNvPr>
+              <p:cNvGrpSpPr/>
+              <p:nvPr/>
+            </p:nvGrpSpPr>
+            <p:grpSpPr>
+              <a:xfrm>
+                <a:off x="955479" y="1290260"/>
+                <a:ext cx="988500" cy="958575"/>
+                <a:chOff x="4630454" y="2001311"/>
+                <a:chExt cx="988500" cy="958575"/>
+              </a:xfrm>
+            </p:grpSpPr>
+            <p:pic>
+              <p:nvPicPr>
+                <p:cNvPr id="18" name="Grafik 17">
+                  <a:extLst>
+                    <a:ext uri="{FF2B5EF4-FFF2-40B4-BE49-F238E27FC236}">
+                      <a16:creationId xmlns:a16="http://schemas.microsoft.com/office/drawing/2014/main" id="{CBA69341-7C4F-F188-C26A-65DA6A190F77}"/>
+                    </a:ext>
+                  </a:extLst>
+                </p:cNvPr>
+                <p:cNvPicPr>
+                  <a:picLocks noChangeAspect="1"/>
+                </p:cNvPicPr>
+                <p:nvPr/>
+              </p:nvPicPr>
+              <p:blipFill>
+                <a:blip r:embed="rId3">
+                  <a:extLst>
+                    <a:ext uri="{28A0092B-C50C-407E-A947-70E740481C1C}">
+                      <a14:useLocalDpi xmlns:a14="http://schemas.microsoft.com/office/drawing/2010/main" val="0"/>
+                    </a:ext>
+                    <a:ext uri="{96DAC541-7B7A-43D3-8B79-37D633B846F1}">
+                      <asvg:svgBlip xmlns:asvg="http://schemas.microsoft.com/office/drawing/2016/SVG/main" r:embed="rId4"/>
+                    </a:ext>
+                  </a:extLst>
+                </a:blip>
+                <a:stretch>
+                  <a:fillRect/>
+                </a:stretch>
+              </p:blipFill>
+              <p:spPr>
+                <a:xfrm>
+                  <a:off x="5186954" y="2095886"/>
+                  <a:ext cx="432000" cy="432000"/>
+                </a:xfrm>
+                <a:prstGeom prst="rect">
+                  <a:avLst/>
+                </a:prstGeom>
+              </p:spPr>
+            </p:pic>
+            <p:pic>
+              <p:nvPicPr>
+                <p:cNvPr id="19" name="Grafik 18">
+                  <a:extLst>
+                    <a:ext uri="{FF2B5EF4-FFF2-40B4-BE49-F238E27FC236}">
+                      <a16:creationId xmlns:a16="http://schemas.microsoft.com/office/drawing/2014/main" id="{CBB57227-AC50-3622-2A7C-BEC12D723BB8}"/>
+                    </a:ext>
+                  </a:extLst>
+                </p:cNvPr>
+                <p:cNvPicPr>
+                  <a:picLocks noChangeAspect="1"/>
+                </p:cNvPicPr>
+                <p:nvPr/>
+              </p:nvPicPr>
+              <p:blipFill>
+                <a:blip r:embed="rId3">
+                  <a:extLst>
+                    <a:ext uri="{28A0092B-C50C-407E-A947-70E740481C1C}">
+                      <a14:useLocalDpi xmlns:a14="http://schemas.microsoft.com/office/drawing/2010/main" val="0"/>
+                    </a:ext>
+                    <a:ext uri="{96DAC541-7B7A-43D3-8B79-37D633B846F1}">
+                      <asvg:svgBlip xmlns:asvg="http://schemas.microsoft.com/office/drawing/2016/SVG/main" r:embed="rId4"/>
+                    </a:ext>
+                  </a:extLst>
+                </a:blip>
+                <a:stretch>
+                  <a:fillRect/>
+                </a:stretch>
+              </p:blipFill>
+              <p:spPr>
+                <a:xfrm>
+                  <a:off x="4767426" y="2527886"/>
+                  <a:ext cx="432000" cy="432000"/>
+                </a:xfrm>
+                <a:prstGeom prst="rect">
+                  <a:avLst/>
+                </a:prstGeom>
+              </p:spPr>
+            </p:pic>
+            <p:pic>
+              <p:nvPicPr>
+                <p:cNvPr id="20" name="Grafik 19">
+                  <a:extLst>
+                    <a:ext uri="{FF2B5EF4-FFF2-40B4-BE49-F238E27FC236}">
+                      <a16:creationId xmlns:a16="http://schemas.microsoft.com/office/drawing/2014/main" id="{30A33E56-1969-0A7D-360C-33AE8F6F9B0A}"/>
+                    </a:ext>
+                  </a:extLst>
+                </p:cNvPr>
+                <p:cNvPicPr>
+                  <a:picLocks noChangeAspect="1"/>
+                </p:cNvPicPr>
+                <p:nvPr/>
+              </p:nvPicPr>
+              <p:blipFill>
+                <a:blip r:embed="rId3">
+                  <a:extLst>
+                    <a:ext uri="{28A0092B-C50C-407E-A947-70E740481C1C}">
+                      <a14:useLocalDpi xmlns:a14="http://schemas.microsoft.com/office/drawing/2010/main" val="0"/>
+                    </a:ext>
+                    <a:ext uri="{96DAC541-7B7A-43D3-8B79-37D633B846F1}">
+                      <asvg:svgBlip xmlns:asvg="http://schemas.microsoft.com/office/drawing/2016/SVG/main" r:embed="rId4"/>
+                    </a:ext>
+                  </a:extLst>
+                </a:blip>
+                <a:stretch>
+                  <a:fillRect/>
+                </a:stretch>
+              </p:blipFill>
+              <p:spPr>
+                <a:xfrm>
+                  <a:off x="4630454" y="2001311"/>
+                  <a:ext cx="432000" cy="432000"/>
+                </a:xfrm>
+                <a:prstGeom prst="rect">
+                  <a:avLst/>
+                </a:prstGeom>
+              </p:spPr>
+            </p:pic>
+          </p:grpSp>
+        </p:grpSp>
+        <p:pic>
+          <p:nvPicPr>
+            <p:cNvPr id="21" name="Grafik 20">
+              <a:extLst>
+                <a:ext uri="{FF2B5EF4-FFF2-40B4-BE49-F238E27FC236}">
+                  <a16:creationId xmlns:a16="http://schemas.microsoft.com/office/drawing/2014/main" id="{9121F93C-EF1E-FE36-3767-6AC1E55AB673}"/>
+                </a:ext>
+              </a:extLst>
+            </p:cNvPr>
+            <p:cNvPicPr>
+              <a:picLocks noChangeAspect="1"/>
+            </p:cNvPicPr>
+            <p:nvPr/>
+          </p:nvPicPr>
+          <p:blipFill>
+            <a:blip r:embed="rId5"/>
+            <a:stretch>
+              <a:fillRect/>
+            </a:stretch>
+          </p:blipFill>
+          <p:spPr>
+            <a:xfrm>
+              <a:off x="10252880" y="2793499"/>
+              <a:ext cx="854954" cy="870594"/>
+            </a:xfrm>
+            <a:prstGeom prst="rect">
+              <a:avLst/>
+            </a:prstGeom>
+          </p:spPr>
+        </p:pic>
+        <p:sp>
+          <p:nvSpPr>
+            <p:cNvPr id="22" name="Textfeld 21">
+              <a:extLst>
+                <a:ext uri="{FF2B5EF4-FFF2-40B4-BE49-F238E27FC236}">
+                  <a16:creationId xmlns:a16="http://schemas.microsoft.com/office/drawing/2014/main" id="{2BD86A33-79D9-FF97-B7C9-E7330A8BFB6B}"/>
+                </a:ext>
+              </a:extLst>
+            </p:cNvPr>
+            <p:cNvSpPr txBox="1"/>
+            <p:nvPr/>
+          </p:nvSpPr>
+          <p:spPr>
+            <a:xfrm>
+              <a:off x="9803995" y="3719676"/>
+              <a:ext cx="1752723" cy="307777"/>
             </a:xfrm>
             <a:prstGeom prst="rect">
               <a:avLst/>
@@ -8850,176 +10060,101 @@
                 <a:rPr lang="de-DE" sz="1400">
                   <a:latin typeface="+mj-lt"/>
                 </a:rPr>
-                <a:t>Team or Use Case 1</a:t>
+                <a:t>Azure OpenAI Service</a:t>
               </a:r>
             </a:p>
           </p:txBody>
         </p:sp>
-        <p:grpSp>
-          <p:nvGrpSpPr>
-            <p:cNvPr id="4" name="Gruppieren 3">
+        <p:cxnSp>
+          <p:nvCxnSpPr>
+            <p:cNvPr id="29" name="Gerade Verbindung mit Pfeil 28">
               <a:extLst>
                 <a:ext uri="{FF2B5EF4-FFF2-40B4-BE49-F238E27FC236}">
-                  <a16:creationId xmlns:a16="http://schemas.microsoft.com/office/drawing/2014/main" id="{0ABB5AA1-2D08-CE8F-6AC4-7FAD0BD201CA}"/>
+                  <a16:creationId xmlns:a16="http://schemas.microsoft.com/office/drawing/2014/main" id="{9BA1E133-7056-AF91-1F9E-D62C188CF577}"/>
                 </a:ext>
               </a:extLst>
             </p:cNvPr>
-            <p:cNvGrpSpPr/>
+            <p:cNvCxnSpPr>
+              <a:cxnSpLocks/>
+            </p:cNvCxnSpPr>
             <p:nvPr/>
-          </p:nvGrpSpPr>
-          <p:grpSpPr>
+          </p:nvCxnSpPr>
+          <p:spPr>
             <a:xfrm>
-              <a:off x="955479" y="1290260"/>
-              <a:ext cx="988500" cy="958575"/>
-              <a:chOff x="4630454" y="2001311"/>
-              <a:chExt cx="988500" cy="958575"/>
+              <a:off x="7029157" y="1917927"/>
+              <a:ext cx="3699803" cy="672618"/>
             </a:xfrm>
-          </p:grpSpPr>
-          <p:pic>
-            <p:nvPicPr>
-              <p:cNvPr id="5" name="Grafik 4">
-                <a:extLst>
-                  <a:ext uri="{FF2B5EF4-FFF2-40B4-BE49-F238E27FC236}">
-                    <a16:creationId xmlns:a16="http://schemas.microsoft.com/office/drawing/2014/main" id="{690A9C30-CCB7-15A5-E07A-CCBC04FD1530}"/>
-                  </a:ext>
-                </a:extLst>
-              </p:cNvPr>
-              <p:cNvPicPr>
-                <a:picLocks noChangeAspect="1"/>
-              </p:cNvPicPr>
-              <p:nvPr/>
-            </p:nvPicPr>
-            <p:blipFill>
-              <a:blip r:embed="rId3">
-                <a:extLst>
-                  <a:ext uri="{28A0092B-C50C-407E-A947-70E740481C1C}">
-                    <a14:useLocalDpi xmlns:a14="http://schemas.microsoft.com/office/drawing/2010/main" val="0"/>
-                  </a:ext>
-                  <a:ext uri="{96DAC541-7B7A-43D3-8B79-37D633B846F1}">
-                    <asvg:svgBlip xmlns:asvg="http://schemas.microsoft.com/office/drawing/2016/SVG/main" r:embed="rId4"/>
-                  </a:ext>
-                </a:extLst>
-              </a:blip>
-              <a:stretch>
-                <a:fillRect/>
-              </a:stretch>
-            </p:blipFill>
-            <p:spPr>
-              <a:xfrm>
-                <a:off x="5186954" y="2095886"/>
-                <a:ext cx="432000" cy="432000"/>
-              </a:xfrm>
-              <a:prstGeom prst="rect">
-                <a:avLst/>
-              </a:prstGeom>
-            </p:spPr>
-          </p:pic>
-          <p:pic>
-            <p:nvPicPr>
-              <p:cNvPr id="7" name="Grafik 6">
-                <a:extLst>
-                  <a:ext uri="{FF2B5EF4-FFF2-40B4-BE49-F238E27FC236}">
-                    <a16:creationId xmlns:a16="http://schemas.microsoft.com/office/drawing/2014/main" id="{3D5C8F3F-ABDC-9BFC-503E-5ACFD4580220}"/>
-                  </a:ext>
-                </a:extLst>
-              </p:cNvPr>
-              <p:cNvPicPr>
-                <a:picLocks noChangeAspect="1"/>
-              </p:cNvPicPr>
-              <p:nvPr/>
-            </p:nvPicPr>
-            <p:blipFill>
-              <a:blip r:embed="rId3">
-                <a:extLst>
-                  <a:ext uri="{28A0092B-C50C-407E-A947-70E740481C1C}">
-                    <a14:useLocalDpi xmlns:a14="http://schemas.microsoft.com/office/drawing/2010/main" val="0"/>
-                  </a:ext>
-                  <a:ext uri="{96DAC541-7B7A-43D3-8B79-37D633B846F1}">
-                    <asvg:svgBlip xmlns:asvg="http://schemas.microsoft.com/office/drawing/2016/SVG/main" r:embed="rId4"/>
-                  </a:ext>
-                </a:extLst>
-              </a:blip>
-              <a:stretch>
-                <a:fillRect/>
-              </a:stretch>
-            </p:blipFill>
-            <p:spPr>
-              <a:xfrm>
-                <a:off x="4767426" y="2527886"/>
-                <a:ext cx="432000" cy="432000"/>
-              </a:xfrm>
-              <a:prstGeom prst="rect">
-                <a:avLst/>
-              </a:prstGeom>
-            </p:spPr>
-          </p:pic>
-          <p:pic>
-            <p:nvPicPr>
-              <p:cNvPr id="8" name="Grafik 7">
-                <a:extLst>
-                  <a:ext uri="{FF2B5EF4-FFF2-40B4-BE49-F238E27FC236}">
-                    <a16:creationId xmlns:a16="http://schemas.microsoft.com/office/drawing/2014/main" id="{812C2811-6539-FF42-E167-CF0AA67B83B6}"/>
-                  </a:ext>
-                </a:extLst>
-              </p:cNvPr>
-              <p:cNvPicPr>
-                <a:picLocks noChangeAspect="1"/>
-              </p:cNvPicPr>
-              <p:nvPr/>
-            </p:nvPicPr>
-            <p:blipFill>
-              <a:blip r:embed="rId3">
-                <a:extLst>
-                  <a:ext uri="{28A0092B-C50C-407E-A947-70E740481C1C}">
-                    <a14:useLocalDpi xmlns:a14="http://schemas.microsoft.com/office/drawing/2010/main" val="0"/>
-                  </a:ext>
-                  <a:ext uri="{96DAC541-7B7A-43D3-8B79-37D633B846F1}">
-                    <asvg:svgBlip xmlns:asvg="http://schemas.microsoft.com/office/drawing/2016/SVG/main" r:embed="rId4"/>
-                  </a:ext>
-                </a:extLst>
-              </a:blip>
-              <a:stretch>
-                <a:fillRect/>
-              </a:stretch>
-            </p:blipFill>
-            <p:spPr>
-              <a:xfrm>
-                <a:off x="4630454" y="2001311"/>
-                <a:ext cx="432000" cy="432000"/>
-              </a:xfrm>
-              <a:prstGeom prst="rect">
-                <a:avLst/>
-              </a:prstGeom>
-            </p:spPr>
-          </p:pic>
-        </p:grpSp>
-      </p:grpSp>
-      <p:grpSp>
-        <p:nvGrpSpPr>
-          <p:cNvPr id="15" name="Gruppieren 14">
-            <a:extLst>
-              <a:ext uri="{FF2B5EF4-FFF2-40B4-BE49-F238E27FC236}">
-                <a16:creationId xmlns:a16="http://schemas.microsoft.com/office/drawing/2014/main" id="{5AC9B83D-CCDA-BBF3-82C1-27C71108705D}"/>
-              </a:ext>
-            </a:extLst>
-          </p:cNvPr>
-          <p:cNvGrpSpPr/>
-          <p:nvPr/>
-        </p:nvGrpSpPr>
-        <p:grpSpPr>
-          <a:xfrm>
-            <a:off x="554595" y="4267456"/>
-            <a:ext cx="1620828" cy="1342486"/>
-            <a:chOff x="639315" y="1290260"/>
-            <a:chExt cx="1620828" cy="1342486"/>
-          </a:xfrm>
-        </p:grpSpPr>
+            <a:prstGeom prst="bentConnector3">
+              <a:avLst>
+                <a:gd name="adj1" fmla="val 100063"/>
+              </a:avLst>
+            </a:prstGeom>
+            <a:ln>
+              <a:tailEnd type="triangle"/>
+            </a:ln>
+          </p:spPr>
+          <p:style>
+            <a:lnRef idx="2">
+              <a:schemeClr val="accent1"/>
+            </a:lnRef>
+            <a:fillRef idx="0">
+              <a:schemeClr val="accent1"/>
+            </a:fillRef>
+            <a:effectRef idx="1">
+              <a:schemeClr val="accent1"/>
+            </a:effectRef>
+            <a:fontRef idx="minor">
+              <a:schemeClr val="tx1"/>
+            </a:fontRef>
+          </p:style>
+        </p:cxnSp>
+        <p:cxnSp>
+          <p:nvCxnSpPr>
+            <p:cNvPr id="26" name="Gerade Verbindung mit Pfeil 107">
+              <a:extLst>
+                <a:ext uri="{FF2B5EF4-FFF2-40B4-BE49-F238E27FC236}">
+                  <a16:creationId xmlns:a16="http://schemas.microsoft.com/office/drawing/2014/main" id="{D1FE0702-F426-752B-C632-42D36268FA7B}"/>
+                </a:ext>
+              </a:extLst>
+            </p:cNvPr>
+            <p:cNvCxnSpPr>
+              <a:cxnSpLocks/>
+            </p:cNvCxnSpPr>
+            <p:nvPr/>
+          </p:nvCxnSpPr>
+          <p:spPr>
+            <a:xfrm>
+              <a:off x="2281785" y="1917927"/>
+              <a:ext cx="2598107" cy="0"/>
+            </a:xfrm>
+            <a:prstGeom prst="straightConnector1">
+              <a:avLst/>
+            </a:prstGeom>
+            <a:ln>
+              <a:tailEnd type="triangle"/>
+            </a:ln>
+          </p:spPr>
+          <p:style>
+            <a:lnRef idx="2">
+              <a:schemeClr val="accent1"/>
+            </a:lnRef>
+            <a:fillRef idx="0">
+              <a:schemeClr val="accent1"/>
+            </a:fillRef>
+            <a:effectRef idx="1">
+              <a:schemeClr val="accent1"/>
+            </a:effectRef>
+            <a:fontRef idx="minor">
+              <a:schemeClr val="tx1"/>
+            </a:fontRef>
+          </p:style>
+        </p:cxnSp>
         <p:sp>
           <p:nvSpPr>
-            <p:cNvPr id="16" name="Textfeld 15">
+            <p:cNvPr id="30" name="Textfeld 29">
               <a:extLst>
                 <a:ext uri="{FF2B5EF4-FFF2-40B4-BE49-F238E27FC236}">
-                  <a16:creationId xmlns:a16="http://schemas.microsoft.com/office/drawing/2014/main" id="{B970FAAF-7786-7C89-31FF-4E1F7F6725D7}"/>
+                  <a16:creationId xmlns:a16="http://schemas.microsoft.com/office/drawing/2014/main" id="{F7829661-014D-3770-059E-B3B633034DB6}"/>
                 </a:ext>
               </a:extLst>
             </p:cNvPr>
@@ -9028,8 +10163,8 @@
           </p:nvSpPr>
           <p:spPr>
             <a:xfrm>
-              <a:off x="639315" y="2324969"/>
-              <a:ext cx="1620828" cy="307777"/>
+              <a:off x="2721458" y="1449517"/>
+              <a:ext cx="2038287" cy="461665"/>
             </a:xfrm>
             <a:prstGeom prst="rect">
               <a:avLst/>
@@ -9037,1086 +10172,758 @@
             <a:noFill/>
           </p:spPr>
           <p:txBody>
-            <a:bodyPr wrap="none" rtlCol="0">
+            <a:bodyPr wrap="square" rtlCol="0">
               <a:spAutoFit/>
             </a:bodyPr>
             <a:lstStyle/>
             <a:p>
-              <a:pPr algn="ctr"/>
               <a:r>
-                <a:rPr lang="de-DE" sz="1400">
+                <a:rPr lang="de-DE" sz="1200">
                   <a:latin typeface="+mj-lt"/>
                 </a:rPr>
-                <a:t>Team or Use Case n</a:t>
+                <a:t>Token acquired from Azure AD</a:t>
+              </a:r>
+            </a:p>
+            <a:p>
+              <a:r>
+                <a:rPr lang="de-DE" sz="1200">
+                  <a:latin typeface="+mj-lt"/>
+                </a:rPr>
+                <a:t>for specific user</a:t>
               </a:r>
             </a:p>
           </p:txBody>
         </p:sp>
-        <p:grpSp>
-          <p:nvGrpSpPr>
-            <p:cNvPr id="17" name="Gruppieren 16">
+        <p:cxnSp>
+          <p:nvCxnSpPr>
+            <p:cNvPr id="65" name="Gerade Verbindung mit Pfeil 107">
               <a:extLst>
                 <a:ext uri="{FF2B5EF4-FFF2-40B4-BE49-F238E27FC236}">
-                  <a16:creationId xmlns:a16="http://schemas.microsoft.com/office/drawing/2014/main" id="{AAA978D9-D1F1-4DE0-0606-02E61FAA85DB}"/>
+                  <a16:creationId xmlns:a16="http://schemas.microsoft.com/office/drawing/2014/main" id="{F0F87617-62D7-3BBA-7BB4-74AACB8A4C0D}"/>
                 </a:ext>
               </a:extLst>
             </p:cNvPr>
-            <p:cNvGrpSpPr/>
+            <p:cNvCxnSpPr>
+              <a:cxnSpLocks/>
+            </p:cNvCxnSpPr>
             <p:nvPr/>
-          </p:nvGrpSpPr>
-          <p:grpSpPr>
+          </p:nvCxnSpPr>
+          <p:spPr>
             <a:xfrm>
-              <a:off x="955479" y="1290260"/>
-              <a:ext cx="988500" cy="958575"/>
-              <a:chOff x="4630454" y="2001311"/>
-              <a:chExt cx="988500" cy="958575"/>
+              <a:off x="2358134" y="4954426"/>
+              <a:ext cx="2598107" cy="0"/>
             </a:xfrm>
-          </p:grpSpPr>
-          <p:pic>
-            <p:nvPicPr>
-              <p:cNvPr id="18" name="Grafik 17">
-                <a:extLst>
-                  <a:ext uri="{FF2B5EF4-FFF2-40B4-BE49-F238E27FC236}">
-                    <a16:creationId xmlns:a16="http://schemas.microsoft.com/office/drawing/2014/main" id="{CBA69341-7C4F-F188-C26A-65DA6A190F77}"/>
-                  </a:ext>
-                </a:extLst>
-              </p:cNvPr>
-              <p:cNvPicPr>
-                <a:picLocks noChangeAspect="1"/>
-              </p:cNvPicPr>
-              <p:nvPr/>
-            </p:nvPicPr>
-            <p:blipFill>
-              <a:blip r:embed="rId3">
-                <a:extLst>
-                  <a:ext uri="{28A0092B-C50C-407E-A947-70E740481C1C}">
-                    <a14:useLocalDpi xmlns:a14="http://schemas.microsoft.com/office/drawing/2010/main" val="0"/>
-                  </a:ext>
-                  <a:ext uri="{96DAC541-7B7A-43D3-8B79-37D633B846F1}">
-                    <asvg:svgBlip xmlns:asvg="http://schemas.microsoft.com/office/drawing/2016/SVG/main" r:embed="rId4"/>
-                  </a:ext>
-                </a:extLst>
-              </a:blip>
-              <a:stretch>
-                <a:fillRect/>
-              </a:stretch>
-            </p:blipFill>
-            <p:spPr>
-              <a:xfrm>
-                <a:off x="5186954" y="2095886"/>
-                <a:ext cx="432000" cy="432000"/>
-              </a:xfrm>
-              <a:prstGeom prst="rect">
-                <a:avLst/>
-              </a:prstGeom>
-            </p:spPr>
-          </p:pic>
-          <p:pic>
-            <p:nvPicPr>
-              <p:cNvPr id="19" name="Grafik 18">
-                <a:extLst>
-                  <a:ext uri="{FF2B5EF4-FFF2-40B4-BE49-F238E27FC236}">
-                    <a16:creationId xmlns:a16="http://schemas.microsoft.com/office/drawing/2014/main" id="{CBB57227-AC50-3622-2A7C-BEC12D723BB8}"/>
-                  </a:ext>
-                </a:extLst>
-              </p:cNvPr>
-              <p:cNvPicPr>
-                <a:picLocks noChangeAspect="1"/>
-              </p:cNvPicPr>
-              <p:nvPr/>
-            </p:nvPicPr>
-            <p:blipFill>
-              <a:blip r:embed="rId3">
-                <a:extLst>
-                  <a:ext uri="{28A0092B-C50C-407E-A947-70E740481C1C}">
-                    <a14:useLocalDpi xmlns:a14="http://schemas.microsoft.com/office/drawing/2010/main" val="0"/>
-                  </a:ext>
-                  <a:ext uri="{96DAC541-7B7A-43D3-8B79-37D633B846F1}">
-                    <asvg:svgBlip xmlns:asvg="http://schemas.microsoft.com/office/drawing/2016/SVG/main" r:embed="rId4"/>
-                  </a:ext>
-                </a:extLst>
-              </a:blip>
-              <a:stretch>
-                <a:fillRect/>
-              </a:stretch>
-            </p:blipFill>
-            <p:spPr>
-              <a:xfrm>
-                <a:off x="4767426" y="2527886"/>
-                <a:ext cx="432000" cy="432000"/>
-              </a:xfrm>
-              <a:prstGeom prst="rect">
-                <a:avLst/>
-              </a:prstGeom>
-            </p:spPr>
-          </p:pic>
-          <p:pic>
-            <p:nvPicPr>
-              <p:cNvPr id="20" name="Grafik 19">
-                <a:extLst>
-                  <a:ext uri="{FF2B5EF4-FFF2-40B4-BE49-F238E27FC236}">
-                    <a16:creationId xmlns:a16="http://schemas.microsoft.com/office/drawing/2014/main" id="{30A33E56-1969-0A7D-360C-33AE8F6F9B0A}"/>
-                  </a:ext>
-                </a:extLst>
-              </p:cNvPr>
-              <p:cNvPicPr>
-                <a:picLocks noChangeAspect="1"/>
-              </p:cNvPicPr>
-              <p:nvPr/>
-            </p:nvPicPr>
-            <p:blipFill>
-              <a:blip r:embed="rId3">
-                <a:extLst>
-                  <a:ext uri="{28A0092B-C50C-407E-A947-70E740481C1C}">
-                    <a14:useLocalDpi xmlns:a14="http://schemas.microsoft.com/office/drawing/2010/main" val="0"/>
-                  </a:ext>
-                  <a:ext uri="{96DAC541-7B7A-43D3-8B79-37D633B846F1}">
-                    <asvg:svgBlip xmlns:asvg="http://schemas.microsoft.com/office/drawing/2016/SVG/main" r:embed="rId4"/>
-                  </a:ext>
-                </a:extLst>
-              </a:blip>
-              <a:stretch>
-                <a:fillRect/>
-              </a:stretch>
-            </p:blipFill>
-            <p:spPr>
-              <a:xfrm>
-                <a:off x="4630454" y="2001311"/>
-                <a:ext cx="432000" cy="432000"/>
-              </a:xfrm>
-              <a:prstGeom prst="rect">
-                <a:avLst/>
-              </a:prstGeom>
-            </p:spPr>
-          </p:pic>
-        </p:grpSp>
+            <a:prstGeom prst="straightConnector1">
+              <a:avLst/>
+            </a:prstGeom>
+            <a:ln>
+              <a:tailEnd type="triangle"/>
+            </a:ln>
+          </p:spPr>
+          <p:style>
+            <a:lnRef idx="2">
+              <a:schemeClr val="accent1"/>
+            </a:lnRef>
+            <a:fillRef idx="0">
+              <a:schemeClr val="accent1"/>
+            </a:fillRef>
+            <a:effectRef idx="1">
+              <a:schemeClr val="accent1"/>
+            </a:effectRef>
+            <a:fontRef idx="minor">
+              <a:schemeClr val="tx1"/>
+            </a:fontRef>
+          </p:style>
+        </p:cxnSp>
+        <p:sp>
+          <p:nvSpPr>
+            <p:cNvPr id="67" name="Textfeld 66">
+              <a:extLst>
+                <a:ext uri="{FF2B5EF4-FFF2-40B4-BE49-F238E27FC236}">
+                  <a16:creationId xmlns:a16="http://schemas.microsoft.com/office/drawing/2014/main" id="{BD1B96C6-F882-E091-899A-72732ABDA8BB}"/>
+                </a:ext>
+              </a:extLst>
+            </p:cNvPr>
+            <p:cNvSpPr txBox="1"/>
+            <p:nvPr/>
+          </p:nvSpPr>
+          <p:spPr>
+            <a:xfrm>
+              <a:off x="2797807" y="4465344"/>
+              <a:ext cx="2038287" cy="461665"/>
+            </a:xfrm>
+            <a:prstGeom prst="rect">
+              <a:avLst/>
+            </a:prstGeom>
+            <a:noFill/>
+          </p:spPr>
+          <p:txBody>
+            <a:bodyPr wrap="square" rtlCol="0">
+              <a:spAutoFit/>
+            </a:bodyPr>
+            <a:lstStyle/>
+            <a:p>
+              <a:r>
+                <a:rPr lang="de-DE" sz="1200">
+                  <a:latin typeface="+mj-lt"/>
+                </a:rPr>
+                <a:t>Token acquired from Azure AD</a:t>
+              </a:r>
+            </a:p>
+            <a:p>
+              <a:r>
+                <a:rPr lang="de-DE" sz="1200">
+                  <a:latin typeface="+mj-lt"/>
+                </a:rPr>
+                <a:t>for specific user</a:t>
+              </a:r>
+            </a:p>
+          </p:txBody>
+        </p:sp>
+        <p:cxnSp>
+          <p:nvCxnSpPr>
+            <p:cNvPr id="33" name="Gerade Verbindung mit Pfeil 123">
+              <a:extLst>
+                <a:ext uri="{FF2B5EF4-FFF2-40B4-BE49-F238E27FC236}">
+                  <a16:creationId xmlns:a16="http://schemas.microsoft.com/office/drawing/2014/main" id="{DF158F97-44FC-3319-761E-7000FB9A4E01}"/>
+                </a:ext>
+              </a:extLst>
+            </p:cNvPr>
+            <p:cNvCxnSpPr>
+              <a:cxnSpLocks/>
+              <a:endCxn id="71" idx="1"/>
+            </p:cNvCxnSpPr>
+            <p:nvPr/>
+          </p:nvCxnSpPr>
+          <p:spPr>
+            <a:xfrm>
+              <a:off x="5932500" y="2801260"/>
+              <a:ext cx="369090" cy="240211"/>
+            </a:xfrm>
+            <a:prstGeom prst="bentConnector3">
+              <a:avLst>
+                <a:gd name="adj1" fmla="val -2090"/>
+              </a:avLst>
+            </a:prstGeom>
+            <a:ln>
+              <a:prstDash val="sysDash"/>
+              <a:tailEnd type="triangle"/>
+            </a:ln>
+          </p:spPr>
+          <p:style>
+            <a:lnRef idx="2">
+              <a:schemeClr val="accent1"/>
+            </a:lnRef>
+            <a:fillRef idx="0">
+              <a:schemeClr val="accent1"/>
+            </a:fillRef>
+            <a:effectRef idx="1">
+              <a:schemeClr val="accent1"/>
+            </a:effectRef>
+            <a:fontRef idx="minor">
+              <a:schemeClr val="tx1"/>
+            </a:fontRef>
+          </p:style>
+        </p:cxnSp>
+        <p:sp>
+          <p:nvSpPr>
+            <p:cNvPr id="71" name="Textfeld 70">
+              <a:extLst>
+                <a:ext uri="{FF2B5EF4-FFF2-40B4-BE49-F238E27FC236}">
+                  <a16:creationId xmlns:a16="http://schemas.microsoft.com/office/drawing/2014/main" id="{90AB1181-68C1-FA8C-F5C2-69F7C1815160}"/>
+                </a:ext>
+              </a:extLst>
+            </p:cNvPr>
+            <p:cNvSpPr txBox="1"/>
+            <p:nvPr/>
+          </p:nvSpPr>
+          <p:spPr>
+            <a:xfrm>
+              <a:off x="6301590" y="2810638"/>
+              <a:ext cx="3502405" cy="461665"/>
+            </a:xfrm>
+            <a:prstGeom prst="rect">
+              <a:avLst/>
+            </a:prstGeom>
+            <a:noFill/>
+          </p:spPr>
+          <p:txBody>
+            <a:bodyPr wrap="square" rtlCol="0">
+              <a:spAutoFit/>
+            </a:bodyPr>
+            <a:lstStyle>
+              <a:defPPr>
+                <a:defRPr lang="de-DE"/>
+              </a:defPPr>
+              <a:lvl1pPr>
+                <a:defRPr sz="1100">
+                  <a:latin typeface="+mj-lt"/>
+                </a:defRPr>
+              </a:lvl1pPr>
+            </a:lstStyle>
+            <a:p>
+              <a:r>
+                <a:rPr lang="de-DE" sz="1200" i="1"/>
+                <a:t>team/project is fixed per proxy instance</a:t>
+              </a:r>
+            </a:p>
+            <a:p>
+              <a:r>
+                <a:rPr lang="de-DE" sz="1200" i="1"/>
+                <a:t>traffic processed by plugins, eg. to log to Log Analytics</a:t>
+              </a:r>
+            </a:p>
+          </p:txBody>
+        </p:sp>
+        <p:cxnSp>
+          <p:nvCxnSpPr>
+            <p:cNvPr id="98" name="Gerade Verbindung mit Pfeil 28">
+              <a:extLst>
+                <a:ext uri="{FF2B5EF4-FFF2-40B4-BE49-F238E27FC236}">
+                  <a16:creationId xmlns:a16="http://schemas.microsoft.com/office/drawing/2014/main" id="{BE1BE89A-B15C-8051-5CA7-623C08E1C361}"/>
+                </a:ext>
+              </a:extLst>
+            </p:cNvPr>
+            <p:cNvCxnSpPr>
+              <a:cxnSpLocks/>
+            </p:cNvCxnSpPr>
+            <p:nvPr/>
+          </p:nvCxnSpPr>
+          <p:spPr>
+            <a:xfrm flipV="1">
+              <a:off x="6930683" y="4159348"/>
+              <a:ext cx="3737317" cy="795078"/>
+            </a:xfrm>
+            <a:prstGeom prst="bentConnector3">
+              <a:avLst>
+                <a:gd name="adj1" fmla="val 100063"/>
+              </a:avLst>
+            </a:prstGeom>
+            <a:ln>
+              <a:tailEnd type="triangle"/>
+            </a:ln>
+          </p:spPr>
+          <p:style>
+            <a:lnRef idx="2">
+              <a:schemeClr val="accent1"/>
+            </a:lnRef>
+            <a:fillRef idx="0">
+              <a:schemeClr val="accent1"/>
+            </a:fillRef>
+            <a:effectRef idx="1">
+              <a:schemeClr val="accent1"/>
+            </a:effectRef>
+            <a:fontRef idx="minor">
+              <a:schemeClr val="tx1"/>
+            </a:fontRef>
+          </p:style>
+        </p:cxnSp>
+        <p:sp>
+          <p:nvSpPr>
+            <p:cNvPr id="119" name="Textfeld 118">
+              <a:extLst>
+                <a:ext uri="{FF2B5EF4-FFF2-40B4-BE49-F238E27FC236}">
+                  <a16:creationId xmlns:a16="http://schemas.microsoft.com/office/drawing/2014/main" id="{38DAB1F8-F100-8AC6-F817-CE9B1402A7FE}"/>
+                </a:ext>
+              </a:extLst>
+            </p:cNvPr>
+            <p:cNvSpPr txBox="1"/>
+            <p:nvPr/>
+          </p:nvSpPr>
+          <p:spPr>
+            <a:xfrm>
+              <a:off x="7961859" y="4452660"/>
+              <a:ext cx="2038287" cy="461665"/>
+            </a:xfrm>
+            <a:prstGeom prst="rect">
+              <a:avLst/>
+            </a:prstGeom>
+            <a:noFill/>
+          </p:spPr>
+          <p:txBody>
+            <a:bodyPr wrap="square" rtlCol="0">
+              <a:spAutoFit/>
+            </a:bodyPr>
+            <a:lstStyle/>
+            <a:p>
+              <a:r>
+                <a:rPr lang="de-DE" sz="1200">
+                  <a:latin typeface="+mj-lt"/>
+                </a:rPr>
+                <a:t>Token acquired from Azure AD</a:t>
+              </a:r>
+            </a:p>
+            <a:p>
+              <a:r>
+                <a:rPr lang="de-DE" sz="1200">
+                  <a:latin typeface="+mj-lt"/>
+                </a:rPr>
+                <a:t>for specific user</a:t>
+              </a:r>
+            </a:p>
+          </p:txBody>
+        </p:sp>
+        <p:sp>
+          <p:nvSpPr>
+            <p:cNvPr id="11" name="Textfeld 10">
+              <a:extLst>
+                <a:ext uri="{FF2B5EF4-FFF2-40B4-BE49-F238E27FC236}">
+                  <a16:creationId xmlns:a16="http://schemas.microsoft.com/office/drawing/2014/main" id="{8EABE0BB-F054-F528-C600-04C9E23615AC}"/>
+                </a:ext>
+              </a:extLst>
+            </p:cNvPr>
+            <p:cNvSpPr txBox="1"/>
+            <p:nvPr/>
+          </p:nvSpPr>
+          <p:spPr>
+            <a:xfrm>
+              <a:off x="8041577" y="1464059"/>
+              <a:ext cx="2038287" cy="461665"/>
+            </a:xfrm>
+            <a:prstGeom prst="rect">
+              <a:avLst/>
+            </a:prstGeom>
+            <a:noFill/>
+          </p:spPr>
+          <p:txBody>
+            <a:bodyPr wrap="square" rtlCol="0">
+              <a:spAutoFit/>
+            </a:bodyPr>
+            <a:lstStyle/>
+            <a:p>
+              <a:r>
+                <a:rPr lang="de-DE" sz="1200">
+                  <a:latin typeface="+mj-lt"/>
+                </a:rPr>
+                <a:t>Token acquired from Azure AD</a:t>
+              </a:r>
+            </a:p>
+            <a:p>
+              <a:r>
+                <a:rPr lang="de-DE" sz="1200">
+                  <a:latin typeface="+mj-lt"/>
+                </a:rPr>
+                <a:t>for specific user</a:t>
+              </a:r>
+            </a:p>
+          </p:txBody>
+        </p:sp>
+        <p:pic>
+          <p:nvPicPr>
+            <p:cNvPr id="27" name="Grafik 26">
+              <a:extLst>
+                <a:ext uri="{FF2B5EF4-FFF2-40B4-BE49-F238E27FC236}">
+                  <a16:creationId xmlns:a16="http://schemas.microsoft.com/office/drawing/2014/main" id="{863C0DC7-9529-A39A-5B7C-4C9C969C5A4A}"/>
+                </a:ext>
+              </a:extLst>
+            </p:cNvPr>
+            <p:cNvPicPr>
+              <a:picLocks noChangeAspect="1"/>
+            </p:cNvPicPr>
+            <p:nvPr/>
+          </p:nvPicPr>
+          <p:blipFill>
+            <a:blip r:embed="rId2"/>
+            <a:stretch>
+              <a:fillRect/>
+            </a:stretch>
+          </p:blipFill>
+          <p:spPr>
+            <a:xfrm>
+              <a:off x="4637654" y="4650146"/>
+              <a:ext cx="2598107" cy="1147312"/>
+            </a:xfrm>
+            <a:prstGeom prst="rect">
+              <a:avLst/>
+            </a:prstGeom>
+          </p:spPr>
+        </p:pic>
+        <p:cxnSp>
+          <p:nvCxnSpPr>
+            <p:cNvPr id="28" name="Gerade Verbindung mit Pfeil 123">
+              <a:extLst>
+                <a:ext uri="{FF2B5EF4-FFF2-40B4-BE49-F238E27FC236}">
+                  <a16:creationId xmlns:a16="http://schemas.microsoft.com/office/drawing/2014/main" id="{BCD9F6AA-7D12-429C-0780-BFEE1BC09E2B}"/>
+                </a:ext>
+              </a:extLst>
+            </p:cNvPr>
+            <p:cNvCxnSpPr>
+              <a:cxnSpLocks/>
+              <a:endCxn id="31" idx="1"/>
+            </p:cNvCxnSpPr>
+            <p:nvPr/>
+          </p:nvCxnSpPr>
+          <p:spPr>
+            <a:xfrm>
+              <a:off x="5942878" y="5826732"/>
+              <a:ext cx="369090" cy="240211"/>
+            </a:xfrm>
+            <a:prstGeom prst="bentConnector3">
+              <a:avLst>
+                <a:gd name="adj1" fmla="val 1722"/>
+              </a:avLst>
+            </a:prstGeom>
+            <a:ln>
+              <a:prstDash val="sysDash"/>
+              <a:tailEnd type="triangle"/>
+            </a:ln>
+          </p:spPr>
+          <p:style>
+            <a:lnRef idx="2">
+              <a:schemeClr val="accent1"/>
+            </a:lnRef>
+            <a:fillRef idx="0">
+              <a:schemeClr val="accent1"/>
+            </a:fillRef>
+            <a:effectRef idx="1">
+              <a:schemeClr val="accent1"/>
+            </a:effectRef>
+            <a:fontRef idx="minor">
+              <a:schemeClr val="tx1"/>
+            </a:fontRef>
+          </p:style>
+        </p:cxnSp>
+        <p:sp>
+          <p:nvSpPr>
+            <p:cNvPr id="31" name="Textfeld 30">
+              <a:extLst>
+                <a:ext uri="{FF2B5EF4-FFF2-40B4-BE49-F238E27FC236}">
+                  <a16:creationId xmlns:a16="http://schemas.microsoft.com/office/drawing/2014/main" id="{A0CF102F-2DA5-4567-8893-12D3ADBD673E}"/>
+                </a:ext>
+              </a:extLst>
+            </p:cNvPr>
+            <p:cNvSpPr txBox="1"/>
+            <p:nvPr/>
+          </p:nvSpPr>
+          <p:spPr>
+            <a:xfrm>
+              <a:off x="6311968" y="5836110"/>
+              <a:ext cx="3688178" cy="461665"/>
+            </a:xfrm>
+            <a:prstGeom prst="rect">
+              <a:avLst/>
+            </a:prstGeom>
+            <a:noFill/>
+          </p:spPr>
+          <p:txBody>
+            <a:bodyPr wrap="square" rtlCol="0">
+              <a:spAutoFit/>
+            </a:bodyPr>
+            <a:lstStyle>
+              <a:defPPr>
+                <a:defRPr lang="de-DE"/>
+              </a:defPPr>
+              <a:lvl1pPr>
+                <a:defRPr sz="1100">
+                  <a:latin typeface="+mj-lt"/>
+                </a:defRPr>
+              </a:lvl1pPr>
+            </a:lstStyle>
+            <a:p>
+              <a:r>
+                <a:rPr lang="de-DE" sz="1200" i="1"/>
+                <a:t>team/project is fixed per proxy instance</a:t>
+              </a:r>
+            </a:p>
+            <a:p>
+              <a:r>
+                <a:rPr lang="de-DE" sz="1200" i="1"/>
+                <a:t>traffic processed by plugins, eg. to log to Log Analytics</a:t>
+              </a:r>
+            </a:p>
+          </p:txBody>
+        </p:sp>
+        <p:sp>
+          <p:nvSpPr>
+            <p:cNvPr id="23" name="Textfeld 22">
+              <a:extLst>
+                <a:ext uri="{FF2B5EF4-FFF2-40B4-BE49-F238E27FC236}">
+                  <a16:creationId xmlns:a16="http://schemas.microsoft.com/office/drawing/2014/main" id="{1012F46F-DF04-0E4A-8B9F-C102E3BC18E5}"/>
+                </a:ext>
+              </a:extLst>
+            </p:cNvPr>
+            <p:cNvSpPr txBox="1"/>
+            <p:nvPr/>
+          </p:nvSpPr>
+          <p:spPr>
+            <a:xfrm>
+              <a:off x="2392969" y="1968915"/>
+              <a:ext cx="2375737" cy="276999"/>
+            </a:xfrm>
+            <a:prstGeom prst="rect">
+              <a:avLst/>
+            </a:prstGeom>
+            <a:noFill/>
+          </p:spPr>
+          <p:txBody>
+            <a:bodyPr wrap="square" rtlCol="0">
+              <a:spAutoFit/>
+            </a:bodyPr>
+            <a:lstStyle/>
+            <a:p>
+              <a:r>
+                <a:rPr lang="de-DE" sz="1200">
+                  <a:latin typeface="+mj-lt"/>
+                </a:rPr>
+                <a:t>URL is specific for team/project 1</a:t>
+              </a:r>
+            </a:p>
+          </p:txBody>
+        </p:sp>
+        <p:sp>
+          <p:nvSpPr>
+            <p:cNvPr id="24" name="Textfeld 23">
+              <a:extLst>
+                <a:ext uri="{FF2B5EF4-FFF2-40B4-BE49-F238E27FC236}">
+                  <a16:creationId xmlns:a16="http://schemas.microsoft.com/office/drawing/2014/main" id="{000FFFA5-0B3F-35BE-81EA-41832AF09117}"/>
+                </a:ext>
+              </a:extLst>
+            </p:cNvPr>
+            <p:cNvSpPr txBox="1"/>
+            <p:nvPr/>
+          </p:nvSpPr>
+          <p:spPr>
+            <a:xfrm>
+              <a:off x="2469318" y="4987682"/>
+              <a:ext cx="2375737" cy="276999"/>
+            </a:xfrm>
+            <a:prstGeom prst="rect">
+              <a:avLst/>
+            </a:prstGeom>
+            <a:noFill/>
+          </p:spPr>
+          <p:txBody>
+            <a:bodyPr wrap="square" rtlCol="0">
+              <a:spAutoFit/>
+            </a:bodyPr>
+            <a:lstStyle/>
+            <a:p>
+              <a:r>
+                <a:rPr lang="de-DE" sz="1200">
+                  <a:latin typeface="+mj-lt"/>
+                </a:rPr>
+                <a:t>URL is specific for team/project 2</a:t>
+              </a:r>
+            </a:p>
+          </p:txBody>
+        </p:sp>
+        <p:sp>
+          <p:nvSpPr>
+            <p:cNvPr id="14" name="Kreis: nicht ausgefüllt 13">
+              <a:extLst>
+                <a:ext uri="{FF2B5EF4-FFF2-40B4-BE49-F238E27FC236}">
+                  <a16:creationId xmlns:a16="http://schemas.microsoft.com/office/drawing/2014/main" id="{F328D335-4EC3-FD5C-55E6-66772BA58955}"/>
+                </a:ext>
+              </a:extLst>
+            </p:cNvPr>
+            <p:cNvSpPr/>
+            <p:nvPr/>
+          </p:nvSpPr>
+          <p:spPr>
+            <a:xfrm>
+              <a:off x="2469318" y="1585787"/>
+              <a:ext cx="180000" cy="180000"/>
+            </a:xfrm>
+            <a:prstGeom prst="donut">
+              <a:avLst/>
+            </a:prstGeom>
+            <a:solidFill>
+              <a:srgbClr val="C00000"/>
+            </a:solidFill>
+            <a:ln w="19050" cap="flat">
+              <a:noFill/>
+              <a:prstDash val="solid"/>
+              <a:miter/>
+            </a:ln>
+          </p:spPr>
+          <p:style>
+            <a:lnRef idx="2">
+              <a:schemeClr val="accent1">
+                <a:shade val="15000"/>
+              </a:schemeClr>
+            </a:lnRef>
+            <a:fillRef idx="1">
+              <a:schemeClr val="accent1"/>
+            </a:fillRef>
+            <a:effectRef idx="0">
+              <a:schemeClr val="accent1"/>
+            </a:effectRef>
+            <a:fontRef idx="minor">
+              <a:schemeClr val="lt1"/>
+            </a:fontRef>
+          </p:style>
+          <p:txBody>
+            <a:bodyPr rtlCol="0" anchor="ctr"/>
+            <a:lstStyle/>
+            <a:p>
+              <a:pPr algn="ctr"/>
+              <a:endParaRPr lang="de-DE"/>
+            </a:p>
+          </p:txBody>
+        </p:sp>
+        <p:sp>
+          <p:nvSpPr>
+            <p:cNvPr id="25" name="Kreis: nicht ausgefüllt 24">
+              <a:extLst>
+                <a:ext uri="{FF2B5EF4-FFF2-40B4-BE49-F238E27FC236}">
+                  <a16:creationId xmlns:a16="http://schemas.microsoft.com/office/drawing/2014/main" id="{743089D9-C921-7374-8B94-3847A65C3E18}"/>
+                </a:ext>
+              </a:extLst>
+            </p:cNvPr>
+            <p:cNvSpPr/>
+            <p:nvPr/>
+          </p:nvSpPr>
+          <p:spPr>
+            <a:xfrm>
+              <a:off x="7816312" y="1600993"/>
+              <a:ext cx="180000" cy="180000"/>
+            </a:xfrm>
+            <a:prstGeom prst="donut">
+              <a:avLst/>
+            </a:prstGeom>
+            <a:solidFill>
+              <a:srgbClr val="C00000"/>
+            </a:solidFill>
+            <a:ln w="19050" cap="flat">
+              <a:noFill/>
+              <a:prstDash val="solid"/>
+              <a:miter/>
+            </a:ln>
+          </p:spPr>
+          <p:style>
+            <a:lnRef idx="2">
+              <a:schemeClr val="accent1">
+                <a:shade val="15000"/>
+              </a:schemeClr>
+            </a:lnRef>
+            <a:fillRef idx="1">
+              <a:schemeClr val="accent1"/>
+            </a:fillRef>
+            <a:effectRef idx="0">
+              <a:schemeClr val="accent1"/>
+            </a:effectRef>
+            <a:fontRef idx="minor">
+              <a:schemeClr val="lt1"/>
+            </a:fontRef>
+          </p:style>
+          <p:txBody>
+            <a:bodyPr rtlCol="0" anchor="ctr"/>
+            <a:lstStyle/>
+            <a:p>
+              <a:pPr algn="ctr"/>
+              <a:endParaRPr lang="de-DE"/>
+            </a:p>
+          </p:txBody>
+        </p:sp>
+        <p:sp>
+          <p:nvSpPr>
+            <p:cNvPr id="32" name="Kreis: nicht ausgefüllt 31">
+              <a:extLst>
+                <a:ext uri="{FF2B5EF4-FFF2-40B4-BE49-F238E27FC236}">
+                  <a16:creationId xmlns:a16="http://schemas.microsoft.com/office/drawing/2014/main" id="{6BFE89C2-2EED-FE0A-288E-1F0B9A52C37D}"/>
+                </a:ext>
+              </a:extLst>
+            </p:cNvPr>
+            <p:cNvSpPr/>
+            <p:nvPr/>
+          </p:nvSpPr>
+          <p:spPr>
+            <a:xfrm>
+              <a:off x="2541458" y="4606176"/>
+              <a:ext cx="180000" cy="180000"/>
+            </a:xfrm>
+            <a:prstGeom prst="donut">
+              <a:avLst/>
+            </a:prstGeom>
+            <a:solidFill>
+              <a:srgbClr val="00B050"/>
+            </a:solidFill>
+            <a:ln w="19050" cap="flat">
+              <a:noFill/>
+              <a:prstDash val="solid"/>
+              <a:miter/>
+            </a:ln>
+          </p:spPr>
+          <p:style>
+            <a:lnRef idx="2">
+              <a:schemeClr val="accent1">
+                <a:shade val="15000"/>
+              </a:schemeClr>
+            </a:lnRef>
+            <a:fillRef idx="1">
+              <a:schemeClr val="accent1"/>
+            </a:fillRef>
+            <a:effectRef idx="0">
+              <a:schemeClr val="accent1"/>
+            </a:effectRef>
+            <a:fontRef idx="minor">
+              <a:schemeClr val="lt1"/>
+            </a:fontRef>
+          </p:style>
+          <p:txBody>
+            <a:bodyPr rtlCol="0" anchor="ctr"/>
+            <a:lstStyle/>
+            <a:p>
+              <a:pPr algn="ctr"/>
+              <a:endParaRPr lang="de-DE"/>
+            </a:p>
+          </p:txBody>
+        </p:sp>
+        <p:sp>
+          <p:nvSpPr>
+            <p:cNvPr id="34" name="Kreis: nicht ausgefüllt 33">
+              <a:extLst>
+                <a:ext uri="{FF2B5EF4-FFF2-40B4-BE49-F238E27FC236}">
+                  <a16:creationId xmlns:a16="http://schemas.microsoft.com/office/drawing/2014/main" id="{676D3D3A-E76E-0E40-DE64-AE052A94D06C}"/>
+                </a:ext>
+              </a:extLst>
+            </p:cNvPr>
+            <p:cNvSpPr/>
+            <p:nvPr/>
+          </p:nvSpPr>
+          <p:spPr>
+            <a:xfrm>
+              <a:off x="7781859" y="4606176"/>
+              <a:ext cx="180000" cy="180000"/>
+            </a:xfrm>
+            <a:prstGeom prst="donut">
+              <a:avLst/>
+            </a:prstGeom>
+            <a:solidFill>
+              <a:srgbClr val="00B050"/>
+            </a:solidFill>
+            <a:ln w="19050" cap="flat">
+              <a:noFill/>
+              <a:prstDash val="solid"/>
+              <a:miter/>
+            </a:ln>
+          </p:spPr>
+          <p:style>
+            <a:lnRef idx="2">
+              <a:schemeClr val="accent1">
+                <a:shade val="15000"/>
+              </a:schemeClr>
+            </a:lnRef>
+            <a:fillRef idx="1">
+              <a:schemeClr val="accent1"/>
+            </a:fillRef>
+            <a:effectRef idx="0">
+              <a:schemeClr val="accent1"/>
+            </a:effectRef>
+            <a:fontRef idx="minor">
+              <a:schemeClr val="lt1"/>
+            </a:fontRef>
+          </p:style>
+          <p:txBody>
+            <a:bodyPr rtlCol="0" anchor="ctr"/>
+            <a:lstStyle/>
+            <a:p>
+              <a:pPr algn="ctr"/>
+              <a:endParaRPr lang="de-DE"/>
+            </a:p>
+          </p:txBody>
+        </p:sp>
       </p:grpSp>
-      <p:pic>
-        <p:nvPicPr>
-          <p:cNvPr id="21" name="Grafik 20">
-            <a:extLst>
-              <a:ext uri="{FF2B5EF4-FFF2-40B4-BE49-F238E27FC236}">
-                <a16:creationId xmlns:a16="http://schemas.microsoft.com/office/drawing/2014/main" id="{9121F93C-EF1E-FE36-3767-6AC1E55AB673}"/>
-              </a:ext>
-            </a:extLst>
-          </p:cNvPr>
-          <p:cNvPicPr>
-            <a:picLocks noChangeAspect="1"/>
-          </p:cNvPicPr>
-          <p:nvPr/>
-        </p:nvPicPr>
-        <p:blipFill>
-          <a:blip r:embed="rId5"/>
-          <a:stretch>
-            <a:fillRect/>
-          </a:stretch>
-        </p:blipFill>
-        <p:spPr>
-          <a:xfrm>
-            <a:off x="10252880" y="2793499"/>
-            <a:ext cx="854954" cy="870594"/>
-          </a:xfrm>
-          <a:prstGeom prst="rect">
-            <a:avLst/>
-          </a:prstGeom>
-        </p:spPr>
-      </p:pic>
-      <p:sp>
-        <p:nvSpPr>
-          <p:cNvPr id="22" name="Textfeld 21">
-            <a:extLst>
-              <a:ext uri="{FF2B5EF4-FFF2-40B4-BE49-F238E27FC236}">
-                <a16:creationId xmlns:a16="http://schemas.microsoft.com/office/drawing/2014/main" id="{2BD86A33-79D9-FF97-B7C9-E7330A8BFB6B}"/>
-              </a:ext>
-            </a:extLst>
-          </p:cNvPr>
-          <p:cNvSpPr txBox="1"/>
-          <p:nvPr/>
-        </p:nvSpPr>
-        <p:spPr>
-          <a:xfrm>
-            <a:off x="9803995" y="3719676"/>
-            <a:ext cx="1752723" cy="307777"/>
-          </a:xfrm>
-          <a:prstGeom prst="rect">
-            <a:avLst/>
-          </a:prstGeom>
-          <a:noFill/>
-        </p:spPr>
-        <p:txBody>
-          <a:bodyPr wrap="none" rtlCol="0">
-            <a:spAutoFit/>
-          </a:bodyPr>
-          <a:lstStyle/>
-          <a:p>
-            <a:pPr algn="ctr"/>
-            <a:r>
-              <a:rPr lang="de-DE" sz="1400">
-                <a:latin typeface="+mj-lt"/>
-              </a:rPr>
-              <a:t>Azure OpenAI Service</a:t>
-            </a:r>
-          </a:p>
-        </p:txBody>
-      </p:sp>
-      <p:cxnSp>
-        <p:nvCxnSpPr>
-          <p:cNvPr id="29" name="Gerade Verbindung mit Pfeil 28">
-            <a:extLst>
-              <a:ext uri="{FF2B5EF4-FFF2-40B4-BE49-F238E27FC236}">
-                <a16:creationId xmlns:a16="http://schemas.microsoft.com/office/drawing/2014/main" id="{9BA1E133-7056-AF91-1F9E-D62C188CF577}"/>
-              </a:ext>
-            </a:extLst>
-          </p:cNvPr>
-          <p:cNvCxnSpPr>
-            <a:cxnSpLocks/>
-          </p:cNvCxnSpPr>
-          <p:nvPr/>
-        </p:nvCxnSpPr>
-        <p:spPr>
-          <a:xfrm>
-            <a:off x="7029157" y="1917927"/>
-            <a:ext cx="3699803" cy="672618"/>
-          </a:xfrm>
-          <a:prstGeom prst="bentConnector3">
-            <a:avLst>
-              <a:gd name="adj1" fmla="val 100063"/>
-            </a:avLst>
-          </a:prstGeom>
-          <a:ln>
-            <a:tailEnd type="triangle"/>
-          </a:ln>
-        </p:spPr>
-        <p:style>
-          <a:lnRef idx="2">
-            <a:schemeClr val="accent1"/>
-          </a:lnRef>
-          <a:fillRef idx="0">
-            <a:schemeClr val="accent1"/>
-          </a:fillRef>
-          <a:effectRef idx="1">
-            <a:schemeClr val="accent1"/>
-          </a:effectRef>
-          <a:fontRef idx="minor">
-            <a:schemeClr val="tx1"/>
-          </a:fontRef>
-        </p:style>
-      </p:cxnSp>
-      <p:cxnSp>
-        <p:nvCxnSpPr>
-          <p:cNvPr id="26" name="Gerade Verbindung mit Pfeil 107">
-            <a:extLst>
-              <a:ext uri="{FF2B5EF4-FFF2-40B4-BE49-F238E27FC236}">
-                <a16:creationId xmlns:a16="http://schemas.microsoft.com/office/drawing/2014/main" id="{D1FE0702-F426-752B-C632-42D36268FA7B}"/>
-              </a:ext>
-            </a:extLst>
-          </p:cNvPr>
-          <p:cNvCxnSpPr>
-            <a:cxnSpLocks/>
-          </p:cNvCxnSpPr>
-          <p:nvPr/>
-        </p:nvCxnSpPr>
-        <p:spPr>
-          <a:xfrm>
-            <a:off x="2281785" y="1917927"/>
-            <a:ext cx="2598107" cy="0"/>
-          </a:xfrm>
-          <a:prstGeom prst="straightConnector1">
-            <a:avLst/>
-          </a:prstGeom>
-          <a:ln>
-            <a:tailEnd type="triangle"/>
-          </a:ln>
-        </p:spPr>
-        <p:style>
-          <a:lnRef idx="2">
-            <a:schemeClr val="accent1"/>
-          </a:lnRef>
-          <a:fillRef idx="0">
-            <a:schemeClr val="accent1"/>
-          </a:fillRef>
-          <a:effectRef idx="1">
-            <a:schemeClr val="accent1"/>
-          </a:effectRef>
-          <a:fontRef idx="minor">
-            <a:schemeClr val="tx1"/>
-          </a:fontRef>
-        </p:style>
-      </p:cxnSp>
-      <p:sp>
-        <p:nvSpPr>
-          <p:cNvPr id="30" name="Textfeld 29">
-            <a:extLst>
-              <a:ext uri="{FF2B5EF4-FFF2-40B4-BE49-F238E27FC236}">
-                <a16:creationId xmlns:a16="http://schemas.microsoft.com/office/drawing/2014/main" id="{F7829661-014D-3770-059E-B3B633034DB6}"/>
-              </a:ext>
-            </a:extLst>
-          </p:cNvPr>
-          <p:cNvSpPr txBox="1"/>
-          <p:nvPr/>
-        </p:nvSpPr>
-        <p:spPr>
-          <a:xfrm>
-            <a:off x="2721458" y="1449517"/>
-            <a:ext cx="2038287" cy="461665"/>
-          </a:xfrm>
-          <a:prstGeom prst="rect">
-            <a:avLst/>
-          </a:prstGeom>
-          <a:noFill/>
-        </p:spPr>
-        <p:txBody>
-          <a:bodyPr wrap="square" rtlCol="0">
-            <a:spAutoFit/>
-          </a:bodyPr>
-          <a:lstStyle/>
-          <a:p>
-            <a:r>
-              <a:rPr lang="de-DE" sz="1200">
-                <a:latin typeface="+mj-lt"/>
-              </a:rPr>
-              <a:t>Token acquired from Azure AD</a:t>
-            </a:r>
-          </a:p>
-          <a:p>
-            <a:r>
-              <a:rPr lang="de-DE" sz="1200">
-                <a:latin typeface="+mj-lt"/>
-              </a:rPr>
-              <a:t>for specific user</a:t>
-            </a:r>
-          </a:p>
-        </p:txBody>
-      </p:sp>
-      <p:cxnSp>
-        <p:nvCxnSpPr>
-          <p:cNvPr id="65" name="Gerade Verbindung mit Pfeil 107">
-            <a:extLst>
-              <a:ext uri="{FF2B5EF4-FFF2-40B4-BE49-F238E27FC236}">
-                <a16:creationId xmlns:a16="http://schemas.microsoft.com/office/drawing/2014/main" id="{F0F87617-62D7-3BBA-7BB4-74AACB8A4C0D}"/>
-              </a:ext>
-            </a:extLst>
-          </p:cNvPr>
-          <p:cNvCxnSpPr>
-            <a:cxnSpLocks/>
-          </p:cNvCxnSpPr>
-          <p:nvPr/>
-        </p:nvCxnSpPr>
-        <p:spPr>
-          <a:xfrm>
-            <a:off x="2358134" y="4954426"/>
-            <a:ext cx="2598107" cy="0"/>
-          </a:xfrm>
-          <a:prstGeom prst="straightConnector1">
-            <a:avLst/>
-          </a:prstGeom>
-          <a:ln>
-            <a:tailEnd type="triangle"/>
-          </a:ln>
-        </p:spPr>
-        <p:style>
-          <a:lnRef idx="2">
-            <a:schemeClr val="accent1"/>
-          </a:lnRef>
-          <a:fillRef idx="0">
-            <a:schemeClr val="accent1"/>
-          </a:fillRef>
-          <a:effectRef idx="1">
-            <a:schemeClr val="accent1"/>
-          </a:effectRef>
-          <a:fontRef idx="minor">
-            <a:schemeClr val="tx1"/>
-          </a:fontRef>
-        </p:style>
-      </p:cxnSp>
-      <p:sp>
-        <p:nvSpPr>
-          <p:cNvPr id="67" name="Textfeld 66">
-            <a:extLst>
-              <a:ext uri="{FF2B5EF4-FFF2-40B4-BE49-F238E27FC236}">
-                <a16:creationId xmlns:a16="http://schemas.microsoft.com/office/drawing/2014/main" id="{BD1B96C6-F882-E091-899A-72732ABDA8BB}"/>
-              </a:ext>
-            </a:extLst>
-          </p:cNvPr>
-          <p:cNvSpPr txBox="1"/>
-          <p:nvPr/>
-        </p:nvSpPr>
-        <p:spPr>
-          <a:xfrm>
-            <a:off x="2797807" y="4465344"/>
-            <a:ext cx="2038287" cy="461665"/>
-          </a:xfrm>
-          <a:prstGeom prst="rect">
-            <a:avLst/>
-          </a:prstGeom>
-          <a:noFill/>
-        </p:spPr>
-        <p:txBody>
-          <a:bodyPr wrap="square" rtlCol="0">
-            <a:spAutoFit/>
-          </a:bodyPr>
-          <a:lstStyle/>
-          <a:p>
-            <a:r>
-              <a:rPr lang="de-DE" sz="1200">
-                <a:latin typeface="+mj-lt"/>
-              </a:rPr>
-              <a:t>Token acquired from Azure AD</a:t>
-            </a:r>
-          </a:p>
-          <a:p>
-            <a:r>
-              <a:rPr lang="de-DE" sz="1200">
-                <a:latin typeface="+mj-lt"/>
-              </a:rPr>
-              <a:t>for specific user</a:t>
-            </a:r>
-          </a:p>
-        </p:txBody>
-      </p:sp>
-      <p:cxnSp>
-        <p:nvCxnSpPr>
-          <p:cNvPr id="33" name="Gerade Verbindung mit Pfeil 123">
-            <a:extLst>
-              <a:ext uri="{FF2B5EF4-FFF2-40B4-BE49-F238E27FC236}">
-                <a16:creationId xmlns:a16="http://schemas.microsoft.com/office/drawing/2014/main" id="{DF158F97-44FC-3319-761E-7000FB9A4E01}"/>
-              </a:ext>
-            </a:extLst>
-          </p:cNvPr>
-          <p:cNvCxnSpPr>
-            <a:cxnSpLocks/>
-            <a:endCxn id="71" idx="1"/>
-          </p:cNvCxnSpPr>
-          <p:nvPr/>
-        </p:nvCxnSpPr>
-        <p:spPr>
-          <a:xfrm>
-            <a:off x="5932500" y="2801260"/>
-            <a:ext cx="369090" cy="240211"/>
-          </a:xfrm>
-          <a:prstGeom prst="bentConnector3">
-            <a:avLst>
-              <a:gd name="adj1" fmla="val -2090"/>
-            </a:avLst>
-          </a:prstGeom>
-          <a:ln>
-            <a:prstDash val="sysDash"/>
-            <a:tailEnd type="triangle"/>
-          </a:ln>
-        </p:spPr>
-        <p:style>
-          <a:lnRef idx="2">
-            <a:schemeClr val="accent1"/>
-          </a:lnRef>
-          <a:fillRef idx="0">
-            <a:schemeClr val="accent1"/>
-          </a:fillRef>
-          <a:effectRef idx="1">
-            <a:schemeClr val="accent1"/>
-          </a:effectRef>
-          <a:fontRef idx="minor">
-            <a:schemeClr val="tx1"/>
-          </a:fontRef>
-        </p:style>
-      </p:cxnSp>
-      <p:sp>
-        <p:nvSpPr>
-          <p:cNvPr id="71" name="Textfeld 70">
-            <a:extLst>
-              <a:ext uri="{FF2B5EF4-FFF2-40B4-BE49-F238E27FC236}">
-                <a16:creationId xmlns:a16="http://schemas.microsoft.com/office/drawing/2014/main" id="{90AB1181-68C1-FA8C-F5C2-69F7C1815160}"/>
-              </a:ext>
-            </a:extLst>
-          </p:cNvPr>
-          <p:cNvSpPr txBox="1"/>
-          <p:nvPr/>
-        </p:nvSpPr>
-        <p:spPr>
-          <a:xfrm>
-            <a:off x="6301590" y="2810638"/>
-            <a:ext cx="3502405" cy="461665"/>
-          </a:xfrm>
-          <a:prstGeom prst="rect">
-            <a:avLst/>
-          </a:prstGeom>
-          <a:noFill/>
-        </p:spPr>
-        <p:txBody>
-          <a:bodyPr wrap="square" rtlCol="0">
-            <a:spAutoFit/>
-          </a:bodyPr>
-          <a:lstStyle>
-            <a:defPPr>
-              <a:defRPr lang="de-DE"/>
-            </a:defPPr>
-            <a:lvl1pPr>
-              <a:defRPr sz="1100">
-                <a:latin typeface="+mj-lt"/>
-              </a:defRPr>
-            </a:lvl1pPr>
-          </a:lstStyle>
-          <a:p>
-            <a:r>
-              <a:rPr lang="de-DE" sz="1200" i="1"/>
-              <a:t>team/use case is fixed per proxy instance</a:t>
-            </a:r>
-          </a:p>
-          <a:p>
-            <a:r>
-              <a:rPr lang="de-DE" sz="1200" i="1"/>
-              <a:t>traffic processed by plugins, eg. to log to Log Analytics</a:t>
-            </a:r>
-          </a:p>
-        </p:txBody>
-      </p:sp>
-      <p:cxnSp>
-        <p:nvCxnSpPr>
-          <p:cNvPr id="98" name="Gerade Verbindung mit Pfeil 28">
-            <a:extLst>
-              <a:ext uri="{FF2B5EF4-FFF2-40B4-BE49-F238E27FC236}">
-                <a16:creationId xmlns:a16="http://schemas.microsoft.com/office/drawing/2014/main" id="{BE1BE89A-B15C-8051-5CA7-623C08E1C361}"/>
-              </a:ext>
-            </a:extLst>
-          </p:cNvPr>
-          <p:cNvCxnSpPr>
-            <a:cxnSpLocks/>
-          </p:cNvCxnSpPr>
-          <p:nvPr/>
-        </p:nvCxnSpPr>
-        <p:spPr>
-          <a:xfrm flipV="1">
-            <a:off x="6930683" y="4159348"/>
-            <a:ext cx="3737317" cy="795078"/>
-          </a:xfrm>
-          <a:prstGeom prst="bentConnector3">
-            <a:avLst>
-              <a:gd name="adj1" fmla="val 100063"/>
-            </a:avLst>
-          </a:prstGeom>
-          <a:ln>
-            <a:tailEnd type="triangle"/>
-          </a:ln>
-        </p:spPr>
-        <p:style>
-          <a:lnRef idx="2">
-            <a:schemeClr val="accent1"/>
-          </a:lnRef>
-          <a:fillRef idx="0">
-            <a:schemeClr val="accent1"/>
-          </a:fillRef>
-          <a:effectRef idx="1">
-            <a:schemeClr val="accent1"/>
-          </a:effectRef>
-          <a:fontRef idx="minor">
-            <a:schemeClr val="tx1"/>
-          </a:fontRef>
-        </p:style>
-      </p:cxnSp>
-      <p:sp>
-        <p:nvSpPr>
-          <p:cNvPr id="119" name="Textfeld 118">
-            <a:extLst>
-              <a:ext uri="{FF2B5EF4-FFF2-40B4-BE49-F238E27FC236}">
-                <a16:creationId xmlns:a16="http://schemas.microsoft.com/office/drawing/2014/main" id="{38DAB1F8-F100-8AC6-F817-CE9B1402A7FE}"/>
-              </a:ext>
-            </a:extLst>
-          </p:cNvPr>
-          <p:cNvSpPr txBox="1"/>
-          <p:nvPr/>
-        </p:nvSpPr>
-        <p:spPr>
-          <a:xfrm>
-            <a:off x="7961859" y="4452660"/>
-            <a:ext cx="2038287" cy="461665"/>
-          </a:xfrm>
-          <a:prstGeom prst="rect">
-            <a:avLst/>
-          </a:prstGeom>
-          <a:noFill/>
-        </p:spPr>
-        <p:txBody>
-          <a:bodyPr wrap="square" rtlCol="0">
-            <a:spAutoFit/>
-          </a:bodyPr>
-          <a:lstStyle/>
-          <a:p>
-            <a:r>
-              <a:rPr lang="de-DE" sz="1200">
-                <a:latin typeface="+mj-lt"/>
-              </a:rPr>
-              <a:t>Token acquired from Azure AD</a:t>
-            </a:r>
-          </a:p>
-          <a:p>
-            <a:r>
-              <a:rPr lang="de-DE" sz="1200">
-                <a:latin typeface="+mj-lt"/>
-              </a:rPr>
-              <a:t>for specific user</a:t>
-            </a:r>
-          </a:p>
-        </p:txBody>
-      </p:sp>
-      <p:sp>
-        <p:nvSpPr>
-          <p:cNvPr id="11" name="Textfeld 10">
-            <a:extLst>
-              <a:ext uri="{FF2B5EF4-FFF2-40B4-BE49-F238E27FC236}">
-                <a16:creationId xmlns:a16="http://schemas.microsoft.com/office/drawing/2014/main" id="{8EABE0BB-F054-F528-C600-04C9E23615AC}"/>
-              </a:ext>
-            </a:extLst>
-          </p:cNvPr>
-          <p:cNvSpPr txBox="1"/>
-          <p:nvPr/>
-        </p:nvSpPr>
-        <p:spPr>
-          <a:xfrm>
-            <a:off x="8041577" y="1464059"/>
-            <a:ext cx="2038287" cy="461665"/>
-          </a:xfrm>
-          <a:prstGeom prst="rect">
-            <a:avLst/>
-          </a:prstGeom>
-          <a:noFill/>
-        </p:spPr>
-        <p:txBody>
-          <a:bodyPr wrap="square" rtlCol="0">
-            <a:spAutoFit/>
-          </a:bodyPr>
-          <a:lstStyle/>
-          <a:p>
-            <a:r>
-              <a:rPr lang="de-DE" sz="1200">
-                <a:latin typeface="+mj-lt"/>
-              </a:rPr>
-              <a:t>Token acquired from Azure AD</a:t>
-            </a:r>
-          </a:p>
-          <a:p>
-            <a:r>
-              <a:rPr lang="de-DE" sz="1200">
-                <a:latin typeface="+mj-lt"/>
-              </a:rPr>
-              <a:t>for specific user</a:t>
-            </a:r>
-          </a:p>
-        </p:txBody>
-      </p:sp>
-      <p:pic>
-        <p:nvPicPr>
-          <p:cNvPr id="27" name="Grafik 26">
-            <a:extLst>
-              <a:ext uri="{FF2B5EF4-FFF2-40B4-BE49-F238E27FC236}">
-                <a16:creationId xmlns:a16="http://schemas.microsoft.com/office/drawing/2014/main" id="{863C0DC7-9529-A39A-5B7C-4C9C969C5A4A}"/>
-              </a:ext>
-            </a:extLst>
-          </p:cNvPr>
-          <p:cNvPicPr>
-            <a:picLocks noChangeAspect="1"/>
-          </p:cNvPicPr>
-          <p:nvPr/>
-        </p:nvPicPr>
-        <p:blipFill>
-          <a:blip r:embed="rId2"/>
-          <a:stretch>
-            <a:fillRect/>
-          </a:stretch>
-        </p:blipFill>
-        <p:spPr>
-          <a:xfrm>
-            <a:off x="4637654" y="4650146"/>
-            <a:ext cx="2598107" cy="1147312"/>
-          </a:xfrm>
-          <a:prstGeom prst="rect">
-            <a:avLst/>
-          </a:prstGeom>
-        </p:spPr>
-      </p:pic>
-      <p:cxnSp>
-        <p:nvCxnSpPr>
-          <p:cNvPr id="28" name="Gerade Verbindung mit Pfeil 123">
-            <a:extLst>
-              <a:ext uri="{FF2B5EF4-FFF2-40B4-BE49-F238E27FC236}">
-                <a16:creationId xmlns:a16="http://schemas.microsoft.com/office/drawing/2014/main" id="{BCD9F6AA-7D12-429C-0780-BFEE1BC09E2B}"/>
-              </a:ext>
-            </a:extLst>
-          </p:cNvPr>
-          <p:cNvCxnSpPr>
-            <a:cxnSpLocks/>
-            <a:endCxn id="31" idx="1"/>
-          </p:cNvCxnSpPr>
-          <p:nvPr/>
-        </p:nvCxnSpPr>
-        <p:spPr>
-          <a:xfrm>
-            <a:off x="5942878" y="5826732"/>
-            <a:ext cx="369090" cy="240211"/>
-          </a:xfrm>
-          <a:prstGeom prst="bentConnector3">
-            <a:avLst>
-              <a:gd name="adj1" fmla="val 1722"/>
-            </a:avLst>
-          </a:prstGeom>
-          <a:ln>
-            <a:prstDash val="sysDash"/>
-            <a:tailEnd type="triangle"/>
-          </a:ln>
-        </p:spPr>
-        <p:style>
-          <a:lnRef idx="2">
-            <a:schemeClr val="accent1"/>
-          </a:lnRef>
-          <a:fillRef idx="0">
-            <a:schemeClr val="accent1"/>
-          </a:fillRef>
-          <a:effectRef idx="1">
-            <a:schemeClr val="accent1"/>
-          </a:effectRef>
-          <a:fontRef idx="minor">
-            <a:schemeClr val="tx1"/>
-          </a:fontRef>
-        </p:style>
-      </p:cxnSp>
-      <p:sp>
-        <p:nvSpPr>
-          <p:cNvPr id="31" name="Textfeld 30">
-            <a:extLst>
-              <a:ext uri="{FF2B5EF4-FFF2-40B4-BE49-F238E27FC236}">
-                <a16:creationId xmlns:a16="http://schemas.microsoft.com/office/drawing/2014/main" id="{A0CF102F-2DA5-4567-8893-12D3ADBD673E}"/>
-              </a:ext>
-            </a:extLst>
-          </p:cNvPr>
-          <p:cNvSpPr txBox="1"/>
-          <p:nvPr/>
-        </p:nvSpPr>
-        <p:spPr>
-          <a:xfrm>
-            <a:off x="6311968" y="5836110"/>
-            <a:ext cx="3688178" cy="461665"/>
-          </a:xfrm>
-          <a:prstGeom prst="rect">
-            <a:avLst/>
-          </a:prstGeom>
-          <a:noFill/>
-        </p:spPr>
-        <p:txBody>
-          <a:bodyPr wrap="square" rtlCol="0">
-            <a:spAutoFit/>
-          </a:bodyPr>
-          <a:lstStyle>
-            <a:defPPr>
-              <a:defRPr lang="de-DE"/>
-            </a:defPPr>
-            <a:lvl1pPr>
-              <a:defRPr sz="1100">
-                <a:latin typeface="+mj-lt"/>
-              </a:defRPr>
-            </a:lvl1pPr>
-          </a:lstStyle>
-          <a:p>
-            <a:r>
-              <a:rPr lang="de-DE" sz="1200" i="1"/>
-              <a:t>team/use case is fixed per proxy instance</a:t>
-            </a:r>
-          </a:p>
-          <a:p>
-            <a:r>
-              <a:rPr lang="de-DE" sz="1200" i="1"/>
-              <a:t>traffic processed by plugins, eg. to log to Log Analytics</a:t>
-            </a:r>
-          </a:p>
-        </p:txBody>
-      </p:sp>
-      <p:sp>
-        <p:nvSpPr>
-          <p:cNvPr id="23" name="Textfeld 22">
-            <a:extLst>
-              <a:ext uri="{FF2B5EF4-FFF2-40B4-BE49-F238E27FC236}">
-                <a16:creationId xmlns:a16="http://schemas.microsoft.com/office/drawing/2014/main" id="{1012F46F-DF04-0E4A-8B9F-C102E3BC18E5}"/>
-              </a:ext>
-            </a:extLst>
-          </p:cNvPr>
-          <p:cNvSpPr txBox="1"/>
-          <p:nvPr/>
-        </p:nvSpPr>
-        <p:spPr>
-          <a:xfrm>
-            <a:off x="2392969" y="1968915"/>
-            <a:ext cx="2375737" cy="276999"/>
-          </a:xfrm>
-          <a:prstGeom prst="rect">
-            <a:avLst/>
-          </a:prstGeom>
-          <a:noFill/>
-        </p:spPr>
-        <p:txBody>
-          <a:bodyPr wrap="square" rtlCol="0">
-            <a:spAutoFit/>
-          </a:bodyPr>
-          <a:lstStyle/>
-          <a:p>
-            <a:r>
-              <a:rPr lang="de-DE" sz="1200">
-                <a:latin typeface="+mj-lt"/>
-              </a:rPr>
-              <a:t>URL is specific for team/use case 1</a:t>
-            </a:r>
-          </a:p>
-        </p:txBody>
-      </p:sp>
-      <p:sp>
-        <p:nvSpPr>
-          <p:cNvPr id="24" name="Textfeld 23">
-            <a:extLst>
-              <a:ext uri="{FF2B5EF4-FFF2-40B4-BE49-F238E27FC236}">
-                <a16:creationId xmlns:a16="http://schemas.microsoft.com/office/drawing/2014/main" id="{000FFFA5-0B3F-35BE-81EA-41832AF09117}"/>
-              </a:ext>
-            </a:extLst>
-          </p:cNvPr>
-          <p:cNvSpPr txBox="1"/>
-          <p:nvPr/>
-        </p:nvSpPr>
-        <p:spPr>
-          <a:xfrm>
-            <a:off x="2469318" y="4987682"/>
-            <a:ext cx="2375737" cy="276999"/>
-          </a:xfrm>
-          <a:prstGeom prst="rect">
-            <a:avLst/>
-          </a:prstGeom>
-          <a:noFill/>
-        </p:spPr>
-        <p:txBody>
-          <a:bodyPr wrap="square" rtlCol="0">
-            <a:spAutoFit/>
-          </a:bodyPr>
-          <a:lstStyle/>
-          <a:p>
-            <a:r>
-              <a:rPr lang="de-DE" sz="1200">
-                <a:latin typeface="+mj-lt"/>
-              </a:rPr>
-              <a:t>URL is specific for team/use case 2</a:t>
-            </a:r>
-          </a:p>
-        </p:txBody>
-      </p:sp>
-      <p:sp>
-        <p:nvSpPr>
-          <p:cNvPr id="14" name="Kreis: nicht ausgefüllt 13">
-            <a:extLst>
-              <a:ext uri="{FF2B5EF4-FFF2-40B4-BE49-F238E27FC236}">
-                <a16:creationId xmlns:a16="http://schemas.microsoft.com/office/drawing/2014/main" id="{F328D335-4EC3-FD5C-55E6-66772BA58955}"/>
-              </a:ext>
-            </a:extLst>
-          </p:cNvPr>
-          <p:cNvSpPr/>
-          <p:nvPr/>
-        </p:nvSpPr>
-        <p:spPr>
-          <a:xfrm>
-            <a:off x="2469318" y="1585787"/>
-            <a:ext cx="180000" cy="180000"/>
-          </a:xfrm>
-          <a:prstGeom prst="donut">
-            <a:avLst/>
-          </a:prstGeom>
-          <a:solidFill>
-            <a:srgbClr val="C00000"/>
-          </a:solidFill>
-          <a:ln w="19050" cap="flat">
-            <a:noFill/>
-            <a:prstDash val="solid"/>
-            <a:miter/>
-          </a:ln>
-        </p:spPr>
-        <p:style>
-          <a:lnRef idx="2">
-            <a:schemeClr val="accent1">
-              <a:shade val="15000"/>
-            </a:schemeClr>
-          </a:lnRef>
-          <a:fillRef idx="1">
-            <a:schemeClr val="accent1"/>
-          </a:fillRef>
-          <a:effectRef idx="0">
-            <a:schemeClr val="accent1"/>
-          </a:effectRef>
-          <a:fontRef idx="minor">
-            <a:schemeClr val="lt1"/>
-          </a:fontRef>
-        </p:style>
-        <p:txBody>
-          <a:bodyPr rtlCol="0" anchor="ctr"/>
-          <a:lstStyle/>
-          <a:p>
-            <a:pPr algn="ctr"/>
-            <a:endParaRPr lang="de-DE"/>
-          </a:p>
-        </p:txBody>
-      </p:sp>
-      <p:sp>
-        <p:nvSpPr>
-          <p:cNvPr id="25" name="Kreis: nicht ausgefüllt 24">
-            <a:extLst>
-              <a:ext uri="{FF2B5EF4-FFF2-40B4-BE49-F238E27FC236}">
-                <a16:creationId xmlns:a16="http://schemas.microsoft.com/office/drawing/2014/main" id="{743089D9-C921-7374-8B94-3847A65C3E18}"/>
-              </a:ext>
-            </a:extLst>
-          </p:cNvPr>
-          <p:cNvSpPr/>
-          <p:nvPr/>
-        </p:nvSpPr>
-        <p:spPr>
-          <a:xfrm>
-            <a:off x="7816312" y="1600993"/>
-            <a:ext cx="180000" cy="180000"/>
-          </a:xfrm>
-          <a:prstGeom prst="donut">
-            <a:avLst/>
-          </a:prstGeom>
-          <a:solidFill>
-            <a:srgbClr val="C00000"/>
-          </a:solidFill>
-          <a:ln w="19050" cap="flat">
-            <a:noFill/>
-            <a:prstDash val="solid"/>
-            <a:miter/>
-          </a:ln>
-        </p:spPr>
-        <p:style>
-          <a:lnRef idx="2">
-            <a:schemeClr val="accent1">
-              <a:shade val="15000"/>
-            </a:schemeClr>
-          </a:lnRef>
-          <a:fillRef idx="1">
-            <a:schemeClr val="accent1"/>
-          </a:fillRef>
-          <a:effectRef idx="0">
-            <a:schemeClr val="accent1"/>
-          </a:effectRef>
-          <a:fontRef idx="minor">
-            <a:schemeClr val="lt1"/>
-          </a:fontRef>
-        </p:style>
-        <p:txBody>
-          <a:bodyPr rtlCol="0" anchor="ctr"/>
-          <a:lstStyle/>
-          <a:p>
-            <a:pPr algn="ctr"/>
-            <a:endParaRPr lang="de-DE"/>
-          </a:p>
-        </p:txBody>
-      </p:sp>
-      <p:sp>
-        <p:nvSpPr>
-          <p:cNvPr id="32" name="Kreis: nicht ausgefüllt 31">
-            <a:extLst>
-              <a:ext uri="{FF2B5EF4-FFF2-40B4-BE49-F238E27FC236}">
-                <a16:creationId xmlns:a16="http://schemas.microsoft.com/office/drawing/2014/main" id="{6BFE89C2-2EED-FE0A-288E-1F0B9A52C37D}"/>
-              </a:ext>
-            </a:extLst>
-          </p:cNvPr>
-          <p:cNvSpPr/>
-          <p:nvPr/>
-        </p:nvSpPr>
-        <p:spPr>
-          <a:xfrm>
-            <a:off x="2541458" y="4606176"/>
-            <a:ext cx="180000" cy="180000"/>
-          </a:xfrm>
-          <a:prstGeom prst="donut">
-            <a:avLst/>
-          </a:prstGeom>
-          <a:solidFill>
-            <a:srgbClr val="00B050"/>
-          </a:solidFill>
-          <a:ln w="19050" cap="flat">
-            <a:noFill/>
-            <a:prstDash val="solid"/>
-            <a:miter/>
-          </a:ln>
-        </p:spPr>
-        <p:style>
-          <a:lnRef idx="2">
-            <a:schemeClr val="accent1">
-              <a:shade val="15000"/>
-            </a:schemeClr>
-          </a:lnRef>
-          <a:fillRef idx="1">
-            <a:schemeClr val="accent1"/>
-          </a:fillRef>
-          <a:effectRef idx="0">
-            <a:schemeClr val="accent1"/>
-          </a:effectRef>
-          <a:fontRef idx="minor">
-            <a:schemeClr val="lt1"/>
-          </a:fontRef>
-        </p:style>
-        <p:txBody>
-          <a:bodyPr rtlCol="0" anchor="ctr"/>
-          <a:lstStyle/>
-          <a:p>
-            <a:pPr algn="ctr"/>
-            <a:endParaRPr lang="de-DE"/>
-          </a:p>
-        </p:txBody>
-      </p:sp>
-      <p:sp>
-        <p:nvSpPr>
-          <p:cNvPr id="34" name="Kreis: nicht ausgefüllt 33">
-            <a:extLst>
-              <a:ext uri="{FF2B5EF4-FFF2-40B4-BE49-F238E27FC236}">
-                <a16:creationId xmlns:a16="http://schemas.microsoft.com/office/drawing/2014/main" id="{676D3D3A-E76E-0E40-DE64-AE052A94D06C}"/>
-              </a:ext>
-            </a:extLst>
-          </p:cNvPr>
-          <p:cNvSpPr/>
-          <p:nvPr/>
-        </p:nvSpPr>
-        <p:spPr>
-          <a:xfrm>
-            <a:off x="7781859" y="4606176"/>
-            <a:ext cx="180000" cy="180000"/>
-          </a:xfrm>
-          <a:prstGeom prst="donut">
-            <a:avLst/>
-          </a:prstGeom>
-          <a:solidFill>
-            <a:srgbClr val="00B050"/>
-          </a:solidFill>
-          <a:ln w="19050" cap="flat">
-            <a:noFill/>
-            <a:prstDash val="solid"/>
-            <a:miter/>
-          </a:ln>
-        </p:spPr>
-        <p:style>
-          <a:lnRef idx="2">
-            <a:schemeClr val="accent1">
-              <a:shade val="15000"/>
-            </a:schemeClr>
-          </a:lnRef>
-          <a:fillRef idx="1">
-            <a:schemeClr val="accent1"/>
-          </a:fillRef>
-          <a:effectRef idx="0">
-            <a:schemeClr val="accent1"/>
-          </a:effectRef>
-          <a:fontRef idx="minor">
-            <a:schemeClr val="lt1"/>
-          </a:fontRef>
-        </p:style>
-        <p:txBody>
-          <a:bodyPr rtlCol="0" anchor="ctr"/>
-          <a:lstStyle/>
-          <a:p>
-            <a:pPr algn="ctr"/>
-            <a:endParaRPr lang="de-DE"/>
-          </a:p>
-        </p:txBody>
-      </p:sp>
     </p:spTree>
     <p:extLst>
       <p:ext uri="{BB962C8B-B14F-4D97-AF65-F5344CB8AC3E}">
@@ -10149,10 +10956,10 @@
       </p:grpSpPr>
       <p:grpSp>
         <p:nvGrpSpPr>
-          <p:cNvPr id="30" name="Gruppieren 29">
+          <p:cNvPr id="35" name="Gruppieren 34">
             <a:extLst>
               <a:ext uri="{FF2B5EF4-FFF2-40B4-BE49-F238E27FC236}">
-                <a16:creationId xmlns:a16="http://schemas.microsoft.com/office/drawing/2014/main" id="{F1586770-39CF-B19E-C8B1-F1855BC96ABC}"/>
+                <a16:creationId xmlns:a16="http://schemas.microsoft.com/office/drawing/2014/main" id="{7C1D4833-2043-F085-3D53-299AA354FBF9}"/>
               </a:ext>
             </a:extLst>
           </p:cNvPr>
@@ -10161,18 +10968,18 @@
         </p:nvGrpSpPr>
         <p:grpSpPr>
           <a:xfrm>
-            <a:off x="1599890" y="2515581"/>
-            <a:ext cx="8389812" cy="1262917"/>
-            <a:chOff x="1599890" y="2515581"/>
-            <a:chExt cx="8389812" cy="1262917"/>
+            <a:off x="1383352" y="2581903"/>
+            <a:ext cx="8988247" cy="1262917"/>
+            <a:chOff x="1552164" y="4368500"/>
+            <a:chExt cx="8988247" cy="1262917"/>
           </a:xfrm>
         </p:grpSpPr>
         <p:pic>
           <p:nvPicPr>
-            <p:cNvPr id="2" name="Grafik 1">
+            <p:cNvPr id="5" name="Grafik 4">
               <a:extLst>
                 <a:ext uri="{FF2B5EF4-FFF2-40B4-BE49-F238E27FC236}">
-                  <a16:creationId xmlns:a16="http://schemas.microsoft.com/office/drawing/2014/main" id="{2F1B0212-F932-F747-B076-B7E472C385EA}"/>
+                  <a16:creationId xmlns:a16="http://schemas.microsoft.com/office/drawing/2014/main" id="{86E2E0B0-46DC-4056-A918-E5290C2F87F9}"/>
                 </a:ext>
               </a:extLst>
             </p:cNvPr>
@@ -10188,7 +10995,7 @@
           </p:blipFill>
           <p:spPr>
             <a:xfrm>
-              <a:off x="4184980" y="2677016"/>
+              <a:off x="4137255" y="4529935"/>
               <a:ext cx="1680059" cy="751984"/>
             </a:xfrm>
             <a:prstGeom prst="rect">
@@ -10198,10 +11005,10 @@
         </p:pic>
         <p:sp>
           <p:nvSpPr>
-            <p:cNvPr id="3" name="Textplatzhalter 2">
+            <p:cNvPr id="6" name="Textplatzhalter 2">
               <a:extLst>
                 <a:ext uri="{FF2B5EF4-FFF2-40B4-BE49-F238E27FC236}">
-                  <a16:creationId xmlns:a16="http://schemas.microsoft.com/office/drawing/2014/main" id="{3C603E3F-F3AF-3BC8-EAA8-28928029EFEA}"/>
+                  <a16:creationId xmlns:a16="http://schemas.microsoft.com/office/drawing/2014/main" id="{B46B11DF-4535-A888-E15D-F0725F5F6617}"/>
                 </a:ext>
               </a:extLst>
             </p:cNvPr>
@@ -10212,8 +11019,8 @@
           </p:nvSpPr>
           <p:spPr>
             <a:xfrm>
-              <a:off x="1637989" y="2598455"/>
-              <a:ext cx="1512006" cy="215444"/>
+              <a:off x="1552165" y="4451374"/>
+              <a:ext cx="1551600" cy="215444"/>
             </a:xfrm>
             <a:prstGeom prst="rect">
               <a:avLst/>
@@ -10451,7 +11258,7 @@
                   <a:ea typeface="+mn-ea"/>
                   <a:cs typeface="Segoe UI Semilight" panose="020B0402040204020203" pitchFamily="34" charset="0"/>
                 </a:rPr>
-                <a:t>Team or Use Case 1</a:t>
+                <a:t>Team or Project 1</a:t>
               </a:r>
               <a:endParaRPr kumimoji="0" lang="de-DE" sz="1400" b="0" i="0" u="none" strike="noStrike" kern="1200" cap="none" spc="0" normalizeH="0" baseline="0" noProof="0">
                 <a:ln>
@@ -10469,10 +11276,10 @@
         </p:sp>
         <p:sp>
           <p:nvSpPr>
-            <p:cNvPr id="4" name="Textplatzhalter 2">
+            <p:cNvPr id="7" name="Textplatzhalter 2">
               <a:extLst>
                 <a:ext uri="{FF2B5EF4-FFF2-40B4-BE49-F238E27FC236}">
-                  <a16:creationId xmlns:a16="http://schemas.microsoft.com/office/drawing/2014/main" id="{F5594172-0500-0C5A-CF81-42D3B78AA7B0}"/>
+                  <a16:creationId xmlns:a16="http://schemas.microsoft.com/office/drawing/2014/main" id="{632533CE-619D-0002-0E81-8C853E3A663D}"/>
                 </a:ext>
               </a:extLst>
             </p:cNvPr>
@@ -10483,7 +11290,7 @@
           </p:nvSpPr>
           <p:spPr>
             <a:xfrm>
-              <a:off x="1697752" y="2955455"/>
+              <a:off x="1650027" y="4808374"/>
               <a:ext cx="1452244" cy="184667"/>
             </a:xfrm>
             <a:prstGeom prst="rect">
@@ -10740,10 +11547,10 @@
         </p:sp>
         <p:sp>
           <p:nvSpPr>
-            <p:cNvPr id="17" name="Textplatzhalter 2">
+            <p:cNvPr id="8" name="Textplatzhalter 2">
               <a:extLst>
                 <a:ext uri="{FF2B5EF4-FFF2-40B4-BE49-F238E27FC236}">
-                  <a16:creationId xmlns:a16="http://schemas.microsoft.com/office/drawing/2014/main" id="{22D5AC58-7C90-B4B5-3A9E-0C9EADC9AC65}"/>
+                  <a16:creationId xmlns:a16="http://schemas.microsoft.com/office/drawing/2014/main" id="{2E412006-597A-55D6-5969-6AF7332DB685}"/>
                 </a:ext>
               </a:extLst>
             </p:cNvPr>
@@ -10754,8 +11561,8 @@
           </p:nvSpPr>
           <p:spPr>
             <a:xfrm>
-              <a:off x="1599890" y="3299426"/>
-              <a:ext cx="1550105" cy="215444"/>
+              <a:off x="1552164" y="5152345"/>
+              <a:ext cx="1551600" cy="215444"/>
             </a:xfrm>
             <a:prstGeom prst="rect">
               <a:avLst/>
@@ -10993,7 +11800,7 @@
                   <a:ea typeface="+mn-ea"/>
                   <a:cs typeface="Segoe UI Semilight" panose="020B0402040204020203" pitchFamily="34" charset="0"/>
                 </a:rPr>
-                <a:t>Team or Use Case n</a:t>
+                <a:t>Team or Project n</a:t>
               </a:r>
               <a:endParaRPr kumimoji="0" lang="de-DE" sz="1400" b="0" i="0" u="none" strike="noStrike" kern="1200" cap="none" spc="0" normalizeH="0" baseline="0" noProof="0">
                 <a:ln>
@@ -11011,24 +11818,24 @@
         </p:sp>
         <p:cxnSp>
           <p:nvCxnSpPr>
-            <p:cNvPr id="18" name="Verbinder: gewinkelt 17">
+            <p:cNvPr id="9" name="Verbinder: gewinkelt 8">
               <a:extLst>
                 <a:ext uri="{FF2B5EF4-FFF2-40B4-BE49-F238E27FC236}">
-                  <a16:creationId xmlns:a16="http://schemas.microsoft.com/office/drawing/2014/main" id="{C518FD0E-C50B-B6A6-C878-3DE240888521}"/>
+                  <a16:creationId xmlns:a16="http://schemas.microsoft.com/office/drawing/2014/main" id="{F4A85B8C-A8F6-0487-55B6-0C8F27394160}"/>
                 </a:ext>
               </a:extLst>
             </p:cNvPr>
             <p:cNvCxnSpPr>
               <a:cxnSpLocks/>
-              <a:stCxn id="3" idx="3"/>
-              <a:endCxn id="2" idx="1"/>
+              <a:stCxn id="6" idx="3"/>
+              <a:endCxn id="5" idx="1"/>
             </p:cNvCxnSpPr>
             <p:nvPr/>
           </p:nvCxnSpPr>
           <p:spPr>
             <a:xfrm>
-              <a:off x="3149995" y="2706177"/>
-              <a:ext cx="1034985" cy="346831"/>
+              <a:off x="3103765" y="4559096"/>
+              <a:ext cx="1033490" cy="346831"/>
             </a:xfrm>
             <a:prstGeom prst="bentConnector3">
               <a:avLst/>
@@ -11058,24 +11865,24 @@
         </p:cxnSp>
         <p:cxnSp>
           <p:nvCxnSpPr>
-            <p:cNvPr id="19" name="Verbinder: gewinkelt 18">
+            <p:cNvPr id="10" name="Verbinder: gewinkelt 9">
               <a:extLst>
                 <a:ext uri="{FF2B5EF4-FFF2-40B4-BE49-F238E27FC236}">
-                  <a16:creationId xmlns:a16="http://schemas.microsoft.com/office/drawing/2014/main" id="{6F941927-9A08-DC95-7C90-1B29B66CAD2F}"/>
+                  <a16:creationId xmlns:a16="http://schemas.microsoft.com/office/drawing/2014/main" id="{270179F4-025B-3F7A-73A2-AA0E03EEE271}"/>
                 </a:ext>
               </a:extLst>
             </p:cNvPr>
             <p:cNvCxnSpPr>
               <a:cxnSpLocks/>
-              <a:stCxn id="17" idx="3"/>
-              <a:endCxn id="2" idx="1"/>
+              <a:stCxn id="8" idx="3"/>
+              <a:endCxn id="5" idx="1"/>
             </p:cNvCxnSpPr>
             <p:nvPr/>
           </p:nvCxnSpPr>
           <p:spPr>
             <a:xfrm flipV="1">
-              <a:off x="3149995" y="3053008"/>
-              <a:ext cx="1034985" cy="354140"/>
+              <a:off x="3103764" y="4905927"/>
+              <a:ext cx="1033491" cy="354140"/>
             </a:xfrm>
             <a:prstGeom prst="bentConnector3">
               <a:avLst/>
@@ -11105,23 +11912,23 @@
         </p:cxnSp>
         <p:cxnSp>
           <p:nvCxnSpPr>
-            <p:cNvPr id="20" name="Verbinder: gewinkelt 14">
+            <p:cNvPr id="11" name="Verbinder: gewinkelt 14">
               <a:extLst>
                 <a:ext uri="{FF2B5EF4-FFF2-40B4-BE49-F238E27FC236}">
-                  <a16:creationId xmlns:a16="http://schemas.microsoft.com/office/drawing/2014/main" id="{72D6F3ED-68BA-E060-56EB-92EB0FD43873}"/>
+                  <a16:creationId xmlns:a16="http://schemas.microsoft.com/office/drawing/2014/main" id="{EFEBBC77-95DD-83AB-6D51-3FDF1F2A66E0}"/>
                 </a:ext>
               </a:extLst>
             </p:cNvPr>
             <p:cNvCxnSpPr>
               <a:cxnSpLocks/>
-              <a:stCxn id="4" idx="3"/>
-              <a:endCxn id="2" idx="1"/>
+              <a:stCxn id="7" idx="3"/>
+              <a:endCxn id="5" idx="1"/>
             </p:cNvCxnSpPr>
             <p:nvPr/>
           </p:nvCxnSpPr>
           <p:spPr>
             <a:xfrm>
-              <a:off x="3149995" y="3047789"/>
+              <a:off x="3102270" y="4900708"/>
               <a:ext cx="1034985" cy="5219"/>
             </a:xfrm>
             <a:prstGeom prst="straightConnector1">
@@ -11152,22 +11959,22 @@
         </p:cxnSp>
         <p:cxnSp>
           <p:nvCxnSpPr>
-            <p:cNvPr id="21" name="Verbinder: gewinkelt 14">
+            <p:cNvPr id="12" name="Verbinder: gewinkelt 14">
               <a:extLst>
                 <a:ext uri="{FF2B5EF4-FFF2-40B4-BE49-F238E27FC236}">
-                  <a16:creationId xmlns:a16="http://schemas.microsoft.com/office/drawing/2014/main" id="{94672AC0-B431-7394-2914-67F695C1DEF7}"/>
+                  <a16:creationId xmlns:a16="http://schemas.microsoft.com/office/drawing/2014/main" id="{BF279DE6-1086-4BD1-4682-D0EB3919B231}"/>
                 </a:ext>
               </a:extLst>
             </p:cNvPr>
             <p:cNvCxnSpPr>
               <a:cxnSpLocks/>
-              <a:stCxn id="2" idx="3"/>
+              <a:stCxn id="5" idx="3"/>
             </p:cNvCxnSpPr>
             <p:nvPr/>
           </p:nvCxnSpPr>
           <p:spPr>
             <a:xfrm flipV="1">
-              <a:off x="5865039" y="2706177"/>
+              <a:off x="5817314" y="4559096"/>
               <a:ext cx="665002" cy="346831"/>
             </a:xfrm>
             <a:prstGeom prst="bentConnector3">
@@ -11200,10 +12007,10 @@
         </p:cxnSp>
         <p:sp>
           <p:nvSpPr>
-            <p:cNvPr id="22" name="Textplatzhalter 2">
+            <p:cNvPr id="13" name="Textplatzhalter 2">
               <a:extLst>
                 <a:ext uri="{FF2B5EF4-FFF2-40B4-BE49-F238E27FC236}">
-                  <a16:creationId xmlns:a16="http://schemas.microsoft.com/office/drawing/2014/main" id="{8CF34F07-C989-318C-FC34-E78D85FB8EC2}"/>
+                  <a16:creationId xmlns:a16="http://schemas.microsoft.com/office/drawing/2014/main" id="{507D67B6-D492-0DDC-E837-0CEEE175AFE5}"/>
                 </a:ext>
               </a:extLst>
             </p:cNvPr>
@@ -11214,7 +12021,7 @@
           </p:nvSpPr>
           <p:spPr>
             <a:xfrm>
-              <a:off x="4498753" y="3563054"/>
+              <a:off x="4451028" y="5415973"/>
               <a:ext cx="899616" cy="215444"/>
             </a:xfrm>
             <a:prstGeom prst="rect">
@@ -11471,10 +12278,10 @@
         </p:sp>
         <p:sp>
           <p:nvSpPr>
-            <p:cNvPr id="23" name="Textplatzhalter 2">
+            <p:cNvPr id="14" name="Textplatzhalter 2">
               <a:extLst>
                 <a:ext uri="{FF2B5EF4-FFF2-40B4-BE49-F238E27FC236}">
-                  <a16:creationId xmlns:a16="http://schemas.microsoft.com/office/drawing/2014/main" id="{930AA060-E688-47BF-83B0-6E4EF9393966}"/>
+                  <a16:creationId xmlns:a16="http://schemas.microsoft.com/office/drawing/2014/main" id="{84676625-85AA-F2ED-D720-38C20C487633}"/>
                 </a:ext>
               </a:extLst>
             </p:cNvPr>
@@ -11485,8 +12292,8 @@
           </p:nvSpPr>
           <p:spPr>
             <a:xfrm>
-              <a:off x="6937494" y="3303656"/>
-              <a:ext cx="3052208" cy="215444"/>
+              <a:off x="7145611" y="5147802"/>
+              <a:ext cx="3394800" cy="215444"/>
             </a:xfrm>
             <a:prstGeom prst="rect">
               <a:avLst/>
@@ -11695,7 +12502,7 @@
               </a:lvl9pPr>
             </a:lstStyle>
             <a:p>
-              <a:pPr marL="0" marR="0" lvl="0" indent="0" algn="r" defTabSz="932742" rtl="0" eaLnBrk="1" fontAlgn="auto" latinLnBrk="0" hangingPunct="1">
+              <a:pPr marL="0" marR="0" lvl="0" indent="0" defTabSz="932742" rtl="0" eaLnBrk="1" fontAlgn="auto" latinLnBrk="0" hangingPunct="1">
                 <a:lnSpc>
                   <a:spcPct val="100000"/>
                 </a:lnSpc>
@@ -11724,7 +12531,7 @@
                   <a:ea typeface="+mn-ea"/>
                   <a:cs typeface="Segoe UI Semilight" panose="020B0402040204020203" pitchFamily="34" charset="0"/>
                 </a:rPr>
-                <a:t>Azure Open AI Service (PTU or PAYG)</a:t>
+                <a:t>AOAI Endpoint/Deployment (PTU or PAYG)</a:t>
               </a:r>
               <a:endParaRPr kumimoji="0" lang="de-DE" sz="1400" b="0" i="0" u="none" strike="noStrike" kern="1200" cap="none" spc="0" normalizeH="0" baseline="0" noProof="0">
                 <a:ln>
@@ -11742,10 +12549,10 @@
         </p:sp>
         <p:pic>
           <p:nvPicPr>
-            <p:cNvPr id="24" name="Grafik 23">
+            <p:cNvPr id="15" name="Grafik 14">
               <a:extLst>
                 <a:ext uri="{FF2B5EF4-FFF2-40B4-BE49-F238E27FC236}">
-                  <a16:creationId xmlns:a16="http://schemas.microsoft.com/office/drawing/2014/main" id="{94B382B3-C163-A637-7BE4-BD803A31E696}"/>
+                  <a16:creationId xmlns:a16="http://schemas.microsoft.com/office/drawing/2014/main" id="{4D484613-872D-A1AC-712D-7DA3A64B1504}"/>
                 </a:ext>
               </a:extLst>
             </p:cNvPr>
@@ -11762,7 +12569,7 @@
           </p:blipFill>
           <p:spPr>
             <a:xfrm>
-              <a:off x="6644759" y="3218880"/>
+              <a:off x="6597034" y="5071799"/>
               <a:ext cx="373278" cy="380106"/>
             </a:xfrm>
             <a:prstGeom prst="rect">
@@ -11772,10 +12579,10 @@
         </p:pic>
         <p:sp>
           <p:nvSpPr>
-            <p:cNvPr id="25" name="Textplatzhalter 2">
+            <p:cNvPr id="16" name="Textplatzhalter 2">
               <a:extLst>
                 <a:ext uri="{FF2B5EF4-FFF2-40B4-BE49-F238E27FC236}">
-                  <a16:creationId xmlns:a16="http://schemas.microsoft.com/office/drawing/2014/main" id="{25BD2B51-D2F4-E385-A75D-C08E475DB33F}"/>
+                  <a16:creationId xmlns:a16="http://schemas.microsoft.com/office/drawing/2014/main" id="{A076E22B-AA4C-B077-FD14-64B02430EC7D}"/>
                 </a:ext>
               </a:extLst>
             </p:cNvPr>
@@ -11786,7 +12593,7 @@
           </p:nvSpPr>
           <p:spPr>
             <a:xfrm>
-              <a:off x="6458457" y="2945541"/>
+              <a:off x="6410732" y="4798460"/>
               <a:ext cx="3052208" cy="215444"/>
             </a:xfrm>
             <a:prstGeom prst="rect">
@@ -12032,10 +12839,10 @@
         </p:sp>
         <p:sp>
           <p:nvSpPr>
-            <p:cNvPr id="26" name="Textplatzhalter 2">
+            <p:cNvPr id="31" name="Textplatzhalter 2">
               <a:extLst>
                 <a:ext uri="{FF2B5EF4-FFF2-40B4-BE49-F238E27FC236}">
-                  <a16:creationId xmlns:a16="http://schemas.microsoft.com/office/drawing/2014/main" id="{81ECA9A3-C238-41BC-B35D-CA64BB4B5EE0}"/>
+                  <a16:creationId xmlns:a16="http://schemas.microsoft.com/office/drawing/2014/main" id="{8F9D0DEE-A45C-3E20-7319-4EFCA0EF6106}"/>
                 </a:ext>
               </a:extLst>
             </p:cNvPr>
@@ -12046,8 +12853,8 @@
           </p:nvSpPr>
           <p:spPr>
             <a:xfrm>
-              <a:off x="6937494" y="2597912"/>
-              <a:ext cx="3052208" cy="215444"/>
+              <a:off x="7145612" y="4442058"/>
+              <a:ext cx="3361916" cy="215444"/>
             </a:xfrm>
             <a:prstGeom prst="rect">
               <a:avLst/>
@@ -12256,7 +13063,7 @@
               </a:lvl9pPr>
             </a:lstStyle>
             <a:p>
-              <a:pPr marL="0" marR="0" lvl="0" indent="0" algn="r" defTabSz="932742" rtl="0" eaLnBrk="1" fontAlgn="auto" latinLnBrk="0" hangingPunct="1">
+              <a:pPr marL="0" marR="0" lvl="0" indent="0" defTabSz="932742" rtl="0" eaLnBrk="1" fontAlgn="auto" latinLnBrk="0" hangingPunct="1">
                 <a:lnSpc>
                   <a:spcPct val="100000"/>
                 </a:lnSpc>
@@ -12285,7 +13092,7 @@
                   <a:ea typeface="+mn-ea"/>
                   <a:cs typeface="Segoe UI Semilight" panose="020B0402040204020203" pitchFamily="34" charset="0"/>
                 </a:rPr>
-                <a:t>Azure Open AI Service (PTU or PAYG)</a:t>
+                <a:t>AOAI Endpoint/Deployment (PTU or PAYG)</a:t>
               </a:r>
               <a:endParaRPr kumimoji="0" lang="de-DE" sz="1400" b="0" i="0" u="none" strike="noStrike" kern="1200" cap="none" spc="0" normalizeH="0" baseline="0" noProof="0">
                 <a:ln>
@@ -12303,10 +13110,10 @@
         </p:sp>
         <p:pic>
           <p:nvPicPr>
-            <p:cNvPr id="27" name="Grafik 26">
+            <p:cNvPr id="32" name="Grafik 31">
               <a:extLst>
                 <a:ext uri="{FF2B5EF4-FFF2-40B4-BE49-F238E27FC236}">
-                  <a16:creationId xmlns:a16="http://schemas.microsoft.com/office/drawing/2014/main" id="{101530EC-4ECE-3EC2-D9C7-2E1954C0C710}"/>
+                  <a16:creationId xmlns:a16="http://schemas.microsoft.com/office/drawing/2014/main" id="{14A41B4A-84D9-6D7E-F573-DF9D2847C6C5}"/>
                 </a:ext>
               </a:extLst>
             </p:cNvPr>
@@ -12323,7 +13130,7 @@
           </p:blipFill>
           <p:spPr>
             <a:xfrm>
-              <a:off x="6642526" y="2515581"/>
+              <a:off x="6594801" y="4368500"/>
               <a:ext cx="373278" cy="380106"/>
             </a:xfrm>
             <a:prstGeom prst="rect">
@@ -12333,10 +13140,10 @@
         </p:pic>
         <p:cxnSp>
           <p:nvCxnSpPr>
-            <p:cNvPr id="28" name="Verbinder: gewinkelt 14">
+            <p:cNvPr id="33" name="Verbinder: gewinkelt 14">
               <a:extLst>
                 <a:ext uri="{FF2B5EF4-FFF2-40B4-BE49-F238E27FC236}">
-                  <a16:creationId xmlns:a16="http://schemas.microsoft.com/office/drawing/2014/main" id="{5DC6FD52-0AD9-1204-374D-7BF1D37D6D1E}"/>
+                  <a16:creationId xmlns:a16="http://schemas.microsoft.com/office/drawing/2014/main" id="{1F151D17-5C9A-1351-399B-F6FB3F01CC12}"/>
                 </a:ext>
               </a:extLst>
             </p:cNvPr>
@@ -12347,7 +13154,7 @@
           </p:nvCxnSpPr>
           <p:spPr>
             <a:xfrm>
-              <a:off x="5865039" y="3044945"/>
+              <a:off x="5817314" y="4897864"/>
               <a:ext cx="665002" cy="355404"/>
             </a:xfrm>
             <a:prstGeom prst="bentConnector3">
@@ -12380,10 +13187,10 @@
         </p:cxnSp>
         <p:cxnSp>
           <p:nvCxnSpPr>
-            <p:cNvPr id="29" name="Gerade Verbindung mit Pfeil 28">
+            <p:cNvPr id="34" name="Gerade Verbindung mit Pfeil 33">
               <a:extLst>
                 <a:ext uri="{FF2B5EF4-FFF2-40B4-BE49-F238E27FC236}">
-                  <a16:creationId xmlns:a16="http://schemas.microsoft.com/office/drawing/2014/main" id="{599A3598-3CF5-4C8B-2240-BB23690CFFFD}"/>
+                  <a16:creationId xmlns:a16="http://schemas.microsoft.com/office/drawing/2014/main" id="{3C99C831-5F80-D1EC-0FD9-1E6B1D466661}"/>
                 </a:ext>
               </a:extLst>
             </p:cNvPr>
@@ -12394,7 +13201,7 @@
           </p:nvCxnSpPr>
           <p:spPr>
             <a:xfrm>
-              <a:off x="6197540" y="3047521"/>
+              <a:off x="6149815" y="4900440"/>
               <a:ext cx="332501" cy="0"/>
             </a:xfrm>
             <a:prstGeom prst="straightConnector1">
@@ -12456,10 +13263,10 @@
       </p:grpSpPr>
       <p:grpSp>
         <p:nvGrpSpPr>
-          <p:cNvPr id="9" name="Gruppieren 8">
+          <p:cNvPr id="33" name="Gruppieren 32">
             <a:extLst>
               <a:ext uri="{FF2B5EF4-FFF2-40B4-BE49-F238E27FC236}">
-                <a16:creationId xmlns:a16="http://schemas.microsoft.com/office/drawing/2014/main" id="{D0248F1E-7E3E-3FC6-D94C-67703AE3E4B6}"/>
+                <a16:creationId xmlns:a16="http://schemas.microsoft.com/office/drawing/2014/main" id="{94B2611D-A1D1-8F2A-B07C-B641B157AD62}"/>
               </a:ext>
             </a:extLst>
           </p:cNvPr>
@@ -12468,18 +13275,97 @@
         </p:nvGrpSpPr>
         <p:grpSpPr>
           <a:xfrm>
-            <a:off x="1872424" y="587145"/>
-            <a:ext cx="8821749" cy="5856626"/>
-            <a:chOff x="1872424" y="587145"/>
-            <a:chExt cx="8821749" cy="5856626"/>
+            <a:off x="723691" y="315885"/>
+            <a:ext cx="10842956" cy="6139987"/>
+            <a:chOff x="1033180" y="409669"/>
+            <a:chExt cx="10842956" cy="6139987"/>
           </a:xfrm>
         </p:grpSpPr>
         <p:sp>
           <p:nvSpPr>
-            <p:cNvPr id="6" name="Rechteck 5">
+            <p:cNvPr id="4" name="Rechteck 3">
               <a:extLst>
                 <a:ext uri="{FF2B5EF4-FFF2-40B4-BE49-F238E27FC236}">
-                  <a16:creationId xmlns:a16="http://schemas.microsoft.com/office/drawing/2014/main" id="{9BB61F9D-EF9E-D392-5E60-CD685865E215}"/>
+                  <a16:creationId xmlns:a16="http://schemas.microsoft.com/office/drawing/2014/main" id="{CCB26CFC-2EEB-74CB-14AA-27B0B5FCF9F8}"/>
+                </a:ext>
+              </a:extLst>
+            </p:cNvPr>
+            <p:cNvSpPr/>
+            <p:nvPr/>
+          </p:nvSpPr>
+          <p:spPr bwMode="auto">
+            <a:xfrm>
+              <a:off x="1138427" y="1105994"/>
+              <a:ext cx="5176333" cy="1022061"/>
+            </a:xfrm>
+            <a:prstGeom prst="rect">
+              <a:avLst/>
+            </a:prstGeom>
+            <a:noFill/>
+            <a:ln>
+              <a:solidFill>
+                <a:schemeClr val="tx1"/>
+              </a:solidFill>
+              <a:headEnd type="none" w="med" len="med"/>
+              <a:tailEnd type="none" w="med" len="med"/>
+            </a:ln>
+            <a:effectLst/>
+          </p:spPr>
+          <p:style>
+            <a:lnRef idx="1">
+              <a:schemeClr val="accent2"/>
+            </a:lnRef>
+            <a:fillRef idx="3">
+              <a:schemeClr val="accent2"/>
+            </a:fillRef>
+            <a:effectRef idx="2">
+              <a:schemeClr val="accent2"/>
+            </a:effectRef>
+            <a:fontRef idx="minor">
+              <a:schemeClr val="lt1"/>
+            </a:fontRef>
+          </p:style>
+          <p:txBody>
+            <a:bodyPr rot="0" spcFirstLastPara="0" vertOverflow="overflow" horzOverflow="overflow" vert="horz" wrap="square" lIns="182880" tIns="146304" rIns="182880" bIns="146304" numCol="1" spcCol="0" rtlCol="0" fromWordArt="0" anchor="t" anchorCtr="0" forceAA="0" compatLnSpc="1">
+              <a:prstTxWarp prst="textNoShape">
+                <a:avLst/>
+              </a:prstTxWarp>
+              <a:noAutofit/>
+            </a:bodyPr>
+            <a:lstStyle/>
+            <a:p>
+              <a:pPr algn="l" defTabSz="932472" fontAlgn="base">
+                <a:spcBef>
+                  <a:spcPct val="0"/>
+                </a:spcBef>
+                <a:spcAft>
+                  <a:spcPct val="0"/>
+                </a:spcAft>
+              </a:pPr>
+              <a:endParaRPr lang="de-DE" sz="2400" dirty="0" err="1">
+                <a:gradFill>
+                  <a:gsLst>
+                    <a:gs pos="0">
+                      <a:srgbClr val="FFFFFF"/>
+                    </a:gs>
+                    <a:gs pos="100000">
+                      <a:srgbClr val="FFFFFF"/>
+                    </a:gs>
+                  </a:gsLst>
+                  <a:lin ang="5400000" scaled="0"/>
+                </a:gradFill>
+                <a:ea typeface="Segoe UI" pitchFamily="34" charset="0"/>
+                <a:cs typeface="Segoe UI" pitchFamily="34" charset="0"/>
+              </a:endParaRPr>
+            </a:p>
+          </p:txBody>
+        </p:sp>
+        <p:sp>
+          <p:nvSpPr>
+            <p:cNvPr id="5" name="Rechteck 4">
+              <a:extLst>
+                <a:ext uri="{FF2B5EF4-FFF2-40B4-BE49-F238E27FC236}">
+                  <a16:creationId xmlns:a16="http://schemas.microsoft.com/office/drawing/2014/main" id="{5EED14DE-C416-AEEB-0504-048A3B5E888F}"/>
                 </a:ext>
               </a:extLst>
             </p:cNvPr>
@@ -12488,637 +13374,18 @@
           </p:nvSpPr>
           <p:spPr>
             <a:xfrm>
-              <a:off x="4194284" y="4846836"/>
-              <a:ext cx="2502569" cy="986590"/>
+              <a:off x="3812760" y="4669360"/>
+              <a:ext cx="2502000" cy="986590"/>
             </a:xfrm>
             <a:prstGeom prst="rect">
               <a:avLst/>
             </a:prstGeom>
             <a:solidFill>
-              <a:schemeClr val="bg1"/>
+              <a:schemeClr val="bg2">
+                <a:lumMod val="90000"/>
+                <a:lumOff val="10000"/>
+              </a:schemeClr>
             </a:solidFill>
-          </p:spPr>
-          <p:style>
-            <a:lnRef idx="2">
-              <a:schemeClr val="accent1">
-                <a:shade val="15000"/>
-              </a:schemeClr>
-            </a:lnRef>
-            <a:fillRef idx="1">
-              <a:schemeClr val="accent1"/>
-            </a:fillRef>
-            <a:effectRef idx="0">
-              <a:schemeClr val="accent1"/>
-            </a:effectRef>
-            <a:fontRef idx="minor">
-              <a:schemeClr val="lt1"/>
-            </a:fontRef>
-          </p:style>
-          <p:txBody>
-            <a:bodyPr rtlCol="0" anchor="ctr"/>
-            <a:lstStyle/>
-            <a:p>
-              <a:pPr algn="ctr"/>
-              <a:r>
-                <a:rPr lang="de-DE" sz="1200">
-                  <a:solidFill>
-                    <a:schemeClr val="tx1"/>
-                  </a:solidFill>
-                </a:rPr>
-                <a:t>streaming + non-streaming</a:t>
-              </a:r>
-            </a:p>
-          </p:txBody>
-        </p:sp>
-        <p:sp>
-          <p:nvSpPr>
-            <p:cNvPr id="7" name="Textfeld 6">
-              <a:extLst>
-                <a:ext uri="{FF2B5EF4-FFF2-40B4-BE49-F238E27FC236}">
-                  <a16:creationId xmlns:a16="http://schemas.microsoft.com/office/drawing/2014/main" id="{B54332B5-B467-29E4-444F-F9536E6AE4FB}"/>
-                </a:ext>
-              </a:extLst>
-            </p:cNvPr>
-            <p:cNvSpPr txBox="1"/>
-            <p:nvPr/>
-          </p:nvSpPr>
-          <p:spPr>
-            <a:xfrm>
-              <a:off x="1872424" y="1469698"/>
-              <a:ext cx="1945404" cy="646331"/>
-            </a:xfrm>
-            <a:prstGeom prst="rect">
-              <a:avLst/>
-            </a:prstGeom>
-            <a:noFill/>
-          </p:spPr>
-          <p:txBody>
-            <a:bodyPr wrap="none" rtlCol="0">
-              <a:spAutoFit/>
-            </a:bodyPr>
-            <a:lstStyle/>
-            <a:p>
-              <a:r>
-                <a:rPr lang="de-DE"/>
-                <a:t>AOAI Endpoint 1</a:t>
-              </a:r>
-            </a:p>
-            <a:p>
-              <a:r>
-                <a:rPr lang="de-DE"/>
-                <a:t>ex.: Managed PTU</a:t>
-              </a:r>
-            </a:p>
-          </p:txBody>
-        </p:sp>
-        <p:sp>
-          <p:nvSpPr>
-            <p:cNvPr id="8" name="Textfeld 7">
-              <a:extLst>
-                <a:ext uri="{FF2B5EF4-FFF2-40B4-BE49-F238E27FC236}">
-                  <a16:creationId xmlns:a16="http://schemas.microsoft.com/office/drawing/2014/main" id="{B7CAF514-B3BD-D702-3BC9-EA55F6298660}"/>
-                </a:ext>
-              </a:extLst>
-            </p:cNvPr>
-            <p:cNvSpPr txBox="1"/>
-            <p:nvPr/>
-          </p:nvSpPr>
-          <p:spPr>
-            <a:xfrm>
-              <a:off x="1872424" y="3293527"/>
-              <a:ext cx="2010102" cy="646331"/>
-            </a:xfrm>
-            <a:prstGeom prst="rect">
-              <a:avLst/>
-            </a:prstGeom>
-            <a:noFill/>
-          </p:spPr>
-          <p:txBody>
-            <a:bodyPr wrap="none" rtlCol="0">
-              <a:spAutoFit/>
-            </a:bodyPr>
-            <a:lstStyle/>
-            <a:p>
-              <a:r>
-                <a:rPr lang="de-DE"/>
-                <a:t>AOAI Endpoint 2</a:t>
-              </a:r>
-            </a:p>
-            <a:p>
-              <a:r>
-                <a:rPr lang="de-DE"/>
-                <a:t>ex.: PAYG Region 1</a:t>
-              </a:r>
-            </a:p>
-          </p:txBody>
-        </p:sp>
-        <p:sp>
-          <p:nvSpPr>
-            <p:cNvPr id="10" name="Textfeld 9">
-              <a:extLst>
-                <a:ext uri="{FF2B5EF4-FFF2-40B4-BE49-F238E27FC236}">
-                  <a16:creationId xmlns:a16="http://schemas.microsoft.com/office/drawing/2014/main" id="{81CF7701-D5D5-FC94-CE00-4DBA30722CC5}"/>
-                </a:ext>
-              </a:extLst>
-            </p:cNvPr>
-            <p:cNvSpPr txBox="1"/>
-            <p:nvPr/>
-          </p:nvSpPr>
-          <p:spPr>
-            <a:xfrm>
-              <a:off x="1872424" y="5016965"/>
-              <a:ext cx="2010102" cy="646331"/>
-            </a:xfrm>
-            <a:prstGeom prst="rect">
-              <a:avLst/>
-            </a:prstGeom>
-            <a:noFill/>
-          </p:spPr>
-          <p:txBody>
-            <a:bodyPr wrap="none" rtlCol="0">
-              <a:spAutoFit/>
-            </a:bodyPr>
-            <a:lstStyle/>
-            <a:p>
-              <a:r>
-                <a:rPr lang="de-DE"/>
-                <a:t>AOAI Endpoint 3</a:t>
-              </a:r>
-            </a:p>
-            <a:p>
-              <a:r>
-                <a:rPr lang="de-DE"/>
-                <a:t>ex.: PAYG Region 2</a:t>
-              </a:r>
-            </a:p>
-          </p:txBody>
-        </p:sp>
-        <p:sp>
-          <p:nvSpPr>
-            <p:cNvPr id="4" name="Rechteck 3">
-              <a:extLst>
-                <a:ext uri="{FF2B5EF4-FFF2-40B4-BE49-F238E27FC236}">
-                  <a16:creationId xmlns:a16="http://schemas.microsoft.com/office/drawing/2014/main" id="{F011C583-7906-0211-36F5-79F5CD1A6B74}"/>
-                </a:ext>
-              </a:extLst>
-            </p:cNvPr>
-            <p:cNvSpPr/>
-            <p:nvPr/>
-          </p:nvSpPr>
-          <p:spPr>
-            <a:xfrm>
-              <a:off x="4194285" y="1299569"/>
-              <a:ext cx="2502569" cy="986590"/>
-            </a:xfrm>
-            <a:prstGeom prst="rect">
-              <a:avLst/>
-            </a:prstGeom>
-            <a:solidFill>
-              <a:schemeClr val="bg1"/>
-            </a:solidFill>
-          </p:spPr>
-          <p:style>
-            <a:lnRef idx="2">
-              <a:schemeClr val="accent1">
-                <a:shade val="15000"/>
-              </a:schemeClr>
-            </a:lnRef>
-            <a:fillRef idx="1">
-              <a:schemeClr val="accent1"/>
-            </a:fillRef>
-            <a:effectRef idx="0">
-              <a:schemeClr val="accent1"/>
-            </a:effectRef>
-            <a:fontRef idx="minor">
-              <a:schemeClr val="lt1"/>
-            </a:fontRef>
-          </p:style>
-          <p:txBody>
-            <a:bodyPr rtlCol="0" anchor="ctr"/>
-            <a:lstStyle/>
-            <a:p>
-              <a:pPr algn="ctr"/>
-              <a:endParaRPr lang="de-DE"/>
-            </a:p>
-          </p:txBody>
-        </p:sp>
-        <p:sp>
-          <p:nvSpPr>
-            <p:cNvPr id="11" name="Rechteck 10">
-              <a:extLst>
-                <a:ext uri="{FF2B5EF4-FFF2-40B4-BE49-F238E27FC236}">
-                  <a16:creationId xmlns:a16="http://schemas.microsoft.com/office/drawing/2014/main" id="{EFF5FF02-9889-8571-B152-3388F66FD8E4}"/>
-                </a:ext>
-              </a:extLst>
-            </p:cNvPr>
-            <p:cNvSpPr/>
-            <p:nvPr/>
-          </p:nvSpPr>
-          <p:spPr>
-            <a:xfrm>
-              <a:off x="4194283" y="1299570"/>
-              <a:ext cx="2502569" cy="296032"/>
-            </a:xfrm>
-            <a:prstGeom prst="rect">
-              <a:avLst/>
-            </a:prstGeom>
-          </p:spPr>
-          <p:style>
-            <a:lnRef idx="2">
-              <a:schemeClr val="accent1">
-                <a:shade val="15000"/>
-              </a:schemeClr>
-            </a:lnRef>
-            <a:fillRef idx="1">
-              <a:schemeClr val="accent1"/>
-            </a:fillRef>
-            <a:effectRef idx="0">
-              <a:schemeClr val="accent1"/>
-            </a:effectRef>
-            <a:fontRef idx="minor">
-              <a:schemeClr val="lt1"/>
-            </a:fontRef>
-          </p:style>
-          <p:txBody>
-            <a:bodyPr rtlCol="0" anchor="ctr"/>
-            <a:lstStyle/>
-            <a:p>
-              <a:pPr algn="ctr"/>
-              <a:r>
-                <a:rPr lang="de-DE" sz="1200"/>
-                <a:t>only streaming requests</a:t>
-              </a:r>
-            </a:p>
-          </p:txBody>
-        </p:sp>
-        <p:sp>
-          <p:nvSpPr>
-            <p:cNvPr id="13" name="Textfeld 12">
-              <a:extLst>
-                <a:ext uri="{FF2B5EF4-FFF2-40B4-BE49-F238E27FC236}">
-                  <a16:creationId xmlns:a16="http://schemas.microsoft.com/office/drawing/2014/main" id="{A869474F-3CFE-9B56-AB76-E7B0C03DEDC6}"/>
-                </a:ext>
-              </a:extLst>
-            </p:cNvPr>
-            <p:cNvSpPr txBox="1"/>
-            <p:nvPr/>
-          </p:nvSpPr>
-          <p:spPr>
-            <a:xfrm>
-              <a:off x="6834462" y="1309087"/>
-              <a:ext cx="3859711" cy="276999"/>
-            </a:xfrm>
-            <a:prstGeom prst="rect">
-              <a:avLst/>
-            </a:prstGeom>
-            <a:noFill/>
-          </p:spPr>
-          <p:txBody>
-            <a:bodyPr wrap="none" rtlCol="0">
-              <a:spAutoFit/>
-            </a:bodyPr>
-            <a:lstStyle/>
-            <a:p>
-              <a:r>
-                <a:rPr lang="de-DE" sz="1200">
-                  <a:solidFill>
-                    <a:schemeClr val="accent1"/>
-                  </a:solidFill>
-                </a:rPr>
-                <a:t>option to configure % of non-streaming requests served</a:t>
-              </a:r>
-            </a:p>
-          </p:txBody>
-        </p:sp>
-        <p:cxnSp>
-          <p:nvCxnSpPr>
-            <p:cNvPr id="22" name="Gerade Verbindung mit Pfeil 21">
-              <a:extLst>
-                <a:ext uri="{FF2B5EF4-FFF2-40B4-BE49-F238E27FC236}">
-                  <a16:creationId xmlns:a16="http://schemas.microsoft.com/office/drawing/2014/main" id="{6F1A11E0-111C-A3D5-3C9C-48ED927CC725}"/>
-                </a:ext>
-              </a:extLst>
-            </p:cNvPr>
-            <p:cNvCxnSpPr>
-              <a:cxnSpLocks/>
-            </p:cNvCxnSpPr>
-            <p:nvPr/>
-          </p:nvCxnSpPr>
-          <p:spPr>
-            <a:xfrm flipH="1">
-              <a:off x="5445568" y="2286159"/>
-              <a:ext cx="2" cy="806633"/>
-            </a:xfrm>
-            <a:prstGeom prst="straightConnector1">
-              <a:avLst/>
-            </a:prstGeom>
-            <a:ln>
-              <a:tailEnd type="triangle"/>
-            </a:ln>
-          </p:spPr>
-          <p:style>
-            <a:lnRef idx="2">
-              <a:schemeClr val="accent1"/>
-            </a:lnRef>
-            <a:fillRef idx="0">
-              <a:schemeClr val="accent1"/>
-            </a:fillRef>
-            <a:effectRef idx="1">
-              <a:schemeClr val="accent1"/>
-            </a:effectRef>
-            <a:fontRef idx="minor">
-              <a:schemeClr val="tx1"/>
-            </a:fontRef>
-          </p:style>
-        </p:cxnSp>
-        <p:cxnSp>
-          <p:nvCxnSpPr>
-            <p:cNvPr id="23" name="Gerade Verbindung mit Pfeil 22">
-              <a:extLst>
-                <a:ext uri="{FF2B5EF4-FFF2-40B4-BE49-F238E27FC236}">
-                  <a16:creationId xmlns:a16="http://schemas.microsoft.com/office/drawing/2014/main" id="{846579B5-CC8C-418F-FC08-480DF382B963}"/>
-                </a:ext>
-              </a:extLst>
-            </p:cNvPr>
-            <p:cNvCxnSpPr>
-              <a:cxnSpLocks/>
-            </p:cNvCxnSpPr>
-            <p:nvPr/>
-          </p:nvCxnSpPr>
-          <p:spPr>
-            <a:xfrm flipH="1">
-              <a:off x="5445569" y="4079382"/>
-              <a:ext cx="1" cy="767454"/>
-            </a:xfrm>
-            <a:prstGeom prst="straightConnector1">
-              <a:avLst/>
-            </a:prstGeom>
-            <a:ln>
-              <a:tailEnd type="triangle"/>
-            </a:ln>
-          </p:spPr>
-          <p:style>
-            <a:lnRef idx="2">
-              <a:schemeClr val="accent1"/>
-            </a:lnRef>
-            <a:fillRef idx="0">
-              <a:schemeClr val="accent1"/>
-            </a:fillRef>
-            <a:effectRef idx="1">
-              <a:schemeClr val="accent1"/>
-            </a:effectRef>
-            <a:fontRef idx="minor">
-              <a:schemeClr val="tx1"/>
-            </a:fontRef>
-          </p:style>
-        </p:cxnSp>
-        <p:sp>
-          <p:nvSpPr>
-            <p:cNvPr id="26" name="Textfeld 25">
-              <a:extLst>
-                <a:ext uri="{FF2B5EF4-FFF2-40B4-BE49-F238E27FC236}">
-                  <a16:creationId xmlns:a16="http://schemas.microsoft.com/office/drawing/2014/main" id="{A7C4B877-EE89-12C5-86A3-A6D2C6A474C4}"/>
-                </a:ext>
-              </a:extLst>
-            </p:cNvPr>
-            <p:cNvSpPr txBox="1"/>
-            <p:nvPr/>
-          </p:nvSpPr>
-          <p:spPr>
-            <a:xfrm>
-              <a:off x="5510463" y="2558670"/>
-              <a:ext cx="3129383" cy="261610"/>
-            </a:xfrm>
-            <a:prstGeom prst="rect">
-              <a:avLst/>
-            </a:prstGeom>
-            <a:noFill/>
-          </p:spPr>
-          <p:txBody>
-            <a:bodyPr wrap="none" rtlCol="0">
-              <a:spAutoFit/>
-            </a:bodyPr>
-            <a:lstStyle/>
-            <a:p>
-              <a:r>
-                <a:rPr lang="de-DE" sz="1100"/>
-                <a:t>429 or endpoint before is known to be at capacity</a:t>
-              </a:r>
-            </a:p>
-          </p:txBody>
-        </p:sp>
-        <p:sp>
-          <p:nvSpPr>
-            <p:cNvPr id="27" name="Textfeld 26">
-              <a:extLst>
-                <a:ext uri="{FF2B5EF4-FFF2-40B4-BE49-F238E27FC236}">
-                  <a16:creationId xmlns:a16="http://schemas.microsoft.com/office/drawing/2014/main" id="{5A1ECB63-C7D6-B100-2823-554B0D8BC51D}"/>
-                </a:ext>
-              </a:extLst>
-            </p:cNvPr>
-            <p:cNvSpPr txBox="1"/>
-            <p:nvPr/>
-          </p:nvSpPr>
-          <p:spPr>
-            <a:xfrm>
-              <a:off x="5510463" y="4332304"/>
-              <a:ext cx="2735044" cy="261610"/>
-            </a:xfrm>
-            <a:prstGeom prst="rect">
-              <a:avLst/>
-            </a:prstGeom>
-            <a:noFill/>
-          </p:spPr>
-          <p:txBody>
-            <a:bodyPr wrap="none" rtlCol="0">
-              <a:spAutoFit/>
-            </a:bodyPr>
-            <a:lstStyle/>
-            <a:p>
-              <a:r>
-                <a:rPr lang="de-DE" sz="1100"/>
-                <a:t>429 or endpoint is known to be at capacity</a:t>
-              </a:r>
-            </a:p>
-          </p:txBody>
-        </p:sp>
-        <p:cxnSp>
-          <p:nvCxnSpPr>
-            <p:cNvPr id="29" name="Gerade Verbindung mit Pfeil 28">
-              <a:extLst>
-                <a:ext uri="{FF2B5EF4-FFF2-40B4-BE49-F238E27FC236}">
-                  <a16:creationId xmlns:a16="http://schemas.microsoft.com/office/drawing/2014/main" id="{19D86F86-34D0-E16A-E2D1-E63E53D03DDF}"/>
-                </a:ext>
-              </a:extLst>
-            </p:cNvPr>
-            <p:cNvCxnSpPr>
-              <a:cxnSpLocks/>
-            </p:cNvCxnSpPr>
-            <p:nvPr/>
-          </p:nvCxnSpPr>
-          <p:spPr>
-            <a:xfrm>
-              <a:off x="5445568" y="5833426"/>
-              <a:ext cx="0" cy="610345"/>
-            </a:xfrm>
-            <a:prstGeom prst="straightConnector1">
-              <a:avLst/>
-            </a:prstGeom>
-            <a:ln>
-              <a:tailEnd type="triangle"/>
-            </a:ln>
-          </p:spPr>
-          <p:style>
-            <a:lnRef idx="2">
-              <a:schemeClr val="accent1"/>
-            </a:lnRef>
-            <a:fillRef idx="0">
-              <a:schemeClr val="accent1"/>
-            </a:fillRef>
-            <a:effectRef idx="1">
-              <a:schemeClr val="accent1"/>
-            </a:effectRef>
-            <a:fontRef idx="minor">
-              <a:schemeClr val="tx1"/>
-            </a:fontRef>
-          </p:style>
-        </p:cxnSp>
-        <p:cxnSp>
-          <p:nvCxnSpPr>
-            <p:cNvPr id="31" name="Gerade Verbindung mit Pfeil 30">
-              <a:extLst>
-                <a:ext uri="{FF2B5EF4-FFF2-40B4-BE49-F238E27FC236}">
-                  <a16:creationId xmlns:a16="http://schemas.microsoft.com/office/drawing/2014/main" id="{A9ED0779-8C97-8AE8-36C9-1F7370BBC6CB}"/>
-                </a:ext>
-              </a:extLst>
-            </p:cNvPr>
-            <p:cNvCxnSpPr>
-              <a:cxnSpLocks/>
-            </p:cNvCxnSpPr>
-            <p:nvPr/>
-          </p:nvCxnSpPr>
-          <p:spPr>
-            <a:xfrm>
-              <a:off x="5445568" y="587145"/>
-              <a:ext cx="0" cy="712424"/>
-            </a:xfrm>
-            <a:prstGeom prst="straightConnector1">
-              <a:avLst/>
-            </a:prstGeom>
-            <a:ln>
-              <a:tailEnd type="triangle"/>
-            </a:ln>
-          </p:spPr>
-          <p:style>
-            <a:lnRef idx="2">
-              <a:schemeClr val="accent1"/>
-            </a:lnRef>
-            <a:fillRef idx="0">
-              <a:schemeClr val="accent1"/>
-            </a:fillRef>
-            <a:effectRef idx="1">
-              <a:schemeClr val="accent1"/>
-            </a:effectRef>
-            <a:fontRef idx="minor">
-              <a:schemeClr val="tx1"/>
-            </a:fontRef>
-          </p:style>
-        </p:cxnSp>
-        <p:sp>
-          <p:nvSpPr>
-            <p:cNvPr id="34" name="Textfeld 33">
-              <a:extLst>
-                <a:ext uri="{FF2B5EF4-FFF2-40B4-BE49-F238E27FC236}">
-                  <a16:creationId xmlns:a16="http://schemas.microsoft.com/office/drawing/2014/main" id="{1B2D1B1B-D72D-9230-2177-51874E726BC3}"/>
-                </a:ext>
-              </a:extLst>
-            </p:cNvPr>
-            <p:cNvSpPr txBox="1"/>
-            <p:nvPr/>
-          </p:nvSpPr>
-          <p:spPr>
-            <a:xfrm>
-              <a:off x="5557233" y="696748"/>
-              <a:ext cx="1244251" cy="261610"/>
-            </a:xfrm>
-            <a:prstGeom prst="rect">
-              <a:avLst/>
-            </a:prstGeom>
-            <a:noFill/>
-          </p:spPr>
-          <p:txBody>
-            <a:bodyPr wrap="none" rtlCol="0">
-              <a:spAutoFit/>
-            </a:bodyPr>
-            <a:lstStyle/>
-            <a:p>
-              <a:r>
-                <a:rPr lang="de-DE" sz="1100"/>
-                <a:t>incoming request</a:t>
-              </a:r>
-            </a:p>
-          </p:txBody>
-        </p:sp>
-        <p:sp>
-          <p:nvSpPr>
-            <p:cNvPr id="36" name="Textfeld 35">
-              <a:extLst>
-                <a:ext uri="{FF2B5EF4-FFF2-40B4-BE49-F238E27FC236}">
-                  <a16:creationId xmlns:a16="http://schemas.microsoft.com/office/drawing/2014/main" id="{263081FE-6C50-5D82-6CE8-7CCA1519AF54}"/>
-                </a:ext>
-              </a:extLst>
-            </p:cNvPr>
-            <p:cNvSpPr txBox="1"/>
-            <p:nvPr/>
-          </p:nvSpPr>
-          <p:spPr>
-            <a:xfrm>
-              <a:off x="6834462" y="3106735"/>
-              <a:ext cx="3859711" cy="276999"/>
-            </a:xfrm>
-            <a:prstGeom prst="rect">
-              <a:avLst/>
-            </a:prstGeom>
-            <a:noFill/>
-          </p:spPr>
-          <p:txBody>
-            <a:bodyPr wrap="none" rtlCol="0">
-              <a:spAutoFit/>
-            </a:bodyPr>
-            <a:lstStyle/>
-            <a:p>
-              <a:r>
-                <a:rPr lang="de-DE" sz="1200">
-                  <a:solidFill>
-                    <a:schemeClr val="accent1"/>
-                  </a:solidFill>
-                </a:rPr>
-                <a:t>option to configure % of non-streaming requests served</a:t>
-              </a:r>
-            </a:p>
-          </p:txBody>
-        </p:sp>
-        <p:sp>
-          <p:nvSpPr>
-            <p:cNvPr id="37" name="Rechteck 36">
-              <a:extLst>
-                <a:ext uri="{FF2B5EF4-FFF2-40B4-BE49-F238E27FC236}">
-                  <a16:creationId xmlns:a16="http://schemas.microsoft.com/office/drawing/2014/main" id="{1CFCC3DE-80AD-F2F4-7821-F2560BA74D59}"/>
-                </a:ext>
-              </a:extLst>
-            </p:cNvPr>
-            <p:cNvSpPr/>
-            <p:nvPr/>
-          </p:nvSpPr>
-          <p:spPr>
-            <a:xfrm>
-              <a:off x="4194283" y="1595602"/>
-              <a:ext cx="2502569" cy="690556"/>
-            </a:xfrm>
-            <a:prstGeom prst="rect">
-              <a:avLst/>
-            </a:prstGeom>
-            <a:noFill/>
             <a:ln>
               <a:noFill/>
             </a:ln>
@@ -13150,136 +13417,72 @@
                     <a:schemeClr val="tx1"/>
                   </a:solidFill>
                 </a:rPr>
-                <a:t>streaming + non-streaming</a:t>
+                <a:t>capacity for streaming + non-streaming</a:t>
               </a:r>
             </a:p>
           </p:txBody>
         </p:sp>
-        <p:grpSp>
-          <p:nvGrpSpPr>
-            <p:cNvPr id="2" name="Gruppieren 1">
+        <p:sp>
+          <p:nvSpPr>
+            <p:cNvPr id="6" name="Textfeld 5">
               <a:extLst>
                 <a:ext uri="{FF2B5EF4-FFF2-40B4-BE49-F238E27FC236}">
-                  <a16:creationId xmlns:a16="http://schemas.microsoft.com/office/drawing/2014/main" id="{DC9339BF-5DA8-3E89-5824-D13259BC3C38}"/>
+                  <a16:creationId xmlns:a16="http://schemas.microsoft.com/office/drawing/2014/main" id="{FB4D3BA0-022B-E39E-AE10-CC17DC07095F}"/>
                 </a:ext>
               </a:extLst>
             </p:cNvPr>
-            <p:cNvGrpSpPr/>
+            <p:cNvSpPr txBox="1"/>
             <p:nvPr/>
-          </p:nvGrpSpPr>
-          <p:grpSpPr>
+          </p:nvSpPr>
+          <p:spPr>
             <a:xfrm>
-              <a:off x="4194281" y="3073202"/>
-              <a:ext cx="2502569" cy="986590"/>
-              <a:chOff x="4194281" y="3097002"/>
-              <a:chExt cx="2502569" cy="986590"/>
+              <a:off x="1474446" y="1153051"/>
+              <a:ext cx="2312236" cy="897169"/>
             </a:xfrm>
-          </p:grpSpPr>
-          <p:sp>
-            <p:nvSpPr>
-              <p:cNvPr id="38" name="Rechteck 37">
-                <a:extLst>
-                  <a:ext uri="{FF2B5EF4-FFF2-40B4-BE49-F238E27FC236}">
-                    <a16:creationId xmlns:a16="http://schemas.microsoft.com/office/drawing/2014/main" id="{547D8DD0-C2BA-7077-ED73-96943D7575F9}"/>
-                  </a:ext>
-                </a:extLst>
-              </p:cNvPr>
-              <p:cNvSpPr/>
-              <p:nvPr/>
-            </p:nvSpPr>
-            <p:spPr>
-              <a:xfrm>
-                <a:off x="4194281" y="3097002"/>
-                <a:ext cx="2502569" cy="986590"/>
-              </a:xfrm>
-              <a:prstGeom prst="rect">
-                <a:avLst/>
-              </a:prstGeom>
-              <a:solidFill>
-                <a:schemeClr val="bg1"/>
-              </a:solidFill>
-            </p:spPr>
-            <p:style>
-              <a:lnRef idx="2">
-                <a:schemeClr val="accent1">
-                  <a:shade val="15000"/>
-                </a:schemeClr>
-              </a:lnRef>
-              <a:fillRef idx="1">
-                <a:schemeClr val="accent1"/>
-              </a:fillRef>
-              <a:effectRef idx="0">
-                <a:schemeClr val="accent1"/>
-              </a:effectRef>
-              <a:fontRef idx="minor">
-                <a:schemeClr val="lt1"/>
-              </a:fontRef>
-            </p:style>
-            <p:txBody>
-              <a:bodyPr rtlCol="0" anchor="ctr"/>
-              <a:lstStyle/>
-              <a:p>
-                <a:pPr algn="ctr"/>
-                <a:endParaRPr lang="de-DE"/>
-              </a:p>
-            </p:txBody>
-          </p:sp>
-          <p:sp>
-            <p:nvSpPr>
-              <p:cNvPr id="39" name="Rechteck 38">
-                <a:extLst>
-                  <a:ext uri="{FF2B5EF4-FFF2-40B4-BE49-F238E27FC236}">
-                    <a16:creationId xmlns:a16="http://schemas.microsoft.com/office/drawing/2014/main" id="{8B9B2A13-3E60-E1E5-FDE2-9F16773950AF}"/>
-                  </a:ext>
-                </a:extLst>
-              </p:cNvPr>
-              <p:cNvSpPr/>
-              <p:nvPr/>
-            </p:nvSpPr>
-            <p:spPr>
-              <a:xfrm>
-                <a:off x="4194281" y="3097218"/>
-                <a:ext cx="2502569" cy="296032"/>
-              </a:xfrm>
-              <a:prstGeom prst="rect">
-                <a:avLst/>
-              </a:prstGeom>
-            </p:spPr>
-            <p:style>
-              <a:lnRef idx="2">
-                <a:schemeClr val="accent1">
-                  <a:shade val="15000"/>
-                </a:schemeClr>
-              </a:lnRef>
-              <a:fillRef idx="1">
-                <a:schemeClr val="accent1"/>
-              </a:fillRef>
-              <a:effectRef idx="0">
-                <a:schemeClr val="accent1"/>
-              </a:effectRef>
-              <a:fontRef idx="minor">
-                <a:schemeClr val="lt1"/>
-              </a:fontRef>
-            </p:style>
-            <p:txBody>
-              <a:bodyPr rtlCol="0" anchor="ctr"/>
-              <a:lstStyle/>
-              <a:p>
-                <a:pPr algn="ctr"/>
-                <a:r>
-                  <a:rPr lang="de-DE" sz="1200"/>
-                  <a:t>only streaming requests</a:t>
-                </a:r>
-              </a:p>
-            </p:txBody>
-          </p:sp>
-        </p:grpSp>
+            <a:prstGeom prst="rect">
+              <a:avLst/>
+            </a:prstGeom>
+            <a:noFill/>
+          </p:spPr>
+          <p:txBody>
+            <a:bodyPr wrap="none" rtlCol="0">
+              <a:spAutoFit/>
+            </a:bodyPr>
+            <a:lstStyle/>
+            <a:p>
+              <a:r>
+                <a:rPr lang="de-DE"/>
+                <a:t>AOAI Endpoint or</a:t>
+              </a:r>
+            </a:p>
+            <a:p>
+              <a:pPr>
+                <a:spcAft>
+                  <a:spcPts val="600"/>
+                </a:spcAft>
+              </a:pPr>
+              <a:r>
+                <a:rPr lang="de-DE"/>
+                <a:t>Deployment 1</a:t>
+              </a:r>
+            </a:p>
+            <a:p>
+              <a:r>
+                <a:rPr lang="de-DE" sz="1200" i="1">
+                  <a:latin typeface="Segoe UI Semilight" panose="020B0402040204020203" pitchFamily="34" charset="0"/>
+                  <a:cs typeface="Segoe UI Semilight" panose="020B0402040204020203" pitchFamily="34" charset="0"/>
+                </a:rPr>
+                <a:t>example: Managed PTU, region 1</a:t>
+              </a:r>
+            </a:p>
+          </p:txBody>
+        </p:sp>
         <p:sp>
           <p:nvSpPr>
-            <p:cNvPr id="40" name="Rechteck 39">
+            <p:cNvPr id="8" name="Rechteck 7">
               <a:extLst>
                 <a:ext uri="{FF2B5EF4-FFF2-40B4-BE49-F238E27FC236}">
-                  <a16:creationId xmlns:a16="http://schemas.microsoft.com/office/drawing/2014/main" id="{9FAEA5C1-4973-1629-BAF2-EB432126BD28}"/>
+                  <a16:creationId xmlns:a16="http://schemas.microsoft.com/office/drawing/2014/main" id="{7CD59DC6-D8F4-FBE9-52E4-C9B541932C6D}"/>
                 </a:ext>
               </a:extLst>
             </p:cNvPr>
@@ -13288,13 +13491,382 @@
           </p:nvSpPr>
           <p:spPr>
             <a:xfrm>
-              <a:off x="4194281" y="3383735"/>
-              <a:ext cx="2502569" cy="671912"/>
+              <a:off x="3812760" y="1105993"/>
+              <a:ext cx="2502000" cy="312131"/>
+            </a:xfrm>
+            <a:prstGeom prst="rect">
+              <a:avLst/>
+            </a:prstGeom>
+            <a:solidFill>
+              <a:schemeClr val="tx2">
+                <a:lumMod val="90000"/>
+                <a:lumOff val="10000"/>
+              </a:schemeClr>
+            </a:solidFill>
+            <a:ln>
+              <a:noFill/>
+            </a:ln>
+          </p:spPr>
+          <p:style>
+            <a:lnRef idx="2">
+              <a:schemeClr val="accent1">
+                <a:shade val="15000"/>
+              </a:schemeClr>
+            </a:lnRef>
+            <a:fillRef idx="1">
+              <a:schemeClr val="accent1"/>
+            </a:fillRef>
+            <a:effectRef idx="0">
+              <a:schemeClr val="accent1"/>
+            </a:effectRef>
+            <a:fontRef idx="minor">
+              <a:schemeClr val="lt1"/>
+            </a:fontRef>
+          </p:style>
+          <p:txBody>
+            <a:bodyPr rtlCol="0" anchor="ctr"/>
+            <a:lstStyle/>
+            <a:p>
+              <a:pPr algn="ctr"/>
+              <a:r>
+                <a:rPr lang="de-DE" sz="1200">
+                  <a:solidFill>
+                    <a:schemeClr val="bg1"/>
+                  </a:solidFill>
+                </a:rPr>
+                <a:t>capacity for streaming requests</a:t>
+              </a:r>
+            </a:p>
+          </p:txBody>
+        </p:sp>
+        <p:sp>
+          <p:nvSpPr>
+            <p:cNvPr id="9" name="Textfeld 8">
+              <a:extLst>
+                <a:ext uri="{FF2B5EF4-FFF2-40B4-BE49-F238E27FC236}">
+                  <a16:creationId xmlns:a16="http://schemas.microsoft.com/office/drawing/2014/main" id="{CB593F13-09C7-D55B-1D8F-D80F1EE88C17}"/>
+                </a:ext>
+              </a:extLst>
+            </p:cNvPr>
+            <p:cNvSpPr txBox="1"/>
+            <p:nvPr/>
+          </p:nvSpPr>
+          <p:spPr>
+            <a:xfrm>
+              <a:off x="6776727" y="1294178"/>
+              <a:ext cx="5099409" cy="646331"/>
             </a:xfrm>
             <a:prstGeom prst="rect">
               <a:avLst/>
             </a:prstGeom>
             <a:noFill/>
+            <a:ln>
+              <a:noFill/>
+            </a:ln>
+          </p:spPr>
+          <p:txBody>
+            <a:bodyPr wrap="none" rtlCol="0">
+              <a:spAutoFit/>
+            </a:bodyPr>
+            <a:lstStyle/>
+            <a:p>
+              <a:r>
+                <a:rPr lang="en-US" sz="1200">
+                  <a:solidFill>
+                    <a:schemeClr val="tx2"/>
+                  </a:solidFill>
+                </a:rPr>
+                <a:t>on non-streaming request: "roll dice" and decide if request is passed to</a:t>
+              </a:r>
+            </a:p>
+            <a:p>
+              <a:r>
+                <a:rPr lang="en-US" sz="1200">
+                  <a:solidFill>
+                    <a:schemeClr val="tx2"/>
+                  </a:solidFill>
+                </a:rPr>
+                <a:t>next endpoint/deployment or not (configurable ratio), to reserve capacity</a:t>
+              </a:r>
+            </a:p>
+            <a:p>
+              <a:r>
+                <a:rPr lang="en-US" sz="1200">
+                  <a:solidFill>
+                    <a:schemeClr val="tx2"/>
+                  </a:solidFill>
+                </a:rPr>
+                <a:t>for streaming requests</a:t>
+              </a:r>
+            </a:p>
+          </p:txBody>
+        </p:sp>
+        <p:cxnSp>
+          <p:nvCxnSpPr>
+            <p:cNvPr id="10" name="Gerade Verbindung mit Pfeil 9">
+              <a:extLst>
+                <a:ext uri="{FF2B5EF4-FFF2-40B4-BE49-F238E27FC236}">
+                  <a16:creationId xmlns:a16="http://schemas.microsoft.com/office/drawing/2014/main" id="{68DCCDD2-25CE-96F2-F126-36D4D9BFE86A}"/>
+                </a:ext>
+              </a:extLst>
+            </p:cNvPr>
+            <p:cNvCxnSpPr>
+              <a:cxnSpLocks/>
+            </p:cNvCxnSpPr>
+            <p:nvPr/>
+          </p:nvCxnSpPr>
+          <p:spPr>
+            <a:xfrm>
+              <a:off x="5047590" y="2128055"/>
+              <a:ext cx="0" cy="767887"/>
+            </a:xfrm>
+            <a:prstGeom prst="straightConnector1">
+              <a:avLst/>
+            </a:prstGeom>
+            <a:ln>
+              <a:tailEnd type="triangle"/>
+            </a:ln>
+          </p:spPr>
+          <p:style>
+            <a:lnRef idx="2">
+              <a:schemeClr val="accent1"/>
+            </a:lnRef>
+            <a:fillRef idx="0">
+              <a:schemeClr val="accent1"/>
+            </a:fillRef>
+            <a:effectRef idx="1">
+              <a:schemeClr val="accent1"/>
+            </a:effectRef>
+            <a:fontRef idx="minor">
+              <a:schemeClr val="tx1"/>
+            </a:fontRef>
+          </p:style>
+        </p:cxnSp>
+        <p:cxnSp>
+          <p:nvCxnSpPr>
+            <p:cNvPr id="11" name="Gerade Verbindung mit Pfeil 10">
+              <a:extLst>
+                <a:ext uri="{FF2B5EF4-FFF2-40B4-BE49-F238E27FC236}">
+                  <a16:creationId xmlns:a16="http://schemas.microsoft.com/office/drawing/2014/main" id="{B2B25BA9-63E9-C598-E6EE-08278433EC53}"/>
+                </a:ext>
+              </a:extLst>
+            </p:cNvPr>
+            <p:cNvCxnSpPr>
+              <a:cxnSpLocks/>
+            </p:cNvCxnSpPr>
+            <p:nvPr/>
+          </p:nvCxnSpPr>
+          <p:spPr>
+            <a:xfrm flipH="1">
+              <a:off x="5047591" y="3901906"/>
+              <a:ext cx="1" cy="767454"/>
+            </a:xfrm>
+            <a:prstGeom prst="straightConnector1">
+              <a:avLst/>
+            </a:prstGeom>
+            <a:ln>
+              <a:tailEnd type="triangle"/>
+            </a:ln>
+          </p:spPr>
+          <p:style>
+            <a:lnRef idx="2">
+              <a:schemeClr val="accent1"/>
+            </a:lnRef>
+            <a:fillRef idx="0">
+              <a:schemeClr val="accent1"/>
+            </a:fillRef>
+            <a:effectRef idx="1">
+              <a:schemeClr val="accent1"/>
+            </a:effectRef>
+            <a:fontRef idx="minor">
+              <a:schemeClr val="tx1"/>
+            </a:fontRef>
+          </p:style>
+        </p:cxnSp>
+        <p:sp>
+          <p:nvSpPr>
+            <p:cNvPr id="12" name="Textfeld 11">
+              <a:extLst>
+                <a:ext uri="{FF2B5EF4-FFF2-40B4-BE49-F238E27FC236}">
+                  <a16:creationId xmlns:a16="http://schemas.microsoft.com/office/drawing/2014/main" id="{424801F8-F5E7-CF88-32F4-EE4DF33AFE33}"/>
+                </a:ext>
+              </a:extLst>
+            </p:cNvPr>
+            <p:cNvSpPr txBox="1"/>
+            <p:nvPr/>
+          </p:nvSpPr>
+          <p:spPr>
+            <a:xfrm>
+              <a:off x="5112485" y="2296135"/>
+              <a:ext cx="4256293" cy="430887"/>
+            </a:xfrm>
+            <a:prstGeom prst="rect">
+              <a:avLst/>
+            </a:prstGeom>
+            <a:noFill/>
+          </p:spPr>
+          <p:txBody>
+            <a:bodyPr wrap="none" rtlCol="0">
+              <a:spAutoFit/>
+            </a:bodyPr>
+            <a:lstStyle/>
+            <a:p>
+              <a:r>
+                <a:rPr lang="de-DE" sz="1100"/>
+                <a:t>on 429, 500 or if endpoint/deployment is known to be at capacity,</a:t>
+              </a:r>
+            </a:p>
+            <a:p>
+              <a:r>
+                <a:rPr lang="de-DE" sz="1100"/>
+                <a:t>else return result to client</a:t>
+              </a:r>
+            </a:p>
+          </p:txBody>
+        </p:sp>
+        <p:cxnSp>
+          <p:nvCxnSpPr>
+            <p:cNvPr id="13" name="Gerade Verbindung mit Pfeil 12">
+              <a:extLst>
+                <a:ext uri="{FF2B5EF4-FFF2-40B4-BE49-F238E27FC236}">
+                  <a16:creationId xmlns:a16="http://schemas.microsoft.com/office/drawing/2014/main" id="{07EE3D33-E54B-65A3-ED40-95D0AB23749C}"/>
+                </a:ext>
+              </a:extLst>
+            </p:cNvPr>
+            <p:cNvCxnSpPr>
+              <a:cxnSpLocks/>
+            </p:cNvCxnSpPr>
+            <p:nvPr/>
+          </p:nvCxnSpPr>
+          <p:spPr>
+            <a:xfrm>
+              <a:off x="5047590" y="5677214"/>
+              <a:ext cx="0" cy="872442"/>
+            </a:xfrm>
+            <a:prstGeom prst="straightConnector1">
+              <a:avLst/>
+            </a:prstGeom>
+            <a:ln>
+              <a:tailEnd type="triangle"/>
+            </a:ln>
+          </p:spPr>
+          <p:style>
+            <a:lnRef idx="2">
+              <a:schemeClr val="accent1"/>
+            </a:lnRef>
+            <a:fillRef idx="0">
+              <a:schemeClr val="accent1"/>
+            </a:fillRef>
+            <a:effectRef idx="1">
+              <a:schemeClr val="accent1"/>
+            </a:effectRef>
+            <a:fontRef idx="minor">
+              <a:schemeClr val="tx1"/>
+            </a:fontRef>
+          </p:style>
+        </p:cxnSp>
+        <p:cxnSp>
+          <p:nvCxnSpPr>
+            <p:cNvPr id="14" name="Gerade Verbindung mit Pfeil 13">
+              <a:extLst>
+                <a:ext uri="{FF2B5EF4-FFF2-40B4-BE49-F238E27FC236}">
+                  <a16:creationId xmlns:a16="http://schemas.microsoft.com/office/drawing/2014/main" id="{39C5FF2F-6682-D29E-BC4D-1FB09C014E92}"/>
+                </a:ext>
+              </a:extLst>
+            </p:cNvPr>
+            <p:cNvCxnSpPr>
+              <a:cxnSpLocks/>
+            </p:cNvCxnSpPr>
+            <p:nvPr/>
+          </p:nvCxnSpPr>
+          <p:spPr>
+            <a:xfrm>
+              <a:off x="5047590" y="409669"/>
+              <a:ext cx="0" cy="712424"/>
+            </a:xfrm>
+            <a:prstGeom prst="straightConnector1">
+              <a:avLst/>
+            </a:prstGeom>
+            <a:ln>
+              <a:tailEnd type="triangle"/>
+            </a:ln>
+          </p:spPr>
+          <p:style>
+            <a:lnRef idx="2">
+              <a:schemeClr val="accent1"/>
+            </a:lnRef>
+            <a:fillRef idx="0">
+              <a:schemeClr val="accent1"/>
+            </a:fillRef>
+            <a:effectRef idx="1">
+              <a:schemeClr val="accent1"/>
+            </a:effectRef>
+            <a:fontRef idx="minor">
+              <a:schemeClr val="tx1"/>
+            </a:fontRef>
+          </p:style>
+        </p:cxnSp>
+        <p:sp>
+          <p:nvSpPr>
+            <p:cNvPr id="15" name="Textfeld 14">
+              <a:extLst>
+                <a:ext uri="{FF2B5EF4-FFF2-40B4-BE49-F238E27FC236}">
+                  <a16:creationId xmlns:a16="http://schemas.microsoft.com/office/drawing/2014/main" id="{392FFFC3-7997-B091-39C7-7B6D0BF14550}"/>
+                </a:ext>
+              </a:extLst>
+            </p:cNvPr>
+            <p:cNvSpPr txBox="1"/>
+            <p:nvPr/>
+          </p:nvSpPr>
+          <p:spPr>
+            <a:xfrm>
+              <a:off x="5159255" y="564006"/>
+              <a:ext cx="1244251" cy="261610"/>
+            </a:xfrm>
+            <a:prstGeom prst="rect">
+              <a:avLst/>
+            </a:prstGeom>
+            <a:noFill/>
+          </p:spPr>
+          <p:txBody>
+            <a:bodyPr wrap="none" rtlCol="0">
+              <a:spAutoFit/>
+            </a:bodyPr>
+            <a:lstStyle/>
+            <a:p>
+              <a:r>
+                <a:rPr lang="de-DE" sz="1100"/>
+                <a:t>incoming request</a:t>
+              </a:r>
+            </a:p>
+          </p:txBody>
+        </p:sp>
+        <p:sp>
+          <p:nvSpPr>
+            <p:cNvPr id="16" name="Rechteck 15">
+              <a:extLst>
+                <a:ext uri="{FF2B5EF4-FFF2-40B4-BE49-F238E27FC236}">
+                  <a16:creationId xmlns:a16="http://schemas.microsoft.com/office/drawing/2014/main" id="{658AD139-A465-9C5C-41DD-D507D49700CE}"/>
+                </a:ext>
+              </a:extLst>
+            </p:cNvPr>
+            <p:cNvSpPr/>
+            <p:nvPr/>
+          </p:nvSpPr>
+          <p:spPr>
+            <a:xfrm>
+              <a:off x="3812760" y="1418126"/>
+              <a:ext cx="2502000" cy="690556"/>
+            </a:xfrm>
+            <a:prstGeom prst="rect">
+              <a:avLst/>
+            </a:prstGeom>
+            <a:solidFill>
+              <a:schemeClr val="bg2">
+                <a:lumMod val="90000"/>
+                <a:lumOff val="10000"/>
+              </a:schemeClr>
+            </a:solidFill>
             <a:ln>
               <a:noFill/>
             </a:ln>
@@ -13326,17 +13898,141 @@
                     <a:schemeClr val="tx1"/>
                   </a:solidFill>
                 </a:rPr>
-                <a:t>streaming + non-streaming</a:t>
+                <a:t>capacity for streaming + non-streaming requests</a:t>
               </a:r>
             </a:p>
           </p:txBody>
         </p:sp>
         <p:sp>
           <p:nvSpPr>
-            <p:cNvPr id="5" name="Textfeld 4">
+            <p:cNvPr id="18" name="Rechteck 17">
               <a:extLst>
                 <a:ext uri="{FF2B5EF4-FFF2-40B4-BE49-F238E27FC236}">
-                  <a16:creationId xmlns:a16="http://schemas.microsoft.com/office/drawing/2014/main" id="{25815283-1129-3C73-1DCE-D8C332EAB291}"/>
+                  <a16:creationId xmlns:a16="http://schemas.microsoft.com/office/drawing/2014/main" id="{C866DF18-5F7A-F886-2E46-07D3726F146C}"/>
+                </a:ext>
+              </a:extLst>
+            </p:cNvPr>
+            <p:cNvSpPr/>
+            <p:nvPr/>
+          </p:nvSpPr>
+          <p:spPr>
+            <a:xfrm>
+              <a:off x="3812760" y="2895942"/>
+              <a:ext cx="2502000" cy="296032"/>
+            </a:xfrm>
+            <a:prstGeom prst="rect">
+              <a:avLst/>
+            </a:prstGeom>
+            <a:solidFill>
+              <a:schemeClr val="tx2">
+                <a:lumMod val="90000"/>
+                <a:lumOff val="10000"/>
+              </a:schemeClr>
+            </a:solidFill>
+            <a:ln>
+              <a:noFill/>
+            </a:ln>
+          </p:spPr>
+          <p:style>
+            <a:lnRef idx="2">
+              <a:schemeClr val="accent1">
+                <a:shade val="15000"/>
+              </a:schemeClr>
+            </a:lnRef>
+            <a:fillRef idx="1">
+              <a:schemeClr val="accent1"/>
+            </a:fillRef>
+            <a:effectRef idx="0">
+              <a:schemeClr val="accent1"/>
+            </a:effectRef>
+            <a:fontRef idx="minor">
+              <a:schemeClr val="lt1"/>
+            </a:fontRef>
+          </p:style>
+          <p:txBody>
+            <a:bodyPr rtlCol="0" anchor="ctr"/>
+            <a:lstStyle/>
+            <a:p>
+              <a:pPr algn="ctr"/>
+              <a:r>
+                <a:rPr lang="de-DE" sz="1200">
+                  <a:solidFill>
+                    <a:schemeClr val="bg1"/>
+                  </a:solidFill>
+                </a:rPr>
+                <a:t>capacity for streaming requests</a:t>
+              </a:r>
+            </a:p>
+          </p:txBody>
+        </p:sp>
+        <p:sp>
+          <p:nvSpPr>
+            <p:cNvPr id="19" name="Rechteck 18">
+              <a:extLst>
+                <a:ext uri="{FF2B5EF4-FFF2-40B4-BE49-F238E27FC236}">
+                  <a16:creationId xmlns:a16="http://schemas.microsoft.com/office/drawing/2014/main" id="{57903264-BAD2-5347-C866-083DAAD4ACDC}"/>
+                </a:ext>
+              </a:extLst>
+            </p:cNvPr>
+            <p:cNvSpPr/>
+            <p:nvPr/>
+          </p:nvSpPr>
+          <p:spPr>
+            <a:xfrm>
+              <a:off x="3812760" y="3187826"/>
+              <a:ext cx="2502000" cy="726621"/>
+            </a:xfrm>
+            <a:prstGeom prst="rect">
+              <a:avLst/>
+            </a:prstGeom>
+            <a:solidFill>
+              <a:schemeClr val="bg2">
+                <a:lumMod val="90000"/>
+                <a:lumOff val="10000"/>
+              </a:schemeClr>
+            </a:solidFill>
+            <a:ln>
+              <a:noFill/>
+            </a:ln>
+          </p:spPr>
+          <p:style>
+            <a:lnRef idx="2">
+              <a:schemeClr val="accent1">
+                <a:shade val="15000"/>
+              </a:schemeClr>
+            </a:lnRef>
+            <a:fillRef idx="1">
+              <a:schemeClr val="accent1"/>
+            </a:fillRef>
+            <a:effectRef idx="0">
+              <a:schemeClr val="accent1"/>
+            </a:effectRef>
+            <a:fontRef idx="minor">
+              <a:schemeClr val="lt1"/>
+            </a:fontRef>
+          </p:style>
+          <p:txBody>
+            <a:bodyPr rtlCol="0" anchor="ctr"/>
+            <a:lstStyle/>
+            <a:p>
+              <a:pPr algn="ctr"/>
+              <a:r>
+                <a:rPr lang="de-DE" sz="1200">
+                  <a:solidFill>
+                    <a:schemeClr val="tx1"/>
+                  </a:solidFill>
+                </a:rPr>
+                <a:t>capacity for streaming + non-streaming</a:t>
+              </a:r>
+            </a:p>
+          </p:txBody>
+        </p:sp>
+        <p:sp>
+          <p:nvSpPr>
+            <p:cNvPr id="20" name="Textfeld 19">
+              <a:extLst>
+                <a:ext uri="{FF2B5EF4-FFF2-40B4-BE49-F238E27FC236}">
+                  <a16:creationId xmlns:a16="http://schemas.microsoft.com/office/drawing/2014/main" id="{BB0A35B6-6B1F-958A-03D2-0D73B996CEDC}"/>
                 </a:ext>
               </a:extLst>
             </p:cNvPr>
@@ -13345,8 +14041,8 @@
           </p:nvSpPr>
           <p:spPr>
             <a:xfrm>
-              <a:off x="5510463" y="5904631"/>
-              <a:ext cx="3934090" cy="430887"/>
+              <a:off x="5112485" y="5830317"/>
+              <a:ext cx="5610831" cy="430887"/>
             </a:xfrm>
             <a:prstGeom prst="rect">
               <a:avLst/>
@@ -13361,13 +14057,521 @@
             <a:p>
               <a:r>
                 <a:rPr lang="de-DE" sz="1100"/>
-                <a:t>if none of the endpoints could be used to process the request,</a:t>
+                <a:t>return a 429 if none of the endpoints/deployments was available to handle the request,</a:t>
               </a:r>
             </a:p>
             <a:p>
               <a:r>
                 <a:rPr lang="de-DE" sz="1100"/>
-                <a:t>return a 429</a:t>
+                <a:t>else return result to client</a:t>
+              </a:r>
+            </a:p>
+          </p:txBody>
+        </p:sp>
+        <p:sp>
+          <p:nvSpPr>
+            <p:cNvPr id="21" name="Geschweifte Klammer rechts 20">
+              <a:extLst>
+                <a:ext uri="{FF2B5EF4-FFF2-40B4-BE49-F238E27FC236}">
+                  <a16:creationId xmlns:a16="http://schemas.microsoft.com/office/drawing/2014/main" id="{0A388F21-8D85-89D8-9744-9820117D6F00}"/>
+                </a:ext>
+              </a:extLst>
+            </p:cNvPr>
+            <p:cNvSpPr/>
+            <p:nvPr/>
+          </p:nvSpPr>
+          <p:spPr>
+            <a:xfrm>
+              <a:off x="6519881" y="1158187"/>
+              <a:ext cx="155448" cy="914400"/>
+            </a:xfrm>
+            <a:prstGeom prst="rightBrace">
+              <a:avLst/>
+            </a:prstGeom>
+            <a:ln>
+              <a:solidFill>
+                <a:schemeClr val="tx1"/>
+              </a:solidFill>
+              <a:headEnd type="none" w="lg" len="med"/>
+              <a:tailEnd type="none" w="lg" len="med"/>
+            </a:ln>
+          </p:spPr>
+          <p:style>
+            <a:lnRef idx="1">
+              <a:schemeClr val="accent1"/>
+            </a:lnRef>
+            <a:fillRef idx="0">
+              <a:schemeClr val="accent1"/>
+            </a:fillRef>
+            <a:effectRef idx="0">
+              <a:schemeClr val="accent1"/>
+            </a:effectRef>
+            <a:fontRef idx="minor">
+              <a:schemeClr val="tx1"/>
+            </a:fontRef>
+          </p:style>
+          <p:txBody>
+            <a:bodyPr rtlCol="0" anchor="ctr"/>
+            <a:lstStyle/>
+            <a:p>
+              <a:pPr algn="ctr"/>
+              <a:endParaRPr lang="de-DE"/>
+            </a:p>
+          </p:txBody>
+        </p:sp>
+        <p:sp>
+          <p:nvSpPr>
+            <p:cNvPr id="22" name="Geschweifte Klammer rechts 21">
+              <a:extLst>
+                <a:ext uri="{FF2B5EF4-FFF2-40B4-BE49-F238E27FC236}">
+                  <a16:creationId xmlns:a16="http://schemas.microsoft.com/office/drawing/2014/main" id="{5E557372-D784-CFA6-4489-DEA0061E1C9A}"/>
+                </a:ext>
+              </a:extLst>
+            </p:cNvPr>
+            <p:cNvSpPr/>
+            <p:nvPr/>
+          </p:nvSpPr>
+          <p:spPr>
+            <a:xfrm>
+              <a:off x="6519881" y="2915315"/>
+              <a:ext cx="155448" cy="914400"/>
+            </a:xfrm>
+            <a:prstGeom prst="rightBrace">
+              <a:avLst/>
+            </a:prstGeom>
+            <a:ln>
+              <a:solidFill>
+                <a:schemeClr val="tx1"/>
+              </a:solidFill>
+              <a:headEnd type="none" w="lg" len="med"/>
+              <a:tailEnd type="none" w="lg" len="med"/>
+            </a:ln>
+          </p:spPr>
+          <p:style>
+            <a:lnRef idx="1">
+              <a:schemeClr val="accent1"/>
+            </a:lnRef>
+            <a:fillRef idx="0">
+              <a:schemeClr val="accent1"/>
+            </a:fillRef>
+            <a:effectRef idx="0">
+              <a:schemeClr val="accent1"/>
+            </a:effectRef>
+            <a:fontRef idx="minor">
+              <a:schemeClr val="tx1"/>
+            </a:fontRef>
+          </p:style>
+          <p:txBody>
+            <a:bodyPr rtlCol="0" anchor="ctr"/>
+            <a:lstStyle/>
+            <a:p>
+              <a:pPr algn="ctr"/>
+              <a:endParaRPr lang="de-DE"/>
+            </a:p>
+          </p:txBody>
+        </p:sp>
+        <p:sp>
+          <p:nvSpPr>
+            <p:cNvPr id="23" name="Rechteck 22">
+              <a:extLst>
+                <a:ext uri="{FF2B5EF4-FFF2-40B4-BE49-F238E27FC236}">
+                  <a16:creationId xmlns:a16="http://schemas.microsoft.com/office/drawing/2014/main" id="{2E7E1B70-4028-28AB-88B4-70E4A3E8DD45}"/>
+                </a:ext>
+              </a:extLst>
+            </p:cNvPr>
+            <p:cNvSpPr/>
+            <p:nvPr/>
+          </p:nvSpPr>
+          <p:spPr bwMode="auto">
+            <a:xfrm>
+              <a:off x="1138427" y="2902379"/>
+              <a:ext cx="5176333" cy="1022061"/>
+            </a:xfrm>
+            <a:prstGeom prst="rect">
+              <a:avLst/>
+            </a:prstGeom>
+            <a:noFill/>
+            <a:ln>
+              <a:solidFill>
+                <a:schemeClr val="tx1"/>
+              </a:solidFill>
+              <a:headEnd type="none" w="med" len="med"/>
+              <a:tailEnd type="none" w="med" len="med"/>
+            </a:ln>
+            <a:effectLst/>
+          </p:spPr>
+          <p:style>
+            <a:lnRef idx="1">
+              <a:schemeClr val="accent2"/>
+            </a:lnRef>
+            <a:fillRef idx="3">
+              <a:schemeClr val="accent2"/>
+            </a:fillRef>
+            <a:effectRef idx="2">
+              <a:schemeClr val="accent2"/>
+            </a:effectRef>
+            <a:fontRef idx="minor">
+              <a:schemeClr val="lt1"/>
+            </a:fontRef>
+          </p:style>
+          <p:txBody>
+            <a:bodyPr rot="0" spcFirstLastPara="0" vertOverflow="overflow" horzOverflow="overflow" vert="horz" wrap="square" lIns="182880" tIns="146304" rIns="182880" bIns="146304" numCol="1" spcCol="0" rtlCol="0" fromWordArt="0" anchor="t" anchorCtr="0" forceAA="0" compatLnSpc="1">
+              <a:prstTxWarp prst="textNoShape">
+                <a:avLst/>
+              </a:prstTxWarp>
+              <a:noAutofit/>
+            </a:bodyPr>
+            <a:lstStyle/>
+            <a:p>
+              <a:pPr algn="l" defTabSz="932472" fontAlgn="base">
+                <a:spcBef>
+                  <a:spcPct val="0"/>
+                </a:spcBef>
+                <a:spcAft>
+                  <a:spcPct val="0"/>
+                </a:spcAft>
+              </a:pPr>
+              <a:endParaRPr lang="de-DE" sz="2400" dirty="0" err="1">
+                <a:gradFill>
+                  <a:gsLst>
+                    <a:gs pos="0">
+                      <a:srgbClr val="FFFFFF"/>
+                    </a:gs>
+                    <a:gs pos="100000">
+                      <a:srgbClr val="FFFFFF"/>
+                    </a:gs>
+                  </a:gsLst>
+                  <a:lin ang="5400000" scaled="0"/>
+                </a:gradFill>
+                <a:ea typeface="Segoe UI" pitchFamily="34" charset="0"/>
+                <a:cs typeface="Segoe UI" pitchFamily="34" charset="0"/>
+              </a:endParaRPr>
+            </a:p>
+          </p:txBody>
+        </p:sp>
+        <p:sp>
+          <p:nvSpPr>
+            <p:cNvPr id="24" name="Rechteck 23">
+              <a:extLst>
+                <a:ext uri="{FF2B5EF4-FFF2-40B4-BE49-F238E27FC236}">
+                  <a16:creationId xmlns:a16="http://schemas.microsoft.com/office/drawing/2014/main" id="{FA5D69D1-38C8-1092-37AF-9DC2F6EF7E1C}"/>
+                </a:ext>
+              </a:extLst>
+            </p:cNvPr>
+            <p:cNvSpPr/>
+            <p:nvPr/>
+          </p:nvSpPr>
+          <p:spPr bwMode="auto">
+            <a:xfrm>
+              <a:off x="1138427" y="4656818"/>
+              <a:ext cx="5176333" cy="1022061"/>
+            </a:xfrm>
+            <a:prstGeom prst="rect">
+              <a:avLst/>
+            </a:prstGeom>
+            <a:noFill/>
+            <a:ln>
+              <a:solidFill>
+                <a:schemeClr val="tx1"/>
+              </a:solidFill>
+              <a:headEnd type="none" w="med" len="med"/>
+              <a:tailEnd type="none" w="med" len="med"/>
+            </a:ln>
+            <a:effectLst/>
+          </p:spPr>
+          <p:style>
+            <a:lnRef idx="1">
+              <a:schemeClr val="accent2"/>
+            </a:lnRef>
+            <a:fillRef idx="3">
+              <a:schemeClr val="accent2"/>
+            </a:fillRef>
+            <a:effectRef idx="2">
+              <a:schemeClr val="accent2"/>
+            </a:effectRef>
+            <a:fontRef idx="minor">
+              <a:schemeClr val="lt1"/>
+            </a:fontRef>
+          </p:style>
+          <p:txBody>
+            <a:bodyPr rot="0" spcFirstLastPara="0" vertOverflow="overflow" horzOverflow="overflow" vert="horz" wrap="square" lIns="182880" tIns="146304" rIns="182880" bIns="146304" numCol="1" spcCol="0" rtlCol="0" fromWordArt="0" anchor="t" anchorCtr="0" forceAA="0" compatLnSpc="1">
+              <a:prstTxWarp prst="textNoShape">
+                <a:avLst/>
+              </a:prstTxWarp>
+              <a:noAutofit/>
+            </a:bodyPr>
+            <a:lstStyle/>
+            <a:p>
+              <a:pPr algn="l" defTabSz="932472" fontAlgn="base">
+                <a:spcBef>
+                  <a:spcPct val="0"/>
+                </a:spcBef>
+                <a:spcAft>
+                  <a:spcPct val="0"/>
+                </a:spcAft>
+              </a:pPr>
+              <a:endParaRPr lang="de-DE" sz="2400" dirty="0" err="1">
+                <a:gradFill>
+                  <a:gsLst>
+                    <a:gs pos="0">
+                      <a:srgbClr val="FFFFFF"/>
+                    </a:gs>
+                    <a:gs pos="100000">
+                      <a:srgbClr val="FFFFFF"/>
+                    </a:gs>
+                  </a:gsLst>
+                  <a:lin ang="5400000" scaled="0"/>
+                </a:gradFill>
+                <a:ea typeface="Segoe UI" pitchFamily="34" charset="0"/>
+                <a:cs typeface="Segoe UI" pitchFamily="34" charset="0"/>
+              </a:endParaRPr>
+            </a:p>
+          </p:txBody>
+        </p:sp>
+        <p:sp>
+          <p:nvSpPr>
+            <p:cNvPr id="25" name="Textfeld 24">
+              <a:extLst>
+                <a:ext uri="{FF2B5EF4-FFF2-40B4-BE49-F238E27FC236}">
+                  <a16:creationId xmlns:a16="http://schemas.microsoft.com/office/drawing/2014/main" id="{6212194E-773A-C01A-61A9-9175D9CB9251}"/>
+                </a:ext>
+              </a:extLst>
+            </p:cNvPr>
+            <p:cNvSpPr txBox="1"/>
+            <p:nvPr/>
+          </p:nvSpPr>
+          <p:spPr>
+            <a:xfrm>
+              <a:off x="1474446" y="2949436"/>
+              <a:ext cx="1938736" cy="927946"/>
+            </a:xfrm>
+            <a:prstGeom prst="rect">
+              <a:avLst/>
+            </a:prstGeom>
+            <a:noFill/>
+          </p:spPr>
+          <p:txBody>
+            <a:bodyPr wrap="none" rtlCol="0">
+              <a:spAutoFit/>
+            </a:bodyPr>
+            <a:lstStyle/>
+            <a:p>
+              <a:r>
+                <a:rPr lang="de-DE"/>
+                <a:t>AOAI Endpoint or</a:t>
+              </a:r>
+            </a:p>
+            <a:p>
+              <a:pPr>
+                <a:spcAft>
+                  <a:spcPts val="600"/>
+                </a:spcAft>
+              </a:pPr>
+              <a:r>
+                <a:rPr lang="de-DE"/>
+                <a:t>Deployment 2</a:t>
+              </a:r>
+            </a:p>
+            <a:p>
+              <a:r>
+                <a:rPr lang="de-DE" sz="1200" i="1">
+                  <a:latin typeface="Segoe UI Semilight" panose="020B0402040204020203" pitchFamily="34" charset="0"/>
+                  <a:cs typeface="Segoe UI Semilight" panose="020B0402040204020203" pitchFamily="34" charset="0"/>
+                </a:rPr>
+                <a:t>example: PayGo, region 1</a:t>
+              </a:r>
+            </a:p>
+          </p:txBody>
+        </p:sp>
+        <p:sp>
+          <p:nvSpPr>
+            <p:cNvPr id="26" name="Textfeld 25">
+              <a:extLst>
+                <a:ext uri="{FF2B5EF4-FFF2-40B4-BE49-F238E27FC236}">
+                  <a16:creationId xmlns:a16="http://schemas.microsoft.com/office/drawing/2014/main" id="{41A9CEA2-626B-886B-B026-37E461DE753F}"/>
+                </a:ext>
+              </a:extLst>
+            </p:cNvPr>
+            <p:cNvSpPr txBox="1"/>
+            <p:nvPr/>
+          </p:nvSpPr>
+          <p:spPr>
+            <a:xfrm>
+              <a:off x="1474446" y="4703875"/>
+              <a:ext cx="1938736" cy="927946"/>
+            </a:xfrm>
+            <a:prstGeom prst="rect">
+              <a:avLst/>
+            </a:prstGeom>
+            <a:noFill/>
+          </p:spPr>
+          <p:txBody>
+            <a:bodyPr wrap="none" rtlCol="0">
+              <a:spAutoFit/>
+            </a:bodyPr>
+            <a:lstStyle/>
+            <a:p>
+              <a:r>
+                <a:rPr lang="de-DE"/>
+                <a:t>AOAI Endpoint or</a:t>
+              </a:r>
+            </a:p>
+            <a:p>
+              <a:pPr>
+                <a:spcAft>
+                  <a:spcPts val="600"/>
+                </a:spcAft>
+              </a:pPr>
+              <a:r>
+                <a:rPr lang="de-DE"/>
+                <a:t>Deployment 3</a:t>
+              </a:r>
+            </a:p>
+            <a:p>
+              <a:r>
+                <a:rPr lang="de-DE" sz="1200" i="1">
+                  <a:latin typeface="Segoe UI Semilight" panose="020B0402040204020203" pitchFamily="34" charset="0"/>
+                  <a:cs typeface="Segoe UI Semilight" panose="020B0402040204020203" pitchFamily="34" charset="0"/>
+                </a:rPr>
+                <a:t>example: PayGo, region 2</a:t>
+              </a:r>
+            </a:p>
+          </p:txBody>
+        </p:sp>
+        <p:sp>
+          <p:nvSpPr>
+            <p:cNvPr id="27" name="Textfeld 26">
+              <a:extLst>
+                <a:ext uri="{FF2B5EF4-FFF2-40B4-BE49-F238E27FC236}">
+                  <a16:creationId xmlns:a16="http://schemas.microsoft.com/office/drawing/2014/main" id="{F17C8C30-5DE7-24D8-B225-B4DEC9ABCD59}"/>
+                </a:ext>
+              </a:extLst>
+            </p:cNvPr>
+            <p:cNvSpPr txBox="1"/>
+            <p:nvPr/>
+          </p:nvSpPr>
+          <p:spPr>
+            <a:xfrm>
+              <a:off x="1033180" y="5752006"/>
+              <a:ext cx="3618564" cy="600164"/>
+            </a:xfrm>
+            <a:prstGeom prst="rect">
+              <a:avLst/>
+            </a:prstGeom>
+            <a:noFill/>
+          </p:spPr>
+          <p:txBody>
+            <a:bodyPr wrap="square" rtlCol="0">
+              <a:spAutoFit/>
+            </a:bodyPr>
+            <a:lstStyle/>
+            <a:p>
+              <a:r>
+                <a:rPr lang="de-DE" sz="1100"/>
+                <a:t>Note: Some features like the Assistants API require all deployments to be placed in one single AOAI workspace because the workspace might hold a state.</a:t>
+              </a:r>
+            </a:p>
+          </p:txBody>
+        </p:sp>
+        <p:sp>
+          <p:nvSpPr>
+            <p:cNvPr id="28" name="Textfeld 27">
+              <a:extLst>
+                <a:ext uri="{FF2B5EF4-FFF2-40B4-BE49-F238E27FC236}">
+                  <a16:creationId xmlns:a16="http://schemas.microsoft.com/office/drawing/2014/main" id="{D9B33AE8-7284-BA0E-5447-FFC48D29DE0D}"/>
+                </a:ext>
+              </a:extLst>
+            </p:cNvPr>
+            <p:cNvSpPr txBox="1"/>
+            <p:nvPr/>
+          </p:nvSpPr>
+          <p:spPr>
+            <a:xfrm>
+              <a:off x="6776727" y="3043958"/>
+              <a:ext cx="5099409" cy="646331"/>
+            </a:xfrm>
+            <a:prstGeom prst="rect">
+              <a:avLst/>
+            </a:prstGeom>
+            <a:noFill/>
+            <a:ln>
+              <a:noFill/>
+            </a:ln>
+          </p:spPr>
+          <p:txBody>
+            <a:bodyPr wrap="none" rtlCol="0">
+              <a:spAutoFit/>
+            </a:bodyPr>
+            <a:lstStyle/>
+            <a:p>
+              <a:r>
+                <a:rPr lang="en-US" sz="1200">
+                  <a:solidFill>
+                    <a:schemeClr val="tx2"/>
+                  </a:solidFill>
+                </a:rPr>
+                <a:t>on non-streaming request: "roll dice" and decide if request is passed to</a:t>
+              </a:r>
+            </a:p>
+            <a:p>
+              <a:r>
+                <a:rPr lang="en-US" sz="1200">
+                  <a:solidFill>
+                    <a:schemeClr val="tx2"/>
+                  </a:solidFill>
+                </a:rPr>
+                <a:t>next endpoint/deployment or not (configurable ratio), to reserve capacity</a:t>
+              </a:r>
+            </a:p>
+            <a:p>
+              <a:r>
+                <a:rPr lang="en-US" sz="1200">
+                  <a:solidFill>
+                    <a:schemeClr val="tx2"/>
+                  </a:solidFill>
+                </a:rPr>
+                <a:t>for streaming requests</a:t>
+              </a:r>
+            </a:p>
+          </p:txBody>
+        </p:sp>
+        <p:sp>
+          <p:nvSpPr>
+            <p:cNvPr id="29" name="Textfeld 28">
+              <a:extLst>
+                <a:ext uri="{FF2B5EF4-FFF2-40B4-BE49-F238E27FC236}">
+                  <a16:creationId xmlns:a16="http://schemas.microsoft.com/office/drawing/2014/main" id="{5A95DEFA-A2A7-95EC-3FCC-0474F38CDF53}"/>
+                </a:ext>
+              </a:extLst>
+            </p:cNvPr>
+            <p:cNvSpPr txBox="1"/>
+            <p:nvPr/>
+          </p:nvSpPr>
+          <p:spPr>
+            <a:xfrm>
+              <a:off x="5148684" y="4052639"/>
+              <a:ext cx="4256293" cy="430887"/>
+            </a:xfrm>
+            <a:prstGeom prst="rect">
+              <a:avLst/>
+            </a:prstGeom>
+            <a:noFill/>
+          </p:spPr>
+          <p:txBody>
+            <a:bodyPr wrap="none" rtlCol="0">
+              <a:spAutoFit/>
+            </a:bodyPr>
+            <a:lstStyle/>
+            <a:p>
+              <a:r>
+                <a:rPr lang="de-DE" sz="1100"/>
+                <a:t>on 429, 500 or if endpoint/deployment is known to be at capacity,</a:t>
+              </a:r>
+            </a:p>
+            <a:p>
+              <a:r>
+                <a:rPr lang="de-DE" sz="1100"/>
+                <a:t>else return result to client</a:t>
               </a:r>
             </a:p>
           </p:txBody>
@@ -13376,7 +14580,7 @@
     </p:spTree>
     <p:extLst>
       <p:ext uri="{BB962C8B-B14F-4D97-AF65-F5344CB8AC3E}">
-        <p14:creationId xmlns:p14="http://schemas.microsoft.com/office/powerpoint/2010/main" val="2493642130"/>
+        <p14:creationId xmlns:p14="http://schemas.microsoft.com/office/powerpoint/2010/main" val="1190689538"/>
       </p:ext>
     </p:extLst>
   </p:cSld>
@@ -13403,53 +14607,1052 @@
           <a:chExt cx="0" cy="0"/>
         </a:xfrm>
       </p:grpSpPr>
-      <p:sp>
-        <p:nvSpPr>
-          <p:cNvPr id="7" name="Textfeld 6">
+      <p:grpSp>
+        <p:nvGrpSpPr>
+          <p:cNvPr id="3" name="Gruppieren 2">
             <a:extLst>
               <a:ext uri="{FF2B5EF4-FFF2-40B4-BE49-F238E27FC236}">
-                <a16:creationId xmlns:a16="http://schemas.microsoft.com/office/drawing/2014/main" id="{990F3D9D-6F92-2870-60D6-3F32B5CF637A}"/>
+                <a16:creationId xmlns:a16="http://schemas.microsoft.com/office/drawing/2014/main" id="{7BF62182-0361-9D76-304C-952FCBAF2C20}"/>
               </a:ext>
             </a:extLst>
           </p:cNvPr>
-          <p:cNvSpPr txBox="1"/>
+          <p:cNvGrpSpPr/>
           <p:nvPr/>
-        </p:nvSpPr>
-        <p:spPr>
+        </p:nvGrpSpPr>
+        <p:grpSpPr>
           <a:xfrm>
-            <a:off x="4553607" y="5697888"/>
-            <a:ext cx="674216" cy="369332"/>
+            <a:off x="573914" y="1062095"/>
+            <a:ext cx="11317473" cy="5005125"/>
+            <a:chOff x="573914" y="1062095"/>
+            <a:chExt cx="11317473" cy="5005125"/>
           </a:xfrm>
-          <a:prstGeom prst="rect">
-            <a:avLst/>
-          </a:prstGeom>
-          <a:noFill/>
-        </p:spPr>
-        <p:txBody>
-          <a:bodyPr wrap="square" rtlCol="0">
-            <a:spAutoFit/>
-          </a:bodyPr>
-          <a:lstStyle/>
-          <a:p>
-            <a:pPr marL="0" marR="0" lvl="0" indent="0" algn="l" defTabSz="914400" rtl="0" eaLnBrk="1" fontAlgn="auto" latinLnBrk="0" hangingPunct="1">
-              <a:lnSpc>
-                <a:spcPct val="100000"/>
-              </a:lnSpc>
-              <a:spcBef>
-                <a:spcPts val="0"/>
-              </a:spcBef>
-              <a:spcAft>
-                <a:spcPts val="0"/>
-              </a:spcAft>
-              <a:buClrTx/>
-              <a:buSzTx/>
-              <a:buFontTx/>
-              <a:buNone/>
-              <a:tabLst/>
-              <a:defRPr/>
-            </a:pPr>
-            <a:r>
-              <a:rPr kumimoji="0" lang="de-DE" sz="1800" b="0" i="0" u="none" strike="noStrike" kern="1200" cap="none" spc="0" normalizeH="0" baseline="0" noProof="0">
+        </p:grpSpPr>
+        <p:sp>
+          <p:nvSpPr>
+            <p:cNvPr id="7" name="Textfeld 6">
+              <a:extLst>
+                <a:ext uri="{FF2B5EF4-FFF2-40B4-BE49-F238E27FC236}">
+                  <a16:creationId xmlns:a16="http://schemas.microsoft.com/office/drawing/2014/main" id="{990F3D9D-6F92-2870-60D6-3F32B5CF637A}"/>
+                </a:ext>
+              </a:extLst>
+            </p:cNvPr>
+            <p:cNvSpPr txBox="1"/>
+            <p:nvPr/>
+          </p:nvSpPr>
+          <p:spPr>
+            <a:xfrm>
+              <a:off x="4553607" y="5697888"/>
+              <a:ext cx="674216" cy="369332"/>
+            </a:xfrm>
+            <a:prstGeom prst="rect">
+              <a:avLst/>
+            </a:prstGeom>
+            <a:noFill/>
+          </p:spPr>
+          <p:txBody>
+            <a:bodyPr wrap="square" rtlCol="0">
+              <a:spAutoFit/>
+            </a:bodyPr>
+            <a:lstStyle/>
+            <a:p>
+              <a:pPr marL="0" marR="0" lvl="0" indent="0" algn="l" defTabSz="914400" rtl="0" eaLnBrk="1" fontAlgn="auto" latinLnBrk="0" hangingPunct="1">
+                <a:lnSpc>
+                  <a:spcPct val="100000"/>
+                </a:lnSpc>
+                <a:spcBef>
+                  <a:spcPts val="0"/>
+                </a:spcBef>
+                <a:spcAft>
+                  <a:spcPts val="0"/>
+                </a:spcAft>
+                <a:buClrTx/>
+                <a:buSzTx/>
+                <a:buFontTx/>
+                <a:buNone/>
+                <a:tabLst/>
+                <a:defRPr/>
+              </a:pPr>
+              <a:r>
+                <a:rPr kumimoji="0" lang="de-DE" sz="1800" b="0" i="0" u="none" strike="noStrike" kern="1200" cap="none" spc="0" normalizeH="0" baseline="0" noProof="0">
+                  <a:ln>
+                    <a:noFill/>
+                  </a:ln>
+                  <a:effectLst/>
+                  <a:uLnTx/>
+                  <a:uFillTx/>
+                  <a:latin typeface="Segoe UI"/>
+                  <a:ea typeface="+mn-ea"/>
+                  <a:cs typeface="+mn-cs"/>
+                </a:rPr>
+                <a:t>Time</a:t>
+              </a:r>
+            </a:p>
+          </p:txBody>
+        </p:sp>
+        <p:cxnSp>
+          <p:nvCxnSpPr>
+            <p:cNvPr id="5" name="Gerade Verbindung mit Pfeil 4">
+              <a:extLst>
+                <a:ext uri="{FF2B5EF4-FFF2-40B4-BE49-F238E27FC236}">
+                  <a16:creationId xmlns:a16="http://schemas.microsoft.com/office/drawing/2014/main" id="{7FC86B8D-7D5A-6CBB-0159-31400DE362F7}"/>
+                </a:ext>
+              </a:extLst>
+            </p:cNvPr>
+            <p:cNvCxnSpPr>
+              <a:cxnSpLocks/>
+            </p:cNvCxnSpPr>
+            <p:nvPr/>
+          </p:nvCxnSpPr>
+          <p:spPr>
+            <a:xfrm flipV="1">
+              <a:off x="1093679" y="1062095"/>
+              <a:ext cx="0" cy="4533444"/>
+            </a:xfrm>
+            <a:prstGeom prst="straightConnector1">
+              <a:avLst/>
+            </a:prstGeom>
+            <a:ln>
+              <a:solidFill>
+                <a:schemeClr val="tx1"/>
+              </a:solidFill>
+              <a:tailEnd type="triangle"/>
+            </a:ln>
+          </p:spPr>
+          <p:style>
+            <a:lnRef idx="2">
+              <a:schemeClr val="accent1"/>
+            </a:lnRef>
+            <a:fillRef idx="0">
+              <a:schemeClr val="accent1"/>
+            </a:fillRef>
+            <a:effectRef idx="1">
+              <a:schemeClr val="accent1"/>
+            </a:effectRef>
+            <a:fontRef idx="minor">
+              <a:schemeClr val="tx1"/>
+            </a:fontRef>
+          </p:style>
+        </p:cxnSp>
+        <p:cxnSp>
+          <p:nvCxnSpPr>
+            <p:cNvPr id="6" name="Gerade Verbindung mit Pfeil 5">
+              <a:extLst>
+                <a:ext uri="{FF2B5EF4-FFF2-40B4-BE49-F238E27FC236}">
+                  <a16:creationId xmlns:a16="http://schemas.microsoft.com/office/drawing/2014/main" id="{F953BF07-8E3C-A684-3AF6-F2ADBFE751C2}"/>
+                </a:ext>
+              </a:extLst>
+            </p:cNvPr>
+            <p:cNvCxnSpPr>
+              <a:cxnSpLocks/>
+            </p:cNvCxnSpPr>
+            <p:nvPr/>
+          </p:nvCxnSpPr>
+          <p:spPr>
+            <a:xfrm>
+              <a:off x="1093679" y="5595539"/>
+              <a:ext cx="7466883" cy="0"/>
+            </a:xfrm>
+            <a:prstGeom prst="straightConnector1">
+              <a:avLst/>
+            </a:prstGeom>
+            <a:ln>
+              <a:solidFill>
+                <a:schemeClr val="tx1"/>
+              </a:solidFill>
+              <a:tailEnd type="triangle"/>
+            </a:ln>
+          </p:spPr>
+          <p:style>
+            <a:lnRef idx="2">
+              <a:schemeClr val="accent1"/>
+            </a:lnRef>
+            <a:fillRef idx="0">
+              <a:schemeClr val="accent1"/>
+            </a:fillRef>
+            <a:effectRef idx="1">
+              <a:schemeClr val="accent1"/>
+            </a:effectRef>
+            <a:fontRef idx="minor">
+              <a:schemeClr val="tx1"/>
+            </a:fontRef>
+          </p:style>
+        </p:cxnSp>
+        <p:sp>
+          <p:nvSpPr>
+            <p:cNvPr id="8" name="Textfeld 7">
+              <a:extLst>
+                <a:ext uri="{FF2B5EF4-FFF2-40B4-BE49-F238E27FC236}">
+                  <a16:creationId xmlns:a16="http://schemas.microsoft.com/office/drawing/2014/main" id="{7A0F64D8-7AFB-822D-F490-740935C976F0}"/>
+                </a:ext>
+              </a:extLst>
+            </p:cNvPr>
+            <p:cNvSpPr txBox="1"/>
+            <p:nvPr/>
+          </p:nvSpPr>
+          <p:spPr>
+            <a:xfrm rot="16200000">
+              <a:off x="-284334" y="3284159"/>
+              <a:ext cx="2085827" cy="369332"/>
+            </a:xfrm>
+            <a:prstGeom prst="rect">
+              <a:avLst/>
+            </a:prstGeom>
+            <a:noFill/>
+          </p:spPr>
+          <p:txBody>
+            <a:bodyPr wrap="none" rtlCol="0">
+              <a:spAutoFit/>
+            </a:bodyPr>
+            <a:lstStyle/>
+            <a:p>
+              <a:pPr marL="0" marR="0" lvl="0" indent="0" algn="l" defTabSz="914400" rtl="0" eaLnBrk="1" fontAlgn="auto" latinLnBrk="0" hangingPunct="1">
+                <a:lnSpc>
+                  <a:spcPct val="100000"/>
+                </a:lnSpc>
+                <a:spcBef>
+                  <a:spcPts val="0"/>
+                </a:spcBef>
+                <a:spcAft>
+                  <a:spcPts val="0"/>
+                </a:spcAft>
+                <a:buClrTx/>
+                <a:buSzTx/>
+                <a:buFontTx/>
+                <a:buNone/>
+                <a:tabLst/>
+                <a:defRPr/>
+              </a:pPr>
+              <a:r>
+                <a:rPr kumimoji="0" lang="de-DE" sz="1800" b="0" i="0" u="none" strike="noStrike" kern="1200" cap="none" spc="0" normalizeH="0" baseline="0" noProof="0">
+                  <a:ln>
+                    <a:noFill/>
+                  </a:ln>
+                  <a:effectLst/>
+                  <a:uLnTx/>
+                  <a:uFillTx/>
+                  <a:latin typeface="Segoe UI"/>
+                  <a:ea typeface="+mn-ea"/>
+                  <a:cs typeface="+mn-cs"/>
+                </a:rPr>
+                <a:t>Tokens per Minute</a:t>
+              </a:r>
+            </a:p>
+          </p:txBody>
+        </p:sp>
+        <mc:AlternateContent xmlns:mc="http://schemas.openxmlformats.org/markup-compatibility/2006">
+          <mc:Choice xmlns:p14="http://schemas.microsoft.com/office/powerpoint/2010/main" Requires="p14">
+            <p:contentPart p14:bwMode="auto" r:id="rId2">
+              <p14:nvContentPartPr>
+                <p14:cNvPr id="9" name="Freihand 8">
+                  <a:extLst>
+                    <a:ext uri="{FF2B5EF4-FFF2-40B4-BE49-F238E27FC236}">
+                      <a16:creationId xmlns:a16="http://schemas.microsoft.com/office/drawing/2014/main" id="{78E8E989-B3ED-B985-4694-7200F4D0597B}"/>
+                    </a:ext>
+                  </a:extLst>
+                </p14:cNvPr>
+                <p14:cNvContentPartPr/>
+                <p14:nvPr/>
+              </p14:nvContentPartPr>
+              <p14:xfrm>
+                <a:off x="1104406" y="1722184"/>
+                <a:ext cx="7406863" cy="2036398"/>
+              </p14:xfrm>
+            </p:contentPart>
+          </mc:Choice>
+          <mc:Fallback>
+            <p:pic>
+              <p:nvPicPr>
+                <p:cNvPr id="9" name="Freihand 8">
+                  <a:extLst>
+                    <a:ext uri="{FF2B5EF4-FFF2-40B4-BE49-F238E27FC236}">
+                      <a16:creationId xmlns:a16="http://schemas.microsoft.com/office/drawing/2014/main" id="{78E8E989-B3ED-B985-4694-7200F4D0597B}"/>
+                    </a:ext>
+                  </a:extLst>
+                </p:cNvPr>
+                <p:cNvPicPr/>
+                <p:nvPr/>
+              </p:nvPicPr>
+              <p:blipFill>
+                <a:blip r:embed="rId3"/>
+                <a:stretch>
+                  <a:fillRect/>
+                </a:stretch>
+              </p:blipFill>
+              <p:spPr>
+                <a:xfrm>
+                  <a:off x="1095406" y="1713186"/>
+                  <a:ext cx="7424504" cy="2054034"/>
+                </a:xfrm>
+                <a:prstGeom prst="rect">
+                  <a:avLst/>
+                </a:prstGeom>
+              </p:spPr>
+            </p:pic>
+          </mc:Fallback>
+        </mc:AlternateContent>
+        <p:cxnSp>
+          <p:nvCxnSpPr>
+            <p:cNvPr id="10" name="Gerader Verbinder 9">
+              <a:extLst>
+                <a:ext uri="{FF2B5EF4-FFF2-40B4-BE49-F238E27FC236}">
+                  <a16:creationId xmlns:a16="http://schemas.microsoft.com/office/drawing/2014/main" id="{BC7F332A-90B5-B1C8-9850-22F80E603B0D}"/>
+                </a:ext>
+              </a:extLst>
+            </p:cNvPr>
+            <p:cNvCxnSpPr>
+              <a:cxnSpLocks/>
+            </p:cNvCxnSpPr>
+            <p:nvPr/>
+          </p:nvCxnSpPr>
+          <p:spPr>
+            <a:xfrm flipH="1" flipV="1">
+              <a:off x="1093679" y="3174807"/>
+              <a:ext cx="7585817" cy="0"/>
+            </a:xfrm>
+            <a:prstGeom prst="line">
+              <a:avLst/>
+            </a:prstGeom>
+            <a:ln>
+              <a:solidFill>
+                <a:schemeClr val="accent2"/>
+              </a:solidFill>
+              <a:prstDash val="dash"/>
+            </a:ln>
+          </p:spPr>
+          <p:style>
+            <a:lnRef idx="2">
+              <a:schemeClr val="accent1"/>
+            </a:lnRef>
+            <a:fillRef idx="0">
+              <a:schemeClr val="accent1"/>
+            </a:fillRef>
+            <a:effectRef idx="1">
+              <a:schemeClr val="accent1"/>
+            </a:effectRef>
+            <a:fontRef idx="minor">
+              <a:schemeClr val="tx1"/>
+            </a:fontRef>
+          </p:style>
+        </p:cxnSp>
+        <p:cxnSp>
+          <p:nvCxnSpPr>
+            <p:cNvPr id="11" name="Gerader Verbinder 10">
+              <a:extLst>
+                <a:ext uri="{FF2B5EF4-FFF2-40B4-BE49-F238E27FC236}">
+                  <a16:creationId xmlns:a16="http://schemas.microsoft.com/office/drawing/2014/main" id="{62F7899E-4F17-AEC9-EEC4-49E6EDE03299}"/>
+                </a:ext>
+              </a:extLst>
+            </p:cNvPr>
+            <p:cNvCxnSpPr>
+              <a:cxnSpLocks/>
+            </p:cNvCxnSpPr>
+            <p:nvPr/>
+          </p:nvCxnSpPr>
+          <p:spPr>
+            <a:xfrm flipH="1" flipV="1">
+              <a:off x="1093678" y="2531514"/>
+              <a:ext cx="7585817" cy="0"/>
+            </a:xfrm>
+            <a:prstGeom prst="line">
+              <a:avLst/>
+            </a:prstGeom>
+            <a:ln>
+              <a:solidFill>
+                <a:schemeClr val="accent2"/>
+              </a:solidFill>
+              <a:prstDash val="dash"/>
+            </a:ln>
+          </p:spPr>
+          <p:style>
+            <a:lnRef idx="2">
+              <a:schemeClr val="accent1"/>
+            </a:lnRef>
+            <a:fillRef idx="0">
+              <a:schemeClr val="accent1"/>
+            </a:fillRef>
+            <a:effectRef idx="1">
+              <a:schemeClr val="accent1"/>
+            </a:effectRef>
+            <a:fontRef idx="minor">
+              <a:schemeClr val="tx1"/>
+            </a:fontRef>
+          </p:style>
+        </p:cxnSp>
+        <p:cxnSp>
+          <p:nvCxnSpPr>
+            <p:cNvPr id="12" name="Gerader Verbinder 11">
+              <a:extLst>
+                <a:ext uri="{FF2B5EF4-FFF2-40B4-BE49-F238E27FC236}">
+                  <a16:creationId xmlns:a16="http://schemas.microsoft.com/office/drawing/2014/main" id="{0F7AB6EC-91B0-99A1-AC6C-3F7FA73C15B3}"/>
+                </a:ext>
+              </a:extLst>
+            </p:cNvPr>
+            <p:cNvCxnSpPr>
+              <a:cxnSpLocks/>
+            </p:cNvCxnSpPr>
+            <p:nvPr/>
+          </p:nvCxnSpPr>
+          <p:spPr>
+            <a:xfrm flipH="1" flipV="1">
+              <a:off x="1093677" y="1888220"/>
+              <a:ext cx="7585817" cy="0"/>
+            </a:xfrm>
+            <a:prstGeom prst="line">
+              <a:avLst/>
+            </a:prstGeom>
+            <a:ln>
+              <a:solidFill>
+                <a:schemeClr val="accent2"/>
+              </a:solidFill>
+              <a:prstDash val="dash"/>
+            </a:ln>
+          </p:spPr>
+          <p:style>
+            <a:lnRef idx="2">
+              <a:schemeClr val="accent1"/>
+            </a:lnRef>
+            <a:fillRef idx="0">
+              <a:schemeClr val="accent1"/>
+            </a:fillRef>
+            <a:effectRef idx="1">
+              <a:schemeClr val="accent1"/>
+            </a:effectRef>
+            <a:fontRef idx="minor">
+              <a:schemeClr val="tx1"/>
+            </a:fontRef>
+          </p:style>
+        </p:cxnSp>
+        <p:cxnSp>
+          <p:nvCxnSpPr>
+            <p:cNvPr id="13" name="Gerader Verbinder 12">
+              <a:extLst>
+                <a:ext uri="{FF2B5EF4-FFF2-40B4-BE49-F238E27FC236}">
+                  <a16:creationId xmlns:a16="http://schemas.microsoft.com/office/drawing/2014/main" id="{0C419652-4711-5DC1-E199-8F132C6C7025}"/>
+                </a:ext>
+              </a:extLst>
+            </p:cNvPr>
+            <p:cNvCxnSpPr>
+              <a:cxnSpLocks/>
+            </p:cNvCxnSpPr>
+            <p:nvPr/>
+          </p:nvCxnSpPr>
+          <p:spPr>
+            <a:xfrm flipH="1" flipV="1">
+              <a:off x="1093676" y="1244926"/>
+              <a:ext cx="7585817" cy="0"/>
+            </a:xfrm>
+            <a:prstGeom prst="line">
+              <a:avLst/>
+            </a:prstGeom>
+            <a:ln>
+              <a:solidFill>
+                <a:schemeClr val="accent2"/>
+              </a:solidFill>
+              <a:prstDash val="dash"/>
+            </a:ln>
+          </p:spPr>
+          <p:style>
+            <a:lnRef idx="2">
+              <a:schemeClr val="accent1"/>
+            </a:lnRef>
+            <a:fillRef idx="0">
+              <a:schemeClr val="accent1"/>
+            </a:fillRef>
+            <a:effectRef idx="1">
+              <a:schemeClr val="accent1"/>
+            </a:effectRef>
+            <a:fontRef idx="minor">
+              <a:schemeClr val="tx1"/>
+            </a:fontRef>
+          </p:style>
+        </p:cxnSp>
+        <p:sp>
+          <p:nvSpPr>
+            <p:cNvPr id="14" name="Textfeld 13">
+              <a:extLst>
+                <a:ext uri="{FF2B5EF4-FFF2-40B4-BE49-F238E27FC236}">
+                  <a16:creationId xmlns:a16="http://schemas.microsoft.com/office/drawing/2014/main" id="{37B38877-C0F0-7EFB-4117-7063E86841AF}"/>
+                </a:ext>
+              </a:extLst>
+            </p:cNvPr>
+            <p:cNvSpPr txBox="1"/>
+            <p:nvPr/>
+          </p:nvSpPr>
+          <p:spPr>
+            <a:xfrm>
+              <a:off x="1222858" y="5141772"/>
+              <a:ext cx="2565126" cy="338554"/>
+            </a:xfrm>
+            <a:prstGeom prst="rect">
+              <a:avLst/>
+            </a:prstGeom>
+            <a:noFill/>
+          </p:spPr>
+          <p:txBody>
+            <a:bodyPr wrap="none" rtlCol="0">
+              <a:spAutoFit/>
+            </a:bodyPr>
+            <a:lstStyle/>
+            <a:p>
+              <a:pPr marL="0" marR="0" lvl="0" indent="0" algn="l" defTabSz="914400" rtl="0" eaLnBrk="1" fontAlgn="auto" latinLnBrk="0" hangingPunct="1">
+                <a:lnSpc>
+                  <a:spcPct val="100000"/>
+                </a:lnSpc>
+                <a:spcBef>
+                  <a:spcPts val="0"/>
+                </a:spcBef>
+                <a:spcAft>
+                  <a:spcPts val="0"/>
+                </a:spcAft>
+                <a:buClrTx/>
+                <a:buSzTx/>
+                <a:buFontTx/>
+                <a:buNone/>
+                <a:tabLst/>
+                <a:defRPr/>
+              </a:pPr>
+              <a:r>
+                <a:rPr kumimoji="0" lang="de-DE" sz="1600" b="0" i="1" u="none" strike="noStrike" kern="1200" cap="none" spc="0" normalizeH="0" baseline="0" noProof="0">
+                  <a:ln>
+                    <a:noFill/>
+                  </a:ln>
+                  <a:effectLst/>
+                  <a:uLnTx/>
+                  <a:uFillTx/>
+                  <a:latin typeface="Segoe UI"/>
+                  <a:ea typeface="+mn-ea"/>
+                  <a:cs typeface="+mn-cs"/>
+                </a:rPr>
+                <a:t>Managed PTU Deployment</a:t>
+              </a:r>
+            </a:p>
+          </p:txBody>
+        </p:sp>
+        <p:sp>
+          <p:nvSpPr>
+            <p:cNvPr id="15" name="Textfeld 14">
+              <a:extLst>
+                <a:ext uri="{FF2B5EF4-FFF2-40B4-BE49-F238E27FC236}">
+                  <a16:creationId xmlns:a16="http://schemas.microsoft.com/office/drawing/2014/main" id="{E560F309-BF5D-9D9B-5938-BF6727C20EBE}"/>
+                </a:ext>
+              </a:extLst>
+            </p:cNvPr>
+            <p:cNvSpPr txBox="1"/>
+            <p:nvPr/>
+          </p:nvSpPr>
+          <p:spPr>
+            <a:xfrm>
+              <a:off x="1148339" y="2863595"/>
+              <a:ext cx="1986441" cy="338554"/>
+            </a:xfrm>
+            <a:prstGeom prst="rect">
+              <a:avLst/>
+            </a:prstGeom>
+            <a:noFill/>
+          </p:spPr>
+          <p:txBody>
+            <a:bodyPr wrap="none" rtlCol="0">
+              <a:spAutoFit/>
+            </a:bodyPr>
+            <a:lstStyle/>
+            <a:p>
+              <a:pPr marL="0" marR="0" lvl="0" indent="0" algn="l" defTabSz="914400" rtl="0" eaLnBrk="1" fontAlgn="auto" latinLnBrk="0" hangingPunct="1">
+                <a:lnSpc>
+                  <a:spcPct val="100000"/>
+                </a:lnSpc>
+                <a:spcBef>
+                  <a:spcPts val="0"/>
+                </a:spcBef>
+                <a:spcAft>
+                  <a:spcPts val="0"/>
+                </a:spcAft>
+                <a:buClrTx/>
+                <a:buSzTx/>
+                <a:buFontTx/>
+                <a:buNone/>
+                <a:tabLst/>
+                <a:defRPr/>
+              </a:pPr>
+              <a:r>
+                <a:rPr kumimoji="0" lang="de-DE" sz="1600" b="0" i="1" u="none" strike="noStrike" kern="1200" cap="none" spc="0" normalizeH="0" baseline="0" noProof="0">
+                  <a:ln>
+                    <a:noFill/>
+                  </a:ln>
+                  <a:effectLst/>
+                  <a:uLnTx/>
+                  <a:uFillTx/>
+                  <a:latin typeface="Segoe UI"/>
+                  <a:ea typeface="+mn-ea"/>
+                  <a:cs typeface="+mn-cs"/>
+                </a:rPr>
+                <a:t>PAYG Deployment 1</a:t>
+              </a:r>
+            </a:p>
+          </p:txBody>
+        </p:sp>
+        <p:sp>
+          <p:nvSpPr>
+            <p:cNvPr id="16" name="Textfeld 15">
+              <a:extLst>
+                <a:ext uri="{FF2B5EF4-FFF2-40B4-BE49-F238E27FC236}">
+                  <a16:creationId xmlns:a16="http://schemas.microsoft.com/office/drawing/2014/main" id="{B6C99BA7-009D-57F9-BC66-444325FEC2B2}"/>
+                </a:ext>
+              </a:extLst>
+            </p:cNvPr>
+            <p:cNvSpPr txBox="1"/>
+            <p:nvPr/>
+          </p:nvSpPr>
+          <p:spPr>
+            <a:xfrm>
+              <a:off x="1167522" y="2220301"/>
+              <a:ext cx="1986441" cy="338554"/>
+            </a:xfrm>
+            <a:prstGeom prst="rect">
+              <a:avLst/>
+            </a:prstGeom>
+            <a:noFill/>
+          </p:spPr>
+          <p:txBody>
+            <a:bodyPr wrap="none" rtlCol="0">
+              <a:spAutoFit/>
+            </a:bodyPr>
+            <a:lstStyle/>
+            <a:p>
+              <a:pPr marL="0" marR="0" lvl="0" indent="0" algn="l" defTabSz="914400" rtl="0" eaLnBrk="1" fontAlgn="auto" latinLnBrk="0" hangingPunct="1">
+                <a:lnSpc>
+                  <a:spcPct val="100000"/>
+                </a:lnSpc>
+                <a:spcBef>
+                  <a:spcPts val="0"/>
+                </a:spcBef>
+                <a:spcAft>
+                  <a:spcPts val="0"/>
+                </a:spcAft>
+                <a:buClrTx/>
+                <a:buSzTx/>
+                <a:buFontTx/>
+                <a:buNone/>
+                <a:tabLst/>
+                <a:defRPr/>
+              </a:pPr>
+              <a:r>
+                <a:rPr kumimoji="0" lang="de-DE" sz="1600" b="0" i="1" u="none" strike="noStrike" kern="1200" cap="none" spc="0" normalizeH="0" baseline="0" noProof="0">
+                  <a:ln>
+                    <a:noFill/>
+                  </a:ln>
+                  <a:effectLst/>
+                  <a:uLnTx/>
+                  <a:uFillTx/>
+                  <a:latin typeface="Segoe UI"/>
+                  <a:ea typeface="+mn-ea"/>
+                  <a:cs typeface="+mn-cs"/>
+                </a:rPr>
+                <a:t>PAYG Deployment 2</a:t>
+              </a:r>
+            </a:p>
+          </p:txBody>
+        </p:sp>
+        <p:sp>
+          <p:nvSpPr>
+            <p:cNvPr id="17" name="Textfeld 16">
+              <a:extLst>
+                <a:ext uri="{FF2B5EF4-FFF2-40B4-BE49-F238E27FC236}">
+                  <a16:creationId xmlns:a16="http://schemas.microsoft.com/office/drawing/2014/main" id="{2D91EC54-61AB-9950-24D6-56CDA1CB55F4}"/>
+                </a:ext>
+              </a:extLst>
+            </p:cNvPr>
+            <p:cNvSpPr txBox="1"/>
+            <p:nvPr/>
+          </p:nvSpPr>
+          <p:spPr>
+            <a:xfrm>
+              <a:off x="1170991" y="1590059"/>
+              <a:ext cx="1986441" cy="338554"/>
+            </a:xfrm>
+            <a:prstGeom prst="rect">
+              <a:avLst/>
+            </a:prstGeom>
+            <a:noFill/>
+          </p:spPr>
+          <p:txBody>
+            <a:bodyPr wrap="none" rtlCol="0">
+              <a:spAutoFit/>
+            </a:bodyPr>
+            <a:lstStyle/>
+            <a:p>
+              <a:pPr marL="0" marR="0" lvl="0" indent="0" algn="l" defTabSz="914400" rtl="0" eaLnBrk="1" fontAlgn="auto" latinLnBrk="0" hangingPunct="1">
+                <a:lnSpc>
+                  <a:spcPct val="100000"/>
+                </a:lnSpc>
+                <a:spcBef>
+                  <a:spcPts val="0"/>
+                </a:spcBef>
+                <a:spcAft>
+                  <a:spcPts val="0"/>
+                </a:spcAft>
+                <a:buClrTx/>
+                <a:buSzTx/>
+                <a:buFontTx/>
+                <a:buNone/>
+                <a:tabLst/>
+                <a:defRPr/>
+              </a:pPr>
+              <a:r>
+                <a:rPr kumimoji="0" lang="de-DE" sz="1600" b="0" i="1" u="none" strike="noStrike" kern="1200" cap="none" spc="0" normalizeH="0" baseline="0" noProof="0">
+                  <a:ln>
+                    <a:noFill/>
+                  </a:ln>
+                  <a:effectLst/>
+                  <a:uLnTx/>
+                  <a:uFillTx/>
+                  <a:latin typeface="Segoe UI"/>
+                  <a:ea typeface="+mn-ea"/>
+                  <a:cs typeface="+mn-cs"/>
+                </a:rPr>
+                <a:t>PAYG Deployment 3</a:t>
+              </a:r>
+            </a:p>
+          </p:txBody>
+        </p:sp>
+        <mc:AlternateContent xmlns:mc="http://schemas.openxmlformats.org/markup-compatibility/2006">
+          <mc:Choice xmlns:p14="http://schemas.microsoft.com/office/powerpoint/2010/main" Requires="p14">
+            <p:contentPart p14:bwMode="auto" r:id="rId4">
+              <p14:nvContentPartPr>
+                <p14:cNvPr id="18" name="Freihand 17">
+                  <a:extLst>
+                    <a:ext uri="{FF2B5EF4-FFF2-40B4-BE49-F238E27FC236}">
+                      <a16:creationId xmlns:a16="http://schemas.microsoft.com/office/drawing/2014/main" id="{C72974E0-AFAD-BFFF-1D64-00E17B995E4C}"/>
+                    </a:ext>
+                  </a:extLst>
+                </p14:cNvPr>
+                <p14:cNvContentPartPr/>
+                <p14:nvPr/>
+              </p14:nvContentPartPr>
+              <p14:xfrm>
+                <a:off x="1089797" y="4302773"/>
+                <a:ext cx="7438737" cy="241930"/>
+              </p14:xfrm>
+            </p:contentPart>
+          </mc:Choice>
+          <mc:Fallback>
+            <p:pic>
+              <p:nvPicPr>
+                <p:cNvPr id="18" name="Freihand 17">
+                  <a:extLst>
+                    <a:ext uri="{FF2B5EF4-FFF2-40B4-BE49-F238E27FC236}">
+                      <a16:creationId xmlns:a16="http://schemas.microsoft.com/office/drawing/2014/main" id="{C72974E0-AFAD-BFFF-1D64-00E17B995E4C}"/>
+                    </a:ext>
+                  </a:extLst>
+                </p:cNvPr>
+                <p:cNvPicPr/>
+                <p:nvPr/>
+              </p:nvPicPr>
+              <p:blipFill>
+                <a:blip r:embed="rId5"/>
+                <a:stretch>
+                  <a:fillRect/>
+                </a:stretch>
+              </p:blipFill>
+              <p:spPr>
+                <a:xfrm>
+                  <a:off x="1080796" y="4293773"/>
+                  <a:ext cx="7456378" cy="259571"/>
+                </a:xfrm>
+                <a:prstGeom prst="rect">
+                  <a:avLst/>
+                </a:prstGeom>
+              </p:spPr>
+            </p:pic>
+          </mc:Fallback>
+        </mc:AlternateContent>
+        <p:sp>
+          <p:nvSpPr>
+            <p:cNvPr id="19" name="Textfeld 18">
+              <a:extLst>
+                <a:ext uri="{FF2B5EF4-FFF2-40B4-BE49-F238E27FC236}">
+                  <a16:creationId xmlns:a16="http://schemas.microsoft.com/office/drawing/2014/main" id="{DA59674B-B02B-9DAC-B5F6-DB91D921F00B}"/>
+                </a:ext>
+              </a:extLst>
+            </p:cNvPr>
+            <p:cNvSpPr txBox="1"/>
+            <p:nvPr/>
+          </p:nvSpPr>
+          <p:spPr>
+            <a:xfrm>
+              <a:off x="7873662" y="4527574"/>
+              <a:ext cx="862737" cy="276999"/>
+            </a:xfrm>
+            <a:prstGeom prst="rect">
+              <a:avLst/>
+            </a:prstGeom>
+            <a:noFill/>
+          </p:spPr>
+          <p:txBody>
+            <a:bodyPr wrap="none" rtlCol="0">
+              <a:spAutoFit/>
+            </a:bodyPr>
+            <a:lstStyle/>
+            <a:p>
+              <a:pPr marL="0" marR="0" lvl="0" indent="0" algn="l" defTabSz="914400" rtl="0" eaLnBrk="1" fontAlgn="auto" latinLnBrk="0" hangingPunct="1">
+                <a:lnSpc>
+                  <a:spcPct val="100000"/>
+                </a:lnSpc>
+                <a:spcBef>
+                  <a:spcPts val="0"/>
+                </a:spcBef>
+                <a:spcAft>
+                  <a:spcPts val="0"/>
+                </a:spcAft>
+                <a:buClrTx/>
+                <a:buSzTx/>
+                <a:buFontTx/>
+                <a:buNone/>
+                <a:tabLst/>
+                <a:defRPr/>
+              </a:pPr>
+              <a:r>
+                <a:rPr kumimoji="0" lang="de-DE" sz="1200" b="0" i="0" u="none" strike="noStrike" kern="1200" cap="none" spc="0" normalizeH="0" baseline="0" noProof="0">
+                  <a:ln>
+                    <a:noFill/>
+                  </a:ln>
+                  <a:effectLst/>
+                  <a:uLnTx/>
+                  <a:uFillTx/>
+                  <a:latin typeface="Segoe UI"/>
+                  <a:ea typeface="+mn-ea"/>
+                  <a:cs typeface="+mn-cs"/>
+                </a:rPr>
+                <a:t>streaming</a:t>
+              </a:r>
+            </a:p>
+          </p:txBody>
+        </p:sp>
+        <p:sp>
+          <p:nvSpPr>
+            <p:cNvPr id="20" name="Textfeld 19">
+              <a:extLst>
+                <a:ext uri="{FF2B5EF4-FFF2-40B4-BE49-F238E27FC236}">
+                  <a16:creationId xmlns:a16="http://schemas.microsoft.com/office/drawing/2014/main" id="{490A7948-3209-23CE-072D-D91AC3FA9F9E}"/>
+                </a:ext>
+              </a:extLst>
+            </p:cNvPr>
+            <p:cNvSpPr txBox="1"/>
+            <p:nvPr/>
+          </p:nvSpPr>
+          <p:spPr>
+            <a:xfrm>
+              <a:off x="6893954" y="3633380"/>
+              <a:ext cx="2053767" cy="276999"/>
+            </a:xfrm>
+            <a:prstGeom prst="rect">
+              <a:avLst/>
+            </a:prstGeom>
+            <a:noFill/>
+          </p:spPr>
+          <p:txBody>
+            <a:bodyPr wrap="none" rtlCol="0">
+              <a:spAutoFit/>
+            </a:bodyPr>
+            <a:lstStyle/>
+            <a:p>
+              <a:pPr marL="0" marR="0" lvl="0" indent="0" algn="l" defTabSz="914400" rtl="0" eaLnBrk="1" fontAlgn="auto" latinLnBrk="0" hangingPunct="1">
+                <a:lnSpc>
+                  <a:spcPct val="100000"/>
+                </a:lnSpc>
+                <a:spcBef>
+                  <a:spcPts val="0"/>
+                </a:spcBef>
+                <a:spcAft>
+                  <a:spcPts val="0"/>
+                </a:spcAft>
+                <a:buClrTx/>
+                <a:buSzTx/>
+                <a:buFontTx/>
+                <a:buNone/>
+                <a:tabLst/>
+                <a:defRPr/>
+              </a:pPr>
+              <a:r>
+                <a:rPr kumimoji="0" lang="de-DE" sz="1200" b="0" i="0" u="none" strike="noStrike" kern="1200" cap="none" spc="0" normalizeH="0" baseline="0" noProof="0">
+                  <a:ln>
+                    <a:noFill/>
+                  </a:ln>
+                  <a:effectLst/>
+                  <a:uLnTx/>
+                  <a:uFillTx/>
+                  <a:latin typeface="Segoe UI"/>
+                  <a:ea typeface="+mn-ea"/>
+                  <a:cs typeface="+mn-cs"/>
+                </a:rPr>
+                <a:t>streaming + non-streaming</a:t>
+              </a:r>
+            </a:p>
+          </p:txBody>
+        </p:sp>
+        <p:sp>
+          <p:nvSpPr>
+            <p:cNvPr id="2" name="Textfeld 1">
+              <a:extLst>
+                <a:ext uri="{FF2B5EF4-FFF2-40B4-BE49-F238E27FC236}">
+                  <a16:creationId xmlns:a16="http://schemas.microsoft.com/office/drawing/2014/main" id="{DDB4E393-BBBD-2E5D-CD9B-B5D9D7884530}"/>
+                </a:ext>
+              </a:extLst>
+            </p:cNvPr>
+            <p:cNvSpPr txBox="1"/>
+            <p:nvPr/>
+          </p:nvSpPr>
+          <p:spPr>
+            <a:xfrm>
+              <a:off x="9416350" y="1176173"/>
+              <a:ext cx="2475037" cy="1077218"/>
+            </a:xfrm>
+            <a:prstGeom prst="rect">
+              <a:avLst/>
+            </a:prstGeom>
+            <a:noFill/>
+          </p:spPr>
+          <p:txBody>
+            <a:bodyPr wrap="none" lIns="0" tIns="0" rIns="0" bIns="0" rtlCol="0">
+              <a:spAutoFit/>
+            </a:bodyPr>
+            <a:lstStyle/>
+            <a:p>
+              <a:pPr marL="0" marR="0" lvl="0" indent="0" algn="l" defTabSz="914400" rtl="0" eaLnBrk="1" fontAlgn="auto" latinLnBrk="0" hangingPunct="1">
+                <a:lnSpc>
+                  <a:spcPct val="100000"/>
+                </a:lnSpc>
+                <a:spcBef>
+                  <a:spcPts val="0"/>
+                </a:spcBef>
+                <a:spcAft>
+                  <a:spcPts val="0"/>
+                </a:spcAft>
+                <a:buClrTx/>
+                <a:buSzTx/>
+                <a:buFontTx/>
+                <a:buNone/>
+                <a:tabLst/>
+                <a:defRPr/>
+              </a:pPr>
+              <a:r>
+                <a:rPr kumimoji="0" lang="de-DE" sz="1400" b="0" i="0" u="none" strike="noStrike" kern="1200" cap="none" spc="0" normalizeH="0" baseline="0" noProof="0">
+                  <a:ln>
+                    <a:noFill/>
+                  </a:ln>
+                  <a:effectLst/>
+                  <a:uLnTx/>
+                  <a:uFillTx/>
+                  <a:latin typeface="Segoe UI"/>
+                  <a:ea typeface="+mn-ea"/>
+                  <a:cs typeface="+mn-cs"/>
+                </a:rPr>
+                <a:t>✔️ Spike demands handled</a:t>
+              </a:r>
+            </a:p>
+            <a:p>
+              <a:pPr marL="0" marR="0" lvl="0" indent="0" algn="l" defTabSz="914400" rtl="0" eaLnBrk="1" fontAlgn="auto" latinLnBrk="0" hangingPunct="1">
+                <a:lnSpc>
+                  <a:spcPct val="100000"/>
+                </a:lnSpc>
+                <a:spcBef>
+                  <a:spcPts val="0"/>
+                </a:spcBef>
+                <a:spcAft>
+                  <a:spcPts val="0"/>
+                </a:spcAft>
+                <a:buClrTx/>
+                <a:buSzTx/>
+                <a:buFontTx/>
+                <a:buNone/>
+                <a:tabLst/>
+                <a:defRPr/>
+              </a:pPr>
+              <a:r>
+                <a:rPr kumimoji="0" lang="de-DE" sz="1400" b="0" i="0" u="none" strike="noStrike" kern="1200" cap="none" spc="0" normalizeH="0" baseline="0" noProof="0">
+                  <a:ln>
+                    <a:noFill/>
+                  </a:ln>
+                  <a:effectLst/>
+                  <a:uLnTx/>
+                  <a:uFillTx/>
+                  <a:latin typeface="Segoe UI"/>
+                  <a:ea typeface="+mn-ea"/>
+                  <a:cs typeface="+mn-cs"/>
+                </a:rPr>
+                <a:t>✔️ Managed PTU before PAYG</a:t>
+              </a:r>
+            </a:p>
+            <a:p>
+              <a:pPr marL="0" marR="0" lvl="0" indent="0" algn="l" defTabSz="914400" rtl="0" eaLnBrk="1" fontAlgn="auto" latinLnBrk="0" hangingPunct="1">
+                <a:lnSpc>
+                  <a:spcPct val="100000"/>
+                </a:lnSpc>
+                <a:spcBef>
+                  <a:spcPts val="0"/>
+                </a:spcBef>
+                <a:spcAft>
+                  <a:spcPts val="0"/>
+                </a:spcAft>
+                <a:buClrTx/>
+                <a:buSzTx/>
+                <a:buFontTx/>
+                <a:buNone/>
+                <a:tabLst/>
+                <a:defRPr/>
+              </a:pPr>
+              <a:r>
+                <a:rPr kumimoji="0" lang="de-DE" sz="1400" b="0" i="0" u="none" strike="noStrike" kern="1200" cap="none" spc="0" normalizeH="0" baseline="0" noProof="0">
+                  <a:ln>
+                    <a:noFill/>
+                  </a:ln>
+                  <a:effectLst/>
+                  <a:uLnTx/>
+                  <a:uFillTx/>
+                  <a:latin typeface="Segoe UI"/>
+                  <a:ea typeface="+mn-ea"/>
+                  <a:cs typeface="+mn-cs"/>
+                </a:rPr>
+                <a:t>✔️ Realtime before Batch</a:t>
+              </a:r>
+            </a:p>
+            <a:p>
+              <a:pPr>
+                <a:defRPr/>
+              </a:pPr>
+              <a:r>
+                <a:rPr kumimoji="0" lang="de-DE" sz="1400" b="0" i="0" u="none" strike="noStrike" kern="1200" cap="none" spc="0" normalizeH="0" baseline="0" noProof="0">
+                  <a:ln>
+                    <a:noFill/>
+                  </a:ln>
+                  <a:effectLst/>
+                  <a:uLnTx/>
+                  <a:uFillTx/>
+                  <a:latin typeface="Segoe UI"/>
+                  <a:ea typeface="+mn-ea"/>
+                  <a:cs typeface="+mn-cs"/>
+                </a:rPr>
+                <a:t>✔️ Across endpoints</a:t>
+              </a:r>
+            </a:p>
+            <a:p>
+              <a:pPr>
+                <a:defRPr/>
+              </a:pPr>
+              <a:r>
+                <a:rPr kumimoji="0" lang="de-DE" sz="1400" b="0" i="0" u="none" strike="noStrike" kern="1200" cap="none" spc="0" normalizeH="0" baseline="0" noProof="0">
+                  <a:ln>
+                    <a:noFill/>
+                  </a:ln>
+                  <a:effectLst/>
+                  <a:uLnTx/>
+                  <a:uFillTx/>
+                  <a:latin typeface="Segoe UI"/>
+                  <a:ea typeface="+mn-ea"/>
+                  <a:cs typeface="+mn-cs"/>
+                </a:rPr>
+                <a:t>✔️ Across deployments</a:t>
+              </a:r>
+              <a:endParaRPr kumimoji="0" lang="de-DE" sz="1400" b="0" i="0" u="none" strike="noStrike" kern="1200" cap="none" spc="0" normalizeH="0" baseline="0" noProof="0" err="1">
                 <a:ln>
                   <a:noFill/>
                 </a:ln>
@@ -13459,951 +15662,11 @@
                 <a:latin typeface="Segoe UI"/>
                 <a:ea typeface="+mn-ea"/>
                 <a:cs typeface="+mn-cs"/>
-              </a:rPr>
-              <a:t>Time</a:t>
-            </a:r>
-          </a:p>
-        </p:txBody>
-      </p:sp>
-      <p:cxnSp>
-        <p:nvCxnSpPr>
-          <p:cNvPr id="5" name="Gerade Verbindung mit Pfeil 4">
-            <a:extLst>
-              <a:ext uri="{FF2B5EF4-FFF2-40B4-BE49-F238E27FC236}">
-                <a16:creationId xmlns:a16="http://schemas.microsoft.com/office/drawing/2014/main" id="{7FC86B8D-7D5A-6CBB-0159-31400DE362F7}"/>
-              </a:ext>
-            </a:extLst>
-          </p:cNvPr>
-          <p:cNvCxnSpPr>
-            <a:cxnSpLocks/>
-          </p:cNvCxnSpPr>
-          <p:nvPr/>
-        </p:nvCxnSpPr>
-        <p:spPr>
-          <a:xfrm flipV="1">
-            <a:off x="1093679" y="1062095"/>
-            <a:ext cx="0" cy="4533444"/>
-          </a:xfrm>
-          <a:prstGeom prst="straightConnector1">
-            <a:avLst/>
-          </a:prstGeom>
-          <a:ln>
-            <a:solidFill>
-              <a:schemeClr val="tx1"/>
-            </a:solidFill>
-            <a:tailEnd type="triangle"/>
-          </a:ln>
-        </p:spPr>
-        <p:style>
-          <a:lnRef idx="2">
-            <a:schemeClr val="accent1"/>
-          </a:lnRef>
-          <a:fillRef idx="0">
-            <a:schemeClr val="accent1"/>
-          </a:fillRef>
-          <a:effectRef idx="1">
-            <a:schemeClr val="accent1"/>
-          </a:effectRef>
-          <a:fontRef idx="minor">
-            <a:schemeClr val="tx1"/>
-          </a:fontRef>
-        </p:style>
-      </p:cxnSp>
-      <p:cxnSp>
-        <p:nvCxnSpPr>
-          <p:cNvPr id="6" name="Gerade Verbindung mit Pfeil 5">
-            <a:extLst>
-              <a:ext uri="{FF2B5EF4-FFF2-40B4-BE49-F238E27FC236}">
-                <a16:creationId xmlns:a16="http://schemas.microsoft.com/office/drawing/2014/main" id="{F953BF07-8E3C-A684-3AF6-F2ADBFE751C2}"/>
-              </a:ext>
-            </a:extLst>
-          </p:cNvPr>
-          <p:cNvCxnSpPr>
-            <a:cxnSpLocks/>
-          </p:cNvCxnSpPr>
-          <p:nvPr/>
-        </p:nvCxnSpPr>
-        <p:spPr>
-          <a:xfrm>
-            <a:off x="1093679" y="5595539"/>
-            <a:ext cx="7466883" cy="0"/>
-          </a:xfrm>
-          <a:prstGeom prst="straightConnector1">
-            <a:avLst/>
-          </a:prstGeom>
-          <a:ln>
-            <a:solidFill>
-              <a:schemeClr val="tx1"/>
-            </a:solidFill>
-            <a:tailEnd type="triangle"/>
-          </a:ln>
-        </p:spPr>
-        <p:style>
-          <a:lnRef idx="2">
-            <a:schemeClr val="accent1"/>
-          </a:lnRef>
-          <a:fillRef idx="0">
-            <a:schemeClr val="accent1"/>
-          </a:fillRef>
-          <a:effectRef idx="1">
-            <a:schemeClr val="accent1"/>
-          </a:effectRef>
-          <a:fontRef idx="minor">
-            <a:schemeClr val="tx1"/>
-          </a:fontRef>
-        </p:style>
-      </p:cxnSp>
-      <p:sp>
-        <p:nvSpPr>
-          <p:cNvPr id="8" name="Textfeld 7">
-            <a:extLst>
-              <a:ext uri="{FF2B5EF4-FFF2-40B4-BE49-F238E27FC236}">
-                <a16:creationId xmlns:a16="http://schemas.microsoft.com/office/drawing/2014/main" id="{7A0F64D8-7AFB-822D-F490-740935C976F0}"/>
-              </a:ext>
-            </a:extLst>
-          </p:cNvPr>
-          <p:cNvSpPr txBox="1"/>
-          <p:nvPr/>
-        </p:nvSpPr>
-        <p:spPr>
-          <a:xfrm rot="16200000">
-            <a:off x="-284334" y="3284159"/>
-            <a:ext cx="2085827" cy="369332"/>
-          </a:xfrm>
-          <a:prstGeom prst="rect">
-            <a:avLst/>
-          </a:prstGeom>
-          <a:noFill/>
-        </p:spPr>
-        <p:txBody>
-          <a:bodyPr wrap="none" rtlCol="0">
-            <a:spAutoFit/>
-          </a:bodyPr>
-          <a:lstStyle/>
-          <a:p>
-            <a:pPr marL="0" marR="0" lvl="0" indent="0" algn="l" defTabSz="914400" rtl="0" eaLnBrk="1" fontAlgn="auto" latinLnBrk="0" hangingPunct="1">
-              <a:lnSpc>
-                <a:spcPct val="100000"/>
-              </a:lnSpc>
-              <a:spcBef>
-                <a:spcPts val="0"/>
-              </a:spcBef>
-              <a:spcAft>
-                <a:spcPts val="0"/>
-              </a:spcAft>
-              <a:buClrTx/>
-              <a:buSzTx/>
-              <a:buFontTx/>
-              <a:buNone/>
-              <a:tabLst/>
-              <a:defRPr/>
-            </a:pPr>
-            <a:r>
-              <a:rPr kumimoji="0" lang="de-DE" sz="1800" b="0" i="0" u="none" strike="noStrike" kern="1200" cap="none" spc="0" normalizeH="0" baseline="0" noProof="0">
-                <a:ln>
-                  <a:noFill/>
-                </a:ln>
-                <a:effectLst/>
-                <a:uLnTx/>
-                <a:uFillTx/>
-                <a:latin typeface="Segoe UI"/>
-                <a:ea typeface="+mn-ea"/>
-                <a:cs typeface="+mn-cs"/>
-              </a:rPr>
-              <a:t>Tokens per Minute</a:t>
-            </a:r>
-          </a:p>
-        </p:txBody>
-      </p:sp>
-      <mc:AlternateContent xmlns:mc="http://schemas.openxmlformats.org/markup-compatibility/2006">
-        <mc:Choice xmlns:p14="http://schemas.microsoft.com/office/powerpoint/2010/main" Requires="p14">
-          <p:contentPart p14:bwMode="auto" r:id="rId2">
-            <p14:nvContentPartPr>
-              <p14:cNvPr id="9" name="Freihand 8">
-                <a:extLst>
-                  <a:ext uri="{FF2B5EF4-FFF2-40B4-BE49-F238E27FC236}">
-                    <a16:creationId xmlns:a16="http://schemas.microsoft.com/office/drawing/2014/main" id="{78E8E989-B3ED-B985-4694-7200F4D0597B}"/>
-                  </a:ext>
-                </a:extLst>
-              </p14:cNvPr>
-              <p14:cNvContentPartPr/>
-              <p14:nvPr/>
-            </p14:nvContentPartPr>
-            <p14:xfrm>
-              <a:off x="1104406" y="1722184"/>
-              <a:ext cx="7406863" cy="2036398"/>
-            </p14:xfrm>
-          </p:contentPart>
-        </mc:Choice>
-        <mc:Fallback>
-          <p:pic>
-            <p:nvPicPr>
-              <p:cNvPr id="9" name="Freihand 8">
-                <a:extLst>
-                  <a:ext uri="{FF2B5EF4-FFF2-40B4-BE49-F238E27FC236}">
-                    <a16:creationId xmlns:a16="http://schemas.microsoft.com/office/drawing/2014/main" id="{78E8E989-B3ED-B985-4694-7200F4D0597B}"/>
-                  </a:ext>
-                </a:extLst>
-              </p:cNvPr>
-              <p:cNvPicPr/>
-              <p:nvPr/>
-            </p:nvPicPr>
-            <p:blipFill>
-              <a:blip r:embed="rId3"/>
-              <a:stretch>
-                <a:fillRect/>
-              </a:stretch>
-            </p:blipFill>
-            <p:spPr>
-              <a:xfrm>
-                <a:off x="1095406" y="1713186"/>
-                <a:ext cx="7424504" cy="2054034"/>
-              </a:xfrm>
-              <a:prstGeom prst="rect">
-                <a:avLst/>
-              </a:prstGeom>
-            </p:spPr>
-          </p:pic>
-        </mc:Fallback>
-      </mc:AlternateContent>
-      <p:cxnSp>
-        <p:nvCxnSpPr>
-          <p:cNvPr id="10" name="Gerader Verbinder 9">
-            <a:extLst>
-              <a:ext uri="{FF2B5EF4-FFF2-40B4-BE49-F238E27FC236}">
-                <a16:creationId xmlns:a16="http://schemas.microsoft.com/office/drawing/2014/main" id="{BC7F332A-90B5-B1C8-9850-22F80E603B0D}"/>
-              </a:ext>
-            </a:extLst>
-          </p:cNvPr>
-          <p:cNvCxnSpPr>
-            <a:cxnSpLocks/>
-          </p:cNvCxnSpPr>
-          <p:nvPr/>
-        </p:nvCxnSpPr>
-        <p:spPr>
-          <a:xfrm flipH="1" flipV="1">
-            <a:off x="1093679" y="3174807"/>
-            <a:ext cx="7585817" cy="0"/>
-          </a:xfrm>
-          <a:prstGeom prst="line">
-            <a:avLst/>
-          </a:prstGeom>
-          <a:ln>
-            <a:solidFill>
-              <a:schemeClr val="accent2"/>
-            </a:solidFill>
-            <a:prstDash val="dash"/>
-          </a:ln>
-        </p:spPr>
-        <p:style>
-          <a:lnRef idx="2">
-            <a:schemeClr val="accent1"/>
-          </a:lnRef>
-          <a:fillRef idx="0">
-            <a:schemeClr val="accent1"/>
-          </a:fillRef>
-          <a:effectRef idx="1">
-            <a:schemeClr val="accent1"/>
-          </a:effectRef>
-          <a:fontRef idx="minor">
-            <a:schemeClr val="tx1"/>
-          </a:fontRef>
-        </p:style>
-      </p:cxnSp>
-      <p:cxnSp>
-        <p:nvCxnSpPr>
-          <p:cNvPr id="11" name="Gerader Verbinder 10">
-            <a:extLst>
-              <a:ext uri="{FF2B5EF4-FFF2-40B4-BE49-F238E27FC236}">
-                <a16:creationId xmlns:a16="http://schemas.microsoft.com/office/drawing/2014/main" id="{62F7899E-4F17-AEC9-EEC4-49E6EDE03299}"/>
-              </a:ext>
-            </a:extLst>
-          </p:cNvPr>
-          <p:cNvCxnSpPr>
-            <a:cxnSpLocks/>
-          </p:cNvCxnSpPr>
-          <p:nvPr/>
-        </p:nvCxnSpPr>
-        <p:spPr>
-          <a:xfrm flipH="1" flipV="1">
-            <a:off x="1093678" y="2531514"/>
-            <a:ext cx="7585817" cy="0"/>
-          </a:xfrm>
-          <a:prstGeom prst="line">
-            <a:avLst/>
-          </a:prstGeom>
-          <a:ln>
-            <a:solidFill>
-              <a:schemeClr val="accent2"/>
-            </a:solidFill>
-            <a:prstDash val="dash"/>
-          </a:ln>
-        </p:spPr>
-        <p:style>
-          <a:lnRef idx="2">
-            <a:schemeClr val="accent1"/>
-          </a:lnRef>
-          <a:fillRef idx="0">
-            <a:schemeClr val="accent1"/>
-          </a:fillRef>
-          <a:effectRef idx="1">
-            <a:schemeClr val="accent1"/>
-          </a:effectRef>
-          <a:fontRef idx="minor">
-            <a:schemeClr val="tx1"/>
-          </a:fontRef>
-        </p:style>
-      </p:cxnSp>
-      <p:cxnSp>
-        <p:nvCxnSpPr>
-          <p:cNvPr id="12" name="Gerader Verbinder 11">
-            <a:extLst>
-              <a:ext uri="{FF2B5EF4-FFF2-40B4-BE49-F238E27FC236}">
-                <a16:creationId xmlns:a16="http://schemas.microsoft.com/office/drawing/2014/main" id="{0F7AB6EC-91B0-99A1-AC6C-3F7FA73C15B3}"/>
-              </a:ext>
-            </a:extLst>
-          </p:cNvPr>
-          <p:cNvCxnSpPr>
-            <a:cxnSpLocks/>
-          </p:cNvCxnSpPr>
-          <p:nvPr/>
-        </p:nvCxnSpPr>
-        <p:spPr>
-          <a:xfrm flipH="1" flipV="1">
-            <a:off x="1093677" y="1888220"/>
-            <a:ext cx="7585817" cy="0"/>
-          </a:xfrm>
-          <a:prstGeom prst="line">
-            <a:avLst/>
-          </a:prstGeom>
-          <a:ln>
-            <a:solidFill>
-              <a:schemeClr val="accent2"/>
-            </a:solidFill>
-            <a:prstDash val="dash"/>
-          </a:ln>
-        </p:spPr>
-        <p:style>
-          <a:lnRef idx="2">
-            <a:schemeClr val="accent1"/>
-          </a:lnRef>
-          <a:fillRef idx="0">
-            <a:schemeClr val="accent1"/>
-          </a:fillRef>
-          <a:effectRef idx="1">
-            <a:schemeClr val="accent1"/>
-          </a:effectRef>
-          <a:fontRef idx="minor">
-            <a:schemeClr val="tx1"/>
-          </a:fontRef>
-        </p:style>
-      </p:cxnSp>
-      <p:cxnSp>
-        <p:nvCxnSpPr>
-          <p:cNvPr id="13" name="Gerader Verbinder 12">
-            <a:extLst>
-              <a:ext uri="{FF2B5EF4-FFF2-40B4-BE49-F238E27FC236}">
-                <a16:creationId xmlns:a16="http://schemas.microsoft.com/office/drawing/2014/main" id="{0C419652-4711-5DC1-E199-8F132C6C7025}"/>
-              </a:ext>
-            </a:extLst>
-          </p:cNvPr>
-          <p:cNvCxnSpPr>
-            <a:cxnSpLocks/>
-          </p:cNvCxnSpPr>
-          <p:nvPr/>
-        </p:nvCxnSpPr>
-        <p:spPr>
-          <a:xfrm flipH="1" flipV="1">
-            <a:off x="1093676" y="1244926"/>
-            <a:ext cx="7585817" cy="0"/>
-          </a:xfrm>
-          <a:prstGeom prst="line">
-            <a:avLst/>
-          </a:prstGeom>
-          <a:ln>
-            <a:solidFill>
-              <a:schemeClr val="accent2"/>
-            </a:solidFill>
-            <a:prstDash val="dash"/>
-          </a:ln>
-        </p:spPr>
-        <p:style>
-          <a:lnRef idx="2">
-            <a:schemeClr val="accent1"/>
-          </a:lnRef>
-          <a:fillRef idx="0">
-            <a:schemeClr val="accent1"/>
-          </a:fillRef>
-          <a:effectRef idx="1">
-            <a:schemeClr val="accent1"/>
-          </a:effectRef>
-          <a:fontRef idx="minor">
-            <a:schemeClr val="tx1"/>
-          </a:fontRef>
-        </p:style>
-      </p:cxnSp>
-      <p:sp>
-        <p:nvSpPr>
-          <p:cNvPr id="14" name="Textfeld 13">
-            <a:extLst>
-              <a:ext uri="{FF2B5EF4-FFF2-40B4-BE49-F238E27FC236}">
-                <a16:creationId xmlns:a16="http://schemas.microsoft.com/office/drawing/2014/main" id="{37B38877-C0F0-7EFB-4117-7063E86841AF}"/>
-              </a:ext>
-            </a:extLst>
-          </p:cNvPr>
-          <p:cNvSpPr txBox="1"/>
-          <p:nvPr/>
-        </p:nvSpPr>
-        <p:spPr>
-          <a:xfrm>
-            <a:off x="1222858" y="5141772"/>
-            <a:ext cx="2565126" cy="338554"/>
-          </a:xfrm>
-          <a:prstGeom prst="rect">
-            <a:avLst/>
-          </a:prstGeom>
-          <a:noFill/>
-        </p:spPr>
-        <p:txBody>
-          <a:bodyPr wrap="none" rtlCol="0">
-            <a:spAutoFit/>
-          </a:bodyPr>
-          <a:lstStyle/>
-          <a:p>
-            <a:pPr marL="0" marR="0" lvl="0" indent="0" algn="l" defTabSz="914400" rtl="0" eaLnBrk="1" fontAlgn="auto" latinLnBrk="0" hangingPunct="1">
-              <a:lnSpc>
-                <a:spcPct val="100000"/>
-              </a:lnSpc>
-              <a:spcBef>
-                <a:spcPts val="0"/>
-              </a:spcBef>
-              <a:spcAft>
-                <a:spcPts val="0"/>
-              </a:spcAft>
-              <a:buClrTx/>
-              <a:buSzTx/>
-              <a:buFontTx/>
-              <a:buNone/>
-              <a:tabLst/>
-              <a:defRPr/>
-            </a:pPr>
-            <a:r>
-              <a:rPr kumimoji="0" lang="de-DE" sz="1600" b="0" i="1" u="none" strike="noStrike" kern="1200" cap="none" spc="0" normalizeH="0" baseline="0" noProof="0">
-                <a:ln>
-                  <a:noFill/>
-                </a:ln>
-                <a:effectLst/>
-                <a:uLnTx/>
-                <a:uFillTx/>
-                <a:latin typeface="Segoe UI"/>
-                <a:ea typeface="+mn-ea"/>
-                <a:cs typeface="+mn-cs"/>
-              </a:rPr>
-              <a:t>Managed PTU Deployment</a:t>
-            </a:r>
-          </a:p>
-        </p:txBody>
-      </p:sp>
-      <p:sp>
-        <p:nvSpPr>
-          <p:cNvPr id="15" name="Textfeld 14">
-            <a:extLst>
-              <a:ext uri="{FF2B5EF4-FFF2-40B4-BE49-F238E27FC236}">
-                <a16:creationId xmlns:a16="http://schemas.microsoft.com/office/drawing/2014/main" id="{E560F309-BF5D-9D9B-5938-BF6727C20EBE}"/>
-              </a:ext>
-            </a:extLst>
-          </p:cNvPr>
-          <p:cNvSpPr txBox="1"/>
-          <p:nvPr/>
-        </p:nvSpPr>
-        <p:spPr>
-          <a:xfrm>
-            <a:off x="1148339" y="2863595"/>
-            <a:ext cx="1986441" cy="338554"/>
-          </a:xfrm>
-          <a:prstGeom prst="rect">
-            <a:avLst/>
-          </a:prstGeom>
-          <a:noFill/>
-        </p:spPr>
-        <p:txBody>
-          <a:bodyPr wrap="none" rtlCol="0">
-            <a:spAutoFit/>
-          </a:bodyPr>
-          <a:lstStyle/>
-          <a:p>
-            <a:pPr marL="0" marR="0" lvl="0" indent="0" algn="l" defTabSz="914400" rtl="0" eaLnBrk="1" fontAlgn="auto" latinLnBrk="0" hangingPunct="1">
-              <a:lnSpc>
-                <a:spcPct val="100000"/>
-              </a:lnSpc>
-              <a:spcBef>
-                <a:spcPts val="0"/>
-              </a:spcBef>
-              <a:spcAft>
-                <a:spcPts val="0"/>
-              </a:spcAft>
-              <a:buClrTx/>
-              <a:buSzTx/>
-              <a:buFontTx/>
-              <a:buNone/>
-              <a:tabLst/>
-              <a:defRPr/>
-            </a:pPr>
-            <a:r>
-              <a:rPr kumimoji="0" lang="de-DE" sz="1600" b="0" i="1" u="none" strike="noStrike" kern="1200" cap="none" spc="0" normalizeH="0" baseline="0" noProof="0">
-                <a:ln>
-                  <a:noFill/>
-                </a:ln>
-                <a:effectLst/>
-                <a:uLnTx/>
-                <a:uFillTx/>
-                <a:latin typeface="Segoe UI"/>
-                <a:ea typeface="+mn-ea"/>
-                <a:cs typeface="+mn-cs"/>
-              </a:rPr>
-              <a:t>PAYG Deployment 1</a:t>
-            </a:r>
-          </a:p>
-        </p:txBody>
-      </p:sp>
-      <p:sp>
-        <p:nvSpPr>
-          <p:cNvPr id="16" name="Textfeld 15">
-            <a:extLst>
-              <a:ext uri="{FF2B5EF4-FFF2-40B4-BE49-F238E27FC236}">
-                <a16:creationId xmlns:a16="http://schemas.microsoft.com/office/drawing/2014/main" id="{B6C99BA7-009D-57F9-BC66-444325FEC2B2}"/>
-              </a:ext>
-            </a:extLst>
-          </p:cNvPr>
-          <p:cNvSpPr txBox="1"/>
-          <p:nvPr/>
-        </p:nvSpPr>
-        <p:spPr>
-          <a:xfrm>
-            <a:off x="1167522" y="2220301"/>
-            <a:ext cx="1986441" cy="338554"/>
-          </a:xfrm>
-          <a:prstGeom prst="rect">
-            <a:avLst/>
-          </a:prstGeom>
-          <a:noFill/>
-        </p:spPr>
-        <p:txBody>
-          <a:bodyPr wrap="none" rtlCol="0">
-            <a:spAutoFit/>
-          </a:bodyPr>
-          <a:lstStyle/>
-          <a:p>
-            <a:pPr marL="0" marR="0" lvl="0" indent="0" algn="l" defTabSz="914400" rtl="0" eaLnBrk="1" fontAlgn="auto" latinLnBrk="0" hangingPunct="1">
-              <a:lnSpc>
-                <a:spcPct val="100000"/>
-              </a:lnSpc>
-              <a:spcBef>
-                <a:spcPts val="0"/>
-              </a:spcBef>
-              <a:spcAft>
-                <a:spcPts val="0"/>
-              </a:spcAft>
-              <a:buClrTx/>
-              <a:buSzTx/>
-              <a:buFontTx/>
-              <a:buNone/>
-              <a:tabLst/>
-              <a:defRPr/>
-            </a:pPr>
-            <a:r>
-              <a:rPr kumimoji="0" lang="de-DE" sz="1600" b="0" i="1" u="none" strike="noStrike" kern="1200" cap="none" spc="0" normalizeH="0" baseline="0" noProof="0">
-                <a:ln>
-                  <a:noFill/>
-                </a:ln>
-                <a:effectLst/>
-                <a:uLnTx/>
-                <a:uFillTx/>
-                <a:latin typeface="Segoe UI"/>
-                <a:ea typeface="+mn-ea"/>
-                <a:cs typeface="+mn-cs"/>
-              </a:rPr>
-              <a:t>PAYG Deployment 2</a:t>
-            </a:r>
-          </a:p>
-        </p:txBody>
-      </p:sp>
-      <p:sp>
-        <p:nvSpPr>
-          <p:cNvPr id="17" name="Textfeld 16">
-            <a:extLst>
-              <a:ext uri="{FF2B5EF4-FFF2-40B4-BE49-F238E27FC236}">
-                <a16:creationId xmlns:a16="http://schemas.microsoft.com/office/drawing/2014/main" id="{2D91EC54-61AB-9950-24D6-56CDA1CB55F4}"/>
-              </a:ext>
-            </a:extLst>
-          </p:cNvPr>
-          <p:cNvSpPr txBox="1"/>
-          <p:nvPr/>
-        </p:nvSpPr>
-        <p:spPr>
-          <a:xfrm>
-            <a:off x="1170991" y="1590059"/>
-            <a:ext cx="1986441" cy="338554"/>
-          </a:xfrm>
-          <a:prstGeom prst="rect">
-            <a:avLst/>
-          </a:prstGeom>
-          <a:noFill/>
-        </p:spPr>
-        <p:txBody>
-          <a:bodyPr wrap="none" rtlCol="0">
-            <a:spAutoFit/>
-          </a:bodyPr>
-          <a:lstStyle/>
-          <a:p>
-            <a:pPr marL="0" marR="0" lvl="0" indent="0" algn="l" defTabSz="914400" rtl="0" eaLnBrk="1" fontAlgn="auto" latinLnBrk="0" hangingPunct="1">
-              <a:lnSpc>
-                <a:spcPct val="100000"/>
-              </a:lnSpc>
-              <a:spcBef>
-                <a:spcPts val="0"/>
-              </a:spcBef>
-              <a:spcAft>
-                <a:spcPts val="0"/>
-              </a:spcAft>
-              <a:buClrTx/>
-              <a:buSzTx/>
-              <a:buFontTx/>
-              <a:buNone/>
-              <a:tabLst/>
-              <a:defRPr/>
-            </a:pPr>
-            <a:r>
-              <a:rPr kumimoji="0" lang="de-DE" sz="1600" b="0" i="1" u="none" strike="noStrike" kern="1200" cap="none" spc="0" normalizeH="0" baseline="0" noProof="0">
-                <a:ln>
-                  <a:noFill/>
-                </a:ln>
-                <a:effectLst/>
-                <a:uLnTx/>
-                <a:uFillTx/>
-                <a:latin typeface="Segoe UI"/>
-                <a:ea typeface="+mn-ea"/>
-                <a:cs typeface="+mn-cs"/>
-              </a:rPr>
-              <a:t>PAYG Deployment 3</a:t>
-            </a:r>
-          </a:p>
-        </p:txBody>
-      </p:sp>
-      <mc:AlternateContent xmlns:mc="http://schemas.openxmlformats.org/markup-compatibility/2006">
-        <mc:Choice xmlns:p14="http://schemas.microsoft.com/office/powerpoint/2010/main" Requires="p14">
-          <p:contentPart p14:bwMode="auto" r:id="rId4">
-            <p14:nvContentPartPr>
-              <p14:cNvPr id="18" name="Freihand 17">
-                <a:extLst>
-                  <a:ext uri="{FF2B5EF4-FFF2-40B4-BE49-F238E27FC236}">
-                    <a16:creationId xmlns:a16="http://schemas.microsoft.com/office/drawing/2014/main" id="{C72974E0-AFAD-BFFF-1D64-00E17B995E4C}"/>
-                  </a:ext>
-                </a:extLst>
-              </p14:cNvPr>
-              <p14:cNvContentPartPr/>
-              <p14:nvPr/>
-            </p14:nvContentPartPr>
-            <p14:xfrm>
-              <a:off x="1089797" y="4302773"/>
-              <a:ext cx="7438737" cy="241930"/>
-            </p14:xfrm>
-          </p:contentPart>
-        </mc:Choice>
-        <mc:Fallback>
-          <p:pic>
-            <p:nvPicPr>
-              <p:cNvPr id="18" name="Freihand 17">
-                <a:extLst>
-                  <a:ext uri="{FF2B5EF4-FFF2-40B4-BE49-F238E27FC236}">
-                    <a16:creationId xmlns:a16="http://schemas.microsoft.com/office/drawing/2014/main" id="{C72974E0-AFAD-BFFF-1D64-00E17B995E4C}"/>
-                  </a:ext>
-                </a:extLst>
-              </p:cNvPr>
-              <p:cNvPicPr/>
-              <p:nvPr/>
-            </p:nvPicPr>
-            <p:blipFill>
-              <a:blip r:embed="rId5"/>
-              <a:stretch>
-                <a:fillRect/>
-              </a:stretch>
-            </p:blipFill>
-            <p:spPr>
-              <a:xfrm>
-                <a:off x="1080796" y="4293773"/>
-                <a:ext cx="7456378" cy="259571"/>
-              </a:xfrm>
-              <a:prstGeom prst="rect">
-                <a:avLst/>
-              </a:prstGeom>
-            </p:spPr>
-          </p:pic>
-        </mc:Fallback>
-      </mc:AlternateContent>
-      <p:sp>
-        <p:nvSpPr>
-          <p:cNvPr id="19" name="Textfeld 18">
-            <a:extLst>
-              <a:ext uri="{FF2B5EF4-FFF2-40B4-BE49-F238E27FC236}">
-                <a16:creationId xmlns:a16="http://schemas.microsoft.com/office/drawing/2014/main" id="{DA59674B-B02B-9DAC-B5F6-DB91D921F00B}"/>
-              </a:ext>
-            </a:extLst>
-          </p:cNvPr>
-          <p:cNvSpPr txBox="1"/>
-          <p:nvPr/>
-        </p:nvSpPr>
-        <p:spPr>
-          <a:xfrm>
-            <a:off x="7873662" y="4527574"/>
-            <a:ext cx="862737" cy="276999"/>
-          </a:xfrm>
-          <a:prstGeom prst="rect">
-            <a:avLst/>
-          </a:prstGeom>
-          <a:noFill/>
-        </p:spPr>
-        <p:txBody>
-          <a:bodyPr wrap="none" rtlCol="0">
-            <a:spAutoFit/>
-          </a:bodyPr>
-          <a:lstStyle/>
-          <a:p>
-            <a:pPr marL="0" marR="0" lvl="0" indent="0" algn="l" defTabSz="914400" rtl="0" eaLnBrk="1" fontAlgn="auto" latinLnBrk="0" hangingPunct="1">
-              <a:lnSpc>
-                <a:spcPct val="100000"/>
-              </a:lnSpc>
-              <a:spcBef>
-                <a:spcPts val="0"/>
-              </a:spcBef>
-              <a:spcAft>
-                <a:spcPts val="0"/>
-              </a:spcAft>
-              <a:buClrTx/>
-              <a:buSzTx/>
-              <a:buFontTx/>
-              <a:buNone/>
-              <a:tabLst/>
-              <a:defRPr/>
-            </a:pPr>
-            <a:r>
-              <a:rPr kumimoji="0" lang="de-DE" sz="1200" b="0" i="0" u="none" strike="noStrike" kern="1200" cap="none" spc="0" normalizeH="0" baseline="0" noProof="0">
-                <a:ln>
-                  <a:noFill/>
-                </a:ln>
-                <a:effectLst/>
-                <a:uLnTx/>
-                <a:uFillTx/>
-                <a:latin typeface="Segoe UI"/>
-                <a:ea typeface="+mn-ea"/>
-                <a:cs typeface="+mn-cs"/>
-              </a:rPr>
-              <a:t>streaming</a:t>
-            </a:r>
-          </a:p>
-        </p:txBody>
-      </p:sp>
-      <p:sp>
-        <p:nvSpPr>
-          <p:cNvPr id="20" name="Textfeld 19">
-            <a:extLst>
-              <a:ext uri="{FF2B5EF4-FFF2-40B4-BE49-F238E27FC236}">
-                <a16:creationId xmlns:a16="http://schemas.microsoft.com/office/drawing/2014/main" id="{490A7948-3209-23CE-072D-D91AC3FA9F9E}"/>
-              </a:ext>
-            </a:extLst>
-          </p:cNvPr>
-          <p:cNvSpPr txBox="1"/>
-          <p:nvPr/>
-        </p:nvSpPr>
-        <p:spPr>
-          <a:xfrm>
-            <a:off x="6893954" y="3633380"/>
-            <a:ext cx="2053767" cy="276999"/>
-          </a:xfrm>
-          <a:prstGeom prst="rect">
-            <a:avLst/>
-          </a:prstGeom>
-          <a:noFill/>
-        </p:spPr>
-        <p:txBody>
-          <a:bodyPr wrap="none" rtlCol="0">
-            <a:spAutoFit/>
-          </a:bodyPr>
-          <a:lstStyle/>
-          <a:p>
-            <a:pPr marL="0" marR="0" lvl="0" indent="0" algn="l" defTabSz="914400" rtl="0" eaLnBrk="1" fontAlgn="auto" latinLnBrk="0" hangingPunct="1">
-              <a:lnSpc>
-                <a:spcPct val="100000"/>
-              </a:lnSpc>
-              <a:spcBef>
-                <a:spcPts val="0"/>
-              </a:spcBef>
-              <a:spcAft>
-                <a:spcPts val="0"/>
-              </a:spcAft>
-              <a:buClrTx/>
-              <a:buSzTx/>
-              <a:buFontTx/>
-              <a:buNone/>
-              <a:tabLst/>
-              <a:defRPr/>
-            </a:pPr>
-            <a:r>
-              <a:rPr kumimoji="0" lang="de-DE" sz="1200" b="0" i="0" u="none" strike="noStrike" kern="1200" cap="none" spc="0" normalizeH="0" baseline="0" noProof="0">
-                <a:ln>
-                  <a:noFill/>
-                </a:ln>
-                <a:effectLst/>
-                <a:uLnTx/>
-                <a:uFillTx/>
-                <a:latin typeface="Segoe UI"/>
-                <a:ea typeface="+mn-ea"/>
-                <a:cs typeface="+mn-cs"/>
-              </a:rPr>
-              <a:t>streaming + non-streaming</a:t>
-            </a:r>
-          </a:p>
-        </p:txBody>
-      </p:sp>
-      <p:sp>
-        <p:nvSpPr>
-          <p:cNvPr id="2" name="Textfeld 1">
-            <a:extLst>
-              <a:ext uri="{FF2B5EF4-FFF2-40B4-BE49-F238E27FC236}">
-                <a16:creationId xmlns:a16="http://schemas.microsoft.com/office/drawing/2014/main" id="{DDB4E393-BBBD-2E5D-CD9B-B5D9D7884530}"/>
-              </a:ext>
-            </a:extLst>
-          </p:cNvPr>
-          <p:cNvSpPr txBox="1"/>
-          <p:nvPr/>
-        </p:nvSpPr>
-        <p:spPr>
-          <a:xfrm>
-            <a:off x="9416350" y="1176173"/>
-            <a:ext cx="2475037" cy="646331"/>
-          </a:xfrm>
-          <a:prstGeom prst="rect">
-            <a:avLst/>
-          </a:prstGeom>
-          <a:noFill/>
-        </p:spPr>
-        <p:txBody>
-          <a:bodyPr wrap="none" lIns="0" tIns="0" rIns="0" bIns="0" rtlCol="0">
-            <a:spAutoFit/>
-          </a:bodyPr>
-          <a:lstStyle/>
-          <a:p>
-            <a:pPr marL="0" marR="0" lvl="0" indent="0" algn="l" defTabSz="914400" rtl="0" eaLnBrk="1" fontAlgn="auto" latinLnBrk="0" hangingPunct="1">
-              <a:lnSpc>
-                <a:spcPct val="100000"/>
-              </a:lnSpc>
-              <a:spcBef>
-                <a:spcPts val="0"/>
-              </a:spcBef>
-              <a:spcAft>
-                <a:spcPts val="0"/>
-              </a:spcAft>
-              <a:buClrTx/>
-              <a:buSzTx/>
-              <a:buFontTx/>
-              <a:buNone/>
-              <a:tabLst/>
-              <a:defRPr/>
-            </a:pPr>
-            <a:r>
-              <a:rPr kumimoji="0" lang="de-DE" sz="1400" b="0" i="0" u="none" strike="noStrike" kern="1200" cap="none" spc="0" normalizeH="0" baseline="0" noProof="0">
-                <a:ln>
-                  <a:noFill/>
-                </a:ln>
-                <a:effectLst/>
-                <a:uLnTx/>
-                <a:uFillTx/>
-                <a:latin typeface="Segoe UI"/>
-                <a:ea typeface="+mn-ea"/>
-                <a:cs typeface="+mn-cs"/>
-              </a:rPr>
-              <a:t>✔️ Spike demands handled</a:t>
-            </a:r>
-          </a:p>
-          <a:p>
-            <a:pPr marL="0" marR="0" lvl="0" indent="0" algn="l" defTabSz="914400" rtl="0" eaLnBrk="1" fontAlgn="auto" latinLnBrk="0" hangingPunct="1">
-              <a:lnSpc>
-                <a:spcPct val="100000"/>
-              </a:lnSpc>
-              <a:spcBef>
-                <a:spcPts val="0"/>
-              </a:spcBef>
-              <a:spcAft>
-                <a:spcPts val="0"/>
-              </a:spcAft>
-              <a:buClrTx/>
-              <a:buSzTx/>
-              <a:buFontTx/>
-              <a:buNone/>
-              <a:tabLst/>
-              <a:defRPr/>
-            </a:pPr>
-            <a:r>
-              <a:rPr kumimoji="0" lang="de-DE" sz="1400" b="0" i="0" u="none" strike="noStrike" kern="1200" cap="none" spc="0" normalizeH="0" baseline="0" noProof="0">
-                <a:ln>
-                  <a:noFill/>
-                </a:ln>
-                <a:effectLst/>
-                <a:uLnTx/>
-                <a:uFillTx/>
-                <a:latin typeface="Segoe UI"/>
-                <a:ea typeface="+mn-ea"/>
-                <a:cs typeface="+mn-cs"/>
-              </a:rPr>
-              <a:t>✔️ Managed PTU before PAYG</a:t>
-            </a:r>
-          </a:p>
-          <a:p>
-            <a:pPr marL="0" marR="0" lvl="0" indent="0" algn="l" defTabSz="914400" rtl="0" eaLnBrk="1" fontAlgn="auto" latinLnBrk="0" hangingPunct="1">
-              <a:lnSpc>
-                <a:spcPct val="100000"/>
-              </a:lnSpc>
-              <a:spcBef>
-                <a:spcPts val="0"/>
-              </a:spcBef>
-              <a:spcAft>
-                <a:spcPts val="0"/>
-              </a:spcAft>
-              <a:buClrTx/>
-              <a:buSzTx/>
-              <a:buFontTx/>
-              <a:buNone/>
-              <a:tabLst/>
-              <a:defRPr/>
-            </a:pPr>
-            <a:r>
-              <a:rPr kumimoji="0" lang="de-DE" sz="1400" b="0" i="0" u="none" strike="noStrike" kern="1200" cap="none" spc="0" normalizeH="0" baseline="0" noProof="0">
-                <a:ln>
-                  <a:noFill/>
-                </a:ln>
-                <a:effectLst/>
-                <a:uLnTx/>
-                <a:uFillTx/>
-                <a:latin typeface="Segoe UI"/>
-                <a:ea typeface="+mn-ea"/>
-                <a:cs typeface="+mn-cs"/>
-              </a:rPr>
-              <a:t>✔️ Realtime before Batch</a:t>
-            </a:r>
-            <a:endParaRPr kumimoji="0" lang="de-DE" sz="1400" b="0" i="0" u="none" strike="noStrike" kern="1200" cap="none" spc="0" normalizeH="0" baseline="0" noProof="0" err="1">
-              <a:ln>
-                <a:noFill/>
-              </a:ln>
-              <a:effectLst/>
-              <a:uLnTx/>
-              <a:uFillTx/>
-              <a:latin typeface="Segoe UI"/>
-              <a:ea typeface="+mn-ea"/>
-              <a:cs typeface="+mn-cs"/>
-            </a:endParaRPr>
-          </a:p>
-        </p:txBody>
-      </p:sp>
+              </a:endParaRPr>
+            </a:p>
+          </p:txBody>
+        </p:sp>
+      </p:grpSp>
     </p:spTree>
     <p:extLst>
       <p:ext uri="{BB962C8B-B14F-4D97-AF65-F5344CB8AC3E}">
